--- a/ONIP/onip_b0_intro/B0_0_Outils_Methodes.pptx
+++ b/ONIP/onip_b0_intro/B0_0_Outils_Methodes.pptx
@@ -28,6 +28,8 @@
     <p:sldId id="260" r:id="rId22"/>
     <p:sldId id="270" r:id="rId23"/>
     <p:sldId id="269" r:id="rId24"/>
+    <p:sldId id="281" r:id="rId25"/>
+    <p:sldId id="282" r:id="rId26"/>
   </p:sldIdLst>
   <p:sldSz cx="12192000" cy="6858000"/>
   <p:notesSz cx="6858000" cy="9144000"/>
@@ -290,7 +292,7 @@
           <a:p>
             <a:fld id="{02AC24A9-CCB6-4F8D-B8DB-C2F3692CFA5A}" type="datetimeFigureOut">
               <a:rPr lang="en-US" smtClean="0"/>
-              <a:t>7/10/2023</a:t>
+              <a:t>7/18/2023</a:t>
             </a:fld>
             <a:endParaRPr lang="en-US" dirty="0"/>
           </a:p>
@@ -660,7 +662,7 @@
           <a:p>
             <a:fld id="{02AC24A9-CCB6-4F8D-B8DB-C2F3692CFA5A}" type="datetimeFigureOut">
               <a:rPr lang="en-US" smtClean="0"/>
-              <a:t>7/10/2023</a:t>
+              <a:t>7/18/2023</a:t>
             </a:fld>
             <a:endParaRPr lang="en-US"/>
           </a:p>
@@ -869,7 +871,7 @@
           <a:p>
             <a:fld id="{02AC24A9-CCB6-4F8D-B8DB-C2F3692CFA5A}" type="datetimeFigureOut">
               <a:rPr lang="en-US" smtClean="0"/>
-              <a:t>7/10/2023</a:t>
+              <a:t>7/18/2023</a:t>
             </a:fld>
             <a:endParaRPr lang="en-US"/>
           </a:p>
@@ -1339,7 +1341,7 @@
           <a:p>
             <a:fld id="{02AC24A9-CCB6-4F8D-B8DB-C2F3692CFA5A}" type="datetimeFigureOut">
               <a:rPr lang="en-US" smtClean="0"/>
-              <a:t>7/10/2023</a:t>
+              <a:t>7/18/2023</a:t>
             </a:fld>
             <a:endParaRPr lang="en-US"/>
           </a:p>
@@ -1793,7 +1795,7 @@
           <a:p>
             <a:fld id="{02AC24A9-CCB6-4F8D-B8DB-C2F3692CFA5A}" type="datetimeFigureOut">
               <a:rPr lang="en-US" smtClean="0"/>
-              <a:t>7/10/2023</a:t>
+              <a:t>7/18/2023</a:t>
             </a:fld>
             <a:endParaRPr lang="en-US"/>
           </a:p>
@@ -2325,7 +2327,7 @@
           <a:p>
             <a:fld id="{02AC24A9-CCB6-4F8D-B8DB-C2F3692CFA5A}" type="datetimeFigureOut">
               <a:rPr lang="en-US" smtClean="0"/>
-              <a:t>7/10/2023</a:t>
+              <a:t>7/18/2023</a:t>
             </a:fld>
             <a:endParaRPr lang="en-US"/>
           </a:p>
@@ -3024,7 +3026,7 @@
           <a:p>
             <a:fld id="{02AC24A9-CCB6-4F8D-B8DB-C2F3692CFA5A}" type="datetimeFigureOut">
               <a:rPr lang="en-US" smtClean="0"/>
-              <a:t>7/10/2023</a:t>
+              <a:t>7/18/2023</a:t>
             </a:fld>
             <a:endParaRPr lang="en-US"/>
           </a:p>
@@ -3353,7 +3355,7 @@
           <a:p>
             <a:fld id="{02AC24A9-CCB6-4F8D-B8DB-C2F3692CFA5A}" type="datetimeFigureOut">
               <a:rPr lang="en-US" smtClean="0"/>
-              <a:t>7/10/2023</a:t>
+              <a:t>7/18/2023</a:t>
             </a:fld>
             <a:endParaRPr lang="en-US"/>
           </a:p>
@@ -3466,7 +3468,7 @@
           <a:p>
             <a:fld id="{02AC24A9-CCB6-4F8D-B8DB-C2F3692CFA5A}" type="datetimeFigureOut">
               <a:rPr lang="en-US" smtClean="0"/>
-              <a:t>7/10/2023</a:t>
+              <a:t>7/18/2023</a:t>
             </a:fld>
             <a:endParaRPr lang="en-US"/>
           </a:p>
@@ -3961,7 +3963,7 @@
           <a:p>
             <a:fld id="{02AC24A9-CCB6-4F8D-B8DB-C2F3692CFA5A}" type="datetimeFigureOut">
               <a:rPr lang="en-US" smtClean="0"/>
-              <a:t>7/10/2023</a:t>
+              <a:t>7/18/2023</a:t>
             </a:fld>
             <a:endParaRPr lang="en-US" dirty="0"/>
           </a:p>
@@ -4438,7 +4440,7 @@
           <a:p>
             <a:fld id="{02AC24A9-CCB6-4F8D-B8DB-C2F3692CFA5A}" type="datetimeFigureOut">
               <a:rPr lang="en-US" smtClean="0"/>
-              <a:t>7/10/2023</a:t>
+              <a:t>7/18/2023</a:t>
             </a:fld>
             <a:endParaRPr lang="en-US"/>
           </a:p>
@@ -4681,7 +4683,7 @@
           <a:p>
             <a:fld id="{02AC24A9-CCB6-4F8D-B8DB-C2F3692CFA5A}" type="datetimeFigureOut">
               <a:rPr lang="en-US" smtClean="0"/>
-              <a:t>7/10/2023</a:t>
+              <a:t>7/18/2023</a:t>
             </a:fld>
             <a:endParaRPr lang="en-US"/>
           </a:p>
@@ -12749,6 +12751,801 @@
 </p:sld>
 </file>
 
+<file path=ppt/slides/slide24.xml><?xml version="1.0" encoding="utf-8"?>
+<p:sld xmlns:a="http://schemas.openxmlformats.org/drawingml/2006/main" xmlns:r="http://schemas.openxmlformats.org/officeDocument/2006/relationships" xmlns:p="http://schemas.openxmlformats.org/presentationml/2006/main">
+  <p:cSld>
+    <p:bg>
+      <p:bgPr>
+        <a:solidFill>
+          <a:schemeClr val="bg1"/>
+        </a:solidFill>
+        <a:effectLst/>
+      </p:bgPr>
+    </p:bg>
+    <p:spTree>
+      <p:nvGrpSpPr>
+        <p:cNvPr id="1" name=""/>
+        <p:cNvGrpSpPr/>
+        <p:nvPr/>
+      </p:nvGrpSpPr>
+      <p:grpSpPr>
+        <a:xfrm>
+          <a:off x="0" y="0"/>
+          <a:ext cx="0" cy="0"/>
+          <a:chOff x="0" y="0"/>
+          <a:chExt cx="0" cy="0"/>
+        </a:xfrm>
+      </p:grpSpPr>
+      <p:sp useBgFill="1">
+        <p:nvSpPr>
+          <p:cNvPr id="9" name="Rectangle 8">
+            <a:extLst>
+              <a:ext uri="{FF2B5EF4-FFF2-40B4-BE49-F238E27FC236}">
+                <a16:creationId xmlns:a16="http://schemas.microsoft.com/office/drawing/2014/main" id="{526E0BFB-CDF1-4990-8C11-AC849311E0A8}"/>
+              </a:ext>
+              <a:ext uri="{C183D7F6-B498-43B3-948B-1728B52AA6E4}">
+                <adec:decorative xmlns:adec="http://schemas.microsoft.com/office/drawing/2017/decorative" val="1"/>
+              </a:ext>
+            </a:extLst>
+          </p:cNvPr>
+          <p:cNvSpPr>
+            <a:spLocks noGrp="1" noRot="1" noChangeAspect="1" noMove="1" noResize="1" noEditPoints="1" noAdjustHandles="1" noChangeArrowheads="1" noChangeShapeType="1" noTextEdit="1"/>
+          </p:cNvSpPr>
+          <p:nvPr>
+            <p:extLst>
+              <p:ext uri="{386F3935-93C4-4BCD-93E2-E3B085C9AB24}">
+                <p16:designElem xmlns:p16="http://schemas.microsoft.com/office/powerpoint/2015/main" val="1"/>
+              </p:ext>
+            </p:extLst>
+          </p:nvPr>
+        </p:nvSpPr>
+        <p:spPr>
+          <a:xfrm>
+            <a:off x="0" y="0"/>
+            <a:ext cx="12192000" cy="6858000"/>
+          </a:xfrm>
+          <a:prstGeom prst="rect">
+            <a:avLst/>
+          </a:prstGeom>
+          <a:ln>
+            <a:noFill/>
+          </a:ln>
+        </p:spPr>
+        <p:style>
+          <a:lnRef idx="2">
+            <a:schemeClr val="accent1">
+              <a:shade val="50000"/>
+            </a:schemeClr>
+          </a:lnRef>
+          <a:fillRef idx="1">
+            <a:schemeClr val="accent1"/>
+          </a:fillRef>
+          <a:effectRef idx="0">
+            <a:schemeClr val="accent1"/>
+          </a:effectRef>
+          <a:fontRef idx="minor">
+            <a:schemeClr val="lt1"/>
+          </a:fontRef>
+        </p:style>
+        <p:txBody>
+          <a:bodyPr rtlCol="0" anchor="ctr"/>
+          <a:lstStyle/>
+          <a:p>
+            <a:pPr algn="ctr"/>
+            <a:endParaRPr lang="en-US"/>
+          </a:p>
+        </p:txBody>
+      </p:sp>
+      <p:pic>
+        <p:nvPicPr>
+          <p:cNvPr id="4" name="Picture 3">
+            <a:extLst>
+              <a:ext uri="{FF2B5EF4-FFF2-40B4-BE49-F238E27FC236}">
+                <a16:creationId xmlns:a16="http://schemas.microsoft.com/office/drawing/2014/main" id="{4C72F330-992B-B125-739B-F8303ED3A097}"/>
+              </a:ext>
+            </a:extLst>
+          </p:cNvPr>
+          <p:cNvPicPr>
+            <a:picLocks noChangeAspect="1"/>
+          </p:cNvPicPr>
+          <p:nvPr/>
+        </p:nvPicPr>
+        <p:blipFill rotWithShape="1">
+          <a:blip r:embed="rId2"/>
+          <a:srcRect t="11669" r="-1" b="426"/>
+          <a:stretch/>
+        </p:blipFill>
+        <p:spPr>
+          <a:xfrm>
+            <a:off x="-2" y="10"/>
+            <a:ext cx="8668512" cy="6857990"/>
+          </a:xfrm>
+          <a:prstGeom prst="rect">
+            <a:avLst/>
+          </a:prstGeom>
+        </p:spPr>
+      </p:pic>
+      <p:sp>
+        <p:nvSpPr>
+          <p:cNvPr id="11" name="Rectangle 10">
+            <a:extLst>
+              <a:ext uri="{FF2B5EF4-FFF2-40B4-BE49-F238E27FC236}">
+                <a16:creationId xmlns:a16="http://schemas.microsoft.com/office/drawing/2014/main" id="{6069A1F8-9BEB-4786-9694-FC48B2D75D21}"/>
+              </a:ext>
+              <a:ext uri="{C183D7F6-B498-43B3-948B-1728B52AA6E4}">
+                <adec:decorative xmlns:adec="http://schemas.microsoft.com/office/drawing/2017/decorative" val="1"/>
+              </a:ext>
+            </a:extLst>
+          </p:cNvPr>
+          <p:cNvSpPr>
+            <a:spLocks noGrp="1" noRot="1" noChangeAspect="1" noMove="1" noResize="1" noEditPoints="1" noAdjustHandles="1" noChangeArrowheads="1" noChangeShapeType="1" noTextEdit="1"/>
+          </p:cNvSpPr>
+          <p:nvPr>
+            <p:extLst>
+              <p:ext uri="{386F3935-93C4-4BCD-93E2-E3B085C9AB24}">
+                <p16:designElem xmlns:p16="http://schemas.microsoft.com/office/powerpoint/2015/main" val="1"/>
+              </p:ext>
+            </p:extLst>
+          </p:nvPr>
+        </p:nvSpPr>
+        <p:spPr>
+          <a:xfrm flipH="1">
+            <a:off x="2788244" y="0"/>
+            <a:ext cx="9403756" cy="6858000"/>
+          </a:xfrm>
+          <a:prstGeom prst="rect">
+            <a:avLst/>
+          </a:prstGeom>
+          <a:gradFill>
+            <a:gsLst>
+              <a:gs pos="58000">
+                <a:schemeClr val="bg1"/>
+              </a:gs>
+              <a:gs pos="30000">
+                <a:schemeClr val="bg1">
+                  <a:alpha val="64000"/>
+                </a:schemeClr>
+              </a:gs>
+              <a:gs pos="0">
+                <a:schemeClr val="bg1">
+                  <a:alpha val="0"/>
+                </a:schemeClr>
+              </a:gs>
+              <a:gs pos="100000">
+                <a:schemeClr val="bg1"/>
+              </a:gs>
+            </a:gsLst>
+            <a:lin ang="10800000" scaled="0"/>
+          </a:gradFill>
+          <a:ln>
+            <a:noFill/>
+          </a:ln>
+        </p:spPr>
+        <p:style>
+          <a:lnRef idx="2">
+            <a:schemeClr val="accent1">
+              <a:shade val="50000"/>
+            </a:schemeClr>
+          </a:lnRef>
+          <a:fillRef idx="1">
+            <a:schemeClr val="accent1"/>
+          </a:fillRef>
+          <a:effectRef idx="0">
+            <a:schemeClr val="accent1"/>
+          </a:effectRef>
+          <a:fontRef idx="minor">
+            <a:schemeClr val="lt1"/>
+          </a:fontRef>
+        </p:style>
+        <p:txBody>
+          <a:bodyPr rtlCol="0" anchor="ctr"/>
+          <a:lstStyle/>
+          <a:p>
+            <a:pPr algn="ctr"/>
+            <a:endParaRPr lang="en-US" dirty="0"/>
+          </a:p>
+        </p:txBody>
+      </p:sp>
+      <p:sp>
+        <p:nvSpPr>
+          <p:cNvPr id="2" name="Titre 1">
+            <a:extLst>
+              <a:ext uri="{FF2B5EF4-FFF2-40B4-BE49-F238E27FC236}">
+                <a16:creationId xmlns:a16="http://schemas.microsoft.com/office/drawing/2014/main" id="{CF8D1EB8-F6E7-EB54-1CC8-28472070B9FC}"/>
+              </a:ext>
+            </a:extLst>
+          </p:cNvPr>
+          <p:cNvSpPr>
+            <a:spLocks noGrp="1"/>
+          </p:cNvSpPr>
+          <p:nvPr>
+            <p:ph type="ctrTitle"/>
+          </p:nvPr>
+        </p:nvSpPr>
+        <p:spPr>
+          <a:xfrm>
+            <a:off x="7848600" y="1122363"/>
+            <a:ext cx="4023360" cy="3204134"/>
+          </a:xfrm>
+        </p:spPr>
+        <p:txBody>
+          <a:bodyPr anchor="b">
+            <a:normAutofit/>
+          </a:bodyPr>
+          <a:lstStyle/>
+          <a:p>
+            <a:r>
+              <a:rPr lang="fr-FR" sz="4800" dirty="0">
+                <a:latin typeface="Bahnschrift SemiBold" panose="020B0502040204020203" pitchFamily="34" charset="0"/>
+              </a:rPr>
+              <a:t>Evaluations</a:t>
+            </a:r>
+          </a:p>
+        </p:txBody>
+      </p:sp>
+      <p:sp>
+        <p:nvSpPr>
+          <p:cNvPr id="3" name="Sous-titre 2">
+            <a:extLst>
+              <a:ext uri="{FF2B5EF4-FFF2-40B4-BE49-F238E27FC236}">
+                <a16:creationId xmlns:a16="http://schemas.microsoft.com/office/drawing/2014/main" id="{BDFEFAEF-AB6A-BE8F-01E7-845FB609FA07}"/>
+              </a:ext>
+            </a:extLst>
+          </p:cNvPr>
+          <p:cNvSpPr>
+            <a:spLocks noGrp="1"/>
+          </p:cNvSpPr>
+          <p:nvPr>
+            <p:ph type="subTitle" idx="1"/>
+          </p:nvPr>
+        </p:nvSpPr>
+        <p:spPr>
+          <a:xfrm>
+            <a:off x="7848600" y="4872922"/>
+            <a:ext cx="4023360" cy="1208141"/>
+          </a:xfrm>
+        </p:spPr>
+        <p:txBody>
+          <a:bodyPr>
+            <a:normAutofit/>
+          </a:bodyPr>
+          <a:lstStyle/>
+          <a:p>
+            <a:r>
+              <a:rPr lang="fr-FR" sz="2000" dirty="0">
+                <a:latin typeface="Bahnschrift Light" panose="020B0502040204020203" pitchFamily="34" charset="0"/>
+              </a:rPr>
+              <a:t>Outils Numériques / Semestre 5 Institut d’Optique / B1_0</a:t>
+            </a:r>
+          </a:p>
+        </p:txBody>
+      </p:sp>
+      <p:sp>
+        <p:nvSpPr>
+          <p:cNvPr id="32" name="Rectangle 12">
+            <a:extLst>
+              <a:ext uri="{FF2B5EF4-FFF2-40B4-BE49-F238E27FC236}">
+                <a16:creationId xmlns:a16="http://schemas.microsoft.com/office/drawing/2014/main" id="{AF2F604E-43BE-4DC3-B983-E071523364F8}"/>
+              </a:ext>
+              <a:ext uri="{C183D7F6-B498-43B3-948B-1728B52AA6E4}">
+                <adec:decorative xmlns:adec="http://schemas.microsoft.com/office/drawing/2017/decorative" val="1"/>
+              </a:ext>
+            </a:extLst>
+          </p:cNvPr>
+          <p:cNvSpPr>
+            <a:spLocks noGrp="1" noRot="1" noChangeAspect="1" noMove="1" noResize="1" noEditPoints="1" noAdjustHandles="1" noChangeArrowheads="1" noChangeShapeType="1" noTextEdit="1"/>
+          </p:cNvSpPr>
+          <p:nvPr>
+            <p:extLst>
+              <p:ext uri="{386F3935-93C4-4BCD-93E2-E3B085C9AB24}">
+                <p16:designElem xmlns:p16="http://schemas.microsoft.com/office/powerpoint/2015/main" val="1"/>
+              </p:ext>
+            </p:extLst>
+          </p:nvPr>
+        </p:nvSpPr>
+        <p:spPr>
+          <a:xfrm rot="5400000">
+            <a:off x="8130540" y="346791"/>
+            <a:ext cx="146304" cy="704088"/>
+          </a:xfrm>
+          <a:prstGeom prst="rect">
+            <a:avLst/>
+          </a:prstGeom>
+          <a:solidFill>
+            <a:schemeClr val="accent1"/>
+          </a:solidFill>
+          <a:ln>
+            <a:noFill/>
+          </a:ln>
+        </p:spPr>
+        <p:style>
+          <a:lnRef idx="2">
+            <a:schemeClr val="accent1">
+              <a:shade val="50000"/>
+            </a:schemeClr>
+          </a:lnRef>
+          <a:fillRef idx="1">
+            <a:schemeClr val="accent1"/>
+          </a:fillRef>
+          <a:effectRef idx="0">
+            <a:schemeClr val="accent1"/>
+          </a:effectRef>
+          <a:fontRef idx="minor">
+            <a:schemeClr val="lt1"/>
+          </a:fontRef>
+        </p:style>
+        <p:txBody>
+          <a:bodyPr rtlCol="0" anchor="ctr"/>
+          <a:lstStyle/>
+          <a:p>
+            <a:pPr marL="0" marR="0" lvl="0" indent="0" algn="ctr" defTabSz="914400" rtl="0" eaLnBrk="1" fontAlgn="auto" latinLnBrk="0" hangingPunct="1">
+              <a:lnSpc>
+                <a:spcPct val="100000"/>
+              </a:lnSpc>
+              <a:spcBef>
+                <a:spcPts val="0"/>
+              </a:spcBef>
+              <a:spcAft>
+                <a:spcPts val="0"/>
+              </a:spcAft>
+              <a:buClrTx/>
+              <a:buSzTx/>
+              <a:buFontTx/>
+              <a:buNone/>
+              <a:tabLst/>
+              <a:defRPr/>
+            </a:pPr>
+            <a:endParaRPr kumimoji="0" lang="en-US" sz="1800" b="0" i="0" u="none" strike="noStrike" kern="1200" cap="none" spc="0" normalizeH="0" baseline="0" noProof="0">
+              <a:ln>
+                <a:noFill/>
+              </a:ln>
+              <a:solidFill>
+                <a:prstClr val="white"/>
+              </a:solidFill>
+              <a:effectLst/>
+              <a:uLnTx/>
+              <a:uFillTx/>
+              <a:latin typeface="Calibri" panose="020F0502020204030204"/>
+              <a:ea typeface="+mn-ea"/>
+              <a:cs typeface="+mn-cs"/>
+            </a:endParaRPr>
+          </a:p>
+        </p:txBody>
+      </p:sp>
+      <p:sp>
+        <p:nvSpPr>
+          <p:cNvPr id="33" name="Rectangle 14">
+            <a:extLst>
+              <a:ext uri="{FF2B5EF4-FFF2-40B4-BE49-F238E27FC236}">
+                <a16:creationId xmlns:a16="http://schemas.microsoft.com/office/drawing/2014/main" id="{08C9B587-E65E-4B52-B37C-ABEBB6E87928}"/>
+              </a:ext>
+              <a:ext uri="{C183D7F6-B498-43B3-948B-1728B52AA6E4}">
+                <adec:decorative xmlns:adec="http://schemas.microsoft.com/office/drawing/2017/decorative" val="1"/>
+              </a:ext>
+            </a:extLst>
+          </p:cNvPr>
+          <p:cNvSpPr>
+            <a:spLocks noGrp="1" noRot="1" noChangeAspect="1" noMove="1" noResize="1" noEditPoints="1" noAdjustHandles="1" noChangeArrowheads="1" noChangeShapeType="1" noTextEdit="1"/>
+          </p:cNvSpPr>
+          <p:nvPr>
+            <p:extLst>
+              <p:ext uri="{386F3935-93C4-4BCD-93E2-E3B085C9AB24}">
+                <p16:designElem xmlns:p16="http://schemas.microsoft.com/office/powerpoint/2015/main" val="1"/>
+              </p:ext>
+            </p:extLst>
+          </p:nvPr>
+        </p:nvSpPr>
+        <p:spPr>
+          <a:xfrm>
+            <a:off x="7851648" y="4546920"/>
+            <a:ext cx="4023360" cy="18288"/>
+          </a:xfrm>
+          <a:prstGeom prst="rect">
+            <a:avLst/>
+          </a:prstGeom>
+          <a:solidFill>
+            <a:schemeClr val="tx1"/>
+          </a:solidFill>
+          <a:ln w="3175">
+            <a:noFill/>
+          </a:ln>
+          <a:effectLst/>
+        </p:spPr>
+        <p:style>
+          <a:lnRef idx="2">
+            <a:schemeClr val="accent1">
+              <a:shade val="50000"/>
+            </a:schemeClr>
+          </a:lnRef>
+          <a:fillRef idx="1">
+            <a:schemeClr val="accent1"/>
+          </a:fillRef>
+          <a:effectRef idx="0">
+            <a:schemeClr val="accent1"/>
+          </a:effectRef>
+          <a:fontRef idx="minor">
+            <a:schemeClr val="lt1"/>
+          </a:fontRef>
+        </p:style>
+        <p:txBody>
+          <a:bodyPr rtlCol="0" anchor="ctr"/>
+          <a:lstStyle/>
+          <a:p>
+            <a:pPr marL="0" marR="0" lvl="0" indent="0" algn="ctr" defTabSz="914400" rtl="0" eaLnBrk="1" fontAlgn="auto" latinLnBrk="0" hangingPunct="1">
+              <a:lnSpc>
+                <a:spcPct val="100000"/>
+              </a:lnSpc>
+              <a:spcBef>
+                <a:spcPts val="0"/>
+              </a:spcBef>
+              <a:spcAft>
+                <a:spcPts val="0"/>
+              </a:spcAft>
+              <a:buClrTx/>
+              <a:buSzTx/>
+              <a:buFontTx/>
+              <a:buNone/>
+              <a:tabLst/>
+              <a:defRPr/>
+            </a:pPr>
+            <a:endParaRPr kumimoji="0" lang="en-US" sz="1800" b="0" i="0" u="none" strike="noStrike" kern="1200" cap="none" spc="0" normalizeH="0" baseline="0" noProof="0">
+              <a:ln>
+                <a:noFill/>
+              </a:ln>
+              <a:solidFill>
+                <a:prstClr val="white"/>
+              </a:solidFill>
+              <a:effectLst/>
+              <a:uLnTx/>
+              <a:uFillTx/>
+              <a:latin typeface="Calibri" panose="020F0502020204030204"/>
+              <a:ea typeface="+mn-ea"/>
+              <a:cs typeface="+mn-cs"/>
+            </a:endParaRPr>
+          </a:p>
+        </p:txBody>
+      </p:sp>
+      <p:pic>
+        <p:nvPicPr>
+          <p:cNvPr id="6" name="Image 5" descr="Une image contenant texte&#10;&#10;Description générée automatiquement">
+            <a:extLst>
+              <a:ext uri="{FF2B5EF4-FFF2-40B4-BE49-F238E27FC236}">
+                <a16:creationId xmlns:a16="http://schemas.microsoft.com/office/drawing/2014/main" id="{3D75D9F9-6192-EA6A-A7C9-F09C6FC342AD}"/>
+              </a:ext>
+            </a:extLst>
+          </p:cNvPr>
+          <p:cNvPicPr>
+            <a:picLocks noChangeAspect="1"/>
+          </p:cNvPicPr>
+          <p:nvPr/>
+        </p:nvPicPr>
+        <p:blipFill>
+          <a:blip r:embed="rId3">
+            <a:extLst>
+              <a:ext uri="{28A0092B-C50C-407E-A947-70E740481C1C}">
+                <a14:useLocalDpi xmlns:a14="http://schemas.microsoft.com/office/drawing/2010/main" val="0"/>
+              </a:ext>
+            </a:extLst>
+          </a:blip>
+          <a:stretch>
+            <a:fillRect/>
+          </a:stretch>
+        </p:blipFill>
+        <p:spPr>
+          <a:xfrm>
+            <a:off x="168033" y="195172"/>
+            <a:ext cx="2452178" cy="1007326"/>
+          </a:xfrm>
+          <a:prstGeom prst="rect">
+            <a:avLst/>
+          </a:prstGeom>
+        </p:spPr>
+      </p:pic>
+    </p:spTree>
+    <p:extLst>
+      <p:ext uri="{BB962C8B-B14F-4D97-AF65-F5344CB8AC3E}">
+        <p14:creationId xmlns:p14="http://schemas.microsoft.com/office/powerpoint/2010/main" val="493874568"/>
+      </p:ext>
+    </p:extLst>
+  </p:cSld>
+  <p:clrMapOvr>
+    <a:overrideClrMapping bg1="dk1" tx1="lt1" bg2="dk2" tx2="lt2" accent1="accent1" accent2="accent2" accent3="accent3" accent4="accent4" accent5="accent5" accent6="accent6" hlink="hlink" folHlink="folHlink"/>
+  </p:clrMapOvr>
+</p:sld>
+</file>
+
+<file path=ppt/slides/slide25.xml><?xml version="1.0" encoding="utf-8"?>
+<p:sld xmlns:a="http://schemas.openxmlformats.org/drawingml/2006/main" xmlns:r="http://schemas.openxmlformats.org/officeDocument/2006/relationships" xmlns:p="http://schemas.openxmlformats.org/presentationml/2006/main">
+  <p:cSld>
+    <p:spTree>
+      <p:nvGrpSpPr>
+        <p:cNvPr id="1" name=""/>
+        <p:cNvGrpSpPr/>
+        <p:nvPr/>
+      </p:nvGrpSpPr>
+      <p:grpSpPr>
+        <a:xfrm>
+          <a:off x="0" y="0"/>
+          <a:ext cx="0" cy="0"/>
+          <a:chOff x="0" y="0"/>
+          <a:chExt cx="0" cy="0"/>
+        </a:xfrm>
+      </p:grpSpPr>
+      <p:sp>
+        <p:nvSpPr>
+          <p:cNvPr id="3" name="Espace réservé du contenu 2">
+            <a:extLst>
+              <a:ext uri="{FF2B5EF4-FFF2-40B4-BE49-F238E27FC236}">
+                <a16:creationId xmlns:a16="http://schemas.microsoft.com/office/drawing/2014/main" id="{E0BBB9DE-019C-C741-F224-494739D4B752}"/>
+              </a:ext>
+            </a:extLst>
+          </p:cNvPr>
+          <p:cNvSpPr>
+            <a:spLocks noGrp="1"/>
+          </p:cNvSpPr>
+          <p:nvPr>
+            <p:ph sz="half" idx="1"/>
+          </p:nvPr>
+        </p:nvSpPr>
+        <p:spPr>
+          <a:xfrm>
+            <a:off x="1115568" y="2478024"/>
+            <a:ext cx="10168128" cy="3694176"/>
+          </a:xfrm>
+        </p:spPr>
+        <p:txBody>
+          <a:bodyPr>
+            <a:normAutofit/>
+          </a:bodyPr>
+          <a:lstStyle/>
+          <a:p>
+            <a:r>
+              <a:rPr lang="fr-FR" b="1" dirty="0"/>
+              <a:t>Travail réalisé</a:t>
+            </a:r>
+          </a:p>
+          <a:p>
+            <a:pPr lvl="1"/>
+            <a:r>
+              <a:rPr lang="fr-FR" dirty="0"/>
+              <a:t>1 évaluation par bloc </a:t>
+            </a:r>
+            <a:br>
+              <a:rPr lang="fr-FR" dirty="0"/>
+            </a:br>
+            <a:r>
+              <a:rPr lang="fr-FR" dirty="0"/>
+              <a:t>	faite par </a:t>
+            </a:r>
+            <a:r>
+              <a:rPr lang="fr-FR" dirty="0" err="1"/>
+              <a:t>un.e</a:t>
+            </a:r>
+            <a:r>
+              <a:rPr lang="fr-FR" dirty="0"/>
+              <a:t> </a:t>
+            </a:r>
+            <a:r>
+              <a:rPr lang="fr-FR" dirty="0" err="1"/>
+              <a:t>encadrant.e</a:t>
+            </a:r>
+            <a:r>
+              <a:rPr lang="fr-FR" dirty="0"/>
+              <a:t> </a:t>
+            </a:r>
+          </a:p>
+          <a:p>
+            <a:pPr lvl="1"/>
+            <a:r>
+              <a:rPr lang="fr-FR" dirty="0"/>
+              <a:t>1 auto-évaluation</a:t>
+            </a:r>
+          </a:p>
+          <a:p>
+            <a:pPr lvl="1"/>
+            <a:r>
+              <a:rPr lang="fr-FR" dirty="0"/>
+              <a:t>Grille critériée :</a:t>
+            </a:r>
+          </a:p>
+          <a:p>
+            <a:pPr lvl="2"/>
+            <a:r>
+              <a:rPr lang="fr-FR" sz="1600" dirty="0"/>
+              <a:t>A – 4 points</a:t>
+            </a:r>
+          </a:p>
+          <a:p>
+            <a:pPr lvl="2"/>
+            <a:r>
+              <a:rPr lang="fr-FR" sz="1600" dirty="0"/>
+              <a:t>B – 2 points</a:t>
+            </a:r>
+          </a:p>
+          <a:p>
+            <a:pPr lvl="2"/>
+            <a:r>
+              <a:rPr lang="fr-FR" sz="1600" dirty="0"/>
+              <a:t>C – 1 point</a:t>
+            </a:r>
+          </a:p>
+          <a:p>
+            <a:pPr lvl="2"/>
+            <a:r>
+              <a:rPr lang="fr-FR" sz="1600" dirty="0"/>
+              <a:t>D – 0 point</a:t>
+            </a:r>
+          </a:p>
+        </p:txBody>
+      </p:sp>
+      <p:sp>
+        <p:nvSpPr>
+          <p:cNvPr id="2" name="Titre 1">
+            <a:extLst>
+              <a:ext uri="{FF2B5EF4-FFF2-40B4-BE49-F238E27FC236}">
+                <a16:creationId xmlns:a16="http://schemas.microsoft.com/office/drawing/2014/main" id="{90162AE8-C1B0-5C56-8313-DEE494F38273}"/>
+              </a:ext>
+            </a:extLst>
+          </p:cNvPr>
+          <p:cNvSpPr>
+            <a:spLocks noGrp="1"/>
+          </p:cNvSpPr>
+          <p:nvPr>
+            <p:ph type="title"/>
+          </p:nvPr>
+        </p:nvSpPr>
+        <p:spPr/>
+        <p:txBody>
+          <a:bodyPr/>
+          <a:lstStyle/>
+          <a:p>
+            <a:r>
+              <a:rPr lang="fr-FR" dirty="0"/>
+              <a:t>Evaluations</a:t>
+            </a:r>
+          </a:p>
+        </p:txBody>
+      </p:sp>
+      <p:pic>
+        <p:nvPicPr>
+          <p:cNvPr id="5" name="Image 4" descr="Une image contenant texte&#10;&#10;Description générée automatiquement">
+            <a:extLst>
+              <a:ext uri="{FF2B5EF4-FFF2-40B4-BE49-F238E27FC236}">
+                <a16:creationId xmlns:a16="http://schemas.microsoft.com/office/drawing/2014/main" id="{204ADC40-1D61-539F-22ED-6B21D67FBDE6}"/>
+              </a:ext>
+            </a:extLst>
+          </p:cNvPr>
+          <p:cNvPicPr>
+            <a:picLocks noChangeAspect="1"/>
+          </p:cNvPicPr>
+          <p:nvPr/>
+        </p:nvPicPr>
+        <p:blipFill>
+          <a:blip r:embed="rId2">
+            <a:extLst>
+              <a:ext uri="{28A0092B-C50C-407E-A947-70E740481C1C}">
+                <a14:useLocalDpi xmlns:a14="http://schemas.microsoft.com/office/drawing/2010/main" val="0"/>
+              </a:ext>
+            </a:extLst>
+          </a:blip>
+          <a:stretch>
+            <a:fillRect/>
+          </a:stretch>
+        </p:blipFill>
+        <p:spPr>
+          <a:xfrm>
+            <a:off x="202922" y="5934456"/>
+            <a:ext cx="1825291" cy="749808"/>
+          </a:xfrm>
+          <a:prstGeom prst="rect">
+            <a:avLst/>
+          </a:prstGeom>
+        </p:spPr>
+      </p:pic>
+      <p:pic>
+        <p:nvPicPr>
+          <p:cNvPr id="6" name="Image 5">
+            <a:extLst>
+              <a:ext uri="{FF2B5EF4-FFF2-40B4-BE49-F238E27FC236}">
+                <a16:creationId xmlns:a16="http://schemas.microsoft.com/office/drawing/2014/main" id="{5F1D76F5-AC30-1AAD-6A4B-47FE3A75FA80}"/>
+              </a:ext>
+            </a:extLst>
+          </p:cNvPr>
+          <p:cNvPicPr>
+            <a:picLocks noChangeAspect="1"/>
+          </p:cNvPicPr>
+          <p:nvPr/>
+        </p:nvPicPr>
+        <p:blipFill>
+          <a:blip r:embed="rId3"/>
+          <a:stretch>
+            <a:fillRect/>
+          </a:stretch>
+        </p:blipFill>
+        <p:spPr>
+          <a:xfrm>
+            <a:off x="7472111" y="135533"/>
+            <a:ext cx="7208641" cy="6440109"/>
+          </a:xfrm>
+          <a:prstGeom prst="rect">
+            <a:avLst/>
+          </a:prstGeom>
+        </p:spPr>
+      </p:pic>
+      <p:sp>
+        <p:nvSpPr>
+          <p:cNvPr id="8" name="ZoneTexte 7">
+            <a:extLst>
+              <a:ext uri="{FF2B5EF4-FFF2-40B4-BE49-F238E27FC236}">
+                <a16:creationId xmlns:a16="http://schemas.microsoft.com/office/drawing/2014/main" id="{47CBBA6B-DA77-0ACE-B756-C02530B93E3F}"/>
+              </a:ext>
+            </a:extLst>
+          </p:cNvPr>
+          <p:cNvSpPr txBox="1"/>
+          <p:nvPr/>
+        </p:nvSpPr>
+        <p:spPr>
+          <a:xfrm>
+            <a:off x="4835296" y="5156537"/>
+            <a:ext cx="2180492" cy="1015663"/>
+          </a:xfrm>
+          <a:prstGeom prst="rect">
+            <a:avLst/>
+          </a:prstGeom>
+          <a:solidFill>
+            <a:srgbClr val="00B0F0"/>
+          </a:solidFill>
+        </p:spPr>
+        <p:txBody>
+          <a:bodyPr wrap="square" rtlCol="0">
+            <a:spAutoFit/>
+          </a:bodyPr>
+          <a:lstStyle/>
+          <a:p>
+            <a:r>
+              <a:rPr lang="fr-FR" sz="2000" b="1" dirty="0">
+                <a:solidFill>
+                  <a:schemeClr val="bg1"/>
+                </a:solidFill>
+              </a:rPr>
+              <a:t>Note Module</a:t>
+            </a:r>
+          </a:p>
+          <a:p>
+            <a:r>
+              <a:rPr lang="fr-FR" sz="2000" dirty="0">
+                <a:solidFill>
+                  <a:schemeClr val="bg1"/>
+                </a:solidFill>
+              </a:rPr>
+              <a:t>	50% Bloc 2</a:t>
+            </a:r>
+          </a:p>
+          <a:p>
+            <a:r>
+              <a:rPr lang="fr-FR" sz="2000" dirty="0">
+                <a:solidFill>
+                  <a:schemeClr val="bg1"/>
+                </a:solidFill>
+              </a:rPr>
+              <a:t>	50% Bloc 3</a:t>
+            </a:r>
+          </a:p>
+        </p:txBody>
+      </p:sp>
+    </p:spTree>
+    <p:extLst>
+      <p:ext uri="{BB962C8B-B14F-4D97-AF65-F5344CB8AC3E}">
+        <p14:creationId xmlns:p14="http://schemas.microsoft.com/office/powerpoint/2010/main" val="323842513"/>
+      </p:ext>
+    </p:extLst>
+  </p:cSld>
+  <p:clrMapOvr>
+    <a:masterClrMapping/>
+  </p:clrMapOvr>
+</p:sld>
+</file>
+
 <file path=ppt/slides/slide3.xml><?xml version="1.0" encoding="utf-8"?>
 <p:sld xmlns:a="http://schemas.openxmlformats.org/drawingml/2006/main" xmlns:r="http://schemas.openxmlformats.org/officeDocument/2006/relationships" xmlns:p="http://schemas.openxmlformats.org/presentationml/2006/main">
   <p:cSld>

--- a/ONIP/onip_b0_intro/B0_0_Outils_Methodes.pptx
+++ b/ONIP/onip_b0_intro/B0_0_Outils_Methodes.pptx
@@ -22,14 +22,16 @@
     <p:sldId id="262" r:id="rId16"/>
     <p:sldId id="264" r:id="rId17"/>
     <p:sldId id="265" r:id="rId18"/>
-    <p:sldId id="266" r:id="rId19"/>
-    <p:sldId id="263" r:id="rId20"/>
-    <p:sldId id="261" r:id="rId21"/>
-    <p:sldId id="260" r:id="rId22"/>
-    <p:sldId id="270" r:id="rId23"/>
-    <p:sldId id="269" r:id="rId24"/>
-    <p:sldId id="281" r:id="rId25"/>
-    <p:sldId id="282" r:id="rId26"/>
+    <p:sldId id="283" r:id="rId19"/>
+    <p:sldId id="284" r:id="rId20"/>
+    <p:sldId id="266" r:id="rId21"/>
+    <p:sldId id="263" r:id="rId22"/>
+    <p:sldId id="261" r:id="rId23"/>
+    <p:sldId id="260" r:id="rId24"/>
+    <p:sldId id="270" r:id="rId25"/>
+    <p:sldId id="269" r:id="rId26"/>
+    <p:sldId id="281" r:id="rId27"/>
+    <p:sldId id="282" r:id="rId28"/>
   </p:sldIdLst>
   <p:sldSz cx="12192000" cy="6858000"/>
   <p:notesSz cx="6858000" cy="9144000"/>
@@ -8273,8 +8275,13 @@
           <a:p>
             <a:r>
               <a:rPr lang="fr-FR" dirty="0"/>
-              <a:t>GitHub</a:t>
-            </a:r>
+              <a:t>Git / </a:t>
+            </a:r>
+            <a:r>
+              <a:rPr lang="fr-FR" dirty="0" err="1"/>
+              <a:t>Versionning</a:t>
+            </a:r>
+            <a:endParaRPr lang="fr-FR" dirty="0"/>
           </a:p>
         </p:txBody>
       </p:sp>
@@ -8316,10 +8323,136 @@
       </p:pic>
       <p:pic>
         <p:nvPicPr>
-          <p:cNvPr id="2050" name="Picture 2" descr="Résultat de recherche d'images pour &quot;github logo&quot;">
-            <a:extLst>
-              <a:ext uri="{FF2B5EF4-FFF2-40B4-BE49-F238E27FC236}">
-                <a16:creationId xmlns:a16="http://schemas.microsoft.com/office/drawing/2014/main" id="{EF17F59B-3DC2-541B-6AF7-484C8DC259FE}"/>
+          <p:cNvPr id="41" name="Image 40">
+            <a:extLst>
+              <a:ext uri="{FF2B5EF4-FFF2-40B4-BE49-F238E27FC236}">
+                <a16:creationId xmlns:a16="http://schemas.microsoft.com/office/drawing/2014/main" id="{41071474-0EEF-CB6B-D2F1-ACC72F5C06A3}"/>
+              </a:ext>
+            </a:extLst>
+          </p:cNvPr>
+          <p:cNvPicPr>
+            <a:picLocks noChangeAspect="1"/>
+          </p:cNvPicPr>
+          <p:nvPr/>
+        </p:nvPicPr>
+        <p:blipFill>
+          <a:blip r:embed="rId3"/>
+          <a:stretch>
+            <a:fillRect/>
+          </a:stretch>
+        </p:blipFill>
+        <p:spPr>
+          <a:xfrm>
+            <a:off x="4121063" y="2285615"/>
+            <a:ext cx="7675649" cy="4443797"/>
+          </a:xfrm>
+          <a:prstGeom prst="rect">
+            <a:avLst/>
+          </a:prstGeom>
+        </p:spPr>
+      </p:pic>
+      <p:sp>
+        <p:nvSpPr>
+          <p:cNvPr id="43" name="ZoneTexte 42">
+            <a:extLst>
+              <a:ext uri="{FF2B5EF4-FFF2-40B4-BE49-F238E27FC236}">
+                <a16:creationId xmlns:a16="http://schemas.microsoft.com/office/drawing/2014/main" id="{9E87E441-53D6-9921-A25B-CA8D67F6CBB0}"/>
+              </a:ext>
+            </a:extLst>
+          </p:cNvPr>
+          <p:cNvSpPr txBox="1"/>
+          <p:nvPr/>
+        </p:nvSpPr>
+        <p:spPr>
+          <a:xfrm>
+            <a:off x="6392314" y="6577781"/>
+            <a:ext cx="5485054" cy="261610"/>
+          </a:xfrm>
+          <a:prstGeom prst="rect">
+            <a:avLst/>
+          </a:prstGeom>
+          <a:noFill/>
+        </p:spPr>
+        <p:txBody>
+          <a:bodyPr wrap="square">
+            <a:spAutoFit/>
+          </a:bodyPr>
+          <a:lstStyle/>
+          <a:p>
+            <a:r>
+              <a:rPr lang="fr-FR" sz="1100" dirty="0"/>
+              <a:t>https://www.atlassian.com/fr/git/tutorials/comparing-workflows/gitflow-workflow</a:t>
+            </a:r>
+          </a:p>
+        </p:txBody>
+      </p:sp>
+      <p:sp>
+        <p:nvSpPr>
+          <p:cNvPr id="44" name="Espace réservé du contenu 2">
+            <a:extLst>
+              <a:ext uri="{FF2B5EF4-FFF2-40B4-BE49-F238E27FC236}">
+                <a16:creationId xmlns:a16="http://schemas.microsoft.com/office/drawing/2014/main" id="{CFC1AF1C-4CD6-7C05-B1D8-48280618648A}"/>
+              </a:ext>
+            </a:extLst>
+          </p:cNvPr>
+          <p:cNvSpPr>
+            <a:spLocks noGrp="1"/>
+          </p:cNvSpPr>
+          <p:nvPr>
+            <p:ph sz="half" idx="1"/>
+          </p:nvPr>
+        </p:nvSpPr>
+        <p:spPr>
+          <a:xfrm>
+            <a:off x="1115568" y="2478024"/>
+            <a:ext cx="10168128" cy="3694176"/>
+          </a:xfrm>
+        </p:spPr>
+        <p:txBody>
+          <a:bodyPr>
+            <a:normAutofit/>
+          </a:bodyPr>
+          <a:lstStyle/>
+          <a:p>
+            <a:r>
+              <a:rPr lang="fr-FR" b="1" dirty="0"/>
+              <a:t>Gestion de </a:t>
+            </a:r>
+            <a:br>
+              <a:rPr lang="fr-FR" b="1" dirty="0"/>
+            </a:br>
+            <a:r>
+              <a:rPr lang="fr-FR" b="1" dirty="0"/>
+              <a:t>versions</a:t>
+            </a:r>
+          </a:p>
+          <a:p>
+            <a:r>
+              <a:rPr lang="fr-FR" b="1" dirty="0"/>
+              <a:t>Dépôts de </a:t>
+            </a:r>
+            <a:br>
+              <a:rPr lang="fr-FR" b="1" dirty="0"/>
+            </a:br>
+            <a:r>
+              <a:rPr lang="fr-FR" b="1" dirty="0"/>
+              <a:t>fichiers</a:t>
+            </a:r>
+          </a:p>
+          <a:p>
+            <a:pPr marL="457200" lvl="1" indent="0">
+              <a:buNone/>
+            </a:pPr>
+            <a:endParaRPr lang="fr-FR" dirty="0"/>
+          </a:p>
+        </p:txBody>
+      </p:sp>
+      <p:pic>
+        <p:nvPicPr>
+          <p:cNvPr id="1026" name="Picture 2" descr="Git">
+            <a:extLst>
+              <a:ext uri="{FF2B5EF4-FFF2-40B4-BE49-F238E27FC236}">
+                <a16:creationId xmlns:a16="http://schemas.microsoft.com/office/drawing/2014/main" id="{0D26FE1E-A3B0-12B6-08AF-F787774BDAED}"/>
               </a:ext>
             </a:extLst>
           </p:cNvPr>
@@ -8329,7 +8462,7 @@
           <p:nvPr/>
         </p:nvPicPr>
         <p:blipFill>
-          <a:blip r:embed="rId3">
+          <a:blip r:embed="rId4">
             <a:extLst>
               <a:ext uri="{28A0092B-C50C-407E-A947-70E740481C1C}">
                 <a14:useLocalDpi xmlns:a14="http://schemas.microsoft.com/office/drawing/2010/main" val="0"/>
@@ -8343,8 +8476,8 @@
         </p:blipFill>
         <p:spPr bwMode="auto">
           <a:xfrm>
-            <a:off x="9076379" y="461391"/>
-            <a:ext cx="2276475" cy="1266825"/>
+            <a:off x="9134841" y="629257"/>
+            <a:ext cx="2095500" cy="876300"/>
           </a:xfrm>
           <a:prstGeom prst="rect">
             <a:avLst/>
@@ -8361,132 +8494,6 @@
           </a:extLst>
         </p:spPr>
       </p:pic>
-      <p:pic>
-        <p:nvPicPr>
-          <p:cNvPr id="41" name="Image 40">
-            <a:extLst>
-              <a:ext uri="{FF2B5EF4-FFF2-40B4-BE49-F238E27FC236}">
-                <a16:creationId xmlns:a16="http://schemas.microsoft.com/office/drawing/2014/main" id="{41071474-0EEF-CB6B-D2F1-ACC72F5C06A3}"/>
-              </a:ext>
-            </a:extLst>
-          </p:cNvPr>
-          <p:cNvPicPr>
-            <a:picLocks noChangeAspect="1"/>
-          </p:cNvPicPr>
-          <p:nvPr/>
-        </p:nvPicPr>
-        <p:blipFill>
-          <a:blip r:embed="rId4"/>
-          <a:stretch>
-            <a:fillRect/>
-          </a:stretch>
-        </p:blipFill>
-        <p:spPr>
-          <a:xfrm>
-            <a:off x="4121063" y="2285615"/>
-            <a:ext cx="7675649" cy="4443797"/>
-          </a:xfrm>
-          <a:prstGeom prst="rect">
-            <a:avLst/>
-          </a:prstGeom>
-        </p:spPr>
-      </p:pic>
-      <p:sp>
-        <p:nvSpPr>
-          <p:cNvPr id="43" name="ZoneTexte 42">
-            <a:extLst>
-              <a:ext uri="{FF2B5EF4-FFF2-40B4-BE49-F238E27FC236}">
-                <a16:creationId xmlns:a16="http://schemas.microsoft.com/office/drawing/2014/main" id="{9E87E441-53D6-9921-A25B-CA8D67F6CBB0}"/>
-              </a:ext>
-            </a:extLst>
-          </p:cNvPr>
-          <p:cNvSpPr txBox="1"/>
-          <p:nvPr/>
-        </p:nvSpPr>
-        <p:spPr>
-          <a:xfrm>
-            <a:off x="6392314" y="6577781"/>
-            <a:ext cx="5485054" cy="261610"/>
-          </a:xfrm>
-          <a:prstGeom prst="rect">
-            <a:avLst/>
-          </a:prstGeom>
-          <a:noFill/>
-        </p:spPr>
-        <p:txBody>
-          <a:bodyPr wrap="square">
-            <a:spAutoFit/>
-          </a:bodyPr>
-          <a:lstStyle/>
-          <a:p>
-            <a:r>
-              <a:rPr lang="fr-FR" sz="1100" dirty="0"/>
-              <a:t>https://www.atlassian.com/fr/git/tutorials/comparing-workflows/gitflow-workflow</a:t>
-            </a:r>
-          </a:p>
-        </p:txBody>
-      </p:sp>
-      <p:sp>
-        <p:nvSpPr>
-          <p:cNvPr id="44" name="Espace réservé du contenu 2">
-            <a:extLst>
-              <a:ext uri="{FF2B5EF4-FFF2-40B4-BE49-F238E27FC236}">
-                <a16:creationId xmlns:a16="http://schemas.microsoft.com/office/drawing/2014/main" id="{CFC1AF1C-4CD6-7C05-B1D8-48280618648A}"/>
-              </a:ext>
-            </a:extLst>
-          </p:cNvPr>
-          <p:cNvSpPr>
-            <a:spLocks noGrp="1"/>
-          </p:cNvSpPr>
-          <p:nvPr>
-            <p:ph sz="half" idx="1"/>
-          </p:nvPr>
-        </p:nvSpPr>
-        <p:spPr>
-          <a:xfrm>
-            <a:off x="1115568" y="2478024"/>
-            <a:ext cx="10168128" cy="3694176"/>
-          </a:xfrm>
-        </p:spPr>
-        <p:txBody>
-          <a:bodyPr>
-            <a:normAutofit/>
-          </a:bodyPr>
-          <a:lstStyle/>
-          <a:p>
-            <a:r>
-              <a:rPr lang="fr-FR" b="1" dirty="0"/>
-              <a:t>Gestion de </a:t>
-            </a:r>
-            <a:br>
-              <a:rPr lang="fr-FR" b="1" dirty="0"/>
-            </a:br>
-            <a:r>
-              <a:rPr lang="fr-FR" b="1" dirty="0"/>
-              <a:t>versions</a:t>
-            </a:r>
-          </a:p>
-          <a:p>
-            <a:r>
-              <a:rPr lang="fr-FR" b="1" dirty="0"/>
-              <a:t>Dépôts de </a:t>
-            </a:r>
-            <a:br>
-              <a:rPr lang="fr-FR" b="1" dirty="0"/>
-            </a:br>
-            <a:r>
-              <a:rPr lang="fr-FR" b="1" dirty="0"/>
-              <a:t>fichiers</a:t>
-            </a:r>
-          </a:p>
-          <a:p>
-            <a:pPr marL="457200" lvl="1" indent="0">
-              <a:buNone/>
-            </a:pPr>
-            <a:endParaRPr lang="fr-FR" dirty="0"/>
-          </a:p>
-        </p:txBody>
-      </p:sp>
     </p:spTree>
     <p:extLst>
       <p:ext uri="{BB962C8B-B14F-4D97-AF65-F5344CB8AC3E}">
@@ -8563,34 +8570,6 @@
           </a:p>
         </p:txBody>
       </p:sp>
-      <p:sp>
-        <p:nvSpPr>
-          <p:cNvPr id="2" name="Titre 1">
-            <a:extLst>
-              <a:ext uri="{FF2B5EF4-FFF2-40B4-BE49-F238E27FC236}">
-                <a16:creationId xmlns:a16="http://schemas.microsoft.com/office/drawing/2014/main" id="{90162AE8-C1B0-5C56-8313-DEE494F38273}"/>
-              </a:ext>
-            </a:extLst>
-          </p:cNvPr>
-          <p:cNvSpPr>
-            <a:spLocks noGrp="1"/>
-          </p:cNvSpPr>
-          <p:nvPr>
-            <p:ph type="title"/>
-          </p:nvPr>
-        </p:nvSpPr>
-        <p:spPr/>
-        <p:txBody>
-          <a:bodyPr/>
-          <a:lstStyle/>
-          <a:p>
-            <a:r>
-              <a:rPr lang="fr-FR" dirty="0"/>
-              <a:t>GitHub</a:t>
-            </a:r>
-          </a:p>
-        </p:txBody>
-      </p:sp>
       <p:pic>
         <p:nvPicPr>
           <p:cNvPr id="5" name="Image 4" descr="Une image contenant texte&#10;&#10;Description générée automatiquement">
@@ -8625,53 +8604,6 @@
           <a:prstGeom prst="rect">
             <a:avLst/>
           </a:prstGeom>
-        </p:spPr>
-      </p:pic>
-      <p:pic>
-        <p:nvPicPr>
-          <p:cNvPr id="2050" name="Picture 2" descr="Résultat de recherche d'images pour &quot;github logo&quot;">
-            <a:extLst>
-              <a:ext uri="{FF2B5EF4-FFF2-40B4-BE49-F238E27FC236}">
-                <a16:creationId xmlns:a16="http://schemas.microsoft.com/office/drawing/2014/main" id="{EF17F59B-3DC2-541B-6AF7-484C8DC259FE}"/>
-              </a:ext>
-            </a:extLst>
-          </p:cNvPr>
-          <p:cNvPicPr>
-            <a:picLocks noChangeAspect="1" noChangeArrowheads="1"/>
-          </p:cNvPicPr>
-          <p:nvPr/>
-        </p:nvPicPr>
-        <p:blipFill>
-          <a:blip r:embed="rId3">
-            <a:extLst>
-              <a:ext uri="{28A0092B-C50C-407E-A947-70E740481C1C}">
-                <a14:useLocalDpi xmlns:a14="http://schemas.microsoft.com/office/drawing/2010/main" val="0"/>
-              </a:ext>
-            </a:extLst>
-          </a:blip>
-          <a:srcRect/>
-          <a:stretch>
-            <a:fillRect/>
-          </a:stretch>
-        </p:blipFill>
-        <p:spPr bwMode="auto">
-          <a:xfrm>
-            <a:off x="9076379" y="461391"/>
-            <a:ext cx="2276475" cy="1266825"/>
-          </a:xfrm>
-          <a:prstGeom prst="rect">
-            <a:avLst/>
-          </a:prstGeom>
-          <a:noFill/>
-          <a:extLst>
-            <a:ext uri="{909E8E84-426E-40DD-AFC4-6F175D3DCCD1}">
-              <a14:hiddenFill xmlns:a14="http://schemas.microsoft.com/office/drawing/2010/main">
-                <a:solidFill>
-                  <a:srgbClr val="FFFFFF"/>
-                </a:solidFill>
-              </a14:hiddenFill>
-            </a:ext>
-          </a:extLst>
         </p:spPr>
       </p:pic>
       <p:sp>
@@ -9857,7 +9789,7 @@
           <p:nvPr/>
         </p:nvPicPr>
         <p:blipFill>
-          <a:blip r:embed="rId4"/>
+          <a:blip r:embed="rId3"/>
           <a:stretch>
             <a:fillRect/>
           </a:stretch>
@@ -9922,7 +9854,7 @@
           <p:nvPr/>
         </p:nvPicPr>
         <p:blipFill>
-          <a:blip r:embed="rId5"/>
+          <a:blip r:embed="rId4"/>
           <a:stretch>
             <a:fillRect/>
           </a:stretch>
@@ -9935,6 +9867,91 @@
           <a:prstGeom prst="rect">
             <a:avLst/>
           </a:prstGeom>
+        </p:spPr>
+      </p:pic>
+      <p:sp>
+        <p:nvSpPr>
+          <p:cNvPr id="26" name="Titre 1">
+            <a:extLst>
+              <a:ext uri="{FF2B5EF4-FFF2-40B4-BE49-F238E27FC236}">
+                <a16:creationId xmlns:a16="http://schemas.microsoft.com/office/drawing/2014/main" id="{BD093421-EE09-F10B-37F3-687B7407A1C7}"/>
+              </a:ext>
+            </a:extLst>
+          </p:cNvPr>
+          <p:cNvSpPr>
+            <a:spLocks noGrp="1"/>
+          </p:cNvSpPr>
+          <p:nvPr>
+            <p:ph type="title"/>
+          </p:nvPr>
+        </p:nvSpPr>
+        <p:spPr>
+          <a:xfrm>
+            <a:off x="1115568" y="548640"/>
+            <a:ext cx="10168128" cy="1179576"/>
+          </a:xfrm>
+        </p:spPr>
+        <p:txBody>
+          <a:bodyPr/>
+          <a:lstStyle/>
+          <a:p>
+            <a:r>
+              <a:rPr lang="fr-FR" dirty="0"/>
+              <a:t>Git / </a:t>
+            </a:r>
+            <a:r>
+              <a:rPr lang="fr-FR" dirty="0" err="1"/>
+              <a:t>Versionning</a:t>
+            </a:r>
+            <a:endParaRPr lang="fr-FR" dirty="0"/>
+          </a:p>
+        </p:txBody>
+      </p:sp>
+      <p:pic>
+        <p:nvPicPr>
+          <p:cNvPr id="28" name="Picture 2" descr="Git">
+            <a:extLst>
+              <a:ext uri="{FF2B5EF4-FFF2-40B4-BE49-F238E27FC236}">
+                <a16:creationId xmlns:a16="http://schemas.microsoft.com/office/drawing/2014/main" id="{C3573E59-D27B-AF81-5C8F-05B5886211F8}"/>
+              </a:ext>
+            </a:extLst>
+          </p:cNvPr>
+          <p:cNvPicPr>
+            <a:picLocks noChangeAspect="1" noChangeArrowheads="1"/>
+          </p:cNvPicPr>
+          <p:nvPr/>
+        </p:nvPicPr>
+        <p:blipFill>
+          <a:blip r:embed="rId5">
+            <a:extLst>
+              <a:ext uri="{28A0092B-C50C-407E-A947-70E740481C1C}">
+                <a14:useLocalDpi xmlns:a14="http://schemas.microsoft.com/office/drawing/2010/main" val="0"/>
+              </a:ext>
+            </a:extLst>
+          </a:blip>
+          <a:srcRect/>
+          <a:stretch>
+            <a:fillRect/>
+          </a:stretch>
+        </p:blipFill>
+        <p:spPr bwMode="auto">
+          <a:xfrm>
+            <a:off x="9134841" y="629257"/>
+            <a:ext cx="2095500" cy="876300"/>
+          </a:xfrm>
+          <a:prstGeom prst="rect">
+            <a:avLst/>
+          </a:prstGeom>
+          <a:noFill/>
+          <a:extLst>
+            <a:ext uri="{909E8E84-426E-40DD-AFC4-6F175D3DCCD1}">
+              <a14:hiddenFill xmlns:a14="http://schemas.microsoft.com/office/drawing/2010/main">
+                <a:solidFill>
+                  <a:srgbClr val="FFFFFF"/>
+                </a:solidFill>
+              </a14:hiddenFill>
+            </a:ext>
+          </a:extLst>
         </p:spPr>
       </p:pic>
     </p:spTree>
@@ -9967,6 +9984,648 @@
           <a:chExt cx="0" cy="0"/>
         </a:xfrm>
       </p:grpSpPr>
+      <p:pic>
+        <p:nvPicPr>
+          <p:cNvPr id="5" name="Image 4" descr="Une image contenant texte&#10;&#10;Description générée automatiquement">
+            <a:extLst>
+              <a:ext uri="{FF2B5EF4-FFF2-40B4-BE49-F238E27FC236}">
+                <a16:creationId xmlns:a16="http://schemas.microsoft.com/office/drawing/2014/main" id="{204ADC40-1D61-539F-22ED-6B21D67FBDE6}"/>
+              </a:ext>
+            </a:extLst>
+          </p:cNvPr>
+          <p:cNvPicPr>
+            <a:picLocks noChangeAspect="1"/>
+          </p:cNvPicPr>
+          <p:nvPr/>
+        </p:nvPicPr>
+        <p:blipFill>
+          <a:blip r:embed="rId2">
+            <a:extLst>
+              <a:ext uri="{28A0092B-C50C-407E-A947-70E740481C1C}">
+                <a14:useLocalDpi xmlns:a14="http://schemas.microsoft.com/office/drawing/2010/main" val="0"/>
+              </a:ext>
+            </a:extLst>
+          </a:blip>
+          <a:stretch>
+            <a:fillRect/>
+          </a:stretch>
+        </p:blipFill>
+        <p:spPr>
+          <a:xfrm>
+            <a:off x="202922" y="5934456"/>
+            <a:ext cx="1825291" cy="749808"/>
+          </a:xfrm>
+          <a:prstGeom prst="rect">
+            <a:avLst/>
+          </a:prstGeom>
+        </p:spPr>
+      </p:pic>
+      <p:sp>
+        <p:nvSpPr>
+          <p:cNvPr id="26" name="Titre 1">
+            <a:extLst>
+              <a:ext uri="{FF2B5EF4-FFF2-40B4-BE49-F238E27FC236}">
+                <a16:creationId xmlns:a16="http://schemas.microsoft.com/office/drawing/2014/main" id="{BD093421-EE09-F10B-37F3-687B7407A1C7}"/>
+              </a:ext>
+            </a:extLst>
+          </p:cNvPr>
+          <p:cNvSpPr>
+            <a:spLocks noGrp="1"/>
+          </p:cNvSpPr>
+          <p:nvPr>
+            <p:ph type="title"/>
+          </p:nvPr>
+        </p:nvSpPr>
+        <p:spPr>
+          <a:xfrm>
+            <a:off x="1115568" y="548640"/>
+            <a:ext cx="10168128" cy="1179576"/>
+          </a:xfrm>
+        </p:spPr>
+        <p:txBody>
+          <a:bodyPr/>
+          <a:lstStyle/>
+          <a:p>
+            <a:r>
+              <a:rPr lang="fr-FR" dirty="0"/>
+              <a:t>Git / </a:t>
+            </a:r>
+            <a:r>
+              <a:rPr lang="fr-FR" dirty="0" err="1"/>
+              <a:t>Versionning</a:t>
+            </a:r>
+            <a:endParaRPr lang="fr-FR" dirty="0"/>
+          </a:p>
+        </p:txBody>
+      </p:sp>
+      <p:sp>
+        <p:nvSpPr>
+          <p:cNvPr id="2" name="Espace réservé du contenu 2">
+            <a:extLst>
+              <a:ext uri="{FF2B5EF4-FFF2-40B4-BE49-F238E27FC236}">
+                <a16:creationId xmlns:a16="http://schemas.microsoft.com/office/drawing/2014/main" id="{823A37EA-7548-ECD5-F1BF-6B6F339FD79B}"/>
+              </a:ext>
+            </a:extLst>
+          </p:cNvPr>
+          <p:cNvSpPr>
+            <a:spLocks noGrp="1"/>
+          </p:cNvSpPr>
+          <p:nvPr>
+            <p:ph sz="half" idx="1"/>
+          </p:nvPr>
+        </p:nvSpPr>
+        <p:spPr>
+          <a:xfrm>
+            <a:off x="1115568" y="2478024"/>
+            <a:ext cx="4419818" cy="3694176"/>
+          </a:xfrm>
+        </p:spPr>
+        <p:txBody>
+          <a:bodyPr>
+            <a:normAutofit fontScale="92500"/>
+          </a:bodyPr>
+          <a:lstStyle/>
+          <a:p>
+            <a:r>
+              <a:rPr lang="fr-FR" dirty="0"/>
+              <a:t>Accès aux versions précédentes</a:t>
+            </a:r>
+          </a:p>
+          <a:p>
+            <a:pPr lvl="1"/>
+            <a:r>
+              <a:rPr lang="fr-FR" b="1" dirty="0" err="1"/>
+              <a:t>SourceTree</a:t>
+            </a:r>
+            <a:r>
+              <a:rPr lang="fr-FR" b="1" dirty="0"/>
+              <a:t> </a:t>
+            </a:r>
+            <a:r>
+              <a:rPr lang="fr-FR" dirty="0"/>
+              <a:t>(par exemple)</a:t>
+            </a:r>
+          </a:p>
+          <a:p>
+            <a:pPr lvl="1"/>
+            <a:r>
+              <a:rPr lang="fr-FR" dirty="0"/>
+              <a:t>Possibilité de </a:t>
+            </a:r>
+            <a:r>
+              <a:rPr lang="fr-FR" b="1" dirty="0"/>
+              <a:t>voir les modifications</a:t>
+            </a:r>
+            <a:r>
+              <a:rPr lang="fr-FR" dirty="0"/>
+              <a:t> et les </a:t>
+            </a:r>
+            <a:r>
+              <a:rPr lang="fr-FR" b="1" dirty="0"/>
+              <a:t>différentes branches</a:t>
+            </a:r>
+          </a:p>
+          <a:p>
+            <a:pPr lvl="1"/>
+            <a:r>
+              <a:rPr lang="fr-FR" dirty="0"/>
+              <a:t>Possibilité de </a:t>
+            </a:r>
+            <a:r>
+              <a:rPr lang="fr-FR" b="1" dirty="0"/>
+              <a:t>restaurer des versions précédentes</a:t>
+            </a:r>
+          </a:p>
+        </p:txBody>
+      </p:sp>
+      <p:pic>
+        <p:nvPicPr>
+          <p:cNvPr id="33" name="Image 32">
+            <a:extLst>
+              <a:ext uri="{FF2B5EF4-FFF2-40B4-BE49-F238E27FC236}">
+                <a16:creationId xmlns:a16="http://schemas.microsoft.com/office/drawing/2014/main" id="{77266AD5-CBA5-2F83-7102-02B8D55152B7}"/>
+              </a:ext>
+            </a:extLst>
+          </p:cNvPr>
+          <p:cNvPicPr>
+            <a:picLocks noChangeAspect="1"/>
+          </p:cNvPicPr>
+          <p:nvPr/>
+        </p:nvPicPr>
+        <p:blipFill>
+          <a:blip r:embed="rId3"/>
+          <a:stretch>
+            <a:fillRect/>
+          </a:stretch>
+        </p:blipFill>
+        <p:spPr>
+          <a:xfrm>
+            <a:off x="5731329" y="2315552"/>
+            <a:ext cx="6257749" cy="4019120"/>
+          </a:xfrm>
+          <a:prstGeom prst="rect">
+            <a:avLst/>
+          </a:prstGeom>
+        </p:spPr>
+      </p:pic>
+    </p:spTree>
+    <p:extLst>
+      <p:ext uri="{BB962C8B-B14F-4D97-AF65-F5344CB8AC3E}">
+        <p14:creationId xmlns:p14="http://schemas.microsoft.com/office/powerpoint/2010/main" val="3998973347"/>
+      </p:ext>
+    </p:extLst>
+  </p:cSld>
+  <p:clrMapOvr>
+    <a:masterClrMapping/>
+  </p:clrMapOvr>
+</p:sld>
+</file>
+
+<file path=ppt/slides/slide19.xml><?xml version="1.0" encoding="utf-8"?>
+<p:sld xmlns:a="http://schemas.openxmlformats.org/drawingml/2006/main" xmlns:r="http://schemas.openxmlformats.org/officeDocument/2006/relationships" xmlns:p="http://schemas.openxmlformats.org/presentationml/2006/main">
+  <p:cSld>
+    <p:spTree>
+      <p:nvGrpSpPr>
+        <p:cNvPr id="1" name=""/>
+        <p:cNvGrpSpPr/>
+        <p:nvPr/>
+      </p:nvGrpSpPr>
+      <p:grpSpPr>
+        <a:xfrm>
+          <a:off x="0" y="0"/>
+          <a:ext cx="0" cy="0"/>
+          <a:chOff x="0" y="0"/>
+          <a:chExt cx="0" cy="0"/>
+        </a:xfrm>
+      </p:grpSpPr>
+      <p:pic>
+        <p:nvPicPr>
+          <p:cNvPr id="5" name="Image 4" descr="Une image contenant texte&#10;&#10;Description générée automatiquement">
+            <a:extLst>
+              <a:ext uri="{FF2B5EF4-FFF2-40B4-BE49-F238E27FC236}">
+                <a16:creationId xmlns:a16="http://schemas.microsoft.com/office/drawing/2014/main" id="{204ADC40-1D61-539F-22ED-6B21D67FBDE6}"/>
+              </a:ext>
+            </a:extLst>
+          </p:cNvPr>
+          <p:cNvPicPr>
+            <a:picLocks noChangeAspect="1"/>
+          </p:cNvPicPr>
+          <p:nvPr/>
+        </p:nvPicPr>
+        <p:blipFill>
+          <a:blip r:embed="rId2">
+            <a:extLst>
+              <a:ext uri="{28A0092B-C50C-407E-A947-70E740481C1C}">
+                <a14:useLocalDpi xmlns:a14="http://schemas.microsoft.com/office/drawing/2010/main" val="0"/>
+              </a:ext>
+            </a:extLst>
+          </a:blip>
+          <a:stretch>
+            <a:fillRect/>
+          </a:stretch>
+        </p:blipFill>
+        <p:spPr>
+          <a:xfrm>
+            <a:off x="202922" y="5934456"/>
+            <a:ext cx="1825291" cy="749808"/>
+          </a:xfrm>
+          <a:prstGeom prst="rect">
+            <a:avLst/>
+          </a:prstGeom>
+        </p:spPr>
+      </p:pic>
+      <p:sp>
+        <p:nvSpPr>
+          <p:cNvPr id="26" name="Titre 1">
+            <a:extLst>
+              <a:ext uri="{FF2B5EF4-FFF2-40B4-BE49-F238E27FC236}">
+                <a16:creationId xmlns:a16="http://schemas.microsoft.com/office/drawing/2014/main" id="{BD093421-EE09-F10B-37F3-687B7407A1C7}"/>
+              </a:ext>
+            </a:extLst>
+          </p:cNvPr>
+          <p:cNvSpPr>
+            <a:spLocks noGrp="1"/>
+          </p:cNvSpPr>
+          <p:nvPr>
+            <p:ph type="title"/>
+          </p:nvPr>
+        </p:nvSpPr>
+        <p:spPr>
+          <a:xfrm>
+            <a:off x="1115568" y="548640"/>
+            <a:ext cx="10168128" cy="1179576"/>
+          </a:xfrm>
+        </p:spPr>
+        <p:txBody>
+          <a:bodyPr/>
+          <a:lstStyle/>
+          <a:p>
+            <a:r>
+              <a:rPr lang="fr-FR" dirty="0"/>
+              <a:t>GitHub </a:t>
+            </a:r>
+            <a:r>
+              <a:rPr lang="fr-FR" dirty="0" err="1"/>
+              <a:t>DeskTop</a:t>
+            </a:r>
+            <a:endParaRPr lang="fr-FR" dirty="0"/>
+          </a:p>
+        </p:txBody>
+      </p:sp>
+      <p:sp>
+        <p:nvSpPr>
+          <p:cNvPr id="2" name="Espace réservé du contenu 2">
+            <a:extLst>
+              <a:ext uri="{FF2B5EF4-FFF2-40B4-BE49-F238E27FC236}">
+                <a16:creationId xmlns:a16="http://schemas.microsoft.com/office/drawing/2014/main" id="{823A37EA-7548-ECD5-F1BF-6B6F339FD79B}"/>
+              </a:ext>
+            </a:extLst>
+          </p:cNvPr>
+          <p:cNvSpPr>
+            <a:spLocks noGrp="1"/>
+          </p:cNvSpPr>
+          <p:nvPr>
+            <p:ph sz="half" idx="1"/>
+          </p:nvPr>
+        </p:nvSpPr>
+        <p:spPr>
+          <a:xfrm>
+            <a:off x="1115568" y="2478024"/>
+            <a:ext cx="4419818" cy="3694176"/>
+          </a:xfrm>
+        </p:spPr>
+        <p:txBody>
+          <a:bodyPr>
+            <a:normAutofit/>
+          </a:bodyPr>
+          <a:lstStyle/>
+          <a:p>
+            <a:r>
+              <a:rPr lang="fr-FR" dirty="0"/>
+              <a:t>Gestionnaire graphique</a:t>
+            </a:r>
+          </a:p>
+          <a:p>
+            <a:pPr lvl="1"/>
+            <a:r>
+              <a:rPr lang="fr-FR" dirty="0"/>
+              <a:t>Affichage des </a:t>
+            </a:r>
+            <a:r>
+              <a:rPr lang="fr-FR" b="1" dirty="0"/>
+              <a:t>fichiers modifiés</a:t>
+            </a:r>
+          </a:p>
+          <a:p>
+            <a:pPr lvl="1"/>
+            <a:r>
+              <a:rPr lang="fr-FR" dirty="0"/>
+              <a:t>Possibilité de faire toutes les </a:t>
+            </a:r>
+            <a:r>
+              <a:rPr lang="fr-FR" b="1" dirty="0"/>
+              <a:t>actions git </a:t>
+            </a:r>
+            <a:r>
+              <a:rPr lang="fr-FR" dirty="0"/>
+              <a:t>(commit, pull, push…) </a:t>
+            </a:r>
+            <a:r>
+              <a:rPr lang="fr-FR" b="1" dirty="0"/>
+              <a:t>graphiquement</a:t>
+            </a:r>
+          </a:p>
+        </p:txBody>
+      </p:sp>
+      <p:pic>
+        <p:nvPicPr>
+          <p:cNvPr id="2050" name="Picture 2" descr="Screenshot of GitHub Desktop running on Windows">
+            <a:extLst>
+              <a:ext uri="{FF2B5EF4-FFF2-40B4-BE49-F238E27FC236}">
+                <a16:creationId xmlns:a16="http://schemas.microsoft.com/office/drawing/2014/main" id="{9C89134C-9F2F-179B-5BAA-D7CB780D184C}"/>
+              </a:ext>
+            </a:extLst>
+          </p:cNvPr>
+          <p:cNvPicPr>
+            <a:picLocks noChangeAspect="1" noChangeArrowheads="1"/>
+          </p:cNvPicPr>
+          <p:nvPr/>
+        </p:nvPicPr>
+        <p:blipFill>
+          <a:blip r:embed="rId3">
+            <a:extLst>
+              <a:ext uri="{28A0092B-C50C-407E-A947-70E740481C1C}">
+                <a14:useLocalDpi xmlns:a14="http://schemas.microsoft.com/office/drawing/2010/main" val="0"/>
+              </a:ext>
+            </a:extLst>
+          </a:blip>
+          <a:srcRect/>
+          <a:stretch>
+            <a:fillRect/>
+          </a:stretch>
+        </p:blipFill>
+        <p:spPr bwMode="auto">
+          <a:xfrm>
+            <a:off x="5575029" y="2265753"/>
+            <a:ext cx="6427297" cy="4418511"/>
+          </a:xfrm>
+          <a:prstGeom prst="rect">
+            <a:avLst/>
+          </a:prstGeom>
+          <a:noFill/>
+          <a:extLst>
+            <a:ext uri="{909E8E84-426E-40DD-AFC4-6F175D3DCCD1}">
+              <a14:hiddenFill xmlns:a14="http://schemas.microsoft.com/office/drawing/2010/main">
+                <a:solidFill>
+                  <a:srgbClr val="FFFFFF"/>
+                </a:solidFill>
+              </a14:hiddenFill>
+            </a:ext>
+          </a:extLst>
+        </p:spPr>
+      </p:pic>
+    </p:spTree>
+    <p:extLst>
+      <p:ext uri="{BB962C8B-B14F-4D97-AF65-F5344CB8AC3E}">
+        <p14:creationId xmlns:p14="http://schemas.microsoft.com/office/powerpoint/2010/main" val="493010877"/>
+      </p:ext>
+    </p:extLst>
+  </p:cSld>
+  <p:clrMapOvr>
+    <a:masterClrMapping/>
+  </p:clrMapOvr>
+</p:sld>
+</file>
+
+<file path=ppt/slides/slide2.xml><?xml version="1.0" encoding="utf-8"?>
+<p:sld xmlns:a="http://schemas.openxmlformats.org/drawingml/2006/main" xmlns:r="http://schemas.openxmlformats.org/officeDocument/2006/relationships" xmlns:p="http://schemas.openxmlformats.org/presentationml/2006/main">
+  <p:cSld>
+    <p:spTree>
+      <p:nvGrpSpPr>
+        <p:cNvPr id="1" name=""/>
+        <p:cNvGrpSpPr/>
+        <p:nvPr/>
+      </p:nvGrpSpPr>
+      <p:grpSpPr>
+        <a:xfrm>
+          <a:off x="0" y="0"/>
+          <a:ext cx="0" cy="0"/>
+          <a:chOff x="0" y="0"/>
+          <a:chExt cx="0" cy="0"/>
+        </a:xfrm>
+      </p:grpSpPr>
+      <p:sp>
+        <p:nvSpPr>
+          <p:cNvPr id="2" name="Titre 1">
+            <a:extLst>
+              <a:ext uri="{FF2B5EF4-FFF2-40B4-BE49-F238E27FC236}">
+                <a16:creationId xmlns:a16="http://schemas.microsoft.com/office/drawing/2014/main" id="{90162AE8-C1B0-5C56-8313-DEE494F38273}"/>
+              </a:ext>
+            </a:extLst>
+          </p:cNvPr>
+          <p:cNvSpPr>
+            <a:spLocks noGrp="1"/>
+          </p:cNvSpPr>
+          <p:nvPr>
+            <p:ph type="title"/>
+          </p:nvPr>
+        </p:nvSpPr>
+        <p:spPr/>
+        <p:txBody>
+          <a:bodyPr/>
+          <a:lstStyle/>
+          <a:p>
+            <a:r>
+              <a:rPr lang="fr-FR" dirty="0"/>
+              <a:t>Outils numériques, intérêts</a:t>
+            </a:r>
+          </a:p>
+        </p:txBody>
+      </p:sp>
+      <p:sp>
+        <p:nvSpPr>
+          <p:cNvPr id="3" name="Espace réservé du contenu 2">
+            <a:extLst>
+              <a:ext uri="{FF2B5EF4-FFF2-40B4-BE49-F238E27FC236}">
+                <a16:creationId xmlns:a16="http://schemas.microsoft.com/office/drawing/2014/main" id="{E0BBB9DE-019C-C741-F224-494739D4B752}"/>
+              </a:ext>
+            </a:extLst>
+          </p:cNvPr>
+          <p:cNvSpPr>
+            <a:spLocks noGrp="1"/>
+          </p:cNvSpPr>
+          <p:nvPr>
+            <p:ph sz="half" idx="1"/>
+          </p:nvPr>
+        </p:nvSpPr>
+        <p:spPr/>
+        <p:txBody>
+          <a:bodyPr/>
+          <a:lstStyle/>
+          <a:p>
+            <a:r>
+              <a:rPr lang="fr-FR" dirty="0"/>
+              <a:t>Résolution d’équations / de systèmes d’équations</a:t>
+            </a:r>
+          </a:p>
+          <a:p>
+            <a:pPr lvl="1"/>
+            <a:r>
+              <a:rPr lang="fr-FR" dirty="0"/>
+              <a:t>Symbolique</a:t>
+            </a:r>
+          </a:p>
+          <a:p>
+            <a:pPr lvl="1"/>
+            <a:r>
+              <a:rPr lang="fr-FR" dirty="0"/>
+              <a:t>Numérique</a:t>
+            </a:r>
+          </a:p>
+          <a:p>
+            <a:r>
+              <a:rPr lang="fr-FR" dirty="0"/>
+              <a:t>Simulation de modèles physiques / mathématiques</a:t>
+            </a:r>
+          </a:p>
+        </p:txBody>
+      </p:sp>
+      <p:sp>
+        <p:nvSpPr>
+          <p:cNvPr id="4" name="Espace réservé du contenu 3">
+            <a:extLst>
+              <a:ext uri="{FF2B5EF4-FFF2-40B4-BE49-F238E27FC236}">
+                <a16:creationId xmlns:a16="http://schemas.microsoft.com/office/drawing/2014/main" id="{933F96BD-2653-AD25-8139-9FF3B2C19755}"/>
+              </a:ext>
+            </a:extLst>
+          </p:cNvPr>
+          <p:cNvSpPr>
+            <a:spLocks noGrp="1"/>
+          </p:cNvSpPr>
+          <p:nvPr>
+            <p:ph sz="half" idx="2"/>
+          </p:nvPr>
+        </p:nvSpPr>
+        <p:spPr/>
+        <p:txBody>
+          <a:bodyPr/>
+          <a:lstStyle/>
+          <a:p>
+            <a:r>
+              <a:rPr lang="fr-FR" dirty="0"/>
+              <a:t>Affichage et mise en forme de données</a:t>
+            </a:r>
+          </a:p>
+          <a:p>
+            <a:r>
+              <a:rPr lang="fr-FR" dirty="0"/>
+              <a:t>Traitement de données</a:t>
+            </a:r>
+          </a:p>
+        </p:txBody>
+      </p:sp>
+      <p:pic>
+        <p:nvPicPr>
+          <p:cNvPr id="5" name="Image 4" descr="Une image contenant texte&#10;&#10;Description générée automatiquement">
+            <a:extLst>
+              <a:ext uri="{FF2B5EF4-FFF2-40B4-BE49-F238E27FC236}">
+                <a16:creationId xmlns:a16="http://schemas.microsoft.com/office/drawing/2014/main" id="{204ADC40-1D61-539F-22ED-6B21D67FBDE6}"/>
+              </a:ext>
+            </a:extLst>
+          </p:cNvPr>
+          <p:cNvPicPr>
+            <a:picLocks noChangeAspect="1"/>
+          </p:cNvPicPr>
+          <p:nvPr/>
+        </p:nvPicPr>
+        <p:blipFill>
+          <a:blip r:embed="rId2">
+            <a:extLst>
+              <a:ext uri="{28A0092B-C50C-407E-A947-70E740481C1C}">
+                <a14:useLocalDpi xmlns:a14="http://schemas.microsoft.com/office/drawing/2010/main" val="0"/>
+              </a:ext>
+            </a:extLst>
+          </a:blip>
+          <a:stretch>
+            <a:fillRect/>
+          </a:stretch>
+        </p:blipFill>
+        <p:spPr>
+          <a:xfrm>
+            <a:off x="202922" y="5934456"/>
+            <a:ext cx="1825291" cy="749808"/>
+          </a:xfrm>
+          <a:prstGeom prst="rect">
+            <a:avLst/>
+          </a:prstGeom>
+        </p:spPr>
+      </p:pic>
+      <p:pic>
+        <p:nvPicPr>
+          <p:cNvPr id="7" name="Image 6" descr="Une image contenant graphique&#10;&#10;Description générée automatiquement">
+            <a:extLst>
+              <a:ext uri="{FF2B5EF4-FFF2-40B4-BE49-F238E27FC236}">
+                <a16:creationId xmlns:a16="http://schemas.microsoft.com/office/drawing/2014/main" id="{87960641-FC60-EDB5-EFEB-9D90B9024EF6}"/>
+              </a:ext>
+            </a:extLst>
+          </p:cNvPr>
+          <p:cNvPicPr>
+            <a:picLocks noChangeAspect="1"/>
+          </p:cNvPicPr>
+          <p:nvPr/>
+        </p:nvPicPr>
+        <p:blipFill>
+          <a:blip r:embed="rId3">
+            <a:extLst>
+              <a:ext uri="{28A0092B-C50C-407E-A947-70E740481C1C}">
+                <a14:useLocalDpi xmlns:a14="http://schemas.microsoft.com/office/drawing/2010/main" val="0"/>
+              </a:ext>
+            </a:extLst>
+          </a:blip>
+          <a:stretch>
+            <a:fillRect/>
+          </a:stretch>
+        </p:blipFill>
+        <p:spPr>
+          <a:xfrm>
+            <a:off x="7012560" y="4060722"/>
+            <a:ext cx="3604512" cy="2703384"/>
+          </a:xfrm>
+          <a:prstGeom prst="rect">
+            <a:avLst/>
+          </a:prstGeom>
+        </p:spPr>
+      </p:pic>
+    </p:spTree>
+    <p:extLst>
+      <p:ext uri="{BB962C8B-B14F-4D97-AF65-F5344CB8AC3E}">
+        <p14:creationId xmlns:p14="http://schemas.microsoft.com/office/powerpoint/2010/main" val="3231121590"/>
+      </p:ext>
+    </p:extLst>
+  </p:cSld>
+  <p:clrMapOvr>
+    <a:masterClrMapping/>
+  </p:clrMapOvr>
+</p:sld>
+</file>
+
+<file path=ppt/slides/slide20.xml><?xml version="1.0" encoding="utf-8"?>
+<p:sld xmlns:a="http://schemas.openxmlformats.org/drawingml/2006/main" xmlns:r="http://schemas.openxmlformats.org/officeDocument/2006/relationships" xmlns:p="http://schemas.openxmlformats.org/presentationml/2006/main">
+  <p:cSld>
+    <p:spTree>
+      <p:nvGrpSpPr>
+        <p:cNvPr id="1" name=""/>
+        <p:cNvGrpSpPr/>
+        <p:nvPr/>
+      </p:nvGrpSpPr>
+      <p:grpSpPr>
+        <a:xfrm>
+          <a:off x="0" y="0"/>
+          <a:ext cx="0" cy="0"/>
+          <a:chOff x="0" y="0"/>
+          <a:chExt cx="0" cy="0"/>
+        </a:xfrm>
+      </p:grpSpPr>
       <p:sp>
         <p:nvSpPr>
           <p:cNvPr id="28" name="Organigramme : Procédé prédéfini 27">
@@ -10833,6 +11492,36 @@
           </a:p>
         </p:txBody>
       </p:sp>
+      <p:pic>
+        <p:nvPicPr>
+          <p:cNvPr id="3" name="Image 2">
+            <a:extLst>
+              <a:ext uri="{FF2B5EF4-FFF2-40B4-BE49-F238E27FC236}">
+                <a16:creationId xmlns:a16="http://schemas.microsoft.com/office/drawing/2014/main" id="{F4A4A7FB-5457-2684-88B1-CDE54C884ECB}"/>
+              </a:ext>
+            </a:extLst>
+          </p:cNvPr>
+          <p:cNvPicPr>
+            <a:picLocks noChangeAspect="1"/>
+          </p:cNvPicPr>
+          <p:nvPr/>
+        </p:nvPicPr>
+        <p:blipFill>
+          <a:blip r:embed="rId4"/>
+          <a:stretch>
+            <a:fillRect/>
+          </a:stretch>
+        </p:blipFill>
+        <p:spPr>
+          <a:xfrm>
+            <a:off x="6908800" y="5443559"/>
+            <a:ext cx="4830915" cy="1095105"/>
+          </a:xfrm>
+          <a:prstGeom prst="rect">
+            <a:avLst/>
+          </a:prstGeom>
+        </p:spPr>
+      </p:pic>
     </p:spTree>
     <p:extLst>
       <p:ext uri="{BB962C8B-B14F-4D97-AF65-F5344CB8AC3E}">
@@ -10846,7 +11535,7 @@
 </p:sld>
 </file>
 
-<file path=ppt/slides/slide19.xml><?xml version="1.0" encoding="utf-8"?>
+<file path=ppt/slides/slide21.xml><?xml version="1.0" encoding="utf-8"?>
 <p:sld xmlns:a="http://schemas.openxmlformats.org/drawingml/2006/main" xmlns:r="http://schemas.openxmlformats.org/officeDocument/2006/relationships" xmlns:p="http://schemas.openxmlformats.org/presentationml/2006/main">
   <p:cSld>
     <p:bg>
@@ -11349,704 +12038,6 @@
 </p:sld>
 </file>
 
-<file path=ppt/slides/slide2.xml><?xml version="1.0" encoding="utf-8"?>
-<p:sld xmlns:a="http://schemas.openxmlformats.org/drawingml/2006/main" xmlns:r="http://schemas.openxmlformats.org/officeDocument/2006/relationships" xmlns:p="http://schemas.openxmlformats.org/presentationml/2006/main">
-  <p:cSld>
-    <p:spTree>
-      <p:nvGrpSpPr>
-        <p:cNvPr id="1" name=""/>
-        <p:cNvGrpSpPr/>
-        <p:nvPr/>
-      </p:nvGrpSpPr>
-      <p:grpSpPr>
-        <a:xfrm>
-          <a:off x="0" y="0"/>
-          <a:ext cx="0" cy="0"/>
-          <a:chOff x="0" y="0"/>
-          <a:chExt cx="0" cy="0"/>
-        </a:xfrm>
-      </p:grpSpPr>
-      <p:sp>
-        <p:nvSpPr>
-          <p:cNvPr id="2" name="Titre 1">
-            <a:extLst>
-              <a:ext uri="{FF2B5EF4-FFF2-40B4-BE49-F238E27FC236}">
-                <a16:creationId xmlns:a16="http://schemas.microsoft.com/office/drawing/2014/main" id="{90162AE8-C1B0-5C56-8313-DEE494F38273}"/>
-              </a:ext>
-            </a:extLst>
-          </p:cNvPr>
-          <p:cNvSpPr>
-            <a:spLocks noGrp="1"/>
-          </p:cNvSpPr>
-          <p:nvPr>
-            <p:ph type="title"/>
-          </p:nvPr>
-        </p:nvSpPr>
-        <p:spPr/>
-        <p:txBody>
-          <a:bodyPr/>
-          <a:lstStyle/>
-          <a:p>
-            <a:r>
-              <a:rPr lang="fr-FR" dirty="0"/>
-              <a:t>Outils numériques, intérêts</a:t>
-            </a:r>
-          </a:p>
-        </p:txBody>
-      </p:sp>
-      <p:sp>
-        <p:nvSpPr>
-          <p:cNvPr id="3" name="Espace réservé du contenu 2">
-            <a:extLst>
-              <a:ext uri="{FF2B5EF4-FFF2-40B4-BE49-F238E27FC236}">
-                <a16:creationId xmlns:a16="http://schemas.microsoft.com/office/drawing/2014/main" id="{E0BBB9DE-019C-C741-F224-494739D4B752}"/>
-              </a:ext>
-            </a:extLst>
-          </p:cNvPr>
-          <p:cNvSpPr>
-            <a:spLocks noGrp="1"/>
-          </p:cNvSpPr>
-          <p:nvPr>
-            <p:ph sz="half" idx="1"/>
-          </p:nvPr>
-        </p:nvSpPr>
-        <p:spPr/>
-        <p:txBody>
-          <a:bodyPr/>
-          <a:lstStyle/>
-          <a:p>
-            <a:r>
-              <a:rPr lang="fr-FR" dirty="0"/>
-              <a:t>Résolution d’équations / de systèmes d’équations</a:t>
-            </a:r>
-          </a:p>
-          <a:p>
-            <a:pPr lvl="1"/>
-            <a:r>
-              <a:rPr lang="fr-FR" dirty="0"/>
-              <a:t>Symbolique</a:t>
-            </a:r>
-          </a:p>
-          <a:p>
-            <a:pPr lvl="1"/>
-            <a:r>
-              <a:rPr lang="fr-FR" dirty="0"/>
-              <a:t>Numérique</a:t>
-            </a:r>
-          </a:p>
-          <a:p>
-            <a:r>
-              <a:rPr lang="fr-FR" dirty="0"/>
-              <a:t>Simulation de modèles physiques / mathématiques</a:t>
-            </a:r>
-          </a:p>
-        </p:txBody>
-      </p:sp>
-      <p:sp>
-        <p:nvSpPr>
-          <p:cNvPr id="4" name="Espace réservé du contenu 3">
-            <a:extLst>
-              <a:ext uri="{FF2B5EF4-FFF2-40B4-BE49-F238E27FC236}">
-                <a16:creationId xmlns:a16="http://schemas.microsoft.com/office/drawing/2014/main" id="{933F96BD-2653-AD25-8139-9FF3B2C19755}"/>
-              </a:ext>
-            </a:extLst>
-          </p:cNvPr>
-          <p:cNvSpPr>
-            <a:spLocks noGrp="1"/>
-          </p:cNvSpPr>
-          <p:nvPr>
-            <p:ph sz="half" idx="2"/>
-          </p:nvPr>
-        </p:nvSpPr>
-        <p:spPr/>
-        <p:txBody>
-          <a:bodyPr/>
-          <a:lstStyle/>
-          <a:p>
-            <a:r>
-              <a:rPr lang="fr-FR" dirty="0"/>
-              <a:t>Affichage et mise en forme de données</a:t>
-            </a:r>
-          </a:p>
-          <a:p>
-            <a:r>
-              <a:rPr lang="fr-FR" dirty="0"/>
-              <a:t>Traitement de données</a:t>
-            </a:r>
-          </a:p>
-        </p:txBody>
-      </p:sp>
-      <p:pic>
-        <p:nvPicPr>
-          <p:cNvPr id="5" name="Image 4" descr="Une image contenant texte&#10;&#10;Description générée automatiquement">
-            <a:extLst>
-              <a:ext uri="{FF2B5EF4-FFF2-40B4-BE49-F238E27FC236}">
-                <a16:creationId xmlns:a16="http://schemas.microsoft.com/office/drawing/2014/main" id="{204ADC40-1D61-539F-22ED-6B21D67FBDE6}"/>
-              </a:ext>
-            </a:extLst>
-          </p:cNvPr>
-          <p:cNvPicPr>
-            <a:picLocks noChangeAspect="1"/>
-          </p:cNvPicPr>
-          <p:nvPr/>
-        </p:nvPicPr>
-        <p:blipFill>
-          <a:blip r:embed="rId2">
-            <a:extLst>
-              <a:ext uri="{28A0092B-C50C-407E-A947-70E740481C1C}">
-                <a14:useLocalDpi xmlns:a14="http://schemas.microsoft.com/office/drawing/2010/main" val="0"/>
-              </a:ext>
-            </a:extLst>
-          </a:blip>
-          <a:stretch>
-            <a:fillRect/>
-          </a:stretch>
-        </p:blipFill>
-        <p:spPr>
-          <a:xfrm>
-            <a:off x="202922" y="5934456"/>
-            <a:ext cx="1825291" cy="749808"/>
-          </a:xfrm>
-          <a:prstGeom prst="rect">
-            <a:avLst/>
-          </a:prstGeom>
-        </p:spPr>
-      </p:pic>
-      <p:pic>
-        <p:nvPicPr>
-          <p:cNvPr id="7" name="Image 6" descr="Une image contenant graphique&#10;&#10;Description générée automatiquement">
-            <a:extLst>
-              <a:ext uri="{FF2B5EF4-FFF2-40B4-BE49-F238E27FC236}">
-                <a16:creationId xmlns:a16="http://schemas.microsoft.com/office/drawing/2014/main" id="{87960641-FC60-EDB5-EFEB-9D90B9024EF6}"/>
-              </a:ext>
-            </a:extLst>
-          </p:cNvPr>
-          <p:cNvPicPr>
-            <a:picLocks noChangeAspect="1"/>
-          </p:cNvPicPr>
-          <p:nvPr/>
-        </p:nvPicPr>
-        <p:blipFill>
-          <a:blip r:embed="rId3">
-            <a:extLst>
-              <a:ext uri="{28A0092B-C50C-407E-A947-70E740481C1C}">
-                <a14:useLocalDpi xmlns:a14="http://schemas.microsoft.com/office/drawing/2010/main" val="0"/>
-              </a:ext>
-            </a:extLst>
-          </a:blip>
-          <a:stretch>
-            <a:fillRect/>
-          </a:stretch>
-        </p:blipFill>
-        <p:spPr>
-          <a:xfrm>
-            <a:off x="7012560" y="4060722"/>
-            <a:ext cx="3604512" cy="2703384"/>
-          </a:xfrm>
-          <a:prstGeom prst="rect">
-            <a:avLst/>
-          </a:prstGeom>
-        </p:spPr>
-      </p:pic>
-    </p:spTree>
-    <p:extLst>
-      <p:ext uri="{BB962C8B-B14F-4D97-AF65-F5344CB8AC3E}">
-        <p14:creationId xmlns:p14="http://schemas.microsoft.com/office/powerpoint/2010/main" val="3231121590"/>
-      </p:ext>
-    </p:extLst>
-  </p:cSld>
-  <p:clrMapOvr>
-    <a:masterClrMapping/>
-  </p:clrMapOvr>
-</p:sld>
-</file>
-
-<file path=ppt/slides/slide20.xml><?xml version="1.0" encoding="utf-8"?>
-<p:sld xmlns:a="http://schemas.openxmlformats.org/drawingml/2006/main" xmlns:r="http://schemas.openxmlformats.org/officeDocument/2006/relationships" xmlns:p="http://schemas.openxmlformats.org/presentationml/2006/main">
-  <p:cSld>
-    <p:spTree>
-      <p:nvGrpSpPr>
-        <p:cNvPr id="1" name=""/>
-        <p:cNvGrpSpPr/>
-        <p:nvPr/>
-      </p:nvGrpSpPr>
-      <p:grpSpPr>
-        <a:xfrm>
-          <a:off x="0" y="0"/>
-          <a:ext cx="0" cy="0"/>
-          <a:chOff x="0" y="0"/>
-          <a:chExt cx="0" cy="0"/>
-        </a:xfrm>
-      </p:grpSpPr>
-      <p:sp>
-        <p:nvSpPr>
-          <p:cNvPr id="3" name="Espace réservé du contenu 2">
-            <a:extLst>
-              <a:ext uri="{FF2B5EF4-FFF2-40B4-BE49-F238E27FC236}">
-                <a16:creationId xmlns:a16="http://schemas.microsoft.com/office/drawing/2014/main" id="{E0BBB9DE-019C-C741-F224-494739D4B752}"/>
-              </a:ext>
-            </a:extLst>
-          </p:cNvPr>
-          <p:cNvSpPr>
-            <a:spLocks noGrp="1"/>
-          </p:cNvSpPr>
-          <p:nvPr>
-            <p:ph sz="half" idx="1"/>
-          </p:nvPr>
-        </p:nvSpPr>
-        <p:spPr>
-          <a:xfrm>
-            <a:off x="1115568" y="2478024"/>
-            <a:ext cx="10407838" cy="3694176"/>
-          </a:xfrm>
-        </p:spPr>
-        <p:txBody>
-          <a:bodyPr>
-            <a:normAutofit/>
-          </a:bodyPr>
-          <a:lstStyle/>
-          <a:p>
-            <a:r>
-              <a:rPr lang="fr-FR" sz="2400" dirty="0"/>
-              <a:t>Développement sous </a:t>
-            </a:r>
-            <a:r>
-              <a:rPr lang="fr-FR" sz="2400" b="1" dirty="0"/>
-              <a:t>Python 3.9 </a:t>
-            </a:r>
-            <a:r>
-              <a:rPr lang="fr-FR" sz="2400" dirty="0"/>
-              <a:t>(min) / </a:t>
-            </a:r>
-            <a:r>
-              <a:rPr lang="fr-FR" sz="2400" b="1" dirty="0"/>
-              <a:t>Anaconda 3</a:t>
-            </a:r>
-            <a:r>
-              <a:rPr lang="fr-FR" sz="2400" dirty="0"/>
-              <a:t> / </a:t>
-            </a:r>
-            <a:r>
-              <a:rPr lang="fr-FR" sz="2400" b="1" dirty="0" err="1"/>
-              <a:t>Spyder</a:t>
-            </a:r>
-            <a:r>
-              <a:rPr lang="fr-FR" sz="2400" b="1" dirty="0"/>
-              <a:t> 5</a:t>
-            </a:r>
-          </a:p>
-          <a:p>
-            <a:pPr lvl="1"/>
-            <a:r>
-              <a:rPr lang="fr-FR" dirty="0"/>
-              <a:t>Style de code selon le guide </a:t>
-            </a:r>
-            <a:r>
-              <a:rPr lang="fr-FR" b="1" dirty="0"/>
-              <a:t>PEP 8</a:t>
-            </a:r>
-            <a:r>
-              <a:rPr lang="fr-FR" dirty="0"/>
-              <a:t>  </a:t>
-            </a:r>
-            <a:br>
-              <a:rPr lang="fr-FR" dirty="0"/>
-            </a:br>
-            <a:r>
-              <a:rPr lang="fr-FR" dirty="0"/>
-              <a:t>		https://peps.python.org/pep-0008/</a:t>
-            </a:r>
-          </a:p>
-          <a:p>
-            <a:pPr lvl="1"/>
-            <a:r>
-              <a:rPr lang="fr-FR" dirty="0"/>
-              <a:t>Style de commentaires et de documentation selon le guide </a:t>
-            </a:r>
-            <a:r>
-              <a:rPr lang="fr-FR" b="1" dirty="0"/>
-              <a:t>PEP 257 </a:t>
-            </a:r>
-            <a:br>
-              <a:rPr lang="fr-FR" b="1" dirty="0"/>
-            </a:br>
-            <a:r>
-              <a:rPr lang="fr-FR" b="1" dirty="0"/>
-              <a:t>		</a:t>
-            </a:r>
-            <a:r>
-              <a:rPr lang="fr-FR" dirty="0"/>
-              <a:t>https://peps.python.org/pep-0257/</a:t>
-            </a:r>
-          </a:p>
-          <a:p>
-            <a:r>
-              <a:rPr lang="fr-FR" sz="2400" dirty="0"/>
-              <a:t>Utilisation de bibliothèques standards (</a:t>
-            </a:r>
-            <a:r>
-              <a:rPr lang="fr-FR" sz="2400" dirty="0" err="1"/>
-              <a:t>Numpy</a:t>
-            </a:r>
-            <a:r>
-              <a:rPr lang="fr-FR" sz="2400" dirty="0"/>
-              <a:t>, </a:t>
-            </a:r>
-            <a:r>
-              <a:rPr lang="fr-FR" sz="2400" dirty="0" err="1"/>
-              <a:t>Matplotlib</a:t>
-            </a:r>
-            <a:r>
-              <a:rPr lang="fr-FR" sz="2400" dirty="0"/>
-              <a:t>, </a:t>
-            </a:r>
-            <a:r>
-              <a:rPr lang="fr-FR" sz="2400" dirty="0" err="1"/>
-              <a:t>Scipy</a:t>
-            </a:r>
-            <a:r>
-              <a:rPr lang="fr-FR" sz="2400" dirty="0"/>
-              <a:t>…)</a:t>
-            </a:r>
-          </a:p>
-          <a:p>
-            <a:r>
-              <a:rPr lang="fr-FR" sz="2400" dirty="0"/>
-              <a:t>Découpage en fonctions simples (fichiers .</a:t>
-            </a:r>
-            <a:r>
-              <a:rPr lang="fr-FR" sz="2400" dirty="0" err="1"/>
-              <a:t>py</a:t>
-            </a:r>
-            <a:r>
-              <a:rPr lang="fr-FR" sz="2400" dirty="0"/>
-              <a:t> séparés)</a:t>
-            </a:r>
-            <a:endParaRPr lang="fr-FR" dirty="0"/>
-          </a:p>
-        </p:txBody>
-      </p:sp>
-      <p:sp>
-        <p:nvSpPr>
-          <p:cNvPr id="2" name="Titre 1">
-            <a:extLst>
-              <a:ext uri="{FF2B5EF4-FFF2-40B4-BE49-F238E27FC236}">
-                <a16:creationId xmlns:a16="http://schemas.microsoft.com/office/drawing/2014/main" id="{90162AE8-C1B0-5C56-8313-DEE494F38273}"/>
-              </a:ext>
-            </a:extLst>
-          </p:cNvPr>
-          <p:cNvSpPr>
-            <a:spLocks noGrp="1"/>
-          </p:cNvSpPr>
-          <p:nvPr>
-            <p:ph type="title"/>
-          </p:nvPr>
-        </p:nvSpPr>
-        <p:spPr/>
-        <p:txBody>
-          <a:bodyPr/>
-          <a:lstStyle/>
-          <a:p>
-            <a:r>
-              <a:rPr lang="fr-FR" dirty="0"/>
-              <a:t>Méthode de travail / Bonnes pratiques</a:t>
-            </a:r>
-          </a:p>
-        </p:txBody>
-      </p:sp>
-      <p:pic>
-        <p:nvPicPr>
-          <p:cNvPr id="5" name="Image 4" descr="Une image contenant texte&#10;&#10;Description générée automatiquement">
-            <a:extLst>
-              <a:ext uri="{FF2B5EF4-FFF2-40B4-BE49-F238E27FC236}">
-                <a16:creationId xmlns:a16="http://schemas.microsoft.com/office/drawing/2014/main" id="{204ADC40-1D61-539F-22ED-6B21D67FBDE6}"/>
-              </a:ext>
-            </a:extLst>
-          </p:cNvPr>
-          <p:cNvPicPr>
-            <a:picLocks noChangeAspect="1"/>
-          </p:cNvPicPr>
-          <p:nvPr/>
-        </p:nvPicPr>
-        <p:blipFill>
-          <a:blip r:embed="rId2">
-            <a:extLst>
-              <a:ext uri="{28A0092B-C50C-407E-A947-70E740481C1C}">
-                <a14:useLocalDpi xmlns:a14="http://schemas.microsoft.com/office/drawing/2010/main" val="0"/>
-              </a:ext>
-            </a:extLst>
-          </a:blip>
-          <a:stretch>
-            <a:fillRect/>
-          </a:stretch>
-        </p:blipFill>
-        <p:spPr>
-          <a:xfrm>
-            <a:off x="202922" y="5934456"/>
-            <a:ext cx="1825291" cy="749808"/>
-          </a:xfrm>
-          <a:prstGeom prst="rect">
-            <a:avLst/>
-          </a:prstGeom>
-        </p:spPr>
-      </p:pic>
-    </p:spTree>
-    <p:extLst>
-      <p:ext uri="{BB962C8B-B14F-4D97-AF65-F5344CB8AC3E}">
-        <p14:creationId xmlns:p14="http://schemas.microsoft.com/office/powerpoint/2010/main" val="3230963344"/>
-      </p:ext>
-    </p:extLst>
-  </p:cSld>
-  <p:clrMapOvr>
-    <a:masterClrMapping/>
-  </p:clrMapOvr>
-</p:sld>
-</file>
-
-<file path=ppt/slides/slide21.xml><?xml version="1.0" encoding="utf-8"?>
-<p:sld xmlns:a="http://schemas.openxmlformats.org/drawingml/2006/main" xmlns:r="http://schemas.openxmlformats.org/officeDocument/2006/relationships" xmlns:p="http://schemas.openxmlformats.org/presentationml/2006/main">
-  <p:cSld>
-    <p:spTree>
-      <p:nvGrpSpPr>
-        <p:cNvPr id="1" name=""/>
-        <p:cNvGrpSpPr/>
-        <p:nvPr/>
-      </p:nvGrpSpPr>
-      <p:grpSpPr>
-        <a:xfrm>
-          <a:off x="0" y="0"/>
-          <a:ext cx="0" cy="0"/>
-          <a:chOff x="0" y="0"/>
-          <a:chExt cx="0" cy="0"/>
-        </a:xfrm>
-      </p:grpSpPr>
-      <p:sp>
-        <p:nvSpPr>
-          <p:cNvPr id="3" name="Espace réservé du contenu 2">
-            <a:extLst>
-              <a:ext uri="{FF2B5EF4-FFF2-40B4-BE49-F238E27FC236}">
-                <a16:creationId xmlns:a16="http://schemas.microsoft.com/office/drawing/2014/main" id="{E0BBB9DE-019C-C741-F224-494739D4B752}"/>
-              </a:ext>
-            </a:extLst>
-          </p:cNvPr>
-          <p:cNvSpPr>
-            <a:spLocks noGrp="1"/>
-          </p:cNvSpPr>
-          <p:nvPr>
-            <p:ph sz="half" idx="1"/>
-          </p:nvPr>
-        </p:nvSpPr>
-        <p:spPr>
-          <a:xfrm>
-            <a:off x="1115568" y="2478024"/>
-            <a:ext cx="10168128" cy="3694176"/>
-          </a:xfrm>
-        </p:spPr>
-        <p:txBody>
-          <a:bodyPr>
-            <a:normAutofit/>
-          </a:bodyPr>
-          <a:lstStyle/>
-          <a:p>
-            <a:r>
-              <a:rPr lang="fr-FR" dirty="0"/>
-              <a:t>Démystifier les langages de haut niveau</a:t>
-            </a:r>
-            <a:endParaRPr lang="fr-FR" b="1" dirty="0"/>
-          </a:p>
-          <a:p>
-            <a:pPr lvl="1"/>
-            <a:r>
-              <a:rPr lang="fr-FR" dirty="0"/>
-              <a:t>Quelques notions théoriques</a:t>
-            </a:r>
-          </a:p>
-          <a:p>
-            <a:pPr lvl="1"/>
-            <a:r>
-              <a:rPr lang="fr-FR" dirty="0"/>
-              <a:t>Des exemples pratiques en Python (ou C/C++)</a:t>
-            </a:r>
-          </a:p>
-          <a:p>
-            <a:r>
-              <a:rPr lang="fr-FR" dirty="0"/>
-              <a:t>Calcul scientifique / Plusieurs méthodes de résolution</a:t>
-            </a:r>
-          </a:p>
-        </p:txBody>
-      </p:sp>
-      <p:sp>
-        <p:nvSpPr>
-          <p:cNvPr id="2" name="Titre 1">
-            <a:extLst>
-              <a:ext uri="{FF2B5EF4-FFF2-40B4-BE49-F238E27FC236}">
-                <a16:creationId xmlns:a16="http://schemas.microsoft.com/office/drawing/2014/main" id="{90162AE8-C1B0-5C56-8313-DEE494F38273}"/>
-              </a:ext>
-            </a:extLst>
-          </p:cNvPr>
-          <p:cNvSpPr>
-            <a:spLocks noGrp="1"/>
-          </p:cNvSpPr>
-          <p:nvPr>
-            <p:ph type="title"/>
-          </p:nvPr>
-        </p:nvSpPr>
-        <p:spPr/>
-        <p:txBody>
-          <a:bodyPr/>
-          <a:lstStyle/>
-          <a:p>
-            <a:r>
-              <a:rPr lang="fr-FR" dirty="0"/>
-              <a:t>Méthode de travail / Bloc 1</a:t>
-            </a:r>
-          </a:p>
-        </p:txBody>
-      </p:sp>
-      <p:pic>
-        <p:nvPicPr>
-          <p:cNvPr id="5" name="Image 4" descr="Une image contenant texte&#10;&#10;Description générée automatiquement">
-            <a:extLst>
-              <a:ext uri="{FF2B5EF4-FFF2-40B4-BE49-F238E27FC236}">
-                <a16:creationId xmlns:a16="http://schemas.microsoft.com/office/drawing/2014/main" id="{204ADC40-1D61-539F-22ED-6B21D67FBDE6}"/>
-              </a:ext>
-            </a:extLst>
-          </p:cNvPr>
-          <p:cNvPicPr>
-            <a:picLocks noChangeAspect="1"/>
-          </p:cNvPicPr>
-          <p:nvPr/>
-        </p:nvPicPr>
-        <p:blipFill>
-          <a:blip r:embed="rId2">
-            <a:extLst>
-              <a:ext uri="{28A0092B-C50C-407E-A947-70E740481C1C}">
-                <a14:useLocalDpi xmlns:a14="http://schemas.microsoft.com/office/drawing/2010/main" val="0"/>
-              </a:ext>
-            </a:extLst>
-          </a:blip>
-          <a:stretch>
-            <a:fillRect/>
-          </a:stretch>
-        </p:blipFill>
-        <p:spPr>
-          <a:xfrm>
-            <a:off x="202922" y="5934456"/>
-            <a:ext cx="1825291" cy="749808"/>
-          </a:xfrm>
-          <a:prstGeom prst="rect">
-            <a:avLst/>
-          </a:prstGeom>
-        </p:spPr>
-      </p:pic>
-      <p:pic>
-        <p:nvPicPr>
-          <p:cNvPr id="1026" name="Picture 2">
-            <a:extLst>
-              <a:ext uri="{FF2B5EF4-FFF2-40B4-BE49-F238E27FC236}">
-                <a16:creationId xmlns:a16="http://schemas.microsoft.com/office/drawing/2014/main" id="{EEC3CC6F-ADB4-888A-B18B-7044585F0661}"/>
-              </a:ext>
-            </a:extLst>
-          </p:cNvPr>
-          <p:cNvPicPr>
-            <a:picLocks noChangeAspect="1" noChangeArrowheads="1"/>
-          </p:cNvPicPr>
-          <p:nvPr/>
-        </p:nvPicPr>
-        <p:blipFill>
-          <a:blip r:embed="rId3">
-            <a:extLst>
-              <a:ext uri="{28A0092B-C50C-407E-A947-70E740481C1C}">
-                <a14:useLocalDpi xmlns:a14="http://schemas.microsoft.com/office/drawing/2010/main" val="0"/>
-              </a:ext>
-            </a:extLst>
-          </a:blip>
-          <a:srcRect/>
-          <a:stretch>
-            <a:fillRect/>
-          </a:stretch>
-        </p:blipFill>
-        <p:spPr bwMode="auto">
-          <a:xfrm>
-            <a:off x="3389364" y="4715256"/>
-            <a:ext cx="1047750" cy="1219200"/>
-          </a:xfrm>
-          <a:prstGeom prst="rect">
-            <a:avLst/>
-          </a:prstGeom>
-          <a:noFill/>
-          <a:extLst>
-            <a:ext uri="{909E8E84-426E-40DD-AFC4-6F175D3DCCD1}">
-              <a14:hiddenFill xmlns:a14="http://schemas.microsoft.com/office/drawing/2010/main">
-                <a:solidFill>
-                  <a:srgbClr val="FFFFFF"/>
-                </a:solidFill>
-              </a14:hiddenFill>
-            </a:ext>
-          </a:extLst>
-        </p:spPr>
-      </p:pic>
-      <p:pic>
-        <p:nvPicPr>
-          <p:cNvPr id="4" name="Picture 8" descr="Résultat de recherche d'images pour &quot;spyder logo&quot;">
-            <a:extLst>
-              <a:ext uri="{FF2B5EF4-FFF2-40B4-BE49-F238E27FC236}">
-                <a16:creationId xmlns:a16="http://schemas.microsoft.com/office/drawing/2014/main" id="{7D86E94E-1CE4-F45E-69EA-100C66B3A897}"/>
-              </a:ext>
-            </a:extLst>
-          </p:cNvPr>
-          <p:cNvPicPr>
-            <a:picLocks noChangeAspect="1" noChangeArrowheads="1"/>
-          </p:cNvPicPr>
-          <p:nvPr/>
-        </p:nvPicPr>
-        <p:blipFill>
-          <a:blip r:embed="rId4">
-            <a:extLst>
-              <a:ext uri="{28A0092B-C50C-407E-A947-70E740481C1C}">
-                <a14:useLocalDpi xmlns:a14="http://schemas.microsoft.com/office/drawing/2010/main" val="0"/>
-              </a:ext>
-            </a:extLst>
-          </a:blip>
-          <a:srcRect/>
-          <a:stretch>
-            <a:fillRect/>
-          </a:stretch>
-        </p:blipFill>
-        <p:spPr bwMode="auto">
-          <a:xfrm>
-            <a:off x="7506412" y="4846474"/>
-            <a:ext cx="1913528" cy="956764"/>
-          </a:xfrm>
-          <a:prstGeom prst="rect">
-            <a:avLst/>
-          </a:prstGeom>
-          <a:noFill/>
-          <a:extLst>
-            <a:ext uri="{909E8E84-426E-40DD-AFC4-6F175D3DCCD1}">
-              <a14:hiddenFill xmlns:a14="http://schemas.microsoft.com/office/drawing/2010/main">
-                <a:solidFill>
-                  <a:srgbClr val="FFFFFF"/>
-                </a:solidFill>
-              </a14:hiddenFill>
-            </a:ext>
-          </a:extLst>
-        </p:spPr>
-      </p:pic>
-    </p:spTree>
-    <p:extLst>
-      <p:ext uri="{BB962C8B-B14F-4D97-AF65-F5344CB8AC3E}">
-        <p14:creationId xmlns:p14="http://schemas.microsoft.com/office/powerpoint/2010/main" val="2211726380"/>
-      </p:ext>
-    </p:extLst>
-  </p:cSld>
-  <p:clrMapOvr>
-    <a:masterClrMapping/>
-  </p:clrMapOvr>
-</p:sld>
-</file>
-
 <file path=ppt/slides/slide22.xml><?xml version="1.0" encoding="utf-8"?>
 <p:sld xmlns:a="http://schemas.openxmlformats.org/drawingml/2006/main" xmlns:r="http://schemas.openxmlformats.org/officeDocument/2006/relationships" xmlns:p="http://schemas.openxmlformats.org/presentationml/2006/main">
   <p:cSld>
@@ -12083,7 +12074,7 @@
         <p:spPr>
           <a:xfrm>
             <a:off x="1115568" y="2478024"/>
-            <a:ext cx="10168128" cy="3694176"/>
+            <a:ext cx="10407838" cy="3694176"/>
           </a:xfrm>
         </p:spPr>
         <p:txBody>
@@ -12093,67 +12084,122 @@
           <a:lstStyle/>
           <a:p>
             <a:r>
+              <a:rPr lang="fr-FR" sz="2400" dirty="0"/>
+              <a:t>Développement sous </a:t>
+            </a:r>
+            <a:r>
+              <a:rPr lang="fr-FR" sz="2400" b="1" dirty="0"/>
+              <a:t>Python 3.9 </a:t>
+            </a:r>
+            <a:r>
+              <a:rPr lang="fr-FR" sz="2400" dirty="0"/>
+              <a:t>(min) / </a:t>
+            </a:r>
+            <a:r>
+              <a:rPr lang="fr-FR" sz="2400" b="1" dirty="0"/>
+              <a:t>Anaconda 3</a:t>
+            </a:r>
+            <a:r>
+              <a:rPr lang="fr-FR" sz="2400" dirty="0"/>
+              <a:t> / </a:t>
+            </a:r>
+            <a:r>
+              <a:rPr lang="fr-FR" sz="2400" b="1" dirty="0" err="1"/>
+              <a:t>Spyder</a:t>
+            </a:r>
+            <a:r>
+              <a:rPr lang="fr-FR" sz="2400" b="1" dirty="0"/>
+              <a:t> 5</a:t>
+            </a:r>
+          </a:p>
+          <a:p>
+            <a:pPr lvl="1"/>
+            <a:r>
+              <a:rPr lang="fr-FR" dirty="0"/>
+              <a:t>Style de code selon le guide </a:t>
+            </a:r>
+            <a:r>
               <a:rPr lang="fr-FR" b="1" dirty="0"/>
-              <a:t>Travail à réaliser </a:t>
+              <a:t>PEP 8</a:t>
+            </a:r>
+            <a:r>
+              <a:rPr lang="fr-FR" dirty="0"/>
+              <a:t>  </a:t>
+            </a:r>
+            <a:br>
+              <a:rPr lang="fr-FR" dirty="0"/>
+            </a:br>
+            <a:r>
+              <a:rPr lang="fr-FR" dirty="0"/>
+              <a:t>		https://peps.python.org/pep-0008/</a:t>
             </a:r>
           </a:p>
           <a:p>
             <a:pPr lvl="1"/>
             <a:r>
               <a:rPr lang="fr-FR" dirty="0"/>
-              <a:t>Résultats à faire valider par </a:t>
-            </a:r>
-            <a:r>
-              <a:rPr lang="fr-FR" dirty="0" err="1"/>
-              <a:t>un.e</a:t>
+              <a:t>Style de commentaires et de documentation selon le guide </a:t>
+            </a:r>
+            <a:r>
+              <a:rPr lang="fr-FR" b="1" dirty="0"/>
+              <a:t>PEP 257 </a:t>
+            </a:r>
+            <a:br>
+              <a:rPr lang="fr-FR" b="1" dirty="0"/>
+            </a:br>
+            <a:r>
+              <a:rPr lang="fr-FR" b="1" dirty="0"/>
+              <a:t>		</a:t>
             </a:r>
             <a:r>
               <a:rPr lang="fr-FR" dirty="0"/>
-              <a:t> </a:t>
-            </a:r>
-            <a:r>
-              <a:rPr lang="fr-FR" dirty="0" err="1"/>
-              <a:t>encadrant.e</a:t>
-            </a:r>
-            <a:r>
-              <a:rPr lang="fr-FR" dirty="0"/>
-              <a:t> durant la séance</a:t>
-            </a:r>
-          </a:p>
-          <a:p>
-            <a:pPr lvl="2"/>
-            <a:r>
-              <a:rPr lang="fr-FR" dirty="0"/>
-              <a:t>Bonnes pratiques en programmation : </a:t>
-            </a:r>
-          </a:p>
-          <a:p>
-            <a:pPr lvl="3"/>
-            <a:r>
-              <a:rPr lang="fr-FR" dirty="0"/>
-              <a:t>Code propre / documenté</a:t>
-            </a:r>
-          </a:p>
-          <a:p>
-            <a:pPr lvl="3"/>
-            <a:r>
-              <a:rPr lang="fr-FR" dirty="0"/>
-              <a:t>Utilisation de fonctions</a:t>
-            </a:r>
-          </a:p>
-          <a:p>
-            <a:pPr lvl="2"/>
-            <a:r>
-              <a:rPr lang="fr-FR" dirty="0"/>
-              <a:t>Présentation des résultats</a:t>
-            </a:r>
-          </a:p>
-          <a:p>
-            <a:pPr lvl="2"/>
-            <a:r>
-              <a:rPr lang="fr-FR" dirty="0"/>
-              <a:t>Analyse et critiques des résultats (aspect physique/mathématique)</a:t>
-            </a:r>
+              <a:t>https://peps.python.org/pep-0257/</a:t>
+            </a:r>
+          </a:p>
+          <a:p>
+            <a:r>
+              <a:rPr lang="fr-FR" sz="2400" dirty="0"/>
+              <a:t>Utilisation de bibliothèques standards (</a:t>
+            </a:r>
+            <a:r>
+              <a:rPr lang="fr-FR" sz="2400" dirty="0" err="1"/>
+              <a:t>Numpy</a:t>
+            </a:r>
+            <a:r>
+              <a:rPr lang="fr-FR" sz="2400" dirty="0"/>
+              <a:t>, </a:t>
+            </a:r>
+            <a:r>
+              <a:rPr lang="fr-FR" sz="2400" dirty="0" err="1"/>
+              <a:t>Matplotlib</a:t>
+            </a:r>
+            <a:r>
+              <a:rPr lang="fr-FR" sz="2400" dirty="0"/>
+              <a:t>, </a:t>
+            </a:r>
+            <a:r>
+              <a:rPr lang="fr-FR" sz="2400" dirty="0" err="1"/>
+              <a:t>Scipy</a:t>
+            </a:r>
+            <a:r>
+              <a:rPr lang="fr-FR" sz="2400" dirty="0"/>
+              <a:t>…)</a:t>
+            </a:r>
+          </a:p>
+          <a:p>
+            <a:r>
+              <a:rPr lang="fr-FR" sz="2400" dirty="0"/>
+              <a:t>Découpage en fonctions simples (fichiers .</a:t>
+            </a:r>
+            <a:r>
+              <a:rPr lang="fr-FR" sz="2400" dirty="0" err="1"/>
+              <a:t>py</a:t>
+            </a:r>
+            <a:r>
+              <a:rPr lang="fr-FR" sz="2400" dirty="0"/>
+              <a:t> séparés)</a:t>
+            </a:r>
+            <a:endParaRPr lang="fr-FR" dirty="0"/>
           </a:p>
         </p:txBody>
       </p:sp>
@@ -12180,7 +12226,7 @@
           <a:p>
             <a:r>
               <a:rPr lang="fr-FR" dirty="0"/>
-              <a:t>Phases d’apprentissage</a:t>
+              <a:t>Méthode de travail / Bonnes pratiques</a:t>
             </a:r>
           </a:p>
         </p:txBody>
@@ -12221,181 +12267,10 @@
           </a:prstGeom>
         </p:spPr>
       </p:pic>
-      <p:pic>
-        <p:nvPicPr>
-          <p:cNvPr id="1026" name="Picture 2">
-            <a:extLst>
-              <a:ext uri="{FF2B5EF4-FFF2-40B4-BE49-F238E27FC236}">
-                <a16:creationId xmlns:a16="http://schemas.microsoft.com/office/drawing/2014/main" id="{EEC3CC6F-ADB4-888A-B18B-7044585F0661}"/>
-              </a:ext>
-            </a:extLst>
-          </p:cNvPr>
-          <p:cNvPicPr>
-            <a:picLocks noChangeAspect="1" noChangeArrowheads="1"/>
-          </p:cNvPicPr>
-          <p:nvPr/>
-        </p:nvPicPr>
-        <p:blipFill>
-          <a:blip r:embed="rId3">
-            <a:extLst>
-              <a:ext uri="{28A0092B-C50C-407E-A947-70E740481C1C}">
-                <a14:useLocalDpi xmlns:a14="http://schemas.microsoft.com/office/drawing/2010/main" val="0"/>
-              </a:ext>
-            </a:extLst>
-          </a:blip>
-          <a:srcRect/>
-          <a:stretch>
-            <a:fillRect/>
-          </a:stretch>
-        </p:blipFill>
-        <p:spPr bwMode="auto">
-          <a:xfrm>
-            <a:off x="10552557" y="3042631"/>
-            <a:ext cx="1047750" cy="1219200"/>
-          </a:xfrm>
-          <a:prstGeom prst="rect">
-            <a:avLst/>
-          </a:prstGeom>
-          <a:noFill/>
-          <a:extLst>
-            <a:ext uri="{909E8E84-426E-40DD-AFC4-6F175D3DCCD1}">
-              <a14:hiddenFill xmlns:a14="http://schemas.microsoft.com/office/drawing/2010/main">
-                <a:solidFill>
-                  <a:srgbClr val="FFFFFF"/>
-                </a:solidFill>
-              </a14:hiddenFill>
-            </a:ext>
-          </a:extLst>
-        </p:spPr>
-      </p:pic>
-      <p:pic>
-        <p:nvPicPr>
-          <p:cNvPr id="4" name="Picture 8" descr="Résultat de recherche d'images pour &quot;spyder logo&quot;">
-            <a:extLst>
-              <a:ext uri="{FF2B5EF4-FFF2-40B4-BE49-F238E27FC236}">
-                <a16:creationId xmlns:a16="http://schemas.microsoft.com/office/drawing/2014/main" id="{7D86E94E-1CE4-F45E-69EA-100C66B3A897}"/>
-              </a:ext>
-            </a:extLst>
-          </p:cNvPr>
-          <p:cNvPicPr>
-            <a:picLocks noChangeAspect="1" noChangeArrowheads="1"/>
-          </p:cNvPicPr>
-          <p:nvPr/>
-        </p:nvPicPr>
-        <p:blipFill>
-          <a:blip r:embed="rId4">
-            <a:extLst>
-              <a:ext uri="{28A0092B-C50C-407E-A947-70E740481C1C}">
-                <a14:useLocalDpi xmlns:a14="http://schemas.microsoft.com/office/drawing/2010/main" val="0"/>
-              </a:ext>
-            </a:extLst>
-          </a:blip>
-          <a:srcRect/>
-          <a:stretch>
-            <a:fillRect/>
-          </a:stretch>
-        </p:blipFill>
-        <p:spPr bwMode="auto">
-          <a:xfrm>
-            <a:off x="10119668" y="4581003"/>
-            <a:ext cx="1913528" cy="956764"/>
-          </a:xfrm>
-          <a:prstGeom prst="rect">
-            <a:avLst/>
-          </a:prstGeom>
-          <a:noFill/>
-          <a:extLst>
-            <a:ext uri="{909E8E84-426E-40DD-AFC4-6F175D3DCCD1}">
-              <a14:hiddenFill xmlns:a14="http://schemas.microsoft.com/office/drawing/2010/main">
-                <a:solidFill>
-                  <a:srgbClr val="FFFFFF"/>
-                </a:solidFill>
-              </a14:hiddenFill>
-            </a:ext>
-          </a:extLst>
-        </p:spPr>
-      </p:pic>
-      <p:pic>
-        <p:nvPicPr>
-          <p:cNvPr id="7" name="Graphique 6" descr="Flèches de chevron avec un remplissage uni">
-            <a:extLst>
-              <a:ext uri="{FF2B5EF4-FFF2-40B4-BE49-F238E27FC236}">
-                <a16:creationId xmlns:a16="http://schemas.microsoft.com/office/drawing/2014/main" id="{80926F58-1C00-743C-5E30-C8AF32AD8C71}"/>
-              </a:ext>
-            </a:extLst>
-          </p:cNvPr>
-          <p:cNvPicPr>
-            <a:picLocks noChangeAspect="1"/>
-          </p:cNvPicPr>
-          <p:nvPr/>
-        </p:nvPicPr>
-        <p:blipFill>
-          <a:blip r:embed="rId5">
-            <a:extLst>
-              <a:ext uri="{28A0092B-C50C-407E-A947-70E740481C1C}">
-                <a14:useLocalDpi xmlns:a14="http://schemas.microsoft.com/office/drawing/2010/main" val="0"/>
-              </a:ext>
-              <a:ext uri="{96DAC541-7B7A-43D3-8B79-37D633B846F1}">
-                <asvg:svgBlip xmlns:asvg="http://schemas.microsoft.com/office/drawing/2016/SVG/main" r:embed="rId6"/>
-              </a:ext>
-            </a:extLst>
-          </a:blip>
-          <a:stretch>
-            <a:fillRect/>
-          </a:stretch>
-        </p:blipFill>
-        <p:spPr>
-          <a:xfrm>
-            <a:off x="7005291" y="437784"/>
-            <a:ext cx="1401288" cy="1401288"/>
-          </a:xfrm>
-          <a:prstGeom prst="rect">
-            <a:avLst/>
-          </a:prstGeom>
-        </p:spPr>
-      </p:pic>
-      <p:sp>
-        <p:nvSpPr>
-          <p:cNvPr id="6" name="ZoneTexte 5">
-            <a:extLst>
-              <a:ext uri="{FF2B5EF4-FFF2-40B4-BE49-F238E27FC236}">
-                <a16:creationId xmlns:a16="http://schemas.microsoft.com/office/drawing/2014/main" id="{53177DBA-E31C-6A08-5071-177B62FB5E96}"/>
-              </a:ext>
-            </a:extLst>
-          </p:cNvPr>
-          <p:cNvSpPr txBox="1"/>
-          <p:nvPr/>
-        </p:nvSpPr>
-        <p:spPr>
-          <a:xfrm>
-            <a:off x="8969659" y="1507987"/>
-            <a:ext cx="2435233" cy="369332"/>
-          </a:xfrm>
-          <a:prstGeom prst="rect">
-            <a:avLst/>
-          </a:prstGeom>
-          <a:solidFill>
-            <a:srgbClr val="00B050"/>
-          </a:solidFill>
-        </p:spPr>
-        <p:txBody>
-          <a:bodyPr wrap="square">
-            <a:spAutoFit/>
-          </a:bodyPr>
-          <a:lstStyle/>
-          <a:p>
-            <a:pPr algn="ctr"/>
-            <a:r>
-              <a:rPr lang="fr-FR" b="1" i="1" dirty="0"/>
-              <a:t>S’ENTRAINER</a:t>
-            </a:r>
-          </a:p>
-        </p:txBody>
-      </p:sp>
     </p:spTree>
     <p:extLst>
       <p:ext uri="{BB962C8B-B14F-4D97-AF65-F5344CB8AC3E}">
-        <p14:creationId xmlns:p14="http://schemas.microsoft.com/office/powerpoint/2010/main" val="1124339619"/>
+        <p14:creationId xmlns:p14="http://schemas.microsoft.com/office/powerpoint/2010/main" val="3230963344"/>
       </p:ext>
     </p:extLst>
   </p:cSld>
@@ -12451,6 +12326,608 @@
           <a:lstStyle/>
           <a:p>
             <a:r>
+              <a:rPr lang="fr-FR" dirty="0"/>
+              <a:t>Démystifier les langages de haut niveau</a:t>
+            </a:r>
+            <a:endParaRPr lang="fr-FR" b="1" dirty="0"/>
+          </a:p>
+          <a:p>
+            <a:pPr lvl="1"/>
+            <a:r>
+              <a:rPr lang="fr-FR" dirty="0"/>
+              <a:t>Quelques notions théoriques</a:t>
+            </a:r>
+          </a:p>
+          <a:p>
+            <a:pPr lvl="1"/>
+            <a:r>
+              <a:rPr lang="fr-FR" dirty="0"/>
+              <a:t>Des exemples pratiques en Python (ou C/C++)</a:t>
+            </a:r>
+          </a:p>
+          <a:p>
+            <a:r>
+              <a:rPr lang="fr-FR" dirty="0"/>
+              <a:t>Calcul scientifique / Plusieurs méthodes de résolution</a:t>
+            </a:r>
+          </a:p>
+        </p:txBody>
+      </p:sp>
+      <p:sp>
+        <p:nvSpPr>
+          <p:cNvPr id="2" name="Titre 1">
+            <a:extLst>
+              <a:ext uri="{FF2B5EF4-FFF2-40B4-BE49-F238E27FC236}">
+                <a16:creationId xmlns:a16="http://schemas.microsoft.com/office/drawing/2014/main" id="{90162AE8-C1B0-5C56-8313-DEE494F38273}"/>
+              </a:ext>
+            </a:extLst>
+          </p:cNvPr>
+          <p:cNvSpPr>
+            <a:spLocks noGrp="1"/>
+          </p:cNvSpPr>
+          <p:nvPr>
+            <p:ph type="title"/>
+          </p:nvPr>
+        </p:nvSpPr>
+        <p:spPr/>
+        <p:txBody>
+          <a:bodyPr/>
+          <a:lstStyle/>
+          <a:p>
+            <a:r>
+              <a:rPr lang="fr-FR" dirty="0"/>
+              <a:t>Méthode de travail / Bloc 1</a:t>
+            </a:r>
+          </a:p>
+        </p:txBody>
+      </p:sp>
+      <p:pic>
+        <p:nvPicPr>
+          <p:cNvPr id="5" name="Image 4" descr="Une image contenant texte&#10;&#10;Description générée automatiquement">
+            <a:extLst>
+              <a:ext uri="{FF2B5EF4-FFF2-40B4-BE49-F238E27FC236}">
+                <a16:creationId xmlns:a16="http://schemas.microsoft.com/office/drawing/2014/main" id="{204ADC40-1D61-539F-22ED-6B21D67FBDE6}"/>
+              </a:ext>
+            </a:extLst>
+          </p:cNvPr>
+          <p:cNvPicPr>
+            <a:picLocks noChangeAspect="1"/>
+          </p:cNvPicPr>
+          <p:nvPr/>
+        </p:nvPicPr>
+        <p:blipFill>
+          <a:blip r:embed="rId2">
+            <a:extLst>
+              <a:ext uri="{28A0092B-C50C-407E-A947-70E740481C1C}">
+                <a14:useLocalDpi xmlns:a14="http://schemas.microsoft.com/office/drawing/2010/main" val="0"/>
+              </a:ext>
+            </a:extLst>
+          </a:blip>
+          <a:stretch>
+            <a:fillRect/>
+          </a:stretch>
+        </p:blipFill>
+        <p:spPr>
+          <a:xfrm>
+            <a:off x="202922" y="5934456"/>
+            <a:ext cx="1825291" cy="749808"/>
+          </a:xfrm>
+          <a:prstGeom prst="rect">
+            <a:avLst/>
+          </a:prstGeom>
+        </p:spPr>
+      </p:pic>
+      <p:pic>
+        <p:nvPicPr>
+          <p:cNvPr id="1026" name="Picture 2">
+            <a:extLst>
+              <a:ext uri="{FF2B5EF4-FFF2-40B4-BE49-F238E27FC236}">
+                <a16:creationId xmlns:a16="http://schemas.microsoft.com/office/drawing/2014/main" id="{EEC3CC6F-ADB4-888A-B18B-7044585F0661}"/>
+              </a:ext>
+            </a:extLst>
+          </p:cNvPr>
+          <p:cNvPicPr>
+            <a:picLocks noChangeAspect="1" noChangeArrowheads="1"/>
+          </p:cNvPicPr>
+          <p:nvPr/>
+        </p:nvPicPr>
+        <p:blipFill>
+          <a:blip r:embed="rId3">
+            <a:extLst>
+              <a:ext uri="{28A0092B-C50C-407E-A947-70E740481C1C}">
+                <a14:useLocalDpi xmlns:a14="http://schemas.microsoft.com/office/drawing/2010/main" val="0"/>
+              </a:ext>
+            </a:extLst>
+          </a:blip>
+          <a:srcRect/>
+          <a:stretch>
+            <a:fillRect/>
+          </a:stretch>
+        </p:blipFill>
+        <p:spPr bwMode="auto">
+          <a:xfrm>
+            <a:off x="3389364" y="4715256"/>
+            <a:ext cx="1047750" cy="1219200"/>
+          </a:xfrm>
+          <a:prstGeom prst="rect">
+            <a:avLst/>
+          </a:prstGeom>
+          <a:noFill/>
+          <a:extLst>
+            <a:ext uri="{909E8E84-426E-40DD-AFC4-6F175D3DCCD1}">
+              <a14:hiddenFill xmlns:a14="http://schemas.microsoft.com/office/drawing/2010/main">
+                <a:solidFill>
+                  <a:srgbClr val="FFFFFF"/>
+                </a:solidFill>
+              </a14:hiddenFill>
+            </a:ext>
+          </a:extLst>
+        </p:spPr>
+      </p:pic>
+      <p:pic>
+        <p:nvPicPr>
+          <p:cNvPr id="4" name="Picture 8" descr="Résultat de recherche d'images pour &quot;spyder logo&quot;">
+            <a:extLst>
+              <a:ext uri="{FF2B5EF4-FFF2-40B4-BE49-F238E27FC236}">
+                <a16:creationId xmlns:a16="http://schemas.microsoft.com/office/drawing/2014/main" id="{7D86E94E-1CE4-F45E-69EA-100C66B3A897}"/>
+              </a:ext>
+            </a:extLst>
+          </p:cNvPr>
+          <p:cNvPicPr>
+            <a:picLocks noChangeAspect="1" noChangeArrowheads="1"/>
+          </p:cNvPicPr>
+          <p:nvPr/>
+        </p:nvPicPr>
+        <p:blipFill>
+          <a:blip r:embed="rId4">
+            <a:extLst>
+              <a:ext uri="{28A0092B-C50C-407E-A947-70E740481C1C}">
+                <a14:useLocalDpi xmlns:a14="http://schemas.microsoft.com/office/drawing/2010/main" val="0"/>
+              </a:ext>
+            </a:extLst>
+          </a:blip>
+          <a:srcRect/>
+          <a:stretch>
+            <a:fillRect/>
+          </a:stretch>
+        </p:blipFill>
+        <p:spPr bwMode="auto">
+          <a:xfrm>
+            <a:off x="7506412" y="4846474"/>
+            <a:ext cx="1913528" cy="956764"/>
+          </a:xfrm>
+          <a:prstGeom prst="rect">
+            <a:avLst/>
+          </a:prstGeom>
+          <a:noFill/>
+          <a:extLst>
+            <a:ext uri="{909E8E84-426E-40DD-AFC4-6F175D3DCCD1}">
+              <a14:hiddenFill xmlns:a14="http://schemas.microsoft.com/office/drawing/2010/main">
+                <a:solidFill>
+                  <a:srgbClr val="FFFFFF"/>
+                </a:solidFill>
+              </a14:hiddenFill>
+            </a:ext>
+          </a:extLst>
+        </p:spPr>
+      </p:pic>
+    </p:spTree>
+    <p:extLst>
+      <p:ext uri="{BB962C8B-B14F-4D97-AF65-F5344CB8AC3E}">
+        <p14:creationId xmlns:p14="http://schemas.microsoft.com/office/powerpoint/2010/main" val="2211726380"/>
+      </p:ext>
+    </p:extLst>
+  </p:cSld>
+  <p:clrMapOvr>
+    <a:masterClrMapping/>
+  </p:clrMapOvr>
+</p:sld>
+</file>
+
+<file path=ppt/slides/slide24.xml><?xml version="1.0" encoding="utf-8"?>
+<p:sld xmlns:a="http://schemas.openxmlformats.org/drawingml/2006/main" xmlns:r="http://schemas.openxmlformats.org/officeDocument/2006/relationships" xmlns:p="http://schemas.openxmlformats.org/presentationml/2006/main">
+  <p:cSld>
+    <p:spTree>
+      <p:nvGrpSpPr>
+        <p:cNvPr id="1" name=""/>
+        <p:cNvGrpSpPr/>
+        <p:nvPr/>
+      </p:nvGrpSpPr>
+      <p:grpSpPr>
+        <a:xfrm>
+          <a:off x="0" y="0"/>
+          <a:ext cx="0" cy="0"/>
+          <a:chOff x="0" y="0"/>
+          <a:chExt cx="0" cy="0"/>
+        </a:xfrm>
+      </p:grpSpPr>
+      <p:sp>
+        <p:nvSpPr>
+          <p:cNvPr id="3" name="Espace réservé du contenu 2">
+            <a:extLst>
+              <a:ext uri="{FF2B5EF4-FFF2-40B4-BE49-F238E27FC236}">
+                <a16:creationId xmlns:a16="http://schemas.microsoft.com/office/drawing/2014/main" id="{E0BBB9DE-019C-C741-F224-494739D4B752}"/>
+              </a:ext>
+            </a:extLst>
+          </p:cNvPr>
+          <p:cNvSpPr>
+            <a:spLocks noGrp="1"/>
+          </p:cNvSpPr>
+          <p:nvPr>
+            <p:ph sz="half" idx="1"/>
+          </p:nvPr>
+        </p:nvSpPr>
+        <p:spPr>
+          <a:xfrm>
+            <a:off x="1115568" y="2478024"/>
+            <a:ext cx="10168128" cy="3694176"/>
+          </a:xfrm>
+        </p:spPr>
+        <p:txBody>
+          <a:bodyPr>
+            <a:normAutofit/>
+          </a:bodyPr>
+          <a:lstStyle/>
+          <a:p>
+            <a:r>
+              <a:rPr lang="fr-FR" b="1" dirty="0"/>
+              <a:t>Travail à réaliser </a:t>
+            </a:r>
+          </a:p>
+          <a:p>
+            <a:pPr lvl="1"/>
+            <a:r>
+              <a:rPr lang="fr-FR" dirty="0"/>
+              <a:t>Résultats à faire valider par </a:t>
+            </a:r>
+            <a:r>
+              <a:rPr lang="fr-FR" dirty="0" err="1"/>
+              <a:t>un.e</a:t>
+            </a:r>
+            <a:r>
+              <a:rPr lang="fr-FR" dirty="0"/>
+              <a:t> </a:t>
+            </a:r>
+            <a:r>
+              <a:rPr lang="fr-FR" dirty="0" err="1"/>
+              <a:t>encadrant.e</a:t>
+            </a:r>
+            <a:r>
+              <a:rPr lang="fr-FR" dirty="0"/>
+              <a:t> durant la séance</a:t>
+            </a:r>
+          </a:p>
+          <a:p>
+            <a:pPr lvl="2"/>
+            <a:r>
+              <a:rPr lang="fr-FR" dirty="0"/>
+              <a:t>Bonnes pratiques en programmation : </a:t>
+            </a:r>
+          </a:p>
+          <a:p>
+            <a:pPr lvl="3"/>
+            <a:r>
+              <a:rPr lang="fr-FR" dirty="0"/>
+              <a:t>Code propre / documenté</a:t>
+            </a:r>
+          </a:p>
+          <a:p>
+            <a:pPr lvl="3"/>
+            <a:r>
+              <a:rPr lang="fr-FR" dirty="0"/>
+              <a:t>Utilisation de fonctions</a:t>
+            </a:r>
+          </a:p>
+          <a:p>
+            <a:pPr lvl="2"/>
+            <a:r>
+              <a:rPr lang="fr-FR" dirty="0"/>
+              <a:t>Présentation des résultats</a:t>
+            </a:r>
+          </a:p>
+          <a:p>
+            <a:pPr lvl="2"/>
+            <a:r>
+              <a:rPr lang="fr-FR" dirty="0"/>
+              <a:t>Analyse et critiques des résultats (aspect physique/mathématique)</a:t>
+            </a:r>
+          </a:p>
+        </p:txBody>
+      </p:sp>
+      <p:sp>
+        <p:nvSpPr>
+          <p:cNvPr id="2" name="Titre 1">
+            <a:extLst>
+              <a:ext uri="{FF2B5EF4-FFF2-40B4-BE49-F238E27FC236}">
+                <a16:creationId xmlns:a16="http://schemas.microsoft.com/office/drawing/2014/main" id="{90162AE8-C1B0-5C56-8313-DEE494F38273}"/>
+              </a:ext>
+            </a:extLst>
+          </p:cNvPr>
+          <p:cNvSpPr>
+            <a:spLocks noGrp="1"/>
+          </p:cNvSpPr>
+          <p:nvPr>
+            <p:ph type="title"/>
+          </p:nvPr>
+        </p:nvSpPr>
+        <p:spPr/>
+        <p:txBody>
+          <a:bodyPr/>
+          <a:lstStyle/>
+          <a:p>
+            <a:r>
+              <a:rPr lang="fr-FR" dirty="0"/>
+              <a:t>Phases d’apprentissage</a:t>
+            </a:r>
+          </a:p>
+        </p:txBody>
+      </p:sp>
+      <p:pic>
+        <p:nvPicPr>
+          <p:cNvPr id="5" name="Image 4" descr="Une image contenant texte&#10;&#10;Description générée automatiquement">
+            <a:extLst>
+              <a:ext uri="{FF2B5EF4-FFF2-40B4-BE49-F238E27FC236}">
+                <a16:creationId xmlns:a16="http://schemas.microsoft.com/office/drawing/2014/main" id="{204ADC40-1D61-539F-22ED-6B21D67FBDE6}"/>
+              </a:ext>
+            </a:extLst>
+          </p:cNvPr>
+          <p:cNvPicPr>
+            <a:picLocks noChangeAspect="1"/>
+          </p:cNvPicPr>
+          <p:nvPr/>
+        </p:nvPicPr>
+        <p:blipFill>
+          <a:blip r:embed="rId2">
+            <a:extLst>
+              <a:ext uri="{28A0092B-C50C-407E-A947-70E740481C1C}">
+                <a14:useLocalDpi xmlns:a14="http://schemas.microsoft.com/office/drawing/2010/main" val="0"/>
+              </a:ext>
+            </a:extLst>
+          </a:blip>
+          <a:stretch>
+            <a:fillRect/>
+          </a:stretch>
+        </p:blipFill>
+        <p:spPr>
+          <a:xfrm>
+            <a:off x="202922" y="5934456"/>
+            <a:ext cx="1825291" cy="749808"/>
+          </a:xfrm>
+          <a:prstGeom prst="rect">
+            <a:avLst/>
+          </a:prstGeom>
+        </p:spPr>
+      </p:pic>
+      <p:pic>
+        <p:nvPicPr>
+          <p:cNvPr id="1026" name="Picture 2">
+            <a:extLst>
+              <a:ext uri="{FF2B5EF4-FFF2-40B4-BE49-F238E27FC236}">
+                <a16:creationId xmlns:a16="http://schemas.microsoft.com/office/drawing/2014/main" id="{EEC3CC6F-ADB4-888A-B18B-7044585F0661}"/>
+              </a:ext>
+            </a:extLst>
+          </p:cNvPr>
+          <p:cNvPicPr>
+            <a:picLocks noChangeAspect="1" noChangeArrowheads="1"/>
+          </p:cNvPicPr>
+          <p:nvPr/>
+        </p:nvPicPr>
+        <p:blipFill>
+          <a:blip r:embed="rId3">
+            <a:extLst>
+              <a:ext uri="{28A0092B-C50C-407E-A947-70E740481C1C}">
+                <a14:useLocalDpi xmlns:a14="http://schemas.microsoft.com/office/drawing/2010/main" val="0"/>
+              </a:ext>
+            </a:extLst>
+          </a:blip>
+          <a:srcRect/>
+          <a:stretch>
+            <a:fillRect/>
+          </a:stretch>
+        </p:blipFill>
+        <p:spPr bwMode="auto">
+          <a:xfrm>
+            <a:off x="10552557" y="3042631"/>
+            <a:ext cx="1047750" cy="1219200"/>
+          </a:xfrm>
+          <a:prstGeom prst="rect">
+            <a:avLst/>
+          </a:prstGeom>
+          <a:noFill/>
+          <a:extLst>
+            <a:ext uri="{909E8E84-426E-40DD-AFC4-6F175D3DCCD1}">
+              <a14:hiddenFill xmlns:a14="http://schemas.microsoft.com/office/drawing/2010/main">
+                <a:solidFill>
+                  <a:srgbClr val="FFFFFF"/>
+                </a:solidFill>
+              </a14:hiddenFill>
+            </a:ext>
+          </a:extLst>
+        </p:spPr>
+      </p:pic>
+      <p:pic>
+        <p:nvPicPr>
+          <p:cNvPr id="4" name="Picture 8" descr="Résultat de recherche d'images pour &quot;spyder logo&quot;">
+            <a:extLst>
+              <a:ext uri="{FF2B5EF4-FFF2-40B4-BE49-F238E27FC236}">
+                <a16:creationId xmlns:a16="http://schemas.microsoft.com/office/drawing/2014/main" id="{7D86E94E-1CE4-F45E-69EA-100C66B3A897}"/>
+              </a:ext>
+            </a:extLst>
+          </p:cNvPr>
+          <p:cNvPicPr>
+            <a:picLocks noChangeAspect="1" noChangeArrowheads="1"/>
+          </p:cNvPicPr>
+          <p:nvPr/>
+        </p:nvPicPr>
+        <p:blipFill>
+          <a:blip r:embed="rId4">
+            <a:extLst>
+              <a:ext uri="{28A0092B-C50C-407E-A947-70E740481C1C}">
+                <a14:useLocalDpi xmlns:a14="http://schemas.microsoft.com/office/drawing/2010/main" val="0"/>
+              </a:ext>
+            </a:extLst>
+          </a:blip>
+          <a:srcRect/>
+          <a:stretch>
+            <a:fillRect/>
+          </a:stretch>
+        </p:blipFill>
+        <p:spPr bwMode="auto">
+          <a:xfrm>
+            <a:off x="10119668" y="4581003"/>
+            <a:ext cx="1913528" cy="956764"/>
+          </a:xfrm>
+          <a:prstGeom prst="rect">
+            <a:avLst/>
+          </a:prstGeom>
+          <a:noFill/>
+          <a:extLst>
+            <a:ext uri="{909E8E84-426E-40DD-AFC4-6F175D3DCCD1}">
+              <a14:hiddenFill xmlns:a14="http://schemas.microsoft.com/office/drawing/2010/main">
+                <a:solidFill>
+                  <a:srgbClr val="FFFFFF"/>
+                </a:solidFill>
+              </a14:hiddenFill>
+            </a:ext>
+          </a:extLst>
+        </p:spPr>
+      </p:pic>
+      <p:pic>
+        <p:nvPicPr>
+          <p:cNvPr id="7" name="Graphique 6" descr="Flèches de chevron avec un remplissage uni">
+            <a:extLst>
+              <a:ext uri="{FF2B5EF4-FFF2-40B4-BE49-F238E27FC236}">
+                <a16:creationId xmlns:a16="http://schemas.microsoft.com/office/drawing/2014/main" id="{80926F58-1C00-743C-5E30-C8AF32AD8C71}"/>
+              </a:ext>
+            </a:extLst>
+          </p:cNvPr>
+          <p:cNvPicPr>
+            <a:picLocks noChangeAspect="1"/>
+          </p:cNvPicPr>
+          <p:nvPr/>
+        </p:nvPicPr>
+        <p:blipFill>
+          <a:blip r:embed="rId5">
+            <a:extLst>
+              <a:ext uri="{28A0092B-C50C-407E-A947-70E740481C1C}">
+                <a14:useLocalDpi xmlns:a14="http://schemas.microsoft.com/office/drawing/2010/main" val="0"/>
+              </a:ext>
+              <a:ext uri="{96DAC541-7B7A-43D3-8B79-37D633B846F1}">
+                <asvg:svgBlip xmlns:asvg="http://schemas.microsoft.com/office/drawing/2016/SVG/main" r:embed="rId6"/>
+              </a:ext>
+            </a:extLst>
+          </a:blip>
+          <a:stretch>
+            <a:fillRect/>
+          </a:stretch>
+        </p:blipFill>
+        <p:spPr>
+          <a:xfrm>
+            <a:off x="7005291" y="437784"/>
+            <a:ext cx="1401288" cy="1401288"/>
+          </a:xfrm>
+          <a:prstGeom prst="rect">
+            <a:avLst/>
+          </a:prstGeom>
+        </p:spPr>
+      </p:pic>
+      <p:sp>
+        <p:nvSpPr>
+          <p:cNvPr id="6" name="ZoneTexte 5">
+            <a:extLst>
+              <a:ext uri="{FF2B5EF4-FFF2-40B4-BE49-F238E27FC236}">
+                <a16:creationId xmlns:a16="http://schemas.microsoft.com/office/drawing/2014/main" id="{53177DBA-E31C-6A08-5071-177B62FB5E96}"/>
+              </a:ext>
+            </a:extLst>
+          </p:cNvPr>
+          <p:cNvSpPr txBox="1"/>
+          <p:nvPr/>
+        </p:nvSpPr>
+        <p:spPr>
+          <a:xfrm>
+            <a:off x="8969659" y="1507987"/>
+            <a:ext cx="2435233" cy="369332"/>
+          </a:xfrm>
+          <a:prstGeom prst="rect">
+            <a:avLst/>
+          </a:prstGeom>
+          <a:solidFill>
+            <a:srgbClr val="00B050"/>
+          </a:solidFill>
+        </p:spPr>
+        <p:txBody>
+          <a:bodyPr wrap="square">
+            <a:spAutoFit/>
+          </a:bodyPr>
+          <a:lstStyle/>
+          <a:p>
+            <a:pPr algn="ctr"/>
+            <a:r>
+              <a:rPr lang="fr-FR" b="1" i="1" dirty="0"/>
+              <a:t>S’ENTRAINER</a:t>
+            </a:r>
+          </a:p>
+        </p:txBody>
+      </p:sp>
+    </p:spTree>
+    <p:extLst>
+      <p:ext uri="{BB962C8B-B14F-4D97-AF65-F5344CB8AC3E}">
+        <p14:creationId xmlns:p14="http://schemas.microsoft.com/office/powerpoint/2010/main" val="1124339619"/>
+      </p:ext>
+    </p:extLst>
+  </p:cSld>
+  <p:clrMapOvr>
+    <a:masterClrMapping/>
+  </p:clrMapOvr>
+</p:sld>
+</file>
+
+<file path=ppt/slides/slide25.xml><?xml version="1.0" encoding="utf-8"?>
+<p:sld xmlns:a="http://schemas.openxmlformats.org/drawingml/2006/main" xmlns:r="http://schemas.openxmlformats.org/officeDocument/2006/relationships" xmlns:p="http://schemas.openxmlformats.org/presentationml/2006/main">
+  <p:cSld>
+    <p:spTree>
+      <p:nvGrpSpPr>
+        <p:cNvPr id="1" name=""/>
+        <p:cNvGrpSpPr/>
+        <p:nvPr/>
+      </p:nvGrpSpPr>
+      <p:grpSpPr>
+        <a:xfrm>
+          <a:off x="0" y="0"/>
+          <a:ext cx="0" cy="0"/>
+          <a:chOff x="0" y="0"/>
+          <a:chExt cx="0" cy="0"/>
+        </a:xfrm>
+      </p:grpSpPr>
+      <p:sp>
+        <p:nvSpPr>
+          <p:cNvPr id="3" name="Espace réservé du contenu 2">
+            <a:extLst>
+              <a:ext uri="{FF2B5EF4-FFF2-40B4-BE49-F238E27FC236}">
+                <a16:creationId xmlns:a16="http://schemas.microsoft.com/office/drawing/2014/main" id="{E0BBB9DE-019C-C741-F224-494739D4B752}"/>
+              </a:ext>
+            </a:extLst>
+          </p:cNvPr>
+          <p:cNvSpPr>
+            <a:spLocks noGrp="1"/>
+          </p:cNvSpPr>
+          <p:nvPr>
+            <p:ph sz="half" idx="1"/>
+          </p:nvPr>
+        </p:nvSpPr>
+        <p:spPr>
+          <a:xfrm>
+            <a:off x="1115568" y="2478024"/>
+            <a:ext cx="10168128" cy="3694176"/>
+          </a:xfrm>
+        </p:spPr>
+        <p:txBody>
+          <a:bodyPr>
+            <a:normAutofit/>
+          </a:bodyPr>
+          <a:lstStyle/>
+          <a:p>
+            <a:r>
               <a:rPr lang="fr-FR" b="1" dirty="0"/>
               <a:t>Travail pour approfondir les notions / Valider ses acquis</a:t>
             </a:r>
@@ -12751,7 +13228,7 @@
 </p:sld>
 </file>
 
-<file path=ppt/slides/slide24.xml><?xml version="1.0" encoding="utf-8"?>
+<file path=ppt/slides/slide26.xml><?xml version="1.0" encoding="utf-8"?>
 <p:sld xmlns:a="http://schemas.openxmlformats.org/drawingml/2006/main" xmlns:r="http://schemas.openxmlformats.org/officeDocument/2006/relationships" xmlns:p="http://schemas.openxmlformats.org/presentationml/2006/main">
   <p:cSld>
     <p:bg>
@@ -13254,7 +13731,7 @@
 </p:sld>
 </file>
 
-<file path=ppt/slides/slide25.xml><?xml version="1.0" encoding="utf-8"?>
+<file path=ppt/slides/slide27.xml><?xml version="1.0" encoding="utf-8"?>
 <p:sld xmlns:a="http://schemas.openxmlformats.org/drawingml/2006/main" xmlns:r="http://schemas.openxmlformats.org/officeDocument/2006/relationships" xmlns:p="http://schemas.openxmlformats.org/presentationml/2006/main">
   <p:cSld>
     <p:spTree>

--- a/ONIP/onip_b0_intro/B0_0_Outils_Methodes.pptx
+++ b/ONIP/onip_b0_intro/B0_0_Outils_Methodes.pptx
@@ -19,19 +19,13 @@
     <p:sldId id="275" r:id="rId13"/>
     <p:sldId id="258" r:id="rId14"/>
     <p:sldId id="259" r:id="rId15"/>
-    <p:sldId id="262" r:id="rId16"/>
-    <p:sldId id="264" r:id="rId17"/>
-    <p:sldId id="265" r:id="rId18"/>
-    <p:sldId id="283" r:id="rId19"/>
-    <p:sldId id="284" r:id="rId20"/>
-    <p:sldId id="266" r:id="rId21"/>
-    <p:sldId id="263" r:id="rId22"/>
-    <p:sldId id="261" r:id="rId23"/>
-    <p:sldId id="260" r:id="rId24"/>
-    <p:sldId id="270" r:id="rId25"/>
-    <p:sldId id="269" r:id="rId26"/>
-    <p:sldId id="281" r:id="rId27"/>
-    <p:sldId id="282" r:id="rId28"/>
+    <p:sldId id="263" r:id="rId16"/>
+    <p:sldId id="261" r:id="rId17"/>
+    <p:sldId id="260" r:id="rId18"/>
+    <p:sldId id="270" r:id="rId19"/>
+    <p:sldId id="269" r:id="rId20"/>
+    <p:sldId id="281" r:id="rId21"/>
+    <p:sldId id="282" r:id="rId22"/>
   </p:sldIdLst>
   <p:sldSz cx="12192000" cy="6858000"/>
   <p:notesSz cx="6858000" cy="9144000"/>
@@ -7950,17 +7944,8 @@
               <a:rPr lang="fr-FR" sz="4800" dirty="0">
                 <a:latin typeface="Bahnschrift SemiBold" panose="020B0502040204020203" pitchFamily="34" charset="0"/>
               </a:rPr>
-              <a:t>GIT et </a:t>
-            </a:r>
-            <a:r>
-              <a:rPr lang="fr-FR" sz="4800" dirty="0" err="1">
-                <a:latin typeface="Bahnschrift SemiBold" panose="020B0502040204020203" pitchFamily="34" charset="0"/>
-              </a:rPr>
-              <a:t>versionning</a:t>
-            </a:r>
-            <a:endParaRPr lang="fr-FR" sz="4800" dirty="0">
-              <a:latin typeface="Bahnschrift SemiBold" panose="020B0502040204020203" pitchFamily="34" charset="0"/>
-            </a:endParaRPr>
+              <a:t>Méthodes de travail</a:t>
+            </a:r>
           </a:p>
         </p:txBody>
       </p:sp>
@@ -8225,7 +8210,7 @@
     </p:spTree>
     <p:extLst>
       <p:ext uri="{BB962C8B-B14F-4D97-AF65-F5344CB8AC3E}">
-        <p14:creationId xmlns:p14="http://schemas.microsoft.com/office/powerpoint/2010/main" val="1399107203"/>
+        <p14:creationId xmlns:p14="http://schemas.microsoft.com/office/powerpoint/2010/main" val="2757391437"/>
       </p:ext>
     </p:extLst>
   </p:cSld>
@@ -8254,6 +8239,154 @@
       </p:grpSpPr>
       <p:sp>
         <p:nvSpPr>
+          <p:cNvPr id="3" name="Espace réservé du contenu 2">
+            <a:extLst>
+              <a:ext uri="{FF2B5EF4-FFF2-40B4-BE49-F238E27FC236}">
+                <a16:creationId xmlns:a16="http://schemas.microsoft.com/office/drawing/2014/main" id="{E0BBB9DE-019C-C741-F224-494739D4B752}"/>
+              </a:ext>
+            </a:extLst>
+          </p:cNvPr>
+          <p:cNvSpPr>
+            <a:spLocks noGrp="1"/>
+          </p:cNvSpPr>
+          <p:nvPr>
+            <p:ph sz="half" idx="1"/>
+          </p:nvPr>
+        </p:nvSpPr>
+        <p:spPr>
+          <a:xfrm>
+            <a:off x="1115568" y="2478024"/>
+            <a:ext cx="10407838" cy="3694176"/>
+          </a:xfrm>
+        </p:spPr>
+        <p:txBody>
+          <a:bodyPr>
+            <a:normAutofit/>
+          </a:bodyPr>
+          <a:lstStyle/>
+          <a:p>
+            <a:r>
+              <a:rPr lang="fr-FR" sz="2400" dirty="0"/>
+              <a:t>Développement sous </a:t>
+            </a:r>
+            <a:r>
+              <a:rPr lang="fr-FR" sz="2400" b="1" dirty="0"/>
+              <a:t>Python 3.9 </a:t>
+            </a:r>
+            <a:r>
+              <a:rPr lang="fr-FR" sz="2400" dirty="0"/>
+              <a:t>(min) / </a:t>
+            </a:r>
+            <a:r>
+              <a:rPr lang="fr-FR" sz="2400" b="1" dirty="0"/>
+              <a:t>Anaconda 3</a:t>
+            </a:r>
+            <a:r>
+              <a:rPr lang="fr-FR" sz="2400" dirty="0"/>
+              <a:t> / </a:t>
+            </a:r>
+            <a:r>
+              <a:rPr lang="fr-FR" sz="2400" b="1" dirty="0" err="1"/>
+              <a:t>Spyder</a:t>
+            </a:r>
+            <a:r>
+              <a:rPr lang="fr-FR" sz="2400" b="1" dirty="0"/>
+              <a:t> 5</a:t>
+            </a:r>
+          </a:p>
+          <a:p>
+            <a:pPr lvl="1"/>
+            <a:r>
+              <a:rPr lang="fr-FR" dirty="0"/>
+              <a:t>Style de code selon le guide </a:t>
+            </a:r>
+            <a:r>
+              <a:rPr lang="fr-FR" b="1" dirty="0"/>
+              <a:t>PEP 8</a:t>
+            </a:r>
+            <a:r>
+              <a:rPr lang="fr-FR" dirty="0"/>
+              <a:t>  </a:t>
+            </a:r>
+            <a:br>
+              <a:rPr lang="fr-FR" dirty="0"/>
+            </a:br>
+            <a:r>
+              <a:rPr lang="fr-FR" dirty="0"/>
+              <a:t>		https://peps.python.org/pep-0008/</a:t>
+            </a:r>
+          </a:p>
+          <a:p>
+            <a:pPr lvl="1"/>
+            <a:r>
+              <a:rPr lang="fr-FR" dirty="0"/>
+              <a:t>Style de commentaires et de documentation selon le guide </a:t>
+            </a:r>
+            <a:r>
+              <a:rPr lang="fr-FR" b="1" dirty="0"/>
+              <a:t>PEP 257 </a:t>
+            </a:r>
+            <a:br>
+              <a:rPr lang="fr-FR" b="1" dirty="0"/>
+            </a:br>
+            <a:r>
+              <a:rPr lang="fr-FR" b="1" dirty="0"/>
+              <a:t>		</a:t>
+            </a:r>
+            <a:r>
+              <a:rPr lang="fr-FR" dirty="0"/>
+              <a:t>https://peps.python.org/pep-0257/</a:t>
+            </a:r>
+          </a:p>
+          <a:p>
+            <a:r>
+              <a:rPr lang="fr-FR" sz="2400" dirty="0"/>
+              <a:t>Utilisation de bibliothèques standards (</a:t>
+            </a:r>
+            <a:r>
+              <a:rPr lang="fr-FR" sz="2400" dirty="0" err="1"/>
+              <a:t>Numpy</a:t>
+            </a:r>
+            <a:r>
+              <a:rPr lang="fr-FR" sz="2400" dirty="0"/>
+              <a:t>, </a:t>
+            </a:r>
+            <a:r>
+              <a:rPr lang="fr-FR" sz="2400" dirty="0" err="1"/>
+              <a:t>Matplotlib</a:t>
+            </a:r>
+            <a:r>
+              <a:rPr lang="fr-FR" sz="2400" dirty="0"/>
+              <a:t>, </a:t>
+            </a:r>
+            <a:r>
+              <a:rPr lang="fr-FR" sz="2400" dirty="0" err="1"/>
+              <a:t>Scipy</a:t>
+            </a:r>
+            <a:r>
+              <a:rPr lang="fr-FR" sz="2400" dirty="0"/>
+              <a:t>…)</a:t>
+            </a:r>
+          </a:p>
+          <a:p>
+            <a:r>
+              <a:rPr lang="fr-FR" sz="2400" dirty="0"/>
+              <a:t>Découpage en fonctions simples (fichiers .</a:t>
+            </a:r>
+            <a:r>
+              <a:rPr lang="fr-FR" sz="2400" dirty="0" err="1"/>
+              <a:t>py</a:t>
+            </a:r>
+            <a:r>
+              <a:rPr lang="fr-FR" sz="2400" dirty="0"/>
+              <a:t> séparés)</a:t>
+            </a:r>
+            <a:endParaRPr lang="fr-FR" dirty="0"/>
+          </a:p>
+        </p:txBody>
+      </p:sp>
+      <p:sp>
+        <p:nvSpPr>
           <p:cNvPr id="2" name="Titre 1">
             <a:extLst>
               <a:ext uri="{FF2B5EF4-FFF2-40B4-BE49-F238E27FC236}">
@@ -8275,13 +8408,8 @@
           <a:p>
             <a:r>
               <a:rPr lang="fr-FR" dirty="0"/>
-              <a:t>Git / </a:t>
-            </a:r>
-            <a:r>
-              <a:rPr lang="fr-FR" dirty="0" err="1"/>
-              <a:t>Versionning</a:t>
-            </a:r>
-            <a:endParaRPr lang="fr-FR" dirty="0"/>
+              <a:t>Méthode de travail / Bonnes pratiques</a:t>
+            </a:r>
           </a:p>
         </p:txBody>
       </p:sp>
@@ -8321,183 +8449,10 @@
           </a:prstGeom>
         </p:spPr>
       </p:pic>
-      <p:pic>
-        <p:nvPicPr>
-          <p:cNvPr id="41" name="Image 40">
-            <a:extLst>
-              <a:ext uri="{FF2B5EF4-FFF2-40B4-BE49-F238E27FC236}">
-                <a16:creationId xmlns:a16="http://schemas.microsoft.com/office/drawing/2014/main" id="{41071474-0EEF-CB6B-D2F1-ACC72F5C06A3}"/>
-              </a:ext>
-            </a:extLst>
-          </p:cNvPr>
-          <p:cNvPicPr>
-            <a:picLocks noChangeAspect="1"/>
-          </p:cNvPicPr>
-          <p:nvPr/>
-        </p:nvPicPr>
-        <p:blipFill>
-          <a:blip r:embed="rId3"/>
-          <a:stretch>
-            <a:fillRect/>
-          </a:stretch>
-        </p:blipFill>
-        <p:spPr>
-          <a:xfrm>
-            <a:off x="4121063" y="2285615"/>
-            <a:ext cx="7675649" cy="4443797"/>
-          </a:xfrm>
-          <a:prstGeom prst="rect">
-            <a:avLst/>
-          </a:prstGeom>
-        </p:spPr>
-      </p:pic>
-      <p:sp>
-        <p:nvSpPr>
-          <p:cNvPr id="43" name="ZoneTexte 42">
-            <a:extLst>
-              <a:ext uri="{FF2B5EF4-FFF2-40B4-BE49-F238E27FC236}">
-                <a16:creationId xmlns:a16="http://schemas.microsoft.com/office/drawing/2014/main" id="{9E87E441-53D6-9921-A25B-CA8D67F6CBB0}"/>
-              </a:ext>
-            </a:extLst>
-          </p:cNvPr>
-          <p:cNvSpPr txBox="1"/>
-          <p:nvPr/>
-        </p:nvSpPr>
-        <p:spPr>
-          <a:xfrm>
-            <a:off x="6392314" y="6577781"/>
-            <a:ext cx="5485054" cy="261610"/>
-          </a:xfrm>
-          <a:prstGeom prst="rect">
-            <a:avLst/>
-          </a:prstGeom>
-          <a:noFill/>
-        </p:spPr>
-        <p:txBody>
-          <a:bodyPr wrap="square">
-            <a:spAutoFit/>
-          </a:bodyPr>
-          <a:lstStyle/>
-          <a:p>
-            <a:r>
-              <a:rPr lang="fr-FR" sz="1100" dirty="0"/>
-              <a:t>https://www.atlassian.com/fr/git/tutorials/comparing-workflows/gitflow-workflow</a:t>
-            </a:r>
-          </a:p>
-        </p:txBody>
-      </p:sp>
-      <p:sp>
-        <p:nvSpPr>
-          <p:cNvPr id="44" name="Espace réservé du contenu 2">
-            <a:extLst>
-              <a:ext uri="{FF2B5EF4-FFF2-40B4-BE49-F238E27FC236}">
-                <a16:creationId xmlns:a16="http://schemas.microsoft.com/office/drawing/2014/main" id="{CFC1AF1C-4CD6-7C05-B1D8-48280618648A}"/>
-              </a:ext>
-            </a:extLst>
-          </p:cNvPr>
-          <p:cNvSpPr>
-            <a:spLocks noGrp="1"/>
-          </p:cNvSpPr>
-          <p:nvPr>
-            <p:ph sz="half" idx="1"/>
-          </p:nvPr>
-        </p:nvSpPr>
-        <p:spPr>
-          <a:xfrm>
-            <a:off x="1115568" y="2478024"/>
-            <a:ext cx="10168128" cy="3694176"/>
-          </a:xfrm>
-        </p:spPr>
-        <p:txBody>
-          <a:bodyPr>
-            <a:normAutofit/>
-          </a:bodyPr>
-          <a:lstStyle/>
-          <a:p>
-            <a:r>
-              <a:rPr lang="fr-FR" b="1" dirty="0"/>
-              <a:t>Gestion de </a:t>
-            </a:r>
-            <a:br>
-              <a:rPr lang="fr-FR" b="1" dirty="0"/>
-            </a:br>
-            <a:r>
-              <a:rPr lang="fr-FR" b="1" dirty="0"/>
-              <a:t>versions</a:t>
-            </a:r>
-          </a:p>
-          <a:p>
-            <a:r>
-              <a:rPr lang="fr-FR" b="1" dirty="0"/>
-              <a:t>Dépôts de </a:t>
-            </a:r>
-            <a:br>
-              <a:rPr lang="fr-FR" b="1" dirty="0"/>
-            </a:br>
-            <a:r>
-              <a:rPr lang="fr-FR" b="1" dirty="0"/>
-              <a:t>fichiers</a:t>
-            </a:r>
-          </a:p>
-          <a:p>
-            <a:pPr marL="457200" lvl="1" indent="0">
-              <a:buNone/>
-            </a:pPr>
-            <a:endParaRPr lang="fr-FR" dirty="0"/>
-          </a:p>
-        </p:txBody>
-      </p:sp>
-      <p:pic>
-        <p:nvPicPr>
-          <p:cNvPr id="1026" name="Picture 2" descr="Git">
-            <a:extLst>
-              <a:ext uri="{FF2B5EF4-FFF2-40B4-BE49-F238E27FC236}">
-                <a16:creationId xmlns:a16="http://schemas.microsoft.com/office/drawing/2014/main" id="{0D26FE1E-A3B0-12B6-08AF-F787774BDAED}"/>
-              </a:ext>
-            </a:extLst>
-          </p:cNvPr>
-          <p:cNvPicPr>
-            <a:picLocks noChangeAspect="1" noChangeArrowheads="1"/>
-          </p:cNvPicPr>
-          <p:nvPr/>
-        </p:nvPicPr>
-        <p:blipFill>
-          <a:blip r:embed="rId4">
-            <a:extLst>
-              <a:ext uri="{28A0092B-C50C-407E-A947-70E740481C1C}">
-                <a14:useLocalDpi xmlns:a14="http://schemas.microsoft.com/office/drawing/2010/main" val="0"/>
-              </a:ext>
-            </a:extLst>
-          </a:blip>
-          <a:srcRect/>
-          <a:stretch>
-            <a:fillRect/>
-          </a:stretch>
-        </p:blipFill>
-        <p:spPr bwMode="auto">
-          <a:xfrm>
-            <a:off x="9134841" y="629257"/>
-            <a:ext cx="2095500" cy="876300"/>
-          </a:xfrm>
-          <a:prstGeom prst="rect">
-            <a:avLst/>
-          </a:prstGeom>
-          <a:noFill/>
-          <a:extLst>
-            <a:ext uri="{909E8E84-426E-40DD-AFC4-6F175D3DCCD1}">
-              <a14:hiddenFill xmlns:a14="http://schemas.microsoft.com/office/drawing/2010/main">
-                <a:solidFill>
-                  <a:srgbClr val="FFFFFF"/>
-                </a:solidFill>
-              </a14:hiddenFill>
-            </a:ext>
-          </a:extLst>
-        </p:spPr>
-      </p:pic>
     </p:spTree>
     <p:extLst>
       <p:ext uri="{BB962C8B-B14F-4D97-AF65-F5344CB8AC3E}">
-        <p14:creationId xmlns:p14="http://schemas.microsoft.com/office/powerpoint/2010/main" val="2977696754"/>
+        <p14:creationId xmlns:p14="http://schemas.microsoft.com/office/powerpoint/2010/main" val="3230963344"/>
       </p:ext>
     </p:extLst>
   </p:cSld>
@@ -8526,47 +8481,85 @@
       </p:grpSpPr>
       <p:sp>
         <p:nvSpPr>
-          <p:cNvPr id="14" name="Organigramme : Procédé prédéfini 13">
-            <a:extLst>
-              <a:ext uri="{FF2B5EF4-FFF2-40B4-BE49-F238E27FC236}">
-                <a16:creationId xmlns:a16="http://schemas.microsoft.com/office/drawing/2014/main" id="{149774E8-A104-6C9B-816A-4E3C2A207F29}"/>
-              </a:ext>
-            </a:extLst>
-          </p:cNvPr>
-          <p:cNvSpPr/>
-          <p:nvPr/>
-        </p:nvSpPr>
-        <p:spPr>
-          <a:xfrm>
-            <a:off x="1238863" y="2914972"/>
-            <a:ext cx="1455176" cy="2187969"/>
-          </a:xfrm>
-          <a:prstGeom prst="flowChartPredefinedProcess">
-            <a:avLst/>
-          </a:prstGeom>
-        </p:spPr>
-        <p:style>
-          <a:lnRef idx="2">
-            <a:schemeClr val="accent1">
-              <a:shade val="50000"/>
-            </a:schemeClr>
-          </a:lnRef>
-          <a:fillRef idx="1">
-            <a:schemeClr val="accent1"/>
-          </a:fillRef>
-          <a:effectRef idx="0">
-            <a:schemeClr val="accent1"/>
-          </a:effectRef>
-          <a:fontRef idx="minor">
-            <a:schemeClr val="lt1"/>
-          </a:fontRef>
-        </p:style>
-        <p:txBody>
-          <a:bodyPr rtlCol="0" anchor="ctr"/>
-          <a:lstStyle/>
-          <a:p>
-            <a:pPr algn="ctr"/>
-            <a:endParaRPr lang="fr-FR" dirty="0"/>
+          <p:cNvPr id="3" name="Espace réservé du contenu 2">
+            <a:extLst>
+              <a:ext uri="{FF2B5EF4-FFF2-40B4-BE49-F238E27FC236}">
+                <a16:creationId xmlns:a16="http://schemas.microsoft.com/office/drawing/2014/main" id="{E0BBB9DE-019C-C741-F224-494739D4B752}"/>
+              </a:ext>
+            </a:extLst>
+          </p:cNvPr>
+          <p:cNvSpPr>
+            <a:spLocks noGrp="1"/>
+          </p:cNvSpPr>
+          <p:nvPr>
+            <p:ph sz="half" idx="1"/>
+          </p:nvPr>
+        </p:nvSpPr>
+        <p:spPr>
+          <a:xfrm>
+            <a:off x="1115568" y="2478024"/>
+            <a:ext cx="10168128" cy="3694176"/>
+          </a:xfrm>
+        </p:spPr>
+        <p:txBody>
+          <a:bodyPr>
+            <a:normAutofit/>
+          </a:bodyPr>
+          <a:lstStyle/>
+          <a:p>
+            <a:r>
+              <a:rPr lang="fr-FR" dirty="0"/>
+              <a:t>Démystifier les langages de haut niveau</a:t>
+            </a:r>
+            <a:endParaRPr lang="fr-FR" b="1" dirty="0"/>
+          </a:p>
+          <a:p>
+            <a:pPr lvl="1"/>
+            <a:r>
+              <a:rPr lang="fr-FR" dirty="0"/>
+              <a:t>Quelques notions théoriques</a:t>
+            </a:r>
+          </a:p>
+          <a:p>
+            <a:pPr lvl="1"/>
+            <a:r>
+              <a:rPr lang="fr-FR" dirty="0"/>
+              <a:t>Des exemples pratiques en Python (ou C/C++)</a:t>
+            </a:r>
+          </a:p>
+          <a:p>
+            <a:r>
+              <a:rPr lang="fr-FR" dirty="0"/>
+              <a:t>Calcul scientifique / Plusieurs méthodes de résolution</a:t>
+            </a:r>
+          </a:p>
+        </p:txBody>
+      </p:sp>
+      <p:sp>
+        <p:nvSpPr>
+          <p:cNvPr id="2" name="Titre 1">
+            <a:extLst>
+              <a:ext uri="{FF2B5EF4-FFF2-40B4-BE49-F238E27FC236}">
+                <a16:creationId xmlns:a16="http://schemas.microsoft.com/office/drawing/2014/main" id="{90162AE8-C1B0-5C56-8313-DEE494F38273}"/>
+              </a:ext>
+            </a:extLst>
+          </p:cNvPr>
+          <p:cNvSpPr>
+            <a:spLocks noGrp="1"/>
+          </p:cNvSpPr>
+          <p:nvPr>
+            <p:ph type="title"/>
+          </p:nvPr>
+        </p:nvSpPr>
+        <p:spPr/>
+        <p:txBody>
+          <a:bodyPr/>
+          <a:lstStyle/>
+          <a:p>
+            <a:r>
+              <a:rPr lang="fr-FR" dirty="0"/>
+              <a:t>Méthode de travail / Bloc 1</a:t>
+            </a:r>
           </a:p>
         </p:txBody>
       </p:sp>
@@ -8606,1313 +8599,12 @@
           </a:prstGeom>
         </p:spPr>
       </p:pic>
-      <p:sp>
-        <p:nvSpPr>
-          <p:cNvPr id="7" name="Organigramme : Multidocument 6">
-            <a:extLst>
-              <a:ext uri="{FF2B5EF4-FFF2-40B4-BE49-F238E27FC236}">
-                <a16:creationId xmlns:a16="http://schemas.microsoft.com/office/drawing/2014/main" id="{C2FBBB5A-7B3E-E743-4513-C795065F0D8F}"/>
-              </a:ext>
-            </a:extLst>
-          </p:cNvPr>
-          <p:cNvSpPr/>
-          <p:nvPr/>
-        </p:nvSpPr>
-        <p:spPr>
-          <a:xfrm>
-            <a:off x="1288026" y="2979332"/>
-            <a:ext cx="1317523" cy="749808"/>
-          </a:xfrm>
-          <a:prstGeom prst="flowChartMultidocument">
-            <a:avLst/>
-          </a:prstGeom>
-          <a:solidFill>
-            <a:schemeClr val="accent5">
-              <a:lumMod val="40000"/>
-              <a:lumOff val="60000"/>
-            </a:schemeClr>
-          </a:solidFill>
-        </p:spPr>
-        <p:style>
-          <a:lnRef idx="2">
-            <a:schemeClr val="accent1">
-              <a:shade val="50000"/>
-            </a:schemeClr>
-          </a:lnRef>
-          <a:fillRef idx="1">
-            <a:schemeClr val="accent1"/>
-          </a:fillRef>
-          <a:effectRef idx="0">
-            <a:schemeClr val="accent1"/>
-          </a:effectRef>
-          <a:fontRef idx="minor">
-            <a:schemeClr val="lt1"/>
-          </a:fontRef>
-        </p:style>
-        <p:txBody>
-          <a:bodyPr rtlCol="0" anchor="ctr"/>
-          <a:lstStyle/>
-          <a:p>
-            <a:pPr algn="ctr"/>
-            <a:r>
-              <a:rPr lang="fr-FR" sz="1600" dirty="0">
-                <a:solidFill>
-                  <a:schemeClr val="tx1"/>
-                </a:solidFill>
-              </a:rPr>
-              <a:t>Dépôt 1</a:t>
-            </a:r>
-            <a:br>
-              <a:rPr lang="fr-FR" sz="1600" dirty="0">
-                <a:solidFill>
-                  <a:schemeClr val="tx1"/>
-                </a:solidFill>
-              </a:rPr>
-            </a:br>
-            <a:r>
-              <a:rPr lang="fr-FR" sz="1600" dirty="0">
-                <a:solidFill>
-                  <a:schemeClr val="tx1"/>
-                </a:solidFill>
-              </a:rPr>
-              <a:t>(main)</a:t>
-            </a:r>
-          </a:p>
-        </p:txBody>
-      </p:sp>
-      <p:sp>
-        <p:nvSpPr>
-          <p:cNvPr id="8" name="Organigramme : Disque magnétique 7">
-            <a:extLst>
-              <a:ext uri="{FF2B5EF4-FFF2-40B4-BE49-F238E27FC236}">
-                <a16:creationId xmlns:a16="http://schemas.microsoft.com/office/drawing/2014/main" id="{A7687CDF-7840-10B9-FA45-CE232B1E9B79}"/>
-              </a:ext>
-            </a:extLst>
-          </p:cNvPr>
-          <p:cNvSpPr/>
-          <p:nvPr/>
-        </p:nvSpPr>
-        <p:spPr>
-          <a:xfrm>
-            <a:off x="1115566" y="2329187"/>
-            <a:ext cx="4587143" cy="491613"/>
-          </a:xfrm>
-          <a:prstGeom prst="flowChartMagneticDisk">
-            <a:avLst/>
-          </a:prstGeom>
-          <a:solidFill>
-            <a:schemeClr val="accent2">
-              <a:lumMod val="20000"/>
-              <a:lumOff val="80000"/>
-            </a:schemeClr>
-          </a:solidFill>
-        </p:spPr>
-        <p:style>
-          <a:lnRef idx="2">
-            <a:schemeClr val="accent1">
-              <a:shade val="50000"/>
-            </a:schemeClr>
-          </a:lnRef>
-          <a:fillRef idx="1">
-            <a:schemeClr val="accent1"/>
-          </a:fillRef>
-          <a:effectRef idx="0">
-            <a:schemeClr val="accent1"/>
-          </a:effectRef>
-          <a:fontRef idx="minor">
-            <a:schemeClr val="lt1"/>
-          </a:fontRef>
-        </p:style>
-        <p:txBody>
-          <a:bodyPr rtlCol="0" anchor="ctr"/>
-          <a:lstStyle/>
-          <a:p>
-            <a:pPr algn="ctr"/>
-            <a:r>
-              <a:rPr lang="fr-FR" dirty="0">
-                <a:solidFill>
-                  <a:schemeClr val="tx1"/>
-                </a:solidFill>
-              </a:rPr>
-              <a:t>serveur</a:t>
-            </a:r>
-          </a:p>
-        </p:txBody>
-      </p:sp>
-      <p:sp>
-        <p:nvSpPr>
-          <p:cNvPr id="9" name="Organigramme : Disque magnétique 8">
-            <a:extLst>
-              <a:ext uri="{FF2B5EF4-FFF2-40B4-BE49-F238E27FC236}">
-                <a16:creationId xmlns:a16="http://schemas.microsoft.com/office/drawing/2014/main" id="{E6EF4634-89FD-B4F0-37FA-3462FD891767}"/>
-              </a:ext>
-            </a:extLst>
-          </p:cNvPr>
-          <p:cNvSpPr/>
-          <p:nvPr/>
-        </p:nvSpPr>
-        <p:spPr>
-          <a:xfrm>
-            <a:off x="7393858" y="2329186"/>
-            <a:ext cx="2189432" cy="491613"/>
-          </a:xfrm>
-          <a:prstGeom prst="flowChartMagneticDisk">
-            <a:avLst/>
-          </a:prstGeom>
-          <a:solidFill>
-            <a:schemeClr val="accent2">
-              <a:lumMod val="20000"/>
-              <a:lumOff val="80000"/>
-            </a:schemeClr>
-          </a:solidFill>
-        </p:spPr>
-        <p:style>
-          <a:lnRef idx="2">
-            <a:schemeClr val="accent1">
-              <a:shade val="50000"/>
-            </a:schemeClr>
-          </a:lnRef>
-          <a:fillRef idx="1">
-            <a:schemeClr val="accent1"/>
-          </a:fillRef>
-          <a:effectRef idx="0">
-            <a:schemeClr val="accent1"/>
-          </a:effectRef>
-          <a:fontRef idx="minor">
-            <a:schemeClr val="lt1"/>
-          </a:fontRef>
-        </p:style>
-        <p:txBody>
-          <a:bodyPr rtlCol="0" anchor="ctr"/>
-          <a:lstStyle/>
-          <a:p>
-            <a:pPr algn="ctr"/>
-            <a:r>
-              <a:rPr lang="fr-FR" dirty="0">
-                <a:solidFill>
-                  <a:schemeClr val="tx1"/>
-                </a:solidFill>
-              </a:rPr>
-              <a:t>local</a:t>
-            </a:r>
-          </a:p>
-        </p:txBody>
-      </p:sp>
-      <p:sp>
-        <p:nvSpPr>
-          <p:cNvPr id="10" name="Organigramme : Multidocument 9">
-            <a:extLst>
-              <a:ext uri="{FF2B5EF4-FFF2-40B4-BE49-F238E27FC236}">
-                <a16:creationId xmlns:a16="http://schemas.microsoft.com/office/drawing/2014/main" id="{9E6E3B75-F2EA-AED4-8954-848C10CC4608}"/>
-              </a:ext>
-            </a:extLst>
-          </p:cNvPr>
-          <p:cNvSpPr/>
-          <p:nvPr/>
-        </p:nvSpPr>
-        <p:spPr>
-          <a:xfrm>
-            <a:off x="1288025" y="3896917"/>
-            <a:ext cx="1317523" cy="749808"/>
-          </a:xfrm>
-          <a:prstGeom prst="flowChartMultidocument">
-            <a:avLst/>
-          </a:prstGeom>
-          <a:solidFill>
-            <a:schemeClr val="accent5">
-              <a:lumMod val="40000"/>
-              <a:lumOff val="60000"/>
-            </a:schemeClr>
-          </a:solidFill>
-        </p:spPr>
-        <p:style>
-          <a:lnRef idx="2">
-            <a:schemeClr val="accent1">
-              <a:shade val="50000"/>
-            </a:schemeClr>
-          </a:lnRef>
-          <a:fillRef idx="1">
-            <a:schemeClr val="accent1"/>
-          </a:fillRef>
-          <a:effectRef idx="0">
-            <a:schemeClr val="accent1"/>
-          </a:effectRef>
-          <a:fontRef idx="minor">
-            <a:schemeClr val="lt1"/>
-          </a:fontRef>
-        </p:style>
-        <p:txBody>
-          <a:bodyPr rtlCol="0" anchor="ctr"/>
-          <a:lstStyle/>
-          <a:p>
-            <a:pPr algn="ctr"/>
-            <a:r>
-              <a:rPr lang="fr-FR" sz="1600" dirty="0">
-                <a:solidFill>
-                  <a:schemeClr val="tx1"/>
-                </a:solidFill>
-              </a:rPr>
-              <a:t>Dépôt 2</a:t>
-            </a:r>
-          </a:p>
-        </p:txBody>
-      </p:sp>
-      <p:cxnSp>
-        <p:nvCxnSpPr>
-          <p:cNvPr id="12" name="Connecteur droit avec flèche 11">
-            <a:extLst>
-              <a:ext uri="{FF2B5EF4-FFF2-40B4-BE49-F238E27FC236}">
-                <a16:creationId xmlns:a16="http://schemas.microsoft.com/office/drawing/2014/main" id="{D0F15FF4-CE60-F056-AC91-A15A39A41A89}"/>
-              </a:ext>
-            </a:extLst>
-          </p:cNvPr>
-          <p:cNvCxnSpPr>
-            <a:cxnSpLocks/>
-          </p:cNvCxnSpPr>
-          <p:nvPr/>
-        </p:nvCxnSpPr>
-        <p:spPr>
-          <a:xfrm>
-            <a:off x="2815558" y="3283975"/>
-            <a:ext cx="1127177" cy="0"/>
-          </a:xfrm>
-          <a:prstGeom prst="straightConnector1">
-            <a:avLst/>
-          </a:prstGeom>
-          <a:ln w="31750">
-            <a:tailEnd type="triangle" w="lg" len="lg"/>
-          </a:ln>
-        </p:spPr>
-        <p:style>
-          <a:lnRef idx="1">
-            <a:schemeClr val="accent1"/>
-          </a:lnRef>
-          <a:fillRef idx="0">
-            <a:schemeClr val="accent1"/>
-          </a:fillRef>
-          <a:effectRef idx="0">
-            <a:schemeClr val="accent1"/>
-          </a:effectRef>
-          <a:fontRef idx="minor">
-            <a:schemeClr val="tx1"/>
-          </a:fontRef>
-        </p:style>
-      </p:cxnSp>
-      <p:sp>
-        <p:nvSpPr>
-          <p:cNvPr id="13" name="Organigramme : Multidocument 12">
-            <a:extLst>
-              <a:ext uri="{FF2B5EF4-FFF2-40B4-BE49-F238E27FC236}">
-                <a16:creationId xmlns:a16="http://schemas.microsoft.com/office/drawing/2014/main" id="{51A9E878-B96F-497C-6C65-88CC5FC2EFDA}"/>
-              </a:ext>
-            </a:extLst>
-          </p:cNvPr>
-          <p:cNvSpPr/>
-          <p:nvPr/>
-        </p:nvSpPr>
-        <p:spPr>
-          <a:xfrm>
-            <a:off x="7829812" y="2979332"/>
-            <a:ext cx="1317523" cy="749808"/>
-          </a:xfrm>
-          <a:prstGeom prst="flowChartMultidocument">
-            <a:avLst/>
-          </a:prstGeom>
-          <a:solidFill>
-            <a:schemeClr val="accent5">
-              <a:lumMod val="40000"/>
-              <a:lumOff val="60000"/>
-            </a:schemeClr>
-          </a:solidFill>
-        </p:spPr>
-        <p:style>
-          <a:lnRef idx="2">
-            <a:schemeClr val="accent1">
-              <a:shade val="50000"/>
-            </a:schemeClr>
-          </a:lnRef>
-          <a:fillRef idx="1">
-            <a:schemeClr val="accent1"/>
-          </a:fillRef>
-          <a:effectRef idx="0">
-            <a:schemeClr val="accent1"/>
-          </a:effectRef>
-          <a:fontRef idx="minor">
-            <a:schemeClr val="lt1"/>
-          </a:fontRef>
-        </p:style>
-        <p:txBody>
-          <a:bodyPr rtlCol="0" anchor="ctr"/>
-          <a:lstStyle/>
-          <a:p>
-            <a:pPr algn="ctr"/>
-            <a:r>
-              <a:rPr lang="fr-FR" sz="1600" dirty="0">
-                <a:solidFill>
-                  <a:schemeClr val="tx1"/>
-                </a:solidFill>
-              </a:rPr>
-              <a:t>Dépôt 1</a:t>
-            </a:r>
-          </a:p>
-        </p:txBody>
-      </p:sp>
-      <p:sp>
-        <p:nvSpPr>
-          <p:cNvPr id="15" name="Organigramme : Procédé prédéfini 14">
-            <a:extLst>
-              <a:ext uri="{FF2B5EF4-FFF2-40B4-BE49-F238E27FC236}">
-                <a16:creationId xmlns:a16="http://schemas.microsoft.com/office/drawing/2014/main" id="{6282871F-0429-B7BE-5F0E-032287FA74C0}"/>
-              </a:ext>
-            </a:extLst>
-          </p:cNvPr>
-          <p:cNvSpPr/>
-          <p:nvPr/>
-        </p:nvSpPr>
-        <p:spPr>
-          <a:xfrm>
-            <a:off x="4100053" y="2914972"/>
-            <a:ext cx="1455176" cy="2187969"/>
-          </a:xfrm>
-          <a:prstGeom prst="flowChartPredefinedProcess">
-            <a:avLst/>
-          </a:prstGeom>
-        </p:spPr>
-        <p:style>
-          <a:lnRef idx="2">
-            <a:schemeClr val="accent1">
-              <a:shade val="50000"/>
-            </a:schemeClr>
-          </a:lnRef>
-          <a:fillRef idx="1">
-            <a:schemeClr val="accent1"/>
-          </a:fillRef>
-          <a:effectRef idx="0">
-            <a:schemeClr val="accent1"/>
-          </a:effectRef>
-          <a:fontRef idx="minor">
-            <a:schemeClr val="lt1"/>
-          </a:fontRef>
-        </p:style>
-        <p:txBody>
-          <a:bodyPr rtlCol="0" anchor="ctr"/>
-          <a:lstStyle/>
-          <a:p>
-            <a:pPr algn="ctr"/>
-            <a:endParaRPr lang="fr-FR" dirty="0"/>
-          </a:p>
-        </p:txBody>
-      </p:sp>
-      <p:sp>
-        <p:nvSpPr>
-          <p:cNvPr id="16" name="Organigramme : Multidocument 15">
-            <a:extLst>
-              <a:ext uri="{FF2B5EF4-FFF2-40B4-BE49-F238E27FC236}">
-                <a16:creationId xmlns:a16="http://schemas.microsoft.com/office/drawing/2014/main" id="{1801D54D-1611-0A3F-F406-6D61F24A7EBA}"/>
-              </a:ext>
-            </a:extLst>
-          </p:cNvPr>
-          <p:cNvSpPr/>
-          <p:nvPr/>
-        </p:nvSpPr>
-        <p:spPr>
-          <a:xfrm>
-            <a:off x="4127092" y="2979332"/>
-            <a:ext cx="1317523" cy="749808"/>
-          </a:xfrm>
-          <a:prstGeom prst="flowChartMultidocument">
-            <a:avLst/>
-          </a:prstGeom>
-          <a:solidFill>
-            <a:schemeClr val="accent5">
-              <a:lumMod val="40000"/>
-              <a:lumOff val="60000"/>
-            </a:schemeClr>
-          </a:solidFill>
-        </p:spPr>
-        <p:style>
-          <a:lnRef idx="2">
-            <a:schemeClr val="accent1">
-              <a:shade val="50000"/>
-            </a:schemeClr>
-          </a:lnRef>
-          <a:fillRef idx="1">
-            <a:schemeClr val="accent1"/>
-          </a:fillRef>
-          <a:effectRef idx="0">
-            <a:schemeClr val="accent1"/>
-          </a:effectRef>
-          <a:fontRef idx="minor">
-            <a:schemeClr val="lt1"/>
-          </a:fontRef>
-        </p:style>
-        <p:txBody>
-          <a:bodyPr rtlCol="0" anchor="ctr"/>
-          <a:lstStyle/>
-          <a:p>
-            <a:pPr algn="ctr"/>
-            <a:r>
-              <a:rPr lang="fr-FR" sz="1600" dirty="0">
-                <a:solidFill>
-                  <a:schemeClr val="tx1"/>
-                </a:solidFill>
-              </a:rPr>
-              <a:t>Dépôt 1</a:t>
-            </a:r>
-          </a:p>
-        </p:txBody>
-      </p:sp>
-      <p:sp>
-        <p:nvSpPr>
-          <p:cNvPr id="18" name="ZoneTexte 17">
-            <a:extLst>
-              <a:ext uri="{FF2B5EF4-FFF2-40B4-BE49-F238E27FC236}">
-                <a16:creationId xmlns:a16="http://schemas.microsoft.com/office/drawing/2014/main" id="{13C41C10-56E7-EB92-DAA9-0D2D75D3C964}"/>
-              </a:ext>
-            </a:extLst>
-          </p:cNvPr>
-          <p:cNvSpPr txBox="1"/>
-          <p:nvPr/>
-        </p:nvSpPr>
-        <p:spPr>
-          <a:xfrm>
-            <a:off x="1509251" y="4795164"/>
-            <a:ext cx="914400" cy="307777"/>
-          </a:xfrm>
-          <a:prstGeom prst="rect">
-            <a:avLst/>
-          </a:prstGeom>
-          <a:noFill/>
-        </p:spPr>
-        <p:txBody>
-          <a:bodyPr wrap="square" rtlCol="0">
-            <a:spAutoFit/>
-          </a:bodyPr>
-          <a:lstStyle/>
-          <a:p>
-            <a:pPr algn="ctr"/>
-            <a:r>
-              <a:rPr lang="fr-FR" sz="1400" b="1" dirty="0"/>
-              <a:t>ORGA1</a:t>
-            </a:r>
-          </a:p>
-        </p:txBody>
-      </p:sp>
-      <p:sp>
-        <p:nvSpPr>
-          <p:cNvPr id="19" name="ZoneTexte 18">
-            <a:extLst>
-              <a:ext uri="{FF2B5EF4-FFF2-40B4-BE49-F238E27FC236}">
-                <a16:creationId xmlns:a16="http://schemas.microsoft.com/office/drawing/2014/main" id="{4848418A-1ED4-B2F5-CBD1-0A4F6D8D449C}"/>
-              </a:ext>
-            </a:extLst>
-          </p:cNvPr>
-          <p:cNvSpPr txBox="1"/>
-          <p:nvPr/>
-        </p:nvSpPr>
-        <p:spPr>
-          <a:xfrm>
-            <a:off x="4370441" y="4795163"/>
-            <a:ext cx="914400" cy="307777"/>
-          </a:xfrm>
-          <a:prstGeom prst="rect">
-            <a:avLst/>
-          </a:prstGeom>
-          <a:noFill/>
-        </p:spPr>
-        <p:txBody>
-          <a:bodyPr wrap="square" rtlCol="0">
-            <a:spAutoFit/>
-          </a:bodyPr>
-          <a:lstStyle/>
-          <a:p>
-            <a:pPr algn="ctr"/>
-            <a:r>
-              <a:rPr lang="fr-FR" sz="1400" b="1" dirty="0"/>
-              <a:t>USER</a:t>
-            </a:r>
-          </a:p>
-        </p:txBody>
-      </p:sp>
-      <p:sp>
-        <p:nvSpPr>
-          <p:cNvPr id="20" name="ZoneTexte 19">
-            <a:extLst>
-              <a:ext uri="{FF2B5EF4-FFF2-40B4-BE49-F238E27FC236}">
-                <a16:creationId xmlns:a16="http://schemas.microsoft.com/office/drawing/2014/main" id="{2D472531-D969-31DF-1CED-F0565A688EA4}"/>
-              </a:ext>
-            </a:extLst>
-          </p:cNvPr>
-          <p:cNvSpPr txBox="1"/>
-          <p:nvPr/>
-        </p:nvSpPr>
-        <p:spPr>
-          <a:xfrm>
-            <a:off x="2909122" y="2979332"/>
-            <a:ext cx="914400" cy="307777"/>
-          </a:xfrm>
-          <a:prstGeom prst="rect">
-            <a:avLst/>
-          </a:prstGeom>
-          <a:noFill/>
-        </p:spPr>
-        <p:txBody>
-          <a:bodyPr wrap="square" rtlCol="0">
-            <a:spAutoFit/>
-          </a:bodyPr>
-          <a:lstStyle/>
-          <a:p>
-            <a:pPr algn="ctr"/>
-            <a:r>
-              <a:rPr lang="fr-FR" sz="1400" b="1" dirty="0">
-                <a:solidFill>
-                  <a:schemeClr val="accent2"/>
-                </a:solidFill>
-              </a:rPr>
-              <a:t>fork</a:t>
-            </a:r>
-          </a:p>
-        </p:txBody>
-      </p:sp>
-      <p:cxnSp>
-        <p:nvCxnSpPr>
-          <p:cNvPr id="21" name="Connecteur droit avec flèche 20">
-            <a:extLst>
-              <a:ext uri="{FF2B5EF4-FFF2-40B4-BE49-F238E27FC236}">
-                <a16:creationId xmlns:a16="http://schemas.microsoft.com/office/drawing/2014/main" id="{33C6DC73-2CB4-C99B-C43D-93C627A1F9D4}"/>
-              </a:ext>
-            </a:extLst>
-          </p:cNvPr>
-          <p:cNvCxnSpPr>
-            <a:cxnSpLocks/>
-          </p:cNvCxnSpPr>
-          <p:nvPr/>
-        </p:nvCxnSpPr>
-        <p:spPr>
-          <a:xfrm>
-            <a:off x="5894279" y="3265746"/>
-            <a:ext cx="1127177" cy="0"/>
-          </a:xfrm>
-          <a:prstGeom prst="straightConnector1">
-            <a:avLst/>
-          </a:prstGeom>
-          <a:ln w="31750">
-            <a:tailEnd type="triangle" w="lg" len="lg"/>
-          </a:ln>
-        </p:spPr>
-        <p:style>
-          <a:lnRef idx="1">
-            <a:schemeClr val="accent1"/>
-          </a:lnRef>
-          <a:fillRef idx="0">
-            <a:schemeClr val="accent1"/>
-          </a:fillRef>
-          <a:effectRef idx="0">
-            <a:schemeClr val="accent1"/>
-          </a:effectRef>
-          <a:fontRef idx="minor">
-            <a:schemeClr val="tx1"/>
-          </a:fontRef>
-        </p:style>
-      </p:cxnSp>
-      <p:sp>
-        <p:nvSpPr>
-          <p:cNvPr id="22" name="ZoneTexte 21">
-            <a:extLst>
-              <a:ext uri="{FF2B5EF4-FFF2-40B4-BE49-F238E27FC236}">
-                <a16:creationId xmlns:a16="http://schemas.microsoft.com/office/drawing/2014/main" id="{C747F555-97F0-2934-B29C-B9D0F4CBE52C}"/>
-              </a:ext>
-            </a:extLst>
-          </p:cNvPr>
-          <p:cNvSpPr txBox="1"/>
-          <p:nvPr/>
-        </p:nvSpPr>
-        <p:spPr>
-          <a:xfrm>
-            <a:off x="5987843" y="2961103"/>
-            <a:ext cx="914400" cy="307777"/>
-          </a:xfrm>
-          <a:prstGeom prst="rect">
-            <a:avLst/>
-          </a:prstGeom>
-          <a:noFill/>
-        </p:spPr>
-        <p:txBody>
-          <a:bodyPr wrap="square" rtlCol="0">
-            <a:spAutoFit/>
-          </a:bodyPr>
-          <a:lstStyle/>
-          <a:p>
-            <a:pPr algn="ctr"/>
-            <a:r>
-              <a:rPr lang="fr-FR" sz="1400" b="1" dirty="0">
-                <a:solidFill>
-                  <a:schemeClr val="accent2"/>
-                </a:solidFill>
-              </a:rPr>
-              <a:t>clone</a:t>
-            </a:r>
-          </a:p>
-        </p:txBody>
-      </p:sp>
-      <p:sp>
-        <p:nvSpPr>
-          <p:cNvPr id="24" name="ZoneTexte 23">
-            <a:extLst>
-              <a:ext uri="{FF2B5EF4-FFF2-40B4-BE49-F238E27FC236}">
-                <a16:creationId xmlns:a16="http://schemas.microsoft.com/office/drawing/2014/main" id="{FF1A995C-596C-BCA2-3606-198166DD9415}"/>
-              </a:ext>
-            </a:extLst>
-          </p:cNvPr>
-          <p:cNvSpPr txBox="1"/>
-          <p:nvPr/>
-        </p:nvSpPr>
-        <p:spPr>
-          <a:xfrm>
-            <a:off x="8688552" y="3701179"/>
-            <a:ext cx="1900790" cy="307777"/>
-          </a:xfrm>
-          <a:prstGeom prst="rect">
-            <a:avLst/>
-          </a:prstGeom>
-          <a:noFill/>
-        </p:spPr>
-        <p:txBody>
-          <a:bodyPr wrap="square" rtlCol="0">
-            <a:spAutoFit/>
-          </a:bodyPr>
-          <a:lstStyle/>
-          <a:p>
-            <a:pPr algn="ctr"/>
-            <a:r>
-              <a:rPr lang="fr-FR" sz="1400" b="1" dirty="0" err="1">
-                <a:solidFill>
-                  <a:schemeClr val="accent2"/>
-                </a:solidFill>
-              </a:rPr>
-              <a:t>modify</a:t>
-            </a:r>
-            <a:r>
-              <a:rPr lang="fr-FR" sz="1400" b="1" dirty="0">
-                <a:solidFill>
-                  <a:schemeClr val="accent2"/>
-                </a:solidFill>
-              </a:rPr>
-              <a:t> / update</a:t>
-            </a:r>
-          </a:p>
-        </p:txBody>
-      </p:sp>
-      <p:cxnSp>
-        <p:nvCxnSpPr>
-          <p:cNvPr id="25" name="Connecteur droit avec flèche 24">
-            <a:extLst>
-              <a:ext uri="{FF2B5EF4-FFF2-40B4-BE49-F238E27FC236}">
-                <a16:creationId xmlns:a16="http://schemas.microsoft.com/office/drawing/2014/main" id="{122622FC-11CF-969C-14BF-F99F5896083F}"/>
-              </a:ext>
-            </a:extLst>
-          </p:cNvPr>
-          <p:cNvCxnSpPr>
-            <a:cxnSpLocks/>
-          </p:cNvCxnSpPr>
-          <p:nvPr/>
-        </p:nvCxnSpPr>
-        <p:spPr>
-          <a:xfrm flipH="1">
-            <a:off x="7393858" y="4268688"/>
-            <a:ext cx="1127177" cy="0"/>
-          </a:xfrm>
-          <a:prstGeom prst="straightConnector1">
-            <a:avLst/>
-          </a:prstGeom>
-          <a:ln w="31750">
-            <a:tailEnd type="triangle" w="lg" len="lg"/>
-          </a:ln>
-        </p:spPr>
-        <p:style>
-          <a:lnRef idx="1">
-            <a:schemeClr val="accent1"/>
-          </a:lnRef>
-          <a:fillRef idx="0">
-            <a:schemeClr val="accent1"/>
-          </a:fillRef>
-          <a:effectRef idx="0">
-            <a:schemeClr val="accent1"/>
-          </a:effectRef>
-          <a:fontRef idx="minor">
-            <a:schemeClr val="tx1"/>
-          </a:fontRef>
-        </p:style>
-      </p:cxnSp>
-      <p:sp>
-        <p:nvSpPr>
-          <p:cNvPr id="29" name="ZoneTexte 28">
-            <a:extLst>
-              <a:ext uri="{FF2B5EF4-FFF2-40B4-BE49-F238E27FC236}">
-                <a16:creationId xmlns:a16="http://schemas.microsoft.com/office/drawing/2014/main" id="{76073B51-E6E6-8097-ACD1-EBB218E9237F}"/>
-              </a:ext>
-            </a:extLst>
-          </p:cNvPr>
-          <p:cNvSpPr txBox="1"/>
-          <p:nvPr/>
-        </p:nvSpPr>
-        <p:spPr>
-          <a:xfrm>
-            <a:off x="7574173" y="3960911"/>
-            <a:ext cx="914400" cy="307777"/>
-          </a:xfrm>
-          <a:prstGeom prst="rect">
-            <a:avLst/>
-          </a:prstGeom>
-          <a:noFill/>
-        </p:spPr>
-        <p:txBody>
-          <a:bodyPr wrap="square" rtlCol="0">
-            <a:spAutoFit/>
-          </a:bodyPr>
-          <a:lstStyle/>
-          <a:p>
-            <a:pPr algn="ctr"/>
-            <a:r>
-              <a:rPr lang="fr-FR" sz="1400" b="1" dirty="0">
-                <a:solidFill>
-                  <a:schemeClr val="accent2"/>
-                </a:solidFill>
-              </a:rPr>
-              <a:t>commit</a:t>
-            </a:r>
-          </a:p>
-        </p:txBody>
-      </p:sp>
-      <p:cxnSp>
-        <p:nvCxnSpPr>
-          <p:cNvPr id="30" name="Connecteur droit avec flèche 29">
-            <a:extLst>
-              <a:ext uri="{FF2B5EF4-FFF2-40B4-BE49-F238E27FC236}">
-                <a16:creationId xmlns:a16="http://schemas.microsoft.com/office/drawing/2014/main" id="{C1122FB1-48DB-114F-59A8-6099FD0B8029}"/>
-              </a:ext>
-            </a:extLst>
-          </p:cNvPr>
-          <p:cNvCxnSpPr>
-            <a:cxnSpLocks/>
-          </p:cNvCxnSpPr>
-          <p:nvPr/>
-        </p:nvCxnSpPr>
-        <p:spPr>
-          <a:xfrm flipH="1">
-            <a:off x="5889807" y="4268688"/>
-            <a:ext cx="1127177" cy="0"/>
-          </a:xfrm>
-          <a:prstGeom prst="straightConnector1">
-            <a:avLst/>
-          </a:prstGeom>
-          <a:ln w="31750">
-            <a:tailEnd type="triangle" w="lg" len="lg"/>
-          </a:ln>
-        </p:spPr>
-        <p:style>
-          <a:lnRef idx="1">
-            <a:schemeClr val="accent1"/>
-          </a:lnRef>
-          <a:fillRef idx="0">
-            <a:schemeClr val="accent1"/>
-          </a:fillRef>
-          <a:effectRef idx="0">
-            <a:schemeClr val="accent1"/>
-          </a:effectRef>
-          <a:fontRef idx="minor">
-            <a:schemeClr val="tx1"/>
-          </a:fontRef>
-        </p:style>
-      </p:cxnSp>
-      <p:sp>
-        <p:nvSpPr>
-          <p:cNvPr id="31" name="ZoneTexte 30">
-            <a:extLst>
-              <a:ext uri="{FF2B5EF4-FFF2-40B4-BE49-F238E27FC236}">
-                <a16:creationId xmlns:a16="http://schemas.microsoft.com/office/drawing/2014/main" id="{B6509542-0ED6-09F6-DFD0-081E38A584B3}"/>
-              </a:ext>
-            </a:extLst>
-          </p:cNvPr>
-          <p:cNvSpPr txBox="1"/>
-          <p:nvPr/>
-        </p:nvSpPr>
-        <p:spPr>
-          <a:xfrm>
-            <a:off x="6050458" y="3960911"/>
-            <a:ext cx="914400" cy="307777"/>
-          </a:xfrm>
-          <a:prstGeom prst="rect">
-            <a:avLst/>
-          </a:prstGeom>
-          <a:noFill/>
-        </p:spPr>
-        <p:txBody>
-          <a:bodyPr wrap="square" rtlCol="0">
-            <a:spAutoFit/>
-          </a:bodyPr>
-          <a:lstStyle/>
-          <a:p>
-            <a:pPr algn="ctr"/>
-            <a:r>
-              <a:rPr lang="fr-FR" sz="1400" b="1" dirty="0">
-                <a:solidFill>
-                  <a:schemeClr val="accent2"/>
-                </a:solidFill>
-              </a:rPr>
-              <a:t>push</a:t>
-            </a:r>
-          </a:p>
-        </p:txBody>
-      </p:sp>
-      <p:cxnSp>
-        <p:nvCxnSpPr>
-          <p:cNvPr id="34" name="Connecteur droit avec flèche 33">
-            <a:extLst>
-              <a:ext uri="{FF2B5EF4-FFF2-40B4-BE49-F238E27FC236}">
-                <a16:creationId xmlns:a16="http://schemas.microsoft.com/office/drawing/2014/main" id="{8BBA0E32-EB54-BF1C-5EC2-ACD4003C4B4D}"/>
-              </a:ext>
-            </a:extLst>
-          </p:cNvPr>
-          <p:cNvCxnSpPr>
-            <a:cxnSpLocks/>
-          </p:cNvCxnSpPr>
-          <p:nvPr/>
-        </p:nvCxnSpPr>
-        <p:spPr>
-          <a:xfrm>
-            <a:off x="5894279" y="4881108"/>
-            <a:ext cx="1127177" cy="0"/>
-          </a:xfrm>
-          <a:prstGeom prst="straightConnector1">
-            <a:avLst/>
-          </a:prstGeom>
-          <a:ln w="31750">
-            <a:tailEnd type="triangle" w="lg" len="lg"/>
-          </a:ln>
-        </p:spPr>
-        <p:style>
-          <a:lnRef idx="1">
-            <a:schemeClr val="accent1"/>
-          </a:lnRef>
-          <a:fillRef idx="0">
-            <a:schemeClr val="accent1"/>
-          </a:fillRef>
-          <a:effectRef idx="0">
-            <a:schemeClr val="accent1"/>
-          </a:effectRef>
-          <a:fontRef idx="minor">
-            <a:schemeClr val="tx1"/>
-          </a:fontRef>
-        </p:style>
-      </p:cxnSp>
-      <p:sp>
-        <p:nvSpPr>
-          <p:cNvPr id="35" name="ZoneTexte 34">
-            <a:extLst>
-              <a:ext uri="{FF2B5EF4-FFF2-40B4-BE49-F238E27FC236}">
-                <a16:creationId xmlns:a16="http://schemas.microsoft.com/office/drawing/2014/main" id="{19F12750-DAF6-7955-F9EF-BBFA084C5495}"/>
-              </a:ext>
-            </a:extLst>
-          </p:cNvPr>
-          <p:cNvSpPr txBox="1"/>
-          <p:nvPr/>
-        </p:nvSpPr>
-        <p:spPr>
-          <a:xfrm>
-            <a:off x="5987843" y="4576465"/>
-            <a:ext cx="914400" cy="307777"/>
-          </a:xfrm>
-          <a:prstGeom prst="rect">
-            <a:avLst/>
-          </a:prstGeom>
-          <a:noFill/>
-        </p:spPr>
-        <p:txBody>
-          <a:bodyPr wrap="square" rtlCol="0">
-            <a:spAutoFit/>
-          </a:bodyPr>
-          <a:lstStyle/>
-          <a:p>
-            <a:pPr algn="ctr"/>
-            <a:r>
-              <a:rPr lang="fr-FR" sz="1400" b="1" dirty="0">
-                <a:solidFill>
-                  <a:schemeClr val="accent2"/>
-                </a:solidFill>
-              </a:rPr>
-              <a:t>pull</a:t>
-            </a:r>
-          </a:p>
-        </p:txBody>
-      </p:sp>
-      <p:sp>
-        <p:nvSpPr>
-          <p:cNvPr id="36" name="ZoneTexte 35">
-            <a:extLst>
-              <a:ext uri="{FF2B5EF4-FFF2-40B4-BE49-F238E27FC236}">
-                <a16:creationId xmlns:a16="http://schemas.microsoft.com/office/drawing/2014/main" id="{E6ACC1C3-D178-E440-05CF-40CDCB8D2E67}"/>
-              </a:ext>
-            </a:extLst>
-          </p:cNvPr>
-          <p:cNvSpPr txBox="1"/>
-          <p:nvPr/>
-        </p:nvSpPr>
-        <p:spPr>
-          <a:xfrm>
-            <a:off x="9176826" y="3087009"/>
-            <a:ext cx="1900790" cy="307777"/>
-          </a:xfrm>
-          <a:prstGeom prst="rect">
-            <a:avLst/>
-          </a:prstGeom>
-          <a:noFill/>
-        </p:spPr>
-        <p:txBody>
-          <a:bodyPr wrap="square" rtlCol="0">
-            <a:spAutoFit/>
-          </a:bodyPr>
-          <a:lstStyle/>
-          <a:p>
-            <a:pPr algn="ctr"/>
-            <a:r>
-              <a:rPr lang="fr-FR" sz="1400" b="1" dirty="0">
-                <a:solidFill>
-                  <a:schemeClr val="accent2"/>
-                </a:solidFill>
-              </a:rPr>
-              <a:t>user </a:t>
-            </a:r>
-            <a:r>
-              <a:rPr lang="fr-FR" sz="1400" b="1" dirty="0" err="1">
-                <a:solidFill>
-                  <a:schemeClr val="accent2"/>
-                </a:solidFill>
-              </a:rPr>
-              <a:t>branch</a:t>
-            </a:r>
-            <a:endParaRPr lang="fr-FR" sz="1400" b="1" dirty="0">
-              <a:solidFill>
-                <a:schemeClr val="accent2"/>
-              </a:solidFill>
-            </a:endParaRPr>
-          </a:p>
-        </p:txBody>
-      </p:sp>
-      <p:cxnSp>
-        <p:nvCxnSpPr>
-          <p:cNvPr id="3" name="Connecteur droit avec flèche 2">
-            <a:extLst>
-              <a:ext uri="{FF2B5EF4-FFF2-40B4-BE49-F238E27FC236}">
-                <a16:creationId xmlns:a16="http://schemas.microsoft.com/office/drawing/2014/main" id="{C23E57C9-087A-445D-62EA-D4B1A446CAFF}"/>
-              </a:ext>
-            </a:extLst>
-          </p:cNvPr>
-          <p:cNvCxnSpPr>
-            <a:cxnSpLocks/>
-          </p:cNvCxnSpPr>
-          <p:nvPr/>
-        </p:nvCxnSpPr>
-        <p:spPr>
-          <a:xfrm flipH="1">
-            <a:off x="2797191" y="4008956"/>
-            <a:ext cx="1127177" cy="0"/>
-          </a:xfrm>
-          <a:prstGeom prst="straightConnector1">
-            <a:avLst/>
-          </a:prstGeom>
-          <a:ln w="31750">
-            <a:tailEnd type="triangle" w="lg" len="lg"/>
-          </a:ln>
-        </p:spPr>
-        <p:style>
-          <a:lnRef idx="1">
-            <a:schemeClr val="accent1"/>
-          </a:lnRef>
-          <a:fillRef idx="0">
-            <a:schemeClr val="accent1"/>
-          </a:fillRef>
-          <a:effectRef idx="0">
-            <a:schemeClr val="accent1"/>
-          </a:effectRef>
-          <a:fontRef idx="minor">
-            <a:schemeClr val="tx1"/>
-          </a:fontRef>
-        </p:style>
-      </p:cxnSp>
-      <p:sp>
-        <p:nvSpPr>
-          <p:cNvPr id="4" name="ZoneTexte 3">
-            <a:extLst>
-              <a:ext uri="{FF2B5EF4-FFF2-40B4-BE49-F238E27FC236}">
-                <a16:creationId xmlns:a16="http://schemas.microsoft.com/office/drawing/2014/main" id="{0D1CE825-A8F1-01E5-3065-C9BFF8012EA1}"/>
-              </a:ext>
-            </a:extLst>
-          </p:cNvPr>
-          <p:cNvSpPr txBox="1"/>
-          <p:nvPr/>
-        </p:nvSpPr>
-        <p:spPr>
-          <a:xfrm>
-            <a:off x="2957842" y="3730675"/>
-            <a:ext cx="914400" cy="523220"/>
-          </a:xfrm>
-          <a:prstGeom prst="rect">
-            <a:avLst/>
-          </a:prstGeom>
-          <a:noFill/>
-        </p:spPr>
-        <p:txBody>
-          <a:bodyPr wrap="square" rtlCol="0">
-            <a:spAutoFit/>
-          </a:bodyPr>
-          <a:lstStyle/>
-          <a:p>
-            <a:pPr algn="ctr"/>
-            <a:r>
-              <a:rPr lang="fr-FR" sz="1400" b="1" dirty="0">
-                <a:solidFill>
-                  <a:schemeClr val="accent2"/>
-                </a:solidFill>
-              </a:rPr>
-              <a:t>pull </a:t>
-            </a:r>
-            <a:r>
-              <a:rPr lang="fr-FR" sz="1400" b="1" dirty="0" err="1">
-                <a:solidFill>
-                  <a:schemeClr val="accent2"/>
-                </a:solidFill>
-              </a:rPr>
-              <a:t>request</a:t>
-            </a:r>
-            <a:endParaRPr lang="fr-FR" sz="1400" b="1" dirty="0">
-              <a:solidFill>
-                <a:schemeClr val="accent2"/>
-              </a:solidFill>
-            </a:endParaRPr>
-          </a:p>
-        </p:txBody>
-      </p:sp>
-      <p:cxnSp>
-        <p:nvCxnSpPr>
-          <p:cNvPr id="6" name="Connecteur droit avec flèche 5">
-            <a:extLst>
-              <a:ext uri="{FF2B5EF4-FFF2-40B4-BE49-F238E27FC236}">
-                <a16:creationId xmlns:a16="http://schemas.microsoft.com/office/drawing/2014/main" id="{DE9C32AE-FFCD-20DE-1BB7-88783A62FE60}"/>
-              </a:ext>
-            </a:extLst>
-          </p:cNvPr>
-          <p:cNvCxnSpPr>
-            <a:cxnSpLocks/>
-          </p:cNvCxnSpPr>
-          <p:nvPr/>
-        </p:nvCxnSpPr>
-        <p:spPr>
-          <a:xfrm flipH="1">
-            <a:off x="2779195" y="4583310"/>
-            <a:ext cx="1127177" cy="0"/>
-          </a:xfrm>
-          <a:prstGeom prst="straightConnector1">
-            <a:avLst/>
-          </a:prstGeom>
-          <a:ln w="31750">
-            <a:tailEnd type="triangle" w="lg" len="lg"/>
-          </a:ln>
-        </p:spPr>
-        <p:style>
-          <a:lnRef idx="1">
-            <a:schemeClr val="accent1"/>
-          </a:lnRef>
-          <a:fillRef idx="0">
-            <a:schemeClr val="accent1"/>
-          </a:fillRef>
-          <a:effectRef idx="0">
-            <a:schemeClr val="accent1"/>
-          </a:effectRef>
-          <a:fontRef idx="minor">
-            <a:schemeClr val="tx1"/>
-          </a:fontRef>
-        </p:style>
-      </p:cxnSp>
-      <p:sp>
-        <p:nvSpPr>
-          <p:cNvPr id="11" name="ZoneTexte 10">
-            <a:extLst>
-              <a:ext uri="{FF2B5EF4-FFF2-40B4-BE49-F238E27FC236}">
-                <a16:creationId xmlns:a16="http://schemas.microsoft.com/office/drawing/2014/main" id="{F352DBA1-72B4-4AC1-395A-F30A5BC53E26}"/>
-              </a:ext>
-            </a:extLst>
-          </p:cNvPr>
-          <p:cNvSpPr txBox="1"/>
-          <p:nvPr/>
-        </p:nvSpPr>
-        <p:spPr>
-          <a:xfrm>
-            <a:off x="2939846" y="4305029"/>
-            <a:ext cx="914400" cy="307777"/>
-          </a:xfrm>
-          <a:prstGeom prst="rect">
-            <a:avLst/>
-          </a:prstGeom>
-          <a:noFill/>
-        </p:spPr>
-        <p:txBody>
-          <a:bodyPr wrap="square" rtlCol="0">
-            <a:spAutoFit/>
-          </a:bodyPr>
-          <a:lstStyle/>
-          <a:p>
-            <a:pPr algn="ctr"/>
-            <a:r>
-              <a:rPr lang="fr-FR" sz="1400" b="1" dirty="0">
-                <a:solidFill>
-                  <a:schemeClr val="accent2"/>
-                </a:solidFill>
-              </a:rPr>
-              <a:t>merge</a:t>
-            </a:r>
-          </a:p>
-        </p:txBody>
-      </p:sp>
       <p:pic>
         <p:nvPicPr>
-          <p:cNvPr id="23" name="Image 22">
-            <a:extLst>
-              <a:ext uri="{FF2B5EF4-FFF2-40B4-BE49-F238E27FC236}">
-                <a16:creationId xmlns:a16="http://schemas.microsoft.com/office/drawing/2014/main" id="{CCACDECB-8C8A-042A-98C7-C4935555F930}"/>
-              </a:ext>
-            </a:extLst>
-          </p:cNvPr>
-          <p:cNvPicPr>
-            <a:picLocks noChangeAspect="1"/>
-          </p:cNvPicPr>
-          <p:nvPr/>
-        </p:nvPicPr>
-        <p:blipFill>
-          <a:blip r:embed="rId3"/>
-          <a:stretch>
-            <a:fillRect/>
-          </a:stretch>
-        </p:blipFill>
-        <p:spPr>
-          <a:xfrm>
-            <a:off x="8386916" y="4569510"/>
-            <a:ext cx="3238905" cy="1951320"/>
-          </a:xfrm>
-          <a:prstGeom prst="rect">
-            <a:avLst/>
-          </a:prstGeom>
-        </p:spPr>
-      </p:pic>
-      <p:sp>
-        <p:nvSpPr>
-          <p:cNvPr id="27" name="ZoneTexte 26">
-            <a:extLst>
-              <a:ext uri="{FF2B5EF4-FFF2-40B4-BE49-F238E27FC236}">
-                <a16:creationId xmlns:a16="http://schemas.microsoft.com/office/drawing/2014/main" id="{FE89E02A-CEF3-4A35-9F74-F05934F4B4C5}"/>
-              </a:ext>
-            </a:extLst>
-          </p:cNvPr>
-          <p:cNvSpPr txBox="1"/>
-          <p:nvPr/>
-        </p:nvSpPr>
-        <p:spPr>
-          <a:xfrm>
-            <a:off x="7892160" y="6553459"/>
-            <a:ext cx="4345858" cy="261610"/>
-          </a:xfrm>
-          <a:prstGeom prst="rect">
-            <a:avLst/>
-          </a:prstGeom>
-          <a:noFill/>
-        </p:spPr>
-        <p:txBody>
-          <a:bodyPr wrap="square">
-            <a:spAutoFit/>
-          </a:bodyPr>
-          <a:lstStyle/>
-          <a:p>
-            <a:r>
-              <a:rPr lang="fr-FR" sz="1100" dirty="0"/>
-              <a:t>https://www.atlassian.com/fr/git/tutorials/using-branches</a:t>
-            </a:r>
-          </a:p>
-        </p:txBody>
-      </p:sp>
-      <p:pic>
-        <p:nvPicPr>
-          <p:cNvPr id="32" name="Image 31">
-            <a:extLst>
-              <a:ext uri="{FF2B5EF4-FFF2-40B4-BE49-F238E27FC236}">
-                <a16:creationId xmlns:a16="http://schemas.microsoft.com/office/drawing/2014/main" id="{6E98F732-3DEB-C246-7D32-648D1C7573EC}"/>
-              </a:ext>
-            </a:extLst>
-          </p:cNvPr>
-          <p:cNvPicPr>
-            <a:picLocks noChangeAspect="1"/>
-          </p:cNvPicPr>
-          <p:nvPr/>
-        </p:nvPicPr>
-        <p:blipFill>
-          <a:blip r:embed="rId4"/>
-          <a:stretch>
-            <a:fillRect/>
-          </a:stretch>
-        </p:blipFill>
-        <p:spPr>
-          <a:xfrm>
-            <a:off x="2166868" y="5452712"/>
-            <a:ext cx="5577506" cy="1264347"/>
-          </a:xfrm>
-          <a:prstGeom prst="rect">
-            <a:avLst/>
-          </a:prstGeom>
-        </p:spPr>
-      </p:pic>
-      <p:sp>
-        <p:nvSpPr>
-          <p:cNvPr id="26" name="Titre 1">
-            <a:extLst>
-              <a:ext uri="{FF2B5EF4-FFF2-40B4-BE49-F238E27FC236}">
-                <a16:creationId xmlns:a16="http://schemas.microsoft.com/office/drawing/2014/main" id="{BD093421-EE09-F10B-37F3-687B7407A1C7}"/>
-              </a:ext>
-            </a:extLst>
-          </p:cNvPr>
-          <p:cNvSpPr>
-            <a:spLocks noGrp="1"/>
-          </p:cNvSpPr>
-          <p:nvPr>
-            <p:ph type="title"/>
-          </p:nvPr>
-        </p:nvSpPr>
-        <p:spPr>
-          <a:xfrm>
-            <a:off x="1115568" y="548640"/>
-            <a:ext cx="10168128" cy="1179576"/>
-          </a:xfrm>
-        </p:spPr>
-        <p:txBody>
-          <a:bodyPr/>
-          <a:lstStyle/>
-          <a:p>
-            <a:r>
-              <a:rPr lang="fr-FR" dirty="0"/>
-              <a:t>Git / </a:t>
-            </a:r>
-            <a:r>
-              <a:rPr lang="fr-FR" dirty="0" err="1"/>
-              <a:t>Versionning</a:t>
-            </a:r>
-            <a:endParaRPr lang="fr-FR" dirty="0"/>
-          </a:p>
-        </p:txBody>
-      </p:sp>
-      <p:pic>
-        <p:nvPicPr>
-          <p:cNvPr id="28" name="Picture 2" descr="Git">
-            <a:extLst>
-              <a:ext uri="{FF2B5EF4-FFF2-40B4-BE49-F238E27FC236}">
-                <a16:creationId xmlns:a16="http://schemas.microsoft.com/office/drawing/2014/main" id="{C3573E59-D27B-AF81-5C8F-05B5886211F8}"/>
+          <p:cNvPr id="1026" name="Picture 2">
+            <a:extLst>
+              <a:ext uri="{FF2B5EF4-FFF2-40B4-BE49-F238E27FC236}">
+                <a16:creationId xmlns:a16="http://schemas.microsoft.com/office/drawing/2014/main" id="{EEC3CC6F-ADB4-888A-B18B-7044585F0661}"/>
               </a:ext>
             </a:extLst>
           </p:cNvPr>
@@ -9922,7 +8614,7 @@
           <p:nvPr/>
         </p:nvPicPr>
         <p:blipFill>
-          <a:blip r:embed="rId5">
+          <a:blip r:embed="rId3">
             <a:extLst>
               <a:ext uri="{28A0092B-C50C-407E-A947-70E740481C1C}">
                 <a14:useLocalDpi xmlns:a14="http://schemas.microsoft.com/office/drawing/2010/main" val="0"/>
@@ -9936,8 +8628,8 @@
         </p:blipFill>
         <p:spPr bwMode="auto">
           <a:xfrm>
-            <a:off x="9134841" y="629257"/>
-            <a:ext cx="2095500" cy="876300"/>
+            <a:off x="3389364" y="4715256"/>
+            <a:ext cx="1047750" cy="1219200"/>
           </a:xfrm>
           <a:prstGeom prst="rect">
             <a:avLst/>
@@ -9954,10 +8646,57 @@
           </a:extLst>
         </p:spPr>
       </p:pic>
+      <p:pic>
+        <p:nvPicPr>
+          <p:cNvPr id="4" name="Picture 8" descr="Résultat de recherche d'images pour &quot;spyder logo&quot;">
+            <a:extLst>
+              <a:ext uri="{FF2B5EF4-FFF2-40B4-BE49-F238E27FC236}">
+                <a16:creationId xmlns:a16="http://schemas.microsoft.com/office/drawing/2014/main" id="{7D86E94E-1CE4-F45E-69EA-100C66B3A897}"/>
+              </a:ext>
+            </a:extLst>
+          </p:cNvPr>
+          <p:cNvPicPr>
+            <a:picLocks noChangeAspect="1" noChangeArrowheads="1"/>
+          </p:cNvPicPr>
+          <p:nvPr/>
+        </p:nvPicPr>
+        <p:blipFill>
+          <a:blip r:embed="rId4">
+            <a:extLst>
+              <a:ext uri="{28A0092B-C50C-407E-A947-70E740481C1C}">
+                <a14:useLocalDpi xmlns:a14="http://schemas.microsoft.com/office/drawing/2010/main" val="0"/>
+              </a:ext>
+            </a:extLst>
+          </a:blip>
+          <a:srcRect/>
+          <a:stretch>
+            <a:fillRect/>
+          </a:stretch>
+        </p:blipFill>
+        <p:spPr bwMode="auto">
+          <a:xfrm>
+            <a:off x="7506412" y="4846474"/>
+            <a:ext cx="1913528" cy="956764"/>
+          </a:xfrm>
+          <a:prstGeom prst="rect">
+            <a:avLst/>
+          </a:prstGeom>
+          <a:noFill/>
+          <a:extLst>
+            <a:ext uri="{909E8E84-426E-40DD-AFC4-6F175D3DCCD1}">
+              <a14:hiddenFill xmlns:a14="http://schemas.microsoft.com/office/drawing/2010/main">
+                <a:solidFill>
+                  <a:srgbClr val="FFFFFF"/>
+                </a:solidFill>
+              </a14:hiddenFill>
+            </a:ext>
+          </a:extLst>
+        </p:spPr>
+      </p:pic>
     </p:spTree>
     <p:extLst>
       <p:ext uri="{BB962C8B-B14F-4D97-AF65-F5344CB8AC3E}">
-        <p14:creationId xmlns:p14="http://schemas.microsoft.com/office/powerpoint/2010/main" val="893605857"/>
+        <p14:creationId xmlns:p14="http://schemas.microsoft.com/office/powerpoint/2010/main" val="2211726380"/>
       </p:ext>
     </p:extLst>
   </p:cSld>
@@ -9984,6 +8723,127 @@
           <a:chExt cx="0" cy="0"/>
         </a:xfrm>
       </p:grpSpPr>
+      <p:sp>
+        <p:nvSpPr>
+          <p:cNvPr id="3" name="Espace réservé du contenu 2">
+            <a:extLst>
+              <a:ext uri="{FF2B5EF4-FFF2-40B4-BE49-F238E27FC236}">
+                <a16:creationId xmlns:a16="http://schemas.microsoft.com/office/drawing/2014/main" id="{E0BBB9DE-019C-C741-F224-494739D4B752}"/>
+              </a:ext>
+            </a:extLst>
+          </p:cNvPr>
+          <p:cNvSpPr>
+            <a:spLocks noGrp="1"/>
+          </p:cNvSpPr>
+          <p:nvPr>
+            <p:ph sz="half" idx="1"/>
+          </p:nvPr>
+        </p:nvSpPr>
+        <p:spPr>
+          <a:xfrm>
+            <a:off x="1115568" y="2478024"/>
+            <a:ext cx="10168128" cy="3694176"/>
+          </a:xfrm>
+        </p:spPr>
+        <p:txBody>
+          <a:bodyPr>
+            <a:normAutofit/>
+          </a:bodyPr>
+          <a:lstStyle/>
+          <a:p>
+            <a:r>
+              <a:rPr lang="fr-FR" b="1" dirty="0"/>
+              <a:t>Travail à réaliser </a:t>
+            </a:r>
+          </a:p>
+          <a:p>
+            <a:pPr lvl="1"/>
+            <a:r>
+              <a:rPr lang="fr-FR" dirty="0"/>
+              <a:t>Résultats à faire valider par </a:t>
+            </a:r>
+            <a:r>
+              <a:rPr lang="fr-FR" dirty="0" err="1"/>
+              <a:t>un.e</a:t>
+            </a:r>
+            <a:r>
+              <a:rPr lang="fr-FR" dirty="0"/>
+              <a:t> </a:t>
+            </a:r>
+            <a:r>
+              <a:rPr lang="fr-FR" dirty="0" err="1"/>
+              <a:t>encadrant.e</a:t>
+            </a:r>
+            <a:r>
+              <a:rPr lang="fr-FR" dirty="0"/>
+              <a:t> durant la séance</a:t>
+            </a:r>
+          </a:p>
+          <a:p>
+            <a:pPr lvl="2"/>
+            <a:r>
+              <a:rPr lang="fr-FR" dirty="0"/>
+              <a:t>Bonnes pratiques en programmation : </a:t>
+            </a:r>
+          </a:p>
+          <a:p>
+            <a:pPr lvl="3"/>
+            <a:r>
+              <a:rPr lang="fr-FR" dirty="0"/>
+              <a:t>Code propre / documenté</a:t>
+            </a:r>
+          </a:p>
+          <a:p>
+            <a:pPr lvl="3"/>
+            <a:r>
+              <a:rPr lang="fr-FR" dirty="0"/>
+              <a:t>Utilisation de fonctions</a:t>
+            </a:r>
+          </a:p>
+          <a:p>
+            <a:pPr lvl="2"/>
+            <a:r>
+              <a:rPr lang="fr-FR" dirty="0"/>
+              <a:t>Présentation des résultats</a:t>
+            </a:r>
+          </a:p>
+          <a:p>
+            <a:pPr lvl="2"/>
+            <a:r>
+              <a:rPr lang="fr-FR" dirty="0"/>
+              <a:t>Analyse et critiques des résultats (aspect physique/mathématique)</a:t>
+            </a:r>
+          </a:p>
+        </p:txBody>
+      </p:sp>
+      <p:sp>
+        <p:nvSpPr>
+          <p:cNvPr id="2" name="Titre 1">
+            <a:extLst>
+              <a:ext uri="{FF2B5EF4-FFF2-40B4-BE49-F238E27FC236}">
+                <a16:creationId xmlns:a16="http://schemas.microsoft.com/office/drawing/2014/main" id="{90162AE8-C1B0-5C56-8313-DEE494F38273}"/>
+              </a:ext>
+            </a:extLst>
+          </p:cNvPr>
+          <p:cNvSpPr>
+            <a:spLocks noGrp="1"/>
+          </p:cNvSpPr>
+          <p:nvPr>
+            <p:ph type="title"/>
+          </p:nvPr>
+        </p:nvSpPr>
+        <p:spPr/>
+        <p:txBody>
+          <a:bodyPr/>
+          <a:lstStyle/>
+          <a:p>
+            <a:r>
+              <a:rPr lang="fr-FR" dirty="0"/>
+              <a:t>Phases d’apprentissage</a:t>
+            </a:r>
+          </a:p>
+        </p:txBody>
+      </p:sp>
       <p:pic>
         <p:nvPicPr>
           <p:cNvPr id="5" name="Image 4" descr="Une image contenant texte&#10;&#10;Description générée automatiquement">
@@ -10020,130 +8880,106 @@
           </a:prstGeom>
         </p:spPr>
       </p:pic>
-      <p:sp>
-        <p:nvSpPr>
-          <p:cNvPr id="26" name="Titre 1">
-            <a:extLst>
-              <a:ext uri="{FF2B5EF4-FFF2-40B4-BE49-F238E27FC236}">
-                <a16:creationId xmlns:a16="http://schemas.microsoft.com/office/drawing/2014/main" id="{BD093421-EE09-F10B-37F3-687B7407A1C7}"/>
-              </a:ext>
-            </a:extLst>
-          </p:cNvPr>
-          <p:cNvSpPr>
-            <a:spLocks noGrp="1"/>
-          </p:cNvSpPr>
-          <p:nvPr>
-            <p:ph type="title"/>
-          </p:nvPr>
-        </p:nvSpPr>
-        <p:spPr>
-          <a:xfrm>
-            <a:off x="1115568" y="548640"/>
-            <a:ext cx="10168128" cy="1179576"/>
-          </a:xfrm>
-        </p:spPr>
-        <p:txBody>
-          <a:bodyPr/>
-          <a:lstStyle/>
-          <a:p>
-            <a:r>
-              <a:rPr lang="fr-FR" dirty="0"/>
-              <a:t>Git / </a:t>
-            </a:r>
-            <a:r>
-              <a:rPr lang="fr-FR" dirty="0" err="1"/>
-              <a:t>Versionning</a:t>
-            </a:r>
-            <a:endParaRPr lang="fr-FR" dirty="0"/>
-          </a:p>
-        </p:txBody>
-      </p:sp>
-      <p:sp>
-        <p:nvSpPr>
-          <p:cNvPr id="2" name="Espace réservé du contenu 2">
-            <a:extLst>
-              <a:ext uri="{FF2B5EF4-FFF2-40B4-BE49-F238E27FC236}">
-                <a16:creationId xmlns:a16="http://schemas.microsoft.com/office/drawing/2014/main" id="{823A37EA-7548-ECD5-F1BF-6B6F339FD79B}"/>
-              </a:ext>
-            </a:extLst>
-          </p:cNvPr>
-          <p:cNvSpPr>
-            <a:spLocks noGrp="1"/>
-          </p:cNvSpPr>
-          <p:nvPr>
-            <p:ph sz="half" idx="1"/>
-          </p:nvPr>
-        </p:nvSpPr>
-        <p:spPr>
-          <a:xfrm>
-            <a:off x="1115568" y="2478024"/>
-            <a:ext cx="4419818" cy="3694176"/>
-          </a:xfrm>
-        </p:spPr>
-        <p:txBody>
-          <a:bodyPr>
-            <a:normAutofit fontScale="92500"/>
-          </a:bodyPr>
-          <a:lstStyle/>
-          <a:p>
-            <a:r>
-              <a:rPr lang="fr-FR" dirty="0"/>
-              <a:t>Accès aux versions précédentes</a:t>
-            </a:r>
-          </a:p>
-          <a:p>
-            <a:pPr lvl="1"/>
-            <a:r>
-              <a:rPr lang="fr-FR" b="1" dirty="0" err="1"/>
-              <a:t>SourceTree</a:t>
-            </a:r>
-            <a:r>
-              <a:rPr lang="fr-FR" b="1" dirty="0"/>
-              <a:t> </a:t>
-            </a:r>
-            <a:r>
-              <a:rPr lang="fr-FR" dirty="0"/>
-              <a:t>(par exemple)</a:t>
-            </a:r>
-          </a:p>
-          <a:p>
-            <a:pPr lvl="1"/>
-            <a:r>
-              <a:rPr lang="fr-FR" dirty="0"/>
-              <a:t>Possibilité de </a:t>
-            </a:r>
-            <a:r>
-              <a:rPr lang="fr-FR" b="1" dirty="0"/>
-              <a:t>voir les modifications</a:t>
-            </a:r>
-            <a:r>
-              <a:rPr lang="fr-FR" dirty="0"/>
-              <a:t> et les </a:t>
-            </a:r>
-            <a:r>
-              <a:rPr lang="fr-FR" b="1" dirty="0"/>
-              <a:t>différentes branches</a:t>
-            </a:r>
-          </a:p>
-          <a:p>
-            <a:pPr lvl="1"/>
-            <a:r>
-              <a:rPr lang="fr-FR" dirty="0"/>
-              <a:t>Possibilité de </a:t>
-            </a:r>
-            <a:r>
-              <a:rPr lang="fr-FR" b="1" dirty="0"/>
-              <a:t>restaurer des versions précédentes</a:t>
-            </a:r>
-          </a:p>
-        </p:txBody>
-      </p:sp>
       <p:pic>
         <p:nvPicPr>
-          <p:cNvPr id="33" name="Image 32">
-            <a:extLst>
-              <a:ext uri="{FF2B5EF4-FFF2-40B4-BE49-F238E27FC236}">
-                <a16:creationId xmlns:a16="http://schemas.microsoft.com/office/drawing/2014/main" id="{77266AD5-CBA5-2F83-7102-02B8D55152B7}"/>
+          <p:cNvPr id="1026" name="Picture 2">
+            <a:extLst>
+              <a:ext uri="{FF2B5EF4-FFF2-40B4-BE49-F238E27FC236}">
+                <a16:creationId xmlns:a16="http://schemas.microsoft.com/office/drawing/2014/main" id="{EEC3CC6F-ADB4-888A-B18B-7044585F0661}"/>
+              </a:ext>
+            </a:extLst>
+          </p:cNvPr>
+          <p:cNvPicPr>
+            <a:picLocks noChangeAspect="1" noChangeArrowheads="1"/>
+          </p:cNvPicPr>
+          <p:nvPr/>
+        </p:nvPicPr>
+        <p:blipFill>
+          <a:blip r:embed="rId3">
+            <a:extLst>
+              <a:ext uri="{28A0092B-C50C-407E-A947-70E740481C1C}">
+                <a14:useLocalDpi xmlns:a14="http://schemas.microsoft.com/office/drawing/2010/main" val="0"/>
+              </a:ext>
+            </a:extLst>
+          </a:blip>
+          <a:srcRect/>
+          <a:stretch>
+            <a:fillRect/>
+          </a:stretch>
+        </p:blipFill>
+        <p:spPr bwMode="auto">
+          <a:xfrm>
+            <a:off x="10552557" y="3042631"/>
+            <a:ext cx="1047750" cy="1219200"/>
+          </a:xfrm>
+          <a:prstGeom prst="rect">
+            <a:avLst/>
+          </a:prstGeom>
+          <a:noFill/>
+          <a:extLst>
+            <a:ext uri="{909E8E84-426E-40DD-AFC4-6F175D3DCCD1}">
+              <a14:hiddenFill xmlns:a14="http://schemas.microsoft.com/office/drawing/2010/main">
+                <a:solidFill>
+                  <a:srgbClr val="FFFFFF"/>
+                </a:solidFill>
+              </a14:hiddenFill>
+            </a:ext>
+          </a:extLst>
+        </p:spPr>
+      </p:pic>
+      <p:pic>
+        <p:nvPicPr>
+          <p:cNvPr id="4" name="Picture 8" descr="Résultat de recherche d'images pour &quot;spyder logo&quot;">
+            <a:extLst>
+              <a:ext uri="{FF2B5EF4-FFF2-40B4-BE49-F238E27FC236}">
+                <a16:creationId xmlns:a16="http://schemas.microsoft.com/office/drawing/2014/main" id="{7D86E94E-1CE4-F45E-69EA-100C66B3A897}"/>
+              </a:ext>
+            </a:extLst>
+          </p:cNvPr>
+          <p:cNvPicPr>
+            <a:picLocks noChangeAspect="1" noChangeArrowheads="1"/>
+          </p:cNvPicPr>
+          <p:nvPr/>
+        </p:nvPicPr>
+        <p:blipFill>
+          <a:blip r:embed="rId4">
+            <a:extLst>
+              <a:ext uri="{28A0092B-C50C-407E-A947-70E740481C1C}">
+                <a14:useLocalDpi xmlns:a14="http://schemas.microsoft.com/office/drawing/2010/main" val="0"/>
+              </a:ext>
+            </a:extLst>
+          </a:blip>
+          <a:srcRect/>
+          <a:stretch>
+            <a:fillRect/>
+          </a:stretch>
+        </p:blipFill>
+        <p:spPr bwMode="auto">
+          <a:xfrm>
+            <a:off x="10119668" y="4581003"/>
+            <a:ext cx="1913528" cy="956764"/>
+          </a:xfrm>
+          <a:prstGeom prst="rect">
+            <a:avLst/>
+          </a:prstGeom>
+          <a:noFill/>
+          <a:extLst>
+            <a:ext uri="{909E8E84-426E-40DD-AFC4-6F175D3DCCD1}">
+              <a14:hiddenFill xmlns:a14="http://schemas.microsoft.com/office/drawing/2010/main">
+                <a:solidFill>
+                  <a:srgbClr val="FFFFFF"/>
+                </a:solidFill>
+              </a14:hiddenFill>
+            </a:ext>
+          </a:extLst>
+        </p:spPr>
+      </p:pic>
+      <p:pic>
+        <p:nvPicPr>
+          <p:cNvPr id="7" name="Graphique 6" descr="Flèches de chevron avec un remplissage uni">
+            <a:extLst>
+              <a:ext uri="{FF2B5EF4-FFF2-40B4-BE49-F238E27FC236}">
+                <a16:creationId xmlns:a16="http://schemas.microsoft.com/office/drawing/2014/main" id="{80926F58-1C00-743C-5E30-C8AF32AD8C71}"/>
               </a:ext>
             </a:extLst>
           </p:cNvPr>
@@ -10153,25 +8989,72 @@
           <p:nvPr/>
         </p:nvPicPr>
         <p:blipFill>
-          <a:blip r:embed="rId3"/>
+          <a:blip r:embed="rId5">
+            <a:extLst>
+              <a:ext uri="{28A0092B-C50C-407E-A947-70E740481C1C}">
+                <a14:useLocalDpi xmlns:a14="http://schemas.microsoft.com/office/drawing/2010/main" val="0"/>
+              </a:ext>
+              <a:ext uri="{96DAC541-7B7A-43D3-8B79-37D633B846F1}">
+                <asvg:svgBlip xmlns:asvg="http://schemas.microsoft.com/office/drawing/2016/SVG/main" r:embed="rId6"/>
+              </a:ext>
+            </a:extLst>
+          </a:blip>
           <a:stretch>
             <a:fillRect/>
           </a:stretch>
         </p:blipFill>
         <p:spPr>
           <a:xfrm>
-            <a:off x="5731329" y="2315552"/>
-            <a:ext cx="6257749" cy="4019120"/>
+            <a:off x="7005291" y="437784"/>
+            <a:ext cx="1401288" cy="1401288"/>
           </a:xfrm>
           <a:prstGeom prst="rect">
             <a:avLst/>
           </a:prstGeom>
         </p:spPr>
       </p:pic>
+      <p:sp>
+        <p:nvSpPr>
+          <p:cNvPr id="6" name="ZoneTexte 5">
+            <a:extLst>
+              <a:ext uri="{FF2B5EF4-FFF2-40B4-BE49-F238E27FC236}">
+                <a16:creationId xmlns:a16="http://schemas.microsoft.com/office/drawing/2014/main" id="{53177DBA-E31C-6A08-5071-177B62FB5E96}"/>
+              </a:ext>
+            </a:extLst>
+          </p:cNvPr>
+          <p:cNvSpPr txBox="1"/>
+          <p:nvPr/>
+        </p:nvSpPr>
+        <p:spPr>
+          <a:xfrm>
+            <a:off x="8969659" y="1507987"/>
+            <a:ext cx="2435233" cy="369332"/>
+          </a:xfrm>
+          <a:prstGeom prst="rect">
+            <a:avLst/>
+          </a:prstGeom>
+          <a:solidFill>
+            <a:srgbClr val="00B050"/>
+          </a:solidFill>
+        </p:spPr>
+        <p:txBody>
+          <a:bodyPr wrap="square">
+            <a:spAutoFit/>
+          </a:bodyPr>
+          <a:lstStyle/>
+          <a:p>
+            <a:pPr algn="ctr"/>
+            <a:r>
+              <a:rPr lang="fr-FR" b="1" i="1" dirty="0"/>
+              <a:t>S’ENTRAINER</a:t>
+            </a:r>
+          </a:p>
+        </p:txBody>
+      </p:sp>
     </p:spTree>
     <p:extLst>
       <p:ext uri="{BB962C8B-B14F-4D97-AF65-F5344CB8AC3E}">
-        <p14:creationId xmlns:p14="http://schemas.microsoft.com/office/powerpoint/2010/main" val="3998973347"/>
+        <p14:creationId xmlns:p14="http://schemas.microsoft.com/office/powerpoint/2010/main" val="1124339619"/>
       </p:ext>
     </p:extLst>
   </p:cSld>
@@ -10198,6 +9081,111 @@
           <a:chExt cx="0" cy="0"/>
         </a:xfrm>
       </p:grpSpPr>
+      <p:sp>
+        <p:nvSpPr>
+          <p:cNvPr id="3" name="Espace réservé du contenu 2">
+            <a:extLst>
+              <a:ext uri="{FF2B5EF4-FFF2-40B4-BE49-F238E27FC236}">
+                <a16:creationId xmlns:a16="http://schemas.microsoft.com/office/drawing/2014/main" id="{E0BBB9DE-019C-C741-F224-494739D4B752}"/>
+              </a:ext>
+            </a:extLst>
+          </p:cNvPr>
+          <p:cNvSpPr>
+            <a:spLocks noGrp="1"/>
+          </p:cNvSpPr>
+          <p:nvPr>
+            <p:ph sz="half" idx="1"/>
+          </p:nvPr>
+        </p:nvSpPr>
+        <p:spPr>
+          <a:xfrm>
+            <a:off x="1115568" y="2478024"/>
+            <a:ext cx="10168128" cy="3694176"/>
+          </a:xfrm>
+        </p:spPr>
+        <p:txBody>
+          <a:bodyPr>
+            <a:normAutofit/>
+          </a:bodyPr>
+          <a:lstStyle/>
+          <a:p>
+            <a:r>
+              <a:rPr lang="fr-FR" b="1" dirty="0"/>
+              <a:t>Travail pour approfondir les notions / Valider ses acquis</a:t>
+            </a:r>
+          </a:p>
+          <a:p>
+            <a:pPr lvl="1"/>
+            <a:r>
+              <a:rPr lang="fr-FR" dirty="0"/>
+              <a:t>Résultats que vous pouvez soumettre par mail</a:t>
+            </a:r>
+          </a:p>
+          <a:p>
+            <a:pPr lvl="2"/>
+            <a:r>
+              <a:rPr lang="fr-FR" dirty="0"/>
+              <a:t>Bonnes pratiques en programmation : </a:t>
+            </a:r>
+          </a:p>
+          <a:p>
+            <a:pPr lvl="3"/>
+            <a:r>
+              <a:rPr lang="fr-FR" dirty="0"/>
+              <a:t>Code propre / documenté</a:t>
+            </a:r>
+          </a:p>
+          <a:p>
+            <a:pPr lvl="3"/>
+            <a:r>
+              <a:rPr lang="fr-FR" dirty="0"/>
+              <a:t>Utilisation de fonctions</a:t>
+            </a:r>
+          </a:p>
+          <a:p>
+            <a:pPr lvl="2"/>
+            <a:r>
+              <a:rPr lang="fr-FR" dirty="0"/>
+              <a:t>Présentation des résultats</a:t>
+            </a:r>
+          </a:p>
+          <a:p>
+            <a:pPr lvl="2"/>
+            <a:r>
+              <a:rPr lang="fr-FR" dirty="0"/>
+              <a:t>Analyse et critiques des résultats (aspect physique/mathématique)</a:t>
+            </a:r>
+          </a:p>
+        </p:txBody>
+      </p:sp>
+      <p:sp>
+        <p:nvSpPr>
+          <p:cNvPr id="2" name="Titre 1">
+            <a:extLst>
+              <a:ext uri="{FF2B5EF4-FFF2-40B4-BE49-F238E27FC236}">
+                <a16:creationId xmlns:a16="http://schemas.microsoft.com/office/drawing/2014/main" id="{90162AE8-C1B0-5C56-8313-DEE494F38273}"/>
+              </a:ext>
+            </a:extLst>
+          </p:cNvPr>
+          <p:cNvSpPr>
+            <a:spLocks noGrp="1"/>
+          </p:cNvSpPr>
+          <p:nvPr>
+            <p:ph type="title"/>
+          </p:nvPr>
+        </p:nvSpPr>
+        <p:spPr/>
+        <p:txBody>
+          <a:bodyPr/>
+          <a:lstStyle/>
+          <a:p>
+            <a:r>
+              <a:rPr lang="fr-FR" dirty="0"/>
+              <a:t>Approfondissement</a:t>
+            </a:r>
+          </a:p>
+        </p:txBody>
+      </p:sp>
       <p:pic>
         <p:nvPicPr>
           <p:cNvPr id="5" name="Image 4" descr="Une image contenant texte&#10;&#10;Description générée automatiquement">
@@ -10234,115 +9222,12 @@
           </a:prstGeom>
         </p:spPr>
       </p:pic>
-      <p:sp>
-        <p:nvSpPr>
-          <p:cNvPr id="26" name="Titre 1">
-            <a:extLst>
-              <a:ext uri="{FF2B5EF4-FFF2-40B4-BE49-F238E27FC236}">
-                <a16:creationId xmlns:a16="http://schemas.microsoft.com/office/drawing/2014/main" id="{BD093421-EE09-F10B-37F3-687B7407A1C7}"/>
-              </a:ext>
-            </a:extLst>
-          </p:cNvPr>
-          <p:cNvSpPr>
-            <a:spLocks noGrp="1"/>
-          </p:cNvSpPr>
-          <p:nvPr>
-            <p:ph type="title"/>
-          </p:nvPr>
-        </p:nvSpPr>
-        <p:spPr>
-          <a:xfrm>
-            <a:off x="1115568" y="548640"/>
-            <a:ext cx="10168128" cy="1179576"/>
-          </a:xfrm>
-        </p:spPr>
-        <p:txBody>
-          <a:bodyPr/>
-          <a:lstStyle/>
-          <a:p>
-            <a:r>
-              <a:rPr lang="fr-FR" dirty="0"/>
-              <a:t>GitHub </a:t>
-            </a:r>
-            <a:r>
-              <a:rPr lang="fr-FR" dirty="0" err="1"/>
-              <a:t>DeskTop</a:t>
-            </a:r>
-            <a:endParaRPr lang="fr-FR" dirty="0"/>
-          </a:p>
-        </p:txBody>
-      </p:sp>
-      <p:sp>
-        <p:nvSpPr>
-          <p:cNvPr id="2" name="Espace réservé du contenu 2">
-            <a:extLst>
-              <a:ext uri="{FF2B5EF4-FFF2-40B4-BE49-F238E27FC236}">
-                <a16:creationId xmlns:a16="http://schemas.microsoft.com/office/drawing/2014/main" id="{823A37EA-7548-ECD5-F1BF-6B6F339FD79B}"/>
-              </a:ext>
-            </a:extLst>
-          </p:cNvPr>
-          <p:cNvSpPr>
-            <a:spLocks noGrp="1"/>
-          </p:cNvSpPr>
-          <p:nvPr>
-            <p:ph sz="half" idx="1"/>
-          </p:nvPr>
-        </p:nvSpPr>
-        <p:spPr>
-          <a:xfrm>
-            <a:off x="1115568" y="2478024"/>
-            <a:ext cx="4419818" cy="3694176"/>
-          </a:xfrm>
-        </p:spPr>
-        <p:txBody>
-          <a:bodyPr>
-            <a:normAutofit/>
-          </a:bodyPr>
-          <a:lstStyle/>
-          <a:p>
-            <a:r>
-              <a:rPr lang="fr-FR" dirty="0"/>
-              <a:t>Gestionnaire graphique</a:t>
-            </a:r>
-          </a:p>
-          <a:p>
-            <a:pPr lvl="1"/>
-            <a:r>
-              <a:rPr lang="fr-FR" dirty="0"/>
-              <a:t>Affichage des </a:t>
-            </a:r>
-            <a:r>
-              <a:rPr lang="fr-FR" b="1" dirty="0"/>
-              <a:t>fichiers modifiés</a:t>
-            </a:r>
-          </a:p>
-          <a:p>
-            <a:pPr lvl="1"/>
-            <a:r>
-              <a:rPr lang="fr-FR" dirty="0"/>
-              <a:t>Possibilité de faire toutes les </a:t>
-            </a:r>
-            <a:r>
-              <a:rPr lang="fr-FR" b="1" dirty="0"/>
-              <a:t>actions git </a:t>
-            </a:r>
-            <a:r>
-              <a:rPr lang="fr-FR" dirty="0"/>
-              <a:t>(commit, pull, push…) </a:t>
-            </a:r>
-            <a:r>
-              <a:rPr lang="fr-FR" b="1" dirty="0"/>
-              <a:t>graphiquement</a:t>
-            </a:r>
-          </a:p>
-        </p:txBody>
-      </p:sp>
       <p:pic>
         <p:nvPicPr>
-          <p:cNvPr id="2050" name="Picture 2" descr="Screenshot of GitHub Desktop running on Windows">
-            <a:extLst>
-              <a:ext uri="{FF2B5EF4-FFF2-40B4-BE49-F238E27FC236}">
-                <a16:creationId xmlns:a16="http://schemas.microsoft.com/office/drawing/2014/main" id="{9C89134C-9F2F-179B-5BAA-D7CB780D184C}"/>
+          <p:cNvPr id="1026" name="Picture 2">
+            <a:extLst>
+              <a:ext uri="{FF2B5EF4-FFF2-40B4-BE49-F238E27FC236}">
+                <a16:creationId xmlns:a16="http://schemas.microsoft.com/office/drawing/2014/main" id="{EEC3CC6F-ADB4-888A-B18B-7044585F0661}"/>
               </a:ext>
             </a:extLst>
           </p:cNvPr>
@@ -10366,8 +9251,8 @@
         </p:blipFill>
         <p:spPr bwMode="auto">
           <a:xfrm>
-            <a:off x="5575029" y="2265753"/>
-            <a:ext cx="6427297" cy="4418511"/>
+            <a:off x="10552557" y="3042631"/>
+            <a:ext cx="1047750" cy="1219200"/>
           </a:xfrm>
           <a:prstGeom prst="rect">
             <a:avLst/>
@@ -10384,10 +9269,138 @@
           </a:extLst>
         </p:spPr>
       </p:pic>
+      <p:pic>
+        <p:nvPicPr>
+          <p:cNvPr id="4" name="Picture 8" descr="Résultat de recherche d'images pour &quot;spyder logo&quot;">
+            <a:extLst>
+              <a:ext uri="{FF2B5EF4-FFF2-40B4-BE49-F238E27FC236}">
+                <a16:creationId xmlns:a16="http://schemas.microsoft.com/office/drawing/2014/main" id="{7D86E94E-1CE4-F45E-69EA-100C66B3A897}"/>
+              </a:ext>
+            </a:extLst>
+          </p:cNvPr>
+          <p:cNvPicPr>
+            <a:picLocks noChangeAspect="1" noChangeArrowheads="1"/>
+          </p:cNvPicPr>
+          <p:nvPr/>
+        </p:nvPicPr>
+        <p:blipFill>
+          <a:blip r:embed="rId4">
+            <a:extLst>
+              <a:ext uri="{28A0092B-C50C-407E-A947-70E740481C1C}">
+                <a14:useLocalDpi xmlns:a14="http://schemas.microsoft.com/office/drawing/2010/main" val="0"/>
+              </a:ext>
+            </a:extLst>
+          </a:blip>
+          <a:srcRect/>
+          <a:stretch>
+            <a:fillRect/>
+          </a:stretch>
+        </p:blipFill>
+        <p:spPr bwMode="auto">
+          <a:xfrm>
+            <a:off x="10119668" y="4581003"/>
+            <a:ext cx="1913528" cy="956764"/>
+          </a:xfrm>
+          <a:prstGeom prst="rect">
+            <a:avLst/>
+          </a:prstGeom>
+          <a:noFill/>
+          <a:extLst>
+            <a:ext uri="{909E8E84-426E-40DD-AFC4-6F175D3DCCD1}">
+              <a14:hiddenFill xmlns:a14="http://schemas.microsoft.com/office/drawing/2010/main">
+                <a:solidFill>
+                  <a:srgbClr val="FFFFFF"/>
+                </a:solidFill>
+              </a14:hiddenFill>
+            </a:ext>
+          </a:extLst>
+        </p:spPr>
+      </p:pic>
+      <p:pic>
+        <p:nvPicPr>
+          <p:cNvPr id="7" name="Graphique 6" descr="Flèches de chevron avec un remplissage uni">
+            <a:extLst>
+              <a:ext uri="{FF2B5EF4-FFF2-40B4-BE49-F238E27FC236}">
+                <a16:creationId xmlns:a16="http://schemas.microsoft.com/office/drawing/2014/main" id="{80926F58-1C00-743C-5E30-C8AF32AD8C71}"/>
+              </a:ext>
+            </a:extLst>
+          </p:cNvPr>
+          <p:cNvPicPr>
+            <a:picLocks noChangeAspect="1"/>
+          </p:cNvPicPr>
+          <p:nvPr/>
+        </p:nvPicPr>
+        <p:blipFill>
+          <a:blip r:embed="rId5">
+            <a:extLst>
+              <a:ext uri="{28A0092B-C50C-407E-A947-70E740481C1C}">
+                <a14:useLocalDpi xmlns:a14="http://schemas.microsoft.com/office/drawing/2010/main" val="0"/>
+              </a:ext>
+              <a:ext uri="{96DAC541-7B7A-43D3-8B79-37D633B846F1}">
+                <asvg:svgBlip xmlns:asvg="http://schemas.microsoft.com/office/drawing/2016/SVG/main" r:embed="rId6"/>
+              </a:ext>
+            </a:extLst>
+          </a:blip>
+          <a:stretch>
+            <a:fillRect/>
+          </a:stretch>
+        </p:blipFill>
+        <p:spPr>
+          <a:xfrm>
+            <a:off x="7005291" y="437784"/>
+            <a:ext cx="1401288" cy="1401288"/>
+          </a:xfrm>
+          <a:prstGeom prst="rect">
+            <a:avLst/>
+          </a:prstGeom>
+        </p:spPr>
+      </p:pic>
+      <p:sp>
+        <p:nvSpPr>
+          <p:cNvPr id="6" name="ZoneTexte 5">
+            <a:extLst>
+              <a:ext uri="{FF2B5EF4-FFF2-40B4-BE49-F238E27FC236}">
+                <a16:creationId xmlns:a16="http://schemas.microsoft.com/office/drawing/2014/main" id="{53177DBA-E31C-6A08-5071-177B62FB5E96}"/>
+              </a:ext>
+            </a:extLst>
+          </p:cNvPr>
+          <p:cNvSpPr txBox="1"/>
+          <p:nvPr/>
+        </p:nvSpPr>
+        <p:spPr>
+          <a:xfrm>
+            <a:off x="8969659" y="1507987"/>
+            <a:ext cx="2435233" cy="369332"/>
+          </a:xfrm>
+          <a:prstGeom prst="rect">
+            <a:avLst/>
+          </a:prstGeom>
+          <a:solidFill>
+            <a:srgbClr val="7030A0"/>
+          </a:solidFill>
+        </p:spPr>
+        <p:txBody>
+          <a:bodyPr wrap="square">
+            <a:spAutoFit/>
+          </a:bodyPr>
+          <a:lstStyle/>
+          <a:p>
+            <a:pPr algn="ctr"/>
+            <a:r>
+              <a:rPr lang="fr-FR" b="1" i="1" dirty="0">
+                <a:solidFill>
+                  <a:schemeClr val="bg1"/>
+                </a:solidFill>
+              </a:rPr>
+              <a:t>ALLER PLUS LOIN</a:t>
+            </a:r>
+          </a:p>
+        </p:txBody>
+      </p:sp>
     </p:spTree>
     <p:extLst>
       <p:ext uri="{BB962C8B-B14F-4D97-AF65-F5344CB8AC3E}">
-        <p14:creationId xmlns:p14="http://schemas.microsoft.com/office/powerpoint/2010/main" val="493010877"/>
+        <p14:creationId xmlns:p14="http://schemas.microsoft.com/office/powerpoint/2010/main" val="2954999839"/>
       </p:ext>
     </p:extLst>
   </p:cSld>
@@ -10610,932 +9623,6 @@
 </file>
 
 <file path=ppt/slides/slide20.xml><?xml version="1.0" encoding="utf-8"?>
-<p:sld xmlns:a="http://schemas.openxmlformats.org/drawingml/2006/main" xmlns:r="http://schemas.openxmlformats.org/officeDocument/2006/relationships" xmlns:p="http://schemas.openxmlformats.org/presentationml/2006/main">
-  <p:cSld>
-    <p:spTree>
-      <p:nvGrpSpPr>
-        <p:cNvPr id="1" name=""/>
-        <p:cNvGrpSpPr/>
-        <p:nvPr/>
-      </p:nvGrpSpPr>
-      <p:grpSpPr>
-        <a:xfrm>
-          <a:off x="0" y="0"/>
-          <a:ext cx="0" cy="0"/>
-          <a:chOff x="0" y="0"/>
-          <a:chExt cx="0" cy="0"/>
-        </a:xfrm>
-      </p:grpSpPr>
-      <p:sp>
-        <p:nvSpPr>
-          <p:cNvPr id="28" name="Organigramme : Procédé prédéfini 27">
-            <a:extLst>
-              <a:ext uri="{FF2B5EF4-FFF2-40B4-BE49-F238E27FC236}">
-                <a16:creationId xmlns:a16="http://schemas.microsoft.com/office/drawing/2014/main" id="{7C8E1384-DB21-CA9B-7694-4DB8D98AC8FF}"/>
-              </a:ext>
-            </a:extLst>
-          </p:cNvPr>
-          <p:cNvSpPr/>
-          <p:nvPr/>
-        </p:nvSpPr>
-        <p:spPr>
-          <a:xfrm>
-            <a:off x="580102" y="2238984"/>
-            <a:ext cx="5987845" cy="3178589"/>
-          </a:xfrm>
-          <a:prstGeom prst="flowChartPredefinedProcess">
-            <a:avLst/>
-          </a:prstGeom>
-        </p:spPr>
-        <p:style>
-          <a:lnRef idx="2">
-            <a:schemeClr val="accent1">
-              <a:shade val="50000"/>
-            </a:schemeClr>
-          </a:lnRef>
-          <a:fillRef idx="1">
-            <a:schemeClr val="accent1"/>
-          </a:fillRef>
-          <a:effectRef idx="0">
-            <a:schemeClr val="accent1"/>
-          </a:effectRef>
-          <a:fontRef idx="minor">
-            <a:schemeClr val="lt1"/>
-          </a:fontRef>
-        </p:style>
-        <p:txBody>
-          <a:bodyPr rtlCol="0" anchor="ctr"/>
-          <a:lstStyle/>
-          <a:p>
-            <a:pPr algn="ctr"/>
-            <a:endParaRPr lang="fr-FR" dirty="0"/>
-          </a:p>
-        </p:txBody>
-      </p:sp>
-      <p:sp>
-        <p:nvSpPr>
-          <p:cNvPr id="2" name="Titre 1">
-            <a:extLst>
-              <a:ext uri="{FF2B5EF4-FFF2-40B4-BE49-F238E27FC236}">
-                <a16:creationId xmlns:a16="http://schemas.microsoft.com/office/drawing/2014/main" id="{90162AE8-C1B0-5C56-8313-DEE494F38273}"/>
-              </a:ext>
-            </a:extLst>
-          </p:cNvPr>
-          <p:cNvSpPr>
-            <a:spLocks noGrp="1"/>
-          </p:cNvSpPr>
-          <p:nvPr>
-            <p:ph type="title"/>
-          </p:nvPr>
-        </p:nvSpPr>
-        <p:spPr/>
-        <p:txBody>
-          <a:bodyPr/>
-          <a:lstStyle/>
-          <a:p>
-            <a:r>
-              <a:rPr lang="fr-FR" dirty="0"/>
-              <a:t>GitHub / Dépôts de </a:t>
-            </a:r>
-            <a:r>
-              <a:rPr lang="fr-FR" dirty="0" err="1"/>
-              <a:t>SupOp</a:t>
-            </a:r>
-            <a:endParaRPr lang="fr-FR" dirty="0"/>
-          </a:p>
-        </p:txBody>
-      </p:sp>
-      <p:pic>
-        <p:nvPicPr>
-          <p:cNvPr id="5" name="Image 4" descr="Une image contenant texte&#10;&#10;Description générée automatiquement">
-            <a:extLst>
-              <a:ext uri="{FF2B5EF4-FFF2-40B4-BE49-F238E27FC236}">
-                <a16:creationId xmlns:a16="http://schemas.microsoft.com/office/drawing/2014/main" id="{204ADC40-1D61-539F-22ED-6B21D67FBDE6}"/>
-              </a:ext>
-            </a:extLst>
-          </p:cNvPr>
-          <p:cNvPicPr>
-            <a:picLocks noChangeAspect="1"/>
-          </p:cNvPicPr>
-          <p:nvPr/>
-        </p:nvPicPr>
-        <p:blipFill>
-          <a:blip r:embed="rId2">
-            <a:extLst>
-              <a:ext uri="{28A0092B-C50C-407E-A947-70E740481C1C}">
-                <a14:useLocalDpi xmlns:a14="http://schemas.microsoft.com/office/drawing/2010/main" val="0"/>
-              </a:ext>
-            </a:extLst>
-          </a:blip>
-          <a:stretch>
-            <a:fillRect/>
-          </a:stretch>
-        </p:blipFill>
-        <p:spPr>
-          <a:xfrm>
-            <a:off x="202922" y="5934456"/>
-            <a:ext cx="1825291" cy="749808"/>
-          </a:xfrm>
-          <a:prstGeom prst="rect">
-            <a:avLst/>
-          </a:prstGeom>
-        </p:spPr>
-      </p:pic>
-      <p:pic>
-        <p:nvPicPr>
-          <p:cNvPr id="2050" name="Picture 2" descr="Résultat de recherche d'images pour &quot;github logo&quot;">
-            <a:extLst>
-              <a:ext uri="{FF2B5EF4-FFF2-40B4-BE49-F238E27FC236}">
-                <a16:creationId xmlns:a16="http://schemas.microsoft.com/office/drawing/2014/main" id="{EF17F59B-3DC2-541B-6AF7-484C8DC259FE}"/>
-              </a:ext>
-            </a:extLst>
-          </p:cNvPr>
-          <p:cNvPicPr>
-            <a:picLocks noChangeAspect="1" noChangeArrowheads="1"/>
-          </p:cNvPicPr>
-          <p:nvPr/>
-        </p:nvPicPr>
-        <p:blipFill>
-          <a:blip r:embed="rId3">
-            <a:extLst>
-              <a:ext uri="{28A0092B-C50C-407E-A947-70E740481C1C}">
-                <a14:useLocalDpi xmlns:a14="http://schemas.microsoft.com/office/drawing/2010/main" val="0"/>
-              </a:ext>
-            </a:extLst>
-          </a:blip>
-          <a:srcRect/>
-          <a:stretch>
-            <a:fillRect/>
-          </a:stretch>
-        </p:blipFill>
-        <p:spPr bwMode="auto">
-          <a:xfrm>
-            <a:off x="9076379" y="461391"/>
-            <a:ext cx="2276475" cy="1266825"/>
-          </a:xfrm>
-          <a:prstGeom prst="rect">
-            <a:avLst/>
-          </a:prstGeom>
-          <a:noFill/>
-          <a:extLst>
-            <a:ext uri="{909E8E84-426E-40DD-AFC4-6F175D3DCCD1}">
-              <a14:hiddenFill xmlns:a14="http://schemas.microsoft.com/office/drawing/2010/main">
-                <a:solidFill>
-                  <a:srgbClr val="FFFFFF"/>
-                </a:solidFill>
-              </a14:hiddenFill>
-            </a:ext>
-          </a:extLst>
-        </p:spPr>
-      </p:pic>
-      <p:sp>
-        <p:nvSpPr>
-          <p:cNvPr id="26" name="ZoneTexte 25">
-            <a:extLst>
-              <a:ext uri="{FF2B5EF4-FFF2-40B4-BE49-F238E27FC236}">
-                <a16:creationId xmlns:a16="http://schemas.microsoft.com/office/drawing/2014/main" id="{F08C0E92-34E3-2C36-4A6A-83BF6D640F89}"/>
-              </a:ext>
-            </a:extLst>
-          </p:cNvPr>
-          <p:cNvSpPr txBox="1"/>
-          <p:nvPr/>
-        </p:nvSpPr>
-        <p:spPr>
-          <a:xfrm>
-            <a:off x="1238864" y="2264443"/>
-            <a:ext cx="4857136" cy="369332"/>
-          </a:xfrm>
-          <a:prstGeom prst="rect">
-            <a:avLst/>
-          </a:prstGeom>
-          <a:noFill/>
-        </p:spPr>
-        <p:txBody>
-          <a:bodyPr wrap="square">
-            <a:spAutoFit/>
-          </a:bodyPr>
-          <a:lstStyle/>
-          <a:p>
-            <a:r>
-              <a:rPr lang="fr-FR" b="1" dirty="0">
-                <a:solidFill>
-                  <a:schemeClr val="bg1"/>
-                </a:solidFill>
-              </a:rPr>
-              <a:t>github.com/orgs/IOGS-Digital-Methods/</a:t>
-            </a:r>
-          </a:p>
-        </p:txBody>
-      </p:sp>
-      <p:sp>
-        <p:nvSpPr>
-          <p:cNvPr id="33" name="Organigramme : Multidocument 32">
-            <a:extLst>
-              <a:ext uri="{FF2B5EF4-FFF2-40B4-BE49-F238E27FC236}">
-                <a16:creationId xmlns:a16="http://schemas.microsoft.com/office/drawing/2014/main" id="{C06DF6EC-93DC-3317-BB3F-7C922B719ADD}"/>
-              </a:ext>
-            </a:extLst>
-          </p:cNvPr>
-          <p:cNvSpPr/>
-          <p:nvPr/>
-        </p:nvSpPr>
-        <p:spPr>
-          <a:xfrm>
-            <a:off x="825910" y="2679192"/>
-            <a:ext cx="2753031" cy="749808"/>
-          </a:xfrm>
-          <a:prstGeom prst="flowChartMultidocument">
-            <a:avLst/>
-          </a:prstGeom>
-          <a:solidFill>
-            <a:schemeClr val="accent5">
-              <a:lumMod val="40000"/>
-              <a:lumOff val="60000"/>
-            </a:schemeClr>
-          </a:solidFill>
-        </p:spPr>
-        <p:style>
-          <a:lnRef idx="2">
-            <a:schemeClr val="accent1">
-              <a:shade val="50000"/>
-            </a:schemeClr>
-          </a:lnRef>
-          <a:fillRef idx="1">
-            <a:schemeClr val="accent1"/>
-          </a:fillRef>
-          <a:effectRef idx="0">
-            <a:schemeClr val="accent1"/>
-          </a:effectRef>
-          <a:fontRef idx="minor">
-            <a:schemeClr val="lt1"/>
-          </a:fontRef>
-        </p:style>
-        <p:txBody>
-          <a:bodyPr rtlCol="0" anchor="ctr"/>
-          <a:lstStyle/>
-          <a:p>
-            <a:pPr algn="ctr"/>
-            <a:r>
-              <a:rPr lang="fr-FR" sz="1600" b="1" dirty="0" err="1">
-                <a:solidFill>
-                  <a:schemeClr val="tx1"/>
-                </a:solidFill>
-              </a:rPr>
-              <a:t>SupOpNumTools</a:t>
-            </a:r>
-            <a:endParaRPr lang="fr-FR" sz="1600" b="1" dirty="0">
-              <a:solidFill>
-                <a:schemeClr val="tx1"/>
-              </a:solidFill>
-            </a:endParaRPr>
-          </a:p>
-        </p:txBody>
-      </p:sp>
-      <p:sp>
-        <p:nvSpPr>
-          <p:cNvPr id="37" name="ZoneTexte 36">
-            <a:extLst>
-              <a:ext uri="{FF2B5EF4-FFF2-40B4-BE49-F238E27FC236}">
-                <a16:creationId xmlns:a16="http://schemas.microsoft.com/office/drawing/2014/main" id="{FEA998A8-8F4C-DEB5-AB8F-3A1BFF987EF1}"/>
-              </a:ext>
-            </a:extLst>
-          </p:cNvPr>
-          <p:cNvSpPr txBox="1"/>
-          <p:nvPr/>
-        </p:nvSpPr>
-        <p:spPr>
-          <a:xfrm>
-            <a:off x="3637934" y="2669212"/>
-            <a:ext cx="2241756" cy="738664"/>
-          </a:xfrm>
-          <a:prstGeom prst="rect">
-            <a:avLst/>
-          </a:prstGeom>
-          <a:noFill/>
-        </p:spPr>
-        <p:txBody>
-          <a:bodyPr wrap="square">
-            <a:spAutoFit/>
-          </a:bodyPr>
-          <a:lstStyle/>
-          <a:p>
-            <a:r>
-              <a:rPr lang="fr-FR" sz="1400" dirty="0">
-                <a:solidFill>
-                  <a:schemeClr val="bg1"/>
-                </a:solidFill>
-              </a:rPr>
-              <a:t>Package Python</a:t>
-            </a:r>
-            <a:br>
-              <a:rPr lang="fr-FR" sz="1400" dirty="0">
-                <a:solidFill>
-                  <a:schemeClr val="bg1"/>
-                </a:solidFill>
-              </a:rPr>
-            </a:br>
-            <a:r>
-              <a:rPr lang="fr-FR" sz="1400" dirty="0">
-                <a:solidFill>
-                  <a:schemeClr val="bg1"/>
-                </a:solidFill>
-              </a:rPr>
-              <a:t>Exemples</a:t>
-            </a:r>
-          </a:p>
-          <a:p>
-            <a:r>
-              <a:rPr lang="fr-FR" sz="1400" i="1" dirty="0">
-                <a:solidFill>
-                  <a:schemeClr val="bg1"/>
-                </a:solidFill>
-              </a:rPr>
-              <a:t>Python</a:t>
-            </a:r>
-          </a:p>
-        </p:txBody>
-      </p:sp>
-      <p:sp>
-        <p:nvSpPr>
-          <p:cNvPr id="38" name="Organigramme : Multidocument 37">
-            <a:extLst>
-              <a:ext uri="{FF2B5EF4-FFF2-40B4-BE49-F238E27FC236}">
-                <a16:creationId xmlns:a16="http://schemas.microsoft.com/office/drawing/2014/main" id="{F97A46F0-1D38-4DA8-754A-364645430D76}"/>
-              </a:ext>
-            </a:extLst>
-          </p:cNvPr>
-          <p:cNvSpPr/>
-          <p:nvPr/>
-        </p:nvSpPr>
-        <p:spPr>
-          <a:xfrm>
-            <a:off x="801331" y="3609569"/>
-            <a:ext cx="2753031" cy="749808"/>
-          </a:xfrm>
-          <a:prstGeom prst="flowChartMultidocument">
-            <a:avLst/>
-          </a:prstGeom>
-          <a:solidFill>
-            <a:schemeClr val="accent5">
-              <a:lumMod val="40000"/>
-              <a:lumOff val="60000"/>
-            </a:schemeClr>
-          </a:solidFill>
-        </p:spPr>
-        <p:style>
-          <a:lnRef idx="2">
-            <a:schemeClr val="accent1">
-              <a:shade val="50000"/>
-            </a:schemeClr>
-          </a:lnRef>
-          <a:fillRef idx="1">
-            <a:schemeClr val="accent1"/>
-          </a:fillRef>
-          <a:effectRef idx="0">
-            <a:schemeClr val="accent1"/>
-          </a:effectRef>
-          <a:fontRef idx="minor">
-            <a:schemeClr val="lt1"/>
-          </a:fontRef>
-        </p:style>
-        <p:txBody>
-          <a:bodyPr rtlCol="0" anchor="ctr"/>
-          <a:lstStyle/>
-          <a:p>
-            <a:pPr algn="ctr"/>
-            <a:r>
-              <a:rPr lang="fr-FR" sz="1600" b="1" dirty="0" err="1">
-                <a:solidFill>
-                  <a:schemeClr val="tx1"/>
-                </a:solidFill>
-              </a:rPr>
-              <a:t>Engineer</a:t>
-            </a:r>
-            <a:r>
-              <a:rPr lang="fr-FR" sz="1600" b="1" dirty="0">
-                <a:solidFill>
-                  <a:schemeClr val="tx1"/>
-                </a:solidFill>
-              </a:rPr>
-              <a:t> courses</a:t>
-            </a:r>
-          </a:p>
-        </p:txBody>
-      </p:sp>
-      <p:sp>
-        <p:nvSpPr>
-          <p:cNvPr id="39" name="ZoneTexte 38">
-            <a:extLst>
-              <a:ext uri="{FF2B5EF4-FFF2-40B4-BE49-F238E27FC236}">
-                <a16:creationId xmlns:a16="http://schemas.microsoft.com/office/drawing/2014/main" id="{3587397D-3581-92C8-8BB3-9B22ABDD174C}"/>
-              </a:ext>
-            </a:extLst>
-          </p:cNvPr>
-          <p:cNvSpPr txBox="1"/>
-          <p:nvPr/>
-        </p:nvSpPr>
-        <p:spPr>
-          <a:xfrm>
-            <a:off x="3667432" y="3620713"/>
-            <a:ext cx="2428568" cy="954107"/>
-          </a:xfrm>
-          <a:prstGeom prst="rect">
-            <a:avLst/>
-          </a:prstGeom>
-          <a:noFill/>
-        </p:spPr>
-        <p:txBody>
-          <a:bodyPr wrap="square">
-            <a:spAutoFit/>
-          </a:bodyPr>
-          <a:lstStyle/>
-          <a:p>
-            <a:r>
-              <a:rPr lang="fr-FR" sz="1400" dirty="0">
-                <a:solidFill>
-                  <a:schemeClr val="bg1"/>
-                </a:solidFill>
-              </a:rPr>
-              <a:t>Ressources / Cours</a:t>
-            </a:r>
-            <a:br>
-              <a:rPr lang="fr-FR" sz="1400" dirty="0">
-                <a:solidFill>
-                  <a:schemeClr val="bg1"/>
-                </a:solidFill>
-              </a:rPr>
-            </a:br>
-            <a:r>
-              <a:rPr lang="fr-FR" sz="1400" dirty="0">
-                <a:solidFill>
-                  <a:schemeClr val="bg1"/>
-                </a:solidFill>
-              </a:rPr>
-              <a:t>Exemples</a:t>
-            </a:r>
-          </a:p>
-          <a:p>
-            <a:r>
-              <a:rPr lang="fr-FR" sz="1400" i="1" dirty="0">
-                <a:solidFill>
-                  <a:schemeClr val="bg1"/>
-                </a:solidFill>
-              </a:rPr>
-              <a:t>Outils Numériques</a:t>
-            </a:r>
-          </a:p>
-          <a:p>
-            <a:r>
-              <a:rPr lang="fr-FR" sz="1400" i="1" dirty="0">
-                <a:solidFill>
-                  <a:schemeClr val="bg1"/>
-                </a:solidFill>
-              </a:rPr>
-              <a:t>	Classé par semestre</a:t>
-            </a:r>
-          </a:p>
-        </p:txBody>
-      </p:sp>
-      <p:sp>
-        <p:nvSpPr>
-          <p:cNvPr id="40" name="Organigramme : Multidocument 39">
-            <a:extLst>
-              <a:ext uri="{FF2B5EF4-FFF2-40B4-BE49-F238E27FC236}">
-                <a16:creationId xmlns:a16="http://schemas.microsoft.com/office/drawing/2014/main" id="{0C4D0EC6-35DD-6AF1-055F-1163CB7AD350}"/>
-              </a:ext>
-            </a:extLst>
-          </p:cNvPr>
-          <p:cNvSpPr/>
-          <p:nvPr/>
-        </p:nvSpPr>
-        <p:spPr>
-          <a:xfrm>
-            <a:off x="747253" y="4485346"/>
-            <a:ext cx="2753031" cy="749808"/>
-          </a:xfrm>
-          <a:prstGeom prst="flowChartMultidocument">
-            <a:avLst/>
-          </a:prstGeom>
-          <a:solidFill>
-            <a:schemeClr val="accent5">
-              <a:lumMod val="40000"/>
-              <a:lumOff val="60000"/>
-            </a:schemeClr>
-          </a:solidFill>
-        </p:spPr>
-        <p:style>
-          <a:lnRef idx="2">
-            <a:schemeClr val="accent1">
-              <a:shade val="50000"/>
-            </a:schemeClr>
-          </a:lnRef>
-          <a:fillRef idx="1">
-            <a:schemeClr val="accent1"/>
-          </a:fillRef>
-          <a:effectRef idx="0">
-            <a:schemeClr val="accent1"/>
-          </a:effectRef>
-          <a:fontRef idx="minor">
-            <a:schemeClr val="lt1"/>
-          </a:fontRef>
-        </p:style>
-        <p:txBody>
-          <a:bodyPr rtlCol="0" anchor="ctr"/>
-          <a:lstStyle/>
-          <a:p>
-            <a:pPr algn="ctr"/>
-            <a:r>
-              <a:rPr lang="fr-FR" sz="1600" b="1" dirty="0" err="1">
-                <a:solidFill>
-                  <a:schemeClr val="tx1"/>
-                </a:solidFill>
-              </a:rPr>
-              <a:t>SupOpDemos</a:t>
-            </a:r>
-            <a:endParaRPr lang="fr-FR" sz="1600" b="1" dirty="0">
-              <a:solidFill>
-                <a:schemeClr val="tx1"/>
-              </a:solidFill>
-            </a:endParaRPr>
-          </a:p>
-        </p:txBody>
-      </p:sp>
-      <p:sp>
-        <p:nvSpPr>
-          <p:cNvPr id="41" name="Organigramme : Procédé prédéfini 40">
-            <a:extLst>
-              <a:ext uri="{FF2B5EF4-FFF2-40B4-BE49-F238E27FC236}">
-                <a16:creationId xmlns:a16="http://schemas.microsoft.com/office/drawing/2014/main" id="{F85948BA-F471-97C7-3CF0-5A46593EDA26}"/>
-              </a:ext>
-            </a:extLst>
-          </p:cNvPr>
-          <p:cNvSpPr/>
-          <p:nvPr/>
-        </p:nvSpPr>
-        <p:spPr>
-          <a:xfrm>
-            <a:off x="7880556" y="2238984"/>
-            <a:ext cx="3859159" cy="1085400"/>
-          </a:xfrm>
-          <a:prstGeom prst="flowChartPredefinedProcess">
-            <a:avLst/>
-          </a:prstGeom>
-        </p:spPr>
-        <p:style>
-          <a:lnRef idx="2">
-            <a:schemeClr val="accent1">
-              <a:shade val="50000"/>
-            </a:schemeClr>
-          </a:lnRef>
-          <a:fillRef idx="1">
-            <a:schemeClr val="accent1"/>
-          </a:fillRef>
-          <a:effectRef idx="0">
-            <a:schemeClr val="accent1"/>
-          </a:effectRef>
-          <a:fontRef idx="minor">
-            <a:schemeClr val="lt1"/>
-          </a:fontRef>
-        </p:style>
-        <p:txBody>
-          <a:bodyPr rtlCol="0" anchor="ctr"/>
-          <a:lstStyle/>
-          <a:p>
-            <a:pPr algn="ctr"/>
-            <a:endParaRPr lang="fr-FR" dirty="0"/>
-          </a:p>
-        </p:txBody>
-      </p:sp>
-      <p:sp>
-        <p:nvSpPr>
-          <p:cNvPr id="42" name="ZoneTexte 41">
-            <a:extLst>
-              <a:ext uri="{FF2B5EF4-FFF2-40B4-BE49-F238E27FC236}">
-                <a16:creationId xmlns:a16="http://schemas.microsoft.com/office/drawing/2014/main" id="{621A7EA8-7F54-0BCB-E49D-1C2B148CBF73}"/>
-              </a:ext>
-            </a:extLst>
-          </p:cNvPr>
-          <p:cNvSpPr txBox="1"/>
-          <p:nvPr/>
-        </p:nvSpPr>
-        <p:spPr>
-          <a:xfrm>
-            <a:off x="8424046" y="2299880"/>
-            <a:ext cx="2989006" cy="369332"/>
-          </a:xfrm>
-          <a:prstGeom prst="rect">
-            <a:avLst/>
-          </a:prstGeom>
-          <a:noFill/>
-        </p:spPr>
-        <p:txBody>
-          <a:bodyPr wrap="square">
-            <a:spAutoFit/>
-          </a:bodyPr>
-          <a:lstStyle/>
-          <a:p>
-            <a:r>
-              <a:rPr lang="fr-FR" b="1" dirty="0">
-                <a:solidFill>
-                  <a:schemeClr val="bg1"/>
-                </a:solidFill>
-              </a:rPr>
-              <a:t>IOGS-</a:t>
-            </a:r>
-            <a:r>
-              <a:rPr lang="fr-FR" b="1" dirty="0" err="1">
-                <a:solidFill>
-                  <a:schemeClr val="bg1"/>
-                </a:solidFill>
-              </a:rPr>
-              <a:t>LEnsE</a:t>
-            </a:r>
-            <a:r>
-              <a:rPr lang="fr-FR" b="1" dirty="0">
-                <a:solidFill>
-                  <a:schemeClr val="bg1"/>
-                </a:solidFill>
-              </a:rPr>
-              <a:t>-</a:t>
-            </a:r>
-            <a:r>
-              <a:rPr lang="fr-FR" b="1" dirty="0" err="1">
-                <a:solidFill>
-                  <a:schemeClr val="bg1"/>
-                </a:solidFill>
-              </a:rPr>
-              <a:t>embedded</a:t>
-            </a:r>
-            <a:r>
-              <a:rPr lang="fr-FR" b="1" dirty="0">
-                <a:solidFill>
-                  <a:schemeClr val="bg1"/>
-                </a:solidFill>
-              </a:rPr>
-              <a:t>/</a:t>
-            </a:r>
-          </a:p>
-        </p:txBody>
-      </p:sp>
-      <p:sp>
-        <p:nvSpPr>
-          <p:cNvPr id="43" name="Organigramme : Procédé prédéfini 42">
-            <a:extLst>
-              <a:ext uri="{FF2B5EF4-FFF2-40B4-BE49-F238E27FC236}">
-                <a16:creationId xmlns:a16="http://schemas.microsoft.com/office/drawing/2014/main" id="{4D7B85F0-18FC-29B8-DB3A-8C7DF1EDDA05}"/>
-              </a:ext>
-            </a:extLst>
-          </p:cNvPr>
-          <p:cNvSpPr/>
-          <p:nvPr/>
-        </p:nvSpPr>
-        <p:spPr>
-          <a:xfrm>
-            <a:off x="7880556" y="3832565"/>
-            <a:ext cx="3859159" cy="1085400"/>
-          </a:xfrm>
-          <a:prstGeom prst="flowChartPredefinedProcess">
-            <a:avLst/>
-          </a:prstGeom>
-        </p:spPr>
-        <p:style>
-          <a:lnRef idx="2">
-            <a:schemeClr val="accent1">
-              <a:shade val="50000"/>
-            </a:schemeClr>
-          </a:lnRef>
-          <a:fillRef idx="1">
-            <a:schemeClr val="accent1"/>
-          </a:fillRef>
-          <a:effectRef idx="0">
-            <a:schemeClr val="accent1"/>
-          </a:effectRef>
-          <a:fontRef idx="minor">
-            <a:schemeClr val="lt1"/>
-          </a:fontRef>
-        </p:style>
-        <p:txBody>
-          <a:bodyPr rtlCol="0" anchor="ctr"/>
-          <a:lstStyle/>
-          <a:p>
-            <a:pPr algn="ctr"/>
-            <a:endParaRPr lang="fr-FR" dirty="0"/>
-          </a:p>
-        </p:txBody>
-      </p:sp>
-      <p:sp>
-        <p:nvSpPr>
-          <p:cNvPr id="44" name="ZoneTexte 43">
-            <a:extLst>
-              <a:ext uri="{FF2B5EF4-FFF2-40B4-BE49-F238E27FC236}">
-                <a16:creationId xmlns:a16="http://schemas.microsoft.com/office/drawing/2014/main" id="{D80E2957-A949-8B49-7A5F-C50213921CB0}"/>
-              </a:ext>
-            </a:extLst>
-          </p:cNvPr>
-          <p:cNvSpPr txBox="1"/>
-          <p:nvPr/>
-        </p:nvSpPr>
-        <p:spPr>
-          <a:xfrm>
-            <a:off x="8008373" y="3891565"/>
-            <a:ext cx="3731342" cy="369332"/>
-          </a:xfrm>
-          <a:prstGeom prst="rect">
-            <a:avLst/>
-          </a:prstGeom>
-          <a:noFill/>
-        </p:spPr>
-        <p:txBody>
-          <a:bodyPr wrap="square">
-            <a:spAutoFit/>
-          </a:bodyPr>
-          <a:lstStyle/>
-          <a:p>
-            <a:r>
-              <a:rPr lang="fr-FR" b="1" dirty="0">
-                <a:solidFill>
-                  <a:schemeClr val="bg1"/>
-                </a:solidFill>
-              </a:rPr>
-              <a:t>IOGS-</a:t>
-            </a:r>
-            <a:r>
-              <a:rPr lang="fr-FR" b="1" dirty="0" err="1">
-                <a:solidFill>
-                  <a:schemeClr val="bg1"/>
-                </a:solidFill>
-              </a:rPr>
-              <a:t>LEnsE</a:t>
-            </a:r>
-            <a:r>
-              <a:rPr lang="fr-FR" b="1" dirty="0">
-                <a:solidFill>
-                  <a:schemeClr val="bg1"/>
-                </a:solidFill>
-              </a:rPr>
-              <a:t>-interface-</a:t>
-            </a:r>
-            <a:r>
-              <a:rPr lang="fr-FR" b="1" dirty="0" err="1">
-                <a:solidFill>
-                  <a:schemeClr val="bg1"/>
-                </a:solidFill>
-              </a:rPr>
-              <a:t>projects</a:t>
-            </a:r>
-            <a:r>
-              <a:rPr lang="fr-FR" b="1" dirty="0">
-                <a:solidFill>
-                  <a:schemeClr val="bg1"/>
-                </a:solidFill>
-              </a:rPr>
-              <a:t>/</a:t>
-            </a:r>
-          </a:p>
-        </p:txBody>
-      </p:sp>
-      <p:sp>
-        <p:nvSpPr>
-          <p:cNvPr id="45" name="ZoneTexte 44">
-            <a:extLst>
-              <a:ext uri="{FF2B5EF4-FFF2-40B4-BE49-F238E27FC236}">
-                <a16:creationId xmlns:a16="http://schemas.microsoft.com/office/drawing/2014/main" id="{8CF4056A-B9CD-99EE-C2D3-223259BCBD2A}"/>
-              </a:ext>
-            </a:extLst>
-          </p:cNvPr>
-          <p:cNvSpPr txBox="1"/>
-          <p:nvPr/>
-        </p:nvSpPr>
-        <p:spPr>
-          <a:xfrm>
-            <a:off x="8549406" y="2664198"/>
-            <a:ext cx="2738286" cy="523220"/>
-          </a:xfrm>
-          <a:prstGeom prst="rect">
-            <a:avLst/>
-          </a:prstGeom>
-          <a:noFill/>
-        </p:spPr>
-        <p:txBody>
-          <a:bodyPr wrap="square">
-            <a:spAutoFit/>
-          </a:bodyPr>
-          <a:lstStyle/>
-          <a:p>
-            <a:r>
-              <a:rPr lang="fr-FR" sz="1400" dirty="0">
-                <a:solidFill>
-                  <a:schemeClr val="bg1"/>
-                </a:solidFill>
-              </a:rPr>
-              <a:t>Librairies pour l’embarqué</a:t>
-            </a:r>
-            <a:br>
-              <a:rPr lang="fr-FR" sz="1400" dirty="0">
-                <a:solidFill>
-                  <a:schemeClr val="bg1"/>
-                </a:solidFill>
-              </a:rPr>
-            </a:br>
-            <a:r>
-              <a:rPr lang="fr-FR" sz="1400" i="1" dirty="0">
-                <a:solidFill>
-                  <a:schemeClr val="bg1"/>
-                </a:solidFill>
-              </a:rPr>
-              <a:t>Systèmes électroniques</a:t>
-            </a:r>
-          </a:p>
-        </p:txBody>
-      </p:sp>
-      <p:sp>
-        <p:nvSpPr>
-          <p:cNvPr id="46" name="ZoneTexte 45">
-            <a:extLst>
-              <a:ext uri="{FF2B5EF4-FFF2-40B4-BE49-F238E27FC236}">
-                <a16:creationId xmlns:a16="http://schemas.microsoft.com/office/drawing/2014/main" id="{6490D335-DE65-8A66-2168-6117F49CDFB5}"/>
-              </a:ext>
-            </a:extLst>
-          </p:cNvPr>
-          <p:cNvSpPr txBox="1"/>
-          <p:nvPr/>
-        </p:nvSpPr>
-        <p:spPr>
-          <a:xfrm>
-            <a:off x="8549406" y="4245858"/>
-            <a:ext cx="2738286" cy="307777"/>
-          </a:xfrm>
-          <a:prstGeom prst="rect">
-            <a:avLst/>
-          </a:prstGeom>
-          <a:noFill/>
-        </p:spPr>
-        <p:txBody>
-          <a:bodyPr wrap="square">
-            <a:spAutoFit/>
-          </a:bodyPr>
-          <a:lstStyle/>
-          <a:p>
-            <a:r>
-              <a:rPr lang="fr-FR" sz="1400" dirty="0">
-                <a:solidFill>
-                  <a:schemeClr val="bg1"/>
-                </a:solidFill>
-              </a:rPr>
-              <a:t>Dépôts des projets de 1A et 2A</a:t>
-            </a:r>
-            <a:endParaRPr lang="fr-FR" sz="1400" i="1" dirty="0">
-              <a:solidFill>
-                <a:schemeClr val="bg1"/>
-              </a:solidFill>
-            </a:endParaRPr>
-          </a:p>
-        </p:txBody>
-      </p:sp>
-      <p:pic>
-        <p:nvPicPr>
-          <p:cNvPr id="3" name="Image 2">
-            <a:extLst>
-              <a:ext uri="{FF2B5EF4-FFF2-40B4-BE49-F238E27FC236}">
-                <a16:creationId xmlns:a16="http://schemas.microsoft.com/office/drawing/2014/main" id="{F4A4A7FB-5457-2684-88B1-CDE54C884ECB}"/>
-              </a:ext>
-            </a:extLst>
-          </p:cNvPr>
-          <p:cNvPicPr>
-            <a:picLocks noChangeAspect="1"/>
-          </p:cNvPicPr>
-          <p:nvPr/>
-        </p:nvPicPr>
-        <p:blipFill>
-          <a:blip r:embed="rId4"/>
-          <a:stretch>
-            <a:fillRect/>
-          </a:stretch>
-        </p:blipFill>
-        <p:spPr>
-          <a:xfrm>
-            <a:off x="6908800" y="5443559"/>
-            <a:ext cx="4830915" cy="1095105"/>
-          </a:xfrm>
-          <a:prstGeom prst="rect">
-            <a:avLst/>
-          </a:prstGeom>
-        </p:spPr>
-      </p:pic>
-    </p:spTree>
-    <p:extLst>
-      <p:ext uri="{BB962C8B-B14F-4D97-AF65-F5344CB8AC3E}">
-        <p14:creationId xmlns:p14="http://schemas.microsoft.com/office/powerpoint/2010/main" val="953354878"/>
-      </p:ext>
-    </p:extLst>
-  </p:cSld>
-  <p:clrMapOvr>
-    <a:masterClrMapping/>
-  </p:clrMapOvr>
-</p:sld>
-</file>
-
-<file path=ppt/slides/slide21.xml><?xml version="1.0" encoding="utf-8"?>
 <p:sld xmlns:a="http://schemas.openxmlformats.org/drawingml/2006/main" xmlns:r="http://schemas.openxmlformats.org/officeDocument/2006/relationships" xmlns:p="http://schemas.openxmlformats.org/presentationml/2006/main">
   <p:cSld>
     <p:bg>
@@ -11762,7 +9849,7 @@
               <a:rPr lang="fr-FR" sz="4800" dirty="0">
                 <a:latin typeface="Bahnschrift SemiBold" panose="020B0502040204020203" pitchFamily="34" charset="0"/>
               </a:rPr>
-              <a:t>Méthodes de travail</a:t>
+              <a:t>Evaluations</a:t>
             </a:r>
           </a:p>
         </p:txBody>
@@ -12028,1699 +10115,6 @@
     </p:spTree>
     <p:extLst>
       <p:ext uri="{BB962C8B-B14F-4D97-AF65-F5344CB8AC3E}">
-        <p14:creationId xmlns:p14="http://schemas.microsoft.com/office/powerpoint/2010/main" val="2757391437"/>
-      </p:ext>
-    </p:extLst>
-  </p:cSld>
-  <p:clrMapOvr>
-    <a:overrideClrMapping bg1="dk1" tx1="lt1" bg2="dk2" tx2="lt2" accent1="accent1" accent2="accent2" accent3="accent3" accent4="accent4" accent5="accent5" accent6="accent6" hlink="hlink" folHlink="folHlink"/>
-  </p:clrMapOvr>
-</p:sld>
-</file>
-
-<file path=ppt/slides/slide22.xml><?xml version="1.0" encoding="utf-8"?>
-<p:sld xmlns:a="http://schemas.openxmlformats.org/drawingml/2006/main" xmlns:r="http://schemas.openxmlformats.org/officeDocument/2006/relationships" xmlns:p="http://schemas.openxmlformats.org/presentationml/2006/main">
-  <p:cSld>
-    <p:spTree>
-      <p:nvGrpSpPr>
-        <p:cNvPr id="1" name=""/>
-        <p:cNvGrpSpPr/>
-        <p:nvPr/>
-      </p:nvGrpSpPr>
-      <p:grpSpPr>
-        <a:xfrm>
-          <a:off x="0" y="0"/>
-          <a:ext cx="0" cy="0"/>
-          <a:chOff x="0" y="0"/>
-          <a:chExt cx="0" cy="0"/>
-        </a:xfrm>
-      </p:grpSpPr>
-      <p:sp>
-        <p:nvSpPr>
-          <p:cNvPr id="3" name="Espace réservé du contenu 2">
-            <a:extLst>
-              <a:ext uri="{FF2B5EF4-FFF2-40B4-BE49-F238E27FC236}">
-                <a16:creationId xmlns:a16="http://schemas.microsoft.com/office/drawing/2014/main" id="{E0BBB9DE-019C-C741-F224-494739D4B752}"/>
-              </a:ext>
-            </a:extLst>
-          </p:cNvPr>
-          <p:cNvSpPr>
-            <a:spLocks noGrp="1"/>
-          </p:cNvSpPr>
-          <p:nvPr>
-            <p:ph sz="half" idx="1"/>
-          </p:nvPr>
-        </p:nvSpPr>
-        <p:spPr>
-          <a:xfrm>
-            <a:off x="1115568" y="2478024"/>
-            <a:ext cx="10407838" cy="3694176"/>
-          </a:xfrm>
-        </p:spPr>
-        <p:txBody>
-          <a:bodyPr>
-            <a:normAutofit/>
-          </a:bodyPr>
-          <a:lstStyle/>
-          <a:p>
-            <a:r>
-              <a:rPr lang="fr-FR" sz="2400" dirty="0"/>
-              <a:t>Développement sous </a:t>
-            </a:r>
-            <a:r>
-              <a:rPr lang="fr-FR" sz="2400" b="1" dirty="0"/>
-              <a:t>Python 3.9 </a:t>
-            </a:r>
-            <a:r>
-              <a:rPr lang="fr-FR" sz="2400" dirty="0"/>
-              <a:t>(min) / </a:t>
-            </a:r>
-            <a:r>
-              <a:rPr lang="fr-FR" sz="2400" b="1" dirty="0"/>
-              <a:t>Anaconda 3</a:t>
-            </a:r>
-            <a:r>
-              <a:rPr lang="fr-FR" sz="2400" dirty="0"/>
-              <a:t> / </a:t>
-            </a:r>
-            <a:r>
-              <a:rPr lang="fr-FR" sz="2400" b="1" dirty="0" err="1"/>
-              <a:t>Spyder</a:t>
-            </a:r>
-            <a:r>
-              <a:rPr lang="fr-FR" sz="2400" b="1" dirty="0"/>
-              <a:t> 5</a:t>
-            </a:r>
-          </a:p>
-          <a:p>
-            <a:pPr lvl="1"/>
-            <a:r>
-              <a:rPr lang="fr-FR" dirty="0"/>
-              <a:t>Style de code selon le guide </a:t>
-            </a:r>
-            <a:r>
-              <a:rPr lang="fr-FR" b="1" dirty="0"/>
-              <a:t>PEP 8</a:t>
-            </a:r>
-            <a:r>
-              <a:rPr lang="fr-FR" dirty="0"/>
-              <a:t>  </a:t>
-            </a:r>
-            <a:br>
-              <a:rPr lang="fr-FR" dirty="0"/>
-            </a:br>
-            <a:r>
-              <a:rPr lang="fr-FR" dirty="0"/>
-              <a:t>		https://peps.python.org/pep-0008/</a:t>
-            </a:r>
-          </a:p>
-          <a:p>
-            <a:pPr lvl="1"/>
-            <a:r>
-              <a:rPr lang="fr-FR" dirty="0"/>
-              <a:t>Style de commentaires et de documentation selon le guide </a:t>
-            </a:r>
-            <a:r>
-              <a:rPr lang="fr-FR" b="1" dirty="0"/>
-              <a:t>PEP 257 </a:t>
-            </a:r>
-            <a:br>
-              <a:rPr lang="fr-FR" b="1" dirty="0"/>
-            </a:br>
-            <a:r>
-              <a:rPr lang="fr-FR" b="1" dirty="0"/>
-              <a:t>		</a:t>
-            </a:r>
-            <a:r>
-              <a:rPr lang="fr-FR" dirty="0"/>
-              <a:t>https://peps.python.org/pep-0257/</a:t>
-            </a:r>
-          </a:p>
-          <a:p>
-            <a:r>
-              <a:rPr lang="fr-FR" sz="2400" dirty="0"/>
-              <a:t>Utilisation de bibliothèques standards (</a:t>
-            </a:r>
-            <a:r>
-              <a:rPr lang="fr-FR" sz="2400" dirty="0" err="1"/>
-              <a:t>Numpy</a:t>
-            </a:r>
-            <a:r>
-              <a:rPr lang="fr-FR" sz="2400" dirty="0"/>
-              <a:t>, </a:t>
-            </a:r>
-            <a:r>
-              <a:rPr lang="fr-FR" sz="2400" dirty="0" err="1"/>
-              <a:t>Matplotlib</a:t>
-            </a:r>
-            <a:r>
-              <a:rPr lang="fr-FR" sz="2400" dirty="0"/>
-              <a:t>, </a:t>
-            </a:r>
-            <a:r>
-              <a:rPr lang="fr-FR" sz="2400" dirty="0" err="1"/>
-              <a:t>Scipy</a:t>
-            </a:r>
-            <a:r>
-              <a:rPr lang="fr-FR" sz="2400" dirty="0"/>
-              <a:t>…)</a:t>
-            </a:r>
-          </a:p>
-          <a:p>
-            <a:r>
-              <a:rPr lang="fr-FR" sz="2400" dirty="0"/>
-              <a:t>Découpage en fonctions simples (fichiers .</a:t>
-            </a:r>
-            <a:r>
-              <a:rPr lang="fr-FR" sz="2400" dirty="0" err="1"/>
-              <a:t>py</a:t>
-            </a:r>
-            <a:r>
-              <a:rPr lang="fr-FR" sz="2400" dirty="0"/>
-              <a:t> séparés)</a:t>
-            </a:r>
-            <a:endParaRPr lang="fr-FR" dirty="0"/>
-          </a:p>
-        </p:txBody>
-      </p:sp>
-      <p:sp>
-        <p:nvSpPr>
-          <p:cNvPr id="2" name="Titre 1">
-            <a:extLst>
-              <a:ext uri="{FF2B5EF4-FFF2-40B4-BE49-F238E27FC236}">
-                <a16:creationId xmlns:a16="http://schemas.microsoft.com/office/drawing/2014/main" id="{90162AE8-C1B0-5C56-8313-DEE494F38273}"/>
-              </a:ext>
-            </a:extLst>
-          </p:cNvPr>
-          <p:cNvSpPr>
-            <a:spLocks noGrp="1"/>
-          </p:cNvSpPr>
-          <p:nvPr>
-            <p:ph type="title"/>
-          </p:nvPr>
-        </p:nvSpPr>
-        <p:spPr/>
-        <p:txBody>
-          <a:bodyPr/>
-          <a:lstStyle/>
-          <a:p>
-            <a:r>
-              <a:rPr lang="fr-FR" dirty="0"/>
-              <a:t>Méthode de travail / Bonnes pratiques</a:t>
-            </a:r>
-          </a:p>
-        </p:txBody>
-      </p:sp>
-      <p:pic>
-        <p:nvPicPr>
-          <p:cNvPr id="5" name="Image 4" descr="Une image contenant texte&#10;&#10;Description générée automatiquement">
-            <a:extLst>
-              <a:ext uri="{FF2B5EF4-FFF2-40B4-BE49-F238E27FC236}">
-                <a16:creationId xmlns:a16="http://schemas.microsoft.com/office/drawing/2014/main" id="{204ADC40-1D61-539F-22ED-6B21D67FBDE6}"/>
-              </a:ext>
-            </a:extLst>
-          </p:cNvPr>
-          <p:cNvPicPr>
-            <a:picLocks noChangeAspect="1"/>
-          </p:cNvPicPr>
-          <p:nvPr/>
-        </p:nvPicPr>
-        <p:blipFill>
-          <a:blip r:embed="rId2">
-            <a:extLst>
-              <a:ext uri="{28A0092B-C50C-407E-A947-70E740481C1C}">
-                <a14:useLocalDpi xmlns:a14="http://schemas.microsoft.com/office/drawing/2010/main" val="0"/>
-              </a:ext>
-            </a:extLst>
-          </a:blip>
-          <a:stretch>
-            <a:fillRect/>
-          </a:stretch>
-        </p:blipFill>
-        <p:spPr>
-          <a:xfrm>
-            <a:off x="202922" y="5934456"/>
-            <a:ext cx="1825291" cy="749808"/>
-          </a:xfrm>
-          <a:prstGeom prst="rect">
-            <a:avLst/>
-          </a:prstGeom>
-        </p:spPr>
-      </p:pic>
-    </p:spTree>
-    <p:extLst>
-      <p:ext uri="{BB962C8B-B14F-4D97-AF65-F5344CB8AC3E}">
-        <p14:creationId xmlns:p14="http://schemas.microsoft.com/office/powerpoint/2010/main" val="3230963344"/>
-      </p:ext>
-    </p:extLst>
-  </p:cSld>
-  <p:clrMapOvr>
-    <a:masterClrMapping/>
-  </p:clrMapOvr>
-</p:sld>
-</file>
-
-<file path=ppt/slides/slide23.xml><?xml version="1.0" encoding="utf-8"?>
-<p:sld xmlns:a="http://schemas.openxmlformats.org/drawingml/2006/main" xmlns:r="http://schemas.openxmlformats.org/officeDocument/2006/relationships" xmlns:p="http://schemas.openxmlformats.org/presentationml/2006/main">
-  <p:cSld>
-    <p:spTree>
-      <p:nvGrpSpPr>
-        <p:cNvPr id="1" name=""/>
-        <p:cNvGrpSpPr/>
-        <p:nvPr/>
-      </p:nvGrpSpPr>
-      <p:grpSpPr>
-        <a:xfrm>
-          <a:off x="0" y="0"/>
-          <a:ext cx="0" cy="0"/>
-          <a:chOff x="0" y="0"/>
-          <a:chExt cx="0" cy="0"/>
-        </a:xfrm>
-      </p:grpSpPr>
-      <p:sp>
-        <p:nvSpPr>
-          <p:cNvPr id="3" name="Espace réservé du contenu 2">
-            <a:extLst>
-              <a:ext uri="{FF2B5EF4-FFF2-40B4-BE49-F238E27FC236}">
-                <a16:creationId xmlns:a16="http://schemas.microsoft.com/office/drawing/2014/main" id="{E0BBB9DE-019C-C741-F224-494739D4B752}"/>
-              </a:ext>
-            </a:extLst>
-          </p:cNvPr>
-          <p:cNvSpPr>
-            <a:spLocks noGrp="1"/>
-          </p:cNvSpPr>
-          <p:nvPr>
-            <p:ph sz="half" idx="1"/>
-          </p:nvPr>
-        </p:nvSpPr>
-        <p:spPr>
-          <a:xfrm>
-            <a:off x="1115568" y="2478024"/>
-            <a:ext cx="10168128" cy="3694176"/>
-          </a:xfrm>
-        </p:spPr>
-        <p:txBody>
-          <a:bodyPr>
-            <a:normAutofit/>
-          </a:bodyPr>
-          <a:lstStyle/>
-          <a:p>
-            <a:r>
-              <a:rPr lang="fr-FR" dirty="0"/>
-              <a:t>Démystifier les langages de haut niveau</a:t>
-            </a:r>
-            <a:endParaRPr lang="fr-FR" b="1" dirty="0"/>
-          </a:p>
-          <a:p>
-            <a:pPr lvl="1"/>
-            <a:r>
-              <a:rPr lang="fr-FR" dirty="0"/>
-              <a:t>Quelques notions théoriques</a:t>
-            </a:r>
-          </a:p>
-          <a:p>
-            <a:pPr lvl="1"/>
-            <a:r>
-              <a:rPr lang="fr-FR" dirty="0"/>
-              <a:t>Des exemples pratiques en Python (ou C/C++)</a:t>
-            </a:r>
-          </a:p>
-          <a:p>
-            <a:r>
-              <a:rPr lang="fr-FR" dirty="0"/>
-              <a:t>Calcul scientifique / Plusieurs méthodes de résolution</a:t>
-            </a:r>
-          </a:p>
-        </p:txBody>
-      </p:sp>
-      <p:sp>
-        <p:nvSpPr>
-          <p:cNvPr id="2" name="Titre 1">
-            <a:extLst>
-              <a:ext uri="{FF2B5EF4-FFF2-40B4-BE49-F238E27FC236}">
-                <a16:creationId xmlns:a16="http://schemas.microsoft.com/office/drawing/2014/main" id="{90162AE8-C1B0-5C56-8313-DEE494F38273}"/>
-              </a:ext>
-            </a:extLst>
-          </p:cNvPr>
-          <p:cNvSpPr>
-            <a:spLocks noGrp="1"/>
-          </p:cNvSpPr>
-          <p:nvPr>
-            <p:ph type="title"/>
-          </p:nvPr>
-        </p:nvSpPr>
-        <p:spPr/>
-        <p:txBody>
-          <a:bodyPr/>
-          <a:lstStyle/>
-          <a:p>
-            <a:r>
-              <a:rPr lang="fr-FR" dirty="0"/>
-              <a:t>Méthode de travail / Bloc 1</a:t>
-            </a:r>
-          </a:p>
-        </p:txBody>
-      </p:sp>
-      <p:pic>
-        <p:nvPicPr>
-          <p:cNvPr id="5" name="Image 4" descr="Une image contenant texte&#10;&#10;Description générée automatiquement">
-            <a:extLst>
-              <a:ext uri="{FF2B5EF4-FFF2-40B4-BE49-F238E27FC236}">
-                <a16:creationId xmlns:a16="http://schemas.microsoft.com/office/drawing/2014/main" id="{204ADC40-1D61-539F-22ED-6B21D67FBDE6}"/>
-              </a:ext>
-            </a:extLst>
-          </p:cNvPr>
-          <p:cNvPicPr>
-            <a:picLocks noChangeAspect="1"/>
-          </p:cNvPicPr>
-          <p:nvPr/>
-        </p:nvPicPr>
-        <p:blipFill>
-          <a:blip r:embed="rId2">
-            <a:extLst>
-              <a:ext uri="{28A0092B-C50C-407E-A947-70E740481C1C}">
-                <a14:useLocalDpi xmlns:a14="http://schemas.microsoft.com/office/drawing/2010/main" val="0"/>
-              </a:ext>
-            </a:extLst>
-          </a:blip>
-          <a:stretch>
-            <a:fillRect/>
-          </a:stretch>
-        </p:blipFill>
-        <p:spPr>
-          <a:xfrm>
-            <a:off x="202922" y="5934456"/>
-            <a:ext cx="1825291" cy="749808"/>
-          </a:xfrm>
-          <a:prstGeom prst="rect">
-            <a:avLst/>
-          </a:prstGeom>
-        </p:spPr>
-      </p:pic>
-      <p:pic>
-        <p:nvPicPr>
-          <p:cNvPr id="1026" name="Picture 2">
-            <a:extLst>
-              <a:ext uri="{FF2B5EF4-FFF2-40B4-BE49-F238E27FC236}">
-                <a16:creationId xmlns:a16="http://schemas.microsoft.com/office/drawing/2014/main" id="{EEC3CC6F-ADB4-888A-B18B-7044585F0661}"/>
-              </a:ext>
-            </a:extLst>
-          </p:cNvPr>
-          <p:cNvPicPr>
-            <a:picLocks noChangeAspect="1" noChangeArrowheads="1"/>
-          </p:cNvPicPr>
-          <p:nvPr/>
-        </p:nvPicPr>
-        <p:blipFill>
-          <a:blip r:embed="rId3">
-            <a:extLst>
-              <a:ext uri="{28A0092B-C50C-407E-A947-70E740481C1C}">
-                <a14:useLocalDpi xmlns:a14="http://schemas.microsoft.com/office/drawing/2010/main" val="0"/>
-              </a:ext>
-            </a:extLst>
-          </a:blip>
-          <a:srcRect/>
-          <a:stretch>
-            <a:fillRect/>
-          </a:stretch>
-        </p:blipFill>
-        <p:spPr bwMode="auto">
-          <a:xfrm>
-            <a:off x="3389364" y="4715256"/>
-            <a:ext cx="1047750" cy="1219200"/>
-          </a:xfrm>
-          <a:prstGeom prst="rect">
-            <a:avLst/>
-          </a:prstGeom>
-          <a:noFill/>
-          <a:extLst>
-            <a:ext uri="{909E8E84-426E-40DD-AFC4-6F175D3DCCD1}">
-              <a14:hiddenFill xmlns:a14="http://schemas.microsoft.com/office/drawing/2010/main">
-                <a:solidFill>
-                  <a:srgbClr val="FFFFFF"/>
-                </a:solidFill>
-              </a14:hiddenFill>
-            </a:ext>
-          </a:extLst>
-        </p:spPr>
-      </p:pic>
-      <p:pic>
-        <p:nvPicPr>
-          <p:cNvPr id="4" name="Picture 8" descr="Résultat de recherche d'images pour &quot;spyder logo&quot;">
-            <a:extLst>
-              <a:ext uri="{FF2B5EF4-FFF2-40B4-BE49-F238E27FC236}">
-                <a16:creationId xmlns:a16="http://schemas.microsoft.com/office/drawing/2014/main" id="{7D86E94E-1CE4-F45E-69EA-100C66B3A897}"/>
-              </a:ext>
-            </a:extLst>
-          </p:cNvPr>
-          <p:cNvPicPr>
-            <a:picLocks noChangeAspect="1" noChangeArrowheads="1"/>
-          </p:cNvPicPr>
-          <p:nvPr/>
-        </p:nvPicPr>
-        <p:blipFill>
-          <a:blip r:embed="rId4">
-            <a:extLst>
-              <a:ext uri="{28A0092B-C50C-407E-A947-70E740481C1C}">
-                <a14:useLocalDpi xmlns:a14="http://schemas.microsoft.com/office/drawing/2010/main" val="0"/>
-              </a:ext>
-            </a:extLst>
-          </a:blip>
-          <a:srcRect/>
-          <a:stretch>
-            <a:fillRect/>
-          </a:stretch>
-        </p:blipFill>
-        <p:spPr bwMode="auto">
-          <a:xfrm>
-            <a:off x="7506412" y="4846474"/>
-            <a:ext cx="1913528" cy="956764"/>
-          </a:xfrm>
-          <a:prstGeom prst="rect">
-            <a:avLst/>
-          </a:prstGeom>
-          <a:noFill/>
-          <a:extLst>
-            <a:ext uri="{909E8E84-426E-40DD-AFC4-6F175D3DCCD1}">
-              <a14:hiddenFill xmlns:a14="http://schemas.microsoft.com/office/drawing/2010/main">
-                <a:solidFill>
-                  <a:srgbClr val="FFFFFF"/>
-                </a:solidFill>
-              </a14:hiddenFill>
-            </a:ext>
-          </a:extLst>
-        </p:spPr>
-      </p:pic>
-    </p:spTree>
-    <p:extLst>
-      <p:ext uri="{BB962C8B-B14F-4D97-AF65-F5344CB8AC3E}">
-        <p14:creationId xmlns:p14="http://schemas.microsoft.com/office/powerpoint/2010/main" val="2211726380"/>
-      </p:ext>
-    </p:extLst>
-  </p:cSld>
-  <p:clrMapOvr>
-    <a:masterClrMapping/>
-  </p:clrMapOvr>
-</p:sld>
-</file>
-
-<file path=ppt/slides/slide24.xml><?xml version="1.0" encoding="utf-8"?>
-<p:sld xmlns:a="http://schemas.openxmlformats.org/drawingml/2006/main" xmlns:r="http://schemas.openxmlformats.org/officeDocument/2006/relationships" xmlns:p="http://schemas.openxmlformats.org/presentationml/2006/main">
-  <p:cSld>
-    <p:spTree>
-      <p:nvGrpSpPr>
-        <p:cNvPr id="1" name=""/>
-        <p:cNvGrpSpPr/>
-        <p:nvPr/>
-      </p:nvGrpSpPr>
-      <p:grpSpPr>
-        <a:xfrm>
-          <a:off x="0" y="0"/>
-          <a:ext cx="0" cy="0"/>
-          <a:chOff x="0" y="0"/>
-          <a:chExt cx="0" cy="0"/>
-        </a:xfrm>
-      </p:grpSpPr>
-      <p:sp>
-        <p:nvSpPr>
-          <p:cNvPr id="3" name="Espace réservé du contenu 2">
-            <a:extLst>
-              <a:ext uri="{FF2B5EF4-FFF2-40B4-BE49-F238E27FC236}">
-                <a16:creationId xmlns:a16="http://schemas.microsoft.com/office/drawing/2014/main" id="{E0BBB9DE-019C-C741-F224-494739D4B752}"/>
-              </a:ext>
-            </a:extLst>
-          </p:cNvPr>
-          <p:cNvSpPr>
-            <a:spLocks noGrp="1"/>
-          </p:cNvSpPr>
-          <p:nvPr>
-            <p:ph sz="half" idx="1"/>
-          </p:nvPr>
-        </p:nvSpPr>
-        <p:spPr>
-          <a:xfrm>
-            <a:off x="1115568" y="2478024"/>
-            <a:ext cx="10168128" cy="3694176"/>
-          </a:xfrm>
-        </p:spPr>
-        <p:txBody>
-          <a:bodyPr>
-            <a:normAutofit/>
-          </a:bodyPr>
-          <a:lstStyle/>
-          <a:p>
-            <a:r>
-              <a:rPr lang="fr-FR" b="1" dirty="0"/>
-              <a:t>Travail à réaliser </a:t>
-            </a:r>
-          </a:p>
-          <a:p>
-            <a:pPr lvl="1"/>
-            <a:r>
-              <a:rPr lang="fr-FR" dirty="0"/>
-              <a:t>Résultats à faire valider par </a:t>
-            </a:r>
-            <a:r>
-              <a:rPr lang="fr-FR" dirty="0" err="1"/>
-              <a:t>un.e</a:t>
-            </a:r>
-            <a:r>
-              <a:rPr lang="fr-FR" dirty="0"/>
-              <a:t> </a:t>
-            </a:r>
-            <a:r>
-              <a:rPr lang="fr-FR" dirty="0" err="1"/>
-              <a:t>encadrant.e</a:t>
-            </a:r>
-            <a:r>
-              <a:rPr lang="fr-FR" dirty="0"/>
-              <a:t> durant la séance</a:t>
-            </a:r>
-          </a:p>
-          <a:p>
-            <a:pPr lvl="2"/>
-            <a:r>
-              <a:rPr lang="fr-FR" dirty="0"/>
-              <a:t>Bonnes pratiques en programmation : </a:t>
-            </a:r>
-          </a:p>
-          <a:p>
-            <a:pPr lvl="3"/>
-            <a:r>
-              <a:rPr lang="fr-FR" dirty="0"/>
-              <a:t>Code propre / documenté</a:t>
-            </a:r>
-          </a:p>
-          <a:p>
-            <a:pPr lvl="3"/>
-            <a:r>
-              <a:rPr lang="fr-FR" dirty="0"/>
-              <a:t>Utilisation de fonctions</a:t>
-            </a:r>
-          </a:p>
-          <a:p>
-            <a:pPr lvl="2"/>
-            <a:r>
-              <a:rPr lang="fr-FR" dirty="0"/>
-              <a:t>Présentation des résultats</a:t>
-            </a:r>
-          </a:p>
-          <a:p>
-            <a:pPr lvl="2"/>
-            <a:r>
-              <a:rPr lang="fr-FR" dirty="0"/>
-              <a:t>Analyse et critiques des résultats (aspect physique/mathématique)</a:t>
-            </a:r>
-          </a:p>
-        </p:txBody>
-      </p:sp>
-      <p:sp>
-        <p:nvSpPr>
-          <p:cNvPr id="2" name="Titre 1">
-            <a:extLst>
-              <a:ext uri="{FF2B5EF4-FFF2-40B4-BE49-F238E27FC236}">
-                <a16:creationId xmlns:a16="http://schemas.microsoft.com/office/drawing/2014/main" id="{90162AE8-C1B0-5C56-8313-DEE494F38273}"/>
-              </a:ext>
-            </a:extLst>
-          </p:cNvPr>
-          <p:cNvSpPr>
-            <a:spLocks noGrp="1"/>
-          </p:cNvSpPr>
-          <p:nvPr>
-            <p:ph type="title"/>
-          </p:nvPr>
-        </p:nvSpPr>
-        <p:spPr/>
-        <p:txBody>
-          <a:bodyPr/>
-          <a:lstStyle/>
-          <a:p>
-            <a:r>
-              <a:rPr lang="fr-FR" dirty="0"/>
-              <a:t>Phases d’apprentissage</a:t>
-            </a:r>
-          </a:p>
-        </p:txBody>
-      </p:sp>
-      <p:pic>
-        <p:nvPicPr>
-          <p:cNvPr id="5" name="Image 4" descr="Une image contenant texte&#10;&#10;Description générée automatiquement">
-            <a:extLst>
-              <a:ext uri="{FF2B5EF4-FFF2-40B4-BE49-F238E27FC236}">
-                <a16:creationId xmlns:a16="http://schemas.microsoft.com/office/drawing/2014/main" id="{204ADC40-1D61-539F-22ED-6B21D67FBDE6}"/>
-              </a:ext>
-            </a:extLst>
-          </p:cNvPr>
-          <p:cNvPicPr>
-            <a:picLocks noChangeAspect="1"/>
-          </p:cNvPicPr>
-          <p:nvPr/>
-        </p:nvPicPr>
-        <p:blipFill>
-          <a:blip r:embed="rId2">
-            <a:extLst>
-              <a:ext uri="{28A0092B-C50C-407E-A947-70E740481C1C}">
-                <a14:useLocalDpi xmlns:a14="http://schemas.microsoft.com/office/drawing/2010/main" val="0"/>
-              </a:ext>
-            </a:extLst>
-          </a:blip>
-          <a:stretch>
-            <a:fillRect/>
-          </a:stretch>
-        </p:blipFill>
-        <p:spPr>
-          <a:xfrm>
-            <a:off x="202922" y="5934456"/>
-            <a:ext cx="1825291" cy="749808"/>
-          </a:xfrm>
-          <a:prstGeom prst="rect">
-            <a:avLst/>
-          </a:prstGeom>
-        </p:spPr>
-      </p:pic>
-      <p:pic>
-        <p:nvPicPr>
-          <p:cNvPr id="1026" name="Picture 2">
-            <a:extLst>
-              <a:ext uri="{FF2B5EF4-FFF2-40B4-BE49-F238E27FC236}">
-                <a16:creationId xmlns:a16="http://schemas.microsoft.com/office/drawing/2014/main" id="{EEC3CC6F-ADB4-888A-B18B-7044585F0661}"/>
-              </a:ext>
-            </a:extLst>
-          </p:cNvPr>
-          <p:cNvPicPr>
-            <a:picLocks noChangeAspect="1" noChangeArrowheads="1"/>
-          </p:cNvPicPr>
-          <p:nvPr/>
-        </p:nvPicPr>
-        <p:blipFill>
-          <a:blip r:embed="rId3">
-            <a:extLst>
-              <a:ext uri="{28A0092B-C50C-407E-A947-70E740481C1C}">
-                <a14:useLocalDpi xmlns:a14="http://schemas.microsoft.com/office/drawing/2010/main" val="0"/>
-              </a:ext>
-            </a:extLst>
-          </a:blip>
-          <a:srcRect/>
-          <a:stretch>
-            <a:fillRect/>
-          </a:stretch>
-        </p:blipFill>
-        <p:spPr bwMode="auto">
-          <a:xfrm>
-            <a:off x="10552557" y="3042631"/>
-            <a:ext cx="1047750" cy="1219200"/>
-          </a:xfrm>
-          <a:prstGeom prst="rect">
-            <a:avLst/>
-          </a:prstGeom>
-          <a:noFill/>
-          <a:extLst>
-            <a:ext uri="{909E8E84-426E-40DD-AFC4-6F175D3DCCD1}">
-              <a14:hiddenFill xmlns:a14="http://schemas.microsoft.com/office/drawing/2010/main">
-                <a:solidFill>
-                  <a:srgbClr val="FFFFFF"/>
-                </a:solidFill>
-              </a14:hiddenFill>
-            </a:ext>
-          </a:extLst>
-        </p:spPr>
-      </p:pic>
-      <p:pic>
-        <p:nvPicPr>
-          <p:cNvPr id="4" name="Picture 8" descr="Résultat de recherche d'images pour &quot;spyder logo&quot;">
-            <a:extLst>
-              <a:ext uri="{FF2B5EF4-FFF2-40B4-BE49-F238E27FC236}">
-                <a16:creationId xmlns:a16="http://schemas.microsoft.com/office/drawing/2014/main" id="{7D86E94E-1CE4-F45E-69EA-100C66B3A897}"/>
-              </a:ext>
-            </a:extLst>
-          </p:cNvPr>
-          <p:cNvPicPr>
-            <a:picLocks noChangeAspect="1" noChangeArrowheads="1"/>
-          </p:cNvPicPr>
-          <p:nvPr/>
-        </p:nvPicPr>
-        <p:blipFill>
-          <a:blip r:embed="rId4">
-            <a:extLst>
-              <a:ext uri="{28A0092B-C50C-407E-A947-70E740481C1C}">
-                <a14:useLocalDpi xmlns:a14="http://schemas.microsoft.com/office/drawing/2010/main" val="0"/>
-              </a:ext>
-            </a:extLst>
-          </a:blip>
-          <a:srcRect/>
-          <a:stretch>
-            <a:fillRect/>
-          </a:stretch>
-        </p:blipFill>
-        <p:spPr bwMode="auto">
-          <a:xfrm>
-            <a:off x="10119668" y="4581003"/>
-            <a:ext cx="1913528" cy="956764"/>
-          </a:xfrm>
-          <a:prstGeom prst="rect">
-            <a:avLst/>
-          </a:prstGeom>
-          <a:noFill/>
-          <a:extLst>
-            <a:ext uri="{909E8E84-426E-40DD-AFC4-6F175D3DCCD1}">
-              <a14:hiddenFill xmlns:a14="http://schemas.microsoft.com/office/drawing/2010/main">
-                <a:solidFill>
-                  <a:srgbClr val="FFFFFF"/>
-                </a:solidFill>
-              </a14:hiddenFill>
-            </a:ext>
-          </a:extLst>
-        </p:spPr>
-      </p:pic>
-      <p:pic>
-        <p:nvPicPr>
-          <p:cNvPr id="7" name="Graphique 6" descr="Flèches de chevron avec un remplissage uni">
-            <a:extLst>
-              <a:ext uri="{FF2B5EF4-FFF2-40B4-BE49-F238E27FC236}">
-                <a16:creationId xmlns:a16="http://schemas.microsoft.com/office/drawing/2014/main" id="{80926F58-1C00-743C-5E30-C8AF32AD8C71}"/>
-              </a:ext>
-            </a:extLst>
-          </p:cNvPr>
-          <p:cNvPicPr>
-            <a:picLocks noChangeAspect="1"/>
-          </p:cNvPicPr>
-          <p:nvPr/>
-        </p:nvPicPr>
-        <p:blipFill>
-          <a:blip r:embed="rId5">
-            <a:extLst>
-              <a:ext uri="{28A0092B-C50C-407E-A947-70E740481C1C}">
-                <a14:useLocalDpi xmlns:a14="http://schemas.microsoft.com/office/drawing/2010/main" val="0"/>
-              </a:ext>
-              <a:ext uri="{96DAC541-7B7A-43D3-8B79-37D633B846F1}">
-                <asvg:svgBlip xmlns:asvg="http://schemas.microsoft.com/office/drawing/2016/SVG/main" r:embed="rId6"/>
-              </a:ext>
-            </a:extLst>
-          </a:blip>
-          <a:stretch>
-            <a:fillRect/>
-          </a:stretch>
-        </p:blipFill>
-        <p:spPr>
-          <a:xfrm>
-            <a:off x="7005291" y="437784"/>
-            <a:ext cx="1401288" cy="1401288"/>
-          </a:xfrm>
-          <a:prstGeom prst="rect">
-            <a:avLst/>
-          </a:prstGeom>
-        </p:spPr>
-      </p:pic>
-      <p:sp>
-        <p:nvSpPr>
-          <p:cNvPr id="6" name="ZoneTexte 5">
-            <a:extLst>
-              <a:ext uri="{FF2B5EF4-FFF2-40B4-BE49-F238E27FC236}">
-                <a16:creationId xmlns:a16="http://schemas.microsoft.com/office/drawing/2014/main" id="{53177DBA-E31C-6A08-5071-177B62FB5E96}"/>
-              </a:ext>
-            </a:extLst>
-          </p:cNvPr>
-          <p:cNvSpPr txBox="1"/>
-          <p:nvPr/>
-        </p:nvSpPr>
-        <p:spPr>
-          <a:xfrm>
-            <a:off x="8969659" y="1507987"/>
-            <a:ext cx="2435233" cy="369332"/>
-          </a:xfrm>
-          <a:prstGeom prst="rect">
-            <a:avLst/>
-          </a:prstGeom>
-          <a:solidFill>
-            <a:srgbClr val="00B050"/>
-          </a:solidFill>
-        </p:spPr>
-        <p:txBody>
-          <a:bodyPr wrap="square">
-            <a:spAutoFit/>
-          </a:bodyPr>
-          <a:lstStyle/>
-          <a:p>
-            <a:pPr algn="ctr"/>
-            <a:r>
-              <a:rPr lang="fr-FR" b="1" i="1" dirty="0"/>
-              <a:t>S’ENTRAINER</a:t>
-            </a:r>
-          </a:p>
-        </p:txBody>
-      </p:sp>
-    </p:spTree>
-    <p:extLst>
-      <p:ext uri="{BB962C8B-B14F-4D97-AF65-F5344CB8AC3E}">
-        <p14:creationId xmlns:p14="http://schemas.microsoft.com/office/powerpoint/2010/main" val="1124339619"/>
-      </p:ext>
-    </p:extLst>
-  </p:cSld>
-  <p:clrMapOvr>
-    <a:masterClrMapping/>
-  </p:clrMapOvr>
-</p:sld>
-</file>
-
-<file path=ppt/slides/slide25.xml><?xml version="1.0" encoding="utf-8"?>
-<p:sld xmlns:a="http://schemas.openxmlformats.org/drawingml/2006/main" xmlns:r="http://schemas.openxmlformats.org/officeDocument/2006/relationships" xmlns:p="http://schemas.openxmlformats.org/presentationml/2006/main">
-  <p:cSld>
-    <p:spTree>
-      <p:nvGrpSpPr>
-        <p:cNvPr id="1" name=""/>
-        <p:cNvGrpSpPr/>
-        <p:nvPr/>
-      </p:nvGrpSpPr>
-      <p:grpSpPr>
-        <a:xfrm>
-          <a:off x="0" y="0"/>
-          <a:ext cx="0" cy="0"/>
-          <a:chOff x="0" y="0"/>
-          <a:chExt cx="0" cy="0"/>
-        </a:xfrm>
-      </p:grpSpPr>
-      <p:sp>
-        <p:nvSpPr>
-          <p:cNvPr id="3" name="Espace réservé du contenu 2">
-            <a:extLst>
-              <a:ext uri="{FF2B5EF4-FFF2-40B4-BE49-F238E27FC236}">
-                <a16:creationId xmlns:a16="http://schemas.microsoft.com/office/drawing/2014/main" id="{E0BBB9DE-019C-C741-F224-494739D4B752}"/>
-              </a:ext>
-            </a:extLst>
-          </p:cNvPr>
-          <p:cNvSpPr>
-            <a:spLocks noGrp="1"/>
-          </p:cNvSpPr>
-          <p:nvPr>
-            <p:ph sz="half" idx="1"/>
-          </p:nvPr>
-        </p:nvSpPr>
-        <p:spPr>
-          <a:xfrm>
-            <a:off x="1115568" y="2478024"/>
-            <a:ext cx="10168128" cy="3694176"/>
-          </a:xfrm>
-        </p:spPr>
-        <p:txBody>
-          <a:bodyPr>
-            <a:normAutofit/>
-          </a:bodyPr>
-          <a:lstStyle/>
-          <a:p>
-            <a:r>
-              <a:rPr lang="fr-FR" b="1" dirty="0"/>
-              <a:t>Travail pour approfondir les notions / Valider ses acquis</a:t>
-            </a:r>
-          </a:p>
-          <a:p>
-            <a:pPr lvl="1"/>
-            <a:r>
-              <a:rPr lang="fr-FR" dirty="0"/>
-              <a:t>Résultats que vous pouvez soumettre par mail</a:t>
-            </a:r>
-          </a:p>
-          <a:p>
-            <a:pPr lvl="2"/>
-            <a:r>
-              <a:rPr lang="fr-FR" dirty="0"/>
-              <a:t>Bonnes pratiques en programmation : </a:t>
-            </a:r>
-          </a:p>
-          <a:p>
-            <a:pPr lvl="3"/>
-            <a:r>
-              <a:rPr lang="fr-FR" dirty="0"/>
-              <a:t>Code propre / documenté</a:t>
-            </a:r>
-          </a:p>
-          <a:p>
-            <a:pPr lvl="3"/>
-            <a:r>
-              <a:rPr lang="fr-FR" dirty="0"/>
-              <a:t>Utilisation de fonctions</a:t>
-            </a:r>
-          </a:p>
-          <a:p>
-            <a:pPr lvl="2"/>
-            <a:r>
-              <a:rPr lang="fr-FR" dirty="0"/>
-              <a:t>Présentation des résultats</a:t>
-            </a:r>
-          </a:p>
-          <a:p>
-            <a:pPr lvl="2"/>
-            <a:r>
-              <a:rPr lang="fr-FR" dirty="0"/>
-              <a:t>Analyse et critiques des résultats (aspect physique/mathématique)</a:t>
-            </a:r>
-          </a:p>
-        </p:txBody>
-      </p:sp>
-      <p:sp>
-        <p:nvSpPr>
-          <p:cNvPr id="2" name="Titre 1">
-            <a:extLst>
-              <a:ext uri="{FF2B5EF4-FFF2-40B4-BE49-F238E27FC236}">
-                <a16:creationId xmlns:a16="http://schemas.microsoft.com/office/drawing/2014/main" id="{90162AE8-C1B0-5C56-8313-DEE494F38273}"/>
-              </a:ext>
-            </a:extLst>
-          </p:cNvPr>
-          <p:cNvSpPr>
-            <a:spLocks noGrp="1"/>
-          </p:cNvSpPr>
-          <p:nvPr>
-            <p:ph type="title"/>
-          </p:nvPr>
-        </p:nvSpPr>
-        <p:spPr/>
-        <p:txBody>
-          <a:bodyPr/>
-          <a:lstStyle/>
-          <a:p>
-            <a:r>
-              <a:rPr lang="fr-FR" dirty="0"/>
-              <a:t>Approfondissement</a:t>
-            </a:r>
-          </a:p>
-        </p:txBody>
-      </p:sp>
-      <p:pic>
-        <p:nvPicPr>
-          <p:cNvPr id="5" name="Image 4" descr="Une image contenant texte&#10;&#10;Description générée automatiquement">
-            <a:extLst>
-              <a:ext uri="{FF2B5EF4-FFF2-40B4-BE49-F238E27FC236}">
-                <a16:creationId xmlns:a16="http://schemas.microsoft.com/office/drawing/2014/main" id="{204ADC40-1D61-539F-22ED-6B21D67FBDE6}"/>
-              </a:ext>
-            </a:extLst>
-          </p:cNvPr>
-          <p:cNvPicPr>
-            <a:picLocks noChangeAspect="1"/>
-          </p:cNvPicPr>
-          <p:nvPr/>
-        </p:nvPicPr>
-        <p:blipFill>
-          <a:blip r:embed="rId2">
-            <a:extLst>
-              <a:ext uri="{28A0092B-C50C-407E-A947-70E740481C1C}">
-                <a14:useLocalDpi xmlns:a14="http://schemas.microsoft.com/office/drawing/2010/main" val="0"/>
-              </a:ext>
-            </a:extLst>
-          </a:blip>
-          <a:stretch>
-            <a:fillRect/>
-          </a:stretch>
-        </p:blipFill>
-        <p:spPr>
-          <a:xfrm>
-            <a:off x="202922" y="5934456"/>
-            <a:ext cx="1825291" cy="749808"/>
-          </a:xfrm>
-          <a:prstGeom prst="rect">
-            <a:avLst/>
-          </a:prstGeom>
-        </p:spPr>
-      </p:pic>
-      <p:pic>
-        <p:nvPicPr>
-          <p:cNvPr id="1026" name="Picture 2">
-            <a:extLst>
-              <a:ext uri="{FF2B5EF4-FFF2-40B4-BE49-F238E27FC236}">
-                <a16:creationId xmlns:a16="http://schemas.microsoft.com/office/drawing/2014/main" id="{EEC3CC6F-ADB4-888A-B18B-7044585F0661}"/>
-              </a:ext>
-            </a:extLst>
-          </p:cNvPr>
-          <p:cNvPicPr>
-            <a:picLocks noChangeAspect="1" noChangeArrowheads="1"/>
-          </p:cNvPicPr>
-          <p:nvPr/>
-        </p:nvPicPr>
-        <p:blipFill>
-          <a:blip r:embed="rId3">
-            <a:extLst>
-              <a:ext uri="{28A0092B-C50C-407E-A947-70E740481C1C}">
-                <a14:useLocalDpi xmlns:a14="http://schemas.microsoft.com/office/drawing/2010/main" val="0"/>
-              </a:ext>
-            </a:extLst>
-          </a:blip>
-          <a:srcRect/>
-          <a:stretch>
-            <a:fillRect/>
-          </a:stretch>
-        </p:blipFill>
-        <p:spPr bwMode="auto">
-          <a:xfrm>
-            <a:off x="10552557" y="3042631"/>
-            <a:ext cx="1047750" cy="1219200"/>
-          </a:xfrm>
-          <a:prstGeom prst="rect">
-            <a:avLst/>
-          </a:prstGeom>
-          <a:noFill/>
-          <a:extLst>
-            <a:ext uri="{909E8E84-426E-40DD-AFC4-6F175D3DCCD1}">
-              <a14:hiddenFill xmlns:a14="http://schemas.microsoft.com/office/drawing/2010/main">
-                <a:solidFill>
-                  <a:srgbClr val="FFFFFF"/>
-                </a:solidFill>
-              </a14:hiddenFill>
-            </a:ext>
-          </a:extLst>
-        </p:spPr>
-      </p:pic>
-      <p:pic>
-        <p:nvPicPr>
-          <p:cNvPr id="4" name="Picture 8" descr="Résultat de recherche d'images pour &quot;spyder logo&quot;">
-            <a:extLst>
-              <a:ext uri="{FF2B5EF4-FFF2-40B4-BE49-F238E27FC236}">
-                <a16:creationId xmlns:a16="http://schemas.microsoft.com/office/drawing/2014/main" id="{7D86E94E-1CE4-F45E-69EA-100C66B3A897}"/>
-              </a:ext>
-            </a:extLst>
-          </p:cNvPr>
-          <p:cNvPicPr>
-            <a:picLocks noChangeAspect="1" noChangeArrowheads="1"/>
-          </p:cNvPicPr>
-          <p:nvPr/>
-        </p:nvPicPr>
-        <p:blipFill>
-          <a:blip r:embed="rId4">
-            <a:extLst>
-              <a:ext uri="{28A0092B-C50C-407E-A947-70E740481C1C}">
-                <a14:useLocalDpi xmlns:a14="http://schemas.microsoft.com/office/drawing/2010/main" val="0"/>
-              </a:ext>
-            </a:extLst>
-          </a:blip>
-          <a:srcRect/>
-          <a:stretch>
-            <a:fillRect/>
-          </a:stretch>
-        </p:blipFill>
-        <p:spPr bwMode="auto">
-          <a:xfrm>
-            <a:off x="10119668" y="4581003"/>
-            <a:ext cx="1913528" cy="956764"/>
-          </a:xfrm>
-          <a:prstGeom prst="rect">
-            <a:avLst/>
-          </a:prstGeom>
-          <a:noFill/>
-          <a:extLst>
-            <a:ext uri="{909E8E84-426E-40DD-AFC4-6F175D3DCCD1}">
-              <a14:hiddenFill xmlns:a14="http://schemas.microsoft.com/office/drawing/2010/main">
-                <a:solidFill>
-                  <a:srgbClr val="FFFFFF"/>
-                </a:solidFill>
-              </a14:hiddenFill>
-            </a:ext>
-          </a:extLst>
-        </p:spPr>
-      </p:pic>
-      <p:pic>
-        <p:nvPicPr>
-          <p:cNvPr id="7" name="Graphique 6" descr="Flèches de chevron avec un remplissage uni">
-            <a:extLst>
-              <a:ext uri="{FF2B5EF4-FFF2-40B4-BE49-F238E27FC236}">
-                <a16:creationId xmlns:a16="http://schemas.microsoft.com/office/drawing/2014/main" id="{80926F58-1C00-743C-5E30-C8AF32AD8C71}"/>
-              </a:ext>
-            </a:extLst>
-          </p:cNvPr>
-          <p:cNvPicPr>
-            <a:picLocks noChangeAspect="1"/>
-          </p:cNvPicPr>
-          <p:nvPr/>
-        </p:nvPicPr>
-        <p:blipFill>
-          <a:blip r:embed="rId5">
-            <a:extLst>
-              <a:ext uri="{28A0092B-C50C-407E-A947-70E740481C1C}">
-                <a14:useLocalDpi xmlns:a14="http://schemas.microsoft.com/office/drawing/2010/main" val="0"/>
-              </a:ext>
-              <a:ext uri="{96DAC541-7B7A-43D3-8B79-37D633B846F1}">
-                <asvg:svgBlip xmlns:asvg="http://schemas.microsoft.com/office/drawing/2016/SVG/main" r:embed="rId6"/>
-              </a:ext>
-            </a:extLst>
-          </a:blip>
-          <a:stretch>
-            <a:fillRect/>
-          </a:stretch>
-        </p:blipFill>
-        <p:spPr>
-          <a:xfrm>
-            <a:off x="7005291" y="437784"/>
-            <a:ext cx="1401288" cy="1401288"/>
-          </a:xfrm>
-          <a:prstGeom prst="rect">
-            <a:avLst/>
-          </a:prstGeom>
-        </p:spPr>
-      </p:pic>
-      <p:sp>
-        <p:nvSpPr>
-          <p:cNvPr id="6" name="ZoneTexte 5">
-            <a:extLst>
-              <a:ext uri="{FF2B5EF4-FFF2-40B4-BE49-F238E27FC236}">
-                <a16:creationId xmlns:a16="http://schemas.microsoft.com/office/drawing/2014/main" id="{53177DBA-E31C-6A08-5071-177B62FB5E96}"/>
-              </a:ext>
-            </a:extLst>
-          </p:cNvPr>
-          <p:cNvSpPr txBox="1"/>
-          <p:nvPr/>
-        </p:nvSpPr>
-        <p:spPr>
-          <a:xfrm>
-            <a:off x="8969659" y="1507987"/>
-            <a:ext cx="2435233" cy="369332"/>
-          </a:xfrm>
-          <a:prstGeom prst="rect">
-            <a:avLst/>
-          </a:prstGeom>
-          <a:solidFill>
-            <a:srgbClr val="7030A0"/>
-          </a:solidFill>
-        </p:spPr>
-        <p:txBody>
-          <a:bodyPr wrap="square">
-            <a:spAutoFit/>
-          </a:bodyPr>
-          <a:lstStyle/>
-          <a:p>
-            <a:pPr algn="ctr"/>
-            <a:r>
-              <a:rPr lang="fr-FR" b="1" i="1" dirty="0">
-                <a:solidFill>
-                  <a:schemeClr val="bg1"/>
-                </a:solidFill>
-              </a:rPr>
-              <a:t>ALLER PLUS LOIN</a:t>
-            </a:r>
-          </a:p>
-        </p:txBody>
-      </p:sp>
-    </p:spTree>
-    <p:extLst>
-      <p:ext uri="{BB962C8B-B14F-4D97-AF65-F5344CB8AC3E}">
-        <p14:creationId xmlns:p14="http://schemas.microsoft.com/office/powerpoint/2010/main" val="2954999839"/>
-      </p:ext>
-    </p:extLst>
-  </p:cSld>
-  <p:clrMapOvr>
-    <a:masterClrMapping/>
-  </p:clrMapOvr>
-</p:sld>
-</file>
-
-<file path=ppt/slides/slide26.xml><?xml version="1.0" encoding="utf-8"?>
-<p:sld xmlns:a="http://schemas.openxmlformats.org/drawingml/2006/main" xmlns:r="http://schemas.openxmlformats.org/officeDocument/2006/relationships" xmlns:p="http://schemas.openxmlformats.org/presentationml/2006/main">
-  <p:cSld>
-    <p:bg>
-      <p:bgPr>
-        <a:solidFill>
-          <a:schemeClr val="bg1"/>
-        </a:solidFill>
-        <a:effectLst/>
-      </p:bgPr>
-    </p:bg>
-    <p:spTree>
-      <p:nvGrpSpPr>
-        <p:cNvPr id="1" name=""/>
-        <p:cNvGrpSpPr/>
-        <p:nvPr/>
-      </p:nvGrpSpPr>
-      <p:grpSpPr>
-        <a:xfrm>
-          <a:off x="0" y="0"/>
-          <a:ext cx="0" cy="0"/>
-          <a:chOff x="0" y="0"/>
-          <a:chExt cx="0" cy="0"/>
-        </a:xfrm>
-      </p:grpSpPr>
-      <p:sp useBgFill="1">
-        <p:nvSpPr>
-          <p:cNvPr id="9" name="Rectangle 8">
-            <a:extLst>
-              <a:ext uri="{FF2B5EF4-FFF2-40B4-BE49-F238E27FC236}">
-                <a16:creationId xmlns:a16="http://schemas.microsoft.com/office/drawing/2014/main" id="{526E0BFB-CDF1-4990-8C11-AC849311E0A8}"/>
-              </a:ext>
-              <a:ext uri="{C183D7F6-B498-43B3-948B-1728B52AA6E4}">
-                <adec:decorative xmlns:adec="http://schemas.microsoft.com/office/drawing/2017/decorative" val="1"/>
-              </a:ext>
-            </a:extLst>
-          </p:cNvPr>
-          <p:cNvSpPr>
-            <a:spLocks noGrp="1" noRot="1" noChangeAspect="1" noMove="1" noResize="1" noEditPoints="1" noAdjustHandles="1" noChangeArrowheads="1" noChangeShapeType="1" noTextEdit="1"/>
-          </p:cNvSpPr>
-          <p:nvPr>
-            <p:extLst>
-              <p:ext uri="{386F3935-93C4-4BCD-93E2-E3B085C9AB24}">
-                <p16:designElem xmlns:p16="http://schemas.microsoft.com/office/powerpoint/2015/main" val="1"/>
-              </p:ext>
-            </p:extLst>
-          </p:nvPr>
-        </p:nvSpPr>
-        <p:spPr>
-          <a:xfrm>
-            <a:off x="0" y="0"/>
-            <a:ext cx="12192000" cy="6858000"/>
-          </a:xfrm>
-          <a:prstGeom prst="rect">
-            <a:avLst/>
-          </a:prstGeom>
-          <a:ln>
-            <a:noFill/>
-          </a:ln>
-        </p:spPr>
-        <p:style>
-          <a:lnRef idx="2">
-            <a:schemeClr val="accent1">
-              <a:shade val="50000"/>
-            </a:schemeClr>
-          </a:lnRef>
-          <a:fillRef idx="1">
-            <a:schemeClr val="accent1"/>
-          </a:fillRef>
-          <a:effectRef idx="0">
-            <a:schemeClr val="accent1"/>
-          </a:effectRef>
-          <a:fontRef idx="minor">
-            <a:schemeClr val="lt1"/>
-          </a:fontRef>
-        </p:style>
-        <p:txBody>
-          <a:bodyPr rtlCol="0" anchor="ctr"/>
-          <a:lstStyle/>
-          <a:p>
-            <a:pPr algn="ctr"/>
-            <a:endParaRPr lang="en-US"/>
-          </a:p>
-        </p:txBody>
-      </p:sp>
-      <p:pic>
-        <p:nvPicPr>
-          <p:cNvPr id="4" name="Picture 3">
-            <a:extLst>
-              <a:ext uri="{FF2B5EF4-FFF2-40B4-BE49-F238E27FC236}">
-                <a16:creationId xmlns:a16="http://schemas.microsoft.com/office/drawing/2014/main" id="{4C72F330-992B-B125-739B-F8303ED3A097}"/>
-              </a:ext>
-            </a:extLst>
-          </p:cNvPr>
-          <p:cNvPicPr>
-            <a:picLocks noChangeAspect="1"/>
-          </p:cNvPicPr>
-          <p:nvPr/>
-        </p:nvPicPr>
-        <p:blipFill rotWithShape="1">
-          <a:blip r:embed="rId2"/>
-          <a:srcRect t="11669" r="-1" b="426"/>
-          <a:stretch/>
-        </p:blipFill>
-        <p:spPr>
-          <a:xfrm>
-            <a:off x="-2" y="10"/>
-            <a:ext cx="8668512" cy="6857990"/>
-          </a:xfrm>
-          <a:prstGeom prst="rect">
-            <a:avLst/>
-          </a:prstGeom>
-        </p:spPr>
-      </p:pic>
-      <p:sp>
-        <p:nvSpPr>
-          <p:cNvPr id="11" name="Rectangle 10">
-            <a:extLst>
-              <a:ext uri="{FF2B5EF4-FFF2-40B4-BE49-F238E27FC236}">
-                <a16:creationId xmlns:a16="http://schemas.microsoft.com/office/drawing/2014/main" id="{6069A1F8-9BEB-4786-9694-FC48B2D75D21}"/>
-              </a:ext>
-              <a:ext uri="{C183D7F6-B498-43B3-948B-1728B52AA6E4}">
-                <adec:decorative xmlns:adec="http://schemas.microsoft.com/office/drawing/2017/decorative" val="1"/>
-              </a:ext>
-            </a:extLst>
-          </p:cNvPr>
-          <p:cNvSpPr>
-            <a:spLocks noGrp="1" noRot="1" noChangeAspect="1" noMove="1" noResize="1" noEditPoints="1" noAdjustHandles="1" noChangeArrowheads="1" noChangeShapeType="1" noTextEdit="1"/>
-          </p:cNvSpPr>
-          <p:nvPr>
-            <p:extLst>
-              <p:ext uri="{386F3935-93C4-4BCD-93E2-E3B085C9AB24}">
-                <p16:designElem xmlns:p16="http://schemas.microsoft.com/office/powerpoint/2015/main" val="1"/>
-              </p:ext>
-            </p:extLst>
-          </p:nvPr>
-        </p:nvSpPr>
-        <p:spPr>
-          <a:xfrm flipH="1">
-            <a:off x="2788244" y="0"/>
-            <a:ext cx="9403756" cy="6858000"/>
-          </a:xfrm>
-          <a:prstGeom prst="rect">
-            <a:avLst/>
-          </a:prstGeom>
-          <a:gradFill>
-            <a:gsLst>
-              <a:gs pos="58000">
-                <a:schemeClr val="bg1"/>
-              </a:gs>
-              <a:gs pos="30000">
-                <a:schemeClr val="bg1">
-                  <a:alpha val="64000"/>
-                </a:schemeClr>
-              </a:gs>
-              <a:gs pos="0">
-                <a:schemeClr val="bg1">
-                  <a:alpha val="0"/>
-                </a:schemeClr>
-              </a:gs>
-              <a:gs pos="100000">
-                <a:schemeClr val="bg1"/>
-              </a:gs>
-            </a:gsLst>
-            <a:lin ang="10800000" scaled="0"/>
-          </a:gradFill>
-          <a:ln>
-            <a:noFill/>
-          </a:ln>
-        </p:spPr>
-        <p:style>
-          <a:lnRef idx="2">
-            <a:schemeClr val="accent1">
-              <a:shade val="50000"/>
-            </a:schemeClr>
-          </a:lnRef>
-          <a:fillRef idx="1">
-            <a:schemeClr val="accent1"/>
-          </a:fillRef>
-          <a:effectRef idx="0">
-            <a:schemeClr val="accent1"/>
-          </a:effectRef>
-          <a:fontRef idx="minor">
-            <a:schemeClr val="lt1"/>
-          </a:fontRef>
-        </p:style>
-        <p:txBody>
-          <a:bodyPr rtlCol="0" anchor="ctr"/>
-          <a:lstStyle/>
-          <a:p>
-            <a:pPr algn="ctr"/>
-            <a:endParaRPr lang="en-US" dirty="0"/>
-          </a:p>
-        </p:txBody>
-      </p:sp>
-      <p:sp>
-        <p:nvSpPr>
-          <p:cNvPr id="2" name="Titre 1">
-            <a:extLst>
-              <a:ext uri="{FF2B5EF4-FFF2-40B4-BE49-F238E27FC236}">
-                <a16:creationId xmlns:a16="http://schemas.microsoft.com/office/drawing/2014/main" id="{CF8D1EB8-F6E7-EB54-1CC8-28472070B9FC}"/>
-              </a:ext>
-            </a:extLst>
-          </p:cNvPr>
-          <p:cNvSpPr>
-            <a:spLocks noGrp="1"/>
-          </p:cNvSpPr>
-          <p:nvPr>
-            <p:ph type="ctrTitle"/>
-          </p:nvPr>
-        </p:nvSpPr>
-        <p:spPr>
-          <a:xfrm>
-            <a:off x="7848600" y="1122363"/>
-            <a:ext cx="4023360" cy="3204134"/>
-          </a:xfrm>
-        </p:spPr>
-        <p:txBody>
-          <a:bodyPr anchor="b">
-            <a:normAutofit/>
-          </a:bodyPr>
-          <a:lstStyle/>
-          <a:p>
-            <a:r>
-              <a:rPr lang="fr-FR" sz="4800" dirty="0">
-                <a:latin typeface="Bahnschrift SemiBold" panose="020B0502040204020203" pitchFamily="34" charset="0"/>
-              </a:rPr>
-              <a:t>Evaluations</a:t>
-            </a:r>
-          </a:p>
-        </p:txBody>
-      </p:sp>
-      <p:sp>
-        <p:nvSpPr>
-          <p:cNvPr id="3" name="Sous-titre 2">
-            <a:extLst>
-              <a:ext uri="{FF2B5EF4-FFF2-40B4-BE49-F238E27FC236}">
-                <a16:creationId xmlns:a16="http://schemas.microsoft.com/office/drawing/2014/main" id="{BDFEFAEF-AB6A-BE8F-01E7-845FB609FA07}"/>
-              </a:ext>
-            </a:extLst>
-          </p:cNvPr>
-          <p:cNvSpPr>
-            <a:spLocks noGrp="1"/>
-          </p:cNvSpPr>
-          <p:nvPr>
-            <p:ph type="subTitle" idx="1"/>
-          </p:nvPr>
-        </p:nvSpPr>
-        <p:spPr>
-          <a:xfrm>
-            <a:off x="7848600" y="4872922"/>
-            <a:ext cx="4023360" cy="1208141"/>
-          </a:xfrm>
-        </p:spPr>
-        <p:txBody>
-          <a:bodyPr>
-            <a:normAutofit/>
-          </a:bodyPr>
-          <a:lstStyle/>
-          <a:p>
-            <a:r>
-              <a:rPr lang="fr-FR" sz="2000" dirty="0">
-                <a:latin typeface="Bahnschrift Light" panose="020B0502040204020203" pitchFamily="34" charset="0"/>
-              </a:rPr>
-              <a:t>Outils Numériques / Semestre 5 Institut d’Optique / B1_0</a:t>
-            </a:r>
-          </a:p>
-        </p:txBody>
-      </p:sp>
-      <p:sp>
-        <p:nvSpPr>
-          <p:cNvPr id="32" name="Rectangle 12">
-            <a:extLst>
-              <a:ext uri="{FF2B5EF4-FFF2-40B4-BE49-F238E27FC236}">
-                <a16:creationId xmlns:a16="http://schemas.microsoft.com/office/drawing/2014/main" id="{AF2F604E-43BE-4DC3-B983-E071523364F8}"/>
-              </a:ext>
-              <a:ext uri="{C183D7F6-B498-43B3-948B-1728B52AA6E4}">
-                <adec:decorative xmlns:adec="http://schemas.microsoft.com/office/drawing/2017/decorative" val="1"/>
-              </a:ext>
-            </a:extLst>
-          </p:cNvPr>
-          <p:cNvSpPr>
-            <a:spLocks noGrp="1" noRot="1" noChangeAspect="1" noMove="1" noResize="1" noEditPoints="1" noAdjustHandles="1" noChangeArrowheads="1" noChangeShapeType="1" noTextEdit="1"/>
-          </p:cNvSpPr>
-          <p:nvPr>
-            <p:extLst>
-              <p:ext uri="{386F3935-93C4-4BCD-93E2-E3B085C9AB24}">
-                <p16:designElem xmlns:p16="http://schemas.microsoft.com/office/powerpoint/2015/main" val="1"/>
-              </p:ext>
-            </p:extLst>
-          </p:nvPr>
-        </p:nvSpPr>
-        <p:spPr>
-          <a:xfrm rot="5400000">
-            <a:off x="8130540" y="346791"/>
-            <a:ext cx="146304" cy="704088"/>
-          </a:xfrm>
-          <a:prstGeom prst="rect">
-            <a:avLst/>
-          </a:prstGeom>
-          <a:solidFill>
-            <a:schemeClr val="accent1"/>
-          </a:solidFill>
-          <a:ln>
-            <a:noFill/>
-          </a:ln>
-        </p:spPr>
-        <p:style>
-          <a:lnRef idx="2">
-            <a:schemeClr val="accent1">
-              <a:shade val="50000"/>
-            </a:schemeClr>
-          </a:lnRef>
-          <a:fillRef idx="1">
-            <a:schemeClr val="accent1"/>
-          </a:fillRef>
-          <a:effectRef idx="0">
-            <a:schemeClr val="accent1"/>
-          </a:effectRef>
-          <a:fontRef idx="minor">
-            <a:schemeClr val="lt1"/>
-          </a:fontRef>
-        </p:style>
-        <p:txBody>
-          <a:bodyPr rtlCol="0" anchor="ctr"/>
-          <a:lstStyle/>
-          <a:p>
-            <a:pPr marL="0" marR="0" lvl="0" indent="0" algn="ctr" defTabSz="914400" rtl="0" eaLnBrk="1" fontAlgn="auto" latinLnBrk="0" hangingPunct="1">
-              <a:lnSpc>
-                <a:spcPct val="100000"/>
-              </a:lnSpc>
-              <a:spcBef>
-                <a:spcPts val="0"/>
-              </a:spcBef>
-              <a:spcAft>
-                <a:spcPts val="0"/>
-              </a:spcAft>
-              <a:buClrTx/>
-              <a:buSzTx/>
-              <a:buFontTx/>
-              <a:buNone/>
-              <a:tabLst/>
-              <a:defRPr/>
-            </a:pPr>
-            <a:endParaRPr kumimoji="0" lang="en-US" sz="1800" b="0" i="0" u="none" strike="noStrike" kern="1200" cap="none" spc="0" normalizeH="0" baseline="0" noProof="0">
-              <a:ln>
-                <a:noFill/>
-              </a:ln>
-              <a:solidFill>
-                <a:prstClr val="white"/>
-              </a:solidFill>
-              <a:effectLst/>
-              <a:uLnTx/>
-              <a:uFillTx/>
-              <a:latin typeface="Calibri" panose="020F0502020204030204"/>
-              <a:ea typeface="+mn-ea"/>
-              <a:cs typeface="+mn-cs"/>
-            </a:endParaRPr>
-          </a:p>
-        </p:txBody>
-      </p:sp>
-      <p:sp>
-        <p:nvSpPr>
-          <p:cNvPr id="33" name="Rectangle 14">
-            <a:extLst>
-              <a:ext uri="{FF2B5EF4-FFF2-40B4-BE49-F238E27FC236}">
-                <a16:creationId xmlns:a16="http://schemas.microsoft.com/office/drawing/2014/main" id="{08C9B587-E65E-4B52-B37C-ABEBB6E87928}"/>
-              </a:ext>
-              <a:ext uri="{C183D7F6-B498-43B3-948B-1728B52AA6E4}">
-                <adec:decorative xmlns:adec="http://schemas.microsoft.com/office/drawing/2017/decorative" val="1"/>
-              </a:ext>
-            </a:extLst>
-          </p:cNvPr>
-          <p:cNvSpPr>
-            <a:spLocks noGrp="1" noRot="1" noChangeAspect="1" noMove="1" noResize="1" noEditPoints="1" noAdjustHandles="1" noChangeArrowheads="1" noChangeShapeType="1" noTextEdit="1"/>
-          </p:cNvSpPr>
-          <p:nvPr>
-            <p:extLst>
-              <p:ext uri="{386F3935-93C4-4BCD-93E2-E3B085C9AB24}">
-                <p16:designElem xmlns:p16="http://schemas.microsoft.com/office/powerpoint/2015/main" val="1"/>
-              </p:ext>
-            </p:extLst>
-          </p:nvPr>
-        </p:nvSpPr>
-        <p:spPr>
-          <a:xfrm>
-            <a:off x="7851648" y="4546920"/>
-            <a:ext cx="4023360" cy="18288"/>
-          </a:xfrm>
-          <a:prstGeom prst="rect">
-            <a:avLst/>
-          </a:prstGeom>
-          <a:solidFill>
-            <a:schemeClr val="tx1"/>
-          </a:solidFill>
-          <a:ln w="3175">
-            <a:noFill/>
-          </a:ln>
-          <a:effectLst/>
-        </p:spPr>
-        <p:style>
-          <a:lnRef idx="2">
-            <a:schemeClr val="accent1">
-              <a:shade val="50000"/>
-            </a:schemeClr>
-          </a:lnRef>
-          <a:fillRef idx="1">
-            <a:schemeClr val="accent1"/>
-          </a:fillRef>
-          <a:effectRef idx="0">
-            <a:schemeClr val="accent1"/>
-          </a:effectRef>
-          <a:fontRef idx="minor">
-            <a:schemeClr val="lt1"/>
-          </a:fontRef>
-        </p:style>
-        <p:txBody>
-          <a:bodyPr rtlCol="0" anchor="ctr"/>
-          <a:lstStyle/>
-          <a:p>
-            <a:pPr marL="0" marR="0" lvl="0" indent="0" algn="ctr" defTabSz="914400" rtl="0" eaLnBrk="1" fontAlgn="auto" latinLnBrk="0" hangingPunct="1">
-              <a:lnSpc>
-                <a:spcPct val="100000"/>
-              </a:lnSpc>
-              <a:spcBef>
-                <a:spcPts val="0"/>
-              </a:spcBef>
-              <a:spcAft>
-                <a:spcPts val="0"/>
-              </a:spcAft>
-              <a:buClrTx/>
-              <a:buSzTx/>
-              <a:buFontTx/>
-              <a:buNone/>
-              <a:tabLst/>
-              <a:defRPr/>
-            </a:pPr>
-            <a:endParaRPr kumimoji="0" lang="en-US" sz="1800" b="0" i="0" u="none" strike="noStrike" kern="1200" cap="none" spc="0" normalizeH="0" baseline="0" noProof="0">
-              <a:ln>
-                <a:noFill/>
-              </a:ln>
-              <a:solidFill>
-                <a:prstClr val="white"/>
-              </a:solidFill>
-              <a:effectLst/>
-              <a:uLnTx/>
-              <a:uFillTx/>
-              <a:latin typeface="Calibri" panose="020F0502020204030204"/>
-              <a:ea typeface="+mn-ea"/>
-              <a:cs typeface="+mn-cs"/>
-            </a:endParaRPr>
-          </a:p>
-        </p:txBody>
-      </p:sp>
-      <p:pic>
-        <p:nvPicPr>
-          <p:cNvPr id="6" name="Image 5" descr="Une image contenant texte&#10;&#10;Description générée automatiquement">
-            <a:extLst>
-              <a:ext uri="{FF2B5EF4-FFF2-40B4-BE49-F238E27FC236}">
-                <a16:creationId xmlns:a16="http://schemas.microsoft.com/office/drawing/2014/main" id="{3D75D9F9-6192-EA6A-A7C9-F09C6FC342AD}"/>
-              </a:ext>
-            </a:extLst>
-          </p:cNvPr>
-          <p:cNvPicPr>
-            <a:picLocks noChangeAspect="1"/>
-          </p:cNvPicPr>
-          <p:nvPr/>
-        </p:nvPicPr>
-        <p:blipFill>
-          <a:blip r:embed="rId3">
-            <a:extLst>
-              <a:ext uri="{28A0092B-C50C-407E-A947-70E740481C1C}">
-                <a14:useLocalDpi xmlns:a14="http://schemas.microsoft.com/office/drawing/2010/main" val="0"/>
-              </a:ext>
-            </a:extLst>
-          </a:blip>
-          <a:stretch>
-            <a:fillRect/>
-          </a:stretch>
-        </p:blipFill>
-        <p:spPr>
-          <a:xfrm>
-            <a:off x="168033" y="195172"/>
-            <a:ext cx="2452178" cy="1007326"/>
-          </a:xfrm>
-          <a:prstGeom prst="rect">
-            <a:avLst/>
-          </a:prstGeom>
-        </p:spPr>
-      </p:pic>
-    </p:spTree>
-    <p:extLst>
-      <p:ext uri="{BB962C8B-B14F-4D97-AF65-F5344CB8AC3E}">
         <p14:creationId xmlns:p14="http://schemas.microsoft.com/office/powerpoint/2010/main" val="493874568"/>
       </p:ext>
     </p:extLst>
@@ -13731,7 +10125,7 @@
 </p:sld>
 </file>
 
-<file path=ppt/slides/slide27.xml><?xml version="1.0" encoding="utf-8"?>
+<file path=ppt/slides/slide21.xml><?xml version="1.0" encoding="utf-8"?>
 <p:sld xmlns:a="http://schemas.openxmlformats.org/drawingml/2006/main" xmlns:r="http://schemas.openxmlformats.org/officeDocument/2006/relationships" xmlns:p="http://schemas.openxmlformats.org/presentationml/2006/main">
   <p:cSld>
     <p:spTree>

--- a/ONIP/onip_b0_intro/B0_0_Outils_Methodes.pptx
+++ b/ONIP/onip_b0_intro/B0_0_Outils_Methodes.pptx
@@ -13,19 +13,20 @@
     <p:sldId id="274" r:id="rId7"/>
     <p:sldId id="279" r:id="rId8"/>
     <p:sldId id="277" r:id="rId9"/>
-    <p:sldId id="280" r:id="rId10"/>
-    <p:sldId id="278" r:id="rId11"/>
-    <p:sldId id="272" r:id="rId12"/>
-    <p:sldId id="275" r:id="rId13"/>
-    <p:sldId id="258" r:id="rId14"/>
-    <p:sldId id="259" r:id="rId15"/>
-    <p:sldId id="263" r:id="rId16"/>
-    <p:sldId id="261" r:id="rId17"/>
-    <p:sldId id="260" r:id="rId18"/>
-    <p:sldId id="270" r:id="rId19"/>
-    <p:sldId id="269" r:id="rId20"/>
-    <p:sldId id="281" r:id="rId21"/>
-    <p:sldId id="282" r:id="rId22"/>
+    <p:sldId id="305" r:id="rId10"/>
+    <p:sldId id="280" r:id="rId11"/>
+    <p:sldId id="278" r:id="rId12"/>
+    <p:sldId id="272" r:id="rId13"/>
+    <p:sldId id="275" r:id="rId14"/>
+    <p:sldId id="258" r:id="rId15"/>
+    <p:sldId id="259" r:id="rId16"/>
+    <p:sldId id="263" r:id="rId17"/>
+    <p:sldId id="261" r:id="rId18"/>
+    <p:sldId id="260" r:id="rId19"/>
+    <p:sldId id="270" r:id="rId20"/>
+    <p:sldId id="269" r:id="rId21"/>
+    <p:sldId id="281" r:id="rId22"/>
+    <p:sldId id="282" r:id="rId23"/>
   </p:sldIdLst>
   <p:sldSz cx="12192000" cy="6858000"/>
   <p:notesSz cx="6858000" cy="9144000"/>
@@ -288,7 +289,7 @@
           <a:p>
             <a:fld id="{02AC24A9-CCB6-4F8D-B8DB-C2F3692CFA5A}" type="datetimeFigureOut">
               <a:rPr lang="en-US" smtClean="0"/>
-              <a:t>7/18/2023</a:t>
+              <a:t>7/24/2023</a:t>
             </a:fld>
             <a:endParaRPr lang="en-US" dirty="0"/>
           </a:p>
@@ -658,7 +659,7 @@
           <a:p>
             <a:fld id="{02AC24A9-CCB6-4F8D-B8DB-C2F3692CFA5A}" type="datetimeFigureOut">
               <a:rPr lang="en-US" smtClean="0"/>
-              <a:t>7/18/2023</a:t>
+              <a:t>7/24/2023</a:t>
             </a:fld>
             <a:endParaRPr lang="en-US"/>
           </a:p>
@@ -867,7 +868,7 @@
           <a:p>
             <a:fld id="{02AC24A9-CCB6-4F8D-B8DB-C2F3692CFA5A}" type="datetimeFigureOut">
               <a:rPr lang="en-US" smtClean="0"/>
-              <a:t>7/18/2023</a:t>
+              <a:t>7/24/2023</a:t>
             </a:fld>
             <a:endParaRPr lang="en-US"/>
           </a:p>
@@ -1337,7 +1338,7 @@
           <a:p>
             <a:fld id="{02AC24A9-CCB6-4F8D-B8DB-C2F3692CFA5A}" type="datetimeFigureOut">
               <a:rPr lang="en-US" smtClean="0"/>
-              <a:t>7/18/2023</a:t>
+              <a:t>7/24/2023</a:t>
             </a:fld>
             <a:endParaRPr lang="en-US"/>
           </a:p>
@@ -1791,7 +1792,7 @@
           <a:p>
             <a:fld id="{02AC24A9-CCB6-4F8D-B8DB-C2F3692CFA5A}" type="datetimeFigureOut">
               <a:rPr lang="en-US" smtClean="0"/>
-              <a:t>7/18/2023</a:t>
+              <a:t>7/24/2023</a:t>
             </a:fld>
             <a:endParaRPr lang="en-US"/>
           </a:p>
@@ -2323,7 +2324,7 @@
           <a:p>
             <a:fld id="{02AC24A9-CCB6-4F8D-B8DB-C2F3692CFA5A}" type="datetimeFigureOut">
               <a:rPr lang="en-US" smtClean="0"/>
-              <a:t>7/18/2023</a:t>
+              <a:t>7/24/2023</a:t>
             </a:fld>
             <a:endParaRPr lang="en-US"/>
           </a:p>
@@ -3022,7 +3023,7 @@
           <a:p>
             <a:fld id="{02AC24A9-CCB6-4F8D-B8DB-C2F3692CFA5A}" type="datetimeFigureOut">
               <a:rPr lang="en-US" smtClean="0"/>
-              <a:t>7/18/2023</a:t>
+              <a:t>7/24/2023</a:t>
             </a:fld>
             <a:endParaRPr lang="en-US"/>
           </a:p>
@@ -3351,7 +3352,7 @@
           <a:p>
             <a:fld id="{02AC24A9-CCB6-4F8D-B8DB-C2F3692CFA5A}" type="datetimeFigureOut">
               <a:rPr lang="en-US" smtClean="0"/>
-              <a:t>7/18/2023</a:t>
+              <a:t>7/24/2023</a:t>
             </a:fld>
             <a:endParaRPr lang="en-US"/>
           </a:p>
@@ -3464,7 +3465,7 @@
           <a:p>
             <a:fld id="{02AC24A9-CCB6-4F8D-B8DB-C2F3692CFA5A}" type="datetimeFigureOut">
               <a:rPr lang="en-US" smtClean="0"/>
-              <a:t>7/18/2023</a:t>
+              <a:t>7/24/2023</a:t>
             </a:fld>
             <a:endParaRPr lang="en-US"/>
           </a:p>
@@ -3959,7 +3960,7 @@
           <a:p>
             <a:fld id="{02AC24A9-CCB6-4F8D-B8DB-C2F3692CFA5A}" type="datetimeFigureOut">
               <a:rPr lang="en-US" smtClean="0"/>
-              <a:t>7/18/2023</a:t>
+              <a:t>7/24/2023</a:t>
             </a:fld>
             <a:endParaRPr lang="en-US" dirty="0"/>
           </a:p>
@@ -4436,7 +4437,7 @@
           <a:p>
             <a:fld id="{02AC24A9-CCB6-4F8D-B8DB-C2F3692CFA5A}" type="datetimeFigureOut">
               <a:rPr lang="en-US" smtClean="0"/>
-              <a:t>7/18/2023</a:t>
+              <a:t>7/24/2023</a:t>
             </a:fld>
             <a:endParaRPr lang="en-US"/>
           </a:p>
@@ -4679,7 +4680,7 @@
           <a:p>
             <a:fld id="{02AC24A9-CCB6-4F8D-B8DB-C2F3692CFA5A}" type="datetimeFigureOut">
               <a:rPr lang="en-US" smtClean="0"/>
-              <a:t>7/18/2023</a:t>
+              <a:t>7/24/2023</a:t>
             </a:fld>
             <a:endParaRPr lang="en-US"/>
           </a:p>
@@ -5601,10 +5602,10 @@
       </p:grpSpPr>
       <p:sp>
         <p:nvSpPr>
-          <p:cNvPr id="4" name="CustomShape 24">
-            <a:extLst>
-              <a:ext uri="{FF2B5EF4-FFF2-40B4-BE49-F238E27FC236}">
-                <a16:creationId xmlns:a16="http://schemas.microsoft.com/office/drawing/2014/main" id="{B290951D-7C6A-0EFE-13DC-D205B0D7DB62}"/>
+          <p:cNvPr id="5" name="CustomShape 23">
+            <a:extLst>
+              <a:ext uri="{FF2B5EF4-FFF2-40B4-BE49-F238E27FC236}">
+                <a16:creationId xmlns:a16="http://schemas.microsoft.com/office/drawing/2014/main" id="{54AD6CDA-C0C8-0E9A-AE5B-1DA4CE1BCC7E}"/>
               </a:ext>
             </a:extLst>
           </p:cNvPr>
@@ -5613,14 +5614,14 @@
         </p:nvSpPr>
         <p:spPr>
           <a:xfrm>
-            <a:off x="1199535" y="1729527"/>
+            <a:off x="1199536" y="1728216"/>
             <a:ext cx="4051393" cy="492443"/>
           </a:xfrm>
           <a:prstGeom prst="rect">
             <a:avLst/>
           </a:prstGeom>
           <a:solidFill>
-            <a:schemeClr val="accent5">
+            <a:schemeClr val="accent1">
               <a:lumMod val="60000"/>
               <a:lumOff val="40000"/>
             </a:schemeClr>
@@ -5663,7 +5664,7 @@
                 <a:latin typeface="Trebuchet MS"/>
                 <a:ea typeface="Trebuchet MS"/>
               </a:rPr>
-              <a:t>Programmation / Outils</a:t>
+              <a:t>Programmation / Concepts</a:t>
             </a:r>
             <a:endParaRPr lang="fr-FR" sz="2000" b="0" strike="noStrike" spc="-1" dirty="0">
               <a:latin typeface="Arial"/>
@@ -5724,7 +5725,7 @@
           <a:p>
             <a:r>
               <a:rPr lang="fr-FR" dirty="0"/>
-              <a:t>Outils numériques pour l’</a:t>
+              <a:t>Concepts pour l’</a:t>
             </a:r>
             <a:r>
               <a:rPr lang="fr-FR" dirty="0" err="1"/>
@@ -5732,37 +5733,33 @@
             </a:r>
             <a:r>
               <a:rPr lang="fr-FR" dirty="0"/>
-              <a:t> en science</a:t>
+              <a:t> en science </a:t>
+            </a:r>
+            <a:r>
+              <a:rPr lang="fr-FR" sz="1800" i="1" dirty="0"/>
+              <a:t>(BONUS)</a:t>
             </a:r>
           </a:p>
           <a:p>
             <a:pPr lvl="1"/>
             <a:r>
               <a:rPr lang="fr-FR" dirty="0"/>
-              <a:t>utiliser, écrire, documenter et valider des </a:t>
+              <a:t>écrire et valider une </a:t>
             </a:r>
             <a:r>
               <a:rPr lang="fr-FR" b="1" dirty="0"/>
-              <a:t>fonctions</a:t>
+              <a:t>classe</a:t>
             </a:r>
             <a:r>
               <a:rPr lang="fr-FR" dirty="0"/>
-              <a:t> / </a:t>
-            </a:r>
-            <a:r>
-              <a:rPr lang="fr-FR" b="1" dirty="0"/>
-              <a:t>modules </a:t>
-            </a:r>
+              <a:t> dans un langage de haut niveau</a:t>
+            </a:r>
+          </a:p>
+          <a:p>
+            <a:pPr lvl="1"/>
             <a:r>
               <a:rPr lang="fr-FR" dirty="0"/>
-              <a:t>dans un langage de haut niveau (type Python ou Matlab)</a:t>
-            </a:r>
-          </a:p>
-          <a:p>
-            <a:pPr lvl="1"/>
-            <a:r>
-              <a:rPr lang="fr-FR" dirty="0"/>
-              <a:t>utiliser une </a:t>
+              <a:t>écrire une </a:t>
             </a:r>
             <a:r>
               <a:rPr lang="fr-FR" b="1" dirty="0"/>
@@ -5770,53 +5767,19 @@
             </a:r>
             <a:r>
               <a:rPr lang="fr-FR" dirty="0"/>
-              <a:t> / un </a:t>
+              <a:t> dans un langage de haut niveau et la </a:t>
             </a:r>
             <a:r>
               <a:rPr lang="fr-FR" b="1" dirty="0"/>
-              <a:t>module</a:t>
-            </a:r>
-            <a:r>
-              <a:rPr lang="fr-FR" dirty="0"/>
-              <a:t> dans un langage de haut niveau</a:t>
-            </a:r>
-          </a:p>
-          <a:p>
-            <a:pPr lvl="1"/>
-            <a:r>
-              <a:rPr lang="fr-FR" b="1" dirty="0"/>
-              <a:t>organiser les informations </a:t>
-            </a:r>
-            <a:r>
-              <a:rPr lang="fr-FR" dirty="0"/>
-              <a:t>à manipuler/générer</a:t>
-            </a:r>
-          </a:p>
-          <a:p>
-            <a:pPr lvl="1"/>
-            <a:r>
-              <a:rPr lang="fr-FR" dirty="0"/>
-              <a:t>gérer les versions de ses codes</a:t>
-            </a:r>
-          </a:p>
-          <a:p>
-            <a:pPr lvl="1"/>
-            <a:endParaRPr lang="fr-FR" dirty="0"/>
-          </a:p>
-          <a:p>
-            <a:pPr lvl="1"/>
-            <a:endParaRPr lang="fr-FR" dirty="0"/>
-          </a:p>
-          <a:p>
-            <a:pPr lvl="1"/>
-            <a:endParaRPr lang="fr-FR" dirty="0"/>
+              <a:t>documenter</a:t>
+            </a:r>
           </a:p>
         </p:txBody>
       </p:sp>
     </p:spTree>
     <p:extLst>
       <p:ext uri="{BB962C8B-B14F-4D97-AF65-F5344CB8AC3E}">
-        <p14:creationId xmlns:p14="http://schemas.microsoft.com/office/powerpoint/2010/main" val="3322999495"/>
+        <p14:creationId xmlns:p14="http://schemas.microsoft.com/office/powerpoint/2010/main" val="47697601"/>
       </p:ext>
     </p:extLst>
   </p:cSld>
@@ -5845,6 +5808,250 @@
       </p:grpSpPr>
       <p:sp>
         <p:nvSpPr>
+          <p:cNvPr id="4" name="CustomShape 24">
+            <a:extLst>
+              <a:ext uri="{FF2B5EF4-FFF2-40B4-BE49-F238E27FC236}">
+                <a16:creationId xmlns:a16="http://schemas.microsoft.com/office/drawing/2014/main" id="{B290951D-7C6A-0EFE-13DC-D205B0D7DB62}"/>
+              </a:ext>
+            </a:extLst>
+          </p:cNvPr>
+          <p:cNvSpPr/>
+          <p:nvPr/>
+        </p:nvSpPr>
+        <p:spPr>
+          <a:xfrm>
+            <a:off x="1199535" y="1729527"/>
+            <a:ext cx="4051393" cy="492443"/>
+          </a:xfrm>
+          <a:prstGeom prst="rect">
+            <a:avLst/>
+          </a:prstGeom>
+          <a:solidFill>
+            <a:schemeClr val="accent5">
+              <a:lumMod val="60000"/>
+              <a:lumOff val="40000"/>
+            </a:schemeClr>
+          </a:solidFill>
+          <a:ln w="0">
+            <a:noFill/>
+          </a:ln>
+        </p:spPr>
+        <p:style>
+          <a:lnRef idx="0">
+            <a:scrgbClr r="0" g="0" b="0"/>
+          </a:lnRef>
+          <a:fillRef idx="0">
+            <a:scrgbClr r="0" g="0" b="0"/>
+          </a:fillRef>
+          <a:effectRef idx="0">
+            <a:scrgbClr r="0" g="0" b="0"/>
+          </a:effectRef>
+          <a:fontRef idx="minor"/>
+        </p:style>
+        <p:txBody>
+          <a:bodyPr wrap="square" tIns="91440" bIns="91440">
+            <a:spAutoFit/>
+          </a:bodyPr>
+          <a:lstStyle/>
+          <a:p>
+            <a:pPr algn="ctr">
+              <a:lnSpc>
+                <a:spcPct val="100000"/>
+              </a:lnSpc>
+              <a:tabLst>
+                <a:tab pos="0" algn="l"/>
+              </a:tabLst>
+            </a:pPr>
+            <a:r>
+              <a:rPr lang="fr-FR" sz="2000" b="1" strike="noStrike" spc="-1" dirty="0">
+                <a:solidFill>
+                  <a:srgbClr val="666666"/>
+                </a:solidFill>
+                <a:latin typeface="Trebuchet MS"/>
+                <a:ea typeface="Trebuchet MS"/>
+              </a:rPr>
+              <a:t>Programmation / Outils</a:t>
+            </a:r>
+            <a:endParaRPr lang="fr-FR" sz="2000" b="0" strike="noStrike" spc="-1" dirty="0">
+              <a:latin typeface="Arial"/>
+            </a:endParaRPr>
+          </a:p>
+        </p:txBody>
+      </p:sp>
+      <p:sp>
+        <p:nvSpPr>
+          <p:cNvPr id="2" name="Titre 1">
+            <a:extLst>
+              <a:ext uri="{FF2B5EF4-FFF2-40B4-BE49-F238E27FC236}">
+                <a16:creationId xmlns:a16="http://schemas.microsoft.com/office/drawing/2014/main" id="{693DE99D-D7A2-89F5-4CDD-A4230BF00E5E}"/>
+              </a:ext>
+            </a:extLst>
+          </p:cNvPr>
+          <p:cNvSpPr>
+            <a:spLocks noGrp="1"/>
+          </p:cNvSpPr>
+          <p:nvPr>
+            <p:ph type="title"/>
+          </p:nvPr>
+        </p:nvSpPr>
+        <p:spPr/>
+        <p:txBody>
+          <a:bodyPr/>
+          <a:lstStyle/>
+          <a:p>
+            <a:r>
+              <a:rPr lang="fr-FR" dirty="0"/>
+              <a:t>Objectifs pédagogiques du module</a:t>
+            </a:r>
+          </a:p>
+        </p:txBody>
+      </p:sp>
+      <p:sp>
+        <p:nvSpPr>
+          <p:cNvPr id="3" name="Espace réservé du contenu 2">
+            <a:extLst>
+              <a:ext uri="{FF2B5EF4-FFF2-40B4-BE49-F238E27FC236}">
+                <a16:creationId xmlns:a16="http://schemas.microsoft.com/office/drawing/2014/main" id="{ED0C7B24-43B5-0D0C-B0F3-586EB157CED2}"/>
+              </a:ext>
+            </a:extLst>
+          </p:cNvPr>
+          <p:cNvSpPr>
+            <a:spLocks noGrp="1"/>
+          </p:cNvSpPr>
+          <p:nvPr>
+            <p:ph idx="1"/>
+          </p:nvPr>
+        </p:nvSpPr>
+        <p:spPr/>
+        <p:txBody>
+          <a:bodyPr>
+            <a:normAutofit/>
+          </a:bodyPr>
+          <a:lstStyle/>
+          <a:p>
+            <a:r>
+              <a:rPr lang="fr-FR" dirty="0"/>
+              <a:t>Outils numériques pour l’</a:t>
+            </a:r>
+            <a:r>
+              <a:rPr lang="fr-FR" dirty="0" err="1"/>
+              <a:t>ingénieur.e</a:t>
+            </a:r>
+            <a:r>
+              <a:rPr lang="fr-FR" dirty="0"/>
+              <a:t> en science</a:t>
+            </a:r>
+          </a:p>
+          <a:p>
+            <a:pPr lvl="1"/>
+            <a:r>
+              <a:rPr lang="fr-FR" dirty="0"/>
+              <a:t>utiliser, écrire, documenter et valider des </a:t>
+            </a:r>
+            <a:r>
+              <a:rPr lang="fr-FR" b="1" dirty="0"/>
+              <a:t>fonctions</a:t>
+            </a:r>
+            <a:r>
+              <a:rPr lang="fr-FR" dirty="0"/>
+              <a:t> / </a:t>
+            </a:r>
+            <a:r>
+              <a:rPr lang="fr-FR" b="1" dirty="0"/>
+              <a:t>modules </a:t>
+            </a:r>
+            <a:r>
+              <a:rPr lang="fr-FR" dirty="0"/>
+              <a:t>dans un langage de haut niveau (type Python ou Matlab)</a:t>
+            </a:r>
+          </a:p>
+          <a:p>
+            <a:pPr lvl="1"/>
+            <a:r>
+              <a:rPr lang="fr-FR" dirty="0"/>
+              <a:t>utiliser une </a:t>
+            </a:r>
+            <a:r>
+              <a:rPr lang="fr-FR" b="1" dirty="0"/>
+              <a:t>bibliothèque</a:t>
+            </a:r>
+            <a:r>
+              <a:rPr lang="fr-FR" dirty="0"/>
+              <a:t> / un </a:t>
+            </a:r>
+            <a:r>
+              <a:rPr lang="fr-FR" b="1" dirty="0"/>
+              <a:t>module</a:t>
+            </a:r>
+            <a:r>
+              <a:rPr lang="fr-FR" dirty="0"/>
+              <a:t> dans un langage de haut niveau</a:t>
+            </a:r>
+          </a:p>
+          <a:p>
+            <a:pPr lvl="1"/>
+            <a:r>
+              <a:rPr lang="fr-FR" b="1" dirty="0"/>
+              <a:t>organiser les informations </a:t>
+            </a:r>
+            <a:r>
+              <a:rPr lang="fr-FR" dirty="0"/>
+              <a:t>à manipuler/générer</a:t>
+            </a:r>
+          </a:p>
+          <a:p>
+            <a:pPr lvl="1"/>
+            <a:r>
+              <a:rPr lang="fr-FR" dirty="0"/>
+              <a:t>gérer les versions de ses codes</a:t>
+            </a:r>
+          </a:p>
+          <a:p>
+            <a:pPr lvl="1"/>
+            <a:endParaRPr lang="fr-FR" dirty="0"/>
+          </a:p>
+          <a:p>
+            <a:pPr lvl="1"/>
+            <a:endParaRPr lang="fr-FR" dirty="0"/>
+          </a:p>
+          <a:p>
+            <a:pPr lvl="1"/>
+            <a:endParaRPr lang="fr-FR" dirty="0"/>
+          </a:p>
+        </p:txBody>
+      </p:sp>
+    </p:spTree>
+    <p:extLst>
+      <p:ext uri="{BB962C8B-B14F-4D97-AF65-F5344CB8AC3E}">
+        <p14:creationId xmlns:p14="http://schemas.microsoft.com/office/powerpoint/2010/main" val="3322999495"/>
+      </p:ext>
+    </p:extLst>
+  </p:cSld>
+  <p:clrMapOvr>
+    <a:masterClrMapping/>
+  </p:clrMapOvr>
+</p:sld>
+</file>
+
+<file path=ppt/slides/slide12.xml><?xml version="1.0" encoding="utf-8"?>
+<p:sld xmlns:a="http://schemas.openxmlformats.org/drawingml/2006/main" xmlns:r="http://schemas.openxmlformats.org/officeDocument/2006/relationships" xmlns:p="http://schemas.openxmlformats.org/presentationml/2006/main">
+  <p:cSld>
+    <p:spTree>
+      <p:nvGrpSpPr>
+        <p:cNvPr id="1" name=""/>
+        <p:cNvGrpSpPr/>
+        <p:nvPr/>
+      </p:nvGrpSpPr>
+      <p:grpSpPr>
+        <a:xfrm>
+          <a:off x="0" y="0"/>
+          <a:ext cx="0" cy="0"/>
+          <a:chOff x="0" y="0"/>
+          <a:chExt cx="0" cy="0"/>
+        </a:xfrm>
+      </p:grpSpPr>
+      <p:sp>
+        <p:nvSpPr>
           <p:cNvPr id="2" name="Titre 1">
             <a:extLst>
               <a:ext uri="{FF2B5EF4-FFF2-40B4-BE49-F238E27FC236}">
@@ -6510,7 +6717,7 @@
 </p:sld>
 </file>
 
-<file path=ppt/slides/slide12.xml><?xml version="1.0" encoding="utf-8"?>
+<file path=ppt/slides/slide13.xml><?xml version="1.0" encoding="utf-8"?>
 <p:sld xmlns:a="http://schemas.openxmlformats.org/drawingml/2006/main" xmlns:r="http://schemas.openxmlformats.org/officeDocument/2006/relationships" xmlns:p="http://schemas.openxmlformats.org/presentationml/2006/main">
   <p:cSld>
     <p:bg>
@@ -7013,7 +7220,7 @@
 </p:sld>
 </file>
 
-<file path=ppt/slides/slide13.xml><?xml version="1.0" encoding="utf-8"?>
+<file path=ppt/slides/slide14.xml><?xml version="1.0" encoding="utf-8"?>
 <p:sld xmlns:a="http://schemas.openxmlformats.org/drawingml/2006/main" xmlns:r="http://schemas.openxmlformats.org/officeDocument/2006/relationships" xmlns:p="http://schemas.openxmlformats.org/presentationml/2006/main">
   <p:cSld>
     <p:spTree>
@@ -7458,7 +7665,7 @@
 </p:sld>
 </file>
 
-<file path=ppt/slides/slide14.xml><?xml version="1.0" encoding="utf-8"?>
+<file path=ppt/slides/slide15.xml><?xml version="1.0" encoding="utf-8"?>
 <p:sld xmlns:a="http://schemas.openxmlformats.org/drawingml/2006/main" xmlns:r="http://schemas.openxmlformats.org/officeDocument/2006/relationships" xmlns:p="http://schemas.openxmlformats.org/presentationml/2006/main">
   <p:cSld>
     <p:spTree>
@@ -7717,7 +7924,7 @@
 </p:sld>
 </file>
 
-<file path=ppt/slides/slide15.xml><?xml version="1.0" encoding="utf-8"?>
+<file path=ppt/slides/slide16.xml><?xml version="1.0" encoding="utf-8"?>
 <p:sld xmlns:a="http://schemas.openxmlformats.org/drawingml/2006/main" xmlns:r="http://schemas.openxmlformats.org/officeDocument/2006/relationships" xmlns:p="http://schemas.openxmlformats.org/presentationml/2006/main">
   <p:cSld>
     <p:bg>
@@ -8220,248 +8427,6 @@
 </p:sld>
 </file>
 
-<file path=ppt/slides/slide16.xml><?xml version="1.0" encoding="utf-8"?>
-<p:sld xmlns:a="http://schemas.openxmlformats.org/drawingml/2006/main" xmlns:r="http://schemas.openxmlformats.org/officeDocument/2006/relationships" xmlns:p="http://schemas.openxmlformats.org/presentationml/2006/main">
-  <p:cSld>
-    <p:spTree>
-      <p:nvGrpSpPr>
-        <p:cNvPr id="1" name=""/>
-        <p:cNvGrpSpPr/>
-        <p:nvPr/>
-      </p:nvGrpSpPr>
-      <p:grpSpPr>
-        <a:xfrm>
-          <a:off x="0" y="0"/>
-          <a:ext cx="0" cy="0"/>
-          <a:chOff x="0" y="0"/>
-          <a:chExt cx="0" cy="0"/>
-        </a:xfrm>
-      </p:grpSpPr>
-      <p:sp>
-        <p:nvSpPr>
-          <p:cNvPr id="3" name="Espace réservé du contenu 2">
-            <a:extLst>
-              <a:ext uri="{FF2B5EF4-FFF2-40B4-BE49-F238E27FC236}">
-                <a16:creationId xmlns:a16="http://schemas.microsoft.com/office/drawing/2014/main" id="{E0BBB9DE-019C-C741-F224-494739D4B752}"/>
-              </a:ext>
-            </a:extLst>
-          </p:cNvPr>
-          <p:cNvSpPr>
-            <a:spLocks noGrp="1"/>
-          </p:cNvSpPr>
-          <p:nvPr>
-            <p:ph sz="half" idx="1"/>
-          </p:nvPr>
-        </p:nvSpPr>
-        <p:spPr>
-          <a:xfrm>
-            <a:off x="1115568" y="2478024"/>
-            <a:ext cx="10407838" cy="3694176"/>
-          </a:xfrm>
-        </p:spPr>
-        <p:txBody>
-          <a:bodyPr>
-            <a:normAutofit/>
-          </a:bodyPr>
-          <a:lstStyle/>
-          <a:p>
-            <a:r>
-              <a:rPr lang="fr-FR" sz="2400" dirty="0"/>
-              <a:t>Développement sous </a:t>
-            </a:r>
-            <a:r>
-              <a:rPr lang="fr-FR" sz="2400" b="1" dirty="0"/>
-              <a:t>Python 3.9 </a:t>
-            </a:r>
-            <a:r>
-              <a:rPr lang="fr-FR" sz="2400" dirty="0"/>
-              <a:t>(min) / </a:t>
-            </a:r>
-            <a:r>
-              <a:rPr lang="fr-FR" sz="2400" b="1" dirty="0"/>
-              <a:t>Anaconda 3</a:t>
-            </a:r>
-            <a:r>
-              <a:rPr lang="fr-FR" sz="2400" dirty="0"/>
-              <a:t> / </a:t>
-            </a:r>
-            <a:r>
-              <a:rPr lang="fr-FR" sz="2400" b="1" dirty="0" err="1"/>
-              <a:t>Spyder</a:t>
-            </a:r>
-            <a:r>
-              <a:rPr lang="fr-FR" sz="2400" b="1" dirty="0"/>
-              <a:t> 5</a:t>
-            </a:r>
-          </a:p>
-          <a:p>
-            <a:pPr lvl="1"/>
-            <a:r>
-              <a:rPr lang="fr-FR" dirty="0"/>
-              <a:t>Style de code selon le guide </a:t>
-            </a:r>
-            <a:r>
-              <a:rPr lang="fr-FR" b="1" dirty="0"/>
-              <a:t>PEP 8</a:t>
-            </a:r>
-            <a:r>
-              <a:rPr lang="fr-FR" dirty="0"/>
-              <a:t>  </a:t>
-            </a:r>
-            <a:br>
-              <a:rPr lang="fr-FR" dirty="0"/>
-            </a:br>
-            <a:r>
-              <a:rPr lang="fr-FR" dirty="0"/>
-              <a:t>		https://peps.python.org/pep-0008/</a:t>
-            </a:r>
-          </a:p>
-          <a:p>
-            <a:pPr lvl="1"/>
-            <a:r>
-              <a:rPr lang="fr-FR" dirty="0"/>
-              <a:t>Style de commentaires et de documentation selon le guide </a:t>
-            </a:r>
-            <a:r>
-              <a:rPr lang="fr-FR" b="1" dirty="0"/>
-              <a:t>PEP 257 </a:t>
-            </a:r>
-            <a:br>
-              <a:rPr lang="fr-FR" b="1" dirty="0"/>
-            </a:br>
-            <a:r>
-              <a:rPr lang="fr-FR" b="1" dirty="0"/>
-              <a:t>		</a:t>
-            </a:r>
-            <a:r>
-              <a:rPr lang="fr-FR" dirty="0"/>
-              <a:t>https://peps.python.org/pep-0257/</a:t>
-            </a:r>
-          </a:p>
-          <a:p>
-            <a:r>
-              <a:rPr lang="fr-FR" sz="2400" dirty="0"/>
-              <a:t>Utilisation de bibliothèques standards (</a:t>
-            </a:r>
-            <a:r>
-              <a:rPr lang="fr-FR" sz="2400" dirty="0" err="1"/>
-              <a:t>Numpy</a:t>
-            </a:r>
-            <a:r>
-              <a:rPr lang="fr-FR" sz="2400" dirty="0"/>
-              <a:t>, </a:t>
-            </a:r>
-            <a:r>
-              <a:rPr lang="fr-FR" sz="2400" dirty="0" err="1"/>
-              <a:t>Matplotlib</a:t>
-            </a:r>
-            <a:r>
-              <a:rPr lang="fr-FR" sz="2400" dirty="0"/>
-              <a:t>, </a:t>
-            </a:r>
-            <a:r>
-              <a:rPr lang="fr-FR" sz="2400" dirty="0" err="1"/>
-              <a:t>Scipy</a:t>
-            </a:r>
-            <a:r>
-              <a:rPr lang="fr-FR" sz="2400" dirty="0"/>
-              <a:t>…)</a:t>
-            </a:r>
-          </a:p>
-          <a:p>
-            <a:r>
-              <a:rPr lang="fr-FR" sz="2400" dirty="0"/>
-              <a:t>Découpage en fonctions simples (fichiers .</a:t>
-            </a:r>
-            <a:r>
-              <a:rPr lang="fr-FR" sz="2400" dirty="0" err="1"/>
-              <a:t>py</a:t>
-            </a:r>
-            <a:r>
-              <a:rPr lang="fr-FR" sz="2400" dirty="0"/>
-              <a:t> séparés)</a:t>
-            </a:r>
-            <a:endParaRPr lang="fr-FR" dirty="0"/>
-          </a:p>
-        </p:txBody>
-      </p:sp>
-      <p:sp>
-        <p:nvSpPr>
-          <p:cNvPr id="2" name="Titre 1">
-            <a:extLst>
-              <a:ext uri="{FF2B5EF4-FFF2-40B4-BE49-F238E27FC236}">
-                <a16:creationId xmlns:a16="http://schemas.microsoft.com/office/drawing/2014/main" id="{90162AE8-C1B0-5C56-8313-DEE494F38273}"/>
-              </a:ext>
-            </a:extLst>
-          </p:cNvPr>
-          <p:cNvSpPr>
-            <a:spLocks noGrp="1"/>
-          </p:cNvSpPr>
-          <p:nvPr>
-            <p:ph type="title"/>
-          </p:nvPr>
-        </p:nvSpPr>
-        <p:spPr/>
-        <p:txBody>
-          <a:bodyPr/>
-          <a:lstStyle/>
-          <a:p>
-            <a:r>
-              <a:rPr lang="fr-FR" dirty="0"/>
-              <a:t>Méthode de travail / Bonnes pratiques</a:t>
-            </a:r>
-          </a:p>
-        </p:txBody>
-      </p:sp>
-      <p:pic>
-        <p:nvPicPr>
-          <p:cNvPr id="5" name="Image 4" descr="Une image contenant texte&#10;&#10;Description générée automatiquement">
-            <a:extLst>
-              <a:ext uri="{FF2B5EF4-FFF2-40B4-BE49-F238E27FC236}">
-                <a16:creationId xmlns:a16="http://schemas.microsoft.com/office/drawing/2014/main" id="{204ADC40-1D61-539F-22ED-6B21D67FBDE6}"/>
-              </a:ext>
-            </a:extLst>
-          </p:cNvPr>
-          <p:cNvPicPr>
-            <a:picLocks noChangeAspect="1"/>
-          </p:cNvPicPr>
-          <p:nvPr/>
-        </p:nvPicPr>
-        <p:blipFill>
-          <a:blip r:embed="rId2">
-            <a:extLst>
-              <a:ext uri="{28A0092B-C50C-407E-A947-70E740481C1C}">
-                <a14:useLocalDpi xmlns:a14="http://schemas.microsoft.com/office/drawing/2010/main" val="0"/>
-              </a:ext>
-            </a:extLst>
-          </a:blip>
-          <a:stretch>
-            <a:fillRect/>
-          </a:stretch>
-        </p:blipFill>
-        <p:spPr>
-          <a:xfrm>
-            <a:off x="202922" y="5934456"/>
-            <a:ext cx="1825291" cy="749808"/>
-          </a:xfrm>
-          <a:prstGeom prst="rect">
-            <a:avLst/>
-          </a:prstGeom>
-        </p:spPr>
-      </p:pic>
-    </p:spTree>
-    <p:extLst>
-      <p:ext uri="{BB962C8B-B14F-4D97-AF65-F5344CB8AC3E}">
-        <p14:creationId xmlns:p14="http://schemas.microsoft.com/office/powerpoint/2010/main" val="3230963344"/>
-      </p:ext>
-    </p:extLst>
-  </p:cSld>
-  <p:clrMapOvr>
-    <a:masterClrMapping/>
-  </p:clrMapOvr>
-</p:sld>
-</file>
-
 <file path=ppt/slides/slide17.xml><?xml version="1.0" encoding="utf-8"?>
 <p:sld xmlns:a="http://schemas.openxmlformats.org/drawingml/2006/main" xmlns:r="http://schemas.openxmlformats.org/officeDocument/2006/relationships" xmlns:p="http://schemas.openxmlformats.org/presentationml/2006/main">
   <p:cSld>
@@ -8498,7 +8463,7 @@
         <p:spPr>
           <a:xfrm>
             <a:off x="1115568" y="2478024"/>
-            <a:ext cx="10168128" cy="3694176"/>
+            <a:ext cx="10407838" cy="3694176"/>
           </a:xfrm>
         </p:spPr>
         <p:txBody>
@@ -8508,30 +8473,122 @@
           <a:lstStyle/>
           <a:p>
             <a:r>
+              <a:rPr lang="fr-FR" sz="2400" dirty="0"/>
+              <a:t>Développement sous </a:t>
+            </a:r>
+            <a:r>
+              <a:rPr lang="fr-FR" sz="2400" b="1" dirty="0"/>
+              <a:t>Python 3.9 </a:t>
+            </a:r>
+            <a:r>
+              <a:rPr lang="fr-FR" sz="2400" dirty="0"/>
+              <a:t>(min) / </a:t>
+            </a:r>
+            <a:r>
+              <a:rPr lang="fr-FR" sz="2400" b="1" dirty="0"/>
+              <a:t>Anaconda 3</a:t>
+            </a:r>
+            <a:r>
+              <a:rPr lang="fr-FR" sz="2400" dirty="0"/>
+              <a:t> / </a:t>
+            </a:r>
+            <a:r>
+              <a:rPr lang="fr-FR" sz="2400" b="1" dirty="0" err="1"/>
+              <a:t>Spyder</a:t>
+            </a:r>
+            <a:r>
+              <a:rPr lang="fr-FR" sz="2400" b="1" dirty="0"/>
+              <a:t> 5</a:t>
+            </a:r>
+          </a:p>
+          <a:p>
+            <a:pPr lvl="1"/>
+            <a:r>
               <a:rPr lang="fr-FR" dirty="0"/>
-              <a:t>Démystifier les langages de haut niveau</a:t>
-            </a:r>
-            <a:endParaRPr lang="fr-FR" b="1" dirty="0"/>
+              <a:t>Style de code selon le guide </a:t>
+            </a:r>
+            <a:r>
+              <a:rPr lang="fr-FR" b="1" dirty="0"/>
+              <a:t>PEP 8</a:t>
+            </a:r>
+            <a:r>
+              <a:rPr lang="fr-FR" dirty="0"/>
+              <a:t>  </a:t>
+            </a:r>
+            <a:br>
+              <a:rPr lang="fr-FR" dirty="0"/>
+            </a:br>
+            <a:r>
+              <a:rPr lang="fr-FR" dirty="0"/>
+              <a:t>		https://peps.python.org/pep-0008/</a:t>
+            </a:r>
           </a:p>
           <a:p>
             <a:pPr lvl="1"/>
             <a:r>
               <a:rPr lang="fr-FR" dirty="0"/>
-              <a:t>Quelques notions théoriques</a:t>
-            </a:r>
-          </a:p>
-          <a:p>
-            <a:pPr lvl="1"/>
+              <a:t>Style de commentaires et de documentation selon le guide </a:t>
+            </a:r>
+            <a:r>
+              <a:rPr lang="fr-FR" b="1" dirty="0"/>
+              <a:t>PEP 257 </a:t>
+            </a:r>
+            <a:br>
+              <a:rPr lang="fr-FR" b="1" dirty="0"/>
+            </a:br>
+            <a:r>
+              <a:rPr lang="fr-FR" b="1" dirty="0"/>
+              <a:t>		</a:t>
+            </a:r>
             <a:r>
               <a:rPr lang="fr-FR" dirty="0"/>
-              <a:t>Des exemples pratiques en Python (ou C/C++)</a:t>
-            </a:r>
-          </a:p>
-          <a:p>
-            <a:r>
-              <a:rPr lang="fr-FR" dirty="0"/>
-              <a:t>Calcul scientifique / Plusieurs méthodes de résolution</a:t>
-            </a:r>
+              <a:t>https://peps.python.org/pep-0257/</a:t>
+            </a:r>
+          </a:p>
+          <a:p>
+            <a:r>
+              <a:rPr lang="fr-FR" sz="2400" dirty="0"/>
+              <a:t>Utilisation de bibliothèques standards (</a:t>
+            </a:r>
+            <a:r>
+              <a:rPr lang="fr-FR" sz="2400" dirty="0" err="1"/>
+              <a:t>Numpy</a:t>
+            </a:r>
+            <a:r>
+              <a:rPr lang="fr-FR" sz="2400" dirty="0"/>
+              <a:t>, </a:t>
+            </a:r>
+            <a:r>
+              <a:rPr lang="fr-FR" sz="2400" dirty="0" err="1"/>
+              <a:t>Matplotlib</a:t>
+            </a:r>
+            <a:r>
+              <a:rPr lang="fr-FR" sz="2400" dirty="0"/>
+              <a:t>, </a:t>
+            </a:r>
+            <a:r>
+              <a:rPr lang="fr-FR" sz="2400" dirty="0" err="1"/>
+              <a:t>Scipy</a:t>
+            </a:r>
+            <a:r>
+              <a:rPr lang="fr-FR" sz="2400" dirty="0"/>
+              <a:t>…)</a:t>
+            </a:r>
+          </a:p>
+          <a:p>
+            <a:r>
+              <a:rPr lang="fr-FR" sz="2400" dirty="0"/>
+              <a:t>Découpage en fonctions simples (fichiers .</a:t>
+            </a:r>
+            <a:r>
+              <a:rPr lang="fr-FR" sz="2400" dirty="0" err="1"/>
+              <a:t>py</a:t>
+            </a:r>
+            <a:r>
+              <a:rPr lang="fr-FR" sz="2400" dirty="0"/>
+              <a:t> séparés)</a:t>
+            </a:r>
+            <a:endParaRPr lang="fr-FR" dirty="0"/>
           </a:p>
         </p:txBody>
       </p:sp>
@@ -8558,7 +8615,7 @@
           <a:p>
             <a:r>
               <a:rPr lang="fr-FR" dirty="0"/>
-              <a:t>Méthode de travail / Bloc 1</a:t>
+              <a:t>Méthode de travail / Bonnes pratiques</a:t>
             </a:r>
           </a:p>
         </p:txBody>
@@ -8599,104 +8656,10 @@
           </a:prstGeom>
         </p:spPr>
       </p:pic>
-      <p:pic>
-        <p:nvPicPr>
-          <p:cNvPr id="1026" name="Picture 2">
-            <a:extLst>
-              <a:ext uri="{FF2B5EF4-FFF2-40B4-BE49-F238E27FC236}">
-                <a16:creationId xmlns:a16="http://schemas.microsoft.com/office/drawing/2014/main" id="{EEC3CC6F-ADB4-888A-B18B-7044585F0661}"/>
-              </a:ext>
-            </a:extLst>
-          </p:cNvPr>
-          <p:cNvPicPr>
-            <a:picLocks noChangeAspect="1" noChangeArrowheads="1"/>
-          </p:cNvPicPr>
-          <p:nvPr/>
-        </p:nvPicPr>
-        <p:blipFill>
-          <a:blip r:embed="rId3">
-            <a:extLst>
-              <a:ext uri="{28A0092B-C50C-407E-A947-70E740481C1C}">
-                <a14:useLocalDpi xmlns:a14="http://schemas.microsoft.com/office/drawing/2010/main" val="0"/>
-              </a:ext>
-            </a:extLst>
-          </a:blip>
-          <a:srcRect/>
-          <a:stretch>
-            <a:fillRect/>
-          </a:stretch>
-        </p:blipFill>
-        <p:spPr bwMode="auto">
-          <a:xfrm>
-            <a:off x="3389364" y="4715256"/>
-            <a:ext cx="1047750" cy="1219200"/>
-          </a:xfrm>
-          <a:prstGeom prst="rect">
-            <a:avLst/>
-          </a:prstGeom>
-          <a:noFill/>
-          <a:extLst>
-            <a:ext uri="{909E8E84-426E-40DD-AFC4-6F175D3DCCD1}">
-              <a14:hiddenFill xmlns:a14="http://schemas.microsoft.com/office/drawing/2010/main">
-                <a:solidFill>
-                  <a:srgbClr val="FFFFFF"/>
-                </a:solidFill>
-              </a14:hiddenFill>
-            </a:ext>
-          </a:extLst>
-        </p:spPr>
-      </p:pic>
-      <p:pic>
-        <p:nvPicPr>
-          <p:cNvPr id="4" name="Picture 8" descr="Résultat de recherche d'images pour &quot;spyder logo&quot;">
-            <a:extLst>
-              <a:ext uri="{FF2B5EF4-FFF2-40B4-BE49-F238E27FC236}">
-                <a16:creationId xmlns:a16="http://schemas.microsoft.com/office/drawing/2014/main" id="{7D86E94E-1CE4-F45E-69EA-100C66B3A897}"/>
-              </a:ext>
-            </a:extLst>
-          </p:cNvPr>
-          <p:cNvPicPr>
-            <a:picLocks noChangeAspect="1" noChangeArrowheads="1"/>
-          </p:cNvPicPr>
-          <p:nvPr/>
-        </p:nvPicPr>
-        <p:blipFill>
-          <a:blip r:embed="rId4">
-            <a:extLst>
-              <a:ext uri="{28A0092B-C50C-407E-A947-70E740481C1C}">
-                <a14:useLocalDpi xmlns:a14="http://schemas.microsoft.com/office/drawing/2010/main" val="0"/>
-              </a:ext>
-            </a:extLst>
-          </a:blip>
-          <a:srcRect/>
-          <a:stretch>
-            <a:fillRect/>
-          </a:stretch>
-        </p:blipFill>
-        <p:spPr bwMode="auto">
-          <a:xfrm>
-            <a:off x="7506412" y="4846474"/>
-            <a:ext cx="1913528" cy="956764"/>
-          </a:xfrm>
-          <a:prstGeom prst="rect">
-            <a:avLst/>
-          </a:prstGeom>
-          <a:noFill/>
-          <a:extLst>
-            <a:ext uri="{909E8E84-426E-40DD-AFC4-6F175D3DCCD1}">
-              <a14:hiddenFill xmlns:a14="http://schemas.microsoft.com/office/drawing/2010/main">
-                <a:solidFill>
-                  <a:srgbClr val="FFFFFF"/>
-                </a:solidFill>
-              </a14:hiddenFill>
-            </a:ext>
-          </a:extLst>
-        </p:spPr>
-      </p:pic>
     </p:spTree>
     <p:extLst>
       <p:ext uri="{BB962C8B-B14F-4D97-AF65-F5344CB8AC3E}">
-        <p14:creationId xmlns:p14="http://schemas.microsoft.com/office/powerpoint/2010/main" val="2211726380"/>
+        <p14:creationId xmlns:p14="http://schemas.microsoft.com/office/powerpoint/2010/main" val="3230963344"/>
       </p:ext>
     </p:extLst>
   </p:cSld>
@@ -8752,66 +8715,29 @@
           <a:lstStyle/>
           <a:p>
             <a:r>
-              <a:rPr lang="fr-FR" b="1" dirty="0"/>
-              <a:t>Travail à réaliser </a:t>
-            </a:r>
+              <a:rPr lang="fr-FR" dirty="0"/>
+              <a:t>Démystifier les langages de haut niveau</a:t>
+            </a:r>
+            <a:endParaRPr lang="fr-FR" b="1" dirty="0"/>
           </a:p>
           <a:p>
             <a:pPr lvl="1"/>
             <a:r>
               <a:rPr lang="fr-FR" dirty="0"/>
-              <a:t>Résultats à faire valider par </a:t>
-            </a:r>
-            <a:r>
-              <a:rPr lang="fr-FR" dirty="0" err="1"/>
-              <a:t>un.e</a:t>
-            </a:r>
+              <a:t>Quelques notions théoriques</a:t>
+            </a:r>
+          </a:p>
+          <a:p>
+            <a:pPr lvl="1"/>
             <a:r>
               <a:rPr lang="fr-FR" dirty="0"/>
-              <a:t> </a:t>
-            </a:r>
-            <a:r>
-              <a:rPr lang="fr-FR" dirty="0" err="1"/>
-              <a:t>encadrant.e</a:t>
-            </a:r>
+              <a:t>Des exemples pratiques en Python (ou C/C++)</a:t>
+            </a:r>
+          </a:p>
+          <a:p>
             <a:r>
               <a:rPr lang="fr-FR" dirty="0"/>
-              <a:t> durant la séance</a:t>
-            </a:r>
-          </a:p>
-          <a:p>
-            <a:pPr lvl="2"/>
-            <a:r>
-              <a:rPr lang="fr-FR" dirty="0"/>
-              <a:t>Bonnes pratiques en programmation : </a:t>
-            </a:r>
-          </a:p>
-          <a:p>
-            <a:pPr lvl="3"/>
-            <a:r>
-              <a:rPr lang="fr-FR" dirty="0"/>
-              <a:t>Code propre / documenté</a:t>
-            </a:r>
-          </a:p>
-          <a:p>
-            <a:pPr lvl="3"/>
-            <a:r>
-              <a:rPr lang="fr-FR" dirty="0"/>
-              <a:t>Utilisation de fonctions</a:t>
-            </a:r>
-          </a:p>
-          <a:p>
-            <a:pPr lvl="2"/>
-            <a:r>
-              <a:rPr lang="fr-FR" dirty="0"/>
-              <a:t>Présentation des résultats</a:t>
-            </a:r>
-          </a:p>
-          <a:p>
-            <a:pPr lvl="2"/>
-            <a:r>
-              <a:rPr lang="fr-FR" dirty="0"/>
-              <a:t>Analyse et critiques des résultats (aspect physique/mathématique)</a:t>
+              <a:t>Calcul scientifique / Plusieurs méthodes de résolution</a:t>
             </a:r>
           </a:p>
         </p:txBody>
@@ -8839,7 +8765,7 @@
           <a:p>
             <a:r>
               <a:rPr lang="fr-FR" dirty="0"/>
-              <a:t>Phases d’apprentissage</a:t>
+              <a:t>Méthode de travail / Bloc 1</a:t>
             </a:r>
           </a:p>
         </p:txBody>
@@ -8909,7 +8835,7 @@
         </p:blipFill>
         <p:spPr bwMode="auto">
           <a:xfrm>
-            <a:off x="10552557" y="3042631"/>
+            <a:off x="3389364" y="4715256"/>
             <a:ext cx="1047750" cy="1219200"/>
           </a:xfrm>
           <a:prstGeom prst="rect">
@@ -8956,7 +8882,7 @@
         </p:blipFill>
         <p:spPr bwMode="auto">
           <a:xfrm>
-            <a:off x="10119668" y="4581003"/>
+            <a:off x="7506412" y="4846474"/>
             <a:ext cx="1913528" cy="956764"/>
           </a:xfrm>
           <a:prstGeom prst="rect">
@@ -8974,87 +8900,10 @@
           </a:extLst>
         </p:spPr>
       </p:pic>
-      <p:pic>
-        <p:nvPicPr>
-          <p:cNvPr id="7" name="Graphique 6" descr="Flèches de chevron avec un remplissage uni">
-            <a:extLst>
-              <a:ext uri="{FF2B5EF4-FFF2-40B4-BE49-F238E27FC236}">
-                <a16:creationId xmlns:a16="http://schemas.microsoft.com/office/drawing/2014/main" id="{80926F58-1C00-743C-5E30-C8AF32AD8C71}"/>
-              </a:ext>
-            </a:extLst>
-          </p:cNvPr>
-          <p:cNvPicPr>
-            <a:picLocks noChangeAspect="1"/>
-          </p:cNvPicPr>
-          <p:nvPr/>
-        </p:nvPicPr>
-        <p:blipFill>
-          <a:blip r:embed="rId5">
-            <a:extLst>
-              <a:ext uri="{28A0092B-C50C-407E-A947-70E740481C1C}">
-                <a14:useLocalDpi xmlns:a14="http://schemas.microsoft.com/office/drawing/2010/main" val="0"/>
-              </a:ext>
-              <a:ext uri="{96DAC541-7B7A-43D3-8B79-37D633B846F1}">
-                <asvg:svgBlip xmlns:asvg="http://schemas.microsoft.com/office/drawing/2016/SVG/main" r:embed="rId6"/>
-              </a:ext>
-            </a:extLst>
-          </a:blip>
-          <a:stretch>
-            <a:fillRect/>
-          </a:stretch>
-        </p:blipFill>
-        <p:spPr>
-          <a:xfrm>
-            <a:off x="7005291" y="437784"/>
-            <a:ext cx="1401288" cy="1401288"/>
-          </a:xfrm>
-          <a:prstGeom prst="rect">
-            <a:avLst/>
-          </a:prstGeom>
-        </p:spPr>
-      </p:pic>
-      <p:sp>
-        <p:nvSpPr>
-          <p:cNvPr id="6" name="ZoneTexte 5">
-            <a:extLst>
-              <a:ext uri="{FF2B5EF4-FFF2-40B4-BE49-F238E27FC236}">
-                <a16:creationId xmlns:a16="http://schemas.microsoft.com/office/drawing/2014/main" id="{53177DBA-E31C-6A08-5071-177B62FB5E96}"/>
-              </a:ext>
-            </a:extLst>
-          </p:cNvPr>
-          <p:cNvSpPr txBox="1"/>
-          <p:nvPr/>
-        </p:nvSpPr>
-        <p:spPr>
-          <a:xfrm>
-            <a:off x="8969659" y="1507987"/>
-            <a:ext cx="2435233" cy="369332"/>
-          </a:xfrm>
-          <a:prstGeom prst="rect">
-            <a:avLst/>
-          </a:prstGeom>
-          <a:solidFill>
-            <a:srgbClr val="00B050"/>
-          </a:solidFill>
-        </p:spPr>
-        <p:txBody>
-          <a:bodyPr wrap="square">
-            <a:spAutoFit/>
-          </a:bodyPr>
-          <a:lstStyle/>
-          <a:p>
-            <a:pPr algn="ctr"/>
-            <a:r>
-              <a:rPr lang="fr-FR" b="1" i="1" dirty="0"/>
-              <a:t>S’ENTRAINER</a:t>
-            </a:r>
-          </a:p>
-        </p:txBody>
-      </p:sp>
     </p:spTree>
     <p:extLst>
       <p:ext uri="{BB962C8B-B14F-4D97-AF65-F5344CB8AC3E}">
-        <p14:creationId xmlns:p14="http://schemas.microsoft.com/office/powerpoint/2010/main" val="1124339619"/>
+        <p14:creationId xmlns:p14="http://schemas.microsoft.com/office/powerpoint/2010/main" val="2211726380"/>
       </p:ext>
     </p:extLst>
   </p:cSld>
@@ -9111,14 +8960,30 @@
           <a:p>
             <a:r>
               <a:rPr lang="fr-FR" b="1" dirty="0"/>
-              <a:t>Travail pour approfondir les notions / Valider ses acquis</a:t>
+              <a:t>Travail à réaliser </a:t>
             </a:r>
           </a:p>
           <a:p>
             <a:pPr lvl="1"/>
             <a:r>
               <a:rPr lang="fr-FR" dirty="0"/>
-              <a:t>Résultats que vous pouvez soumettre par mail</a:t>
+              <a:t>Résultats à faire valider par </a:t>
+            </a:r>
+            <a:r>
+              <a:rPr lang="fr-FR" dirty="0" err="1"/>
+              <a:t>un.e</a:t>
+            </a:r>
+            <a:r>
+              <a:rPr lang="fr-FR" dirty="0"/>
+              <a:t> </a:t>
+            </a:r>
+            <a:r>
+              <a:rPr lang="fr-FR" dirty="0" err="1"/>
+              <a:t>encadrant.e</a:t>
+            </a:r>
+            <a:r>
+              <a:rPr lang="fr-FR" dirty="0"/>
+              <a:t> durant la séance</a:t>
             </a:r>
           </a:p>
           <a:p>
@@ -9181,7 +9046,7 @@
           <a:p>
             <a:r>
               <a:rPr lang="fr-FR" dirty="0"/>
-              <a:t>Approfondissement</a:t>
+              <a:t>Phases d’apprentissage</a:t>
             </a:r>
           </a:p>
         </p:txBody>
@@ -9376,7 +9241,7 @@
             <a:avLst/>
           </a:prstGeom>
           <a:solidFill>
-            <a:srgbClr val="7030A0"/>
+            <a:srgbClr val="00B050"/>
           </a:solidFill>
         </p:spPr>
         <p:txBody>
@@ -9387,12 +9252,8 @@
           <a:p>
             <a:pPr algn="ctr"/>
             <a:r>
-              <a:rPr lang="fr-FR" b="1" i="1" dirty="0">
-                <a:solidFill>
-                  <a:schemeClr val="bg1"/>
-                </a:solidFill>
-              </a:rPr>
-              <a:t>ALLER PLUS LOIN</a:t>
+              <a:rPr lang="fr-FR" b="1" i="1" dirty="0"/>
+              <a:t>S’ENTRAINER</a:t>
             </a:r>
           </a:p>
         </p:txBody>
@@ -9400,7 +9261,7 @@
     </p:spTree>
     <p:extLst>
       <p:ext uri="{BB962C8B-B14F-4D97-AF65-F5344CB8AC3E}">
-        <p14:creationId xmlns:p14="http://schemas.microsoft.com/office/powerpoint/2010/main" val="2954999839"/>
+        <p14:creationId xmlns:p14="http://schemas.microsoft.com/office/powerpoint/2010/main" val="1124339619"/>
       </p:ext>
     </p:extLst>
   </p:cSld>
@@ -9601,8 +9462,38 @@
         </p:blipFill>
         <p:spPr>
           <a:xfrm>
-            <a:off x="7012560" y="4060722"/>
-            <a:ext cx="3604512" cy="2703384"/>
+            <a:off x="6199632" y="4385026"/>
+            <a:ext cx="2686405" cy="2014804"/>
+          </a:xfrm>
+          <a:prstGeom prst="rect">
+            <a:avLst/>
+          </a:prstGeom>
+        </p:spPr>
+      </p:pic>
+      <p:pic>
+        <p:nvPicPr>
+          <p:cNvPr id="6" name="Image 5">
+            <a:extLst>
+              <a:ext uri="{FF2B5EF4-FFF2-40B4-BE49-F238E27FC236}">
+                <a16:creationId xmlns:a16="http://schemas.microsoft.com/office/drawing/2014/main" id="{CB711335-F666-CACD-E7C7-DC017CA1E669}"/>
+              </a:ext>
+            </a:extLst>
+          </p:cNvPr>
+          <p:cNvPicPr>
+            <a:picLocks noChangeAspect="1"/>
+          </p:cNvPicPr>
+          <p:nvPr/>
+        </p:nvPicPr>
+        <p:blipFill>
+          <a:blip r:embed="rId4"/>
+          <a:stretch>
+            <a:fillRect/>
+          </a:stretch>
+        </p:blipFill>
+        <p:spPr>
+          <a:xfrm>
+            <a:off x="8970105" y="4509344"/>
+            <a:ext cx="2920768" cy="1833863"/>
           </a:xfrm>
           <a:prstGeom prst="rect">
             <a:avLst/>
@@ -9623,6 +9514,352 @@
 </file>
 
 <file path=ppt/slides/slide20.xml><?xml version="1.0" encoding="utf-8"?>
+<p:sld xmlns:a="http://schemas.openxmlformats.org/drawingml/2006/main" xmlns:r="http://schemas.openxmlformats.org/officeDocument/2006/relationships" xmlns:p="http://schemas.openxmlformats.org/presentationml/2006/main">
+  <p:cSld>
+    <p:spTree>
+      <p:nvGrpSpPr>
+        <p:cNvPr id="1" name=""/>
+        <p:cNvGrpSpPr/>
+        <p:nvPr/>
+      </p:nvGrpSpPr>
+      <p:grpSpPr>
+        <a:xfrm>
+          <a:off x="0" y="0"/>
+          <a:ext cx="0" cy="0"/>
+          <a:chOff x="0" y="0"/>
+          <a:chExt cx="0" cy="0"/>
+        </a:xfrm>
+      </p:grpSpPr>
+      <p:sp>
+        <p:nvSpPr>
+          <p:cNvPr id="3" name="Espace réservé du contenu 2">
+            <a:extLst>
+              <a:ext uri="{FF2B5EF4-FFF2-40B4-BE49-F238E27FC236}">
+                <a16:creationId xmlns:a16="http://schemas.microsoft.com/office/drawing/2014/main" id="{E0BBB9DE-019C-C741-F224-494739D4B752}"/>
+              </a:ext>
+            </a:extLst>
+          </p:cNvPr>
+          <p:cNvSpPr>
+            <a:spLocks noGrp="1"/>
+          </p:cNvSpPr>
+          <p:nvPr>
+            <p:ph sz="half" idx="1"/>
+          </p:nvPr>
+        </p:nvSpPr>
+        <p:spPr>
+          <a:xfrm>
+            <a:off x="1115568" y="2478024"/>
+            <a:ext cx="10168128" cy="3694176"/>
+          </a:xfrm>
+        </p:spPr>
+        <p:txBody>
+          <a:bodyPr>
+            <a:normAutofit/>
+          </a:bodyPr>
+          <a:lstStyle/>
+          <a:p>
+            <a:r>
+              <a:rPr lang="fr-FR" b="1" dirty="0"/>
+              <a:t>Travail pour approfondir les notions / Valider ses acquis</a:t>
+            </a:r>
+          </a:p>
+          <a:p>
+            <a:pPr lvl="1"/>
+            <a:r>
+              <a:rPr lang="fr-FR" dirty="0"/>
+              <a:t>Résultats que vous pouvez soumettre par mail</a:t>
+            </a:r>
+          </a:p>
+          <a:p>
+            <a:pPr lvl="2"/>
+            <a:r>
+              <a:rPr lang="fr-FR" dirty="0"/>
+              <a:t>Bonnes pratiques en programmation : </a:t>
+            </a:r>
+          </a:p>
+          <a:p>
+            <a:pPr lvl="3"/>
+            <a:r>
+              <a:rPr lang="fr-FR" dirty="0"/>
+              <a:t>Code propre / documenté</a:t>
+            </a:r>
+          </a:p>
+          <a:p>
+            <a:pPr lvl="3"/>
+            <a:r>
+              <a:rPr lang="fr-FR" dirty="0"/>
+              <a:t>Utilisation de fonctions</a:t>
+            </a:r>
+          </a:p>
+          <a:p>
+            <a:pPr lvl="2"/>
+            <a:r>
+              <a:rPr lang="fr-FR" dirty="0"/>
+              <a:t>Présentation des résultats</a:t>
+            </a:r>
+          </a:p>
+          <a:p>
+            <a:pPr lvl="2"/>
+            <a:r>
+              <a:rPr lang="fr-FR" dirty="0"/>
+              <a:t>Analyse et critiques des résultats (aspect physique/mathématique)</a:t>
+            </a:r>
+          </a:p>
+        </p:txBody>
+      </p:sp>
+      <p:sp>
+        <p:nvSpPr>
+          <p:cNvPr id="2" name="Titre 1">
+            <a:extLst>
+              <a:ext uri="{FF2B5EF4-FFF2-40B4-BE49-F238E27FC236}">
+                <a16:creationId xmlns:a16="http://schemas.microsoft.com/office/drawing/2014/main" id="{90162AE8-C1B0-5C56-8313-DEE494F38273}"/>
+              </a:ext>
+            </a:extLst>
+          </p:cNvPr>
+          <p:cNvSpPr>
+            <a:spLocks noGrp="1"/>
+          </p:cNvSpPr>
+          <p:nvPr>
+            <p:ph type="title"/>
+          </p:nvPr>
+        </p:nvSpPr>
+        <p:spPr/>
+        <p:txBody>
+          <a:bodyPr/>
+          <a:lstStyle/>
+          <a:p>
+            <a:r>
+              <a:rPr lang="fr-FR" dirty="0"/>
+              <a:t>Approfondissement</a:t>
+            </a:r>
+          </a:p>
+        </p:txBody>
+      </p:sp>
+      <p:pic>
+        <p:nvPicPr>
+          <p:cNvPr id="5" name="Image 4" descr="Une image contenant texte&#10;&#10;Description générée automatiquement">
+            <a:extLst>
+              <a:ext uri="{FF2B5EF4-FFF2-40B4-BE49-F238E27FC236}">
+                <a16:creationId xmlns:a16="http://schemas.microsoft.com/office/drawing/2014/main" id="{204ADC40-1D61-539F-22ED-6B21D67FBDE6}"/>
+              </a:ext>
+            </a:extLst>
+          </p:cNvPr>
+          <p:cNvPicPr>
+            <a:picLocks noChangeAspect="1"/>
+          </p:cNvPicPr>
+          <p:nvPr/>
+        </p:nvPicPr>
+        <p:blipFill>
+          <a:blip r:embed="rId2">
+            <a:extLst>
+              <a:ext uri="{28A0092B-C50C-407E-A947-70E740481C1C}">
+                <a14:useLocalDpi xmlns:a14="http://schemas.microsoft.com/office/drawing/2010/main" val="0"/>
+              </a:ext>
+            </a:extLst>
+          </a:blip>
+          <a:stretch>
+            <a:fillRect/>
+          </a:stretch>
+        </p:blipFill>
+        <p:spPr>
+          <a:xfrm>
+            <a:off x="202922" y="5934456"/>
+            <a:ext cx="1825291" cy="749808"/>
+          </a:xfrm>
+          <a:prstGeom prst="rect">
+            <a:avLst/>
+          </a:prstGeom>
+        </p:spPr>
+      </p:pic>
+      <p:pic>
+        <p:nvPicPr>
+          <p:cNvPr id="1026" name="Picture 2">
+            <a:extLst>
+              <a:ext uri="{FF2B5EF4-FFF2-40B4-BE49-F238E27FC236}">
+                <a16:creationId xmlns:a16="http://schemas.microsoft.com/office/drawing/2014/main" id="{EEC3CC6F-ADB4-888A-B18B-7044585F0661}"/>
+              </a:ext>
+            </a:extLst>
+          </p:cNvPr>
+          <p:cNvPicPr>
+            <a:picLocks noChangeAspect="1" noChangeArrowheads="1"/>
+          </p:cNvPicPr>
+          <p:nvPr/>
+        </p:nvPicPr>
+        <p:blipFill>
+          <a:blip r:embed="rId3">
+            <a:extLst>
+              <a:ext uri="{28A0092B-C50C-407E-A947-70E740481C1C}">
+                <a14:useLocalDpi xmlns:a14="http://schemas.microsoft.com/office/drawing/2010/main" val="0"/>
+              </a:ext>
+            </a:extLst>
+          </a:blip>
+          <a:srcRect/>
+          <a:stretch>
+            <a:fillRect/>
+          </a:stretch>
+        </p:blipFill>
+        <p:spPr bwMode="auto">
+          <a:xfrm>
+            <a:off x="10552557" y="3042631"/>
+            <a:ext cx="1047750" cy="1219200"/>
+          </a:xfrm>
+          <a:prstGeom prst="rect">
+            <a:avLst/>
+          </a:prstGeom>
+          <a:noFill/>
+          <a:extLst>
+            <a:ext uri="{909E8E84-426E-40DD-AFC4-6F175D3DCCD1}">
+              <a14:hiddenFill xmlns:a14="http://schemas.microsoft.com/office/drawing/2010/main">
+                <a:solidFill>
+                  <a:srgbClr val="FFFFFF"/>
+                </a:solidFill>
+              </a14:hiddenFill>
+            </a:ext>
+          </a:extLst>
+        </p:spPr>
+      </p:pic>
+      <p:pic>
+        <p:nvPicPr>
+          <p:cNvPr id="4" name="Picture 8" descr="Résultat de recherche d'images pour &quot;spyder logo&quot;">
+            <a:extLst>
+              <a:ext uri="{FF2B5EF4-FFF2-40B4-BE49-F238E27FC236}">
+                <a16:creationId xmlns:a16="http://schemas.microsoft.com/office/drawing/2014/main" id="{7D86E94E-1CE4-F45E-69EA-100C66B3A897}"/>
+              </a:ext>
+            </a:extLst>
+          </p:cNvPr>
+          <p:cNvPicPr>
+            <a:picLocks noChangeAspect="1" noChangeArrowheads="1"/>
+          </p:cNvPicPr>
+          <p:nvPr/>
+        </p:nvPicPr>
+        <p:blipFill>
+          <a:blip r:embed="rId4">
+            <a:extLst>
+              <a:ext uri="{28A0092B-C50C-407E-A947-70E740481C1C}">
+                <a14:useLocalDpi xmlns:a14="http://schemas.microsoft.com/office/drawing/2010/main" val="0"/>
+              </a:ext>
+            </a:extLst>
+          </a:blip>
+          <a:srcRect/>
+          <a:stretch>
+            <a:fillRect/>
+          </a:stretch>
+        </p:blipFill>
+        <p:spPr bwMode="auto">
+          <a:xfrm>
+            <a:off x="10119668" y="4581003"/>
+            <a:ext cx="1913528" cy="956764"/>
+          </a:xfrm>
+          <a:prstGeom prst="rect">
+            <a:avLst/>
+          </a:prstGeom>
+          <a:noFill/>
+          <a:extLst>
+            <a:ext uri="{909E8E84-426E-40DD-AFC4-6F175D3DCCD1}">
+              <a14:hiddenFill xmlns:a14="http://schemas.microsoft.com/office/drawing/2010/main">
+                <a:solidFill>
+                  <a:srgbClr val="FFFFFF"/>
+                </a:solidFill>
+              </a14:hiddenFill>
+            </a:ext>
+          </a:extLst>
+        </p:spPr>
+      </p:pic>
+      <p:pic>
+        <p:nvPicPr>
+          <p:cNvPr id="7" name="Graphique 6" descr="Flèches de chevron avec un remplissage uni">
+            <a:extLst>
+              <a:ext uri="{FF2B5EF4-FFF2-40B4-BE49-F238E27FC236}">
+                <a16:creationId xmlns:a16="http://schemas.microsoft.com/office/drawing/2014/main" id="{80926F58-1C00-743C-5E30-C8AF32AD8C71}"/>
+              </a:ext>
+            </a:extLst>
+          </p:cNvPr>
+          <p:cNvPicPr>
+            <a:picLocks noChangeAspect="1"/>
+          </p:cNvPicPr>
+          <p:nvPr/>
+        </p:nvPicPr>
+        <p:blipFill>
+          <a:blip r:embed="rId5">
+            <a:extLst>
+              <a:ext uri="{28A0092B-C50C-407E-A947-70E740481C1C}">
+                <a14:useLocalDpi xmlns:a14="http://schemas.microsoft.com/office/drawing/2010/main" val="0"/>
+              </a:ext>
+              <a:ext uri="{96DAC541-7B7A-43D3-8B79-37D633B846F1}">
+                <asvg:svgBlip xmlns:asvg="http://schemas.microsoft.com/office/drawing/2016/SVG/main" r:embed="rId6"/>
+              </a:ext>
+            </a:extLst>
+          </a:blip>
+          <a:stretch>
+            <a:fillRect/>
+          </a:stretch>
+        </p:blipFill>
+        <p:spPr>
+          <a:xfrm>
+            <a:off x="7005291" y="437784"/>
+            <a:ext cx="1401288" cy="1401288"/>
+          </a:xfrm>
+          <a:prstGeom prst="rect">
+            <a:avLst/>
+          </a:prstGeom>
+        </p:spPr>
+      </p:pic>
+      <p:sp>
+        <p:nvSpPr>
+          <p:cNvPr id="6" name="ZoneTexte 5">
+            <a:extLst>
+              <a:ext uri="{FF2B5EF4-FFF2-40B4-BE49-F238E27FC236}">
+                <a16:creationId xmlns:a16="http://schemas.microsoft.com/office/drawing/2014/main" id="{53177DBA-E31C-6A08-5071-177B62FB5E96}"/>
+              </a:ext>
+            </a:extLst>
+          </p:cNvPr>
+          <p:cNvSpPr txBox="1"/>
+          <p:nvPr/>
+        </p:nvSpPr>
+        <p:spPr>
+          <a:xfrm>
+            <a:off x="8969659" y="1507987"/>
+            <a:ext cx="2435233" cy="369332"/>
+          </a:xfrm>
+          <a:prstGeom prst="rect">
+            <a:avLst/>
+          </a:prstGeom>
+          <a:solidFill>
+            <a:srgbClr val="7030A0"/>
+          </a:solidFill>
+        </p:spPr>
+        <p:txBody>
+          <a:bodyPr wrap="square">
+            <a:spAutoFit/>
+          </a:bodyPr>
+          <a:lstStyle/>
+          <a:p>
+            <a:pPr algn="ctr"/>
+            <a:r>
+              <a:rPr lang="fr-FR" b="1" i="1" dirty="0">
+                <a:solidFill>
+                  <a:schemeClr val="bg1"/>
+                </a:solidFill>
+              </a:rPr>
+              <a:t>ALLER PLUS LOIN</a:t>
+            </a:r>
+          </a:p>
+        </p:txBody>
+      </p:sp>
+    </p:spTree>
+    <p:extLst>
+      <p:ext uri="{BB962C8B-B14F-4D97-AF65-F5344CB8AC3E}">
+        <p14:creationId xmlns:p14="http://schemas.microsoft.com/office/powerpoint/2010/main" val="2954999839"/>
+      </p:ext>
+    </p:extLst>
+  </p:cSld>
+  <p:clrMapOvr>
+    <a:masterClrMapping/>
+  </p:clrMapOvr>
+</p:sld>
+</file>
+
+<file path=ppt/slides/slide21.xml><?xml version="1.0" encoding="utf-8"?>
 <p:sld xmlns:a="http://schemas.openxmlformats.org/drawingml/2006/main" xmlns:r="http://schemas.openxmlformats.org/officeDocument/2006/relationships" xmlns:p="http://schemas.openxmlformats.org/presentationml/2006/main">
   <p:cSld>
     <p:bg>
@@ -10125,7 +10362,7 @@
 </p:sld>
 </file>
 
-<file path=ppt/slides/slide21.xml><?xml version="1.0" encoding="utf-8"?>
+<file path=ppt/slides/slide22.xml><?xml version="1.0" encoding="utf-8"?>
 <p:sld xmlns:a="http://schemas.openxmlformats.org/drawingml/2006/main" xmlns:r="http://schemas.openxmlformats.org/officeDocument/2006/relationships" xmlns:p="http://schemas.openxmlformats.org/presentationml/2006/main">
   <p:cSld>
     <p:spTree>
@@ -10498,12 +10735,47 @@
           </a:prstGeom>
         </p:spPr>
       </p:pic>
-      <p:sp>
-        <p:nvSpPr>
-          <p:cNvPr id="11" name="ZoneTexte 10">
-            <a:extLst>
-              <a:ext uri="{FF2B5EF4-FFF2-40B4-BE49-F238E27FC236}">
-                <a16:creationId xmlns:a16="http://schemas.microsoft.com/office/drawing/2014/main" id="{1E313015-21A2-6E4B-A197-44B7C196D9B4}"/>
+      <p:pic>
+        <p:nvPicPr>
+          <p:cNvPr id="3" name="Espace réservé du contenu 3">
+            <a:extLst>
+              <a:ext uri="{FF2B5EF4-FFF2-40B4-BE49-F238E27FC236}">
+                <a16:creationId xmlns:a16="http://schemas.microsoft.com/office/drawing/2014/main" id="{1A389AF4-5554-3AE7-B0C9-041E101C43C6}"/>
+              </a:ext>
+            </a:extLst>
+          </p:cNvPr>
+          <p:cNvPicPr>
+            <a:picLocks noGrp="1" noChangeAspect="1"/>
+          </p:cNvPicPr>
+          <p:nvPr>
+            <p:ph idx="1"/>
+          </p:nvPr>
+        </p:nvPicPr>
+        <p:blipFill>
+          <a:blip r:embed="rId3">
+            <a:extLst>
+              <a:ext uri="{28A0092B-C50C-407E-A947-70E740481C1C}">
+                <a14:useLocalDpi xmlns:a14="http://schemas.microsoft.com/office/drawing/2010/main" val="0"/>
+              </a:ext>
+            </a:extLst>
+          </a:blip>
+          <a:stretch>
+            <a:fillRect/>
+          </a:stretch>
+        </p:blipFill>
+        <p:spPr>
+          <a:xfrm>
+            <a:off x="7710649" y="3756583"/>
+            <a:ext cx="3711486" cy="2661423"/>
+          </a:xfrm>
+        </p:spPr>
+      </p:pic>
+      <p:sp>
+        <p:nvSpPr>
+          <p:cNvPr id="4" name="ZoneTexte 3">
+            <a:extLst>
+              <a:ext uri="{FF2B5EF4-FFF2-40B4-BE49-F238E27FC236}">
+                <a16:creationId xmlns:a16="http://schemas.microsoft.com/office/drawing/2014/main" id="{632DA94F-374C-4B54-B9E3-23A0E9436A4A}"/>
               </a:ext>
             </a:extLst>
           </p:cNvPr>
@@ -10511,9 +10783,9 @@
           <p:nvPr/>
         </p:nvSpPr>
         <p:spPr>
-          <a:xfrm rot="20680490">
-            <a:off x="8524568" y="3775848"/>
-            <a:ext cx="2674374" cy="369332"/>
+          <a:xfrm>
+            <a:off x="7710649" y="6418006"/>
+            <a:ext cx="4107726" cy="307777"/>
           </a:xfrm>
           <a:prstGeom prst="rect">
             <a:avLst/>
@@ -10527,9 +10799,387 @@
           <a:lstStyle/>
           <a:p>
             <a:r>
-              <a:rPr lang="fr-FR" dirty="0"/>
-              <a:t>Ajouter exemples</a:t>
-            </a:r>
+              <a:rPr lang="fr-FR" sz="1400" dirty="0"/>
+              <a:t>Interface Humain Machine - Pilotage</a:t>
+            </a:r>
+          </a:p>
+        </p:txBody>
+      </p:sp>
+      <p:pic>
+        <p:nvPicPr>
+          <p:cNvPr id="1026" name="Picture 2" descr="Formation Optical design with Zemax®-OpticStudio - Advanced - Formation  Continue - Institut d'Optique">
+            <a:extLst>
+              <a:ext uri="{FF2B5EF4-FFF2-40B4-BE49-F238E27FC236}">
+                <a16:creationId xmlns:a16="http://schemas.microsoft.com/office/drawing/2014/main" id="{82C90881-2E21-D2EF-99FC-C4935EDF0DCF}"/>
+              </a:ext>
+            </a:extLst>
+          </p:cNvPr>
+          <p:cNvPicPr>
+            <a:picLocks noChangeAspect="1" noChangeArrowheads="1"/>
+          </p:cNvPicPr>
+          <p:nvPr/>
+        </p:nvPicPr>
+        <p:blipFill>
+          <a:blip r:embed="rId4">
+            <a:extLst>
+              <a:ext uri="{28A0092B-C50C-407E-A947-70E740481C1C}">
+                <a14:useLocalDpi xmlns:a14="http://schemas.microsoft.com/office/drawing/2010/main" val="0"/>
+              </a:ext>
+            </a:extLst>
+          </a:blip>
+          <a:srcRect/>
+          <a:stretch>
+            <a:fillRect/>
+          </a:stretch>
+        </p:blipFill>
+        <p:spPr bwMode="auto">
+          <a:xfrm>
+            <a:off x="3534746" y="3758380"/>
+            <a:ext cx="3626203" cy="2659626"/>
+          </a:xfrm>
+          <a:prstGeom prst="rect">
+            <a:avLst/>
+          </a:prstGeom>
+          <a:noFill/>
+          <a:extLst>
+            <a:ext uri="{909E8E84-426E-40DD-AFC4-6F175D3DCCD1}">
+              <a14:hiddenFill xmlns:a14="http://schemas.microsoft.com/office/drawing/2010/main">
+                <a:solidFill>
+                  <a:srgbClr val="FFFFFF"/>
+                </a:solidFill>
+              </a14:hiddenFill>
+            </a:ext>
+          </a:extLst>
+        </p:spPr>
+      </p:pic>
+      <p:sp>
+        <p:nvSpPr>
+          <p:cNvPr id="8" name="ZoneTexte 7">
+            <a:extLst>
+              <a:ext uri="{FF2B5EF4-FFF2-40B4-BE49-F238E27FC236}">
+                <a16:creationId xmlns:a16="http://schemas.microsoft.com/office/drawing/2014/main" id="{DDA4109F-9FAB-4C85-843F-93D3956AA8EA}"/>
+              </a:ext>
+            </a:extLst>
+          </p:cNvPr>
+          <p:cNvSpPr txBox="1"/>
+          <p:nvPr/>
+        </p:nvSpPr>
+        <p:spPr>
+          <a:xfrm>
+            <a:off x="3537674" y="6418006"/>
+            <a:ext cx="4107726" cy="307777"/>
+          </a:xfrm>
+          <a:prstGeom prst="rect">
+            <a:avLst/>
+          </a:prstGeom>
+          <a:noFill/>
+        </p:spPr>
+        <p:txBody>
+          <a:bodyPr wrap="square" rtlCol="0">
+            <a:spAutoFit/>
+          </a:bodyPr>
+          <a:lstStyle/>
+          <a:p>
+            <a:r>
+              <a:rPr lang="fr-FR" sz="1400" dirty="0"/>
+              <a:t>Conception Optique – </a:t>
+            </a:r>
+            <a:r>
+              <a:rPr lang="fr-FR" sz="1100" i="1" dirty="0" err="1"/>
+              <a:t>Zemax-OpticStudio</a:t>
+            </a:r>
+            <a:endParaRPr lang="fr-FR" sz="1400" i="1" dirty="0"/>
+          </a:p>
+        </p:txBody>
+      </p:sp>
+      <p:pic>
+        <p:nvPicPr>
+          <p:cNvPr id="1028" name="Picture 4" descr="Détecteurs pour l'instrumentation">
+            <a:extLst>
+              <a:ext uri="{FF2B5EF4-FFF2-40B4-BE49-F238E27FC236}">
+                <a16:creationId xmlns:a16="http://schemas.microsoft.com/office/drawing/2014/main" id="{8B232668-C252-1B46-2AA7-097710DA024F}"/>
+              </a:ext>
+            </a:extLst>
+          </p:cNvPr>
+          <p:cNvPicPr>
+            <a:picLocks noChangeAspect="1" noChangeArrowheads="1"/>
+          </p:cNvPicPr>
+          <p:nvPr/>
+        </p:nvPicPr>
+        <p:blipFill>
+          <a:blip r:embed="rId5">
+            <a:extLst>
+              <a:ext uri="{28A0092B-C50C-407E-A947-70E740481C1C}">
+                <a14:useLocalDpi xmlns:a14="http://schemas.microsoft.com/office/drawing/2010/main" val="0"/>
+              </a:ext>
+            </a:extLst>
+          </a:blip>
+          <a:srcRect/>
+          <a:stretch>
+            <a:fillRect/>
+          </a:stretch>
+        </p:blipFill>
+        <p:spPr bwMode="auto">
+          <a:xfrm>
+            <a:off x="490355" y="3758380"/>
+            <a:ext cx="2461620" cy="1791512"/>
+          </a:xfrm>
+          <a:prstGeom prst="rect">
+            <a:avLst/>
+          </a:prstGeom>
+          <a:noFill/>
+          <a:extLst>
+            <a:ext uri="{909E8E84-426E-40DD-AFC4-6F175D3DCCD1}">
+              <a14:hiddenFill xmlns:a14="http://schemas.microsoft.com/office/drawing/2010/main">
+                <a:solidFill>
+                  <a:srgbClr val="FFFFFF"/>
+                </a:solidFill>
+              </a14:hiddenFill>
+            </a:ext>
+          </a:extLst>
+        </p:spPr>
+      </p:pic>
+      <p:sp>
+        <p:nvSpPr>
+          <p:cNvPr id="9" name="CustomShape 3">
+            <a:extLst>
+              <a:ext uri="{FF2B5EF4-FFF2-40B4-BE49-F238E27FC236}">
+                <a16:creationId xmlns:a16="http://schemas.microsoft.com/office/drawing/2014/main" id="{FB8CF8F7-3DF9-787C-85E0-19F42ECFDAE6}"/>
+              </a:ext>
+            </a:extLst>
+          </p:cNvPr>
+          <p:cNvSpPr/>
+          <p:nvPr/>
+        </p:nvSpPr>
+        <p:spPr>
+          <a:xfrm>
+            <a:off x="490356" y="2424310"/>
+            <a:ext cx="2461620" cy="677108"/>
+          </a:xfrm>
+          <a:prstGeom prst="rect">
+            <a:avLst/>
+          </a:prstGeom>
+          <a:solidFill>
+            <a:schemeClr val="tx1">
+              <a:lumMod val="65000"/>
+              <a:lumOff val="35000"/>
+            </a:schemeClr>
+          </a:solidFill>
+          <a:ln w="0">
+            <a:noFill/>
+          </a:ln>
+        </p:spPr>
+        <p:style>
+          <a:lnRef idx="0">
+            <a:scrgbClr r="0" g="0" b="0"/>
+          </a:lnRef>
+          <a:fillRef idx="0">
+            <a:scrgbClr r="0" g="0" b="0"/>
+          </a:fillRef>
+          <a:effectRef idx="0">
+            <a:scrgbClr r="0" g="0" b="0"/>
+          </a:effectRef>
+          <a:fontRef idx="minor"/>
+        </p:style>
+        <p:txBody>
+          <a:bodyPr wrap="square" tIns="91440" bIns="91440">
+            <a:spAutoFit/>
+          </a:bodyPr>
+          <a:lstStyle/>
+          <a:p>
+            <a:pPr algn="ctr">
+              <a:lnSpc>
+                <a:spcPct val="100000"/>
+              </a:lnSpc>
+              <a:tabLst>
+                <a:tab pos="0" algn="l"/>
+              </a:tabLst>
+            </a:pPr>
+            <a:r>
+              <a:rPr lang="fr-FR" sz="1600" b="1" strike="noStrike" spc="-1" dirty="0">
+                <a:solidFill>
+                  <a:schemeClr val="bg1"/>
+                </a:solidFill>
+                <a:latin typeface="Trebuchet MS"/>
+                <a:ea typeface="Trebuchet MS"/>
+              </a:rPr>
+              <a:t>Acquisition et  Traitement de données</a:t>
+            </a:r>
+            <a:endParaRPr lang="fr-FR" sz="1600" b="0" strike="noStrike" spc="-1" dirty="0">
+              <a:solidFill>
+                <a:schemeClr val="bg1"/>
+              </a:solidFill>
+              <a:latin typeface="Arial"/>
+            </a:endParaRPr>
+          </a:p>
+        </p:txBody>
+      </p:sp>
+      <p:sp>
+        <p:nvSpPr>
+          <p:cNvPr id="10" name="CustomShape 3">
+            <a:extLst>
+              <a:ext uri="{FF2B5EF4-FFF2-40B4-BE49-F238E27FC236}">
+                <a16:creationId xmlns:a16="http://schemas.microsoft.com/office/drawing/2014/main" id="{46A9104E-BE4B-C300-271D-773B95462CBF}"/>
+              </a:ext>
+            </a:extLst>
+          </p:cNvPr>
+          <p:cNvSpPr/>
+          <p:nvPr/>
+        </p:nvSpPr>
+        <p:spPr>
+          <a:xfrm>
+            <a:off x="3534745" y="2424310"/>
+            <a:ext cx="3626203" cy="677108"/>
+          </a:xfrm>
+          <a:prstGeom prst="rect">
+            <a:avLst/>
+          </a:prstGeom>
+          <a:solidFill>
+            <a:schemeClr val="tx1">
+              <a:lumMod val="65000"/>
+              <a:lumOff val="35000"/>
+            </a:schemeClr>
+          </a:solidFill>
+          <a:ln w="0">
+            <a:noFill/>
+          </a:ln>
+        </p:spPr>
+        <p:style>
+          <a:lnRef idx="0">
+            <a:scrgbClr r="0" g="0" b="0"/>
+          </a:lnRef>
+          <a:fillRef idx="0">
+            <a:scrgbClr r="0" g="0" b="0"/>
+          </a:fillRef>
+          <a:effectRef idx="0">
+            <a:scrgbClr r="0" g="0" b="0"/>
+          </a:effectRef>
+          <a:fontRef idx="minor"/>
+        </p:style>
+        <p:txBody>
+          <a:bodyPr wrap="square" tIns="91440" bIns="91440">
+            <a:spAutoFit/>
+          </a:bodyPr>
+          <a:lstStyle/>
+          <a:p>
+            <a:pPr algn="ctr">
+              <a:lnSpc>
+                <a:spcPct val="100000"/>
+              </a:lnSpc>
+              <a:tabLst>
+                <a:tab pos="0" algn="l"/>
+              </a:tabLst>
+            </a:pPr>
+            <a:r>
+              <a:rPr lang="fr-FR" sz="1600" b="1" strike="noStrike" spc="-1" dirty="0">
+                <a:solidFill>
+                  <a:schemeClr val="bg1"/>
+                </a:solidFill>
+                <a:latin typeface="Trebuchet MS"/>
+                <a:ea typeface="Trebuchet MS"/>
+              </a:rPr>
+              <a:t>Simulation / Modélisation Conception</a:t>
+            </a:r>
+            <a:endParaRPr lang="fr-FR" sz="1600" b="0" strike="noStrike" spc="-1" dirty="0">
+              <a:solidFill>
+                <a:schemeClr val="bg1"/>
+              </a:solidFill>
+              <a:latin typeface="Arial"/>
+            </a:endParaRPr>
+          </a:p>
+        </p:txBody>
+      </p:sp>
+      <p:sp>
+        <p:nvSpPr>
+          <p:cNvPr id="12" name="CustomShape 3">
+            <a:extLst>
+              <a:ext uri="{FF2B5EF4-FFF2-40B4-BE49-F238E27FC236}">
+                <a16:creationId xmlns:a16="http://schemas.microsoft.com/office/drawing/2014/main" id="{6ED3BA41-56BE-16D5-A9A1-947B4940C2DC}"/>
+              </a:ext>
+            </a:extLst>
+          </p:cNvPr>
+          <p:cNvSpPr/>
+          <p:nvPr/>
+        </p:nvSpPr>
+        <p:spPr>
+          <a:xfrm>
+            <a:off x="7743717" y="2424310"/>
+            <a:ext cx="3626203" cy="677108"/>
+          </a:xfrm>
+          <a:prstGeom prst="rect">
+            <a:avLst/>
+          </a:prstGeom>
+          <a:solidFill>
+            <a:schemeClr val="tx1">
+              <a:lumMod val="65000"/>
+              <a:lumOff val="35000"/>
+            </a:schemeClr>
+          </a:solidFill>
+          <a:ln w="0">
+            <a:noFill/>
+          </a:ln>
+        </p:spPr>
+        <p:style>
+          <a:lnRef idx="0">
+            <a:scrgbClr r="0" g="0" b="0"/>
+          </a:lnRef>
+          <a:fillRef idx="0">
+            <a:scrgbClr r="0" g="0" b="0"/>
+          </a:fillRef>
+          <a:effectRef idx="0">
+            <a:scrgbClr r="0" g="0" b="0"/>
+          </a:effectRef>
+          <a:fontRef idx="minor"/>
+        </p:style>
+        <p:txBody>
+          <a:bodyPr wrap="square" tIns="91440" bIns="91440">
+            <a:spAutoFit/>
+          </a:bodyPr>
+          <a:lstStyle/>
+          <a:p>
+            <a:pPr algn="ctr">
+              <a:lnSpc>
+                <a:spcPct val="100000"/>
+              </a:lnSpc>
+              <a:tabLst>
+                <a:tab pos="0" algn="l"/>
+              </a:tabLst>
+            </a:pPr>
+            <a:r>
+              <a:rPr lang="fr-FR" sz="1600" b="1" strike="noStrike" spc="-1" dirty="0">
+                <a:solidFill>
+                  <a:schemeClr val="bg1"/>
+                </a:solidFill>
+                <a:latin typeface="Trebuchet MS"/>
+                <a:ea typeface="Trebuchet MS"/>
+              </a:rPr>
+              <a:t>Interface de pilotage</a:t>
+            </a:r>
+            <a:br>
+              <a:rPr lang="fr-FR" sz="1600" b="1" strike="noStrike" spc="-1" dirty="0">
+                <a:solidFill>
+                  <a:schemeClr val="bg1"/>
+                </a:solidFill>
+                <a:latin typeface="Trebuchet MS"/>
+                <a:ea typeface="Trebuchet MS"/>
+              </a:rPr>
+            </a:br>
+            <a:r>
+              <a:rPr lang="fr-FR" sz="1600" b="1" strike="noStrike" spc="-1" dirty="0">
+                <a:solidFill>
+                  <a:schemeClr val="bg1"/>
+                </a:solidFill>
+                <a:latin typeface="Trebuchet MS"/>
+                <a:ea typeface="Trebuchet MS"/>
+              </a:rPr>
+              <a:t>Contrôle / Commande</a:t>
+            </a:r>
+            <a:endParaRPr lang="fr-FR" sz="1600" b="0" strike="noStrike" spc="-1" dirty="0">
+              <a:solidFill>
+                <a:schemeClr val="bg1"/>
+              </a:solidFill>
+              <a:latin typeface="Arial"/>
+            </a:endParaRPr>
           </a:p>
         </p:txBody>
       </p:sp>
@@ -12046,6 +12696,14 @@
 <file path=ppt/slides/slide9.xml><?xml version="1.0" encoding="utf-8"?>
 <p:sld xmlns:a="http://schemas.openxmlformats.org/drawingml/2006/main" xmlns:r="http://schemas.openxmlformats.org/officeDocument/2006/relationships" xmlns:p="http://schemas.openxmlformats.org/presentationml/2006/main">
   <p:cSld>
+    <p:bg>
+      <p:bgPr>
+        <a:solidFill>
+          <a:schemeClr val="accent1"/>
+        </a:solidFill>
+        <a:effectLst/>
+      </p:bgPr>
+    </p:bg>
     <p:spTree>
       <p:nvGrpSpPr>
         <p:cNvPr id="1" name=""/>
@@ -12062,82 +12720,10 @@
       </p:grpSpPr>
       <p:sp>
         <p:nvSpPr>
-          <p:cNvPr id="5" name="CustomShape 23">
-            <a:extLst>
-              <a:ext uri="{FF2B5EF4-FFF2-40B4-BE49-F238E27FC236}">
-                <a16:creationId xmlns:a16="http://schemas.microsoft.com/office/drawing/2014/main" id="{54AD6CDA-C0C8-0E9A-AE5B-1DA4CE1BCC7E}"/>
-              </a:ext>
-            </a:extLst>
-          </p:cNvPr>
-          <p:cNvSpPr/>
-          <p:nvPr/>
-        </p:nvSpPr>
-        <p:spPr>
-          <a:xfrm>
-            <a:off x="1199536" y="1728216"/>
-            <a:ext cx="4051393" cy="492443"/>
-          </a:xfrm>
-          <a:prstGeom prst="rect">
-            <a:avLst/>
-          </a:prstGeom>
-          <a:solidFill>
-            <a:schemeClr val="accent1">
-              <a:lumMod val="60000"/>
-              <a:lumOff val="40000"/>
-            </a:schemeClr>
-          </a:solidFill>
-          <a:ln w="0">
-            <a:noFill/>
-          </a:ln>
-        </p:spPr>
-        <p:style>
-          <a:lnRef idx="0">
-            <a:scrgbClr r="0" g="0" b="0"/>
-          </a:lnRef>
-          <a:fillRef idx="0">
-            <a:scrgbClr r="0" g="0" b="0"/>
-          </a:fillRef>
-          <a:effectRef idx="0">
-            <a:scrgbClr r="0" g="0" b="0"/>
-          </a:effectRef>
-          <a:fontRef idx="minor"/>
-        </p:style>
-        <p:txBody>
-          <a:bodyPr wrap="square" tIns="91440" bIns="91440">
-            <a:spAutoFit/>
-          </a:bodyPr>
-          <a:lstStyle/>
-          <a:p>
-            <a:pPr algn="ctr">
-              <a:lnSpc>
-                <a:spcPct val="100000"/>
-              </a:lnSpc>
-              <a:tabLst>
-                <a:tab pos="0" algn="l"/>
-              </a:tabLst>
-            </a:pPr>
-            <a:r>
-              <a:rPr lang="fr-FR" sz="2000" b="1" strike="noStrike" spc="-1" dirty="0">
-                <a:solidFill>
-                  <a:srgbClr val="666666"/>
-                </a:solidFill>
-                <a:latin typeface="Trebuchet MS"/>
-                <a:ea typeface="Trebuchet MS"/>
-              </a:rPr>
-              <a:t>Programmation / Concepts</a:t>
-            </a:r>
-            <a:endParaRPr lang="fr-FR" sz="2000" b="0" strike="noStrike" spc="-1" dirty="0">
-              <a:latin typeface="Arial"/>
-            </a:endParaRPr>
-          </a:p>
-        </p:txBody>
-      </p:sp>
-      <p:sp>
-        <p:nvSpPr>
           <p:cNvPr id="2" name="Titre 1">
             <a:extLst>
               <a:ext uri="{FF2B5EF4-FFF2-40B4-BE49-F238E27FC236}">
-                <a16:creationId xmlns:a16="http://schemas.microsoft.com/office/drawing/2014/main" id="{693DE99D-D7A2-89F5-4CDD-A4230BF00E5E}"/>
+                <a16:creationId xmlns:a16="http://schemas.microsoft.com/office/drawing/2014/main" id="{90162AE8-C1B0-5C56-8313-DEE494F38273}"/>
               </a:ext>
             </a:extLst>
           </p:cNvPr>
@@ -12155,7 +12741,7 @@
           <a:p>
             <a:r>
               <a:rPr lang="fr-FR" dirty="0"/>
-              <a:t>Objectifs pédagogiques du module</a:t>
+              <a:t>Doit-on faire confiance aux ordinateurs ?</a:t>
             </a:r>
           </a:p>
         </p:txBody>
@@ -12165,7 +12751,7 @@
           <p:cNvPr id="3" name="Espace réservé du contenu 2">
             <a:extLst>
               <a:ext uri="{FF2B5EF4-FFF2-40B4-BE49-F238E27FC236}">
-                <a16:creationId xmlns:a16="http://schemas.microsoft.com/office/drawing/2014/main" id="{ED0C7B24-43B5-0D0C-B0F3-586EB157CED2}"/>
+                <a16:creationId xmlns:a16="http://schemas.microsoft.com/office/drawing/2014/main" id="{E0BBB9DE-019C-C741-F224-494739D4B752}"/>
               </a:ext>
             </a:extLst>
           </p:cNvPr>
@@ -12173,73 +12759,171 @@
             <a:spLocks noGrp="1"/>
           </p:cNvSpPr>
           <p:nvPr>
-            <p:ph idx="1"/>
+            <p:ph sz="half" idx="1"/>
           </p:nvPr>
         </p:nvSpPr>
+        <p:spPr>
+          <a:xfrm>
+            <a:off x="1115567" y="2478024"/>
+            <a:ext cx="6855615" cy="3694176"/>
+          </a:xfrm>
+        </p:spPr>
+        <p:txBody>
+          <a:bodyPr/>
+          <a:lstStyle/>
+          <a:p>
+            <a:r>
+              <a:rPr lang="fr-FR" dirty="0">
+                <a:solidFill>
+                  <a:schemeClr val="bg1"/>
+                </a:solidFill>
+              </a:rPr>
+              <a:t>Que donnent les calculs suivants ?</a:t>
+            </a:r>
+          </a:p>
+          <a:p>
+            <a:endParaRPr lang="fr-FR" dirty="0">
+              <a:solidFill>
+                <a:schemeClr val="bg1"/>
+              </a:solidFill>
+            </a:endParaRPr>
+          </a:p>
+          <a:p>
+            <a:pPr marL="0" indent="0">
+              <a:buNone/>
+            </a:pPr>
+            <a:r>
+              <a:rPr lang="fr-FR" dirty="0">
+                <a:solidFill>
+                  <a:schemeClr val="bg1"/>
+                </a:solidFill>
+              </a:rPr>
+              <a:t>&gt; 		3 – 2 – 1  =  ??</a:t>
+            </a:r>
+          </a:p>
+          <a:p>
+            <a:pPr marL="0" indent="0">
+              <a:buNone/>
+            </a:pPr>
+            <a:r>
+              <a:rPr lang="fr-FR" dirty="0">
+                <a:solidFill>
+                  <a:schemeClr val="bg1"/>
+                </a:solidFill>
+              </a:rPr>
+              <a:t>&gt; 		0.3 – 0.2 – 0.1  =  ??</a:t>
+            </a:r>
+          </a:p>
+        </p:txBody>
+      </p:sp>
+      <p:pic>
+        <p:nvPicPr>
+          <p:cNvPr id="5" name="Image 4" descr="Une image contenant texte&#10;&#10;Description générée automatiquement">
+            <a:extLst>
+              <a:ext uri="{FF2B5EF4-FFF2-40B4-BE49-F238E27FC236}">
+                <a16:creationId xmlns:a16="http://schemas.microsoft.com/office/drawing/2014/main" id="{66D2630B-81F4-A4EB-21BA-8B90CF30BD92}"/>
+              </a:ext>
+            </a:extLst>
+          </p:cNvPr>
+          <p:cNvPicPr>
+            <a:picLocks noChangeAspect="1"/>
+          </p:cNvPicPr>
+          <p:nvPr/>
+        </p:nvPicPr>
+        <p:blipFill>
+          <a:blip r:embed="rId2">
+            <a:extLst>
+              <a:ext uri="{28A0092B-C50C-407E-A947-70E740481C1C}">
+                <a14:useLocalDpi xmlns:a14="http://schemas.microsoft.com/office/drawing/2010/main" val="0"/>
+              </a:ext>
+            </a:extLst>
+          </a:blip>
+          <a:stretch>
+            <a:fillRect/>
+          </a:stretch>
+        </p:blipFill>
+        <p:spPr>
+          <a:xfrm>
+            <a:off x="202922" y="5934456"/>
+            <a:ext cx="1825291" cy="749808"/>
+          </a:xfrm>
+          <a:prstGeom prst="rect">
+            <a:avLst/>
+          </a:prstGeom>
+        </p:spPr>
+      </p:pic>
+      <p:pic>
+        <p:nvPicPr>
+          <p:cNvPr id="6" name="Graphique 5" descr="Interface utilisateur ou expérience utilisateur avec un remplissage uni">
+            <a:extLst>
+              <a:ext uri="{FF2B5EF4-FFF2-40B4-BE49-F238E27FC236}">
+                <a16:creationId xmlns:a16="http://schemas.microsoft.com/office/drawing/2014/main" id="{46377AE9-DBA0-15AA-566B-DEADBC24E5E5}"/>
+              </a:ext>
+            </a:extLst>
+          </p:cNvPr>
+          <p:cNvPicPr>
+            <a:picLocks noChangeAspect="1"/>
+          </p:cNvPicPr>
+          <p:nvPr/>
+        </p:nvPicPr>
+        <p:blipFill>
+          <a:blip r:embed="rId3">
+            <a:extLst>
+              <a:ext uri="{28A0092B-C50C-407E-A947-70E740481C1C}">
+                <a14:useLocalDpi xmlns:a14="http://schemas.microsoft.com/office/drawing/2010/main" val="0"/>
+              </a:ext>
+              <a:ext uri="{96DAC541-7B7A-43D3-8B79-37D633B846F1}">
+                <asvg:svgBlip xmlns:asvg="http://schemas.microsoft.com/office/drawing/2016/SVG/main" r:embed="rId4"/>
+              </a:ext>
+            </a:extLst>
+          </a:blip>
+          <a:stretch>
+            <a:fillRect/>
+          </a:stretch>
+        </p:blipFill>
+        <p:spPr>
+          <a:xfrm>
+            <a:off x="8676968" y="2241755"/>
+            <a:ext cx="1691149" cy="1691149"/>
+          </a:xfrm>
+          <a:prstGeom prst="rect">
+            <a:avLst/>
+          </a:prstGeom>
+        </p:spPr>
+      </p:pic>
+      <p:sp>
+        <p:nvSpPr>
+          <p:cNvPr id="4" name="Espace réservé du numéro de diapositive 3">
+            <a:extLst>
+              <a:ext uri="{FF2B5EF4-FFF2-40B4-BE49-F238E27FC236}">
+                <a16:creationId xmlns:a16="http://schemas.microsoft.com/office/drawing/2014/main" id="{15F7906E-D833-6F65-C60D-FFEC9472273A}"/>
+              </a:ext>
+            </a:extLst>
+          </p:cNvPr>
+          <p:cNvSpPr>
+            <a:spLocks noGrp="1"/>
+          </p:cNvSpPr>
+          <p:nvPr>
+            <p:ph type="sldNum" sz="quarter" idx="12"/>
+          </p:nvPr>
+        </p:nvSpPr>
         <p:spPr/>
         <p:txBody>
-          <a:bodyPr>
-            <a:normAutofit/>
-          </a:bodyPr>
-          <a:lstStyle/>
-          <a:p>
-            <a:r>
-              <a:rPr lang="fr-FR" dirty="0"/>
-              <a:t>Concepts pour l’</a:t>
-            </a:r>
-            <a:r>
-              <a:rPr lang="fr-FR" dirty="0" err="1"/>
-              <a:t>ingénieur.e</a:t>
-            </a:r>
-            <a:r>
-              <a:rPr lang="fr-FR" dirty="0"/>
-              <a:t> en science </a:t>
-            </a:r>
-            <a:r>
-              <a:rPr lang="fr-FR" sz="1800" i="1" dirty="0"/>
-              <a:t>(BONUS)</a:t>
-            </a:r>
-          </a:p>
-          <a:p>
-            <a:pPr lvl="1"/>
-            <a:r>
-              <a:rPr lang="fr-FR" dirty="0"/>
-              <a:t>écrire et valider une </a:t>
-            </a:r>
-            <a:r>
-              <a:rPr lang="fr-FR" b="1" dirty="0"/>
-              <a:t>classe</a:t>
-            </a:r>
-            <a:r>
-              <a:rPr lang="fr-FR" dirty="0"/>
-              <a:t> dans un langage de haut niveau</a:t>
-            </a:r>
-          </a:p>
-          <a:p>
-            <a:pPr lvl="1"/>
-            <a:r>
-              <a:rPr lang="fr-FR" dirty="0"/>
-              <a:t>écrire une </a:t>
-            </a:r>
-            <a:r>
-              <a:rPr lang="fr-FR" b="1" dirty="0"/>
-              <a:t>bibliothèque</a:t>
-            </a:r>
-            <a:r>
-              <a:rPr lang="fr-FR" dirty="0"/>
-              <a:t> dans un langage de haut niveau et la </a:t>
-            </a:r>
-            <a:r>
-              <a:rPr lang="fr-FR" b="1" dirty="0"/>
-              <a:t>documenter</a:t>
-            </a:r>
+          <a:bodyPr/>
+          <a:lstStyle/>
+          <a:p>
+            <a:fld id="{B2DC25EE-239B-4C5F-AAD1-255A7D5F1EE2}" type="slidenum">
+              <a:rPr lang="en-US" smtClean="0"/>
+              <a:t>9</a:t>
+            </a:fld>
+            <a:endParaRPr lang="en-US"/>
           </a:p>
         </p:txBody>
       </p:sp>
     </p:spTree>
     <p:extLst>
       <p:ext uri="{BB962C8B-B14F-4D97-AF65-F5344CB8AC3E}">
-        <p14:creationId xmlns:p14="http://schemas.microsoft.com/office/powerpoint/2010/main" val="47697601"/>
+        <p14:creationId xmlns:p14="http://schemas.microsoft.com/office/powerpoint/2010/main" val="4273741977"/>
       </p:ext>
     </p:extLst>
   </p:cSld>

--- a/ONIP/onip_b0_intro/B0_0_Outils_Methodes.pptx
+++ b/ONIP/onip_b0_intro/B0_0_Outils_Methodes.pptx
@@ -289,7 +289,7 @@
           <a:p>
             <a:fld id="{02AC24A9-CCB6-4F8D-B8DB-C2F3692CFA5A}" type="datetimeFigureOut">
               <a:rPr lang="en-US" smtClean="0"/>
-              <a:t>7/24/2023</a:t>
+              <a:t>8/9/2023</a:t>
             </a:fld>
             <a:endParaRPr lang="en-US" dirty="0"/>
           </a:p>
@@ -659,7 +659,7 @@
           <a:p>
             <a:fld id="{02AC24A9-CCB6-4F8D-B8DB-C2F3692CFA5A}" type="datetimeFigureOut">
               <a:rPr lang="en-US" smtClean="0"/>
-              <a:t>7/24/2023</a:t>
+              <a:t>8/9/2023</a:t>
             </a:fld>
             <a:endParaRPr lang="en-US"/>
           </a:p>
@@ -868,7 +868,7 @@
           <a:p>
             <a:fld id="{02AC24A9-CCB6-4F8D-B8DB-C2F3692CFA5A}" type="datetimeFigureOut">
               <a:rPr lang="en-US" smtClean="0"/>
-              <a:t>7/24/2023</a:t>
+              <a:t>8/9/2023</a:t>
             </a:fld>
             <a:endParaRPr lang="en-US"/>
           </a:p>
@@ -1338,7 +1338,7 @@
           <a:p>
             <a:fld id="{02AC24A9-CCB6-4F8D-B8DB-C2F3692CFA5A}" type="datetimeFigureOut">
               <a:rPr lang="en-US" smtClean="0"/>
-              <a:t>7/24/2023</a:t>
+              <a:t>8/9/2023</a:t>
             </a:fld>
             <a:endParaRPr lang="en-US"/>
           </a:p>
@@ -1792,7 +1792,7 @@
           <a:p>
             <a:fld id="{02AC24A9-CCB6-4F8D-B8DB-C2F3692CFA5A}" type="datetimeFigureOut">
               <a:rPr lang="en-US" smtClean="0"/>
-              <a:t>7/24/2023</a:t>
+              <a:t>8/9/2023</a:t>
             </a:fld>
             <a:endParaRPr lang="en-US"/>
           </a:p>
@@ -2324,7 +2324,7 @@
           <a:p>
             <a:fld id="{02AC24A9-CCB6-4F8D-B8DB-C2F3692CFA5A}" type="datetimeFigureOut">
               <a:rPr lang="en-US" smtClean="0"/>
-              <a:t>7/24/2023</a:t>
+              <a:t>8/9/2023</a:t>
             </a:fld>
             <a:endParaRPr lang="en-US"/>
           </a:p>
@@ -3023,7 +3023,7 @@
           <a:p>
             <a:fld id="{02AC24A9-CCB6-4F8D-B8DB-C2F3692CFA5A}" type="datetimeFigureOut">
               <a:rPr lang="en-US" smtClean="0"/>
-              <a:t>7/24/2023</a:t>
+              <a:t>8/9/2023</a:t>
             </a:fld>
             <a:endParaRPr lang="en-US"/>
           </a:p>
@@ -3352,7 +3352,7 @@
           <a:p>
             <a:fld id="{02AC24A9-CCB6-4F8D-B8DB-C2F3692CFA5A}" type="datetimeFigureOut">
               <a:rPr lang="en-US" smtClean="0"/>
-              <a:t>7/24/2023</a:t>
+              <a:t>8/9/2023</a:t>
             </a:fld>
             <a:endParaRPr lang="en-US"/>
           </a:p>
@@ -3465,7 +3465,7 @@
           <a:p>
             <a:fld id="{02AC24A9-CCB6-4F8D-B8DB-C2F3692CFA5A}" type="datetimeFigureOut">
               <a:rPr lang="en-US" smtClean="0"/>
-              <a:t>7/24/2023</a:t>
+              <a:t>8/9/2023</a:t>
             </a:fld>
             <a:endParaRPr lang="en-US"/>
           </a:p>
@@ -3960,7 +3960,7 @@
           <a:p>
             <a:fld id="{02AC24A9-CCB6-4F8D-B8DB-C2F3692CFA5A}" type="datetimeFigureOut">
               <a:rPr lang="en-US" smtClean="0"/>
-              <a:t>7/24/2023</a:t>
+              <a:t>8/9/2023</a:t>
             </a:fld>
             <a:endParaRPr lang="en-US" dirty="0"/>
           </a:p>
@@ -4437,7 +4437,7 @@
           <a:p>
             <a:fld id="{02AC24A9-CCB6-4F8D-B8DB-C2F3692CFA5A}" type="datetimeFigureOut">
               <a:rPr lang="en-US" smtClean="0"/>
-              <a:t>7/24/2023</a:t>
+              <a:t>8/9/2023</a:t>
             </a:fld>
             <a:endParaRPr lang="en-US"/>
           </a:p>
@@ -4680,7 +4680,7 @@
           <a:p>
             <a:fld id="{02AC24A9-CCB6-4F8D-B8DB-C2F3692CFA5A}" type="datetimeFigureOut">
               <a:rPr lang="en-US" smtClean="0"/>
-              <a:t>7/24/2023</a:t>
+              <a:t>8/9/2023</a:t>
             </a:fld>
             <a:endParaRPr lang="en-US"/>
           </a:p>
@@ -10460,28 +10460,58 @@
             <a:pPr lvl="2"/>
             <a:r>
               <a:rPr lang="fr-FR" sz="1600" dirty="0"/>
-              <a:t>A – 4 points</a:t>
-            </a:r>
+              <a:t>A – </a:t>
+            </a:r>
+            <a:r>
+              <a:rPr lang="fr-FR" sz="1600" dirty="0" err="1"/>
+              <a:t>Expert.e</a:t>
+            </a:r>
+            <a:r>
+              <a:rPr lang="fr-FR" sz="1600" dirty="0"/>
+              <a:t>  	</a:t>
+            </a:r>
+            <a:r>
+              <a:rPr lang="fr-FR" sz="1200" dirty="0"/>
+              <a:t>(4 points)</a:t>
+            </a:r>
+            <a:endParaRPr lang="fr-FR" sz="1600" dirty="0"/>
           </a:p>
           <a:p>
             <a:pPr lvl="2"/>
             <a:r>
               <a:rPr lang="fr-FR" sz="1600" dirty="0"/>
-              <a:t>B – 2 points</a:t>
+              <a:t>B – Maitrise  	</a:t>
+            </a:r>
+            <a:r>
+              <a:rPr lang="fr-FR" sz="1200" dirty="0"/>
+              <a:t>(2 points)</a:t>
             </a:r>
           </a:p>
           <a:p>
             <a:pPr lvl="2"/>
             <a:r>
               <a:rPr lang="fr-FR" sz="1600" dirty="0"/>
-              <a:t>C – 1 point</a:t>
-            </a:r>
+              <a:t>C – </a:t>
+            </a:r>
+            <a:r>
+              <a:rPr lang="fr-FR" sz="1600" dirty="0" err="1"/>
+              <a:t>Débutant.e</a:t>
+            </a:r>
+            <a:r>
+              <a:rPr lang="fr-FR" sz="1600" dirty="0"/>
+              <a:t> 	</a:t>
+            </a:r>
+            <a:r>
+              <a:rPr lang="fr-FR" sz="1200" dirty="0"/>
+              <a:t>(1 point)</a:t>
+            </a:r>
+            <a:endParaRPr lang="fr-FR" sz="1600" dirty="0"/>
           </a:p>
           <a:p>
             <a:pPr lvl="2"/>
             <a:r>
               <a:rPr lang="fr-FR" sz="1600" dirty="0"/>
-              <a:t>D – 0 point</a:t>
+              <a:t>D – Non démontré</a:t>
             </a:r>
           </a:p>
         </p:txBody>
@@ -10550,12 +10580,73 @@
           </a:prstGeom>
         </p:spPr>
       </p:pic>
+      <p:sp>
+        <p:nvSpPr>
+          <p:cNvPr id="8" name="ZoneTexte 7">
+            <a:extLst>
+              <a:ext uri="{FF2B5EF4-FFF2-40B4-BE49-F238E27FC236}">
+                <a16:creationId xmlns:a16="http://schemas.microsoft.com/office/drawing/2014/main" id="{47CBBA6B-DA77-0ACE-B756-C02530B93E3F}"/>
+              </a:ext>
+            </a:extLst>
+          </p:cNvPr>
+          <p:cNvSpPr txBox="1"/>
+          <p:nvPr/>
+        </p:nvSpPr>
+        <p:spPr>
+          <a:xfrm>
+            <a:off x="4835296" y="5156537"/>
+            <a:ext cx="2180492" cy="1015663"/>
+          </a:xfrm>
+          <a:prstGeom prst="rect">
+            <a:avLst/>
+          </a:prstGeom>
+          <a:solidFill>
+            <a:srgbClr val="00B0F0"/>
+          </a:solidFill>
+        </p:spPr>
+        <p:txBody>
+          <a:bodyPr wrap="square" rtlCol="0">
+            <a:spAutoFit/>
+          </a:bodyPr>
+          <a:lstStyle/>
+          <a:p>
+            <a:r>
+              <a:rPr lang="fr-FR" sz="2000" b="1" dirty="0">
+                <a:solidFill>
+                  <a:schemeClr val="bg1"/>
+                </a:solidFill>
+              </a:rPr>
+              <a:t>Note Module</a:t>
+            </a:r>
+          </a:p>
+          <a:p>
+            <a:r>
+              <a:rPr lang="fr-FR" sz="2000" dirty="0">
+                <a:solidFill>
+                  <a:schemeClr val="bg1"/>
+                </a:solidFill>
+              </a:rPr>
+              <a:t>	50% Bloc 2</a:t>
+            </a:r>
+          </a:p>
+          <a:p>
+            <a:r>
+              <a:rPr lang="fr-FR" sz="2000" dirty="0">
+                <a:solidFill>
+                  <a:schemeClr val="bg1"/>
+                </a:solidFill>
+              </a:rPr>
+              <a:t>	50% Bloc 3</a:t>
+            </a:r>
+          </a:p>
+        </p:txBody>
+      </p:sp>
       <p:pic>
         <p:nvPicPr>
-          <p:cNvPr id="6" name="Image 5">
-            <a:extLst>
-              <a:ext uri="{FF2B5EF4-FFF2-40B4-BE49-F238E27FC236}">
-                <a16:creationId xmlns:a16="http://schemas.microsoft.com/office/drawing/2014/main" id="{5F1D76F5-AC30-1AAD-6A4B-47FE3A75FA80}"/>
+          <p:cNvPr id="7" name="Image 6">
+            <a:extLst>
+              <a:ext uri="{FF2B5EF4-FFF2-40B4-BE49-F238E27FC236}">
+                <a16:creationId xmlns:a16="http://schemas.microsoft.com/office/drawing/2014/main" id="{1CA55481-2187-E790-4027-B11EE9D90080}"/>
               </a:ext>
             </a:extLst>
           </p:cNvPr>
@@ -10572,75 +10663,14 @@
         </p:blipFill>
         <p:spPr>
           <a:xfrm>
-            <a:off x="7472111" y="135533"/>
-            <a:ext cx="7208641" cy="6440109"/>
+            <a:off x="6958537" y="1612490"/>
+            <a:ext cx="5030541" cy="5071774"/>
           </a:xfrm>
           <a:prstGeom prst="rect">
             <a:avLst/>
           </a:prstGeom>
         </p:spPr>
       </p:pic>
-      <p:sp>
-        <p:nvSpPr>
-          <p:cNvPr id="8" name="ZoneTexte 7">
-            <a:extLst>
-              <a:ext uri="{FF2B5EF4-FFF2-40B4-BE49-F238E27FC236}">
-                <a16:creationId xmlns:a16="http://schemas.microsoft.com/office/drawing/2014/main" id="{47CBBA6B-DA77-0ACE-B756-C02530B93E3F}"/>
-              </a:ext>
-            </a:extLst>
-          </p:cNvPr>
-          <p:cNvSpPr txBox="1"/>
-          <p:nvPr/>
-        </p:nvSpPr>
-        <p:spPr>
-          <a:xfrm>
-            <a:off x="4835296" y="5156537"/>
-            <a:ext cx="2180492" cy="1015663"/>
-          </a:xfrm>
-          <a:prstGeom prst="rect">
-            <a:avLst/>
-          </a:prstGeom>
-          <a:solidFill>
-            <a:srgbClr val="00B0F0"/>
-          </a:solidFill>
-        </p:spPr>
-        <p:txBody>
-          <a:bodyPr wrap="square" rtlCol="0">
-            <a:spAutoFit/>
-          </a:bodyPr>
-          <a:lstStyle/>
-          <a:p>
-            <a:r>
-              <a:rPr lang="fr-FR" sz="2000" b="1" dirty="0">
-                <a:solidFill>
-                  <a:schemeClr val="bg1"/>
-                </a:solidFill>
-              </a:rPr>
-              <a:t>Note Module</a:t>
-            </a:r>
-          </a:p>
-          <a:p>
-            <a:r>
-              <a:rPr lang="fr-FR" sz="2000" dirty="0">
-                <a:solidFill>
-                  <a:schemeClr val="bg1"/>
-                </a:solidFill>
-              </a:rPr>
-              <a:t>	50% Bloc 2</a:t>
-            </a:r>
-          </a:p>
-          <a:p>
-            <a:r>
-              <a:rPr lang="fr-FR" sz="2000" dirty="0">
-                <a:solidFill>
-                  <a:schemeClr val="bg1"/>
-                </a:solidFill>
-              </a:rPr>
-              <a:t>	50% Bloc 3</a:t>
-            </a:r>
-          </a:p>
-        </p:txBody>
-      </p:sp>
     </p:spTree>
     <p:extLst>
       <p:ext uri="{BB962C8B-B14F-4D97-AF65-F5344CB8AC3E}">

--- a/ONIP/onip_b0_intro/B0_0_Outils_Methodes.pptx
+++ b/ONIP/onip_b0_intro/B0_0_Outils_Methodes.pptx
@@ -10,23 +10,22 @@
     <p:sldId id="271" r:id="rId4"/>
     <p:sldId id="267" r:id="rId5"/>
     <p:sldId id="273" r:id="rId6"/>
-    <p:sldId id="274" r:id="rId7"/>
-    <p:sldId id="279" r:id="rId8"/>
-    <p:sldId id="277" r:id="rId9"/>
-    <p:sldId id="305" r:id="rId10"/>
-    <p:sldId id="280" r:id="rId11"/>
-    <p:sldId id="278" r:id="rId12"/>
-    <p:sldId id="272" r:id="rId13"/>
-    <p:sldId id="275" r:id="rId14"/>
-    <p:sldId id="258" r:id="rId15"/>
-    <p:sldId id="259" r:id="rId16"/>
-    <p:sldId id="263" r:id="rId17"/>
-    <p:sldId id="261" r:id="rId18"/>
-    <p:sldId id="260" r:id="rId19"/>
-    <p:sldId id="270" r:id="rId20"/>
-    <p:sldId id="269" r:id="rId21"/>
-    <p:sldId id="281" r:id="rId22"/>
-    <p:sldId id="282" r:id="rId23"/>
+    <p:sldId id="278" r:id="rId7"/>
+    <p:sldId id="277" r:id="rId8"/>
+    <p:sldId id="305" r:id="rId9"/>
+    <p:sldId id="307" r:id="rId10"/>
+    <p:sldId id="274" r:id="rId11"/>
+    <p:sldId id="272" r:id="rId12"/>
+    <p:sldId id="275" r:id="rId13"/>
+    <p:sldId id="258" r:id="rId14"/>
+    <p:sldId id="259" r:id="rId15"/>
+    <p:sldId id="263" r:id="rId16"/>
+    <p:sldId id="261" r:id="rId17"/>
+    <p:sldId id="260" r:id="rId18"/>
+    <p:sldId id="270" r:id="rId19"/>
+    <p:sldId id="269" r:id="rId20"/>
+    <p:sldId id="281" r:id="rId21"/>
+    <p:sldId id="282" r:id="rId22"/>
   </p:sldIdLst>
   <p:sldSz cx="12192000" cy="6858000"/>
   <p:notesSz cx="6858000" cy="9144000"/>
@@ -289,7 +288,7 @@
           <a:p>
             <a:fld id="{02AC24A9-CCB6-4F8D-B8DB-C2F3692CFA5A}" type="datetimeFigureOut">
               <a:rPr lang="en-US" smtClean="0"/>
-              <a:t>8/9/2023</a:t>
+              <a:t>8/12/2023</a:t>
             </a:fld>
             <a:endParaRPr lang="en-US" dirty="0"/>
           </a:p>
@@ -659,7 +658,7 @@
           <a:p>
             <a:fld id="{02AC24A9-CCB6-4F8D-B8DB-C2F3692CFA5A}" type="datetimeFigureOut">
               <a:rPr lang="en-US" smtClean="0"/>
-              <a:t>8/9/2023</a:t>
+              <a:t>8/12/2023</a:t>
             </a:fld>
             <a:endParaRPr lang="en-US"/>
           </a:p>
@@ -868,7 +867,7 @@
           <a:p>
             <a:fld id="{02AC24A9-CCB6-4F8D-B8DB-C2F3692CFA5A}" type="datetimeFigureOut">
               <a:rPr lang="en-US" smtClean="0"/>
-              <a:t>8/9/2023</a:t>
+              <a:t>8/12/2023</a:t>
             </a:fld>
             <a:endParaRPr lang="en-US"/>
           </a:p>
@@ -1338,7 +1337,7 @@
           <a:p>
             <a:fld id="{02AC24A9-CCB6-4F8D-B8DB-C2F3692CFA5A}" type="datetimeFigureOut">
               <a:rPr lang="en-US" smtClean="0"/>
-              <a:t>8/9/2023</a:t>
+              <a:t>8/12/2023</a:t>
             </a:fld>
             <a:endParaRPr lang="en-US"/>
           </a:p>
@@ -1792,7 +1791,7 @@
           <a:p>
             <a:fld id="{02AC24A9-CCB6-4F8D-B8DB-C2F3692CFA5A}" type="datetimeFigureOut">
               <a:rPr lang="en-US" smtClean="0"/>
-              <a:t>8/9/2023</a:t>
+              <a:t>8/12/2023</a:t>
             </a:fld>
             <a:endParaRPr lang="en-US"/>
           </a:p>
@@ -2324,7 +2323,7 @@
           <a:p>
             <a:fld id="{02AC24A9-CCB6-4F8D-B8DB-C2F3692CFA5A}" type="datetimeFigureOut">
               <a:rPr lang="en-US" smtClean="0"/>
-              <a:t>8/9/2023</a:t>
+              <a:t>8/12/2023</a:t>
             </a:fld>
             <a:endParaRPr lang="en-US"/>
           </a:p>
@@ -3023,7 +3022,7 @@
           <a:p>
             <a:fld id="{02AC24A9-CCB6-4F8D-B8DB-C2F3692CFA5A}" type="datetimeFigureOut">
               <a:rPr lang="en-US" smtClean="0"/>
-              <a:t>8/9/2023</a:t>
+              <a:t>8/12/2023</a:t>
             </a:fld>
             <a:endParaRPr lang="en-US"/>
           </a:p>
@@ -3352,7 +3351,7 @@
           <a:p>
             <a:fld id="{02AC24A9-CCB6-4F8D-B8DB-C2F3692CFA5A}" type="datetimeFigureOut">
               <a:rPr lang="en-US" smtClean="0"/>
-              <a:t>8/9/2023</a:t>
+              <a:t>8/12/2023</a:t>
             </a:fld>
             <a:endParaRPr lang="en-US"/>
           </a:p>
@@ -3465,7 +3464,7 @@
           <a:p>
             <a:fld id="{02AC24A9-CCB6-4F8D-B8DB-C2F3692CFA5A}" type="datetimeFigureOut">
               <a:rPr lang="en-US" smtClean="0"/>
-              <a:t>8/9/2023</a:t>
+              <a:t>8/12/2023</a:t>
             </a:fld>
             <a:endParaRPr lang="en-US"/>
           </a:p>
@@ -3960,7 +3959,7 @@
           <a:p>
             <a:fld id="{02AC24A9-CCB6-4F8D-B8DB-C2F3692CFA5A}" type="datetimeFigureOut">
               <a:rPr lang="en-US" smtClean="0"/>
-              <a:t>8/9/2023</a:t>
+              <a:t>8/12/2023</a:t>
             </a:fld>
             <a:endParaRPr lang="en-US" dirty="0"/>
           </a:p>
@@ -4437,7 +4436,7 @@
           <a:p>
             <a:fld id="{02AC24A9-CCB6-4F8D-B8DB-C2F3692CFA5A}" type="datetimeFigureOut">
               <a:rPr lang="en-US" smtClean="0"/>
-              <a:t>8/9/2023</a:t>
+              <a:t>8/12/2023</a:t>
             </a:fld>
             <a:endParaRPr lang="en-US"/>
           </a:p>
@@ -4680,7 +4679,7 @@
           <a:p>
             <a:fld id="{02AC24A9-CCB6-4F8D-B8DB-C2F3692CFA5A}" type="datetimeFigureOut">
               <a:rPr lang="en-US" smtClean="0"/>
-              <a:t>8/9/2023</a:t>
+              <a:t>8/12/2023</a:t>
             </a:fld>
             <a:endParaRPr lang="en-US"/>
           </a:p>
@@ -5602,10 +5601,103 @@
       </p:grpSpPr>
       <p:sp>
         <p:nvSpPr>
-          <p:cNvPr id="5" name="CustomShape 23">
-            <a:extLst>
-              <a:ext uri="{FF2B5EF4-FFF2-40B4-BE49-F238E27FC236}">
-                <a16:creationId xmlns:a16="http://schemas.microsoft.com/office/drawing/2014/main" id="{54AD6CDA-C0C8-0E9A-AE5B-1DA4CE1BCC7E}"/>
+          <p:cNvPr id="2" name="Titre 1">
+            <a:extLst>
+              <a:ext uri="{FF2B5EF4-FFF2-40B4-BE49-F238E27FC236}">
+                <a16:creationId xmlns:a16="http://schemas.microsoft.com/office/drawing/2014/main" id="{693DE99D-D7A2-89F5-4CDD-A4230BF00E5E}"/>
+              </a:ext>
+            </a:extLst>
+          </p:cNvPr>
+          <p:cNvSpPr>
+            <a:spLocks noGrp="1"/>
+          </p:cNvSpPr>
+          <p:nvPr>
+            <p:ph type="title"/>
+          </p:nvPr>
+        </p:nvSpPr>
+        <p:spPr/>
+        <p:txBody>
+          <a:bodyPr/>
+          <a:lstStyle/>
+          <a:p>
+            <a:r>
+              <a:rPr lang="fr-FR" dirty="0"/>
+              <a:t>Objectifs pédagogiques du module</a:t>
+            </a:r>
+          </a:p>
+        </p:txBody>
+      </p:sp>
+      <p:sp>
+        <p:nvSpPr>
+          <p:cNvPr id="3" name="Espace réservé du contenu 2">
+            <a:extLst>
+              <a:ext uri="{FF2B5EF4-FFF2-40B4-BE49-F238E27FC236}">
+                <a16:creationId xmlns:a16="http://schemas.microsoft.com/office/drawing/2014/main" id="{ED0C7B24-43B5-0D0C-B0F3-586EB157CED2}"/>
+              </a:ext>
+            </a:extLst>
+          </p:cNvPr>
+          <p:cNvSpPr>
+            <a:spLocks noGrp="1"/>
+          </p:cNvSpPr>
+          <p:nvPr>
+            <p:ph idx="1"/>
+          </p:nvPr>
+        </p:nvSpPr>
+        <p:spPr/>
+        <p:txBody>
+          <a:bodyPr>
+            <a:normAutofit/>
+          </a:bodyPr>
+          <a:lstStyle/>
+          <a:p>
+            <a:pPr lvl="1"/>
+            <a:r>
+              <a:rPr lang="fr-FR" b="1" dirty="0"/>
+              <a:t>produire un graphique pertinent </a:t>
+            </a:r>
+            <a:r>
+              <a:rPr lang="fr-FR" dirty="0"/>
+              <a:t>(axes, titre, légende) à partir de données expérimentales</a:t>
+            </a:r>
+          </a:p>
+          <a:p>
+            <a:pPr lvl="1"/>
+            <a:r>
+              <a:rPr lang="fr-FR" b="1" dirty="0"/>
+              <a:t>générer un ensemble de données de test </a:t>
+            </a:r>
+            <a:r>
+              <a:rPr lang="fr-FR" dirty="0"/>
+              <a:t>pour valider un modèle numérique</a:t>
+            </a:r>
+          </a:p>
+          <a:p>
+            <a:pPr lvl="1"/>
+            <a:r>
+              <a:rPr lang="fr-FR" b="1" dirty="0">
+                <a:effectLst/>
+              </a:rPr>
+              <a:t>analyser les résultats d’une modélisation physique simple</a:t>
+            </a:r>
+            <a:r>
+              <a:rPr lang="fr-FR" dirty="0"/>
+              <a:t> et </a:t>
+            </a:r>
+            <a:r>
+              <a:rPr lang="fr-FR" b="1" dirty="0">
+                <a:effectLst/>
+              </a:rPr>
+              <a:t>valider le modèle utilisé</a:t>
+            </a:r>
+          </a:p>
+        </p:txBody>
+      </p:sp>
+      <p:sp>
+        <p:nvSpPr>
+          <p:cNvPr id="7" name="CustomShape 24">
+            <a:extLst>
+              <a:ext uri="{FF2B5EF4-FFF2-40B4-BE49-F238E27FC236}">
+                <a16:creationId xmlns:a16="http://schemas.microsoft.com/office/drawing/2014/main" id="{3D28FD97-99DF-5856-1300-61DCEB2CABFF}"/>
               </a:ext>
             </a:extLst>
           </p:cNvPr>
@@ -5614,14 +5706,14 @@
         </p:nvSpPr>
         <p:spPr>
           <a:xfrm>
-            <a:off x="1199536" y="1728216"/>
+            <a:off x="1199535" y="1729527"/>
             <a:ext cx="4051393" cy="492443"/>
           </a:xfrm>
           <a:prstGeom prst="rect">
             <a:avLst/>
           </a:prstGeom>
           <a:solidFill>
-            <a:schemeClr val="accent1">
+            <a:schemeClr val="accent5">
               <a:lumMod val="60000"/>
               <a:lumOff val="40000"/>
             </a:schemeClr>
@@ -5657,121 +5749,73 @@
               </a:tabLst>
             </a:pPr>
             <a:r>
-              <a:rPr lang="fr-FR" sz="2000" b="1" strike="noStrike" spc="-1" dirty="0">
+              <a:rPr lang="fr-FR" sz="2000" b="1" spc="-1" dirty="0" err="1">
                 <a:solidFill>
                   <a:srgbClr val="666666"/>
                 </a:solidFill>
                 <a:latin typeface="Trebuchet MS"/>
-                <a:ea typeface="Trebuchet MS"/>
               </a:rPr>
-              <a:t>Programmation / Concepts</a:t>
-            </a:r>
-            <a:endParaRPr lang="fr-FR" sz="2000" b="0" strike="noStrike" spc="-1" dirty="0">
-              <a:latin typeface="Arial"/>
-            </a:endParaRPr>
-          </a:p>
-        </p:txBody>
-      </p:sp>
-      <p:sp>
-        <p:nvSpPr>
-          <p:cNvPr id="2" name="Titre 1">
-            <a:extLst>
-              <a:ext uri="{FF2B5EF4-FFF2-40B4-BE49-F238E27FC236}">
-                <a16:creationId xmlns:a16="http://schemas.microsoft.com/office/drawing/2014/main" id="{693DE99D-D7A2-89F5-4CDD-A4230BF00E5E}"/>
-              </a:ext>
-            </a:extLst>
-          </p:cNvPr>
-          <p:cNvSpPr>
-            <a:spLocks noGrp="1"/>
-          </p:cNvSpPr>
-          <p:nvPr>
-            <p:ph type="title"/>
-          </p:nvPr>
-        </p:nvSpPr>
-        <p:spPr/>
-        <p:txBody>
-          <a:bodyPr/>
-          <a:lstStyle/>
-          <a:p>
-            <a:r>
-              <a:rPr lang="fr-FR" dirty="0"/>
-              <a:t>Objectifs pédagogiques du module</a:t>
-            </a:r>
-          </a:p>
-        </p:txBody>
-      </p:sp>
-      <p:sp>
-        <p:nvSpPr>
-          <p:cNvPr id="3" name="Espace réservé du contenu 2">
-            <a:extLst>
-              <a:ext uri="{FF2B5EF4-FFF2-40B4-BE49-F238E27FC236}">
-                <a16:creationId xmlns:a16="http://schemas.microsoft.com/office/drawing/2014/main" id="{ED0C7B24-43B5-0D0C-B0F3-586EB157CED2}"/>
-              </a:ext>
-            </a:extLst>
-          </p:cNvPr>
-          <p:cNvSpPr>
-            <a:spLocks noGrp="1"/>
-          </p:cNvSpPr>
-          <p:nvPr>
-            <p:ph idx="1"/>
-          </p:nvPr>
-        </p:nvSpPr>
-        <p:spPr/>
-        <p:txBody>
-          <a:bodyPr>
-            <a:normAutofit/>
+              <a:t>Ingénieur.e</a:t>
+            </a:r>
+            <a:r>
+              <a:rPr lang="fr-FR" sz="2000" b="1" spc="-1" dirty="0">
+                <a:solidFill>
+                  <a:srgbClr val="666666"/>
+                </a:solidFill>
+                <a:latin typeface="Trebuchet MS"/>
+              </a:rPr>
+              <a:t> en Physique</a:t>
+            </a:r>
+          </a:p>
+        </p:txBody>
+      </p:sp>
+      <p:sp>
+        <p:nvSpPr>
+          <p:cNvPr id="8" name="ZoneTexte 7">
+            <a:extLst>
+              <a:ext uri="{FF2B5EF4-FFF2-40B4-BE49-F238E27FC236}">
+                <a16:creationId xmlns:a16="http://schemas.microsoft.com/office/drawing/2014/main" id="{ED9D2EEE-1070-9BFE-2940-CDE289187612}"/>
+              </a:ext>
+            </a:extLst>
+          </p:cNvPr>
+          <p:cNvSpPr txBox="1"/>
+          <p:nvPr/>
+        </p:nvSpPr>
+        <p:spPr>
+          <a:xfrm>
+            <a:off x="1115568" y="5601890"/>
+            <a:ext cx="10044831" cy="461665"/>
+          </a:xfrm>
+          <a:prstGeom prst="rect">
+            <a:avLst/>
+          </a:prstGeom>
+          <a:noFill/>
+        </p:spPr>
+        <p:txBody>
+          <a:bodyPr wrap="square">
+            <a:spAutoFit/>
           </a:bodyPr>
           <a:lstStyle/>
           <a:p>
-            <a:r>
-              <a:rPr lang="fr-FR" dirty="0"/>
-              <a:t>Concepts pour l’</a:t>
-            </a:r>
-            <a:r>
-              <a:rPr lang="fr-FR" dirty="0" err="1"/>
-              <a:t>ingénieur.e</a:t>
-            </a:r>
-            <a:r>
-              <a:rPr lang="fr-FR" dirty="0"/>
-              <a:t> en science </a:t>
-            </a:r>
-            <a:r>
-              <a:rPr lang="fr-FR" sz="1800" i="1" dirty="0"/>
-              <a:t>(BONUS)</a:t>
-            </a:r>
-          </a:p>
-          <a:p>
-            <a:pPr lvl="1"/>
-            <a:r>
-              <a:rPr lang="fr-FR" dirty="0"/>
-              <a:t>écrire et valider une </a:t>
-            </a:r>
-            <a:r>
-              <a:rPr lang="fr-FR" b="1" dirty="0"/>
-              <a:t>classe</a:t>
-            </a:r>
-            <a:r>
-              <a:rPr lang="fr-FR" dirty="0"/>
-              <a:t> dans un langage de haut niveau</a:t>
-            </a:r>
-          </a:p>
-          <a:p>
-            <a:pPr lvl="1"/>
-            <a:r>
-              <a:rPr lang="fr-FR" dirty="0"/>
-              <a:t>écrire une </a:t>
-            </a:r>
-            <a:r>
-              <a:rPr lang="fr-FR" b="1" dirty="0"/>
-              <a:t>bibliothèque</a:t>
-            </a:r>
-            <a:r>
-              <a:rPr lang="fr-FR" dirty="0"/>
-              <a:t> dans un langage de haut niveau et la </a:t>
-            </a:r>
-            <a:r>
-              <a:rPr lang="fr-FR" b="1" dirty="0"/>
-              <a:t>documenter</a:t>
+            <a:pPr marL="742950" lvl="1" indent="-285750">
+              <a:buFont typeface="Arial" panose="020B0604020202020204" pitchFamily="34" charset="0"/>
+              <a:buChar char="•"/>
+            </a:pPr>
+            <a:r>
+              <a:rPr lang="fr-FR" sz="2400" b="1" dirty="0">
+                <a:solidFill>
+                  <a:srgbClr val="0070C0"/>
+                </a:solidFill>
+              </a:rPr>
+              <a:t>gérer les versions </a:t>
+            </a:r>
+            <a:r>
+              <a:rPr lang="fr-FR" sz="2400" dirty="0">
+                <a:solidFill>
+                  <a:srgbClr val="0070C0"/>
+                </a:solidFill>
+              </a:rPr>
+              <a:t>de ses codes</a:t>
             </a:r>
           </a:p>
         </p:txBody>
@@ -5779,7 +5823,7 @@
     </p:spTree>
     <p:extLst>
       <p:ext uri="{BB962C8B-B14F-4D97-AF65-F5344CB8AC3E}">
-        <p14:creationId xmlns:p14="http://schemas.microsoft.com/office/powerpoint/2010/main" val="47697601"/>
+        <p14:creationId xmlns:p14="http://schemas.microsoft.com/office/powerpoint/2010/main" val="172005874"/>
       </p:ext>
     </p:extLst>
   </p:cSld>
@@ -5808,250 +5852,6 @@
       </p:grpSpPr>
       <p:sp>
         <p:nvSpPr>
-          <p:cNvPr id="4" name="CustomShape 24">
-            <a:extLst>
-              <a:ext uri="{FF2B5EF4-FFF2-40B4-BE49-F238E27FC236}">
-                <a16:creationId xmlns:a16="http://schemas.microsoft.com/office/drawing/2014/main" id="{B290951D-7C6A-0EFE-13DC-D205B0D7DB62}"/>
-              </a:ext>
-            </a:extLst>
-          </p:cNvPr>
-          <p:cNvSpPr/>
-          <p:nvPr/>
-        </p:nvSpPr>
-        <p:spPr>
-          <a:xfrm>
-            <a:off x="1199535" y="1729527"/>
-            <a:ext cx="4051393" cy="492443"/>
-          </a:xfrm>
-          <a:prstGeom prst="rect">
-            <a:avLst/>
-          </a:prstGeom>
-          <a:solidFill>
-            <a:schemeClr val="accent5">
-              <a:lumMod val="60000"/>
-              <a:lumOff val="40000"/>
-            </a:schemeClr>
-          </a:solidFill>
-          <a:ln w="0">
-            <a:noFill/>
-          </a:ln>
-        </p:spPr>
-        <p:style>
-          <a:lnRef idx="0">
-            <a:scrgbClr r="0" g="0" b="0"/>
-          </a:lnRef>
-          <a:fillRef idx="0">
-            <a:scrgbClr r="0" g="0" b="0"/>
-          </a:fillRef>
-          <a:effectRef idx="0">
-            <a:scrgbClr r="0" g="0" b="0"/>
-          </a:effectRef>
-          <a:fontRef idx="minor"/>
-        </p:style>
-        <p:txBody>
-          <a:bodyPr wrap="square" tIns="91440" bIns="91440">
-            <a:spAutoFit/>
-          </a:bodyPr>
-          <a:lstStyle/>
-          <a:p>
-            <a:pPr algn="ctr">
-              <a:lnSpc>
-                <a:spcPct val="100000"/>
-              </a:lnSpc>
-              <a:tabLst>
-                <a:tab pos="0" algn="l"/>
-              </a:tabLst>
-            </a:pPr>
-            <a:r>
-              <a:rPr lang="fr-FR" sz="2000" b="1" strike="noStrike" spc="-1" dirty="0">
-                <a:solidFill>
-                  <a:srgbClr val="666666"/>
-                </a:solidFill>
-                <a:latin typeface="Trebuchet MS"/>
-                <a:ea typeface="Trebuchet MS"/>
-              </a:rPr>
-              <a:t>Programmation / Outils</a:t>
-            </a:r>
-            <a:endParaRPr lang="fr-FR" sz="2000" b="0" strike="noStrike" spc="-1" dirty="0">
-              <a:latin typeface="Arial"/>
-            </a:endParaRPr>
-          </a:p>
-        </p:txBody>
-      </p:sp>
-      <p:sp>
-        <p:nvSpPr>
-          <p:cNvPr id="2" name="Titre 1">
-            <a:extLst>
-              <a:ext uri="{FF2B5EF4-FFF2-40B4-BE49-F238E27FC236}">
-                <a16:creationId xmlns:a16="http://schemas.microsoft.com/office/drawing/2014/main" id="{693DE99D-D7A2-89F5-4CDD-A4230BF00E5E}"/>
-              </a:ext>
-            </a:extLst>
-          </p:cNvPr>
-          <p:cNvSpPr>
-            <a:spLocks noGrp="1"/>
-          </p:cNvSpPr>
-          <p:nvPr>
-            <p:ph type="title"/>
-          </p:nvPr>
-        </p:nvSpPr>
-        <p:spPr/>
-        <p:txBody>
-          <a:bodyPr/>
-          <a:lstStyle/>
-          <a:p>
-            <a:r>
-              <a:rPr lang="fr-FR" dirty="0"/>
-              <a:t>Objectifs pédagogiques du module</a:t>
-            </a:r>
-          </a:p>
-        </p:txBody>
-      </p:sp>
-      <p:sp>
-        <p:nvSpPr>
-          <p:cNvPr id="3" name="Espace réservé du contenu 2">
-            <a:extLst>
-              <a:ext uri="{FF2B5EF4-FFF2-40B4-BE49-F238E27FC236}">
-                <a16:creationId xmlns:a16="http://schemas.microsoft.com/office/drawing/2014/main" id="{ED0C7B24-43B5-0D0C-B0F3-586EB157CED2}"/>
-              </a:ext>
-            </a:extLst>
-          </p:cNvPr>
-          <p:cNvSpPr>
-            <a:spLocks noGrp="1"/>
-          </p:cNvSpPr>
-          <p:nvPr>
-            <p:ph idx="1"/>
-          </p:nvPr>
-        </p:nvSpPr>
-        <p:spPr/>
-        <p:txBody>
-          <a:bodyPr>
-            <a:normAutofit/>
-          </a:bodyPr>
-          <a:lstStyle/>
-          <a:p>
-            <a:r>
-              <a:rPr lang="fr-FR" dirty="0"/>
-              <a:t>Outils numériques pour l’</a:t>
-            </a:r>
-            <a:r>
-              <a:rPr lang="fr-FR" dirty="0" err="1"/>
-              <a:t>ingénieur.e</a:t>
-            </a:r>
-            <a:r>
-              <a:rPr lang="fr-FR" dirty="0"/>
-              <a:t> en science</a:t>
-            </a:r>
-          </a:p>
-          <a:p>
-            <a:pPr lvl="1"/>
-            <a:r>
-              <a:rPr lang="fr-FR" dirty="0"/>
-              <a:t>utiliser, écrire, documenter et valider des </a:t>
-            </a:r>
-            <a:r>
-              <a:rPr lang="fr-FR" b="1" dirty="0"/>
-              <a:t>fonctions</a:t>
-            </a:r>
-            <a:r>
-              <a:rPr lang="fr-FR" dirty="0"/>
-              <a:t> / </a:t>
-            </a:r>
-            <a:r>
-              <a:rPr lang="fr-FR" b="1" dirty="0"/>
-              <a:t>modules </a:t>
-            </a:r>
-            <a:r>
-              <a:rPr lang="fr-FR" dirty="0"/>
-              <a:t>dans un langage de haut niveau (type Python ou Matlab)</a:t>
-            </a:r>
-          </a:p>
-          <a:p>
-            <a:pPr lvl="1"/>
-            <a:r>
-              <a:rPr lang="fr-FR" dirty="0"/>
-              <a:t>utiliser une </a:t>
-            </a:r>
-            <a:r>
-              <a:rPr lang="fr-FR" b="1" dirty="0"/>
-              <a:t>bibliothèque</a:t>
-            </a:r>
-            <a:r>
-              <a:rPr lang="fr-FR" dirty="0"/>
-              <a:t> / un </a:t>
-            </a:r>
-            <a:r>
-              <a:rPr lang="fr-FR" b="1" dirty="0"/>
-              <a:t>module</a:t>
-            </a:r>
-            <a:r>
-              <a:rPr lang="fr-FR" dirty="0"/>
-              <a:t> dans un langage de haut niveau</a:t>
-            </a:r>
-          </a:p>
-          <a:p>
-            <a:pPr lvl="1"/>
-            <a:r>
-              <a:rPr lang="fr-FR" b="1" dirty="0"/>
-              <a:t>organiser les informations </a:t>
-            </a:r>
-            <a:r>
-              <a:rPr lang="fr-FR" dirty="0"/>
-              <a:t>à manipuler/générer</a:t>
-            </a:r>
-          </a:p>
-          <a:p>
-            <a:pPr lvl="1"/>
-            <a:r>
-              <a:rPr lang="fr-FR" dirty="0"/>
-              <a:t>gérer les versions de ses codes</a:t>
-            </a:r>
-          </a:p>
-          <a:p>
-            <a:pPr lvl="1"/>
-            <a:endParaRPr lang="fr-FR" dirty="0"/>
-          </a:p>
-          <a:p>
-            <a:pPr lvl="1"/>
-            <a:endParaRPr lang="fr-FR" dirty="0"/>
-          </a:p>
-          <a:p>
-            <a:pPr lvl="1"/>
-            <a:endParaRPr lang="fr-FR" dirty="0"/>
-          </a:p>
-        </p:txBody>
-      </p:sp>
-    </p:spTree>
-    <p:extLst>
-      <p:ext uri="{BB962C8B-B14F-4D97-AF65-F5344CB8AC3E}">
-        <p14:creationId xmlns:p14="http://schemas.microsoft.com/office/powerpoint/2010/main" val="3322999495"/>
-      </p:ext>
-    </p:extLst>
-  </p:cSld>
-  <p:clrMapOvr>
-    <a:masterClrMapping/>
-  </p:clrMapOvr>
-</p:sld>
-</file>
-
-<file path=ppt/slides/slide12.xml><?xml version="1.0" encoding="utf-8"?>
-<p:sld xmlns:a="http://schemas.openxmlformats.org/drawingml/2006/main" xmlns:r="http://schemas.openxmlformats.org/officeDocument/2006/relationships" xmlns:p="http://schemas.openxmlformats.org/presentationml/2006/main">
-  <p:cSld>
-    <p:spTree>
-      <p:nvGrpSpPr>
-        <p:cNvPr id="1" name=""/>
-        <p:cNvGrpSpPr/>
-        <p:nvPr/>
-      </p:nvGrpSpPr>
-      <p:grpSpPr>
-        <a:xfrm>
-          <a:off x="0" y="0"/>
-          <a:ext cx="0" cy="0"/>
-          <a:chOff x="0" y="0"/>
-          <a:chExt cx="0" cy="0"/>
-        </a:xfrm>
-      </p:grpSpPr>
-      <p:sp>
-        <p:nvSpPr>
           <p:cNvPr id="2" name="Titre 1">
             <a:extLst>
               <a:ext uri="{FF2B5EF4-FFF2-40B4-BE49-F238E27FC236}">
@@ -6717,7 +6517,7 @@
 </p:sld>
 </file>
 
-<file path=ppt/slides/slide13.xml><?xml version="1.0" encoding="utf-8"?>
+<file path=ppt/slides/slide12.xml><?xml version="1.0" encoding="utf-8"?>
 <p:sld xmlns:a="http://schemas.openxmlformats.org/drawingml/2006/main" xmlns:r="http://schemas.openxmlformats.org/officeDocument/2006/relationships" xmlns:p="http://schemas.openxmlformats.org/presentationml/2006/main">
   <p:cSld>
     <p:bg>
@@ -7220,7 +7020,7 @@
 </p:sld>
 </file>
 
-<file path=ppt/slides/slide14.xml><?xml version="1.0" encoding="utf-8"?>
+<file path=ppt/slides/slide13.xml><?xml version="1.0" encoding="utf-8"?>
 <p:sld xmlns:a="http://schemas.openxmlformats.org/drawingml/2006/main" xmlns:r="http://schemas.openxmlformats.org/officeDocument/2006/relationships" xmlns:p="http://schemas.openxmlformats.org/presentationml/2006/main">
   <p:cSld>
     <p:spTree>
@@ -7665,7 +7465,7 @@
 </p:sld>
 </file>
 
-<file path=ppt/slides/slide15.xml><?xml version="1.0" encoding="utf-8"?>
+<file path=ppt/slides/slide14.xml><?xml version="1.0" encoding="utf-8"?>
 <p:sld xmlns:a="http://schemas.openxmlformats.org/drawingml/2006/main" xmlns:r="http://schemas.openxmlformats.org/officeDocument/2006/relationships" xmlns:p="http://schemas.openxmlformats.org/presentationml/2006/main">
   <p:cSld>
     <p:spTree>
@@ -7924,7 +7724,7 @@
 </p:sld>
 </file>
 
-<file path=ppt/slides/slide16.xml><?xml version="1.0" encoding="utf-8"?>
+<file path=ppt/slides/slide15.xml><?xml version="1.0" encoding="utf-8"?>
 <p:sld xmlns:a="http://schemas.openxmlformats.org/drawingml/2006/main" xmlns:r="http://schemas.openxmlformats.org/officeDocument/2006/relationships" xmlns:p="http://schemas.openxmlformats.org/presentationml/2006/main">
   <p:cSld>
     <p:bg>
@@ -8427,6 +8227,248 @@
 </p:sld>
 </file>
 
+<file path=ppt/slides/slide16.xml><?xml version="1.0" encoding="utf-8"?>
+<p:sld xmlns:a="http://schemas.openxmlformats.org/drawingml/2006/main" xmlns:r="http://schemas.openxmlformats.org/officeDocument/2006/relationships" xmlns:p="http://schemas.openxmlformats.org/presentationml/2006/main">
+  <p:cSld>
+    <p:spTree>
+      <p:nvGrpSpPr>
+        <p:cNvPr id="1" name=""/>
+        <p:cNvGrpSpPr/>
+        <p:nvPr/>
+      </p:nvGrpSpPr>
+      <p:grpSpPr>
+        <a:xfrm>
+          <a:off x="0" y="0"/>
+          <a:ext cx="0" cy="0"/>
+          <a:chOff x="0" y="0"/>
+          <a:chExt cx="0" cy="0"/>
+        </a:xfrm>
+      </p:grpSpPr>
+      <p:sp>
+        <p:nvSpPr>
+          <p:cNvPr id="3" name="Espace réservé du contenu 2">
+            <a:extLst>
+              <a:ext uri="{FF2B5EF4-FFF2-40B4-BE49-F238E27FC236}">
+                <a16:creationId xmlns:a16="http://schemas.microsoft.com/office/drawing/2014/main" id="{E0BBB9DE-019C-C741-F224-494739D4B752}"/>
+              </a:ext>
+            </a:extLst>
+          </p:cNvPr>
+          <p:cNvSpPr>
+            <a:spLocks noGrp="1"/>
+          </p:cNvSpPr>
+          <p:nvPr>
+            <p:ph sz="half" idx="1"/>
+          </p:nvPr>
+        </p:nvSpPr>
+        <p:spPr>
+          <a:xfrm>
+            <a:off x="1115568" y="2478024"/>
+            <a:ext cx="10407838" cy="3694176"/>
+          </a:xfrm>
+        </p:spPr>
+        <p:txBody>
+          <a:bodyPr>
+            <a:normAutofit/>
+          </a:bodyPr>
+          <a:lstStyle/>
+          <a:p>
+            <a:r>
+              <a:rPr lang="fr-FR" sz="2400" dirty="0"/>
+              <a:t>Développement sous </a:t>
+            </a:r>
+            <a:r>
+              <a:rPr lang="fr-FR" sz="2400" b="1" dirty="0"/>
+              <a:t>Python 3.9 </a:t>
+            </a:r>
+            <a:r>
+              <a:rPr lang="fr-FR" sz="2400" dirty="0"/>
+              <a:t>(min) / </a:t>
+            </a:r>
+            <a:r>
+              <a:rPr lang="fr-FR" sz="2400" b="1" dirty="0"/>
+              <a:t>Anaconda 3</a:t>
+            </a:r>
+            <a:r>
+              <a:rPr lang="fr-FR" sz="2400" dirty="0"/>
+              <a:t> / </a:t>
+            </a:r>
+            <a:r>
+              <a:rPr lang="fr-FR" sz="2400" b="1" dirty="0" err="1"/>
+              <a:t>Spyder</a:t>
+            </a:r>
+            <a:r>
+              <a:rPr lang="fr-FR" sz="2400" b="1" dirty="0"/>
+              <a:t> 5</a:t>
+            </a:r>
+          </a:p>
+          <a:p>
+            <a:pPr lvl="1"/>
+            <a:r>
+              <a:rPr lang="fr-FR" dirty="0"/>
+              <a:t>Style de code selon le guide </a:t>
+            </a:r>
+            <a:r>
+              <a:rPr lang="fr-FR" b="1" dirty="0"/>
+              <a:t>PEP 8</a:t>
+            </a:r>
+            <a:r>
+              <a:rPr lang="fr-FR" dirty="0"/>
+              <a:t>  </a:t>
+            </a:r>
+            <a:br>
+              <a:rPr lang="fr-FR" dirty="0"/>
+            </a:br>
+            <a:r>
+              <a:rPr lang="fr-FR" dirty="0"/>
+              <a:t>		https://peps.python.org/pep-0008/</a:t>
+            </a:r>
+          </a:p>
+          <a:p>
+            <a:pPr lvl="1"/>
+            <a:r>
+              <a:rPr lang="fr-FR" dirty="0"/>
+              <a:t>Style de commentaires et de documentation selon le guide </a:t>
+            </a:r>
+            <a:r>
+              <a:rPr lang="fr-FR" b="1" dirty="0"/>
+              <a:t>PEP 257 </a:t>
+            </a:r>
+            <a:br>
+              <a:rPr lang="fr-FR" b="1" dirty="0"/>
+            </a:br>
+            <a:r>
+              <a:rPr lang="fr-FR" b="1" dirty="0"/>
+              <a:t>		</a:t>
+            </a:r>
+            <a:r>
+              <a:rPr lang="fr-FR" dirty="0"/>
+              <a:t>https://peps.python.org/pep-0257/</a:t>
+            </a:r>
+          </a:p>
+          <a:p>
+            <a:r>
+              <a:rPr lang="fr-FR" sz="2400" dirty="0"/>
+              <a:t>Utilisation de bibliothèques standards (</a:t>
+            </a:r>
+            <a:r>
+              <a:rPr lang="fr-FR" sz="2400" dirty="0" err="1"/>
+              <a:t>Numpy</a:t>
+            </a:r>
+            <a:r>
+              <a:rPr lang="fr-FR" sz="2400" dirty="0"/>
+              <a:t>, </a:t>
+            </a:r>
+            <a:r>
+              <a:rPr lang="fr-FR" sz="2400" dirty="0" err="1"/>
+              <a:t>Matplotlib</a:t>
+            </a:r>
+            <a:r>
+              <a:rPr lang="fr-FR" sz="2400" dirty="0"/>
+              <a:t>, </a:t>
+            </a:r>
+            <a:r>
+              <a:rPr lang="fr-FR" sz="2400" dirty="0" err="1"/>
+              <a:t>Scipy</a:t>
+            </a:r>
+            <a:r>
+              <a:rPr lang="fr-FR" sz="2400" dirty="0"/>
+              <a:t>…)</a:t>
+            </a:r>
+          </a:p>
+          <a:p>
+            <a:r>
+              <a:rPr lang="fr-FR" sz="2400" dirty="0"/>
+              <a:t>Découpage en fonctions simples (fichiers .</a:t>
+            </a:r>
+            <a:r>
+              <a:rPr lang="fr-FR" sz="2400" dirty="0" err="1"/>
+              <a:t>py</a:t>
+            </a:r>
+            <a:r>
+              <a:rPr lang="fr-FR" sz="2400" dirty="0"/>
+              <a:t> séparés)</a:t>
+            </a:r>
+            <a:endParaRPr lang="fr-FR" dirty="0"/>
+          </a:p>
+        </p:txBody>
+      </p:sp>
+      <p:sp>
+        <p:nvSpPr>
+          <p:cNvPr id="2" name="Titre 1">
+            <a:extLst>
+              <a:ext uri="{FF2B5EF4-FFF2-40B4-BE49-F238E27FC236}">
+                <a16:creationId xmlns:a16="http://schemas.microsoft.com/office/drawing/2014/main" id="{90162AE8-C1B0-5C56-8313-DEE494F38273}"/>
+              </a:ext>
+            </a:extLst>
+          </p:cNvPr>
+          <p:cNvSpPr>
+            <a:spLocks noGrp="1"/>
+          </p:cNvSpPr>
+          <p:nvPr>
+            <p:ph type="title"/>
+          </p:nvPr>
+        </p:nvSpPr>
+        <p:spPr/>
+        <p:txBody>
+          <a:bodyPr/>
+          <a:lstStyle/>
+          <a:p>
+            <a:r>
+              <a:rPr lang="fr-FR" dirty="0"/>
+              <a:t>Méthode de travail / Bonnes pratiques</a:t>
+            </a:r>
+          </a:p>
+        </p:txBody>
+      </p:sp>
+      <p:pic>
+        <p:nvPicPr>
+          <p:cNvPr id="5" name="Image 4" descr="Une image contenant texte&#10;&#10;Description générée automatiquement">
+            <a:extLst>
+              <a:ext uri="{FF2B5EF4-FFF2-40B4-BE49-F238E27FC236}">
+                <a16:creationId xmlns:a16="http://schemas.microsoft.com/office/drawing/2014/main" id="{204ADC40-1D61-539F-22ED-6B21D67FBDE6}"/>
+              </a:ext>
+            </a:extLst>
+          </p:cNvPr>
+          <p:cNvPicPr>
+            <a:picLocks noChangeAspect="1"/>
+          </p:cNvPicPr>
+          <p:nvPr/>
+        </p:nvPicPr>
+        <p:blipFill>
+          <a:blip r:embed="rId2">
+            <a:extLst>
+              <a:ext uri="{28A0092B-C50C-407E-A947-70E740481C1C}">
+                <a14:useLocalDpi xmlns:a14="http://schemas.microsoft.com/office/drawing/2010/main" val="0"/>
+              </a:ext>
+            </a:extLst>
+          </a:blip>
+          <a:stretch>
+            <a:fillRect/>
+          </a:stretch>
+        </p:blipFill>
+        <p:spPr>
+          <a:xfrm>
+            <a:off x="202922" y="5934456"/>
+            <a:ext cx="1825291" cy="749808"/>
+          </a:xfrm>
+          <a:prstGeom prst="rect">
+            <a:avLst/>
+          </a:prstGeom>
+        </p:spPr>
+      </p:pic>
+    </p:spTree>
+    <p:extLst>
+      <p:ext uri="{BB962C8B-B14F-4D97-AF65-F5344CB8AC3E}">
+        <p14:creationId xmlns:p14="http://schemas.microsoft.com/office/powerpoint/2010/main" val="3230963344"/>
+      </p:ext>
+    </p:extLst>
+  </p:cSld>
+  <p:clrMapOvr>
+    <a:masterClrMapping/>
+  </p:clrMapOvr>
+</p:sld>
+</file>
+
 <file path=ppt/slides/slide17.xml><?xml version="1.0" encoding="utf-8"?>
 <p:sld xmlns:a="http://schemas.openxmlformats.org/drawingml/2006/main" xmlns:r="http://schemas.openxmlformats.org/officeDocument/2006/relationships" xmlns:p="http://schemas.openxmlformats.org/presentationml/2006/main">
   <p:cSld>
@@ -8463,7 +8505,7 @@
         <p:spPr>
           <a:xfrm>
             <a:off x="1115568" y="2478024"/>
-            <a:ext cx="10407838" cy="3694176"/>
+            <a:ext cx="10168128" cy="3694176"/>
           </a:xfrm>
         </p:spPr>
         <p:txBody>
@@ -8473,122 +8515,30 @@
           <a:lstStyle/>
           <a:p>
             <a:r>
-              <a:rPr lang="fr-FR" sz="2400" dirty="0"/>
-              <a:t>Développement sous </a:t>
-            </a:r>
-            <a:r>
-              <a:rPr lang="fr-FR" sz="2400" b="1" dirty="0"/>
-              <a:t>Python 3.9 </a:t>
-            </a:r>
-            <a:r>
-              <a:rPr lang="fr-FR" sz="2400" dirty="0"/>
-              <a:t>(min) / </a:t>
-            </a:r>
-            <a:r>
-              <a:rPr lang="fr-FR" sz="2400" b="1" dirty="0"/>
-              <a:t>Anaconda 3</a:t>
-            </a:r>
-            <a:r>
-              <a:rPr lang="fr-FR" sz="2400" dirty="0"/>
-              <a:t> / </a:t>
-            </a:r>
-            <a:r>
-              <a:rPr lang="fr-FR" sz="2400" b="1" dirty="0" err="1"/>
-              <a:t>Spyder</a:t>
-            </a:r>
-            <a:r>
-              <a:rPr lang="fr-FR" sz="2400" b="1" dirty="0"/>
-              <a:t> 5</a:t>
-            </a:r>
+              <a:rPr lang="fr-FR" dirty="0"/>
+              <a:t>Démystifier les langages de haut niveau</a:t>
+            </a:r>
+            <a:endParaRPr lang="fr-FR" b="1" dirty="0"/>
           </a:p>
           <a:p>
             <a:pPr lvl="1"/>
             <a:r>
               <a:rPr lang="fr-FR" dirty="0"/>
-              <a:t>Style de code selon le guide </a:t>
-            </a:r>
-            <a:r>
-              <a:rPr lang="fr-FR" b="1" dirty="0"/>
-              <a:t>PEP 8</a:t>
-            </a:r>
+              <a:t>Quelques notions théoriques</a:t>
+            </a:r>
+          </a:p>
+          <a:p>
+            <a:pPr lvl="1"/>
             <a:r>
               <a:rPr lang="fr-FR" dirty="0"/>
-              <a:t>  </a:t>
-            </a:r>
-            <a:br>
+              <a:t>Des exemples pratiques en Python (ou C/C++)</a:t>
+            </a:r>
+          </a:p>
+          <a:p>
+            <a:r>
               <a:rPr lang="fr-FR" dirty="0"/>
-            </a:br>
-            <a:r>
-              <a:rPr lang="fr-FR" dirty="0"/>
-              <a:t>		https://peps.python.org/pep-0008/</a:t>
-            </a:r>
-          </a:p>
-          <a:p>
-            <a:pPr lvl="1"/>
-            <a:r>
-              <a:rPr lang="fr-FR" dirty="0"/>
-              <a:t>Style de commentaires et de documentation selon le guide </a:t>
-            </a:r>
-            <a:r>
-              <a:rPr lang="fr-FR" b="1" dirty="0"/>
-              <a:t>PEP 257 </a:t>
-            </a:r>
-            <a:br>
-              <a:rPr lang="fr-FR" b="1" dirty="0"/>
-            </a:br>
-            <a:r>
-              <a:rPr lang="fr-FR" b="1" dirty="0"/>
-              <a:t>		</a:t>
-            </a:r>
-            <a:r>
-              <a:rPr lang="fr-FR" dirty="0"/>
-              <a:t>https://peps.python.org/pep-0257/</a:t>
-            </a:r>
-          </a:p>
-          <a:p>
-            <a:r>
-              <a:rPr lang="fr-FR" sz="2400" dirty="0"/>
-              <a:t>Utilisation de bibliothèques standards (</a:t>
-            </a:r>
-            <a:r>
-              <a:rPr lang="fr-FR" sz="2400" dirty="0" err="1"/>
-              <a:t>Numpy</a:t>
-            </a:r>
-            <a:r>
-              <a:rPr lang="fr-FR" sz="2400" dirty="0"/>
-              <a:t>, </a:t>
-            </a:r>
-            <a:r>
-              <a:rPr lang="fr-FR" sz="2400" dirty="0" err="1"/>
-              <a:t>Matplotlib</a:t>
-            </a:r>
-            <a:r>
-              <a:rPr lang="fr-FR" sz="2400" dirty="0"/>
-              <a:t>, </a:t>
-            </a:r>
-            <a:r>
-              <a:rPr lang="fr-FR" sz="2400" dirty="0" err="1"/>
-              <a:t>Scipy</a:t>
-            </a:r>
-            <a:r>
-              <a:rPr lang="fr-FR" sz="2400" dirty="0"/>
-              <a:t>…)</a:t>
-            </a:r>
-          </a:p>
-          <a:p>
-            <a:r>
-              <a:rPr lang="fr-FR" sz="2400" dirty="0"/>
-              <a:t>Découpage en fonctions simples (fichiers .</a:t>
-            </a:r>
-            <a:r>
-              <a:rPr lang="fr-FR" sz="2400" dirty="0" err="1"/>
-              <a:t>py</a:t>
-            </a:r>
-            <a:r>
-              <a:rPr lang="fr-FR" sz="2400" dirty="0"/>
-              <a:t> séparés)</a:t>
-            </a:r>
-            <a:endParaRPr lang="fr-FR" dirty="0"/>
+              <a:t>Calcul scientifique / Plusieurs méthodes de résolution</a:t>
+            </a:r>
           </a:p>
         </p:txBody>
       </p:sp>
@@ -8615,7 +8565,7 @@
           <a:p>
             <a:r>
               <a:rPr lang="fr-FR" dirty="0"/>
-              <a:t>Méthode de travail / Bonnes pratiques</a:t>
+              <a:t>Méthode de travail / Bloc 1</a:t>
             </a:r>
           </a:p>
         </p:txBody>
@@ -8656,10 +8606,104 @@
           </a:prstGeom>
         </p:spPr>
       </p:pic>
+      <p:pic>
+        <p:nvPicPr>
+          <p:cNvPr id="1026" name="Picture 2">
+            <a:extLst>
+              <a:ext uri="{FF2B5EF4-FFF2-40B4-BE49-F238E27FC236}">
+                <a16:creationId xmlns:a16="http://schemas.microsoft.com/office/drawing/2014/main" id="{EEC3CC6F-ADB4-888A-B18B-7044585F0661}"/>
+              </a:ext>
+            </a:extLst>
+          </p:cNvPr>
+          <p:cNvPicPr>
+            <a:picLocks noChangeAspect="1" noChangeArrowheads="1"/>
+          </p:cNvPicPr>
+          <p:nvPr/>
+        </p:nvPicPr>
+        <p:blipFill>
+          <a:blip r:embed="rId3">
+            <a:extLst>
+              <a:ext uri="{28A0092B-C50C-407E-A947-70E740481C1C}">
+                <a14:useLocalDpi xmlns:a14="http://schemas.microsoft.com/office/drawing/2010/main" val="0"/>
+              </a:ext>
+            </a:extLst>
+          </a:blip>
+          <a:srcRect/>
+          <a:stretch>
+            <a:fillRect/>
+          </a:stretch>
+        </p:blipFill>
+        <p:spPr bwMode="auto">
+          <a:xfrm>
+            <a:off x="3389364" y="4715256"/>
+            <a:ext cx="1047750" cy="1219200"/>
+          </a:xfrm>
+          <a:prstGeom prst="rect">
+            <a:avLst/>
+          </a:prstGeom>
+          <a:noFill/>
+          <a:extLst>
+            <a:ext uri="{909E8E84-426E-40DD-AFC4-6F175D3DCCD1}">
+              <a14:hiddenFill xmlns:a14="http://schemas.microsoft.com/office/drawing/2010/main">
+                <a:solidFill>
+                  <a:srgbClr val="FFFFFF"/>
+                </a:solidFill>
+              </a14:hiddenFill>
+            </a:ext>
+          </a:extLst>
+        </p:spPr>
+      </p:pic>
+      <p:pic>
+        <p:nvPicPr>
+          <p:cNvPr id="4" name="Picture 8" descr="Résultat de recherche d'images pour &quot;spyder logo&quot;">
+            <a:extLst>
+              <a:ext uri="{FF2B5EF4-FFF2-40B4-BE49-F238E27FC236}">
+                <a16:creationId xmlns:a16="http://schemas.microsoft.com/office/drawing/2014/main" id="{7D86E94E-1CE4-F45E-69EA-100C66B3A897}"/>
+              </a:ext>
+            </a:extLst>
+          </p:cNvPr>
+          <p:cNvPicPr>
+            <a:picLocks noChangeAspect="1" noChangeArrowheads="1"/>
+          </p:cNvPicPr>
+          <p:nvPr/>
+        </p:nvPicPr>
+        <p:blipFill>
+          <a:blip r:embed="rId4">
+            <a:extLst>
+              <a:ext uri="{28A0092B-C50C-407E-A947-70E740481C1C}">
+                <a14:useLocalDpi xmlns:a14="http://schemas.microsoft.com/office/drawing/2010/main" val="0"/>
+              </a:ext>
+            </a:extLst>
+          </a:blip>
+          <a:srcRect/>
+          <a:stretch>
+            <a:fillRect/>
+          </a:stretch>
+        </p:blipFill>
+        <p:spPr bwMode="auto">
+          <a:xfrm>
+            <a:off x="7506412" y="4846474"/>
+            <a:ext cx="1913528" cy="956764"/>
+          </a:xfrm>
+          <a:prstGeom prst="rect">
+            <a:avLst/>
+          </a:prstGeom>
+          <a:noFill/>
+          <a:extLst>
+            <a:ext uri="{909E8E84-426E-40DD-AFC4-6F175D3DCCD1}">
+              <a14:hiddenFill xmlns:a14="http://schemas.microsoft.com/office/drawing/2010/main">
+                <a:solidFill>
+                  <a:srgbClr val="FFFFFF"/>
+                </a:solidFill>
+              </a14:hiddenFill>
+            </a:ext>
+          </a:extLst>
+        </p:spPr>
+      </p:pic>
     </p:spTree>
     <p:extLst>
       <p:ext uri="{BB962C8B-B14F-4D97-AF65-F5344CB8AC3E}">
-        <p14:creationId xmlns:p14="http://schemas.microsoft.com/office/powerpoint/2010/main" val="3230963344"/>
+        <p14:creationId xmlns:p14="http://schemas.microsoft.com/office/powerpoint/2010/main" val="2211726380"/>
       </p:ext>
     </p:extLst>
   </p:cSld>
@@ -8715,29 +8759,66 @@
           <a:lstStyle/>
           <a:p>
             <a:r>
+              <a:rPr lang="fr-FR" b="1" dirty="0"/>
+              <a:t>Travail à réaliser </a:t>
+            </a:r>
+          </a:p>
+          <a:p>
+            <a:pPr lvl="1"/>
+            <a:r>
               <a:rPr lang="fr-FR" dirty="0"/>
-              <a:t>Démystifier les langages de haut niveau</a:t>
-            </a:r>
-            <a:endParaRPr lang="fr-FR" b="1" dirty="0"/>
-          </a:p>
-          <a:p>
-            <a:pPr lvl="1"/>
+              <a:t>Résultats à faire valider par </a:t>
+            </a:r>
+            <a:r>
+              <a:rPr lang="fr-FR" dirty="0" err="1"/>
+              <a:t>un.e</a:t>
+            </a:r>
             <a:r>
               <a:rPr lang="fr-FR" dirty="0"/>
-              <a:t>Quelques notions théoriques</a:t>
-            </a:r>
-          </a:p>
-          <a:p>
-            <a:pPr lvl="1"/>
+              <a:t> </a:t>
+            </a:r>
+            <a:r>
+              <a:rPr lang="fr-FR" dirty="0" err="1"/>
+              <a:t>encadrant.e</a:t>
+            </a:r>
             <a:r>
               <a:rPr lang="fr-FR" dirty="0"/>
-              <a:t>Des exemples pratiques en Python (ou C/C++)</a:t>
-            </a:r>
-          </a:p>
-          <a:p>
+              <a:t> durant la séance</a:t>
+            </a:r>
+          </a:p>
+          <a:p>
+            <a:pPr lvl="2"/>
             <a:r>
               <a:rPr lang="fr-FR" dirty="0"/>
-              <a:t>Calcul scientifique / Plusieurs méthodes de résolution</a:t>
+              <a:t>Bonnes pratiques en programmation : </a:t>
+            </a:r>
+          </a:p>
+          <a:p>
+            <a:pPr lvl="3"/>
+            <a:r>
+              <a:rPr lang="fr-FR" dirty="0"/>
+              <a:t>Code propre / documenté</a:t>
+            </a:r>
+          </a:p>
+          <a:p>
+            <a:pPr lvl="3"/>
+            <a:r>
+              <a:rPr lang="fr-FR" dirty="0"/>
+              <a:t>Utilisation de fonctions</a:t>
+            </a:r>
+          </a:p>
+          <a:p>
+            <a:pPr lvl="2"/>
+            <a:r>
+              <a:rPr lang="fr-FR" dirty="0"/>
+              <a:t>Présentation des résultats</a:t>
+            </a:r>
+          </a:p>
+          <a:p>
+            <a:pPr lvl="2"/>
+            <a:r>
+              <a:rPr lang="fr-FR" dirty="0"/>
+              <a:t>Analyse et critiques des résultats (aspect physique/mathématique)</a:t>
             </a:r>
           </a:p>
         </p:txBody>
@@ -8765,7 +8846,7 @@
           <a:p>
             <a:r>
               <a:rPr lang="fr-FR" dirty="0"/>
-              <a:t>Méthode de travail / Bloc 1</a:t>
+              <a:t>Phases d’apprentissage</a:t>
             </a:r>
           </a:p>
         </p:txBody>
@@ -8835,7 +8916,7 @@
         </p:blipFill>
         <p:spPr bwMode="auto">
           <a:xfrm>
-            <a:off x="3389364" y="4715256"/>
+            <a:off x="10552557" y="3042631"/>
             <a:ext cx="1047750" cy="1219200"/>
           </a:xfrm>
           <a:prstGeom prst="rect">
@@ -8882,7 +8963,7 @@
         </p:blipFill>
         <p:spPr bwMode="auto">
           <a:xfrm>
-            <a:off x="7506412" y="4846474"/>
+            <a:off x="10119668" y="4581003"/>
             <a:ext cx="1913528" cy="956764"/>
           </a:xfrm>
           <a:prstGeom prst="rect">
@@ -8900,10 +8981,87 @@
           </a:extLst>
         </p:spPr>
       </p:pic>
+      <p:pic>
+        <p:nvPicPr>
+          <p:cNvPr id="7" name="Graphique 6" descr="Flèches de chevron avec un remplissage uni">
+            <a:extLst>
+              <a:ext uri="{FF2B5EF4-FFF2-40B4-BE49-F238E27FC236}">
+                <a16:creationId xmlns:a16="http://schemas.microsoft.com/office/drawing/2014/main" id="{80926F58-1C00-743C-5E30-C8AF32AD8C71}"/>
+              </a:ext>
+            </a:extLst>
+          </p:cNvPr>
+          <p:cNvPicPr>
+            <a:picLocks noChangeAspect="1"/>
+          </p:cNvPicPr>
+          <p:nvPr/>
+        </p:nvPicPr>
+        <p:blipFill>
+          <a:blip r:embed="rId5">
+            <a:extLst>
+              <a:ext uri="{28A0092B-C50C-407E-A947-70E740481C1C}">
+                <a14:useLocalDpi xmlns:a14="http://schemas.microsoft.com/office/drawing/2010/main" val="0"/>
+              </a:ext>
+              <a:ext uri="{96DAC541-7B7A-43D3-8B79-37D633B846F1}">
+                <asvg:svgBlip xmlns:asvg="http://schemas.microsoft.com/office/drawing/2016/SVG/main" r:embed="rId6"/>
+              </a:ext>
+            </a:extLst>
+          </a:blip>
+          <a:stretch>
+            <a:fillRect/>
+          </a:stretch>
+        </p:blipFill>
+        <p:spPr>
+          <a:xfrm>
+            <a:off x="7005291" y="437784"/>
+            <a:ext cx="1401288" cy="1401288"/>
+          </a:xfrm>
+          <a:prstGeom prst="rect">
+            <a:avLst/>
+          </a:prstGeom>
+        </p:spPr>
+      </p:pic>
+      <p:sp>
+        <p:nvSpPr>
+          <p:cNvPr id="6" name="ZoneTexte 5">
+            <a:extLst>
+              <a:ext uri="{FF2B5EF4-FFF2-40B4-BE49-F238E27FC236}">
+                <a16:creationId xmlns:a16="http://schemas.microsoft.com/office/drawing/2014/main" id="{53177DBA-E31C-6A08-5071-177B62FB5E96}"/>
+              </a:ext>
+            </a:extLst>
+          </p:cNvPr>
+          <p:cNvSpPr txBox="1"/>
+          <p:nvPr/>
+        </p:nvSpPr>
+        <p:spPr>
+          <a:xfrm>
+            <a:off x="8969659" y="1507987"/>
+            <a:ext cx="2435233" cy="369332"/>
+          </a:xfrm>
+          <a:prstGeom prst="rect">
+            <a:avLst/>
+          </a:prstGeom>
+          <a:solidFill>
+            <a:srgbClr val="00B050"/>
+          </a:solidFill>
+        </p:spPr>
+        <p:txBody>
+          <a:bodyPr wrap="square">
+            <a:spAutoFit/>
+          </a:bodyPr>
+          <a:lstStyle/>
+          <a:p>
+            <a:pPr algn="ctr"/>
+            <a:r>
+              <a:rPr lang="fr-FR" b="1" i="1" dirty="0"/>
+              <a:t>S’ENTRAINER</a:t>
+            </a:r>
+          </a:p>
+        </p:txBody>
+      </p:sp>
     </p:spTree>
     <p:extLst>
       <p:ext uri="{BB962C8B-B14F-4D97-AF65-F5344CB8AC3E}">
-        <p14:creationId xmlns:p14="http://schemas.microsoft.com/office/powerpoint/2010/main" val="2211726380"/>
+        <p14:creationId xmlns:p14="http://schemas.microsoft.com/office/powerpoint/2010/main" val="1124339619"/>
       </p:ext>
     </p:extLst>
   </p:cSld>
@@ -8960,30 +9118,14 @@
           <a:p>
             <a:r>
               <a:rPr lang="fr-FR" b="1" dirty="0"/>
-              <a:t>Travail à réaliser </a:t>
+              <a:t>Travail pour approfondir les notions / Valider ses acquis</a:t>
             </a:r>
           </a:p>
           <a:p>
             <a:pPr lvl="1"/>
             <a:r>
               <a:rPr lang="fr-FR" dirty="0"/>
-              <a:t>Résultats à faire valider par </a:t>
-            </a:r>
-            <a:r>
-              <a:rPr lang="fr-FR" dirty="0" err="1"/>
-              <a:t>un.e</a:t>
-            </a:r>
-            <a:r>
-              <a:rPr lang="fr-FR" dirty="0"/>
-              <a:t> </a:t>
-            </a:r>
-            <a:r>
-              <a:rPr lang="fr-FR" dirty="0" err="1"/>
-              <a:t>encadrant.e</a:t>
-            </a:r>
-            <a:r>
-              <a:rPr lang="fr-FR" dirty="0"/>
-              <a:t> durant la séance</a:t>
+              <a:t>Résultats que vous pouvez soumettre par mail</a:t>
             </a:r>
           </a:p>
           <a:p>
@@ -9046,7 +9188,7 @@
           <a:p>
             <a:r>
               <a:rPr lang="fr-FR" dirty="0"/>
-              <a:t>Phases d’apprentissage</a:t>
+              <a:t>Approfondissement</a:t>
             </a:r>
           </a:p>
         </p:txBody>
@@ -9241,7 +9383,7 @@
             <a:avLst/>
           </a:prstGeom>
           <a:solidFill>
-            <a:srgbClr val="00B050"/>
+            <a:srgbClr val="7030A0"/>
           </a:solidFill>
         </p:spPr>
         <p:txBody>
@@ -9252,8 +9394,12 @@
           <a:p>
             <a:pPr algn="ctr"/>
             <a:r>
-              <a:rPr lang="fr-FR" b="1" i="1" dirty="0"/>
-              <a:t>S’ENTRAINER</a:t>
+              <a:rPr lang="fr-FR" b="1" i="1" dirty="0">
+                <a:solidFill>
+                  <a:schemeClr val="bg1"/>
+                </a:solidFill>
+              </a:rPr>
+              <a:t>ALLER PLUS LOIN</a:t>
             </a:r>
           </a:p>
         </p:txBody>
@@ -9261,7 +9407,7 @@
     </p:spTree>
     <p:extLst>
       <p:ext uri="{BB962C8B-B14F-4D97-AF65-F5344CB8AC3E}">
-        <p14:creationId xmlns:p14="http://schemas.microsoft.com/office/powerpoint/2010/main" val="1124339619"/>
+        <p14:creationId xmlns:p14="http://schemas.microsoft.com/office/powerpoint/2010/main" val="2954999839"/>
       </p:ext>
     </p:extLst>
   </p:cSld>
@@ -9514,352 +9660,6 @@
 </file>
 
 <file path=ppt/slides/slide20.xml><?xml version="1.0" encoding="utf-8"?>
-<p:sld xmlns:a="http://schemas.openxmlformats.org/drawingml/2006/main" xmlns:r="http://schemas.openxmlformats.org/officeDocument/2006/relationships" xmlns:p="http://schemas.openxmlformats.org/presentationml/2006/main">
-  <p:cSld>
-    <p:spTree>
-      <p:nvGrpSpPr>
-        <p:cNvPr id="1" name=""/>
-        <p:cNvGrpSpPr/>
-        <p:nvPr/>
-      </p:nvGrpSpPr>
-      <p:grpSpPr>
-        <a:xfrm>
-          <a:off x="0" y="0"/>
-          <a:ext cx="0" cy="0"/>
-          <a:chOff x="0" y="0"/>
-          <a:chExt cx="0" cy="0"/>
-        </a:xfrm>
-      </p:grpSpPr>
-      <p:sp>
-        <p:nvSpPr>
-          <p:cNvPr id="3" name="Espace réservé du contenu 2">
-            <a:extLst>
-              <a:ext uri="{FF2B5EF4-FFF2-40B4-BE49-F238E27FC236}">
-                <a16:creationId xmlns:a16="http://schemas.microsoft.com/office/drawing/2014/main" id="{E0BBB9DE-019C-C741-F224-494739D4B752}"/>
-              </a:ext>
-            </a:extLst>
-          </p:cNvPr>
-          <p:cNvSpPr>
-            <a:spLocks noGrp="1"/>
-          </p:cNvSpPr>
-          <p:nvPr>
-            <p:ph sz="half" idx="1"/>
-          </p:nvPr>
-        </p:nvSpPr>
-        <p:spPr>
-          <a:xfrm>
-            <a:off x="1115568" y="2478024"/>
-            <a:ext cx="10168128" cy="3694176"/>
-          </a:xfrm>
-        </p:spPr>
-        <p:txBody>
-          <a:bodyPr>
-            <a:normAutofit/>
-          </a:bodyPr>
-          <a:lstStyle/>
-          <a:p>
-            <a:r>
-              <a:rPr lang="fr-FR" b="1" dirty="0"/>
-              <a:t>Travail pour approfondir les notions / Valider ses acquis</a:t>
-            </a:r>
-          </a:p>
-          <a:p>
-            <a:pPr lvl="1"/>
-            <a:r>
-              <a:rPr lang="fr-FR" dirty="0"/>
-              <a:t>Résultats que vous pouvez soumettre par mail</a:t>
-            </a:r>
-          </a:p>
-          <a:p>
-            <a:pPr lvl="2"/>
-            <a:r>
-              <a:rPr lang="fr-FR" dirty="0"/>
-              <a:t>Bonnes pratiques en programmation : </a:t>
-            </a:r>
-          </a:p>
-          <a:p>
-            <a:pPr lvl="3"/>
-            <a:r>
-              <a:rPr lang="fr-FR" dirty="0"/>
-              <a:t>Code propre / documenté</a:t>
-            </a:r>
-          </a:p>
-          <a:p>
-            <a:pPr lvl="3"/>
-            <a:r>
-              <a:rPr lang="fr-FR" dirty="0"/>
-              <a:t>Utilisation de fonctions</a:t>
-            </a:r>
-          </a:p>
-          <a:p>
-            <a:pPr lvl="2"/>
-            <a:r>
-              <a:rPr lang="fr-FR" dirty="0"/>
-              <a:t>Présentation des résultats</a:t>
-            </a:r>
-          </a:p>
-          <a:p>
-            <a:pPr lvl="2"/>
-            <a:r>
-              <a:rPr lang="fr-FR" dirty="0"/>
-              <a:t>Analyse et critiques des résultats (aspect physique/mathématique)</a:t>
-            </a:r>
-          </a:p>
-        </p:txBody>
-      </p:sp>
-      <p:sp>
-        <p:nvSpPr>
-          <p:cNvPr id="2" name="Titre 1">
-            <a:extLst>
-              <a:ext uri="{FF2B5EF4-FFF2-40B4-BE49-F238E27FC236}">
-                <a16:creationId xmlns:a16="http://schemas.microsoft.com/office/drawing/2014/main" id="{90162AE8-C1B0-5C56-8313-DEE494F38273}"/>
-              </a:ext>
-            </a:extLst>
-          </p:cNvPr>
-          <p:cNvSpPr>
-            <a:spLocks noGrp="1"/>
-          </p:cNvSpPr>
-          <p:nvPr>
-            <p:ph type="title"/>
-          </p:nvPr>
-        </p:nvSpPr>
-        <p:spPr/>
-        <p:txBody>
-          <a:bodyPr/>
-          <a:lstStyle/>
-          <a:p>
-            <a:r>
-              <a:rPr lang="fr-FR" dirty="0"/>
-              <a:t>Approfondissement</a:t>
-            </a:r>
-          </a:p>
-        </p:txBody>
-      </p:sp>
-      <p:pic>
-        <p:nvPicPr>
-          <p:cNvPr id="5" name="Image 4" descr="Une image contenant texte&#10;&#10;Description générée automatiquement">
-            <a:extLst>
-              <a:ext uri="{FF2B5EF4-FFF2-40B4-BE49-F238E27FC236}">
-                <a16:creationId xmlns:a16="http://schemas.microsoft.com/office/drawing/2014/main" id="{204ADC40-1D61-539F-22ED-6B21D67FBDE6}"/>
-              </a:ext>
-            </a:extLst>
-          </p:cNvPr>
-          <p:cNvPicPr>
-            <a:picLocks noChangeAspect="1"/>
-          </p:cNvPicPr>
-          <p:nvPr/>
-        </p:nvPicPr>
-        <p:blipFill>
-          <a:blip r:embed="rId2">
-            <a:extLst>
-              <a:ext uri="{28A0092B-C50C-407E-A947-70E740481C1C}">
-                <a14:useLocalDpi xmlns:a14="http://schemas.microsoft.com/office/drawing/2010/main" val="0"/>
-              </a:ext>
-            </a:extLst>
-          </a:blip>
-          <a:stretch>
-            <a:fillRect/>
-          </a:stretch>
-        </p:blipFill>
-        <p:spPr>
-          <a:xfrm>
-            <a:off x="202922" y="5934456"/>
-            <a:ext cx="1825291" cy="749808"/>
-          </a:xfrm>
-          <a:prstGeom prst="rect">
-            <a:avLst/>
-          </a:prstGeom>
-        </p:spPr>
-      </p:pic>
-      <p:pic>
-        <p:nvPicPr>
-          <p:cNvPr id="1026" name="Picture 2">
-            <a:extLst>
-              <a:ext uri="{FF2B5EF4-FFF2-40B4-BE49-F238E27FC236}">
-                <a16:creationId xmlns:a16="http://schemas.microsoft.com/office/drawing/2014/main" id="{EEC3CC6F-ADB4-888A-B18B-7044585F0661}"/>
-              </a:ext>
-            </a:extLst>
-          </p:cNvPr>
-          <p:cNvPicPr>
-            <a:picLocks noChangeAspect="1" noChangeArrowheads="1"/>
-          </p:cNvPicPr>
-          <p:nvPr/>
-        </p:nvPicPr>
-        <p:blipFill>
-          <a:blip r:embed="rId3">
-            <a:extLst>
-              <a:ext uri="{28A0092B-C50C-407E-A947-70E740481C1C}">
-                <a14:useLocalDpi xmlns:a14="http://schemas.microsoft.com/office/drawing/2010/main" val="0"/>
-              </a:ext>
-            </a:extLst>
-          </a:blip>
-          <a:srcRect/>
-          <a:stretch>
-            <a:fillRect/>
-          </a:stretch>
-        </p:blipFill>
-        <p:spPr bwMode="auto">
-          <a:xfrm>
-            <a:off x="10552557" y="3042631"/>
-            <a:ext cx="1047750" cy="1219200"/>
-          </a:xfrm>
-          <a:prstGeom prst="rect">
-            <a:avLst/>
-          </a:prstGeom>
-          <a:noFill/>
-          <a:extLst>
-            <a:ext uri="{909E8E84-426E-40DD-AFC4-6F175D3DCCD1}">
-              <a14:hiddenFill xmlns:a14="http://schemas.microsoft.com/office/drawing/2010/main">
-                <a:solidFill>
-                  <a:srgbClr val="FFFFFF"/>
-                </a:solidFill>
-              </a14:hiddenFill>
-            </a:ext>
-          </a:extLst>
-        </p:spPr>
-      </p:pic>
-      <p:pic>
-        <p:nvPicPr>
-          <p:cNvPr id="4" name="Picture 8" descr="Résultat de recherche d'images pour &quot;spyder logo&quot;">
-            <a:extLst>
-              <a:ext uri="{FF2B5EF4-FFF2-40B4-BE49-F238E27FC236}">
-                <a16:creationId xmlns:a16="http://schemas.microsoft.com/office/drawing/2014/main" id="{7D86E94E-1CE4-F45E-69EA-100C66B3A897}"/>
-              </a:ext>
-            </a:extLst>
-          </p:cNvPr>
-          <p:cNvPicPr>
-            <a:picLocks noChangeAspect="1" noChangeArrowheads="1"/>
-          </p:cNvPicPr>
-          <p:nvPr/>
-        </p:nvPicPr>
-        <p:blipFill>
-          <a:blip r:embed="rId4">
-            <a:extLst>
-              <a:ext uri="{28A0092B-C50C-407E-A947-70E740481C1C}">
-                <a14:useLocalDpi xmlns:a14="http://schemas.microsoft.com/office/drawing/2010/main" val="0"/>
-              </a:ext>
-            </a:extLst>
-          </a:blip>
-          <a:srcRect/>
-          <a:stretch>
-            <a:fillRect/>
-          </a:stretch>
-        </p:blipFill>
-        <p:spPr bwMode="auto">
-          <a:xfrm>
-            <a:off x="10119668" y="4581003"/>
-            <a:ext cx="1913528" cy="956764"/>
-          </a:xfrm>
-          <a:prstGeom prst="rect">
-            <a:avLst/>
-          </a:prstGeom>
-          <a:noFill/>
-          <a:extLst>
-            <a:ext uri="{909E8E84-426E-40DD-AFC4-6F175D3DCCD1}">
-              <a14:hiddenFill xmlns:a14="http://schemas.microsoft.com/office/drawing/2010/main">
-                <a:solidFill>
-                  <a:srgbClr val="FFFFFF"/>
-                </a:solidFill>
-              </a14:hiddenFill>
-            </a:ext>
-          </a:extLst>
-        </p:spPr>
-      </p:pic>
-      <p:pic>
-        <p:nvPicPr>
-          <p:cNvPr id="7" name="Graphique 6" descr="Flèches de chevron avec un remplissage uni">
-            <a:extLst>
-              <a:ext uri="{FF2B5EF4-FFF2-40B4-BE49-F238E27FC236}">
-                <a16:creationId xmlns:a16="http://schemas.microsoft.com/office/drawing/2014/main" id="{80926F58-1C00-743C-5E30-C8AF32AD8C71}"/>
-              </a:ext>
-            </a:extLst>
-          </p:cNvPr>
-          <p:cNvPicPr>
-            <a:picLocks noChangeAspect="1"/>
-          </p:cNvPicPr>
-          <p:nvPr/>
-        </p:nvPicPr>
-        <p:blipFill>
-          <a:blip r:embed="rId5">
-            <a:extLst>
-              <a:ext uri="{28A0092B-C50C-407E-A947-70E740481C1C}">
-                <a14:useLocalDpi xmlns:a14="http://schemas.microsoft.com/office/drawing/2010/main" val="0"/>
-              </a:ext>
-              <a:ext uri="{96DAC541-7B7A-43D3-8B79-37D633B846F1}">
-                <asvg:svgBlip xmlns:asvg="http://schemas.microsoft.com/office/drawing/2016/SVG/main" r:embed="rId6"/>
-              </a:ext>
-            </a:extLst>
-          </a:blip>
-          <a:stretch>
-            <a:fillRect/>
-          </a:stretch>
-        </p:blipFill>
-        <p:spPr>
-          <a:xfrm>
-            <a:off x="7005291" y="437784"/>
-            <a:ext cx="1401288" cy="1401288"/>
-          </a:xfrm>
-          <a:prstGeom prst="rect">
-            <a:avLst/>
-          </a:prstGeom>
-        </p:spPr>
-      </p:pic>
-      <p:sp>
-        <p:nvSpPr>
-          <p:cNvPr id="6" name="ZoneTexte 5">
-            <a:extLst>
-              <a:ext uri="{FF2B5EF4-FFF2-40B4-BE49-F238E27FC236}">
-                <a16:creationId xmlns:a16="http://schemas.microsoft.com/office/drawing/2014/main" id="{53177DBA-E31C-6A08-5071-177B62FB5E96}"/>
-              </a:ext>
-            </a:extLst>
-          </p:cNvPr>
-          <p:cNvSpPr txBox="1"/>
-          <p:nvPr/>
-        </p:nvSpPr>
-        <p:spPr>
-          <a:xfrm>
-            <a:off x="8969659" y="1507987"/>
-            <a:ext cx="2435233" cy="369332"/>
-          </a:xfrm>
-          <a:prstGeom prst="rect">
-            <a:avLst/>
-          </a:prstGeom>
-          <a:solidFill>
-            <a:srgbClr val="7030A0"/>
-          </a:solidFill>
-        </p:spPr>
-        <p:txBody>
-          <a:bodyPr wrap="square">
-            <a:spAutoFit/>
-          </a:bodyPr>
-          <a:lstStyle/>
-          <a:p>
-            <a:pPr algn="ctr"/>
-            <a:r>
-              <a:rPr lang="fr-FR" b="1" i="1" dirty="0">
-                <a:solidFill>
-                  <a:schemeClr val="bg1"/>
-                </a:solidFill>
-              </a:rPr>
-              <a:t>ALLER PLUS LOIN</a:t>
-            </a:r>
-          </a:p>
-        </p:txBody>
-      </p:sp>
-    </p:spTree>
-    <p:extLst>
-      <p:ext uri="{BB962C8B-B14F-4D97-AF65-F5344CB8AC3E}">
-        <p14:creationId xmlns:p14="http://schemas.microsoft.com/office/powerpoint/2010/main" val="2954999839"/>
-      </p:ext>
-    </p:extLst>
-  </p:cSld>
-  <p:clrMapOvr>
-    <a:masterClrMapping/>
-  </p:clrMapOvr>
-</p:sld>
-</file>
-
-<file path=ppt/slides/slide21.xml><?xml version="1.0" encoding="utf-8"?>
 <p:sld xmlns:a="http://schemas.openxmlformats.org/drawingml/2006/main" xmlns:r="http://schemas.openxmlformats.org/officeDocument/2006/relationships" xmlns:p="http://schemas.openxmlformats.org/presentationml/2006/main">
   <p:cSld>
     <p:bg>
@@ -10362,7 +10162,7 @@
 </p:sld>
 </file>
 
-<file path=ppt/slides/slide22.xml><?xml version="1.0" encoding="utf-8"?>
+<file path=ppt/slides/slide21.xml><?xml version="1.0" encoding="utf-8"?>
 <p:sld xmlns:a="http://schemas.openxmlformats.org/drawingml/2006/main" xmlns:r="http://schemas.openxmlformats.org/officeDocument/2006/relationships" xmlns:p="http://schemas.openxmlformats.org/presentationml/2006/main">
   <p:cSld>
     <p:spTree>
@@ -10484,7 +10284,7 @@
             </a:r>
             <a:r>
               <a:rPr lang="fr-FR" sz="1200" dirty="0"/>
-              <a:t>(2 points)</a:t>
+              <a:t>(2,5 points)</a:t>
             </a:r>
           </a:p>
           <a:p>
@@ -11990,7 +11790,7 @@
                 <a:latin typeface="Trebuchet MS"/>
                 <a:ea typeface="Trebuchet MS"/>
               </a:rPr>
-              <a:t>Programmation / Concepts</a:t>
+              <a:t>Programmation</a:t>
             </a:r>
             <a:endParaRPr lang="fr-FR" sz="2000" b="0" strike="noStrike" spc="-1" dirty="0">
               <a:latin typeface="Arial"/>
@@ -12055,6 +11855,16 @@
               </a:tabLst>
             </a:pPr>
             <a:r>
+              <a:rPr lang="fr-FR" sz="2000" b="1" strike="noStrike" spc="-1" dirty="0" err="1">
+                <a:solidFill>
+                  <a:srgbClr val="666666"/>
+                </a:solidFill>
+                <a:latin typeface="Trebuchet MS"/>
+                <a:ea typeface="Trebuchet MS"/>
+              </a:rPr>
+              <a:t>Ingénieur.e</a:t>
+            </a:r>
+            <a:r>
               <a:rPr lang="fr-FR" sz="2000" b="1" strike="noStrike" spc="-1" dirty="0">
                 <a:solidFill>
                   <a:srgbClr val="666666"/>
@@ -12062,7 +11872,7 @@
                 <a:latin typeface="Trebuchet MS"/>
                 <a:ea typeface="Trebuchet MS"/>
               </a:rPr>
-              <a:t>Programmation / Outils</a:t>
+              <a:t> en Physique</a:t>
             </a:r>
             <a:endParaRPr lang="fr-FR" sz="2000" b="0" strike="noStrike" spc="-1" dirty="0">
               <a:latin typeface="Arial"/>
@@ -12102,112 +11912,69 @@
       </p:grpSpPr>
       <p:sp>
         <p:nvSpPr>
-          <p:cNvPr id="2" name="Titre 1">
-            <a:extLst>
-              <a:ext uri="{FF2B5EF4-FFF2-40B4-BE49-F238E27FC236}">
-                <a16:creationId xmlns:a16="http://schemas.microsoft.com/office/drawing/2014/main" id="{693DE99D-D7A2-89F5-4CDD-A4230BF00E5E}"/>
-              </a:ext>
-            </a:extLst>
-          </p:cNvPr>
-          <p:cNvSpPr>
-            <a:spLocks noGrp="1"/>
-          </p:cNvSpPr>
-          <p:nvPr>
-            <p:ph type="title"/>
-          </p:nvPr>
-        </p:nvSpPr>
-        <p:spPr/>
-        <p:txBody>
-          <a:bodyPr/>
-          <a:lstStyle/>
-          <a:p>
-            <a:r>
-              <a:rPr lang="fr-FR" dirty="0"/>
-              <a:t>Objectifs pédagogiques du module</a:t>
-            </a:r>
-          </a:p>
-        </p:txBody>
-      </p:sp>
-      <p:sp>
-        <p:nvSpPr>
-          <p:cNvPr id="3" name="Espace réservé du contenu 2">
-            <a:extLst>
-              <a:ext uri="{FF2B5EF4-FFF2-40B4-BE49-F238E27FC236}">
-                <a16:creationId xmlns:a16="http://schemas.microsoft.com/office/drawing/2014/main" id="{ED0C7B24-43B5-0D0C-B0F3-586EB157CED2}"/>
-              </a:ext>
-            </a:extLst>
-          </p:cNvPr>
-          <p:cNvSpPr>
-            <a:spLocks noGrp="1"/>
-          </p:cNvSpPr>
-          <p:nvPr>
-            <p:ph idx="1"/>
-          </p:nvPr>
-        </p:nvSpPr>
-        <p:spPr/>
-        <p:txBody>
-          <a:bodyPr>
-            <a:normAutofit/>
+          <p:cNvPr id="7" name="ZoneTexte 6">
+            <a:extLst>
+              <a:ext uri="{FF2B5EF4-FFF2-40B4-BE49-F238E27FC236}">
+                <a16:creationId xmlns:a16="http://schemas.microsoft.com/office/drawing/2014/main" id="{131C8A22-1283-7887-8D99-71355323649C}"/>
+              </a:ext>
+            </a:extLst>
+          </p:cNvPr>
+          <p:cNvSpPr txBox="1"/>
+          <p:nvPr/>
+        </p:nvSpPr>
+        <p:spPr>
+          <a:xfrm>
+            <a:off x="1115568" y="5478363"/>
+            <a:ext cx="10044831" cy="830997"/>
+          </a:xfrm>
+          <a:prstGeom prst="rect">
+            <a:avLst/>
+          </a:prstGeom>
+          <a:noFill/>
+        </p:spPr>
+        <p:txBody>
+          <a:bodyPr wrap="square">
+            <a:spAutoFit/>
           </a:bodyPr>
           <a:lstStyle/>
           <a:p>
-            <a:r>
-              <a:rPr lang="fr-FR" dirty="0"/>
-              <a:t>Outils numériques pour l’</a:t>
-            </a:r>
-            <a:r>
-              <a:rPr lang="fr-FR" dirty="0" err="1"/>
-              <a:t>ingénieur.e</a:t>
-            </a:r>
-            <a:r>
-              <a:rPr lang="fr-FR" dirty="0"/>
-              <a:t> en science</a:t>
-            </a:r>
-          </a:p>
-          <a:p>
-            <a:pPr lvl="1"/>
-            <a:r>
-              <a:rPr lang="fr-FR" b="1" dirty="0"/>
-              <a:t>produire un graphique pertinent </a:t>
-            </a:r>
-            <a:r>
-              <a:rPr lang="fr-FR" dirty="0"/>
-              <a:t>(axes, titre, légende) à partir de données expérimentales</a:t>
-            </a:r>
-          </a:p>
-          <a:p>
-            <a:pPr lvl="1"/>
-            <a:r>
-              <a:rPr lang="fr-FR" b="1" dirty="0"/>
-              <a:t>générer un ensemble de données de test </a:t>
-            </a:r>
-            <a:r>
-              <a:rPr lang="fr-FR" dirty="0"/>
-              <a:t>pour valider un modèle numérique</a:t>
-            </a:r>
-          </a:p>
-          <a:p>
-            <a:pPr lvl="1"/>
-            <a:r>
-              <a:rPr lang="fr-FR" b="1" dirty="0"/>
-              <a:t>utiliser l’écriture matricielle/vectorielle</a:t>
-            </a:r>
-            <a:r>
-              <a:rPr lang="fr-FR" dirty="0"/>
-              <a:t> pour stocker et traiter des données</a:t>
-            </a:r>
-          </a:p>
-          <a:p>
-            <a:endParaRPr lang="fr-FR" dirty="0"/>
-          </a:p>
-        </p:txBody>
-      </p:sp>
-      <p:sp>
-        <p:nvSpPr>
-          <p:cNvPr id="4" name="CustomShape 3">
-            <a:extLst>
-              <a:ext uri="{FF2B5EF4-FFF2-40B4-BE49-F238E27FC236}">
-                <a16:creationId xmlns:a16="http://schemas.microsoft.com/office/drawing/2014/main" id="{F6698FE5-45C9-D41D-2A99-F8A6543364C8}"/>
+            <a:pPr marL="742950" lvl="1" indent="-285750">
+              <a:buFont typeface="Arial" panose="020B0604020202020204" pitchFamily="34" charset="0"/>
+              <a:buChar char="•"/>
+            </a:pPr>
+            <a:r>
+              <a:rPr lang="fr-FR" sz="2400" dirty="0">
+                <a:solidFill>
+                  <a:srgbClr val="0070C0"/>
+                </a:solidFill>
+              </a:rPr>
+              <a:t>choisir une </a:t>
+            </a:r>
+            <a:r>
+              <a:rPr lang="fr-FR" sz="2400" b="1" dirty="0">
+                <a:solidFill>
+                  <a:srgbClr val="0070C0"/>
+                </a:solidFill>
+              </a:rPr>
+              <a:t>méthode de résolution numérique </a:t>
+            </a:r>
+            <a:r>
+              <a:rPr lang="fr-FR" sz="2400" dirty="0">
+                <a:solidFill>
+                  <a:srgbClr val="0070C0"/>
+                </a:solidFill>
+              </a:rPr>
+              <a:t>adaptée à la problématique et en comprendre ses limites</a:t>
+            </a:r>
+          </a:p>
+        </p:txBody>
+      </p:sp>
+      <p:sp>
+        <p:nvSpPr>
+          <p:cNvPr id="5" name="CustomShape 3">
+            <a:extLst>
+              <a:ext uri="{FF2B5EF4-FFF2-40B4-BE49-F238E27FC236}">
+                <a16:creationId xmlns:a16="http://schemas.microsoft.com/office/drawing/2014/main" id="{937690C0-CE50-F559-7EAB-3F23DA8BE978}"/>
               </a:ext>
             </a:extLst>
           </p:cNvPr>
@@ -12216,7 +11983,7 @@
         </p:nvSpPr>
         <p:spPr>
           <a:xfrm>
-            <a:off x="1199536" y="1728216"/>
+            <a:off x="1199534" y="1718263"/>
             <a:ext cx="4051393" cy="492443"/>
           </a:xfrm>
           <a:prstGeom prst="rect">
@@ -12266,7 +12033,7 @@
                 <a:latin typeface="Trebuchet MS"/>
                 <a:ea typeface="Trebuchet MS"/>
               </a:rPr>
-              <a:t>Méthodes Numériques (1/2)</a:t>
+              <a:t>Méthodes Numériques</a:t>
             </a:r>
             <a:endParaRPr lang="fr-FR" sz="2000" b="0" strike="noStrike" spc="-1" dirty="0">
               <a:solidFill>
@@ -12277,10 +12044,117 @@
           </a:p>
         </p:txBody>
       </p:sp>
+      <p:sp>
+        <p:nvSpPr>
+          <p:cNvPr id="2" name="Titre 1">
+            <a:extLst>
+              <a:ext uri="{FF2B5EF4-FFF2-40B4-BE49-F238E27FC236}">
+                <a16:creationId xmlns:a16="http://schemas.microsoft.com/office/drawing/2014/main" id="{693DE99D-D7A2-89F5-4CDD-A4230BF00E5E}"/>
+              </a:ext>
+            </a:extLst>
+          </p:cNvPr>
+          <p:cNvSpPr>
+            <a:spLocks noGrp="1"/>
+          </p:cNvSpPr>
+          <p:nvPr>
+            <p:ph type="title"/>
+          </p:nvPr>
+        </p:nvSpPr>
+        <p:spPr/>
+        <p:txBody>
+          <a:bodyPr/>
+          <a:lstStyle/>
+          <a:p>
+            <a:r>
+              <a:rPr lang="fr-FR" dirty="0"/>
+              <a:t>Objectifs pédagogiques du module</a:t>
+            </a:r>
+          </a:p>
+        </p:txBody>
+      </p:sp>
+      <p:sp>
+        <p:nvSpPr>
+          <p:cNvPr id="3" name="Espace réservé du contenu 2">
+            <a:extLst>
+              <a:ext uri="{FF2B5EF4-FFF2-40B4-BE49-F238E27FC236}">
+                <a16:creationId xmlns:a16="http://schemas.microsoft.com/office/drawing/2014/main" id="{ED0C7B24-43B5-0D0C-B0F3-586EB157CED2}"/>
+              </a:ext>
+            </a:extLst>
+          </p:cNvPr>
+          <p:cNvSpPr>
+            <a:spLocks noGrp="1"/>
+          </p:cNvSpPr>
+          <p:nvPr>
+            <p:ph idx="1"/>
+          </p:nvPr>
+        </p:nvSpPr>
+        <p:spPr>
+          <a:xfrm>
+            <a:off x="1115568" y="2478024"/>
+            <a:ext cx="10168128" cy="2651761"/>
+          </a:xfrm>
+        </p:spPr>
+        <p:txBody>
+          <a:bodyPr>
+            <a:normAutofit/>
+          </a:bodyPr>
+          <a:lstStyle/>
+          <a:p>
+            <a:pPr lvl="1"/>
+            <a:r>
+              <a:rPr lang="fr-FR" b="1" dirty="0"/>
+              <a:t>utiliser l’écriture matricielle/vectorielle</a:t>
+            </a:r>
+            <a:r>
+              <a:rPr lang="fr-FR" dirty="0"/>
+              <a:t> pour stocker et traiter des données</a:t>
+            </a:r>
+          </a:p>
+          <a:p>
+            <a:pPr lvl="1"/>
+            <a:r>
+              <a:rPr lang="fr-FR" b="1" dirty="0"/>
+              <a:t>organiser la résolution d’un problème en actions élémentaires</a:t>
+            </a:r>
+            <a:endParaRPr lang="fr-FR" dirty="0"/>
+          </a:p>
+          <a:p>
+            <a:pPr lvl="1"/>
+            <a:r>
+              <a:rPr lang="fr-FR" b="1" dirty="0"/>
+              <a:t>décrire les tests de validation</a:t>
+            </a:r>
+            <a:endParaRPr lang="fr-FR" dirty="0"/>
+          </a:p>
+          <a:p>
+            <a:pPr lvl="1"/>
+            <a:r>
+              <a:rPr lang="fr-FR" b="1" dirty="0"/>
+              <a:t>organiser les informations à manipuler</a:t>
+            </a:r>
+            <a:r>
+              <a:rPr lang="fr-FR" dirty="0"/>
+              <a:t>/générer</a:t>
+            </a:r>
+          </a:p>
+          <a:p>
+            <a:pPr lvl="1"/>
+            <a:endParaRPr lang="fr-FR" dirty="0"/>
+          </a:p>
+          <a:p>
+            <a:pPr lvl="1"/>
+            <a:endParaRPr lang="fr-FR" dirty="0"/>
+          </a:p>
+          <a:p>
+            <a:pPr lvl="1"/>
+            <a:endParaRPr lang="fr-FR" dirty="0"/>
+          </a:p>
+        </p:txBody>
+      </p:sp>
     </p:spTree>
     <p:extLst>
       <p:ext uri="{BB962C8B-B14F-4D97-AF65-F5344CB8AC3E}">
-        <p14:creationId xmlns:p14="http://schemas.microsoft.com/office/powerpoint/2010/main" val="172005874"/>
+        <p14:creationId xmlns:p14="http://schemas.microsoft.com/office/powerpoint/2010/main" val="3322999495"/>
       </p:ext>
     </p:extLst>
   </p:cSld>
@@ -12309,114 +12183,10 @@
       </p:grpSpPr>
       <p:sp>
         <p:nvSpPr>
-          <p:cNvPr id="2" name="Titre 1">
-            <a:extLst>
-              <a:ext uri="{FF2B5EF4-FFF2-40B4-BE49-F238E27FC236}">
-                <a16:creationId xmlns:a16="http://schemas.microsoft.com/office/drawing/2014/main" id="{693DE99D-D7A2-89F5-4CDD-A4230BF00E5E}"/>
-              </a:ext>
-            </a:extLst>
-          </p:cNvPr>
-          <p:cNvSpPr>
-            <a:spLocks noGrp="1"/>
-          </p:cNvSpPr>
-          <p:nvPr>
-            <p:ph type="title"/>
-          </p:nvPr>
-        </p:nvSpPr>
-        <p:spPr/>
-        <p:txBody>
-          <a:bodyPr/>
-          <a:lstStyle/>
-          <a:p>
-            <a:r>
-              <a:rPr lang="fr-FR" dirty="0"/>
-              <a:t>Objectifs pédagogiques du module</a:t>
-            </a:r>
-          </a:p>
-        </p:txBody>
-      </p:sp>
-      <p:sp>
-        <p:nvSpPr>
-          <p:cNvPr id="3" name="Espace réservé du contenu 2">
-            <a:extLst>
-              <a:ext uri="{FF2B5EF4-FFF2-40B4-BE49-F238E27FC236}">
-                <a16:creationId xmlns:a16="http://schemas.microsoft.com/office/drawing/2014/main" id="{ED0C7B24-43B5-0D0C-B0F3-586EB157CED2}"/>
-              </a:ext>
-            </a:extLst>
-          </p:cNvPr>
-          <p:cNvSpPr>
-            <a:spLocks noGrp="1"/>
-          </p:cNvSpPr>
-          <p:nvPr>
-            <p:ph idx="1"/>
-          </p:nvPr>
-        </p:nvSpPr>
-        <p:spPr/>
-        <p:txBody>
-          <a:bodyPr>
-            <a:normAutofit/>
-          </a:bodyPr>
-          <a:lstStyle/>
-          <a:p>
-            <a:r>
-              <a:rPr lang="fr-FR" dirty="0"/>
-              <a:t>Outils numériques pour l’</a:t>
-            </a:r>
-            <a:r>
-              <a:rPr lang="fr-FR" dirty="0" err="1"/>
-              <a:t>ingénieur.e</a:t>
-            </a:r>
-            <a:r>
-              <a:rPr lang="fr-FR" dirty="0"/>
-              <a:t> en science</a:t>
-            </a:r>
-          </a:p>
-          <a:p>
-            <a:pPr lvl="1"/>
-            <a:r>
-              <a:rPr lang="fr-FR" dirty="0"/>
-              <a:t>choisir une </a:t>
-            </a:r>
-            <a:r>
-              <a:rPr lang="fr-FR" b="1" dirty="0"/>
-              <a:t>méthode de résolution numérique </a:t>
-            </a:r>
-            <a:r>
-              <a:rPr lang="fr-FR" dirty="0"/>
-              <a:t>adaptée à la problématique et en comprendre ses limites</a:t>
-            </a:r>
-          </a:p>
-          <a:p>
-            <a:pPr lvl="1"/>
-            <a:r>
-              <a:rPr lang="fr-FR" b="1" dirty="0"/>
-              <a:t>analyser les résultats d’une modélisation physique simple</a:t>
-            </a:r>
-            <a:r>
-              <a:rPr lang="fr-FR" dirty="0"/>
-              <a:t> et </a:t>
-            </a:r>
-            <a:r>
-              <a:rPr lang="fr-FR" b="1" dirty="0"/>
-              <a:t>valider le modèle utilisé</a:t>
-            </a:r>
-            <a:endParaRPr lang="fr-FR" dirty="0"/>
-          </a:p>
-          <a:p>
-            <a:pPr lvl="1"/>
-            <a:endParaRPr lang="fr-FR" dirty="0"/>
-          </a:p>
-          <a:p>
-            <a:endParaRPr lang="fr-FR" dirty="0"/>
-          </a:p>
-        </p:txBody>
-      </p:sp>
-      <p:sp>
-        <p:nvSpPr>
-          <p:cNvPr id="4" name="CustomShape 3">
-            <a:extLst>
-              <a:ext uri="{FF2B5EF4-FFF2-40B4-BE49-F238E27FC236}">
-                <a16:creationId xmlns:a16="http://schemas.microsoft.com/office/drawing/2014/main" id="{F6698FE5-45C9-D41D-2A99-F8A6543364C8}"/>
+          <p:cNvPr id="5" name="CustomShape 23">
+            <a:extLst>
+              <a:ext uri="{FF2B5EF4-FFF2-40B4-BE49-F238E27FC236}">
+                <a16:creationId xmlns:a16="http://schemas.microsoft.com/office/drawing/2014/main" id="{54AD6CDA-C0C8-0E9A-AE5B-1DA4CE1BCC7E}"/>
               </a:ext>
             </a:extLst>
           </p:cNvPr>
@@ -12432,9 +12202,9 @@
             <a:avLst/>
           </a:prstGeom>
           <a:solidFill>
-            <a:schemeClr val="tx1">
-              <a:lumMod val="65000"/>
-              <a:lumOff val="35000"/>
+            <a:schemeClr val="accent1">
+              <a:lumMod val="60000"/>
+              <a:lumOff val="40000"/>
             </a:schemeClr>
           </a:solidFill>
           <a:ln w="0">
@@ -12470,117 +12240,12 @@
             <a:r>
               <a:rPr lang="fr-FR" sz="2000" b="1" strike="noStrike" spc="-1" dirty="0">
                 <a:solidFill>
-                  <a:schemeClr val="bg1"/>
-                </a:solidFill>
-                <a:latin typeface="Trebuchet MS"/>
-                <a:ea typeface="Trebuchet MS"/>
-              </a:rPr>
-              <a:t>Méthodes Numériques (2/2)</a:t>
-            </a:r>
-            <a:endParaRPr lang="fr-FR" sz="2000" b="0" strike="noStrike" spc="-1" dirty="0">
-              <a:solidFill>
-                <a:schemeClr val="bg1"/>
-              </a:solidFill>
-              <a:latin typeface="Arial"/>
-            </a:endParaRPr>
-          </a:p>
-        </p:txBody>
-      </p:sp>
-    </p:spTree>
-    <p:extLst>
-      <p:ext uri="{BB962C8B-B14F-4D97-AF65-F5344CB8AC3E}">
-        <p14:creationId xmlns:p14="http://schemas.microsoft.com/office/powerpoint/2010/main" val="864651826"/>
-      </p:ext>
-    </p:extLst>
-  </p:cSld>
-  <p:clrMapOvr>
-    <a:masterClrMapping/>
-  </p:clrMapOvr>
-</p:sld>
-</file>
-
-<file path=ppt/slides/slide8.xml><?xml version="1.0" encoding="utf-8"?>
-<p:sld xmlns:a="http://schemas.openxmlformats.org/drawingml/2006/main" xmlns:r="http://schemas.openxmlformats.org/officeDocument/2006/relationships" xmlns:p="http://schemas.openxmlformats.org/presentationml/2006/main">
-  <p:cSld>
-    <p:spTree>
-      <p:nvGrpSpPr>
-        <p:cNvPr id="1" name=""/>
-        <p:cNvGrpSpPr/>
-        <p:nvPr/>
-      </p:nvGrpSpPr>
-      <p:grpSpPr>
-        <a:xfrm>
-          <a:off x="0" y="0"/>
-          <a:ext cx="0" cy="0"/>
-          <a:chOff x="0" y="0"/>
-          <a:chExt cx="0" cy="0"/>
-        </a:xfrm>
-      </p:grpSpPr>
-      <p:sp>
-        <p:nvSpPr>
-          <p:cNvPr id="5" name="CustomShape 23">
-            <a:extLst>
-              <a:ext uri="{FF2B5EF4-FFF2-40B4-BE49-F238E27FC236}">
-                <a16:creationId xmlns:a16="http://schemas.microsoft.com/office/drawing/2014/main" id="{54AD6CDA-C0C8-0E9A-AE5B-1DA4CE1BCC7E}"/>
-              </a:ext>
-            </a:extLst>
-          </p:cNvPr>
-          <p:cNvSpPr/>
-          <p:nvPr/>
-        </p:nvSpPr>
-        <p:spPr>
-          <a:xfrm>
-            <a:off x="1199536" y="1728216"/>
-            <a:ext cx="4051393" cy="492443"/>
-          </a:xfrm>
-          <a:prstGeom prst="rect">
-            <a:avLst/>
-          </a:prstGeom>
-          <a:solidFill>
-            <a:schemeClr val="accent1">
-              <a:lumMod val="60000"/>
-              <a:lumOff val="40000"/>
-            </a:schemeClr>
-          </a:solidFill>
-          <a:ln w="0">
-            <a:noFill/>
-          </a:ln>
-        </p:spPr>
-        <p:style>
-          <a:lnRef idx="0">
-            <a:scrgbClr r="0" g="0" b="0"/>
-          </a:lnRef>
-          <a:fillRef idx="0">
-            <a:scrgbClr r="0" g="0" b="0"/>
-          </a:fillRef>
-          <a:effectRef idx="0">
-            <a:scrgbClr r="0" g="0" b="0"/>
-          </a:effectRef>
-          <a:fontRef idx="minor"/>
-        </p:style>
-        <p:txBody>
-          <a:bodyPr wrap="square" tIns="91440" bIns="91440">
-            <a:spAutoFit/>
-          </a:bodyPr>
-          <a:lstStyle/>
-          <a:p>
-            <a:pPr algn="ctr">
-              <a:lnSpc>
-                <a:spcPct val="100000"/>
-              </a:lnSpc>
-              <a:tabLst>
-                <a:tab pos="0" algn="l"/>
-              </a:tabLst>
-            </a:pPr>
-            <a:r>
-              <a:rPr lang="fr-FR" sz="2000" b="1" strike="noStrike" spc="-1" dirty="0">
-                <a:solidFill>
                   <a:srgbClr val="666666"/>
                 </a:solidFill>
                 <a:latin typeface="Trebuchet MS"/>
                 <a:ea typeface="Trebuchet MS"/>
               </a:rPr>
-              <a:t>Programmation / Concepts</a:t>
+              <a:t>Programmation (1/2)</a:t>
             </a:r>
             <a:endParaRPr lang="fr-FR" sz="2000" b="0" strike="noStrike" spc="-1" dirty="0">
               <a:latin typeface="Arial"/>
@@ -12635,23 +12300,9 @@
         <p:spPr/>
         <p:txBody>
           <a:bodyPr>
-            <a:normAutofit fontScale="92500"/>
+            <a:normAutofit lnSpcReduction="10000"/>
           </a:bodyPr>
           <a:lstStyle/>
-          <a:p>
-            <a:r>
-              <a:rPr lang="fr-FR" dirty="0"/>
-              <a:t>Concepts pour l’</a:t>
-            </a:r>
-            <a:r>
-              <a:rPr lang="fr-FR" dirty="0" err="1"/>
-              <a:t>ingénieur.e</a:t>
-            </a:r>
-            <a:r>
-              <a:rPr lang="fr-FR" dirty="0"/>
-              <a:t> en science</a:t>
-            </a:r>
-          </a:p>
           <a:p>
             <a:pPr lvl="1"/>
             <a:r>
@@ -12706,6 +12357,45 @@
             <a:r>
               <a:rPr lang="fr-FR" dirty="0"/>
               <a:t>, décrire les tests de validation et en évaluer l’impact sur les ressources</a:t>
+            </a:r>
+          </a:p>
+        </p:txBody>
+      </p:sp>
+      <p:sp>
+        <p:nvSpPr>
+          <p:cNvPr id="4" name="ZoneTexte 3">
+            <a:extLst>
+              <a:ext uri="{FF2B5EF4-FFF2-40B4-BE49-F238E27FC236}">
+                <a16:creationId xmlns:a16="http://schemas.microsoft.com/office/drawing/2014/main" id="{A3FC4191-4401-58DF-7A2E-5C594D192868}"/>
+              </a:ext>
+            </a:extLst>
+          </p:cNvPr>
+          <p:cNvSpPr txBox="1"/>
+          <p:nvPr/>
+        </p:nvSpPr>
+        <p:spPr>
+          <a:xfrm>
+            <a:off x="5250929" y="1974437"/>
+            <a:ext cx="2086918" cy="338554"/>
+          </a:xfrm>
+          <a:prstGeom prst="rect">
+            <a:avLst/>
+          </a:prstGeom>
+          <a:noFill/>
+        </p:spPr>
+        <p:txBody>
+          <a:bodyPr wrap="none" rtlCol="0">
+            <a:spAutoFit/>
+          </a:bodyPr>
+          <a:lstStyle/>
+          <a:p>
+            <a:r>
+              <a:rPr lang="fr-FR" sz="1600" dirty="0">
+                <a:solidFill>
+                  <a:srgbClr val="002060"/>
+                </a:solidFill>
+              </a:rPr>
+              <a:t>Critères non évalués</a:t>
             </a:r>
           </a:p>
         </p:txBody>
@@ -12723,7 +12413,7 @@
 </p:sld>
 </file>
 
-<file path=ppt/slides/slide9.xml><?xml version="1.0" encoding="utf-8"?>
+<file path=ppt/slides/slide8.xml><?xml version="1.0" encoding="utf-8"?>
 <p:sld xmlns:a="http://schemas.openxmlformats.org/drawingml/2006/main" xmlns:r="http://schemas.openxmlformats.org/officeDocument/2006/relationships" xmlns:p="http://schemas.openxmlformats.org/presentationml/2006/main">
   <p:cSld>
     <p:bg>
@@ -12944,7 +12634,7 @@
           <a:p>
             <a:fld id="{B2DC25EE-239B-4C5F-AAD1-255A7D5F1EE2}" type="slidenum">
               <a:rPr lang="en-US" smtClean="0"/>
-              <a:t>9</a:t>
+              <a:t>8</a:t>
             </a:fld>
             <a:endParaRPr lang="en-US"/>
           </a:p>
@@ -12954,6 +12644,271 @@
     <p:extLst>
       <p:ext uri="{BB962C8B-B14F-4D97-AF65-F5344CB8AC3E}">
         <p14:creationId xmlns:p14="http://schemas.microsoft.com/office/powerpoint/2010/main" val="4273741977"/>
+      </p:ext>
+    </p:extLst>
+  </p:cSld>
+  <p:clrMapOvr>
+    <a:masterClrMapping/>
+  </p:clrMapOvr>
+</p:sld>
+</file>
+
+<file path=ppt/slides/slide9.xml><?xml version="1.0" encoding="utf-8"?>
+<p:sld xmlns:a="http://schemas.openxmlformats.org/drawingml/2006/main" xmlns:r="http://schemas.openxmlformats.org/officeDocument/2006/relationships" xmlns:p="http://schemas.openxmlformats.org/presentationml/2006/main">
+  <p:cSld>
+    <p:spTree>
+      <p:nvGrpSpPr>
+        <p:cNvPr id="1" name=""/>
+        <p:cNvGrpSpPr/>
+        <p:nvPr/>
+      </p:nvGrpSpPr>
+      <p:grpSpPr>
+        <a:xfrm>
+          <a:off x="0" y="0"/>
+          <a:ext cx="0" cy="0"/>
+          <a:chOff x="0" y="0"/>
+          <a:chExt cx="0" cy="0"/>
+        </a:xfrm>
+      </p:grpSpPr>
+      <p:sp>
+        <p:nvSpPr>
+          <p:cNvPr id="5" name="CustomShape 23">
+            <a:extLst>
+              <a:ext uri="{FF2B5EF4-FFF2-40B4-BE49-F238E27FC236}">
+                <a16:creationId xmlns:a16="http://schemas.microsoft.com/office/drawing/2014/main" id="{54AD6CDA-C0C8-0E9A-AE5B-1DA4CE1BCC7E}"/>
+              </a:ext>
+            </a:extLst>
+          </p:cNvPr>
+          <p:cNvSpPr/>
+          <p:nvPr/>
+        </p:nvSpPr>
+        <p:spPr>
+          <a:xfrm>
+            <a:off x="1199536" y="1728216"/>
+            <a:ext cx="4051393" cy="492443"/>
+          </a:xfrm>
+          <a:prstGeom prst="rect">
+            <a:avLst/>
+          </a:prstGeom>
+          <a:solidFill>
+            <a:schemeClr val="accent1">
+              <a:lumMod val="60000"/>
+              <a:lumOff val="40000"/>
+            </a:schemeClr>
+          </a:solidFill>
+          <a:ln w="0">
+            <a:noFill/>
+          </a:ln>
+        </p:spPr>
+        <p:style>
+          <a:lnRef idx="0">
+            <a:scrgbClr r="0" g="0" b="0"/>
+          </a:lnRef>
+          <a:fillRef idx="0">
+            <a:scrgbClr r="0" g="0" b="0"/>
+          </a:fillRef>
+          <a:effectRef idx="0">
+            <a:scrgbClr r="0" g="0" b="0"/>
+          </a:effectRef>
+          <a:fontRef idx="minor"/>
+        </p:style>
+        <p:txBody>
+          <a:bodyPr wrap="square" tIns="91440" bIns="91440">
+            <a:spAutoFit/>
+          </a:bodyPr>
+          <a:lstStyle/>
+          <a:p>
+            <a:pPr algn="ctr">
+              <a:lnSpc>
+                <a:spcPct val="100000"/>
+              </a:lnSpc>
+              <a:tabLst>
+                <a:tab pos="0" algn="l"/>
+              </a:tabLst>
+            </a:pPr>
+            <a:r>
+              <a:rPr lang="fr-FR" sz="2000" b="1" strike="noStrike" spc="-1" dirty="0">
+                <a:solidFill>
+                  <a:srgbClr val="666666"/>
+                </a:solidFill>
+                <a:latin typeface="Trebuchet MS"/>
+                <a:ea typeface="Trebuchet MS"/>
+              </a:rPr>
+              <a:t>Programmation (2/2)</a:t>
+            </a:r>
+            <a:endParaRPr lang="fr-FR" sz="2000" b="0" strike="noStrike" spc="-1" dirty="0">
+              <a:latin typeface="Arial"/>
+            </a:endParaRPr>
+          </a:p>
+        </p:txBody>
+      </p:sp>
+      <p:sp>
+        <p:nvSpPr>
+          <p:cNvPr id="2" name="Titre 1">
+            <a:extLst>
+              <a:ext uri="{FF2B5EF4-FFF2-40B4-BE49-F238E27FC236}">
+                <a16:creationId xmlns:a16="http://schemas.microsoft.com/office/drawing/2014/main" id="{693DE99D-D7A2-89F5-4CDD-A4230BF00E5E}"/>
+              </a:ext>
+            </a:extLst>
+          </p:cNvPr>
+          <p:cNvSpPr>
+            <a:spLocks noGrp="1"/>
+          </p:cNvSpPr>
+          <p:nvPr>
+            <p:ph type="title"/>
+          </p:nvPr>
+        </p:nvSpPr>
+        <p:spPr/>
+        <p:txBody>
+          <a:bodyPr/>
+          <a:lstStyle/>
+          <a:p>
+            <a:r>
+              <a:rPr lang="fr-FR" dirty="0"/>
+              <a:t>Objectifs pédagogiques du module</a:t>
+            </a:r>
+          </a:p>
+        </p:txBody>
+      </p:sp>
+      <p:sp>
+        <p:nvSpPr>
+          <p:cNvPr id="3" name="Espace réservé du contenu 2">
+            <a:extLst>
+              <a:ext uri="{FF2B5EF4-FFF2-40B4-BE49-F238E27FC236}">
+                <a16:creationId xmlns:a16="http://schemas.microsoft.com/office/drawing/2014/main" id="{ED0C7B24-43B5-0D0C-B0F3-586EB157CED2}"/>
+              </a:ext>
+            </a:extLst>
+          </p:cNvPr>
+          <p:cNvSpPr>
+            <a:spLocks noGrp="1"/>
+          </p:cNvSpPr>
+          <p:nvPr>
+            <p:ph idx="1"/>
+          </p:nvPr>
+        </p:nvSpPr>
+        <p:spPr/>
+        <p:txBody>
+          <a:bodyPr>
+            <a:normAutofit lnSpcReduction="10000"/>
+          </a:bodyPr>
+          <a:lstStyle/>
+          <a:p>
+            <a:pPr lvl="1"/>
+            <a:r>
+              <a:rPr lang="fr-FR" b="1" dirty="0"/>
+              <a:t>écrire et commenter du code informatique</a:t>
+            </a:r>
+            <a:r>
+              <a:rPr lang="fr-FR" dirty="0"/>
+              <a:t> en respectant des conventions (PEP 8 - Python)</a:t>
+            </a:r>
+          </a:p>
+          <a:p>
+            <a:pPr lvl="1"/>
+            <a:r>
+              <a:rPr lang="fr-FR" b="1" dirty="0"/>
+              <a:t>utiliser, écrire et valider des fonctions</a:t>
+            </a:r>
+            <a:r>
+              <a:rPr lang="fr-FR" dirty="0"/>
+              <a:t> / modules dans un langage de haut niveau (type Python ou Matlab)</a:t>
+            </a:r>
+          </a:p>
+          <a:p>
+            <a:pPr lvl="1"/>
+            <a:r>
+              <a:rPr lang="fr-FR" b="1" dirty="0"/>
+              <a:t>documenter des fonctions</a:t>
+            </a:r>
+            <a:r>
+              <a:rPr lang="fr-FR" dirty="0"/>
+              <a:t> (PEP 257 - Python)</a:t>
+            </a:r>
+          </a:p>
+          <a:p>
+            <a:pPr lvl="1"/>
+            <a:r>
+              <a:rPr lang="fr-FR" b="1" dirty="0"/>
+              <a:t>utiliser une bibliothèque</a:t>
+            </a:r>
+            <a:r>
+              <a:rPr lang="fr-FR" dirty="0"/>
+              <a:t> / un module dans un langage de haut niveau</a:t>
+            </a:r>
+          </a:p>
+          <a:p>
+            <a:pPr lvl="1"/>
+            <a:r>
+              <a:rPr lang="fr-FR" b="1" dirty="0"/>
+              <a:t>écrire et valider une bibliothèque</a:t>
+            </a:r>
+            <a:r>
+              <a:rPr lang="fr-FR" dirty="0"/>
+              <a:t> dans un langage de haut niveau et la documenter</a:t>
+            </a:r>
+          </a:p>
+        </p:txBody>
+      </p:sp>
+      <p:sp>
+        <p:nvSpPr>
+          <p:cNvPr id="4" name="ZoneTexte 3">
+            <a:extLst>
+              <a:ext uri="{FF2B5EF4-FFF2-40B4-BE49-F238E27FC236}">
+                <a16:creationId xmlns:a16="http://schemas.microsoft.com/office/drawing/2014/main" id="{697CA8EC-4896-AD4D-7E15-743E4EF296DA}"/>
+              </a:ext>
+            </a:extLst>
+          </p:cNvPr>
+          <p:cNvSpPr txBox="1"/>
+          <p:nvPr/>
+        </p:nvSpPr>
+        <p:spPr>
+          <a:xfrm>
+            <a:off x="1073584" y="6214121"/>
+            <a:ext cx="10044831" cy="430887"/>
+          </a:xfrm>
+          <a:prstGeom prst="rect">
+            <a:avLst/>
+          </a:prstGeom>
+          <a:noFill/>
+        </p:spPr>
+        <p:txBody>
+          <a:bodyPr wrap="square">
+            <a:spAutoFit/>
+          </a:bodyPr>
+          <a:lstStyle/>
+          <a:p>
+            <a:pPr marL="742950" lvl="1" indent="-285750">
+              <a:buFont typeface="Arial" panose="020B0604020202020204" pitchFamily="34" charset="0"/>
+              <a:buChar char="•"/>
+            </a:pPr>
+            <a:r>
+              <a:rPr lang="fr-FR" sz="2200" b="1" dirty="0">
+                <a:solidFill>
+                  <a:srgbClr val="0070C0"/>
+                </a:solidFill>
+              </a:rPr>
+              <a:t>écrire et valider une classe</a:t>
+            </a:r>
+            <a:r>
+              <a:rPr lang="fr-FR" sz="2200" dirty="0">
+                <a:solidFill>
+                  <a:srgbClr val="0070C0"/>
+                </a:solidFill>
+              </a:rPr>
+              <a:t> dans un langage de haut niveau</a:t>
+            </a:r>
+            <a:endParaRPr lang="fr-FR" sz="2400" dirty="0">
+              <a:solidFill>
+                <a:srgbClr val="0070C0"/>
+              </a:solidFill>
+            </a:endParaRPr>
+          </a:p>
+        </p:txBody>
+      </p:sp>
+    </p:spTree>
+    <p:extLst>
+      <p:ext uri="{BB962C8B-B14F-4D97-AF65-F5344CB8AC3E}">
+        <p14:creationId xmlns:p14="http://schemas.microsoft.com/office/powerpoint/2010/main" val="1997255824"/>
       </p:ext>
     </p:extLst>
   </p:cSld>

--- a/ONIP/onip_b0_intro/B0_0_Outils_Methodes.pptx
+++ b/ONIP/onip_b0_intro/B0_0_Outils_Methodes.pptx
@@ -5,7 +5,7 @@
     <p:sldMasterId id="2147483711" r:id="rId1"/>
   </p:sldMasterIdLst>
   <p:notesMasterIdLst>
-    <p:notesMasterId r:id="rId26"/>
+    <p:notesMasterId r:id="rId27"/>
   </p:notesMasterIdLst>
   <p:sldIdLst>
     <p:sldId id="256" r:id="rId2"/>
@@ -22,16 +22,17 @@
     <p:sldId id="307" r:id="rId13"/>
     <p:sldId id="274" r:id="rId14"/>
     <p:sldId id="272" r:id="rId15"/>
-    <p:sldId id="275" r:id="rId16"/>
-    <p:sldId id="258" r:id="rId17"/>
-    <p:sldId id="259" r:id="rId18"/>
-    <p:sldId id="263" r:id="rId19"/>
-    <p:sldId id="261" r:id="rId20"/>
-    <p:sldId id="260" r:id="rId21"/>
-    <p:sldId id="270" r:id="rId22"/>
-    <p:sldId id="269" r:id="rId23"/>
-    <p:sldId id="281" r:id="rId24"/>
-    <p:sldId id="282" r:id="rId25"/>
+    <p:sldId id="311" r:id="rId16"/>
+    <p:sldId id="312" r:id="rId17"/>
+    <p:sldId id="313" r:id="rId18"/>
+    <p:sldId id="275" r:id="rId19"/>
+    <p:sldId id="258" r:id="rId20"/>
+    <p:sldId id="259" r:id="rId21"/>
+    <p:sldId id="263" r:id="rId22"/>
+    <p:sldId id="261" r:id="rId23"/>
+    <p:sldId id="260" r:id="rId24"/>
+    <p:sldId id="281" r:id="rId25"/>
+    <p:sldId id="282" r:id="rId26"/>
   </p:sldIdLst>
   <p:sldSz cx="12192000" cy="6858000"/>
   <p:notesSz cx="6858000" cy="9144000"/>
@@ -220,7 +221,7 @@
           <a:p>
             <a:fld id="{7C2ED78D-DC5F-4349-9BB1-6BA0129AAA21}" type="datetimeFigureOut">
               <a:rPr lang="fr-FR" smtClean="0"/>
-              <a:t>06/09/2023</a:t>
+              <a:t>03/03/2024</a:t>
             </a:fld>
             <a:endParaRPr lang="fr-FR"/>
           </a:p>
@@ -1075,7 +1076,7 @@
           <a:p>
             <a:fld id="{02AC24A9-CCB6-4F8D-B8DB-C2F3692CFA5A}" type="datetimeFigureOut">
               <a:rPr lang="en-US" smtClean="0"/>
-              <a:t>9/6/2023</a:t>
+              <a:t>3/3/2024</a:t>
             </a:fld>
             <a:endParaRPr lang="en-US" dirty="0"/>
           </a:p>
@@ -1445,7 +1446,7 @@
           <a:p>
             <a:fld id="{02AC24A9-CCB6-4F8D-B8DB-C2F3692CFA5A}" type="datetimeFigureOut">
               <a:rPr lang="en-US" smtClean="0"/>
-              <a:t>9/6/2023</a:t>
+              <a:t>3/3/2024</a:t>
             </a:fld>
             <a:endParaRPr lang="en-US"/>
           </a:p>
@@ -1654,7 +1655,7 @@
           <a:p>
             <a:fld id="{02AC24A9-CCB6-4F8D-B8DB-C2F3692CFA5A}" type="datetimeFigureOut">
               <a:rPr lang="en-US" smtClean="0"/>
-              <a:t>9/6/2023</a:t>
+              <a:t>3/3/2024</a:t>
             </a:fld>
             <a:endParaRPr lang="en-US"/>
           </a:p>
@@ -2124,7 +2125,7 @@
           <a:p>
             <a:fld id="{02AC24A9-CCB6-4F8D-B8DB-C2F3692CFA5A}" type="datetimeFigureOut">
               <a:rPr lang="en-US" smtClean="0"/>
-              <a:t>9/6/2023</a:t>
+              <a:t>3/3/2024</a:t>
             </a:fld>
             <a:endParaRPr lang="en-US"/>
           </a:p>
@@ -2578,7 +2579,7 @@
           <a:p>
             <a:fld id="{02AC24A9-CCB6-4F8D-B8DB-C2F3692CFA5A}" type="datetimeFigureOut">
               <a:rPr lang="en-US" smtClean="0"/>
-              <a:t>9/6/2023</a:t>
+              <a:t>3/3/2024</a:t>
             </a:fld>
             <a:endParaRPr lang="en-US"/>
           </a:p>
@@ -3110,7 +3111,7 @@
           <a:p>
             <a:fld id="{02AC24A9-CCB6-4F8D-B8DB-C2F3692CFA5A}" type="datetimeFigureOut">
               <a:rPr lang="en-US" smtClean="0"/>
-              <a:t>9/6/2023</a:t>
+              <a:t>3/3/2024</a:t>
             </a:fld>
             <a:endParaRPr lang="en-US"/>
           </a:p>
@@ -3809,7 +3810,7 @@
           <a:p>
             <a:fld id="{02AC24A9-CCB6-4F8D-B8DB-C2F3692CFA5A}" type="datetimeFigureOut">
               <a:rPr lang="en-US" smtClean="0"/>
-              <a:t>9/6/2023</a:t>
+              <a:t>3/3/2024</a:t>
             </a:fld>
             <a:endParaRPr lang="en-US"/>
           </a:p>
@@ -4138,7 +4139,7 @@
           <a:p>
             <a:fld id="{02AC24A9-CCB6-4F8D-B8DB-C2F3692CFA5A}" type="datetimeFigureOut">
               <a:rPr lang="en-US" smtClean="0"/>
-              <a:t>9/6/2023</a:t>
+              <a:t>3/3/2024</a:t>
             </a:fld>
             <a:endParaRPr lang="en-US"/>
           </a:p>
@@ -4251,7 +4252,7 @@
           <a:p>
             <a:fld id="{02AC24A9-CCB6-4F8D-B8DB-C2F3692CFA5A}" type="datetimeFigureOut">
               <a:rPr lang="en-US" smtClean="0"/>
-              <a:t>9/6/2023</a:t>
+              <a:t>3/3/2024</a:t>
             </a:fld>
             <a:endParaRPr lang="en-US"/>
           </a:p>
@@ -4746,7 +4747,7 @@
           <a:p>
             <a:fld id="{02AC24A9-CCB6-4F8D-B8DB-C2F3692CFA5A}" type="datetimeFigureOut">
               <a:rPr lang="en-US" smtClean="0"/>
-              <a:t>9/6/2023</a:t>
+              <a:t>3/3/2024</a:t>
             </a:fld>
             <a:endParaRPr lang="en-US" dirty="0"/>
           </a:p>
@@ -5223,7 +5224,7 @@
           <a:p>
             <a:fld id="{02AC24A9-CCB6-4F8D-B8DB-C2F3692CFA5A}" type="datetimeFigureOut">
               <a:rPr lang="en-US" smtClean="0"/>
-              <a:t>9/6/2023</a:t>
+              <a:t>3/3/2024</a:t>
             </a:fld>
             <a:endParaRPr lang="en-US"/>
           </a:p>
@@ -5466,7 +5467,7 @@
           <a:p>
             <a:fld id="{02AC24A9-CCB6-4F8D-B8DB-C2F3692CFA5A}" type="datetimeFigureOut">
               <a:rPr lang="en-US" smtClean="0"/>
-              <a:t>9/6/2023</a:t>
+              <a:t>3/3/2024</a:t>
             </a:fld>
             <a:endParaRPr lang="en-US"/>
           </a:p>
@@ -7044,11 +7045,19 @@
           <a:p>
             <a:pPr lvl="1"/>
             <a:r>
-              <a:rPr lang="fr-FR" b="1" dirty="0"/>
+              <a:rPr lang="fr-FR" b="1" dirty="0">
+                <a:solidFill>
+                  <a:srgbClr val="0070C0"/>
+                </a:solidFill>
+              </a:rPr>
               <a:t>écrire et valider une bibliothèque</a:t>
             </a:r>
             <a:r>
-              <a:rPr lang="fr-FR" dirty="0"/>
+              <a:rPr lang="fr-FR" dirty="0">
+                <a:solidFill>
+                  <a:srgbClr val="0070C0"/>
+                </a:solidFill>
+              </a:rPr>
               <a:t> dans un langage de haut niveau et la documenter</a:t>
             </a:r>
           </a:p>
@@ -7564,7 +7573,7 @@
                 </a:solidFill>
                 <a:latin typeface="Trebuchet MS"/>
               </a:rPr>
-              <a:t>Méthodes numériques</a:t>
+              <a:t>Python pour la Physique</a:t>
             </a:r>
             <a:endParaRPr lang="fr-FR" sz="2000" b="0" strike="noStrike" spc="-1" dirty="0">
               <a:solidFill>
@@ -7962,7 +7971,7 @@
             </a:r>
             <a:r>
               <a:rPr lang="fr-FR" sz="1600" dirty="0"/>
-              <a:t> : circuit RC</a:t>
+              <a:t> : ???</a:t>
             </a:r>
           </a:p>
         </p:txBody>
@@ -8061,17 +8070,15 @@
 <file path=ppt/slides/slide15.xml><?xml version="1.0" encoding="utf-8"?>
 <p:sld xmlns:a="http://schemas.openxmlformats.org/drawingml/2006/main" xmlns:r="http://schemas.openxmlformats.org/officeDocument/2006/relationships" xmlns:p="http://schemas.openxmlformats.org/presentationml/2006/main">
   <p:cSld>
-    <p:bg>
-      <p:bgPr>
-        <a:solidFill>
-          <a:schemeClr val="bg1"/>
-        </a:solidFill>
-        <a:effectLst/>
-      </p:bgPr>
-    </p:bg>
     <p:spTree>
       <p:nvGrpSpPr>
-        <p:cNvPr id="1" name=""/>
+        <p:cNvPr id="1" name="">
+          <a:extLst>
+            <a:ext uri="{FF2B5EF4-FFF2-40B4-BE49-F238E27FC236}">
+              <a16:creationId xmlns:a16="http://schemas.microsoft.com/office/drawing/2014/main" id="{E375DFD9-D93C-A9E8-2004-21A30B8C4C58}"/>
+            </a:ext>
+          </a:extLst>
+        </p:cNvPr>
         <p:cNvGrpSpPr/>
         <p:nvPr/>
       </p:nvGrpSpPr>
@@ -8083,182 +8090,12 @@
           <a:chExt cx="0" cy="0"/>
         </a:xfrm>
       </p:grpSpPr>
-      <p:sp useBgFill="1">
-        <p:nvSpPr>
-          <p:cNvPr id="9" name="Rectangle 8">
-            <a:extLst>
-              <a:ext uri="{FF2B5EF4-FFF2-40B4-BE49-F238E27FC236}">
-                <a16:creationId xmlns:a16="http://schemas.microsoft.com/office/drawing/2014/main" id="{526E0BFB-CDF1-4990-8C11-AC849311E0A8}"/>
-              </a:ext>
-              <a:ext uri="{C183D7F6-B498-43B3-948B-1728B52AA6E4}">
-                <adec:decorative xmlns:adec="http://schemas.microsoft.com/office/drawing/2017/decorative" val="1"/>
-              </a:ext>
-            </a:extLst>
-          </p:cNvPr>
-          <p:cNvSpPr>
-            <a:spLocks noGrp="1" noRot="1" noChangeAspect="1" noMove="1" noResize="1" noEditPoints="1" noAdjustHandles="1" noChangeArrowheads="1" noChangeShapeType="1" noTextEdit="1"/>
-          </p:cNvSpPr>
-          <p:nvPr>
-            <p:extLst>
-              <p:ext uri="{386F3935-93C4-4BCD-93E2-E3B085C9AB24}">
-                <p16:designElem xmlns:p16="http://schemas.microsoft.com/office/powerpoint/2015/main" val="1"/>
-              </p:ext>
-            </p:extLst>
-          </p:nvPr>
-        </p:nvSpPr>
-        <p:spPr>
-          <a:xfrm>
-            <a:off x="0" y="0"/>
-            <a:ext cx="12192000" cy="6858000"/>
-          </a:xfrm>
-          <a:prstGeom prst="rect">
-            <a:avLst/>
-          </a:prstGeom>
-          <a:ln>
-            <a:noFill/>
-          </a:ln>
-        </p:spPr>
-        <p:style>
-          <a:lnRef idx="2">
-            <a:schemeClr val="accent1">
-              <a:shade val="50000"/>
-            </a:schemeClr>
-          </a:lnRef>
-          <a:fillRef idx="1">
-            <a:schemeClr val="accent1"/>
-          </a:fillRef>
-          <a:effectRef idx="0">
-            <a:schemeClr val="accent1"/>
-          </a:effectRef>
-          <a:fontRef idx="minor">
-            <a:schemeClr val="lt1"/>
-          </a:fontRef>
-        </p:style>
-        <p:txBody>
-          <a:bodyPr rtlCol="0" anchor="ctr"/>
-          <a:lstStyle/>
-          <a:p>
-            <a:pPr algn="ctr"/>
-            <a:endParaRPr lang="en-US"/>
-          </a:p>
-        </p:txBody>
-      </p:sp>
-      <p:pic>
-        <p:nvPicPr>
-          <p:cNvPr id="4" name="Picture 3">
-            <a:extLst>
-              <a:ext uri="{FF2B5EF4-FFF2-40B4-BE49-F238E27FC236}">
-                <a16:creationId xmlns:a16="http://schemas.microsoft.com/office/drawing/2014/main" id="{4C72F330-992B-B125-739B-F8303ED3A097}"/>
-              </a:ext>
-            </a:extLst>
-          </p:cNvPr>
-          <p:cNvPicPr>
-            <a:picLocks noChangeAspect="1"/>
-          </p:cNvPicPr>
-          <p:nvPr/>
-        </p:nvPicPr>
-        <p:blipFill rotWithShape="1">
-          <a:blip r:embed="rId2"/>
-          <a:srcRect t="11669" r="-1" b="426"/>
-          <a:stretch/>
-        </p:blipFill>
-        <p:spPr>
-          <a:xfrm>
-            <a:off x="-2" y="10"/>
-            <a:ext cx="8668512" cy="6857990"/>
-          </a:xfrm>
-          <a:prstGeom prst="rect">
-            <a:avLst/>
-          </a:prstGeom>
-        </p:spPr>
-      </p:pic>
-      <p:sp>
-        <p:nvSpPr>
-          <p:cNvPr id="11" name="Rectangle 10">
-            <a:extLst>
-              <a:ext uri="{FF2B5EF4-FFF2-40B4-BE49-F238E27FC236}">
-                <a16:creationId xmlns:a16="http://schemas.microsoft.com/office/drawing/2014/main" id="{6069A1F8-9BEB-4786-9694-FC48B2D75D21}"/>
-              </a:ext>
-              <a:ext uri="{C183D7F6-B498-43B3-948B-1728B52AA6E4}">
-                <adec:decorative xmlns:adec="http://schemas.microsoft.com/office/drawing/2017/decorative" val="1"/>
-              </a:ext>
-            </a:extLst>
-          </p:cNvPr>
-          <p:cNvSpPr>
-            <a:spLocks noGrp="1" noRot="1" noChangeAspect="1" noMove="1" noResize="1" noEditPoints="1" noAdjustHandles="1" noChangeArrowheads="1" noChangeShapeType="1" noTextEdit="1"/>
-          </p:cNvSpPr>
-          <p:nvPr>
-            <p:extLst>
-              <p:ext uri="{386F3935-93C4-4BCD-93E2-E3B085C9AB24}">
-                <p16:designElem xmlns:p16="http://schemas.microsoft.com/office/powerpoint/2015/main" val="1"/>
-              </p:ext>
-            </p:extLst>
-          </p:nvPr>
-        </p:nvSpPr>
-        <p:spPr>
-          <a:xfrm flipH="1">
-            <a:off x="2788244" y="0"/>
-            <a:ext cx="9403756" cy="6858000"/>
-          </a:xfrm>
-          <a:prstGeom prst="rect">
-            <a:avLst/>
-          </a:prstGeom>
-          <a:gradFill>
-            <a:gsLst>
-              <a:gs pos="58000">
-                <a:schemeClr val="bg1"/>
-              </a:gs>
-              <a:gs pos="30000">
-                <a:schemeClr val="bg1">
-                  <a:alpha val="64000"/>
-                </a:schemeClr>
-              </a:gs>
-              <a:gs pos="0">
-                <a:schemeClr val="bg1">
-                  <a:alpha val="0"/>
-                </a:schemeClr>
-              </a:gs>
-              <a:gs pos="100000">
-                <a:schemeClr val="bg1"/>
-              </a:gs>
-            </a:gsLst>
-            <a:lin ang="10800000" scaled="0"/>
-          </a:gradFill>
-          <a:ln>
-            <a:noFill/>
-          </a:ln>
-        </p:spPr>
-        <p:style>
-          <a:lnRef idx="2">
-            <a:schemeClr val="accent1">
-              <a:shade val="50000"/>
-            </a:schemeClr>
-          </a:lnRef>
-          <a:fillRef idx="1">
-            <a:schemeClr val="accent1"/>
-          </a:fillRef>
-          <a:effectRef idx="0">
-            <a:schemeClr val="accent1"/>
-          </a:effectRef>
-          <a:fontRef idx="minor">
-            <a:schemeClr val="lt1"/>
-          </a:fontRef>
-        </p:style>
-        <p:txBody>
-          <a:bodyPr rtlCol="0" anchor="ctr"/>
-          <a:lstStyle/>
-          <a:p>
-            <a:pPr algn="ctr"/>
-            <a:endParaRPr lang="en-US" dirty="0"/>
-          </a:p>
-        </p:txBody>
-      </p:sp>
       <p:sp>
         <p:nvSpPr>
           <p:cNvPr id="2" name="Titre 1">
             <a:extLst>
               <a:ext uri="{FF2B5EF4-FFF2-40B4-BE49-F238E27FC236}">
-                <a16:creationId xmlns:a16="http://schemas.microsoft.com/office/drawing/2014/main" id="{CF8D1EB8-F6E7-EB54-1CC8-28472070B9FC}"/>
+                <a16:creationId xmlns:a16="http://schemas.microsoft.com/office/drawing/2014/main" id="{E86A7BE4-38AB-2721-D4D1-F29277A49F8E}"/>
               </a:ext>
             </a:extLst>
           </p:cNvPr>
@@ -8266,258 +8103,27 @@
             <a:spLocks noGrp="1"/>
           </p:cNvSpPr>
           <p:nvPr>
-            <p:ph type="ctrTitle"/>
+            <p:ph type="title"/>
           </p:nvPr>
         </p:nvSpPr>
-        <p:spPr>
-          <a:xfrm>
-            <a:off x="7848600" y="1122363"/>
-            <a:ext cx="4023360" cy="3204134"/>
-          </a:xfrm>
-        </p:spPr>
-        <p:txBody>
-          <a:bodyPr anchor="b">
-            <a:normAutofit/>
-          </a:bodyPr>
-          <a:lstStyle/>
-          <a:p>
-            <a:r>
-              <a:rPr lang="fr-FR" sz="4800" dirty="0">
-                <a:latin typeface="Bahnschrift SemiBold" panose="020B0502040204020203" pitchFamily="34" charset="0"/>
-              </a:rPr>
-              <a:t>Outils de travail</a:t>
-            </a:r>
-          </a:p>
-        </p:txBody>
-      </p:sp>
-      <p:sp>
-        <p:nvSpPr>
-          <p:cNvPr id="3" name="Sous-titre 2">
-            <a:extLst>
-              <a:ext uri="{FF2B5EF4-FFF2-40B4-BE49-F238E27FC236}">
-                <a16:creationId xmlns:a16="http://schemas.microsoft.com/office/drawing/2014/main" id="{BDFEFAEF-AB6A-BE8F-01E7-845FB609FA07}"/>
-              </a:ext>
-            </a:extLst>
-          </p:cNvPr>
-          <p:cNvSpPr>
-            <a:spLocks noGrp="1"/>
-          </p:cNvSpPr>
-          <p:nvPr>
-            <p:ph type="subTitle" idx="1"/>
-          </p:nvPr>
-        </p:nvSpPr>
-        <p:spPr>
-          <a:xfrm>
-            <a:off x="7848600" y="4872922"/>
-            <a:ext cx="4023360" cy="1208141"/>
-          </a:xfrm>
-        </p:spPr>
-        <p:txBody>
-          <a:bodyPr>
-            <a:normAutofit/>
-          </a:bodyPr>
-          <a:lstStyle/>
-          <a:p>
-            <a:r>
-              <a:rPr lang="fr-FR" sz="2000" dirty="0">
-                <a:latin typeface="Bahnschrift Light" panose="020B0502040204020203" pitchFamily="34" charset="0"/>
-              </a:rPr>
-              <a:t>Outils Numériques / Semestre 5 Institut d’Optique / B1_0</a:t>
-            </a:r>
-          </a:p>
-        </p:txBody>
-      </p:sp>
-      <p:sp>
-        <p:nvSpPr>
-          <p:cNvPr id="32" name="Rectangle 12">
-            <a:extLst>
-              <a:ext uri="{FF2B5EF4-FFF2-40B4-BE49-F238E27FC236}">
-                <a16:creationId xmlns:a16="http://schemas.microsoft.com/office/drawing/2014/main" id="{AF2F604E-43BE-4DC3-B983-E071523364F8}"/>
-              </a:ext>
-              <a:ext uri="{C183D7F6-B498-43B3-948B-1728B52AA6E4}">
-                <adec:decorative xmlns:adec="http://schemas.microsoft.com/office/drawing/2017/decorative" val="1"/>
-              </a:ext>
-            </a:extLst>
-          </p:cNvPr>
-          <p:cNvSpPr>
-            <a:spLocks noGrp="1" noRot="1" noChangeAspect="1" noMove="1" noResize="1" noEditPoints="1" noAdjustHandles="1" noChangeArrowheads="1" noChangeShapeType="1" noTextEdit="1"/>
-          </p:cNvSpPr>
-          <p:nvPr>
-            <p:extLst>
-              <p:ext uri="{386F3935-93C4-4BCD-93E2-E3B085C9AB24}">
-                <p16:designElem xmlns:p16="http://schemas.microsoft.com/office/powerpoint/2015/main" val="1"/>
-              </p:ext>
-            </p:extLst>
-          </p:nvPr>
-        </p:nvSpPr>
-        <p:spPr>
-          <a:xfrm rot="5400000">
-            <a:off x="8130540" y="346791"/>
-            <a:ext cx="146304" cy="704088"/>
-          </a:xfrm>
-          <a:prstGeom prst="rect">
-            <a:avLst/>
-          </a:prstGeom>
-          <a:solidFill>
-            <a:schemeClr val="accent1"/>
-          </a:solidFill>
-          <a:ln>
-            <a:noFill/>
-          </a:ln>
-        </p:spPr>
-        <p:style>
-          <a:lnRef idx="2">
-            <a:schemeClr val="accent1">
-              <a:shade val="50000"/>
-            </a:schemeClr>
-          </a:lnRef>
-          <a:fillRef idx="1">
-            <a:schemeClr val="accent1"/>
-          </a:fillRef>
-          <a:effectRef idx="0">
-            <a:schemeClr val="accent1"/>
-          </a:effectRef>
-          <a:fontRef idx="minor">
-            <a:schemeClr val="lt1"/>
-          </a:fontRef>
-        </p:style>
-        <p:txBody>
-          <a:bodyPr rtlCol="0" anchor="ctr"/>
-          <a:lstStyle/>
-          <a:p>
-            <a:pPr marL="0" marR="0" lvl="0" indent="0" algn="ctr" defTabSz="914400" rtl="0" eaLnBrk="1" fontAlgn="auto" latinLnBrk="0" hangingPunct="1">
-              <a:lnSpc>
-                <a:spcPct val="100000"/>
-              </a:lnSpc>
-              <a:spcBef>
-                <a:spcPts val="0"/>
-              </a:spcBef>
-              <a:spcAft>
-                <a:spcPts val="0"/>
-              </a:spcAft>
-              <a:buClrTx/>
-              <a:buSzTx/>
-              <a:buFontTx/>
-              <a:buNone/>
-              <a:tabLst/>
-              <a:defRPr/>
-            </a:pPr>
-            <a:endParaRPr kumimoji="0" lang="en-US" sz="1800" b="0" i="0" u="none" strike="noStrike" kern="1200" cap="none" spc="0" normalizeH="0" baseline="0" noProof="0">
-              <a:ln>
-                <a:noFill/>
-              </a:ln>
-              <a:solidFill>
-                <a:prstClr val="white"/>
-              </a:solidFill>
-              <a:effectLst/>
-              <a:uLnTx/>
-              <a:uFillTx/>
-              <a:latin typeface="Calibri" panose="020F0502020204030204"/>
-              <a:ea typeface="+mn-ea"/>
-              <a:cs typeface="+mn-cs"/>
-            </a:endParaRPr>
-          </a:p>
-        </p:txBody>
-      </p:sp>
-      <p:sp>
-        <p:nvSpPr>
-          <p:cNvPr id="33" name="Rectangle 14">
-            <a:extLst>
-              <a:ext uri="{FF2B5EF4-FFF2-40B4-BE49-F238E27FC236}">
-                <a16:creationId xmlns:a16="http://schemas.microsoft.com/office/drawing/2014/main" id="{08C9B587-E65E-4B52-B37C-ABEBB6E87928}"/>
-              </a:ext>
-              <a:ext uri="{C183D7F6-B498-43B3-948B-1728B52AA6E4}">
-                <adec:decorative xmlns:adec="http://schemas.microsoft.com/office/drawing/2017/decorative" val="1"/>
-              </a:ext>
-            </a:extLst>
-          </p:cNvPr>
-          <p:cNvSpPr>
-            <a:spLocks noGrp="1" noRot="1" noChangeAspect="1" noMove="1" noResize="1" noEditPoints="1" noAdjustHandles="1" noChangeArrowheads="1" noChangeShapeType="1" noTextEdit="1"/>
-          </p:cNvSpPr>
-          <p:nvPr>
-            <p:extLst>
-              <p:ext uri="{386F3935-93C4-4BCD-93E2-E3B085C9AB24}">
-                <p16:designElem xmlns:p16="http://schemas.microsoft.com/office/powerpoint/2015/main" val="1"/>
-              </p:ext>
-            </p:extLst>
-          </p:nvPr>
-        </p:nvSpPr>
-        <p:spPr>
-          <a:xfrm>
-            <a:off x="7851648" y="4546920"/>
-            <a:ext cx="4023360" cy="18288"/>
-          </a:xfrm>
-          <a:prstGeom prst="rect">
-            <a:avLst/>
-          </a:prstGeom>
-          <a:solidFill>
-            <a:schemeClr val="tx1"/>
-          </a:solidFill>
-          <a:ln w="3175">
-            <a:noFill/>
-          </a:ln>
-          <a:effectLst/>
-        </p:spPr>
-        <p:style>
-          <a:lnRef idx="2">
-            <a:schemeClr val="accent1">
-              <a:shade val="50000"/>
-            </a:schemeClr>
-          </a:lnRef>
-          <a:fillRef idx="1">
-            <a:schemeClr val="accent1"/>
-          </a:fillRef>
-          <a:effectRef idx="0">
-            <a:schemeClr val="accent1"/>
-          </a:effectRef>
-          <a:fontRef idx="minor">
-            <a:schemeClr val="lt1"/>
-          </a:fontRef>
-        </p:style>
-        <p:txBody>
-          <a:bodyPr rtlCol="0" anchor="ctr"/>
-          <a:lstStyle/>
-          <a:p>
-            <a:pPr marL="0" marR="0" lvl="0" indent="0" algn="ctr" defTabSz="914400" rtl="0" eaLnBrk="1" fontAlgn="auto" latinLnBrk="0" hangingPunct="1">
-              <a:lnSpc>
-                <a:spcPct val="100000"/>
-              </a:lnSpc>
-              <a:spcBef>
-                <a:spcPts val="0"/>
-              </a:spcBef>
-              <a:spcAft>
-                <a:spcPts val="0"/>
-              </a:spcAft>
-              <a:buClrTx/>
-              <a:buSzTx/>
-              <a:buFontTx/>
-              <a:buNone/>
-              <a:tabLst/>
-              <a:defRPr/>
-            </a:pPr>
-            <a:endParaRPr kumimoji="0" lang="en-US" sz="1800" b="0" i="0" u="none" strike="noStrike" kern="1200" cap="none" spc="0" normalizeH="0" baseline="0" noProof="0">
-              <a:ln>
-                <a:noFill/>
-              </a:ln>
-              <a:solidFill>
-                <a:prstClr val="white"/>
-              </a:solidFill>
-              <a:effectLst/>
-              <a:uLnTx/>
-              <a:uFillTx/>
-              <a:latin typeface="Calibri" panose="020F0502020204030204"/>
-              <a:ea typeface="+mn-ea"/>
-              <a:cs typeface="+mn-cs"/>
-            </a:endParaRPr>
+        <p:spPr/>
+        <p:txBody>
+          <a:bodyPr/>
+          <a:lstStyle/>
+          <a:p>
+            <a:r>
+              <a:rPr lang="fr-FR" dirty="0"/>
+              <a:t>Python pour la Physique</a:t>
+            </a:r>
           </a:p>
         </p:txBody>
       </p:sp>
       <p:pic>
         <p:nvPicPr>
-          <p:cNvPr id="6" name="Image 5" descr="Une image contenant texte&#10;&#10;Description générée automatiquement">
-            <a:extLst>
-              <a:ext uri="{FF2B5EF4-FFF2-40B4-BE49-F238E27FC236}">
-                <a16:creationId xmlns:a16="http://schemas.microsoft.com/office/drawing/2014/main" id="{3D75D9F9-6192-EA6A-A7C9-F09C6FC342AD}"/>
+          <p:cNvPr id="5" name="Image 4" descr="Une image contenant texte&#10;&#10;Description générée automatiquement">
+            <a:extLst>
+              <a:ext uri="{FF2B5EF4-FFF2-40B4-BE49-F238E27FC236}">
+                <a16:creationId xmlns:a16="http://schemas.microsoft.com/office/drawing/2014/main" id="{BBAB5F19-80F5-056E-EE87-3F9EE38DEBEA}"/>
               </a:ext>
             </a:extLst>
           </p:cNvPr>
@@ -8527,7 +8133,7 @@
           <p:nvPr/>
         </p:nvPicPr>
         <p:blipFill>
-          <a:blip r:embed="rId3">
+          <a:blip r:embed="rId2">
             <a:extLst>
               <a:ext uri="{28A0092B-C50C-407E-A947-70E740481C1C}">
                 <a14:useLocalDpi xmlns:a14="http://schemas.microsoft.com/office/drawing/2010/main" val="0"/>
@@ -8540,23 +8146,48 @@
         </p:blipFill>
         <p:spPr>
           <a:xfrm>
-            <a:off x="168033" y="195172"/>
-            <a:ext cx="2452178" cy="1007326"/>
+            <a:off x="202922" y="5934456"/>
+            <a:ext cx="1825291" cy="749808"/>
           </a:xfrm>
           <a:prstGeom prst="rect">
             <a:avLst/>
           </a:prstGeom>
         </p:spPr>
       </p:pic>
+      <p:sp>
+        <p:nvSpPr>
+          <p:cNvPr id="11" name="Espace réservé du contenu 10">
+            <a:extLst>
+              <a:ext uri="{FF2B5EF4-FFF2-40B4-BE49-F238E27FC236}">
+                <a16:creationId xmlns:a16="http://schemas.microsoft.com/office/drawing/2014/main" id="{35069413-F339-FACF-582E-9E6C48B5CDA4}"/>
+              </a:ext>
+            </a:extLst>
+          </p:cNvPr>
+          <p:cNvSpPr>
+            <a:spLocks noGrp="1"/>
+          </p:cNvSpPr>
+          <p:nvPr>
+            <p:ph sz="half" idx="1"/>
+          </p:nvPr>
+        </p:nvSpPr>
+        <p:spPr/>
+        <p:txBody>
+          <a:bodyPr/>
+          <a:lstStyle/>
+          <a:p>
+            <a:endParaRPr lang="fr-FR"/>
+          </a:p>
+        </p:txBody>
+      </p:sp>
     </p:spTree>
     <p:extLst>
       <p:ext uri="{BB962C8B-B14F-4D97-AF65-F5344CB8AC3E}">
-        <p14:creationId xmlns:p14="http://schemas.microsoft.com/office/powerpoint/2010/main" val="309191399"/>
+        <p14:creationId xmlns:p14="http://schemas.microsoft.com/office/powerpoint/2010/main" val="3450214505"/>
       </p:ext>
     </p:extLst>
   </p:cSld>
   <p:clrMapOvr>
-    <a:overrideClrMapping bg1="dk1" tx1="lt1" bg2="dk2" tx2="lt2" accent1="accent1" accent2="accent2" accent3="accent3" accent4="accent4" accent5="accent5" accent6="accent6" hlink="hlink" folHlink="folHlink"/>
+    <a:masterClrMapping/>
   </p:clrMapOvr>
 </p:sld>
 </file>
@@ -8566,7 +8197,13 @@
   <p:cSld>
     <p:spTree>
       <p:nvGrpSpPr>
-        <p:cNvPr id="1" name=""/>
+        <p:cNvPr id="1" name="">
+          <a:extLst>
+            <a:ext uri="{FF2B5EF4-FFF2-40B4-BE49-F238E27FC236}">
+              <a16:creationId xmlns:a16="http://schemas.microsoft.com/office/drawing/2014/main" id="{EE7118E2-741E-12B1-CFAD-404EEAACF212}"/>
+            </a:ext>
+          </a:extLst>
+        </p:cNvPr>
         <p:cNvGrpSpPr/>
         <p:nvPr/>
       </p:nvGrpSpPr>
@@ -8578,59 +8215,12 @@
           <a:chExt cx="0" cy="0"/>
         </a:xfrm>
       </p:grpSpPr>
-      <p:pic>
-        <p:nvPicPr>
-          <p:cNvPr id="1026" name="Picture 2" descr="Anaconda | Anaconda Distribution">
-            <a:extLst>
-              <a:ext uri="{FF2B5EF4-FFF2-40B4-BE49-F238E27FC236}">
-                <a16:creationId xmlns:a16="http://schemas.microsoft.com/office/drawing/2014/main" id="{9C0B1909-1CB6-7715-8E08-A90D70EDCD52}"/>
-              </a:ext>
-            </a:extLst>
-          </p:cNvPr>
-          <p:cNvPicPr>
-            <a:picLocks noChangeAspect="1" noChangeArrowheads="1"/>
-          </p:cNvPicPr>
-          <p:nvPr/>
-        </p:nvPicPr>
-        <p:blipFill>
-          <a:blip r:embed="rId2">
-            <a:extLst>
-              <a:ext uri="{28A0092B-C50C-407E-A947-70E740481C1C}">
-                <a14:useLocalDpi xmlns:a14="http://schemas.microsoft.com/office/drawing/2010/main" val="0"/>
-              </a:ext>
-            </a:extLst>
-          </a:blip>
-          <a:srcRect/>
-          <a:stretch>
-            <a:fillRect/>
-          </a:stretch>
-        </p:blipFill>
-        <p:spPr bwMode="auto">
-          <a:xfrm>
-            <a:off x="2948032" y="4174578"/>
-            <a:ext cx="2676144" cy="1404975"/>
-          </a:xfrm>
-          <a:prstGeom prst="rect">
-            <a:avLst/>
-          </a:prstGeom>
-          <a:noFill/>
-          <a:extLst>
-            <a:ext uri="{909E8E84-426E-40DD-AFC4-6F175D3DCCD1}">
-              <a14:hiddenFill xmlns:a14="http://schemas.microsoft.com/office/drawing/2010/main">
-                <a:solidFill>
-                  <a:srgbClr val="FFFFFF"/>
-                </a:solidFill>
-              </a14:hiddenFill>
-            </a:ext>
-          </a:extLst>
-        </p:spPr>
-      </p:pic>
       <p:sp>
         <p:nvSpPr>
           <p:cNvPr id="2" name="Titre 1">
             <a:extLst>
               <a:ext uri="{FF2B5EF4-FFF2-40B4-BE49-F238E27FC236}">
-                <a16:creationId xmlns:a16="http://schemas.microsoft.com/office/drawing/2014/main" id="{90162AE8-C1B0-5C56-8313-DEE494F38273}"/>
+                <a16:creationId xmlns:a16="http://schemas.microsoft.com/office/drawing/2014/main" id="{AC5D1267-8DBE-69A2-3B9C-3FCB91ECC5BB}"/>
               </a:ext>
             </a:extLst>
           </p:cNvPr>
@@ -8648,17 +8238,53 @@
           <a:p>
             <a:r>
               <a:rPr lang="fr-FR" dirty="0"/>
-              <a:t>Outils numériques</a:t>
-            </a:r>
-          </a:p>
-        </p:txBody>
-      </p:sp>
-      <p:sp>
-        <p:nvSpPr>
-          <p:cNvPr id="3" name="Espace réservé du contenu 2">
-            <a:extLst>
-              <a:ext uri="{FF2B5EF4-FFF2-40B4-BE49-F238E27FC236}">
-                <a16:creationId xmlns:a16="http://schemas.microsoft.com/office/drawing/2014/main" id="{E0BBB9DE-019C-C741-F224-494739D4B752}"/>
+              <a:t>Traitement 1D</a:t>
+            </a:r>
+          </a:p>
+        </p:txBody>
+      </p:sp>
+      <p:pic>
+        <p:nvPicPr>
+          <p:cNvPr id="5" name="Image 4" descr="Une image contenant texte&#10;&#10;Description générée automatiquement">
+            <a:extLst>
+              <a:ext uri="{FF2B5EF4-FFF2-40B4-BE49-F238E27FC236}">
+                <a16:creationId xmlns:a16="http://schemas.microsoft.com/office/drawing/2014/main" id="{38167BC2-FBEE-ADC1-740D-CA6FD4857C1E}"/>
+              </a:ext>
+            </a:extLst>
+          </p:cNvPr>
+          <p:cNvPicPr>
+            <a:picLocks noChangeAspect="1"/>
+          </p:cNvPicPr>
+          <p:nvPr/>
+        </p:nvPicPr>
+        <p:blipFill>
+          <a:blip r:embed="rId2">
+            <a:extLst>
+              <a:ext uri="{28A0092B-C50C-407E-A947-70E740481C1C}">
+                <a14:useLocalDpi xmlns:a14="http://schemas.microsoft.com/office/drawing/2010/main" val="0"/>
+              </a:ext>
+            </a:extLst>
+          </a:blip>
+          <a:stretch>
+            <a:fillRect/>
+          </a:stretch>
+        </p:blipFill>
+        <p:spPr>
+          <a:xfrm>
+            <a:off x="202922" y="5934456"/>
+            <a:ext cx="1825291" cy="749808"/>
+          </a:xfrm>
+          <a:prstGeom prst="rect">
+            <a:avLst/>
+          </a:prstGeom>
+        </p:spPr>
+      </p:pic>
+      <p:sp>
+        <p:nvSpPr>
+          <p:cNvPr id="11" name="Espace réservé du contenu 10">
+            <a:extLst>
+              <a:ext uri="{FF2B5EF4-FFF2-40B4-BE49-F238E27FC236}">
+                <a16:creationId xmlns:a16="http://schemas.microsoft.com/office/drawing/2014/main" id="{77FF4880-214E-C1D5-DE08-433A8EFED97F}"/>
               </a:ext>
             </a:extLst>
           </p:cNvPr>
@@ -8671,332 +8297,17 @@
         </p:nvSpPr>
         <p:spPr/>
         <p:txBody>
-          <a:bodyPr>
-            <a:normAutofit/>
-          </a:bodyPr>
-          <a:lstStyle/>
-          <a:p>
-            <a:r>
-              <a:rPr lang="fr-FR" dirty="0"/>
-              <a:t>Utilisation de </a:t>
-            </a:r>
-            <a:r>
-              <a:rPr lang="fr-FR" b="1" dirty="0"/>
-              <a:t>Python</a:t>
-            </a:r>
-          </a:p>
-          <a:p>
-            <a:pPr lvl="1"/>
-            <a:r>
-              <a:rPr lang="fr-FR" dirty="0"/>
-              <a:t>Anaconda 3</a:t>
-            </a:r>
-          </a:p>
-          <a:p>
-            <a:pPr lvl="1"/>
-            <a:r>
-              <a:rPr lang="fr-FR" dirty="0"/>
-              <a:t>Python 3.9 (ou supérieur)</a:t>
-            </a:r>
-          </a:p>
-          <a:p>
-            <a:pPr lvl="1"/>
-            <a:r>
-              <a:rPr lang="fr-FR" dirty="0" err="1"/>
-              <a:t>Spyder</a:t>
-            </a:r>
-            <a:r>
-              <a:rPr lang="fr-FR" dirty="0"/>
-              <a:t> 5</a:t>
-            </a:r>
-          </a:p>
-        </p:txBody>
-      </p:sp>
-      <p:sp>
-        <p:nvSpPr>
-          <p:cNvPr id="4" name="Espace réservé du contenu 3">
-            <a:extLst>
-              <a:ext uri="{FF2B5EF4-FFF2-40B4-BE49-F238E27FC236}">
-                <a16:creationId xmlns:a16="http://schemas.microsoft.com/office/drawing/2014/main" id="{933F96BD-2653-AD25-8139-9FF3B2C19755}"/>
-              </a:ext>
-            </a:extLst>
-          </p:cNvPr>
-          <p:cNvSpPr>
-            <a:spLocks noGrp="1"/>
-          </p:cNvSpPr>
-          <p:nvPr>
-            <p:ph sz="half" idx="2"/>
-          </p:nvPr>
-        </p:nvSpPr>
-        <p:spPr/>
-        <p:txBody>
-          <a:bodyPr>
-            <a:normAutofit/>
-          </a:bodyPr>
-          <a:lstStyle/>
-          <a:p>
-            <a:r>
-              <a:rPr lang="fr-FR" dirty="0"/>
-              <a:t>Exemples en </a:t>
-            </a:r>
-            <a:r>
-              <a:rPr lang="fr-FR" b="1" dirty="0"/>
-              <a:t>C/C++</a:t>
-            </a:r>
-          </a:p>
-          <a:p>
-            <a:pPr lvl="1"/>
-            <a:r>
-              <a:rPr lang="fr-FR" dirty="0"/>
-              <a:t>GCC / </a:t>
-            </a:r>
-            <a:r>
-              <a:rPr lang="fr-FR" dirty="0" err="1"/>
-              <a:t>MingW</a:t>
-            </a:r>
-            <a:endParaRPr lang="fr-FR" dirty="0"/>
-          </a:p>
-          <a:p>
-            <a:pPr lvl="1"/>
-            <a:r>
-              <a:rPr lang="fr-FR" dirty="0" err="1"/>
-              <a:t>CodeBlocks</a:t>
-            </a:r>
-            <a:r>
-              <a:rPr lang="fr-FR" dirty="0"/>
-              <a:t> 17 (ou sup.)</a:t>
-            </a:r>
-          </a:p>
-        </p:txBody>
-      </p:sp>
-      <p:pic>
-        <p:nvPicPr>
-          <p:cNvPr id="5" name="Image 4" descr="Une image contenant texte&#10;&#10;Description générée automatiquement">
-            <a:extLst>
-              <a:ext uri="{FF2B5EF4-FFF2-40B4-BE49-F238E27FC236}">
-                <a16:creationId xmlns:a16="http://schemas.microsoft.com/office/drawing/2014/main" id="{204ADC40-1D61-539F-22ED-6B21D67FBDE6}"/>
-              </a:ext>
-            </a:extLst>
-          </p:cNvPr>
-          <p:cNvPicPr>
-            <a:picLocks noChangeAspect="1"/>
-          </p:cNvPicPr>
-          <p:nvPr/>
-        </p:nvPicPr>
-        <p:blipFill>
-          <a:blip r:embed="rId3">
-            <a:extLst>
-              <a:ext uri="{28A0092B-C50C-407E-A947-70E740481C1C}">
-                <a14:useLocalDpi xmlns:a14="http://schemas.microsoft.com/office/drawing/2010/main" val="0"/>
-              </a:ext>
-            </a:extLst>
-          </a:blip>
-          <a:stretch>
-            <a:fillRect/>
-          </a:stretch>
-        </p:blipFill>
-        <p:spPr>
-          <a:xfrm>
-            <a:off x="202922" y="5934456"/>
-            <a:ext cx="1825291" cy="749808"/>
-          </a:xfrm>
-          <a:prstGeom prst="rect">
-            <a:avLst/>
-          </a:prstGeom>
-        </p:spPr>
-      </p:pic>
-      <p:pic>
-        <p:nvPicPr>
-          <p:cNvPr id="1028" name="Picture 4" descr="Résultat de recherche d'images pour &quot;python logo&quot;">
-            <a:extLst>
-              <a:ext uri="{FF2B5EF4-FFF2-40B4-BE49-F238E27FC236}">
-                <a16:creationId xmlns:a16="http://schemas.microsoft.com/office/drawing/2014/main" id="{6AACFEBA-EE5D-EEE7-D00C-2240541AF15B}"/>
-              </a:ext>
-            </a:extLst>
-          </p:cNvPr>
-          <p:cNvPicPr>
-            <a:picLocks noChangeAspect="1" noChangeArrowheads="1"/>
-          </p:cNvPicPr>
-          <p:nvPr/>
-        </p:nvPicPr>
-        <p:blipFill>
-          <a:blip r:embed="rId4">
-            <a:extLst>
-              <a:ext uri="{28A0092B-C50C-407E-A947-70E740481C1C}">
-                <a14:useLocalDpi xmlns:a14="http://schemas.microsoft.com/office/drawing/2010/main" val="0"/>
-              </a:ext>
-            </a:extLst>
-          </a:blip>
-          <a:srcRect/>
-          <a:stretch>
-            <a:fillRect/>
-          </a:stretch>
-        </p:blipFill>
-        <p:spPr bwMode="auto">
-          <a:xfrm>
-            <a:off x="2009023" y="4863930"/>
-            <a:ext cx="767663" cy="843885"/>
-          </a:xfrm>
-          <a:prstGeom prst="rect">
-            <a:avLst/>
-          </a:prstGeom>
-          <a:noFill/>
-          <a:extLst>
-            <a:ext uri="{909E8E84-426E-40DD-AFC4-6F175D3DCCD1}">
-              <a14:hiddenFill xmlns:a14="http://schemas.microsoft.com/office/drawing/2010/main">
-                <a:solidFill>
-                  <a:srgbClr val="FFFFFF"/>
-                </a:solidFill>
-              </a14:hiddenFill>
-            </a:ext>
-          </a:extLst>
-        </p:spPr>
-      </p:pic>
-      <p:pic>
-        <p:nvPicPr>
-          <p:cNvPr id="1030" name="Picture 6" descr="Résultat de recherche d'images pour &quot;c c++ logo&quot;">
-            <a:extLst>
-              <a:ext uri="{FF2B5EF4-FFF2-40B4-BE49-F238E27FC236}">
-                <a16:creationId xmlns:a16="http://schemas.microsoft.com/office/drawing/2014/main" id="{C4A45510-F8E0-AD28-7EB3-D5A9E050E185}"/>
-              </a:ext>
-            </a:extLst>
-          </p:cNvPr>
-          <p:cNvPicPr>
-            <a:picLocks noChangeAspect="1" noChangeArrowheads="1"/>
-          </p:cNvPicPr>
-          <p:nvPr/>
-        </p:nvPicPr>
-        <p:blipFill>
-          <a:blip r:embed="rId5">
-            <a:extLst>
-              <a:ext uri="{28A0092B-C50C-407E-A947-70E740481C1C}">
-                <a14:useLocalDpi xmlns:a14="http://schemas.microsoft.com/office/drawing/2010/main" val="0"/>
-              </a:ext>
-            </a:extLst>
-          </a:blip>
-          <a:srcRect/>
-          <a:stretch>
-            <a:fillRect/>
-          </a:stretch>
-        </p:blipFill>
-        <p:spPr bwMode="auto">
-          <a:xfrm>
-            <a:off x="9365396" y="4813935"/>
-            <a:ext cx="1495425" cy="1495425"/>
-          </a:xfrm>
-          <a:prstGeom prst="rect">
-            <a:avLst/>
-          </a:prstGeom>
-          <a:noFill/>
-          <a:extLst>
-            <a:ext uri="{909E8E84-426E-40DD-AFC4-6F175D3DCCD1}">
-              <a14:hiddenFill xmlns:a14="http://schemas.microsoft.com/office/drawing/2010/main">
-                <a:solidFill>
-                  <a:srgbClr val="FFFFFF"/>
-                </a:solidFill>
-              </a14:hiddenFill>
-            </a:ext>
-          </a:extLst>
-        </p:spPr>
-      </p:pic>
-      <p:pic>
-        <p:nvPicPr>
-          <p:cNvPr id="1032" name="Picture 8" descr="Résultat de recherche d'images pour &quot;spyder logo&quot;">
-            <a:extLst>
-              <a:ext uri="{FF2B5EF4-FFF2-40B4-BE49-F238E27FC236}">
-                <a16:creationId xmlns:a16="http://schemas.microsoft.com/office/drawing/2014/main" id="{B9E90EDC-B810-E4E5-D39F-BA240250126F}"/>
-              </a:ext>
-            </a:extLst>
-          </p:cNvPr>
-          <p:cNvPicPr>
-            <a:picLocks noChangeAspect="1" noChangeArrowheads="1"/>
-          </p:cNvPicPr>
-          <p:nvPr/>
-        </p:nvPicPr>
-        <p:blipFill>
-          <a:blip r:embed="rId6">
-            <a:extLst>
-              <a:ext uri="{28A0092B-C50C-407E-A947-70E740481C1C}">
-                <a14:useLocalDpi xmlns:a14="http://schemas.microsoft.com/office/drawing/2010/main" val="0"/>
-              </a:ext>
-            </a:extLst>
-          </a:blip>
-          <a:srcRect/>
-          <a:stretch>
-            <a:fillRect/>
-          </a:stretch>
-        </p:blipFill>
-        <p:spPr bwMode="auto">
-          <a:xfrm>
-            <a:off x="3268709" y="5101171"/>
-            <a:ext cx="1913528" cy="956764"/>
-          </a:xfrm>
-          <a:prstGeom prst="rect">
-            <a:avLst/>
-          </a:prstGeom>
-          <a:noFill/>
-          <a:extLst>
-            <a:ext uri="{909E8E84-426E-40DD-AFC4-6F175D3DCCD1}">
-              <a14:hiddenFill xmlns:a14="http://schemas.microsoft.com/office/drawing/2010/main">
-                <a:solidFill>
-                  <a:srgbClr val="FFFFFF"/>
-                </a:solidFill>
-              </a14:hiddenFill>
-            </a:ext>
-          </a:extLst>
-        </p:spPr>
-      </p:pic>
-      <p:pic>
-        <p:nvPicPr>
-          <p:cNvPr id="1034" name="Picture 10" descr="Résultat de recherche d'images pour &quot;code blocks logo&quot;">
-            <a:extLst>
-              <a:ext uri="{FF2B5EF4-FFF2-40B4-BE49-F238E27FC236}">
-                <a16:creationId xmlns:a16="http://schemas.microsoft.com/office/drawing/2014/main" id="{4A3D98F0-0909-C943-85A7-6BB6180EEF0D}"/>
-              </a:ext>
-            </a:extLst>
-          </p:cNvPr>
-          <p:cNvPicPr>
-            <a:picLocks noChangeAspect="1" noChangeArrowheads="1"/>
-          </p:cNvPicPr>
-          <p:nvPr/>
-        </p:nvPicPr>
-        <p:blipFill>
-          <a:blip r:embed="rId7">
-            <a:extLst>
-              <a:ext uri="{28A0092B-C50C-407E-A947-70E740481C1C}">
-                <a14:useLocalDpi xmlns:a14="http://schemas.microsoft.com/office/drawing/2010/main" val="0"/>
-              </a:ext>
-            </a:extLst>
-          </a:blip>
-          <a:srcRect/>
-          <a:stretch>
-            <a:fillRect/>
-          </a:stretch>
-        </p:blipFill>
-        <p:spPr bwMode="auto">
-          <a:xfrm>
-            <a:off x="7408333" y="4946140"/>
-            <a:ext cx="1266825" cy="1266825"/>
-          </a:xfrm>
-          <a:prstGeom prst="rect">
-            <a:avLst/>
-          </a:prstGeom>
-          <a:noFill/>
-          <a:extLst>
-            <a:ext uri="{909E8E84-426E-40DD-AFC4-6F175D3DCCD1}">
-              <a14:hiddenFill xmlns:a14="http://schemas.microsoft.com/office/drawing/2010/main">
-                <a:solidFill>
-                  <a:srgbClr val="FFFFFF"/>
-                </a:solidFill>
-              </a14:hiddenFill>
-            </a:ext>
-          </a:extLst>
-        </p:spPr>
-      </p:pic>
+          <a:bodyPr/>
+          <a:lstStyle/>
+          <a:p>
+            <a:endParaRPr lang="fr-FR"/>
+          </a:p>
+        </p:txBody>
+      </p:sp>
     </p:spTree>
     <p:extLst>
       <p:ext uri="{BB962C8B-B14F-4D97-AF65-F5344CB8AC3E}">
-        <p14:creationId xmlns:p14="http://schemas.microsoft.com/office/powerpoint/2010/main" val="4154382722"/>
+        <p14:creationId xmlns:p14="http://schemas.microsoft.com/office/powerpoint/2010/main" val="1568962413"/>
       </p:ext>
     </p:extLst>
   </p:cSld>
@@ -9011,7 +8322,13 @@
   <p:cSld>
     <p:spTree>
       <p:nvGrpSpPr>
-        <p:cNvPr id="1" name=""/>
+        <p:cNvPr id="1" name="">
+          <a:extLst>
+            <a:ext uri="{FF2B5EF4-FFF2-40B4-BE49-F238E27FC236}">
+              <a16:creationId xmlns:a16="http://schemas.microsoft.com/office/drawing/2014/main" id="{06A870AD-1BED-BACC-70FF-137673BB3D66}"/>
+            </a:ext>
+          </a:extLst>
+        </p:cNvPr>
         <p:cNvGrpSpPr/>
         <p:nvPr/>
       </p:nvGrpSpPr>
@@ -9025,10 +8342,74 @@
       </p:grpSpPr>
       <p:sp>
         <p:nvSpPr>
-          <p:cNvPr id="3" name="Espace réservé du contenu 2">
-            <a:extLst>
-              <a:ext uri="{FF2B5EF4-FFF2-40B4-BE49-F238E27FC236}">
-                <a16:creationId xmlns:a16="http://schemas.microsoft.com/office/drawing/2014/main" id="{E0BBB9DE-019C-C741-F224-494739D4B752}"/>
+          <p:cNvPr id="2" name="Titre 1">
+            <a:extLst>
+              <a:ext uri="{FF2B5EF4-FFF2-40B4-BE49-F238E27FC236}">
+                <a16:creationId xmlns:a16="http://schemas.microsoft.com/office/drawing/2014/main" id="{29571EA3-57B1-A16E-EFCD-022B77279047}"/>
+              </a:ext>
+            </a:extLst>
+          </p:cNvPr>
+          <p:cNvSpPr>
+            <a:spLocks noGrp="1"/>
+          </p:cNvSpPr>
+          <p:nvPr>
+            <p:ph type="title"/>
+          </p:nvPr>
+        </p:nvSpPr>
+        <p:spPr/>
+        <p:txBody>
+          <a:bodyPr/>
+          <a:lstStyle/>
+          <a:p>
+            <a:r>
+              <a:rPr lang="fr-FR" dirty="0"/>
+              <a:t>Traitement 2D</a:t>
+            </a:r>
+          </a:p>
+        </p:txBody>
+      </p:sp>
+      <p:pic>
+        <p:nvPicPr>
+          <p:cNvPr id="5" name="Image 4" descr="Une image contenant texte&#10;&#10;Description générée automatiquement">
+            <a:extLst>
+              <a:ext uri="{FF2B5EF4-FFF2-40B4-BE49-F238E27FC236}">
+                <a16:creationId xmlns:a16="http://schemas.microsoft.com/office/drawing/2014/main" id="{E9A90CE0-B2F1-F298-A5C4-6B925465428D}"/>
+              </a:ext>
+            </a:extLst>
+          </p:cNvPr>
+          <p:cNvPicPr>
+            <a:picLocks noChangeAspect="1"/>
+          </p:cNvPicPr>
+          <p:nvPr/>
+        </p:nvPicPr>
+        <p:blipFill>
+          <a:blip r:embed="rId2">
+            <a:extLst>
+              <a:ext uri="{28A0092B-C50C-407E-A947-70E740481C1C}">
+                <a14:useLocalDpi xmlns:a14="http://schemas.microsoft.com/office/drawing/2010/main" val="0"/>
+              </a:ext>
+            </a:extLst>
+          </a:blip>
+          <a:stretch>
+            <a:fillRect/>
+          </a:stretch>
+        </p:blipFill>
+        <p:spPr>
+          <a:xfrm>
+            <a:off x="202922" y="5934456"/>
+            <a:ext cx="1825291" cy="749808"/>
+          </a:xfrm>
+          <a:prstGeom prst="rect">
+            <a:avLst/>
+          </a:prstGeom>
+        </p:spPr>
+      </p:pic>
+      <p:sp>
+        <p:nvSpPr>
+          <p:cNvPr id="11" name="Espace réservé du contenu 10">
+            <a:extLst>
+              <a:ext uri="{FF2B5EF4-FFF2-40B4-BE49-F238E27FC236}">
+                <a16:creationId xmlns:a16="http://schemas.microsoft.com/office/drawing/2014/main" id="{6D8DC892-ECFF-A73B-2163-CFFB084727B0}"/>
               </a:ext>
             </a:extLst>
           </p:cNvPr>
@@ -9039,223 +8420,19 @@
             <p:ph sz="half" idx="1"/>
           </p:nvPr>
         </p:nvSpPr>
-        <p:spPr>
-          <a:xfrm>
-            <a:off x="1115568" y="2478024"/>
-            <a:ext cx="10168128" cy="3694176"/>
-          </a:xfrm>
-        </p:spPr>
-        <p:txBody>
-          <a:bodyPr>
-            <a:normAutofit/>
-          </a:bodyPr>
-          <a:lstStyle/>
-          <a:p>
-            <a:r>
-              <a:rPr lang="fr-FR" b="1" dirty="0"/>
-              <a:t>Site du </a:t>
-            </a:r>
-            <a:r>
-              <a:rPr lang="fr-FR" b="1" dirty="0" err="1"/>
-              <a:t>LEnsE</a:t>
-            </a:r>
-            <a:r>
-              <a:rPr lang="fr-FR" b="1" dirty="0"/>
-              <a:t> </a:t>
-            </a:r>
-          </a:p>
-          <a:p>
-            <a:pPr lvl="1"/>
-            <a:r>
-              <a:rPr lang="fr-FR" dirty="0"/>
-              <a:t>lense.institutoptique.fr/python/</a:t>
-            </a:r>
-          </a:p>
-          <a:p>
-            <a:pPr lvl="1"/>
-            <a:r>
-              <a:rPr lang="fr-FR" dirty="0"/>
-              <a:t>lense.institutoptique.fr/</a:t>
-            </a:r>
-            <a:r>
-              <a:rPr lang="fr-FR" dirty="0" err="1"/>
-              <a:t>outils_nums</a:t>
-            </a:r>
-            <a:r>
-              <a:rPr lang="fr-FR" dirty="0"/>
-              <a:t>/</a:t>
-            </a:r>
-          </a:p>
-          <a:p>
-            <a:r>
-              <a:rPr lang="fr-FR" b="1" dirty="0" err="1"/>
-              <a:t>GitHUB</a:t>
-            </a:r>
-            <a:endParaRPr lang="fr-FR" b="1" dirty="0"/>
-          </a:p>
-          <a:p>
-            <a:pPr lvl="1"/>
-            <a:r>
-              <a:rPr lang="fr-FR" dirty="0">
-                <a:hlinkClick r:id="rId2"/>
-              </a:rPr>
-              <a:t>github.com/IOGS-Digital-Methods</a:t>
-            </a:r>
-            <a:endParaRPr lang="fr-FR" dirty="0"/>
-          </a:p>
-        </p:txBody>
-      </p:sp>
-      <p:sp>
-        <p:nvSpPr>
-          <p:cNvPr id="2" name="Titre 1">
-            <a:extLst>
-              <a:ext uri="{FF2B5EF4-FFF2-40B4-BE49-F238E27FC236}">
-                <a16:creationId xmlns:a16="http://schemas.microsoft.com/office/drawing/2014/main" id="{90162AE8-C1B0-5C56-8313-DEE494F38273}"/>
-              </a:ext>
-            </a:extLst>
-          </p:cNvPr>
-          <p:cNvSpPr>
-            <a:spLocks noGrp="1"/>
-          </p:cNvSpPr>
-          <p:nvPr>
-            <p:ph type="title"/>
-          </p:nvPr>
-        </p:nvSpPr>
         <p:spPr/>
         <p:txBody>
           <a:bodyPr/>
           <a:lstStyle/>
           <a:p>
-            <a:r>
-              <a:rPr lang="fr-FR" dirty="0"/>
-              <a:t>Ressources en ligne</a:t>
-            </a:r>
-          </a:p>
-        </p:txBody>
-      </p:sp>
-      <p:pic>
-        <p:nvPicPr>
-          <p:cNvPr id="5" name="Image 4" descr="Une image contenant texte&#10;&#10;Description générée automatiquement">
-            <a:extLst>
-              <a:ext uri="{FF2B5EF4-FFF2-40B4-BE49-F238E27FC236}">
-                <a16:creationId xmlns:a16="http://schemas.microsoft.com/office/drawing/2014/main" id="{204ADC40-1D61-539F-22ED-6B21D67FBDE6}"/>
-              </a:ext>
-            </a:extLst>
-          </p:cNvPr>
-          <p:cNvPicPr>
-            <a:picLocks noChangeAspect="1"/>
-          </p:cNvPicPr>
-          <p:nvPr/>
-        </p:nvPicPr>
-        <p:blipFill>
-          <a:blip r:embed="rId3">
-            <a:extLst>
-              <a:ext uri="{28A0092B-C50C-407E-A947-70E740481C1C}">
-                <a14:useLocalDpi xmlns:a14="http://schemas.microsoft.com/office/drawing/2010/main" val="0"/>
-              </a:ext>
-            </a:extLst>
-          </a:blip>
-          <a:stretch>
-            <a:fillRect/>
-          </a:stretch>
-        </p:blipFill>
-        <p:spPr>
-          <a:xfrm>
-            <a:off x="202922" y="5934456"/>
-            <a:ext cx="1825291" cy="749808"/>
-          </a:xfrm>
-          <a:prstGeom prst="rect">
-            <a:avLst/>
-          </a:prstGeom>
-        </p:spPr>
-      </p:pic>
-      <p:pic>
-        <p:nvPicPr>
-          <p:cNvPr id="2050" name="Picture 2" descr="Résultat de recherche d'images pour &quot;github logo&quot;">
-            <a:extLst>
-              <a:ext uri="{FF2B5EF4-FFF2-40B4-BE49-F238E27FC236}">
-                <a16:creationId xmlns:a16="http://schemas.microsoft.com/office/drawing/2014/main" id="{EF17F59B-3DC2-541B-6AF7-484C8DC259FE}"/>
-              </a:ext>
-            </a:extLst>
-          </p:cNvPr>
-          <p:cNvPicPr>
-            <a:picLocks noChangeAspect="1" noChangeArrowheads="1"/>
-          </p:cNvPicPr>
-          <p:nvPr/>
-        </p:nvPicPr>
-        <p:blipFill>
-          <a:blip r:embed="rId4">
-            <a:extLst>
-              <a:ext uri="{28A0092B-C50C-407E-A947-70E740481C1C}">
-                <a14:useLocalDpi xmlns:a14="http://schemas.microsoft.com/office/drawing/2010/main" val="0"/>
-              </a:ext>
-            </a:extLst>
-          </a:blip>
-          <a:srcRect/>
-          <a:stretch>
-            <a:fillRect/>
-          </a:stretch>
-        </p:blipFill>
-        <p:spPr bwMode="auto">
-          <a:xfrm>
-            <a:off x="8043992" y="4394559"/>
-            <a:ext cx="2276475" cy="1266825"/>
-          </a:xfrm>
-          <a:prstGeom prst="rect">
-            <a:avLst/>
-          </a:prstGeom>
-          <a:noFill/>
-          <a:extLst>
-            <a:ext uri="{909E8E84-426E-40DD-AFC4-6F175D3DCCD1}">
-              <a14:hiddenFill xmlns:a14="http://schemas.microsoft.com/office/drawing/2010/main">
-                <a:solidFill>
-                  <a:srgbClr val="FFFFFF"/>
-                </a:solidFill>
-              </a14:hiddenFill>
-            </a:ext>
-          </a:extLst>
-        </p:spPr>
-      </p:pic>
-      <p:pic>
-        <p:nvPicPr>
-          <p:cNvPr id="7" name="Image 6" descr="Une image contenant texte&#10;&#10;Description générée automatiquement">
-            <a:extLst>
-              <a:ext uri="{FF2B5EF4-FFF2-40B4-BE49-F238E27FC236}">
-                <a16:creationId xmlns:a16="http://schemas.microsoft.com/office/drawing/2014/main" id="{43D1A380-037F-8C39-E9BA-1EC6DD103F1D}"/>
-              </a:ext>
-            </a:extLst>
-          </p:cNvPr>
-          <p:cNvPicPr>
-            <a:picLocks noChangeAspect="1"/>
-          </p:cNvPicPr>
-          <p:nvPr/>
-        </p:nvPicPr>
-        <p:blipFill>
-          <a:blip r:embed="rId3">
-            <a:extLst>
-              <a:ext uri="{28A0092B-C50C-407E-A947-70E740481C1C}">
-                <a14:useLocalDpi xmlns:a14="http://schemas.microsoft.com/office/drawing/2010/main" val="0"/>
-              </a:ext>
-            </a:extLst>
-          </a:blip>
-          <a:stretch>
-            <a:fillRect/>
-          </a:stretch>
-        </p:blipFill>
-        <p:spPr>
-          <a:xfrm>
-            <a:off x="7829718" y="2871018"/>
-            <a:ext cx="2716639" cy="1115963"/>
-          </a:xfrm>
-          <a:prstGeom prst="rect">
-            <a:avLst/>
-          </a:prstGeom>
-        </p:spPr>
-      </p:pic>
+            <a:endParaRPr lang="fr-FR"/>
+          </a:p>
+        </p:txBody>
+      </p:sp>
     </p:spTree>
     <p:extLst>
       <p:ext uri="{BB962C8B-B14F-4D97-AF65-F5344CB8AC3E}">
-        <p14:creationId xmlns:p14="http://schemas.microsoft.com/office/powerpoint/2010/main" val="3012627825"/>
+        <p14:creationId xmlns:p14="http://schemas.microsoft.com/office/powerpoint/2010/main" val="2357368528"/>
       </p:ext>
     </p:extLst>
   </p:cSld>
@@ -9492,7 +8669,7 @@
               <a:rPr lang="fr-FR" sz="4800" dirty="0">
                 <a:latin typeface="Bahnschrift SemiBold" panose="020B0502040204020203" pitchFamily="34" charset="0"/>
               </a:rPr>
-              <a:t>Méthodes de travail</a:t>
+              <a:t>Outils de travail</a:t>
             </a:r>
           </a:p>
         </p:txBody>
@@ -9758,7 +8935,7 @@
     </p:spTree>
     <p:extLst>
       <p:ext uri="{BB962C8B-B14F-4D97-AF65-F5344CB8AC3E}">
-        <p14:creationId xmlns:p14="http://schemas.microsoft.com/office/powerpoint/2010/main" val="2757391437"/>
+        <p14:creationId xmlns:p14="http://schemas.microsoft.com/office/powerpoint/2010/main" val="309191399"/>
       </p:ext>
     </p:extLst>
   </p:cSld>
@@ -9785,6 +8962,81 @@
           <a:chExt cx="0" cy="0"/>
         </a:xfrm>
       </p:grpSpPr>
+      <p:pic>
+        <p:nvPicPr>
+          <p:cNvPr id="1026" name="Picture 2" descr="Anaconda | Anaconda Distribution">
+            <a:extLst>
+              <a:ext uri="{FF2B5EF4-FFF2-40B4-BE49-F238E27FC236}">
+                <a16:creationId xmlns:a16="http://schemas.microsoft.com/office/drawing/2014/main" id="{9C0B1909-1CB6-7715-8E08-A90D70EDCD52}"/>
+              </a:ext>
+            </a:extLst>
+          </p:cNvPr>
+          <p:cNvPicPr>
+            <a:picLocks noChangeAspect="1" noChangeArrowheads="1"/>
+          </p:cNvPicPr>
+          <p:nvPr/>
+        </p:nvPicPr>
+        <p:blipFill>
+          <a:blip r:embed="rId2">
+            <a:extLst>
+              <a:ext uri="{28A0092B-C50C-407E-A947-70E740481C1C}">
+                <a14:useLocalDpi xmlns:a14="http://schemas.microsoft.com/office/drawing/2010/main" val="0"/>
+              </a:ext>
+            </a:extLst>
+          </a:blip>
+          <a:srcRect/>
+          <a:stretch>
+            <a:fillRect/>
+          </a:stretch>
+        </p:blipFill>
+        <p:spPr bwMode="auto">
+          <a:xfrm>
+            <a:off x="2948032" y="4174578"/>
+            <a:ext cx="2676144" cy="1404975"/>
+          </a:xfrm>
+          <a:prstGeom prst="rect">
+            <a:avLst/>
+          </a:prstGeom>
+          <a:noFill/>
+          <a:extLst>
+            <a:ext uri="{909E8E84-426E-40DD-AFC4-6F175D3DCCD1}">
+              <a14:hiddenFill xmlns:a14="http://schemas.microsoft.com/office/drawing/2010/main">
+                <a:solidFill>
+                  <a:srgbClr val="FFFFFF"/>
+                </a:solidFill>
+              </a14:hiddenFill>
+            </a:ext>
+          </a:extLst>
+        </p:spPr>
+      </p:pic>
+      <p:sp>
+        <p:nvSpPr>
+          <p:cNvPr id="2" name="Titre 1">
+            <a:extLst>
+              <a:ext uri="{FF2B5EF4-FFF2-40B4-BE49-F238E27FC236}">
+                <a16:creationId xmlns:a16="http://schemas.microsoft.com/office/drawing/2014/main" id="{90162AE8-C1B0-5C56-8313-DEE494F38273}"/>
+              </a:ext>
+            </a:extLst>
+          </p:cNvPr>
+          <p:cNvSpPr>
+            <a:spLocks noGrp="1"/>
+          </p:cNvSpPr>
+          <p:nvPr>
+            <p:ph type="title"/>
+          </p:nvPr>
+        </p:nvSpPr>
+        <p:spPr/>
+        <p:txBody>
+          <a:bodyPr/>
+          <a:lstStyle/>
+          <a:p>
+            <a:r>
+              <a:rPr lang="fr-FR" dirty="0"/>
+              <a:t>Outils numériques</a:t>
+            </a:r>
+          </a:p>
+        </p:txBody>
+      </p:sp>
       <p:sp>
         <p:nvSpPr>
           <p:cNvPr id="3" name="Espace réservé du contenu 2">
@@ -9801,12 +9053,7 @@
             <p:ph sz="half" idx="1"/>
           </p:nvPr>
         </p:nvSpPr>
-        <p:spPr>
-          <a:xfrm>
-            <a:off x="1115568" y="2478024"/>
-            <a:ext cx="10407838" cy="3694176"/>
-          </a:xfrm>
-        </p:spPr>
+        <p:spPr/>
         <p:txBody>
           <a:bodyPr>
             <a:normAutofit/>
@@ -9814,131 +9061,47 @@
           <a:lstStyle/>
           <a:p>
             <a:r>
-              <a:rPr lang="fr-FR" sz="2400" dirty="0"/>
-              <a:t>Développement sous </a:t>
-            </a:r>
-            <a:r>
-              <a:rPr lang="fr-FR" sz="2400" b="1" dirty="0"/>
-              <a:t>Python 3.9 </a:t>
-            </a:r>
-            <a:r>
-              <a:rPr lang="fr-FR" sz="2400" dirty="0"/>
-              <a:t>(min) / </a:t>
-            </a:r>
-            <a:r>
-              <a:rPr lang="fr-FR" sz="2400" b="1" dirty="0"/>
+              <a:rPr lang="fr-FR" dirty="0"/>
+              <a:t>Utilisation de </a:t>
+            </a:r>
+            <a:r>
+              <a:rPr lang="fr-FR" b="1" dirty="0"/>
+              <a:t>Python</a:t>
+            </a:r>
+          </a:p>
+          <a:p>
+            <a:pPr lvl="1"/>
+            <a:r>
+              <a:rPr lang="fr-FR" dirty="0"/>
               <a:t>Anaconda 3</a:t>
             </a:r>
-            <a:r>
-              <a:rPr lang="fr-FR" sz="2400" dirty="0"/>
-              <a:t> / </a:t>
-            </a:r>
-            <a:r>
-              <a:rPr lang="fr-FR" sz="2400" b="1" dirty="0" err="1"/>
+          </a:p>
+          <a:p>
+            <a:pPr lvl="1"/>
+            <a:r>
+              <a:rPr lang="fr-FR" dirty="0"/>
+              <a:t>Python 3.9 (ou supérieur)</a:t>
+            </a:r>
+          </a:p>
+          <a:p>
+            <a:pPr lvl="1"/>
+            <a:r>
+              <a:rPr lang="fr-FR" dirty="0" err="1"/>
               <a:t>Spyder</a:t>
             </a:r>
             <a:r>
-              <a:rPr lang="fr-FR" sz="2400" b="1" dirty="0"/>
+              <a:rPr lang="fr-FR" dirty="0"/>
               <a:t> 5</a:t>
             </a:r>
           </a:p>
-          <a:p>
-            <a:pPr lvl="1"/>
-            <a:r>
-              <a:rPr lang="fr-FR" dirty="0"/>
-              <a:t>Style de code selon le guide </a:t>
-            </a:r>
-            <a:r>
-              <a:rPr lang="fr-FR" b="1" dirty="0"/>
-              <a:t>PEP 8</a:t>
-            </a:r>
-            <a:r>
-              <a:rPr lang="fr-FR" dirty="0"/>
-              <a:t>  </a:t>
-            </a:r>
-            <a:br>
-              <a:rPr lang="fr-FR" dirty="0"/>
-            </a:br>
-            <a:r>
-              <a:rPr lang="fr-FR" dirty="0"/>
-              <a:t>		https://peps.python.org/pep-0008/</a:t>
-            </a:r>
-          </a:p>
-          <a:p>
-            <a:pPr lvl="1"/>
-            <a:r>
-              <a:rPr lang="fr-FR" dirty="0"/>
-              <a:t>Style de commentaires et de documentation selon le guide </a:t>
-            </a:r>
-            <a:r>
-              <a:rPr lang="fr-FR" b="1" dirty="0"/>
-              <a:t>PEP 257 </a:t>
-            </a:r>
-            <a:br>
-              <a:rPr lang="fr-FR" b="1" dirty="0"/>
-            </a:br>
-            <a:r>
-              <a:rPr lang="fr-FR" b="1" dirty="0"/>
-              <a:t>		</a:t>
-            </a:r>
-            <a:r>
-              <a:rPr lang="fr-FR" dirty="0"/>
-              <a:t>https://peps.python.org/pep-0257/</a:t>
-            </a:r>
-          </a:p>
-          <a:p>
-            <a:r>
-              <a:rPr lang="fr-FR" sz="2400" dirty="0"/>
-              <a:t>Utilisation de bibliothèques standards (</a:t>
-            </a:r>
-            <a:r>
-              <a:rPr lang="fr-FR" sz="2400" dirty="0" err="1"/>
-              <a:t>Numpy</a:t>
-            </a:r>
-            <a:r>
-              <a:rPr lang="fr-FR" sz="2400" dirty="0"/>
-              <a:t>, </a:t>
-            </a:r>
-            <a:r>
-              <a:rPr lang="fr-FR" sz="2400" dirty="0" err="1"/>
-              <a:t>Matplotlib</a:t>
-            </a:r>
-            <a:r>
-              <a:rPr lang="fr-FR" sz="2400" dirty="0"/>
-              <a:t>, </a:t>
-            </a:r>
-            <a:r>
-              <a:rPr lang="fr-FR" sz="2400" dirty="0" err="1"/>
-              <a:t>Scipy</a:t>
-            </a:r>
-            <a:r>
-              <a:rPr lang="fr-FR" sz="2400" dirty="0"/>
-              <a:t>…)</a:t>
-            </a:r>
-          </a:p>
-          <a:p>
-            <a:r>
-              <a:rPr lang="fr-FR" sz="2400" dirty="0"/>
-              <a:t>Découpage en fonctions simples (fichiers .</a:t>
-            </a:r>
-            <a:r>
-              <a:rPr lang="fr-FR" sz="2400" dirty="0" err="1"/>
-              <a:t>py</a:t>
-            </a:r>
-            <a:r>
-              <a:rPr lang="fr-FR" sz="2400" dirty="0"/>
-              <a:t> séparés)</a:t>
-            </a:r>
-            <a:endParaRPr lang="fr-FR" dirty="0"/>
-          </a:p>
-        </p:txBody>
-      </p:sp>
-      <p:sp>
-        <p:nvSpPr>
-          <p:cNvPr id="2" name="Titre 1">
-            <a:extLst>
-              <a:ext uri="{FF2B5EF4-FFF2-40B4-BE49-F238E27FC236}">
-                <a16:creationId xmlns:a16="http://schemas.microsoft.com/office/drawing/2014/main" id="{90162AE8-C1B0-5C56-8313-DEE494F38273}"/>
+        </p:txBody>
+      </p:sp>
+      <p:sp>
+        <p:nvSpPr>
+          <p:cNvPr id="4" name="Espace réservé du contenu 3">
+            <a:extLst>
+              <a:ext uri="{FF2B5EF4-FFF2-40B4-BE49-F238E27FC236}">
+                <a16:creationId xmlns:a16="http://schemas.microsoft.com/office/drawing/2014/main" id="{933F96BD-2653-AD25-8139-9FF3B2C19755}"/>
               </a:ext>
             </a:extLst>
           </p:cNvPr>
@@ -9946,17 +9109,46 @@
             <a:spLocks noGrp="1"/>
           </p:cNvSpPr>
           <p:nvPr>
-            <p:ph type="title"/>
+            <p:ph sz="half" idx="2"/>
           </p:nvPr>
         </p:nvSpPr>
         <p:spPr/>
         <p:txBody>
-          <a:bodyPr/>
+          <a:bodyPr>
+            <a:normAutofit/>
+          </a:bodyPr>
           <a:lstStyle/>
           <a:p>
             <a:r>
               <a:rPr lang="fr-FR" dirty="0"/>
-              <a:t>Méthode de travail / Bonnes pratiques</a:t>
+              <a:t>Exemples en </a:t>
+            </a:r>
+            <a:r>
+              <a:rPr lang="fr-FR" b="1" dirty="0"/>
+              <a:t>C/C++</a:t>
+            </a:r>
+          </a:p>
+          <a:p>
+            <a:pPr lvl="1"/>
+            <a:r>
+              <a:rPr lang="fr-FR" dirty="0"/>
+              <a:t>GCC / </a:t>
+            </a:r>
+            <a:r>
+              <a:rPr lang="fr-FR" dirty="0" err="1"/>
+              <a:t>MingW</a:t>
+            </a:r>
+            <a:endParaRPr lang="fr-FR" dirty="0"/>
+          </a:p>
+          <a:p>
+            <a:pPr lvl="1"/>
+            <a:r>
+              <a:rPr lang="fr-FR" dirty="0" err="1"/>
+              <a:t>CodeBlocks</a:t>
+            </a:r>
+            <a:r>
+              <a:rPr lang="fr-FR" dirty="0"/>
+              <a:t> 17 (ou sup.)</a:t>
             </a:r>
           </a:p>
         </p:txBody>
@@ -9976,7 +9168,7 @@
           <p:nvPr/>
         </p:nvPicPr>
         <p:blipFill>
-          <a:blip r:embed="rId2">
+          <a:blip r:embed="rId3">
             <a:extLst>
               <a:ext uri="{28A0092B-C50C-407E-A947-70E740481C1C}">
                 <a14:useLocalDpi xmlns:a14="http://schemas.microsoft.com/office/drawing/2010/main" val="0"/>
@@ -9997,10 +9189,198 @@
           </a:prstGeom>
         </p:spPr>
       </p:pic>
+      <p:pic>
+        <p:nvPicPr>
+          <p:cNvPr id="1028" name="Picture 4" descr="Résultat de recherche d'images pour &quot;python logo&quot;">
+            <a:extLst>
+              <a:ext uri="{FF2B5EF4-FFF2-40B4-BE49-F238E27FC236}">
+                <a16:creationId xmlns:a16="http://schemas.microsoft.com/office/drawing/2014/main" id="{6AACFEBA-EE5D-EEE7-D00C-2240541AF15B}"/>
+              </a:ext>
+            </a:extLst>
+          </p:cNvPr>
+          <p:cNvPicPr>
+            <a:picLocks noChangeAspect="1" noChangeArrowheads="1"/>
+          </p:cNvPicPr>
+          <p:nvPr/>
+        </p:nvPicPr>
+        <p:blipFill>
+          <a:blip r:embed="rId4">
+            <a:extLst>
+              <a:ext uri="{28A0092B-C50C-407E-A947-70E740481C1C}">
+                <a14:useLocalDpi xmlns:a14="http://schemas.microsoft.com/office/drawing/2010/main" val="0"/>
+              </a:ext>
+            </a:extLst>
+          </a:blip>
+          <a:srcRect/>
+          <a:stretch>
+            <a:fillRect/>
+          </a:stretch>
+        </p:blipFill>
+        <p:spPr bwMode="auto">
+          <a:xfrm>
+            <a:off x="2009023" y="4863930"/>
+            <a:ext cx="767663" cy="843885"/>
+          </a:xfrm>
+          <a:prstGeom prst="rect">
+            <a:avLst/>
+          </a:prstGeom>
+          <a:noFill/>
+          <a:extLst>
+            <a:ext uri="{909E8E84-426E-40DD-AFC4-6F175D3DCCD1}">
+              <a14:hiddenFill xmlns:a14="http://schemas.microsoft.com/office/drawing/2010/main">
+                <a:solidFill>
+                  <a:srgbClr val="FFFFFF"/>
+                </a:solidFill>
+              </a14:hiddenFill>
+            </a:ext>
+          </a:extLst>
+        </p:spPr>
+      </p:pic>
+      <p:pic>
+        <p:nvPicPr>
+          <p:cNvPr id="1030" name="Picture 6" descr="Résultat de recherche d'images pour &quot;c c++ logo&quot;">
+            <a:extLst>
+              <a:ext uri="{FF2B5EF4-FFF2-40B4-BE49-F238E27FC236}">
+                <a16:creationId xmlns:a16="http://schemas.microsoft.com/office/drawing/2014/main" id="{C4A45510-F8E0-AD28-7EB3-D5A9E050E185}"/>
+              </a:ext>
+            </a:extLst>
+          </p:cNvPr>
+          <p:cNvPicPr>
+            <a:picLocks noChangeAspect="1" noChangeArrowheads="1"/>
+          </p:cNvPicPr>
+          <p:nvPr/>
+        </p:nvPicPr>
+        <p:blipFill>
+          <a:blip r:embed="rId5">
+            <a:extLst>
+              <a:ext uri="{28A0092B-C50C-407E-A947-70E740481C1C}">
+                <a14:useLocalDpi xmlns:a14="http://schemas.microsoft.com/office/drawing/2010/main" val="0"/>
+              </a:ext>
+            </a:extLst>
+          </a:blip>
+          <a:srcRect/>
+          <a:stretch>
+            <a:fillRect/>
+          </a:stretch>
+        </p:blipFill>
+        <p:spPr bwMode="auto">
+          <a:xfrm>
+            <a:off x="9365396" y="4813935"/>
+            <a:ext cx="1495425" cy="1495425"/>
+          </a:xfrm>
+          <a:prstGeom prst="rect">
+            <a:avLst/>
+          </a:prstGeom>
+          <a:noFill/>
+          <a:extLst>
+            <a:ext uri="{909E8E84-426E-40DD-AFC4-6F175D3DCCD1}">
+              <a14:hiddenFill xmlns:a14="http://schemas.microsoft.com/office/drawing/2010/main">
+                <a:solidFill>
+                  <a:srgbClr val="FFFFFF"/>
+                </a:solidFill>
+              </a14:hiddenFill>
+            </a:ext>
+          </a:extLst>
+        </p:spPr>
+      </p:pic>
+      <p:pic>
+        <p:nvPicPr>
+          <p:cNvPr id="1032" name="Picture 8" descr="Résultat de recherche d'images pour &quot;spyder logo&quot;">
+            <a:extLst>
+              <a:ext uri="{FF2B5EF4-FFF2-40B4-BE49-F238E27FC236}">
+                <a16:creationId xmlns:a16="http://schemas.microsoft.com/office/drawing/2014/main" id="{B9E90EDC-B810-E4E5-D39F-BA240250126F}"/>
+              </a:ext>
+            </a:extLst>
+          </p:cNvPr>
+          <p:cNvPicPr>
+            <a:picLocks noChangeAspect="1" noChangeArrowheads="1"/>
+          </p:cNvPicPr>
+          <p:nvPr/>
+        </p:nvPicPr>
+        <p:blipFill>
+          <a:blip r:embed="rId6">
+            <a:extLst>
+              <a:ext uri="{28A0092B-C50C-407E-A947-70E740481C1C}">
+                <a14:useLocalDpi xmlns:a14="http://schemas.microsoft.com/office/drawing/2010/main" val="0"/>
+              </a:ext>
+            </a:extLst>
+          </a:blip>
+          <a:srcRect/>
+          <a:stretch>
+            <a:fillRect/>
+          </a:stretch>
+        </p:blipFill>
+        <p:spPr bwMode="auto">
+          <a:xfrm>
+            <a:off x="3268709" y="5101171"/>
+            <a:ext cx="1913528" cy="956764"/>
+          </a:xfrm>
+          <a:prstGeom prst="rect">
+            <a:avLst/>
+          </a:prstGeom>
+          <a:noFill/>
+          <a:extLst>
+            <a:ext uri="{909E8E84-426E-40DD-AFC4-6F175D3DCCD1}">
+              <a14:hiddenFill xmlns:a14="http://schemas.microsoft.com/office/drawing/2010/main">
+                <a:solidFill>
+                  <a:srgbClr val="FFFFFF"/>
+                </a:solidFill>
+              </a14:hiddenFill>
+            </a:ext>
+          </a:extLst>
+        </p:spPr>
+      </p:pic>
+      <p:pic>
+        <p:nvPicPr>
+          <p:cNvPr id="1034" name="Picture 10" descr="Résultat de recherche d'images pour &quot;code blocks logo&quot;">
+            <a:extLst>
+              <a:ext uri="{FF2B5EF4-FFF2-40B4-BE49-F238E27FC236}">
+                <a16:creationId xmlns:a16="http://schemas.microsoft.com/office/drawing/2014/main" id="{4A3D98F0-0909-C943-85A7-6BB6180EEF0D}"/>
+              </a:ext>
+            </a:extLst>
+          </p:cNvPr>
+          <p:cNvPicPr>
+            <a:picLocks noChangeAspect="1" noChangeArrowheads="1"/>
+          </p:cNvPicPr>
+          <p:nvPr/>
+        </p:nvPicPr>
+        <p:blipFill>
+          <a:blip r:embed="rId7">
+            <a:extLst>
+              <a:ext uri="{28A0092B-C50C-407E-A947-70E740481C1C}">
+                <a14:useLocalDpi xmlns:a14="http://schemas.microsoft.com/office/drawing/2010/main" val="0"/>
+              </a:ext>
+            </a:extLst>
+          </a:blip>
+          <a:srcRect/>
+          <a:stretch>
+            <a:fillRect/>
+          </a:stretch>
+        </p:blipFill>
+        <p:spPr bwMode="auto">
+          <a:xfrm>
+            <a:off x="7408333" y="4946140"/>
+            <a:ext cx="1266825" cy="1266825"/>
+          </a:xfrm>
+          <a:prstGeom prst="rect">
+            <a:avLst/>
+          </a:prstGeom>
+          <a:noFill/>
+          <a:extLst>
+            <a:ext uri="{909E8E84-426E-40DD-AFC4-6F175D3DCCD1}">
+              <a14:hiddenFill xmlns:a14="http://schemas.microsoft.com/office/drawing/2010/main">
+                <a:solidFill>
+                  <a:srgbClr val="FFFFFF"/>
+                </a:solidFill>
+              </a14:hiddenFill>
+            </a:ext>
+          </a:extLst>
+        </p:spPr>
+      </p:pic>
     </p:spTree>
     <p:extLst>
       <p:ext uri="{BB962C8B-B14F-4D97-AF65-F5344CB8AC3E}">
-        <p14:creationId xmlns:p14="http://schemas.microsoft.com/office/powerpoint/2010/main" val="3230963344"/>
+        <p14:creationId xmlns:p14="http://schemas.microsoft.com/office/powerpoint/2010/main" val="4154382722"/>
       </p:ext>
     </p:extLst>
   </p:cSld>
@@ -10298,30 +9678,48 @@
           <a:lstStyle/>
           <a:p>
             <a:r>
+              <a:rPr lang="fr-FR" b="1" dirty="0"/>
+              <a:t>Site du </a:t>
+            </a:r>
+            <a:r>
+              <a:rPr lang="fr-FR" b="1" dirty="0" err="1"/>
+              <a:t>LEnsE</a:t>
+            </a:r>
+            <a:r>
+              <a:rPr lang="fr-FR" b="1" dirty="0"/>
+              <a:t> </a:t>
+            </a:r>
+          </a:p>
+          <a:p>
+            <a:pPr lvl="1"/>
+            <a:r>
               <a:rPr lang="fr-FR" dirty="0"/>
-              <a:t>Démystifier les langages de haut niveau</a:t>
+              <a:t>lense.institutoptique.fr/python/</a:t>
+            </a:r>
+          </a:p>
+          <a:p>
+            <a:pPr lvl="1"/>
+            <a:r>
+              <a:rPr lang="fr-FR" dirty="0"/>
+              <a:t>lense.institutoptique.fr/ONIP/</a:t>
+            </a:r>
+          </a:p>
+          <a:p>
+            <a:r>
+              <a:rPr lang="fr-FR" b="1" dirty="0" err="1"/>
+              <a:t>GitHUB</a:t>
             </a:r>
             <a:endParaRPr lang="fr-FR" b="1" dirty="0"/>
           </a:p>
           <a:p>
             <a:pPr lvl="1"/>
             <a:r>
-              <a:rPr lang="fr-FR" dirty="0"/>
-              <a:t>Quelques notions théoriques</a:t>
-            </a:r>
-          </a:p>
-          <a:p>
-            <a:pPr lvl="1"/>
-            <a:r>
-              <a:rPr lang="fr-FR" dirty="0"/>
-              <a:t>Des exemples pratiques en Python (ou C/C++)</a:t>
-            </a:r>
-          </a:p>
-          <a:p>
-            <a:r>
-              <a:rPr lang="fr-FR" dirty="0"/>
-              <a:t>Calcul scientifique / Plusieurs méthodes de résolution</a:t>
-            </a:r>
+              <a:rPr lang="fr-FR" dirty="0">
+                <a:hlinkClick r:id="rId2"/>
+              </a:rPr>
+              <a:t>github.com/IOGS-Digital-Methods</a:t>
+            </a:r>
+            <a:endParaRPr lang="fr-FR" dirty="0"/>
           </a:p>
         </p:txBody>
       </p:sp>
@@ -10348,7 +9746,7 @@
           <a:p>
             <a:r>
               <a:rPr lang="fr-FR" dirty="0"/>
-              <a:t>Méthode de travail / Bloc 1</a:t>
+              <a:t>Ressources en ligne</a:t>
             </a:r>
           </a:p>
         </p:txBody>
@@ -10368,7 +9766,7 @@
           <p:nvPr/>
         </p:nvPicPr>
         <p:blipFill>
-          <a:blip r:embed="rId2">
+          <a:blip r:embed="rId3">
             <a:extLst>
               <a:ext uri="{28A0092B-C50C-407E-A947-70E740481C1C}">
                 <a14:useLocalDpi xmlns:a14="http://schemas.microsoft.com/office/drawing/2010/main" val="0"/>
@@ -10391,10 +9789,10 @@
       </p:pic>
       <p:pic>
         <p:nvPicPr>
-          <p:cNvPr id="1026" name="Picture 2">
-            <a:extLst>
-              <a:ext uri="{FF2B5EF4-FFF2-40B4-BE49-F238E27FC236}">
-                <a16:creationId xmlns:a16="http://schemas.microsoft.com/office/drawing/2014/main" id="{EEC3CC6F-ADB4-888A-B18B-7044585F0661}"/>
+          <p:cNvPr id="2050" name="Picture 2" descr="Résultat de recherche d'images pour &quot;github logo&quot;">
+            <a:extLst>
+              <a:ext uri="{FF2B5EF4-FFF2-40B4-BE49-F238E27FC236}">
+                <a16:creationId xmlns:a16="http://schemas.microsoft.com/office/drawing/2014/main" id="{EF17F59B-3DC2-541B-6AF7-484C8DC259FE}"/>
               </a:ext>
             </a:extLst>
           </p:cNvPr>
@@ -10404,7 +9802,7 @@
           <p:nvPr/>
         </p:nvPicPr>
         <p:blipFill>
-          <a:blip r:embed="rId3">
+          <a:blip r:embed="rId4">
             <a:extLst>
               <a:ext uri="{28A0092B-C50C-407E-A947-70E740481C1C}">
                 <a14:useLocalDpi xmlns:a14="http://schemas.microsoft.com/office/drawing/2010/main" val="0"/>
@@ -10418,8 +9816,8 @@
         </p:blipFill>
         <p:spPr bwMode="auto">
           <a:xfrm>
-            <a:off x="3389364" y="4715256"/>
-            <a:ext cx="1047750" cy="1219200"/>
+            <a:off x="8043992" y="4394559"/>
+            <a:ext cx="2276475" cy="1266825"/>
           </a:xfrm>
           <a:prstGeom prst="rect">
             <a:avLst/>
@@ -10438,55 +9836,44 @@
       </p:pic>
       <p:pic>
         <p:nvPicPr>
-          <p:cNvPr id="4" name="Picture 8" descr="Résultat de recherche d'images pour &quot;spyder logo&quot;">
-            <a:extLst>
-              <a:ext uri="{FF2B5EF4-FFF2-40B4-BE49-F238E27FC236}">
-                <a16:creationId xmlns:a16="http://schemas.microsoft.com/office/drawing/2014/main" id="{7D86E94E-1CE4-F45E-69EA-100C66B3A897}"/>
+          <p:cNvPr id="7" name="Image 6" descr="Une image contenant texte&#10;&#10;Description générée automatiquement">
+            <a:extLst>
+              <a:ext uri="{FF2B5EF4-FFF2-40B4-BE49-F238E27FC236}">
+                <a16:creationId xmlns:a16="http://schemas.microsoft.com/office/drawing/2014/main" id="{43D1A380-037F-8C39-E9BA-1EC6DD103F1D}"/>
               </a:ext>
             </a:extLst>
           </p:cNvPr>
           <p:cNvPicPr>
-            <a:picLocks noChangeAspect="1" noChangeArrowheads="1"/>
+            <a:picLocks noChangeAspect="1"/>
           </p:cNvPicPr>
           <p:nvPr/>
         </p:nvPicPr>
         <p:blipFill>
-          <a:blip r:embed="rId4">
+          <a:blip r:embed="rId3">
             <a:extLst>
               <a:ext uri="{28A0092B-C50C-407E-A947-70E740481C1C}">
                 <a14:useLocalDpi xmlns:a14="http://schemas.microsoft.com/office/drawing/2010/main" val="0"/>
               </a:ext>
             </a:extLst>
           </a:blip>
-          <a:srcRect/>
           <a:stretch>
             <a:fillRect/>
           </a:stretch>
         </p:blipFill>
-        <p:spPr bwMode="auto">
-          <a:xfrm>
-            <a:off x="7506412" y="4846474"/>
-            <a:ext cx="1913528" cy="956764"/>
+        <p:spPr>
+          <a:xfrm>
+            <a:off x="7829718" y="2871018"/>
+            <a:ext cx="2716639" cy="1115963"/>
           </a:xfrm>
           <a:prstGeom prst="rect">
             <a:avLst/>
           </a:prstGeom>
-          <a:noFill/>
-          <a:extLst>
-            <a:ext uri="{909E8E84-426E-40DD-AFC4-6F175D3DCCD1}">
-              <a14:hiddenFill xmlns:a14="http://schemas.microsoft.com/office/drawing/2010/main">
-                <a:solidFill>
-                  <a:srgbClr val="FFFFFF"/>
-                </a:solidFill>
-              </a14:hiddenFill>
-            </a:ext>
-          </a:extLst>
         </p:spPr>
       </p:pic>
     </p:spTree>
     <p:extLst>
       <p:ext uri="{BB962C8B-B14F-4D97-AF65-F5344CB8AC3E}">
-        <p14:creationId xmlns:p14="http://schemas.microsoft.com/office/powerpoint/2010/main" val="2211726380"/>
+        <p14:creationId xmlns:p14="http://schemas.microsoft.com/office/powerpoint/2010/main" val="3012627825"/>
       </p:ext>
     </p:extLst>
   </p:cSld>
@@ -10497,710 +9884,6 @@
 </file>
 
 <file path=ppt/slides/slide21.xml><?xml version="1.0" encoding="utf-8"?>
-<p:sld xmlns:a="http://schemas.openxmlformats.org/drawingml/2006/main" xmlns:r="http://schemas.openxmlformats.org/officeDocument/2006/relationships" xmlns:p="http://schemas.openxmlformats.org/presentationml/2006/main">
-  <p:cSld>
-    <p:spTree>
-      <p:nvGrpSpPr>
-        <p:cNvPr id="1" name=""/>
-        <p:cNvGrpSpPr/>
-        <p:nvPr/>
-      </p:nvGrpSpPr>
-      <p:grpSpPr>
-        <a:xfrm>
-          <a:off x="0" y="0"/>
-          <a:ext cx="0" cy="0"/>
-          <a:chOff x="0" y="0"/>
-          <a:chExt cx="0" cy="0"/>
-        </a:xfrm>
-      </p:grpSpPr>
-      <p:sp>
-        <p:nvSpPr>
-          <p:cNvPr id="3" name="Espace réservé du contenu 2">
-            <a:extLst>
-              <a:ext uri="{FF2B5EF4-FFF2-40B4-BE49-F238E27FC236}">
-                <a16:creationId xmlns:a16="http://schemas.microsoft.com/office/drawing/2014/main" id="{E0BBB9DE-019C-C741-F224-494739D4B752}"/>
-              </a:ext>
-            </a:extLst>
-          </p:cNvPr>
-          <p:cNvSpPr>
-            <a:spLocks noGrp="1"/>
-          </p:cNvSpPr>
-          <p:nvPr>
-            <p:ph sz="half" idx="1"/>
-          </p:nvPr>
-        </p:nvSpPr>
-        <p:spPr>
-          <a:xfrm>
-            <a:off x="1115568" y="2478024"/>
-            <a:ext cx="10168128" cy="3694176"/>
-          </a:xfrm>
-        </p:spPr>
-        <p:txBody>
-          <a:bodyPr>
-            <a:normAutofit/>
-          </a:bodyPr>
-          <a:lstStyle/>
-          <a:p>
-            <a:r>
-              <a:rPr lang="fr-FR" b="1" dirty="0"/>
-              <a:t>Travail à réaliser </a:t>
-            </a:r>
-          </a:p>
-          <a:p>
-            <a:pPr lvl="1"/>
-            <a:r>
-              <a:rPr lang="fr-FR" dirty="0"/>
-              <a:t>Résultats à faire valider par </a:t>
-            </a:r>
-            <a:r>
-              <a:rPr lang="fr-FR" dirty="0" err="1"/>
-              <a:t>un.e</a:t>
-            </a:r>
-            <a:r>
-              <a:rPr lang="fr-FR" dirty="0"/>
-              <a:t> </a:t>
-            </a:r>
-            <a:r>
-              <a:rPr lang="fr-FR" dirty="0" err="1"/>
-              <a:t>encadrant.e</a:t>
-            </a:r>
-            <a:r>
-              <a:rPr lang="fr-FR" dirty="0"/>
-              <a:t> durant la séance</a:t>
-            </a:r>
-          </a:p>
-          <a:p>
-            <a:pPr lvl="2"/>
-            <a:r>
-              <a:rPr lang="fr-FR" dirty="0"/>
-              <a:t>Bonnes pratiques en programmation : </a:t>
-            </a:r>
-          </a:p>
-          <a:p>
-            <a:pPr lvl="3"/>
-            <a:r>
-              <a:rPr lang="fr-FR" dirty="0"/>
-              <a:t>Code propre / documenté</a:t>
-            </a:r>
-          </a:p>
-          <a:p>
-            <a:pPr lvl="3"/>
-            <a:r>
-              <a:rPr lang="fr-FR" dirty="0"/>
-              <a:t>Utilisation de fonctions</a:t>
-            </a:r>
-          </a:p>
-          <a:p>
-            <a:pPr lvl="2"/>
-            <a:r>
-              <a:rPr lang="fr-FR" dirty="0"/>
-              <a:t>Présentation des résultats</a:t>
-            </a:r>
-          </a:p>
-          <a:p>
-            <a:pPr lvl="2"/>
-            <a:r>
-              <a:rPr lang="fr-FR" dirty="0"/>
-              <a:t>Analyse et critiques des résultats (aspect physique/mathématique)</a:t>
-            </a:r>
-          </a:p>
-        </p:txBody>
-      </p:sp>
-      <p:sp>
-        <p:nvSpPr>
-          <p:cNvPr id="2" name="Titre 1">
-            <a:extLst>
-              <a:ext uri="{FF2B5EF4-FFF2-40B4-BE49-F238E27FC236}">
-                <a16:creationId xmlns:a16="http://schemas.microsoft.com/office/drawing/2014/main" id="{90162AE8-C1B0-5C56-8313-DEE494F38273}"/>
-              </a:ext>
-            </a:extLst>
-          </p:cNvPr>
-          <p:cNvSpPr>
-            <a:spLocks noGrp="1"/>
-          </p:cNvSpPr>
-          <p:nvPr>
-            <p:ph type="title"/>
-          </p:nvPr>
-        </p:nvSpPr>
-        <p:spPr/>
-        <p:txBody>
-          <a:bodyPr/>
-          <a:lstStyle/>
-          <a:p>
-            <a:r>
-              <a:rPr lang="fr-FR" dirty="0"/>
-              <a:t>Phases d’apprentissage</a:t>
-            </a:r>
-          </a:p>
-        </p:txBody>
-      </p:sp>
-      <p:pic>
-        <p:nvPicPr>
-          <p:cNvPr id="5" name="Image 4" descr="Une image contenant texte&#10;&#10;Description générée automatiquement">
-            <a:extLst>
-              <a:ext uri="{FF2B5EF4-FFF2-40B4-BE49-F238E27FC236}">
-                <a16:creationId xmlns:a16="http://schemas.microsoft.com/office/drawing/2014/main" id="{204ADC40-1D61-539F-22ED-6B21D67FBDE6}"/>
-              </a:ext>
-            </a:extLst>
-          </p:cNvPr>
-          <p:cNvPicPr>
-            <a:picLocks noChangeAspect="1"/>
-          </p:cNvPicPr>
-          <p:nvPr/>
-        </p:nvPicPr>
-        <p:blipFill>
-          <a:blip r:embed="rId2">
-            <a:extLst>
-              <a:ext uri="{28A0092B-C50C-407E-A947-70E740481C1C}">
-                <a14:useLocalDpi xmlns:a14="http://schemas.microsoft.com/office/drawing/2010/main" val="0"/>
-              </a:ext>
-            </a:extLst>
-          </a:blip>
-          <a:stretch>
-            <a:fillRect/>
-          </a:stretch>
-        </p:blipFill>
-        <p:spPr>
-          <a:xfrm>
-            <a:off x="202922" y="5934456"/>
-            <a:ext cx="1825291" cy="749808"/>
-          </a:xfrm>
-          <a:prstGeom prst="rect">
-            <a:avLst/>
-          </a:prstGeom>
-        </p:spPr>
-      </p:pic>
-      <p:pic>
-        <p:nvPicPr>
-          <p:cNvPr id="1026" name="Picture 2">
-            <a:extLst>
-              <a:ext uri="{FF2B5EF4-FFF2-40B4-BE49-F238E27FC236}">
-                <a16:creationId xmlns:a16="http://schemas.microsoft.com/office/drawing/2014/main" id="{EEC3CC6F-ADB4-888A-B18B-7044585F0661}"/>
-              </a:ext>
-            </a:extLst>
-          </p:cNvPr>
-          <p:cNvPicPr>
-            <a:picLocks noChangeAspect="1" noChangeArrowheads="1"/>
-          </p:cNvPicPr>
-          <p:nvPr/>
-        </p:nvPicPr>
-        <p:blipFill>
-          <a:blip r:embed="rId3">
-            <a:extLst>
-              <a:ext uri="{28A0092B-C50C-407E-A947-70E740481C1C}">
-                <a14:useLocalDpi xmlns:a14="http://schemas.microsoft.com/office/drawing/2010/main" val="0"/>
-              </a:ext>
-            </a:extLst>
-          </a:blip>
-          <a:srcRect/>
-          <a:stretch>
-            <a:fillRect/>
-          </a:stretch>
-        </p:blipFill>
-        <p:spPr bwMode="auto">
-          <a:xfrm>
-            <a:off x="10552557" y="3042631"/>
-            <a:ext cx="1047750" cy="1219200"/>
-          </a:xfrm>
-          <a:prstGeom prst="rect">
-            <a:avLst/>
-          </a:prstGeom>
-          <a:noFill/>
-          <a:extLst>
-            <a:ext uri="{909E8E84-426E-40DD-AFC4-6F175D3DCCD1}">
-              <a14:hiddenFill xmlns:a14="http://schemas.microsoft.com/office/drawing/2010/main">
-                <a:solidFill>
-                  <a:srgbClr val="FFFFFF"/>
-                </a:solidFill>
-              </a14:hiddenFill>
-            </a:ext>
-          </a:extLst>
-        </p:spPr>
-      </p:pic>
-      <p:pic>
-        <p:nvPicPr>
-          <p:cNvPr id="4" name="Picture 8" descr="Résultat de recherche d'images pour &quot;spyder logo&quot;">
-            <a:extLst>
-              <a:ext uri="{FF2B5EF4-FFF2-40B4-BE49-F238E27FC236}">
-                <a16:creationId xmlns:a16="http://schemas.microsoft.com/office/drawing/2014/main" id="{7D86E94E-1CE4-F45E-69EA-100C66B3A897}"/>
-              </a:ext>
-            </a:extLst>
-          </p:cNvPr>
-          <p:cNvPicPr>
-            <a:picLocks noChangeAspect="1" noChangeArrowheads="1"/>
-          </p:cNvPicPr>
-          <p:nvPr/>
-        </p:nvPicPr>
-        <p:blipFill>
-          <a:blip r:embed="rId4">
-            <a:extLst>
-              <a:ext uri="{28A0092B-C50C-407E-A947-70E740481C1C}">
-                <a14:useLocalDpi xmlns:a14="http://schemas.microsoft.com/office/drawing/2010/main" val="0"/>
-              </a:ext>
-            </a:extLst>
-          </a:blip>
-          <a:srcRect/>
-          <a:stretch>
-            <a:fillRect/>
-          </a:stretch>
-        </p:blipFill>
-        <p:spPr bwMode="auto">
-          <a:xfrm>
-            <a:off x="10119668" y="4581003"/>
-            <a:ext cx="1913528" cy="956764"/>
-          </a:xfrm>
-          <a:prstGeom prst="rect">
-            <a:avLst/>
-          </a:prstGeom>
-          <a:noFill/>
-          <a:extLst>
-            <a:ext uri="{909E8E84-426E-40DD-AFC4-6F175D3DCCD1}">
-              <a14:hiddenFill xmlns:a14="http://schemas.microsoft.com/office/drawing/2010/main">
-                <a:solidFill>
-                  <a:srgbClr val="FFFFFF"/>
-                </a:solidFill>
-              </a14:hiddenFill>
-            </a:ext>
-          </a:extLst>
-        </p:spPr>
-      </p:pic>
-      <p:pic>
-        <p:nvPicPr>
-          <p:cNvPr id="7" name="Graphique 6" descr="Flèches de chevron avec un remplissage uni">
-            <a:extLst>
-              <a:ext uri="{FF2B5EF4-FFF2-40B4-BE49-F238E27FC236}">
-                <a16:creationId xmlns:a16="http://schemas.microsoft.com/office/drawing/2014/main" id="{80926F58-1C00-743C-5E30-C8AF32AD8C71}"/>
-              </a:ext>
-            </a:extLst>
-          </p:cNvPr>
-          <p:cNvPicPr>
-            <a:picLocks noChangeAspect="1"/>
-          </p:cNvPicPr>
-          <p:nvPr/>
-        </p:nvPicPr>
-        <p:blipFill>
-          <a:blip r:embed="rId5">
-            <a:extLst>
-              <a:ext uri="{28A0092B-C50C-407E-A947-70E740481C1C}">
-                <a14:useLocalDpi xmlns:a14="http://schemas.microsoft.com/office/drawing/2010/main" val="0"/>
-              </a:ext>
-              <a:ext uri="{96DAC541-7B7A-43D3-8B79-37D633B846F1}">
-                <asvg:svgBlip xmlns:asvg="http://schemas.microsoft.com/office/drawing/2016/SVG/main" r:embed="rId6"/>
-              </a:ext>
-            </a:extLst>
-          </a:blip>
-          <a:stretch>
-            <a:fillRect/>
-          </a:stretch>
-        </p:blipFill>
-        <p:spPr>
-          <a:xfrm>
-            <a:off x="7005291" y="437784"/>
-            <a:ext cx="1401288" cy="1401288"/>
-          </a:xfrm>
-          <a:prstGeom prst="rect">
-            <a:avLst/>
-          </a:prstGeom>
-        </p:spPr>
-      </p:pic>
-      <p:sp>
-        <p:nvSpPr>
-          <p:cNvPr id="6" name="ZoneTexte 5">
-            <a:extLst>
-              <a:ext uri="{FF2B5EF4-FFF2-40B4-BE49-F238E27FC236}">
-                <a16:creationId xmlns:a16="http://schemas.microsoft.com/office/drawing/2014/main" id="{53177DBA-E31C-6A08-5071-177B62FB5E96}"/>
-              </a:ext>
-            </a:extLst>
-          </p:cNvPr>
-          <p:cNvSpPr txBox="1"/>
-          <p:nvPr/>
-        </p:nvSpPr>
-        <p:spPr>
-          <a:xfrm>
-            <a:off x="8969659" y="1507987"/>
-            <a:ext cx="2435233" cy="369332"/>
-          </a:xfrm>
-          <a:prstGeom prst="rect">
-            <a:avLst/>
-          </a:prstGeom>
-          <a:solidFill>
-            <a:srgbClr val="00B050"/>
-          </a:solidFill>
-        </p:spPr>
-        <p:txBody>
-          <a:bodyPr wrap="square">
-            <a:spAutoFit/>
-          </a:bodyPr>
-          <a:lstStyle/>
-          <a:p>
-            <a:pPr algn="ctr"/>
-            <a:r>
-              <a:rPr lang="fr-FR" b="1" i="1" dirty="0"/>
-              <a:t>S’ENTRAINER</a:t>
-            </a:r>
-          </a:p>
-        </p:txBody>
-      </p:sp>
-    </p:spTree>
-    <p:extLst>
-      <p:ext uri="{BB962C8B-B14F-4D97-AF65-F5344CB8AC3E}">
-        <p14:creationId xmlns:p14="http://schemas.microsoft.com/office/powerpoint/2010/main" val="1124339619"/>
-      </p:ext>
-    </p:extLst>
-  </p:cSld>
-  <p:clrMapOvr>
-    <a:masterClrMapping/>
-  </p:clrMapOvr>
-</p:sld>
-</file>
-
-<file path=ppt/slides/slide22.xml><?xml version="1.0" encoding="utf-8"?>
-<p:sld xmlns:a="http://schemas.openxmlformats.org/drawingml/2006/main" xmlns:r="http://schemas.openxmlformats.org/officeDocument/2006/relationships" xmlns:p="http://schemas.openxmlformats.org/presentationml/2006/main">
-  <p:cSld>
-    <p:spTree>
-      <p:nvGrpSpPr>
-        <p:cNvPr id="1" name=""/>
-        <p:cNvGrpSpPr/>
-        <p:nvPr/>
-      </p:nvGrpSpPr>
-      <p:grpSpPr>
-        <a:xfrm>
-          <a:off x="0" y="0"/>
-          <a:ext cx="0" cy="0"/>
-          <a:chOff x="0" y="0"/>
-          <a:chExt cx="0" cy="0"/>
-        </a:xfrm>
-      </p:grpSpPr>
-      <p:sp>
-        <p:nvSpPr>
-          <p:cNvPr id="3" name="Espace réservé du contenu 2">
-            <a:extLst>
-              <a:ext uri="{FF2B5EF4-FFF2-40B4-BE49-F238E27FC236}">
-                <a16:creationId xmlns:a16="http://schemas.microsoft.com/office/drawing/2014/main" id="{E0BBB9DE-019C-C741-F224-494739D4B752}"/>
-              </a:ext>
-            </a:extLst>
-          </p:cNvPr>
-          <p:cNvSpPr>
-            <a:spLocks noGrp="1"/>
-          </p:cNvSpPr>
-          <p:nvPr>
-            <p:ph sz="half" idx="1"/>
-          </p:nvPr>
-        </p:nvSpPr>
-        <p:spPr>
-          <a:xfrm>
-            <a:off x="1115568" y="2478024"/>
-            <a:ext cx="10168128" cy="3694176"/>
-          </a:xfrm>
-        </p:spPr>
-        <p:txBody>
-          <a:bodyPr>
-            <a:normAutofit/>
-          </a:bodyPr>
-          <a:lstStyle/>
-          <a:p>
-            <a:r>
-              <a:rPr lang="fr-FR" b="1" dirty="0"/>
-              <a:t>Travail pour approfondir les notions / Valider ses acquis</a:t>
-            </a:r>
-          </a:p>
-          <a:p>
-            <a:pPr lvl="1"/>
-            <a:r>
-              <a:rPr lang="fr-FR" dirty="0"/>
-              <a:t>Résultats que vous pouvez soumettre par mail</a:t>
-            </a:r>
-          </a:p>
-          <a:p>
-            <a:pPr lvl="2"/>
-            <a:r>
-              <a:rPr lang="fr-FR" dirty="0"/>
-              <a:t>Bonnes pratiques en programmation : </a:t>
-            </a:r>
-          </a:p>
-          <a:p>
-            <a:pPr lvl="3"/>
-            <a:r>
-              <a:rPr lang="fr-FR" dirty="0"/>
-              <a:t>Code propre / documenté</a:t>
-            </a:r>
-          </a:p>
-          <a:p>
-            <a:pPr lvl="3"/>
-            <a:r>
-              <a:rPr lang="fr-FR" dirty="0"/>
-              <a:t>Utilisation de fonctions</a:t>
-            </a:r>
-          </a:p>
-          <a:p>
-            <a:pPr lvl="2"/>
-            <a:r>
-              <a:rPr lang="fr-FR" dirty="0"/>
-              <a:t>Présentation des résultats</a:t>
-            </a:r>
-          </a:p>
-          <a:p>
-            <a:pPr lvl="2"/>
-            <a:r>
-              <a:rPr lang="fr-FR" dirty="0"/>
-              <a:t>Analyse et critiques des résultats (aspect physique/mathématique)</a:t>
-            </a:r>
-          </a:p>
-        </p:txBody>
-      </p:sp>
-      <p:sp>
-        <p:nvSpPr>
-          <p:cNvPr id="2" name="Titre 1">
-            <a:extLst>
-              <a:ext uri="{FF2B5EF4-FFF2-40B4-BE49-F238E27FC236}">
-                <a16:creationId xmlns:a16="http://schemas.microsoft.com/office/drawing/2014/main" id="{90162AE8-C1B0-5C56-8313-DEE494F38273}"/>
-              </a:ext>
-            </a:extLst>
-          </p:cNvPr>
-          <p:cNvSpPr>
-            <a:spLocks noGrp="1"/>
-          </p:cNvSpPr>
-          <p:nvPr>
-            <p:ph type="title"/>
-          </p:nvPr>
-        </p:nvSpPr>
-        <p:spPr/>
-        <p:txBody>
-          <a:bodyPr/>
-          <a:lstStyle/>
-          <a:p>
-            <a:r>
-              <a:rPr lang="fr-FR" dirty="0"/>
-              <a:t>Approfondissement</a:t>
-            </a:r>
-          </a:p>
-        </p:txBody>
-      </p:sp>
-      <p:pic>
-        <p:nvPicPr>
-          <p:cNvPr id="5" name="Image 4" descr="Une image contenant texte&#10;&#10;Description générée automatiquement">
-            <a:extLst>
-              <a:ext uri="{FF2B5EF4-FFF2-40B4-BE49-F238E27FC236}">
-                <a16:creationId xmlns:a16="http://schemas.microsoft.com/office/drawing/2014/main" id="{204ADC40-1D61-539F-22ED-6B21D67FBDE6}"/>
-              </a:ext>
-            </a:extLst>
-          </p:cNvPr>
-          <p:cNvPicPr>
-            <a:picLocks noChangeAspect="1"/>
-          </p:cNvPicPr>
-          <p:nvPr/>
-        </p:nvPicPr>
-        <p:blipFill>
-          <a:blip r:embed="rId2">
-            <a:extLst>
-              <a:ext uri="{28A0092B-C50C-407E-A947-70E740481C1C}">
-                <a14:useLocalDpi xmlns:a14="http://schemas.microsoft.com/office/drawing/2010/main" val="0"/>
-              </a:ext>
-            </a:extLst>
-          </a:blip>
-          <a:stretch>
-            <a:fillRect/>
-          </a:stretch>
-        </p:blipFill>
-        <p:spPr>
-          <a:xfrm>
-            <a:off x="202922" y="5934456"/>
-            <a:ext cx="1825291" cy="749808"/>
-          </a:xfrm>
-          <a:prstGeom prst="rect">
-            <a:avLst/>
-          </a:prstGeom>
-        </p:spPr>
-      </p:pic>
-      <p:pic>
-        <p:nvPicPr>
-          <p:cNvPr id="1026" name="Picture 2">
-            <a:extLst>
-              <a:ext uri="{FF2B5EF4-FFF2-40B4-BE49-F238E27FC236}">
-                <a16:creationId xmlns:a16="http://schemas.microsoft.com/office/drawing/2014/main" id="{EEC3CC6F-ADB4-888A-B18B-7044585F0661}"/>
-              </a:ext>
-            </a:extLst>
-          </p:cNvPr>
-          <p:cNvPicPr>
-            <a:picLocks noChangeAspect="1" noChangeArrowheads="1"/>
-          </p:cNvPicPr>
-          <p:nvPr/>
-        </p:nvPicPr>
-        <p:blipFill>
-          <a:blip r:embed="rId3">
-            <a:extLst>
-              <a:ext uri="{28A0092B-C50C-407E-A947-70E740481C1C}">
-                <a14:useLocalDpi xmlns:a14="http://schemas.microsoft.com/office/drawing/2010/main" val="0"/>
-              </a:ext>
-            </a:extLst>
-          </a:blip>
-          <a:srcRect/>
-          <a:stretch>
-            <a:fillRect/>
-          </a:stretch>
-        </p:blipFill>
-        <p:spPr bwMode="auto">
-          <a:xfrm>
-            <a:off x="10552557" y="3042631"/>
-            <a:ext cx="1047750" cy="1219200"/>
-          </a:xfrm>
-          <a:prstGeom prst="rect">
-            <a:avLst/>
-          </a:prstGeom>
-          <a:noFill/>
-          <a:extLst>
-            <a:ext uri="{909E8E84-426E-40DD-AFC4-6F175D3DCCD1}">
-              <a14:hiddenFill xmlns:a14="http://schemas.microsoft.com/office/drawing/2010/main">
-                <a:solidFill>
-                  <a:srgbClr val="FFFFFF"/>
-                </a:solidFill>
-              </a14:hiddenFill>
-            </a:ext>
-          </a:extLst>
-        </p:spPr>
-      </p:pic>
-      <p:pic>
-        <p:nvPicPr>
-          <p:cNvPr id="4" name="Picture 8" descr="Résultat de recherche d'images pour &quot;spyder logo&quot;">
-            <a:extLst>
-              <a:ext uri="{FF2B5EF4-FFF2-40B4-BE49-F238E27FC236}">
-                <a16:creationId xmlns:a16="http://schemas.microsoft.com/office/drawing/2014/main" id="{7D86E94E-1CE4-F45E-69EA-100C66B3A897}"/>
-              </a:ext>
-            </a:extLst>
-          </p:cNvPr>
-          <p:cNvPicPr>
-            <a:picLocks noChangeAspect="1" noChangeArrowheads="1"/>
-          </p:cNvPicPr>
-          <p:nvPr/>
-        </p:nvPicPr>
-        <p:blipFill>
-          <a:blip r:embed="rId4">
-            <a:extLst>
-              <a:ext uri="{28A0092B-C50C-407E-A947-70E740481C1C}">
-                <a14:useLocalDpi xmlns:a14="http://schemas.microsoft.com/office/drawing/2010/main" val="0"/>
-              </a:ext>
-            </a:extLst>
-          </a:blip>
-          <a:srcRect/>
-          <a:stretch>
-            <a:fillRect/>
-          </a:stretch>
-        </p:blipFill>
-        <p:spPr bwMode="auto">
-          <a:xfrm>
-            <a:off x="10119668" y="4581003"/>
-            <a:ext cx="1913528" cy="956764"/>
-          </a:xfrm>
-          <a:prstGeom prst="rect">
-            <a:avLst/>
-          </a:prstGeom>
-          <a:noFill/>
-          <a:extLst>
-            <a:ext uri="{909E8E84-426E-40DD-AFC4-6F175D3DCCD1}">
-              <a14:hiddenFill xmlns:a14="http://schemas.microsoft.com/office/drawing/2010/main">
-                <a:solidFill>
-                  <a:srgbClr val="FFFFFF"/>
-                </a:solidFill>
-              </a14:hiddenFill>
-            </a:ext>
-          </a:extLst>
-        </p:spPr>
-      </p:pic>
-      <p:pic>
-        <p:nvPicPr>
-          <p:cNvPr id="7" name="Graphique 6" descr="Flèches de chevron avec un remplissage uni">
-            <a:extLst>
-              <a:ext uri="{FF2B5EF4-FFF2-40B4-BE49-F238E27FC236}">
-                <a16:creationId xmlns:a16="http://schemas.microsoft.com/office/drawing/2014/main" id="{80926F58-1C00-743C-5E30-C8AF32AD8C71}"/>
-              </a:ext>
-            </a:extLst>
-          </p:cNvPr>
-          <p:cNvPicPr>
-            <a:picLocks noChangeAspect="1"/>
-          </p:cNvPicPr>
-          <p:nvPr/>
-        </p:nvPicPr>
-        <p:blipFill>
-          <a:blip r:embed="rId5">
-            <a:extLst>
-              <a:ext uri="{28A0092B-C50C-407E-A947-70E740481C1C}">
-                <a14:useLocalDpi xmlns:a14="http://schemas.microsoft.com/office/drawing/2010/main" val="0"/>
-              </a:ext>
-              <a:ext uri="{96DAC541-7B7A-43D3-8B79-37D633B846F1}">
-                <asvg:svgBlip xmlns:asvg="http://schemas.microsoft.com/office/drawing/2016/SVG/main" r:embed="rId6"/>
-              </a:ext>
-            </a:extLst>
-          </a:blip>
-          <a:stretch>
-            <a:fillRect/>
-          </a:stretch>
-        </p:blipFill>
-        <p:spPr>
-          <a:xfrm>
-            <a:off x="7005291" y="437784"/>
-            <a:ext cx="1401288" cy="1401288"/>
-          </a:xfrm>
-          <a:prstGeom prst="rect">
-            <a:avLst/>
-          </a:prstGeom>
-        </p:spPr>
-      </p:pic>
-      <p:sp>
-        <p:nvSpPr>
-          <p:cNvPr id="6" name="ZoneTexte 5">
-            <a:extLst>
-              <a:ext uri="{FF2B5EF4-FFF2-40B4-BE49-F238E27FC236}">
-                <a16:creationId xmlns:a16="http://schemas.microsoft.com/office/drawing/2014/main" id="{53177DBA-E31C-6A08-5071-177B62FB5E96}"/>
-              </a:ext>
-            </a:extLst>
-          </p:cNvPr>
-          <p:cNvSpPr txBox="1"/>
-          <p:nvPr/>
-        </p:nvSpPr>
-        <p:spPr>
-          <a:xfrm>
-            <a:off x="8969659" y="1507987"/>
-            <a:ext cx="2435233" cy="369332"/>
-          </a:xfrm>
-          <a:prstGeom prst="rect">
-            <a:avLst/>
-          </a:prstGeom>
-          <a:solidFill>
-            <a:srgbClr val="7030A0"/>
-          </a:solidFill>
-        </p:spPr>
-        <p:txBody>
-          <a:bodyPr wrap="square">
-            <a:spAutoFit/>
-          </a:bodyPr>
-          <a:lstStyle/>
-          <a:p>
-            <a:pPr algn="ctr"/>
-            <a:r>
-              <a:rPr lang="fr-FR" b="1" i="1" dirty="0">
-                <a:solidFill>
-                  <a:schemeClr val="bg1"/>
-                </a:solidFill>
-              </a:rPr>
-              <a:t>ALLER PLUS LOIN</a:t>
-            </a:r>
-          </a:p>
-        </p:txBody>
-      </p:sp>
-    </p:spTree>
-    <p:extLst>
-      <p:ext uri="{BB962C8B-B14F-4D97-AF65-F5344CB8AC3E}">
-        <p14:creationId xmlns:p14="http://schemas.microsoft.com/office/powerpoint/2010/main" val="2954999839"/>
-      </p:ext>
-    </p:extLst>
-  </p:cSld>
-  <p:clrMapOvr>
-    <a:masterClrMapping/>
-  </p:clrMapOvr>
-</p:sld>
-</file>
-
-<file path=ppt/slides/slide23.xml><?xml version="1.0" encoding="utf-8"?>
 <p:sld xmlns:a="http://schemas.openxmlformats.org/drawingml/2006/main" xmlns:r="http://schemas.openxmlformats.org/officeDocument/2006/relationships" xmlns:p="http://schemas.openxmlformats.org/presentationml/2006/main">
   <p:cSld>
     <p:bg>
@@ -11427,7 +10110,7 @@
               <a:rPr lang="fr-FR" sz="4800" dirty="0">
                 <a:latin typeface="Bahnschrift SemiBold" panose="020B0502040204020203" pitchFamily="34" charset="0"/>
               </a:rPr>
-              <a:t>Evaluations</a:t>
+              <a:t>Méthodes de travail</a:t>
             </a:r>
           </a:p>
         </p:txBody>
@@ -11693,6 +10376,995 @@
     </p:spTree>
     <p:extLst>
       <p:ext uri="{BB962C8B-B14F-4D97-AF65-F5344CB8AC3E}">
+        <p14:creationId xmlns:p14="http://schemas.microsoft.com/office/powerpoint/2010/main" val="2757391437"/>
+      </p:ext>
+    </p:extLst>
+  </p:cSld>
+  <p:clrMapOvr>
+    <a:overrideClrMapping bg1="dk1" tx1="lt1" bg2="dk2" tx2="lt2" accent1="accent1" accent2="accent2" accent3="accent3" accent4="accent4" accent5="accent5" accent6="accent6" hlink="hlink" folHlink="folHlink"/>
+  </p:clrMapOvr>
+</p:sld>
+</file>
+
+<file path=ppt/slides/slide22.xml><?xml version="1.0" encoding="utf-8"?>
+<p:sld xmlns:a="http://schemas.openxmlformats.org/drawingml/2006/main" xmlns:r="http://schemas.openxmlformats.org/officeDocument/2006/relationships" xmlns:p="http://schemas.openxmlformats.org/presentationml/2006/main">
+  <p:cSld>
+    <p:spTree>
+      <p:nvGrpSpPr>
+        <p:cNvPr id="1" name=""/>
+        <p:cNvGrpSpPr/>
+        <p:nvPr/>
+      </p:nvGrpSpPr>
+      <p:grpSpPr>
+        <a:xfrm>
+          <a:off x="0" y="0"/>
+          <a:ext cx="0" cy="0"/>
+          <a:chOff x="0" y="0"/>
+          <a:chExt cx="0" cy="0"/>
+        </a:xfrm>
+      </p:grpSpPr>
+      <p:sp>
+        <p:nvSpPr>
+          <p:cNvPr id="3" name="Espace réservé du contenu 2">
+            <a:extLst>
+              <a:ext uri="{FF2B5EF4-FFF2-40B4-BE49-F238E27FC236}">
+                <a16:creationId xmlns:a16="http://schemas.microsoft.com/office/drawing/2014/main" id="{E0BBB9DE-019C-C741-F224-494739D4B752}"/>
+              </a:ext>
+            </a:extLst>
+          </p:cNvPr>
+          <p:cNvSpPr>
+            <a:spLocks noGrp="1"/>
+          </p:cNvSpPr>
+          <p:nvPr>
+            <p:ph sz="half" idx="1"/>
+          </p:nvPr>
+        </p:nvSpPr>
+        <p:spPr>
+          <a:xfrm>
+            <a:off x="1115568" y="2478024"/>
+            <a:ext cx="10407838" cy="3694176"/>
+          </a:xfrm>
+        </p:spPr>
+        <p:txBody>
+          <a:bodyPr>
+            <a:normAutofit/>
+          </a:bodyPr>
+          <a:lstStyle/>
+          <a:p>
+            <a:r>
+              <a:rPr lang="fr-FR" sz="2400" dirty="0"/>
+              <a:t>Développement sous </a:t>
+            </a:r>
+            <a:r>
+              <a:rPr lang="fr-FR" sz="2400" b="1" dirty="0"/>
+              <a:t>Python 3.9 </a:t>
+            </a:r>
+            <a:r>
+              <a:rPr lang="fr-FR" sz="2400" dirty="0"/>
+              <a:t>(min) / </a:t>
+            </a:r>
+            <a:r>
+              <a:rPr lang="fr-FR" sz="2400" b="1" dirty="0"/>
+              <a:t>Anaconda 3</a:t>
+            </a:r>
+            <a:r>
+              <a:rPr lang="fr-FR" sz="2400" dirty="0"/>
+              <a:t> / </a:t>
+            </a:r>
+            <a:r>
+              <a:rPr lang="fr-FR" sz="2400" b="1" dirty="0" err="1"/>
+              <a:t>Spyder</a:t>
+            </a:r>
+            <a:r>
+              <a:rPr lang="fr-FR" sz="2400" b="1" dirty="0"/>
+              <a:t> 5</a:t>
+            </a:r>
+          </a:p>
+          <a:p>
+            <a:pPr lvl="1"/>
+            <a:r>
+              <a:rPr lang="fr-FR" dirty="0"/>
+              <a:t>Style de code selon le guide </a:t>
+            </a:r>
+            <a:r>
+              <a:rPr lang="fr-FR" b="1" dirty="0"/>
+              <a:t>PEP 8</a:t>
+            </a:r>
+            <a:r>
+              <a:rPr lang="fr-FR" dirty="0"/>
+              <a:t>  </a:t>
+            </a:r>
+            <a:br>
+              <a:rPr lang="fr-FR" dirty="0"/>
+            </a:br>
+            <a:r>
+              <a:rPr lang="fr-FR" dirty="0"/>
+              <a:t>		https://peps.python.org/pep-0008/</a:t>
+            </a:r>
+          </a:p>
+          <a:p>
+            <a:pPr lvl="1"/>
+            <a:r>
+              <a:rPr lang="fr-FR" dirty="0"/>
+              <a:t>Style de commentaires et de documentation selon le guide </a:t>
+            </a:r>
+            <a:r>
+              <a:rPr lang="fr-FR" b="1" dirty="0"/>
+              <a:t>PEP 257 </a:t>
+            </a:r>
+            <a:br>
+              <a:rPr lang="fr-FR" b="1" dirty="0"/>
+            </a:br>
+            <a:r>
+              <a:rPr lang="fr-FR" b="1" dirty="0"/>
+              <a:t>		</a:t>
+            </a:r>
+            <a:r>
+              <a:rPr lang="fr-FR" dirty="0"/>
+              <a:t>https://peps.python.org/pep-0257/</a:t>
+            </a:r>
+          </a:p>
+          <a:p>
+            <a:r>
+              <a:rPr lang="fr-FR" sz="2400" dirty="0"/>
+              <a:t>Utilisation de bibliothèques standards (</a:t>
+            </a:r>
+            <a:r>
+              <a:rPr lang="fr-FR" sz="2400" dirty="0" err="1"/>
+              <a:t>Numpy</a:t>
+            </a:r>
+            <a:r>
+              <a:rPr lang="fr-FR" sz="2400" dirty="0"/>
+              <a:t>, </a:t>
+            </a:r>
+            <a:r>
+              <a:rPr lang="fr-FR" sz="2400" dirty="0" err="1"/>
+              <a:t>Matplotlib</a:t>
+            </a:r>
+            <a:r>
+              <a:rPr lang="fr-FR" sz="2400" dirty="0"/>
+              <a:t>, </a:t>
+            </a:r>
+            <a:r>
+              <a:rPr lang="fr-FR" sz="2400" dirty="0" err="1"/>
+              <a:t>Scipy</a:t>
+            </a:r>
+            <a:r>
+              <a:rPr lang="fr-FR" sz="2400" dirty="0"/>
+              <a:t>…)</a:t>
+            </a:r>
+          </a:p>
+          <a:p>
+            <a:r>
+              <a:rPr lang="fr-FR" sz="2400" dirty="0"/>
+              <a:t>Découpage en fonctions simples (fichiers .</a:t>
+            </a:r>
+            <a:r>
+              <a:rPr lang="fr-FR" sz="2400" dirty="0" err="1"/>
+              <a:t>py</a:t>
+            </a:r>
+            <a:r>
+              <a:rPr lang="fr-FR" sz="2400" dirty="0"/>
+              <a:t> séparés)</a:t>
+            </a:r>
+            <a:endParaRPr lang="fr-FR" dirty="0"/>
+          </a:p>
+        </p:txBody>
+      </p:sp>
+      <p:sp>
+        <p:nvSpPr>
+          <p:cNvPr id="2" name="Titre 1">
+            <a:extLst>
+              <a:ext uri="{FF2B5EF4-FFF2-40B4-BE49-F238E27FC236}">
+                <a16:creationId xmlns:a16="http://schemas.microsoft.com/office/drawing/2014/main" id="{90162AE8-C1B0-5C56-8313-DEE494F38273}"/>
+              </a:ext>
+            </a:extLst>
+          </p:cNvPr>
+          <p:cNvSpPr>
+            <a:spLocks noGrp="1"/>
+          </p:cNvSpPr>
+          <p:nvPr>
+            <p:ph type="title"/>
+          </p:nvPr>
+        </p:nvSpPr>
+        <p:spPr/>
+        <p:txBody>
+          <a:bodyPr/>
+          <a:lstStyle/>
+          <a:p>
+            <a:r>
+              <a:rPr lang="fr-FR" dirty="0"/>
+              <a:t>Méthode de travail / Bonnes pratiques</a:t>
+            </a:r>
+          </a:p>
+        </p:txBody>
+      </p:sp>
+      <p:pic>
+        <p:nvPicPr>
+          <p:cNvPr id="5" name="Image 4" descr="Une image contenant texte&#10;&#10;Description générée automatiquement">
+            <a:extLst>
+              <a:ext uri="{FF2B5EF4-FFF2-40B4-BE49-F238E27FC236}">
+                <a16:creationId xmlns:a16="http://schemas.microsoft.com/office/drawing/2014/main" id="{204ADC40-1D61-539F-22ED-6B21D67FBDE6}"/>
+              </a:ext>
+            </a:extLst>
+          </p:cNvPr>
+          <p:cNvPicPr>
+            <a:picLocks noChangeAspect="1"/>
+          </p:cNvPicPr>
+          <p:nvPr/>
+        </p:nvPicPr>
+        <p:blipFill>
+          <a:blip r:embed="rId2">
+            <a:extLst>
+              <a:ext uri="{28A0092B-C50C-407E-A947-70E740481C1C}">
+                <a14:useLocalDpi xmlns:a14="http://schemas.microsoft.com/office/drawing/2010/main" val="0"/>
+              </a:ext>
+            </a:extLst>
+          </a:blip>
+          <a:stretch>
+            <a:fillRect/>
+          </a:stretch>
+        </p:blipFill>
+        <p:spPr>
+          <a:xfrm>
+            <a:off x="202922" y="5934456"/>
+            <a:ext cx="1825291" cy="749808"/>
+          </a:xfrm>
+          <a:prstGeom prst="rect">
+            <a:avLst/>
+          </a:prstGeom>
+        </p:spPr>
+      </p:pic>
+    </p:spTree>
+    <p:extLst>
+      <p:ext uri="{BB962C8B-B14F-4D97-AF65-F5344CB8AC3E}">
+        <p14:creationId xmlns:p14="http://schemas.microsoft.com/office/powerpoint/2010/main" val="3230963344"/>
+      </p:ext>
+    </p:extLst>
+  </p:cSld>
+  <p:clrMapOvr>
+    <a:masterClrMapping/>
+  </p:clrMapOvr>
+</p:sld>
+</file>
+
+<file path=ppt/slides/slide23.xml><?xml version="1.0" encoding="utf-8"?>
+<p:sld xmlns:a="http://schemas.openxmlformats.org/drawingml/2006/main" xmlns:r="http://schemas.openxmlformats.org/officeDocument/2006/relationships" xmlns:p="http://schemas.openxmlformats.org/presentationml/2006/main">
+  <p:cSld>
+    <p:spTree>
+      <p:nvGrpSpPr>
+        <p:cNvPr id="1" name=""/>
+        <p:cNvGrpSpPr/>
+        <p:nvPr/>
+      </p:nvGrpSpPr>
+      <p:grpSpPr>
+        <a:xfrm>
+          <a:off x="0" y="0"/>
+          <a:ext cx="0" cy="0"/>
+          <a:chOff x="0" y="0"/>
+          <a:chExt cx="0" cy="0"/>
+        </a:xfrm>
+      </p:grpSpPr>
+      <p:sp>
+        <p:nvSpPr>
+          <p:cNvPr id="3" name="Espace réservé du contenu 2">
+            <a:extLst>
+              <a:ext uri="{FF2B5EF4-FFF2-40B4-BE49-F238E27FC236}">
+                <a16:creationId xmlns:a16="http://schemas.microsoft.com/office/drawing/2014/main" id="{E0BBB9DE-019C-C741-F224-494739D4B752}"/>
+              </a:ext>
+            </a:extLst>
+          </p:cNvPr>
+          <p:cNvSpPr>
+            <a:spLocks noGrp="1"/>
+          </p:cNvSpPr>
+          <p:nvPr>
+            <p:ph sz="half" idx="1"/>
+          </p:nvPr>
+        </p:nvSpPr>
+        <p:spPr>
+          <a:xfrm>
+            <a:off x="1115568" y="2478024"/>
+            <a:ext cx="10168128" cy="3694176"/>
+          </a:xfrm>
+        </p:spPr>
+        <p:txBody>
+          <a:bodyPr>
+            <a:normAutofit/>
+          </a:bodyPr>
+          <a:lstStyle/>
+          <a:p>
+            <a:r>
+              <a:rPr lang="fr-FR" dirty="0"/>
+              <a:t>Démystifier les langages de haut niveau</a:t>
+            </a:r>
+            <a:endParaRPr lang="fr-FR" b="1" dirty="0"/>
+          </a:p>
+          <a:p>
+            <a:pPr lvl="1"/>
+            <a:r>
+              <a:rPr lang="fr-FR" dirty="0"/>
+              <a:t>Quelques notions théoriques</a:t>
+            </a:r>
+          </a:p>
+          <a:p>
+            <a:pPr lvl="1"/>
+            <a:r>
+              <a:rPr lang="fr-FR" dirty="0"/>
+              <a:t>Des exemples pratiques en Python (ou C/C++)</a:t>
+            </a:r>
+          </a:p>
+          <a:p>
+            <a:r>
+              <a:rPr lang="fr-FR" dirty="0"/>
+              <a:t>Calcul scientifique / Plusieurs méthodes de résolution</a:t>
+            </a:r>
+          </a:p>
+        </p:txBody>
+      </p:sp>
+      <p:sp>
+        <p:nvSpPr>
+          <p:cNvPr id="2" name="Titre 1">
+            <a:extLst>
+              <a:ext uri="{FF2B5EF4-FFF2-40B4-BE49-F238E27FC236}">
+                <a16:creationId xmlns:a16="http://schemas.microsoft.com/office/drawing/2014/main" id="{90162AE8-C1B0-5C56-8313-DEE494F38273}"/>
+              </a:ext>
+            </a:extLst>
+          </p:cNvPr>
+          <p:cNvSpPr>
+            <a:spLocks noGrp="1"/>
+          </p:cNvSpPr>
+          <p:nvPr>
+            <p:ph type="title"/>
+          </p:nvPr>
+        </p:nvSpPr>
+        <p:spPr/>
+        <p:txBody>
+          <a:bodyPr/>
+          <a:lstStyle/>
+          <a:p>
+            <a:r>
+              <a:rPr lang="fr-FR" dirty="0"/>
+              <a:t>Méthode de travail / Bloc 1</a:t>
+            </a:r>
+          </a:p>
+        </p:txBody>
+      </p:sp>
+      <p:pic>
+        <p:nvPicPr>
+          <p:cNvPr id="5" name="Image 4" descr="Une image contenant texte&#10;&#10;Description générée automatiquement">
+            <a:extLst>
+              <a:ext uri="{FF2B5EF4-FFF2-40B4-BE49-F238E27FC236}">
+                <a16:creationId xmlns:a16="http://schemas.microsoft.com/office/drawing/2014/main" id="{204ADC40-1D61-539F-22ED-6B21D67FBDE6}"/>
+              </a:ext>
+            </a:extLst>
+          </p:cNvPr>
+          <p:cNvPicPr>
+            <a:picLocks noChangeAspect="1"/>
+          </p:cNvPicPr>
+          <p:nvPr/>
+        </p:nvPicPr>
+        <p:blipFill>
+          <a:blip r:embed="rId2">
+            <a:extLst>
+              <a:ext uri="{28A0092B-C50C-407E-A947-70E740481C1C}">
+                <a14:useLocalDpi xmlns:a14="http://schemas.microsoft.com/office/drawing/2010/main" val="0"/>
+              </a:ext>
+            </a:extLst>
+          </a:blip>
+          <a:stretch>
+            <a:fillRect/>
+          </a:stretch>
+        </p:blipFill>
+        <p:spPr>
+          <a:xfrm>
+            <a:off x="202922" y="5934456"/>
+            <a:ext cx="1825291" cy="749808"/>
+          </a:xfrm>
+          <a:prstGeom prst="rect">
+            <a:avLst/>
+          </a:prstGeom>
+        </p:spPr>
+      </p:pic>
+      <p:pic>
+        <p:nvPicPr>
+          <p:cNvPr id="1026" name="Picture 2">
+            <a:extLst>
+              <a:ext uri="{FF2B5EF4-FFF2-40B4-BE49-F238E27FC236}">
+                <a16:creationId xmlns:a16="http://schemas.microsoft.com/office/drawing/2014/main" id="{EEC3CC6F-ADB4-888A-B18B-7044585F0661}"/>
+              </a:ext>
+            </a:extLst>
+          </p:cNvPr>
+          <p:cNvPicPr>
+            <a:picLocks noChangeAspect="1" noChangeArrowheads="1"/>
+          </p:cNvPicPr>
+          <p:nvPr/>
+        </p:nvPicPr>
+        <p:blipFill>
+          <a:blip r:embed="rId3">
+            <a:extLst>
+              <a:ext uri="{28A0092B-C50C-407E-A947-70E740481C1C}">
+                <a14:useLocalDpi xmlns:a14="http://schemas.microsoft.com/office/drawing/2010/main" val="0"/>
+              </a:ext>
+            </a:extLst>
+          </a:blip>
+          <a:srcRect/>
+          <a:stretch>
+            <a:fillRect/>
+          </a:stretch>
+        </p:blipFill>
+        <p:spPr bwMode="auto">
+          <a:xfrm>
+            <a:off x="3389364" y="4715256"/>
+            <a:ext cx="1047750" cy="1219200"/>
+          </a:xfrm>
+          <a:prstGeom prst="rect">
+            <a:avLst/>
+          </a:prstGeom>
+          <a:noFill/>
+          <a:extLst>
+            <a:ext uri="{909E8E84-426E-40DD-AFC4-6F175D3DCCD1}">
+              <a14:hiddenFill xmlns:a14="http://schemas.microsoft.com/office/drawing/2010/main">
+                <a:solidFill>
+                  <a:srgbClr val="FFFFFF"/>
+                </a:solidFill>
+              </a14:hiddenFill>
+            </a:ext>
+          </a:extLst>
+        </p:spPr>
+      </p:pic>
+      <p:pic>
+        <p:nvPicPr>
+          <p:cNvPr id="4" name="Picture 8" descr="Résultat de recherche d'images pour &quot;spyder logo&quot;">
+            <a:extLst>
+              <a:ext uri="{FF2B5EF4-FFF2-40B4-BE49-F238E27FC236}">
+                <a16:creationId xmlns:a16="http://schemas.microsoft.com/office/drawing/2014/main" id="{7D86E94E-1CE4-F45E-69EA-100C66B3A897}"/>
+              </a:ext>
+            </a:extLst>
+          </p:cNvPr>
+          <p:cNvPicPr>
+            <a:picLocks noChangeAspect="1" noChangeArrowheads="1"/>
+          </p:cNvPicPr>
+          <p:nvPr/>
+        </p:nvPicPr>
+        <p:blipFill>
+          <a:blip r:embed="rId4">
+            <a:extLst>
+              <a:ext uri="{28A0092B-C50C-407E-A947-70E740481C1C}">
+                <a14:useLocalDpi xmlns:a14="http://schemas.microsoft.com/office/drawing/2010/main" val="0"/>
+              </a:ext>
+            </a:extLst>
+          </a:blip>
+          <a:srcRect/>
+          <a:stretch>
+            <a:fillRect/>
+          </a:stretch>
+        </p:blipFill>
+        <p:spPr bwMode="auto">
+          <a:xfrm>
+            <a:off x="7506412" y="4846474"/>
+            <a:ext cx="1913528" cy="956764"/>
+          </a:xfrm>
+          <a:prstGeom prst="rect">
+            <a:avLst/>
+          </a:prstGeom>
+          <a:noFill/>
+          <a:extLst>
+            <a:ext uri="{909E8E84-426E-40DD-AFC4-6F175D3DCCD1}">
+              <a14:hiddenFill xmlns:a14="http://schemas.microsoft.com/office/drawing/2010/main">
+                <a:solidFill>
+                  <a:srgbClr val="FFFFFF"/>
+                </a:solidFill>
+              </a14:hiddenFill>
+            </a:ext>
+          </a:extLst>
+        </p:spPr>
+      </p:pic>
+    </p:spTree>
+    <p:extLst>
+      <p:ext uri="{BB962C8B-B14F-4D97-AF65-F5344CB8AC3E}">
+        <p14:creationId xmlns:p14="http://schemas.microsoft.com/office/powerpoint/2010/main" val="2211726380"/>
+      </p:ext>
+    </p:extLst>
+  </p:cSld>
+  <p:clrMapOvr>
+    <a:masterClrMapping/>
+  </p:clrMapOvr>
+</p:sld>
+</file>
+
+<file path=ppt/slides/slide24.xml><?xml version="1.0" encoding="utf-8"?>
+<p:sld xmlns:a="http://schemas.openxmlformats.org/drawingml/2006/main" xmlns:r="http://schemas.openxmlformats.org/officeDocument/2006/relationships" xmlns:p="http://schemas.openxmlformats.org/presentationml/2006/main">
+  <p:cSld>
+    <p:bg>
+      <p:bgPr>
+        <a:solidFill>
+          <a:schemeClr val="bg1"/>
+        </a:solidFill>
+        <a:effectLst/>
+      </p:bgPr>
+    </p:bg>
+    <p:spTree>
+      <p:nvGrpSpPr>
+        <p:cNvPr id="1" name=""/>
+        <p:cNvGrpSpPr/>
+        <p:nvPr/>
+      </p:nvGrpSpPr>
+      <p:grpSpPr>
+        <a:xfrm>
+          <a:off x="0" y="0"/>
+          <a:ext cx="0" cy="0"/>
+          <a:chOff x="0" y="0"/>
+          <a:chExt cx="0" cy="0"/>
+        </a:xfrm>
+      </p:grpSpPr>
+      <p:sp useBgFill="1">
+        <p:nvSpPr>
+          <p:cNvPr id="9" name="Rectangle 8">
+            <a:extLst>
+              <a:ext uri="{FF2B5EF4-FFF2-40B4-BE49-F238E27FC236}">
+                <a16:creationId xmlns:a16="http://schemas.microsoft.com/office/drawing/2014/main" id="{526E0BFB-CDF1-4990-8C11-AC849311E0A8}"/>
+              </a:ext>
+              <a:ext uri="{C183D7F6-B498-43B3-948B-1728B52AA6E4}">
+                <adec:decorative xmlns:adec="http://schemas.microsoft.com/office/drawing/2017/decorative" val="1"/>
+              </a:ext>
+            </a:extLst>
+          </p:cNvPr>
+          <p:cNvSpPr>
+            <a:spLocks noGrp="1" noRot="1" noChangeAspect="1" noMove="1" noResize="1" noEditPoints="1" noAdjustHandles="1" noChangeArrowheads="1" noChangeShapeType="1" noTextEdit="1"/>
+          </p:cNvSpPr>
+          <p:nvPr>
+            <p:extLst>
+              <p:ext uri="{386F3935-93C4-4BCD-93E2-E3B085C9AB24}">
+                <p16:designElem xmlns:p16="http://schemas.microsoft.com/office/powerpoint/2015/main" val="1"/>
+              </p:ext>
+            </p:extLst>
+          </p:nvPr>
+        </p:nvSpPr>
+        <p:spPr>
+          <a:xfrm>
+            <a:off x="0" y="0"/>
+            <a:ext cx="12192000" cy="6858000"/>
+          </a:xfrm>
+          <a:prstGeom prst="rect">
+            <a:avLst/>
+          </a:prstGeom>
+          <a:ln>
+            <a:noFill/>
+          </a:ln>
+        </p:spPr>
+        <p:style>
+          <a:lnRef idx="2">
+            <a:schemeClr val="accent1">
+              <a:shade val="50000"/>
+            </a:schemeClr>
+          </a:lnRef>
+          <a:fillRef idx="1">
+            <a:schemeClr val="accent1"/>
+          </a:fillRef>
+          <a:effectRef idx="0">
+            <a:schemeClr val="accent1"/>
+          </a:effectRef>
+          <a:fontRef idx="minor">
+            <a:schemeClr val="lt1"/>
+          </a:fontRef>
+        </p:style>
+        <p:txBody>
+          <a:bodyPr rtlCol="0" anchor="ctr"/>
+          <a:lstStyle/>
+          <a:p>
+            <a:pPr algn="ctr"/>
+            <a:endParaRPr lang="en-US"/>
+          </a:p>
+        </p:txBody>
+      </p:sp>
+      <p:pic>
+        <p:nvPicPr>
+          <p:cNvPr id="4" name="Picture 3">
+            <a:extLst>
+              <a:ext uri="{FF2B5EF4-FFF2-40B4-BE49-F238E27FC236}">
+                <a16:creationId xmlns:a16="http://schemas.microsoft.com/office/drawing/2014/main" id="{4C72F330-992B-B125-739B-F8303ED3A097}"/>
+              </a:ext>
+            </a:extLst>
+          </p:cNvPr>
+          <p:cNvPicPr>
+            <a:picLocks noChangeAspect="1"/>
+          </p:cNvPicPr>
+          <p:nvPr/>
+        </p:nvPicPr>
+        <p:blipFill rotWithShape="1">
+          <a:blip r:embed="rId2"/>
+          <a:srcRect t="11669" r="-1" b="426"/>
+          <a:stretch/>
+        </p:blipFill>
+        <p:spPr>
+          <a:xfrm>
+            <a:off x="-2" y="10"/>
+            <a:ext cx="8668512" cy="6857990"/>
+          </a:xfrm>
+          <a:prstGeom prst="rect">
+            <a:avLst/>
+          </a:prstGeom>
+        </p:spPr>
+      </p:pic>
+      <p:sp>
+        <p:nvSpPr>
+          <p:cNvPr id="11" name="Rectangle 10">
+            <a:extLst>
+              <a:ext uri="{FF2B5EF4-FFF2-40B4-BE49-F238E27FC236}">
+                <a16:creationId xmlns:a16="http://schemas.microsoft.com/office/drawing/2014/main" id="{6069A1F8-9BEB-4786-9694-FC48B2D75D21}"/>
+              </a:ext>
+              <a:ext uri="{C183D7F6-B498-43B3-948B-1728B52AA6E4}">
+                <adec:decorative xmlns:adec="http://schemas.microsoft.com/office/drawing/2017/decorative" val="1"/>
+              </a:ext>
+            </a:extLst>
+          </p:cNvPr>
+          <p:cNvSpPr>
+            <a:spLocks noGrp="1" noRot="1" noChangeAspect="1" noMove="1" noResize="1" noEditPoints="1" noAdjustHandles="1" noChangeArrowheads="1" noChangeShapeType="1" noTextEdit="1"/>
+          </p:cNvSpPr>
+          <p:nvPr>
+            <p:extLst>
+              <p:ext uri="{386F3935-93C4-4BCD-93E2-E3B085C9AB24}">
+                <p16:designElem xmlns:p16="http://schemas.microsoft.com/office/powerpoint/2015/main" val="1"/>
+              </p:ext>
+            </p:extLst>
+          </p:nvPr>
+        </p:nvSpPr>
+        <p:spPr>
+          <a:xfrm flipH="1">
+            <a:off x="2788244" y="0"/>
+            <a:ext cx="9403756" cy="6858000"/>
+          </a:xfrm>
+          <a:prstGeom prst="rect">
+            <a:avLst/>
+          </a:prstGeom>
+          <a:gradFill>
+            <a:gsLst>
+              <a:gs pos="58000">
+                <a:schemeClr val="bg1"/>
+              </a:gs>
+              <a:gs pos="30000">
+                <a:schemeClr val="bg1">
+                  <a:alpha val="64000"/>
+                </a:schemeClr>
+              </a:gs>
+              <a:gs pos="0">
+                <a:schemeClr val="bg1">
+                  <a:alpha val="0"/>
+                </a:schemeClr>
+              </a:gs>
+              <a:gs pos="100000">
+                <a:schemeClr val="bg1"/>
+              </a:gs>
+            </a:gsLst>
+            <a:lin ang="10800000" scaled="0"/>
+          </a:gradFill>
+          <a:ln>
+            <a:noFill/>
+          </a:ln>
+        </p:spPr>
+        <p:style>
+          <a:lnRef idx="2">
+            <a:schemeClr val="accent1">
+              <a:shade val="50000"/>
+            </a:schemeClr>
+          </a:lnRef>
+          <a:fillRef idx="1">
+            <a:schemeClr val="accent1"/>
+          </a:fillRef>
+          <a:effectRef idx="0">
+            <a:schemeClr val="accent1"/>
+          </a:effectRef>
+          <a:fontRef idx="minor">
+            <a:schemeClr val="lt1"/>
+          </a:fontRef>
+        </p:style>
+        <p:txBody>
+          <a:bodyPr rtlCol="0" anchor="ctr"/>
+          <a:lstStyle/>
+          <a:p>
+            <a:pPr algn="ctr"/>
+            <a:endParaRPr lang="en-US" dirty="0"/>
+          </a:p>
+        </p:txBody>
+      </p:sp>
+      <p:sp>
+        <p:nvSpPr>
+          <p:cNvPr id="2" name="Titre 1">
+            <a:extLst>
+              <a:ext uri="{FF2B5EF4-FFF2-40B4-BE49-F238E27FC236}">
+                <a16:creationId xmlns:a16="http://schemas.microsoft.com/office/drawing/2014/main" id="{CF8D1EB8-F6E7-EB54-1CC8-28472070B9FC}"/>
+              </a:ext>
+            </a:extLst>
+          </p:cNvPr>
+          <p:cNvSpPr>
+            <a:spLocks noGrp="1"/>
+          </p:cNvSpPr>
+          <p:nvPr>
+            <p:ph type="ctrTitle"/>
+          </p:nvPr>
+        </p:nvSpPr>
+        <p:spPr>
+          <a:xfrm>
+            <a:off x="7848600" y="1122363"/>
+            <a:ext cx="4023360" cy="3204134"/>
+          </a:xfrm>
+        </p:spPr>
+        <p:txBody>
+          <a:bodyPr anchor="b">
+            <a:normAutofit/>
+          </a:bodyPr>
+          <a:lstStyle/>
+          <a:p>
+            <a:r>
+              <a:rPr lang="fr-FR" sz="4800" dirty="0">
+                <a:latin typeface="Bahnschrift SemiBold" panose="020B0502040204020203" pitchFamily="34" charset="0"/>
+              </a:rPr>
+              <a:t>Evaluations</a:t>
+            </a:r>
+          </a:p>
+        </p:txBody>
+      </p:sp>
+      <p:sp>
+        <p:nvSpPr>
+          <p:cNvPr id="3" name="Sous-titre 2">
+            <a:extLst>
+              <a:ext uri="{FF2B5EF4-FFF2-40B4-BE49-F238E27FC236}">
+                <a16:creationId xmlns:a16="http://schemas.microsoft.com/office/drawing/2014/main" id="{BDFEFAEF-AB6A-BE8F-01E7-845FB609FA07}"/>
+              </a:ext>
+            </a:extLst>
+          </p:cNvPr>
+          <p:cNvSpPr>
+            <a:spLocks noGrp="1"/>
+          </p:cNvSpPr>
+          <p:nvPr>
+            <p:ph type="subTitle" idx="1"/>
+          </p:nvPr>
+        </p:nvSpPr>
+        <p:spPr>
+          <a:xfrm>
+            <a:off x="7848600" y="4872922"/>
+            <a:ext cx="4023360" cy="1208141"/>
+          </a:xfrm>
+        </p:spPr>
+        <p:txBody>
+          <a:bodyPr>
+            <a:normAutofit/>
+          </a:bodyPr>
+          <a:lstStyle/>
+          <a:p>
+            <a:r>
+              <a:rPr lang="fr-FR" sz="2000" dirty="0">
+                <a:latin typeface="Bahnschrift Light" panose="020B0502040204020203" pitchFamily="34" charset="0"/>
+              </a:rPr>
+              <a:t>Outils Numériques / Semestre 5 Institut d’Optique / B1_0</a:t>
+            </a:r>
+          </a:p>
+        </p:txBody>
+      </p:sp>
+      <p:sp>
+        <p:nvSpPr>
+          <p:cNvPr id="32" name="Rectangle 12">
+            <a:extLst>
+              <a:ext uri="{FF2B5EF4-FFF2-40B4-BE49-F238E27FC236}">
+                <a16:creationId xmlns:a16="http://schemas.microsoft.com/office/drawing/2014/main" id="{AF2F604E-43BE-4DC3-B983-E071523364F8}"/>
+              </a:ext>
+              <a:ext uri="{C183D7F6-B498-43B3-948B-1728B52AA6E4}">
+                <adec:decorative xmlns:adec="http://schemas.microsoft.com/office/drawing/2017/decorative" val="1"/>
+              </a:ext>
+            </a:extLst>
+          </p:cNvPr>
+          <p:cNvSpPr>
+            <a:spLocks noGrp="1" noRot="1" noChangeAspect="1" noMove="1" noResize="1" noEditPoints="1" noAdjustHandles="1" noChangeArrowheads="1" noChangeShapeType="1" noTextEdit="1"/>
+          </p:cNvSpPr>
+          <p:nvPr>
+            <p:extLst>
+              <p:ext uri="{386F3935-93C4-4BCD-93E2-E3B085C9AB24}">
+                <p16:designElem xmlns:p16="http://schemas.microsoft.com/office/powerpoint/2015/main" val="1"/>
+              </p:ext>
+            </p:extLst>
+          </p:nvPr>
+        </p:nvSpPr>
+        <p:spPr>
+          <a:xfrm rot="5400000">
+            <a:off x="8130540" y="346791"/>
+            <a:ext cx="146304" cy="704088"/>
+          </a:xfrm>
+          <a:prstGeom prst="rect">
+            <a:avLst/>
+          </a:prstGeom>
+          <a:solidFill>
+            <a:schemeClr val="accent1"/>
+          </a:solidFill>
+          <a:ln>
+            <a:noFill/>
+          </a:ln>
+        </p:spPr>
+        <p:style>
+          <a:lnRef idx="2">
+            <a:schemeClr val="accent1">
+              <a:shade val="50000"/>
+            </a:schemeClr>
+          </a:lnRef>
+          <a:fillRef idx="1">
+            <a:schemeClr val="accent1"/>
+          </a:fillRef>
+          <a:effectRef idx="0">
+            <a:schemeClr val="accent1"/>
+          </a:effectRef>
+          <a:fontRef idx="minor">
+            <a:schemeClr val="lt1"/>
+          </a:fontRef>
+        </p:style>
+        <p:txBody>
+          <a:bodyPr rtlCol="0" anchor="ctr"/>
+          <a:lstStyle/>
+          <a:p>
+            <a:pPr marL="0" marR="0" lvl="0" indent="0" algn="ctr" defTabSz="914400" rtl="0" eaLnBrk="1" fontAlgn="auto" latinLnBrk="0" hangingPunct="1">
+              <a:lnSpc>
+                <a:spcPct val="100000"/>
+              </a:lnSpc>
+              <a:spcBef>
+                <a:spcPts val="0"/>
+              </a:spcBef>
+              <a:spcAft>
+                <a:spcPts val="0"/>
+              </a:spcAft>
+              <a:buClrTx/>
+              <a:buSzTx/>
+              <a:buFontTx/>
+              <a:buNone/>
+              <a:tabLst/>
+              <a:defRPr/>
+            </a:pPr>
+            <a:endParaRPr kumimoji="0" lang="en-US" sz="1800" b="0" i="0" u="none" strike="noStrike" kern="1200" cap="none" spc="0" normalizeH="0" baseline="0" noProof="0">
+              <a:ln>
+                <a:noFill/>
+              </a:ln>
+              <a:solidFill>
+                <a:prstClr val="white"/>
+              </a:solidFill>
+              <a:effectLst/>
+              <a:uLnTx/>
+              <a:uFillTx/>
+              <a:latin typeface="Calibri" panose="020F0502020204030204"/>
+              <a:ea typeface="+mn-ea"/>
+              <a:cs typeface="+mn-cs"/>
+            </a:endParaRPr>
+          </a:p>
+        </p:txBody>
+      </p:sp>
+      <p:sp>
+        <p:nvSpPr>
+          <p:cNvPr id="33" name="Rectangle 14">
+            <a:extLst>
+              <a:ext uri="{FF2B5EF4-FFF2-40B4-BE49-F238E27FC236}">
+                <a16:creationId xmlns:a16="http://schemas.microsoft.com/office/drawing/2014/main" id="{08C9B587-E65E-4B52-B37C-ABEBB6E87928}"/>
+              </a:ext>
+              <a:ext uri="{C183D7F6-B498-43B3-948B-1728B52AA6E4}">
+                <adec:decorative xmlns:adec="http://schemas.microsoft.com/office/drawing/2017/decorative" val="1"/>
+              </a:ext>
+            </a:extLst>
+          </p:cNvPr>
+          <p:cNvSpPr>
+            <a:spLocks noGrp="1" noRot="1" noChangeAspect="1" noMove="1" noResize="1" noEditPoints="1" noAdjustHandles="1" noChangeArrowheads="1" noChangeShapeType="1" noTextEdit="1"/>
+          </p:cNvSpPr>
+          <p:nvPr>
+            <p:extLst>
+              <p:ext uri="{386F3935-93C4-4BCD-93E2-E3B085C9AB24}">
+                <p16:designElem xmlns:p16="http://schemas.microsoft.com/office/powerpoint/2015/main" val="1"/>
+              </p:ext>
+            </p:extLst>
+          </p:nvPr>
+        </p:nvSpPr>
+        <p:spPr>
+          <a:xfrm>
+            <a:off x="7851648" y="4546920"/>
+            <a:ext cx="4023360" cy="18288"/>
+          </a:xfrm>
+          <a:prstGeom prst="rect">
+            <a:avLst/>
+          </a:prstGeom>
+          <a:solidFill>
+            <a:schemeClr val="tx1"/>
+          </a:solidFill>
+          <a:ln w="3175">
+            <a:noFill/>
+          </a:ln>
+          <a:effectLst/>
+        </p:spPr>
+        <p:style>
+          <a:lnRef idx="2">
+            <a:schemeClr val="accent1">
+              <a:shade val="50000"/>
+            </a:schemeClr>
+          </a:lnRef>
+          <a:fillRef idx="1">
+            <a:schemeClr val="accent1"/>
+          </a:fillRef>
+          <a:effectRef idx="0">
+            <a:schemeClr val="accent1"/>
+          </a:effectRef>
+          <a:fontRef idx="minor">
+            <a:schemeClr val="lt1"/>
+          </a:fontRef>
+        </p:style>
+        <p:txBody>
+          <a:bodyPr rtlCol="0" anchor="ctr"/>
+          <a:lstStyle/>
+          <a:p>
+            <a:pPr marL="0" marR="0" lvl="0" indent="0" algn="ctr" defTabSz="914400" rtl="0" eaLnBrk="1" fontAlgn="auto" latinLnBrk="0" hangingPunct="1">
+              <a:lnSpc>
+                <a:spcPct val="100000"/>
+              </a:lnSpc>
+              <a:spcBef>
+                <a:spcPts val="0"/>
+              </a:spcBef>
+              <a:spcAft>
+                <a:spcPts val="0"/>
+              </a:spcAft>
+              <a:buClrTx/>
+              <a:buSzTx/>
+              <a:buFontTx/>
+              <a:buNone/>
+              <a:tabLst/>
+              <a:defRPr/>
+            </a:pPr>
+            <a:endParaRPr kumimoji="0" lang="en-US" sz="1800" b="0" i="0" u="none" strike="noStrike" kern="1200" cap="none" spc="0" normalizeH="0" baseline="0" noProof="0">
+              <a:ln>
+                <a:noFill/>
+              </a:ln>
+              <a:solidFill>
+                <a:prstClr val="white"/>
+              </a:solidFill>
+              <a:effectLst/>
+              <a:uLnTx/>
+              <a:uFillTx/>
+              <a:latin typeface="Calibri" panose="020F0502020204030204"/>
+              <a:ea typeface="+mn-ea"/>
+              <a:cs typeface="+mn-cs"/>
+            </a:endParaRPr>
+          </a:p>
+        </p:txBody>
+      </p:sp>
+      <p:pic>
+        <p:nvPicPr>
+          <p:cNvPr id="6" name="Image 5" descr="Une image contenant texte&#10;&#10;Description générée automatiquement">
+            <a:extLst>
+              <a:ext uri="{FF2B5EF4-FFF2-40B4-BE49-F238E27FC236}">
+                <a16:creationId xmlns:a16="http://schemas.microsoft.com/office/drawing/2014/main" id="{3D75D9F9-6192-EA6A-A7C9-F09C6FC342AD}"/>
+              </a:ext>
+            </a:extLst>
+          </p:cNvPr>
+          <p:cNvPicPr>
+            <a:picLocks noChangeAspect="1"/>
+          </p:cNvPicPr>
+          <p:nvPr/>
+        </p:nvPicPr>
+        <p:blipFill>
+          <a:blip r:embed="rId3">
+            <a:extLst>
+              <a:ext uri="{28A0092B-C50C-407E-A947-70E740481C1C}">
+                <a14:useLocalDpi xmlns:a14="http://schemas.microsoft.com/office/drawing/2010/main" val="0"/>
+              </a:ext>
+            </a:extLst>
+          </a:blip>
+          <a:stretch>
+            <a:fillRect/>
+          </a:stretch>
+        </p:blipFill>
+        <p:spPr>
+          <a:xfrm>
+            <a:off x="168033" y="195172"/>
+            <a:ext cx="2452178" cy="1007326"/>
+          </a:xfrm>
+          <a:prstGeom prst="rect">
+            <a:avLst/>
+          </a:prstGeom>
+        </p:spPr>
+      </p:pic>
+    </p:spTree>
+    <p:extLst>
+      <p:ext uri="{BB962C8B-B14F-4D97-AF65-F5344CB8AC3E}">
         <p14:creationId xmlns:p14="http://schemas.microsoft.com/office/powerpoint/2010/main" val="493874568"/>
       </p:ext>
     </p:extLst>
@@ -11703,7 +11375,7 @@
 </p:sld>
 </file>
 
-<file path=ppt/slides/slide24.xml><?xml version="1.0" encoding="utf-8"?>
+<file path=ppt/slides/slide25.xml><?xml version="1.0" encoding="utf-8"?>
 <p:sld xmlns:a="http://schemas.openxmlformats.org/drawingml/2006/main" xmlns:r="http://schemas.openxmlformats.org/officeDocument/2006/relationships" xmlns:p="http://schemas.openxmlformats.org/presentationml/2006/main">
   <p:cSld>
     <p:spTree>

--- a/ONIP/onip_b0_intro/B0_0_Outils_Methodes.pptx
+++ b/ONIP/onip_b0_intro/B0_0_Outils_Methodes.pptx
@@ -221,7 +221,7 @@
           <a:p>
             <a:fld id="{7C2ED78D-DC5F-4349-9BB1-6BA0129AAA21}" type="datetimeFigureOut">
               <a:rPr lang="fr-FR" smtClean="0"/>
-              <a:t>03/03/2024</a:t>
+              <a:t>04/04/2024</a:t>
             </a:fld>
             <a:endParaRPr lang="fr-FR"/>
           </a:p>
@@ -1076,7 +1076,7 @@
           <a:p>
             <a:fld id="{02AC24A9-CCB6-4F8D-B8DB-C2F3692CFA5A}" type="datetimeFigureOut">
               <a:rPr lang="en-US" smtClean="0"/>
-              <a:t>3/3/2024</a:t>
+              <a:t>4/4/2024</a:t>
             </a:fld>
             <a:endParaRPr lang="en-US" dirty="0"/>
           </a:p>
@@ -1446,7 +1446,7 @@
           <a:p>
             <a:fld id="{02AC24A9-CCB6-4F8D-B8DB-C2F3692CFA5A}" type="datetimeFigureOut">
               <a:rPr lang="en-US" smtClean="0"/>
-              <a:t>3/3/2024</a:t>
+              <a:t>4/4/2024</a:t>
             </a:fld>
             <a:endParaRPr lang="en-US"/>
           </a:p>
@@ -1655,7 +1655,7 @@
           <a:p>
             <a:fld id="{02AC24A9-CCB6-4F8D-B8DB-C2F3692CFA5A}" type="datetimeFigureOut">
               <a:rPr lang="en-US" smtClean="0"/>
-              <a:t>3/3/2024</a:t>
+              <a:t>4/4/2024</a:t>
             </a:fld>
             <a:endParaRPr lang="en-US"/>
           </a:p>
@@ -2125,7 +2125,7 @@
           <a:p>
             <a:fld id="{02AC24A9-CCB6-4F8D-B8DB-C2F3692CFA5A}" type="datetimeFigureOut">
               <a:rPr lang="en-US" smtClean="0"/>
-              <a:t>3/3/2024</a:t>
+              <a:t>4/4/2024</a:t>
             </a:fld>
             <a:endParaRPr lang="en-US"/>
           </a:p>
@@ -2579,7 +2579,7 @@
           <a:p>
             <a:fld id="{02AC24A9-CCB6-4F8D-B8DB-C2F3692CFA5A}" type="datetimeFigureOut">
               <a:rPr lang="en-US" smtClean="0"/>
-              <a:t>3/3/2024</a:t>
+              <a:t>4/4/2024</a:t>
             </a:fld>
             <a:endParaRPr lang="en-US"/>
           </a:p>
@@ -3111,7 +3111,7 @@
           <a:p>
             <a:fld id="{02AC24A9-CCB6-4F8D-B8DB-C2F3692CFA5A}" type="datetimeFigureOut">
               <a:rPr lang="en-US" smtClean="0"/>
-              <a:t>3/3/2024</a:t>
+              <a:t>4/4/2024</a:t>
             </a:fld>
             <a:endParaRPr lang="en-US"/>
           </a:p>
@@ -3810,7 +3810,7 @@
           <a:p>
             <a:fld id="{02AC24A9-CCB6-4F8D-B8DB-C2F3692CFA5A}" type="datetimeFigureOut">
               <a:rPr lang="en-US" smtClean="0"/>
-              <a:t>3/3/2024</a:t>
+              <a:t>4/4/2024</a:t>
             </a:fld>
             <a:endParaRPr lang="en-US"/>
           </a:p>
@@ -4139,7 +4139,7 @@
           <a:p>
             <a:fld id="{02AC24A9-CCB6-4F8D-B8DB-C2F3692CFA5A}" type="datetimeFigureOut">
               <a:rPr lang="en-US" smtClean="0"/>
-              <a:t>3/3/2024</a:t>
+              <a:t>4/4/2024</a:t>
             </a:fld>
             <a:endParaRPr lang="en-US"/>
           </a:p>
@@ -4252,7 +4252,7 @@
           <a:p>
             <a:fld id="{02AC24A9-CCB6-4F8D-B8DB-C2F3692CFA5A}" type="datetimeFigureOut">
               <a:rPr lang="en-US" smtClean="0"/>
-              <a:t>3/3/2024</a:t>
+              <a:t>4/4/2024</a:t>
             </a:fld>
             <a:endParaRPr lang="en-US"/>
           </a:p>
@@ -4747,7 +4747,7 @@
           <a:p>
             <a:fld id="{02AC24A9-CCB6-4F8D-B8DB-C2F3692CFA5A}" type="datetimeFigureOut">
               <a:rPr lang="en-US" smtClean="0"/>
-              <a:t>3/3/2024</a:t>
+              <a:t>4/4/2024</a:t>
             </a:fld>
             <a:endParaRPr lang="en-US" dirty="0"/>
           </a:p>
@@ -5224,7 +5224,7 @@
           <a:p>
             <a:fld id="{02AC24A9-CCB6-4F8D-B8DB-C2F3692CFA5A}" type="datetimeFigureOut">
               <a:rPr lang="en-US" smtClean="0"/>
-              <a:t>3/3/2024</a:t>
+              <a:t>4/4/2024</a:t>
             </a:fld>
             <a:endParaRPr lang="en-US"/>
           </a:p>
@@ -5467,7 +5467,7 @@
           <a:p>
             <a:fld id="{02AC24A9-CCB6-4F8D-B8DB-C2F3692CFA5A}" type="datetimeFigureOut">
               <a:rPr lang="en-US" smtClean="0"/>
-              <a:t>3/3/2024</a:t>
+              <a:t>4/4/2024</a:t>
             </a:fld>
             <a:endParaRPr lang="en-US"/>
           </a:p>
@@ -10690,13 +10690,13 @@
             <a:pPr lvl="1"/>
             <a:r>
               <a:rPr lang="fr-FR" dirty="0"/>
-              <a:t>Des exemples pratiques en Python (ou C/C++)</a:t>
+              <a:t>Des exemples pratiques en Python</a:t>
             </a:r>
           </a:p>
           <a:p>
             <a:r>
               <a:rPr lang="fr-FR" dirty="0"/>
-              <a:t>Calcul scientifique / Plusieurs méthodes de résolution</a:t>
+              <a:t>Bonnes pratiques en Python</a:t>
             </a:r>
           </a:p>
         </p:txBody>

--- a/ONIP/onip_b0_intro/B0_0_Outils_Methodes.pptx
+++ b/ONIP/onip_b0_intro/B0_0_Outils_Methodes.pptx
@@ -5,7 +5,7 @@
     <p:sldMasterId id="2147483711" r:id="rId1"/>
   </p:sldMasterIdLst>
   <p:notesMasterIdLst>
-    <p:notesMasterId r:id="rId27"/>
+    <p:notesMasterId r:id="rId26"/>
   </p:notesMasterIdLst>
   <p:sldIdLst>
     <p:sldId id="256" r:id="rId2"/>
@@ -30,9 +30,8 @@
     <p:sldId id="259" r:id="rId21"/>
     <p:sldId id="263" r:id="rId22"/>
     <p:sldId id="261" r:id="rId23"/>
-    <p:sldId id="260" r:id="rId24"/>
-    <p:sldId id="281" r:id="rId25"/>
-    <p:sldId id="282" r:id="rId26"/>
+    <p:sldId id="281" r:id="rId24"/>
+    <p:sldId id="282" r:id="rId25"/>
   </p:sldIdLst>
   <p:sldSz cx="12192000" cy="6858000"/>
   <p:notesSz cx="6858000" cy="9144000"/>
@@ -221,7 +220,7 @@
           <a:p>
             <a:fld id="{7C2ED78D-DC5F-4349-9BB1-6BA0129AAA21}" type="datetimeFigureOut">
               <a:rPr lang="fr-FR" smtClean="0"/>
-              <a:t>04/04/2024</a:t>
+              <a:t>24/04/2024</a:t>
             </a:fld>
             <a:endParaRPr lang="fr-FR"/>
           </a:p>
@@ -1076,7 +1075,7 @@
           <a:p>
             <a:fld id="{02AC24A9-CCB6-4F8D-B8DB-C2F3692CFA5A}" type="datetimeFigureOut">
               <a:rPr lang="en-US" smtClean="0"/>
-              <a:t>4/4/2024</a:t>
+              <a:t>4/24/2024</a:t>
             </a:fld>
             <a:endParaRPr lang="en-US" dirty="0"/>
           </a:p>
@@ -1446,7 +1445,7 @@
           <a:p>
             <a:fld id="{02AC24A9-CCB6-4F8D-B8DB-C2F3692CFA5A}" type="datetimeFigureOut">
               <a:rPr lang="en-US" smtClean="0"/>
-              <a:t>4/4/2024</a:t>
+              <a:t>4/24/2024</a:t>
             </a:fld>
             <a:endParaRPr lang="en-US"/>
           </a:p>
@@ -1655,7 +1654,7 @@
           <a:p>
             <a:fld id="{02AC24A9-CCB6-4F8D-B8DB-C2F3692CFA5A}" type="datetimeFigureOut">
               <a:rPr lang="en-US" smtClean="0"/>
-              <a:t>4/4/2024</a:t>
+              <a:t>4/24/2024</a:t>
             </a:fld>
             <a:endParaRPr lang="en-US"/>
           </a:p>
@@ -2125,7 +2124,7 @@
           <a:p>
             <a:fld id="{02AC24A9-CCB6-4F8D-B8DB-C2F3692CFA5A}" type="datetimeFigureOut">
               <a:rPr lang="en-US" smtClean="0"/>
-              <a:t>4/4/2024</a:t>
+              <a:t>4/24/2024</a:t>
             </a:fld>
             <a:endParaRPr lang="en-US"/>
           </a:p>
@@ -2579,7 +2578,7 @@
           <a:p>
             <a:fld id="{02AC24A9-CCB6-4F8D-B8DB-C2F3692CFA5A}" type="datetimeFigureOut">
               <a:rPr lang="en-US" smtClean="0"/>
-              <a:t>4/4/2024</a:t>
+              <a:t>4/24/2024</a:t>
             </a:fld>
             <a:endParaRPr lang="en-US"/>
           </a:p>
@@ -3111,7 +3110,7 @@
           <a:p>
             <a:fld id="{02AC24A9-CCB6-4F8D-B8DB-C2F3692CFA5A}" type="datetimeFigureOut">
               <a:rPr lang="en-US" smtClean="0"/>
-              <a:t>4/4/2024</a:t>
+              <a:t>4/24/2024</a:t>
             </a:fld>
             <a:endParaRPr lang="en-US"/>
           </a:p>
@@ -3810,7 +3809,7 @@
           <a:p>
             <a:fld id="{02AC24A9-CCB6-4F8D-B8DB-C2F3692CFA5A}" type="datetimeFigureOut">
               <a:rPr lang="en-US" smtClean="0"/>
-              <a:t>4/4/2024</a:t>
+              <a:t>4/24/2024</a:t>
             </a:fld>
             <a:endParaRPr lang="en-US"/>
           </a:p>
@@ -4139,7 +4138,7 @@
           <a:p>
             <a:fld id="{02AC24A9-CCB6-4F8D-B8DB-C2F3692CFA5A}" type="datetimeFigureOut">
               <a:rPr lang="en-US" smtClean="0"/>
-              <a:t>4/4/2024</a:t>
+              <a:t>4/24/2024</a:t>
             </a:fld>
             <a:endParaRPr lang="en-US"/>
           </a:p>
@@ -4252,7 +4251,7 @@
           <a:p>
             <a:fld id="{02AC24A9-CCB6-4F8D-B8DB-C2F3692CFA5A}" type="datetimeFigureOut">
               <a:rPr lang="en-US" smtClean="0"/>
-              <a:t>4/4/2024</a:t>
+              <a:t>4/24/2024</a:t>
             </a:fld>
             <a:endParaRPr lang="en-US"/>
           </a:p>
@@ -4747,7 +4746,7 @@
           <a:p>
             <a:fld id="{02AC24A9-CCB6-4F8D-B8DB-C2F3692CFA5A}" type="datetimeFigureOut">
               <a:rPr lang="en-US" smtClean="0"/>
-              <a:t>4/4/2024</a:t>
+              <a:t>4/24/2024</a:t>
             </a:fld>
             <a:endParaRPr lang="en-US" dirty="0"/>
           </a:p>
@@ -5224,7 +5223,7 @@
           <a:p>
             <a:fld id="{02AC24A9-CCB6-4F8D-B8DB-C2F3692CFA5A}" type="datetimeFigureOut">
               <a:rPr lang="en-US" smtClean="0"/>
-              <a:t>4/4/2024</a:t>
+              <a:t>4/24/2024</a:t>
             </a:fld>
             <a:endParaRPr lang="en-US"/>
           </a:p>
@@ -5467,7 +5466,7 @@
           <a:p>
             <a:fld id="{02AC24A9-CCB6-4F8D-B8DB-C2F3692CFA5A}" type="datetimeFigureOut">
               <a:rPr lang="en-US" smtClean="0"/>
-              <a:t>4/4/2024</a:t>
+              <a:t>4/24/2024</a:t>
             </a:fld>
             <a:endParaRPr lang="en-US"/>
           </a:p>
@@ -6606,6 +6605,47 @@
           </a:p>
         </p:txBody>
       </p:sp>
+      <p:sp>
+        <p:nvSpPr>
+          <p:cNvPr id="6" name="ZoneTexte 5">
+            <a:extLst>
+              <a:ext uri="{FF2B5EF4-FFF2-40B4-BE49-F238E27FC236}">
+                <a16:creationId xmlns:a16="http://schemas.microsoft.com/office/drawing/2014/main" id="{A650E868-52DC-8546-634A-3BE0633C2BE4}"/>
+              </a:ext>
+            </a:extLst>
+          </p:cNvPr>
+          <p:cNvSpPr txBox="1"/>
+          <p:nvPr/>
+        </p:nvSpPr>
+        <p:spPr>
+          <a:xfrm rot="19731946">
+            <a:off x="270437" y="4945119"/>
+            <a:ext cx="1275734" cy="369332"/>
+          </a:xfrm>
+          <a:prstGeom prst="rect">
+            <a:avLst/>
+          </a:prstGeom>
+          <a:solidFill>
+            <a:srgbClr val="FF0000"/>
+          </a:solidFill>
+        </p:spPr>
+        <p:txBody>
+          <a:bodyPr wrap="none" rtlCol="0">
+            <a:spAutoFit/>
+          </a:bodyPr>
+          <a:lstStyle/>
+          <a:p>
+            <a:r>
+              <a:rPr lang="fr-FR" b="1" dirty="0">
+                <a:solidFill>
+                  <a:schemeClr val="bg1"/>
+                </a:solidFill>
+              </a:rPr>
+              <a:t>A REVOIR</a:t>
+            </a:r>
+          </a:p>
+        </p:txBody>
+      </p:sp>
     </p:spTree>
     <p:extLst>
       <p:ext uri="{BB962C8B-B14F-4D97-AF65-F5344CB8AC3E}">
@@ -7119,6 +7159,47 @@
           </a:p>
         </p:txBody>
       </p:sp>
+      <p:sp>
+        <p:nvSpPr>
+          <p:cNvPr id="6" name="ZoneTexte 5">
+            <a:extLst>
+              <a:ext uri="{FF2B5EF4-FFF2-40B4-BE49-F238E27FC236}">
+                <a16:creationId xmlns:a16="http://schemas.microsoft.com/office/drawing/2014/main" id="{81D27B8E-759E-2A59-51B6-3994FE92309D}"/>
+              </a:ext>
+            </a:extLst>
+          </p:cNvPr>
+          <p:cNvSpPr txBox="1"/>
+          <p:nvPr/>
+        </p:nvSpPr>
+        <p:spPr>
+          <a:xfrm rot="19731946">
+            <a:off x="270437" y="4945119"/>
+            <a:ext cx="1275734" cy="369332"/>
+          </a:xfrm>
+          <a:prstGeom prst="rect">
+            <a:avLst/>
+          </a:prstGeom>
+          <a:solidFill>
+            <a:srgbClr val="FF0000"/>
+          </a:solidFill>
+        </p:spPr>
+        <p:txBody>
+          <a:bodyPr wrap="none" rtlCol="0">
+            <a:spAutoFit/>
+          </a:bodyPr>
+          <a:lstStyle/>
+          <a:p>
+            <a:r>
+              <a:rPr lang="fr-FR" b="1" dirty="0">
+                <a:solidFill>
+                  <a:schemeClr val="bg1"/>
+                </a:solidFill>
+              </a:rPr>
+              <a:t>A REVOIR</a:t>
+            </a:r>
+          </a:p>
+        </p:txBody>
+      </p:sp>
     </p:spTree>
     <p:extLst>
       <p:ext uri="{BB962C8B-B14F-4D97-AF65-F5344CB8AC3E}">
@@ -7370,6 +7451,47 @@
           </a:p>
         </p:txBody>
       </p:sp>
+      <p:sp>
+        <p:nvSpPr>
+          <p:cNvPr id="4" name="ZoneTexte 3">
+            <a:extLst>
+              <a:ext uri="{FF2B5EF4-FFF2-40B4-BE49-F238E27FC236}">
+                <a16:creationId xmlns:a16="http://schemas.microsoft.com/office/drawing/2014/main" id="{9AA9F70C-30DD-422B-3664-8FE5697ADEAA}"/>
+              </a:ext>
+            </a:extLst>
+          </p:cNvPr>
+          <p:cNvSpPr txBox="1"/>
+          <p:nvPr/>
+        </p:nvSpPr>
+        <p:spPr>
+          <a:xfrm rot="19731946">
+            <a:off x="270437" y="4945119"/>
+            <a:ext cx="1275734" cy="369332"/>
+          </a:xfrm>
+          <a:prstGeom prst="rect">
+            <a:avLst/>
+          </a:prstGeom>
+          <a:solidFill>
+            <a:srgbClr val="FF0000"/>
+          </a:solidFill>
+        </p:spPr>
+        <p:txBody>
+          <a:bodyPr wrap="none" rtlCol="0">
+            <a:spAutoFit/>
+          </a:bodyPr>
+          <a:lstStyle/>
+          <a:p>
+            <a:r>
+              <a:rPr lang="fr-FR" b="1" dirty="0">
+                <a:solidFill>
+                  <a:schemeClr val="bg1"/>
+                </a:solidFill>
+              </a:rPr>
+              <a:t>A REVOIR</a:t>
+            </a:r>
+          </a:p>
+        </p:txBody>
+      </p:sp>
     </p:spTree>
     <p:extLst>
       <p:ext uri="{BB962C8B-B14F-4D97-AF65-F5344CB8AC3E}">
@@ -7926,7 +8048,7 @@
           <a:p>
             <a:r>
               <a:rPr lang="fr-FR" sz="1600" dirty="0"/>
-              <a:t>Séance 4 : synthèse</a:t>
+              <a:t>Séance 4 : évaluation</a:t>
             </a:r>
           </a:p>
         </p:txBody>
@@ -8050,6 +8172,47 @@
             <a:r>
               <a:rPr lang="fr-FR" sz="1600" dirty="0"/>
               <a:t> : signal modulé en amplitude / acquisition numérique</a:t>
+            </a:r>
+          </a:p>
+        </p:txBody>
+      </p:sp>
+      <p:sp>
+        <p:nvSpPr>
+          <p:cNvPr id="4" name="ZoneTexte 3">
+            <a:extLst>
+              <a:ext uri="{FF2B5EF4-FFF2-40B4-BE49-F238E27FC236}">
+                <a16:creationId xmlns:a16="http://schemas.microsoft.com/office/drawing/2014/main" id="{AD2724CF-AAB2-02B7-C410-3D91B6A4D145}"/>
+              </a:ext>
+            </a:extLst>
+          </p:cNvPr>
+          <p:cNvSpPr txBox="1"/>
+          <p:nvPr/>
+        </p:nvSpPr>
+        <p:spPr>
+          <a:xfrm rot="19731946">
+            <a:off x="270437" y="4945119"/>
+            <a:ext cx="1275734" cy="369332"/>
+          </a:xfrm>
+          <a:prstGeom prst="rect">
+            <a:avLst/>
+          </a:prstGeom>
+          <a:solidFill>
+            <a:srgbClr val="FF0000"/>
+          </a:solidFill>
+        </p:spPr>
+        <p:txBody>
+          <a:bodyPr wrap="none" rtlCol="0">
+            <a:spAutoFit/>
+          </a:bodyPr>
+          <a:lstStyle/>
+          <a:p>
+            <a:r>
+              <a:rPr lang="fr-FR" b="1" dirty="0">
+                <a:solidFill>
+                  <a:schemeClr val="bg1"/>
+                </a:solidFill>
+              </a:rPr>
+              <a:t>A REVOIR</a:t>
             </a:r>
           </a:p>
         </p:txBody>
@@ -9458,21 +9621,7 @@
           <a:p>
             <a:r>
               <a:rPr lang="fr-FR" dirty="0"/>
-              <a:t>Résolution d’équations / de systèmes d’équations</a:t>
-            </a:r>
-          </a:p>
-          <a:p>
-            <a:pPr lvl="1"/>
-            <a:r>
-              <a:rPr lang="fr-FR" dirty="0"/>
-              <a:t>Symbolique</a:t>
-            </a:r>
-          </a:p>
-          <a:p>
-            <a:pPr lvl="1"/>
-            <a:r>
-              <a:rPr lang="fr-FR" dirty="0"/>
-              <a:t>Numérique</a:t>
+              <a:t>Résolution de systèmes d’équations</a:t>
             </a:r>
           </a:p>
           <a:p>
@@ -10615,6 +10764,47 @@
           </a:prstGeom>
         </p:spPr>
       </p:pic>
+      <p:sp>
+        <p:nvSpPr>
+          <p:cNvPr id="4" name="ZoneTexte 3">
+            <a:extLst>
+              <a:ext uri="{FF2B5EF4-FFF2-40B4-BE49-F238E27FC236}">
+                <a16:creationId xmlns:a16="http://schemas.microsoft.com/office/drawing/2014/main" id="{8FD39AAB-FC1C-78C2-6F34-81FB9AF66F9D}"/>
+              </a:ext>
+            </a:extLst>
+          </p:cNvPr>
+          <p:cNvSpPr txBox="1"/>
+          <p:nvPr/>
+        </p:nvSpPr>
+        <p:spPr>
+          <a:xfrm rot="19731946">
+            <a:off x="270437" y="4945119"/>
+            <a:ext cx="1275734" cy="369332"/>
+          </a:xfrm>
+          <a:prstGeom prst="rect">
+            <a:avLst/>
+          </a:prstGeom>
+          <a:solidFill>
+            <a:srgbClr val="FF0000"/>
+          </a:solidFill>
+        </p:spPr>
+        <p:txBody>
+          <a:bodyPr wrap="none" rtlCol="0">
+            <a:spAutoFit/>
+          </a:bodyPr>
+          <a:lstStyle/>
+          <a:p>
+            <a:r>
+              <a:rPr lang="fr-FR" b="1" dirty="0">
+                <a:solidFill>
+                  <a:schemeClr val="bg1"/>
+                </a:solidFill>
+              </a:rPr>
+              <a:t>A REVOIR</a:t>
+            </a:r>
+          </a:p>
+        </p:txBody>
+      </p:sp>
     </p:spTree>
     <p:extLst>
       <p:ext uri="{BB962C8B-B14F-4D97-AF65-F5344CB8AC3E}">
@@ -10629,250 +10819,6 @@
 </file>
 
 <file path=ppt/slides/slide23.xml><?xml version="1.0" encoding="utf-8"?>
-<p:sld xmlns:a="http://schemas.openxmlformats.org/drawingml/2006/main" xmlns:r="http://schemas.openxmlformats.org/officeDocument/2006/relationships" xmlns:p="http://schemas.openxmlformats.org/presentationml/2006/main">
-  <p:cSld>
-    <p:spTree>
-      <p:nvGrpSpPr>
-        <p:cNvPr id="1" name=""/>
-        <p:cNvGrpSpPr/>
-        <p:nvPr/>
-      </p:nvGrpSpPr>
-      <p:grpSpPr>
-        <a:xfrm>
-          <a:off x="0" y="0"/>
-          <a:ext cx="0" cy="0"/>
-          <a:chOff x="0" y="0"/>
-          <a:chExt cx="0" cy="0"/>
-        </a:xfrm>
-      </p:grpSpPr>
-      <p:sp>
-        <p:nvSpPr>
-          <p:cNvPr id="3" name="Espace réservé du contenu 2">
-            <a:extLst>
-              <a:ext uri="{FF2B5EF4-FFF2-40B4-BE49-F238E27FC236}">
-                <a16:creationId xmlns:a16="http://schemas.microsoft.com/office/drawing/2014/main" id="{E0BBB9DE-019C-C741-F224-494739D4B752}"/>
-              </a:ext>
-            </a:extLst>
-          </p:cNvPr>
-          <p:cNvSpPr>
-            <a:spLocks noGrp="1"/>
-          </p:cNvSpPr>
-          <p:nvPr>
-            <p:ph sz="half" idx="1"/>
-          </p:nvPr>
-        </p:nvSpPr>
-        <p:spPr>
-          <a:xfrm>
-            <a:off x="1115568" y="2478024"/>
-            <a:ext cx="10168128" cy="3694176"/>
-          </a:xfrm>
-        </p:spPr>
-        <p:txBody>
-          <a:bodyPr>
-            <a:normAutofit/>
-          </a:bodyPr>
-          <a:lstStyle/>
-          <a:p>
-            <a:r>
-              <a:rPr lang="fr-FR" dirty="0"/>
-              <a:t>Démystifier les langages de haut niveau</a:t>
-            </a:r>
-            <a:endParaRPr lang="fr-FR" b="1" dirty="0"/>
-          </a:p>
-          <a:p>
-            <a:pPr lvl="1"/>
-            <a:r>
-              <a:rPr lang="fr-FR" dirty="0"/>
-              <a:t>Quelques notions théoriques</a:t>
-            </a:r>
-          </a:p>
-          <a:p>
-            <a:pPr lvl="1"/>
-            <a:r>
-              <a:rPr lang="fr-FR" dirty="0"/>
-              <a:t>Des exemples pratiques en Python</a:t>
-            </a:r>
-          </a:p>
-          <a:p>
-            <a:r>
-              <a:rPr lang="fr-FR" dirty="0"/>
-              <a:t>Bonnes pratiques en Python</a:t>
-            </a:r>
-          </a:p>
-        </p:txBody>
-      </p:sp>
-      <p:sp>
-        <p:nvSpPr>
-          <p:cNvPr id="2" name="Titre 1">
-            <a:extLst>
-              <a:ext uri="{FF2B5EF4-FFF2-40B4-BE49-F238E27FC236}">
-                <a16:creationId xmlns:a16="http://schemas.microsoft.com/office/drawing/2014/main" id="{90162AE8-C1B0-5C56-8313-DEE494F38273}"/>
-              </a:ext>
-            </a:extLst>
-          </p:cNvPr>
-          <p:cNvSpPr>
-            <a:spLocks noGrp="1"/>
-          </p:cNvSpPr>
-          <p:nvPr>
-            <p:ph type="title"/>
-          </p:nvPr>
-        </p:nvSpPr>
-        <p:spPr/>
-        <p:txBody>
-          <a:bodyPr/>
-          <a:lstStyle/>
-          <a:p>
-            <a:r>
-              <a:rPr lang="fr-FR" dirty="0"/>
-              <a:t>Méthode de travail / Bloc 1</a:t>
-            </a:r>
-          </a:p>
-        </p:txBody>
-      </p:sp>
-      <p:pic>
-        <p:nvPicPr>
-          <p:cNvPr id="5" name="Image 4" descr="Une image contenant texte&#10;&#10;Description générée automatiquement">
-            <a:extLst>
-              <a:ext uri="{FF2B5EF4-FFF2-40B4-BE49-F238E27FC236}">
-                <a16:creationId xmlns:a16="http://schemas.microsoft.com/office/drawing/2014/main" id="{204ADC40-1D61-539F-22ED-6B21D67FBDE6}"/>
-              </a:ext>
-            </a:extLst>
-          </p:cNvPr>
-          <p:cNvPicPr>
-            <a:picLocks noChangeAspect="1"/>
-          </p:cNvPicPr>
-          <p:nvPr/>
-        </p:nvPicPr>
-        <p:blipFill>
-          <a:blip r:embed="rId2">
-            <a:extLst>
-              <a:ext uri="{28A0092B-C50C-407E-A947-70E740481C1C}">
-                <a14:useLocalDpi xmlns:a14="http://schemas.microsoft.com/office/drawing/2010/main" val="0"/>
-              </a:ext>
-            </a:extLst>
-          </a:blip>
-          <a:stretch>
-            <a:fillRect/>
-          </a:stretch>
-        </p:blipFill>
-        <p:spPr>
-          <a:xfrm>
-            <a:off x="202922" y="5934456"/>
-            <a:ext cx="1825291" cy="749808"/>
-          </a:xfrm>
-          <a:prstGeom prst="rect">
-            <a:avLst/>
-          </a:prstGeom>
-        </p:spPr>
-      </p:pic>
-      <p:pic>
-        <p:nvPicPr>
-          <p:cNvPr id="1026" name="Picture 2">
-            <a:extLst>
-              <a:ext uri="{FF2B5EF4-FFF2-40B4-BE49-F238E27FC236}">
-                <a16:creationId xmlns:a16="http://schemas.microsoft.com/office/drawing/2014/main" id="{EEC3CC6F-ADB4-888A-B18B-7044585F0661}"/>
-              </a:ext>
-            </a:extLst>
-          </p:cNvPr>
-          <p:cNvPicPr>
-            <a:picLocks noChangeAspect="1" noChangeArrowheads="1"/>
-          </p:cNvPicPr>
-          <p:nvPr/>
-        </p:nvPicPr>
-        <p:blipFill>
-          <a:blip r:embed="rId3">
-            <a:extLst>
-              <a:ext uri="{28A0092B-C50C-407E-A947-70E740481C1C}">
-                <a14:useLocalDpi xmlns:a14="http://schemas.microsoft.com/office/drawing/2010/main" val="0"/>
-              </a:ext>
-            </a:extLst>
-          </a:blip>
-          <a:srcRect/>
-          <a:stretch>
-            <a:fillRect/>
-          </a:stretch>
-        </p:blipFill>
-        <p:spPr bwMode="auto">
-          <a:xfrm>
-            <a:off x="3389364" y="4715256"/>
-            <a:ext cx="1047750" cy="1219200"/>
-          </a:xfrm>
-          <a:prstGeom prst="rect">
-            <a:avLst/>
-          </a:prstGeom>
-          <a:noFill/>
-          <a:extLst>
-            <a:ext uri="{909E8E84-426E-40DD-AFC4-6F175D3DCCD1}">
-              <a14:hiddenFill xmlns:a14="http://schemas.microsoft.com/office/drawing/2010/main">
-                <a:solidFill>
-                  <a:srgbClr val="FFFFFF"/>
-                </a:solidFill>
-              </a14:hiddenFill>
-            </a:ext>
-          </a:extLst>
-        </p:spPr>
-      </p:pic>
-      <p:pic>
-        <p:nvPicPr>
-          <p:cNvPr id="4" name="Picture 8" descr="Résultat de recherche d'images pour &quot;spyder logo&quot;">
-            <a:extLst>
-              <a:ext uri="{FF2B5EF4-FFF2-40B4-BE49-F238E27FC236}">
-                <a16:creationId xmlns:a16="http://schemas.microsoft.com/office/drawing/2014/main" id="{7D86E94E-1CE4-F45E-69EA-100C66B3A897}"/>
-              </a:ext>
-            </a:extLst>
-          </p:cNvPr>
-          <p:cNvPicPr>
-            <a:picLocks noChangeAspect="1" noChangeArrowheads="1"/>
-          </p:cNvPicPr>
-          <p:nvPr/>
-        </p:nvPicPr>
-        <p:blipFill>
-          <a:blip r:embed="rId4">
-            <a:extLst>
-              <a:ext uri="{28A0092B-C50C-407E-A947-70E740481C1C}">
-                <a14:useLocalDpi xmlns:a14="http://schemas.microsoft.com/office/drawing/2010/main" val="0"/>
-              </a:ext>
-            </a:extLst>
-          </a:blip>
-          <a:srcRect/>
-          <a:stretch>
-            <a:fillRect/>
-          </a:stretch>
-        </p:blipFill>
-        <p:spPr bwMode="auto">
-          <a:xfrm>
-            <a:off x="7506412" y="4846474"/>
-            <a:ext cx="1913528" cy="956764"/>
-          </a:xfrm>
-          <a:prstGeom prst="rect">
-            <a:avLst/>
-          </a:prstGeom>
-          <a:noFill/>
-          <a:extLst>
-            <a:ext uri="{909E8E84-426E-40DD-AFC4-6F175D3DCCD1}">
-              <a14:hiddenFill xmlns:a14="http://schemas.microsoft.com/office/drawing/2010/main">
-                <a:solidFill>
-                  <a:srgbClr val="FFFFFF"/>
-                </a:solidFill>
-              </a14:hiddenFill>
-            </a:ext>
-          </a:extLst>
-        </p:spPr>
-      </p:pic>
-    </p:spTree>
-    <p:extLst>
-      <p:ext uri="{BB962C8B-B14F-4D97-AF65-F5344CB8AC3E}">
-        <p14:creationId xmlns:p14="http://schemas.microsoft.com/office/powerpoint/2010/main" val="2211726380"/>
-      </p:ext>
-    </p:extLst>
-  </p:cSld>
-  <p:clrMapOvr>
-    <a:masterClrMapping/>
-  </p:clrMapOvr>
-</p:sld>
-</file>
-
-<file path=ppt/slides/slide24.xml><?xml version="1.0" encoding="utf-8"?>
 <p:sld xmlns:a="http://schemas.openxmlformats.org/drawingml/2006/main" xmlns:r="http://schemas.openxmlformats.org/officeDocument/2006/relationships" xmlns:p="http://schemas.openxmlformats.org/presentationml/2006/main">
   <p:cSld>
     <p:bg>
@@ -11375,7 +11321,7 @@
 </p:sld>
 </file>
 
-<file path=ppt/slides/slide25.xml><?xml version="1.0" encoding="utf-8"?>
+<file path=ppt/slides/slide24.xml><?xml version="1.0" encoding="utf-8"?>
 <p:sld xmlns:a="http://schemas.openxmlformats.org/drawingml/2006/main" xmlns:r="http://schemas.openxmlformats.org/officeDocument/2006/relationships" xmlns:p="http://schemas.openxmlformats.org/presentationml/2006/main">
   <p:cSld>
     <p:spTree>
@@ -11684,6 +11630,47 @@
           </a:prstGeom>
         </p:spPr>
       </p:pic>
+      <p:sp>
+        <p:nvSpPr>
+          <p:cNvPr id="4" name="ZoneTexte 3">
+            <a:extLst>
+              <a:ext uri="{FF2B5EF4-FFF2-40B4-BE49-F238E27FC236}">
+                <a16:creationId xmlns:a16="http://schemas.microsoft.com/office/drawing/2014/main" id="{8D1A2304-2192-0F26-4F8C-82EAC43C0B3C}"/>
+              </a:ext>
+            </a:extLst>
+          </p:cNvPr>
+          <p:cNvSpPr txBox="1"/>
+          <p:nvPr/>
+        </p:nvSpPr>
+        <p:spPr>
+          <a:xfrm rot="19731946">
+            <a:off x="270437" y="4945119"/>
+            <a:ext cx="1275734" cy="369332"/>
+          </a:xfrm>
+          <a:prstGeom prst="rect">
+            <a:avLst/>
+          </a:prstGeom>
+          <a:solidFill>
+            <a:srgbClr val="FF0000"/>
+          </a:solidFill>
+        </p:spPr>
+        <p:txBody>
+          <a:bodyPr wrap="none" rtlCol="0">
+            <a:spAutoFit/>
+          </a:bodyPr>
+          <a:lstStyle/>
+          <a:p>
+            <a:r>
+              <a:rPr lang="fr-FR" b="1" dirty="0">
+                <a:solidFill>
+                  <a:schemeClr val="bg1"/>
+                </a:solidFill>
+              </a:rPr>
+              <a:t>A REVOIR</a:t>
+            </a:r>
+          </a:p>
+        </p:txBody>
+      </p:sp>
     </p:spTree>
     <p:extLst>
       <p:ext uri="{BB962C8B-B14F-4D97-AF65-F5344CB8AC3E}">
@@ -15281,6 +15268,47 @@
           <a:p>
             <a:pPr lvl="1"/>
             <a:endParaRPr lang="fr-FR" dirty="0"/>
+          </a:p>
+        </p:txBody>
+      </p:sp>
+      <p:sp>
+        <p:nvSpPr>
+          <p:cNvPr id="4" name="ZoneTexte 3">
+            <a:extLst>
+              <a:ext uri="{FF2B5EF4-FFF2-40B4-BE49-F238E27FC236}">
+                <a16:creationId xmlns:a16="http://schemas.microsoft.com/office/drawing/2014/main" id="{D561072C-1D00-5393-A28C-4267FC2EDD7A}"/>
+              </a:ext>
+            </a:extLst>
+          </p:cNvPr>
+          <p:cNvSpPr txBox="1"/>
+          <p:nvPr/>
+        </p:nvSpPr>
+        <p:spPr>
+          <a:xfrm rot="19731946">
+            <a:off x="270437" y="4945119"/>
+            <a:ext cx="1275734" cy="369332"/>
+          </a:xfrm>
+          <a:prstGeom prst="rect">
+            <a:avLst/>
+          </a:prstGeom>
+          <a:solidFill>
+            <a:srgbClr val="FF0000"/>
+          </a:solidFill>
+        </p:spPr>
+        <p:txBody>
+          <a:bodyPr wrap="none" rtlCol="0">
+            <a:spAutoFit/>
+          </a:bodyPr>
+          <a:lstStyle/>
+          <a:p>
+            <a:r>
+              <a:rPr lang="fr-FR" b="1" dirty="0">
+                <a:solidFill>
+                  <a:schemeClr val="bg1"/>
+                </a:solidFill>
+              </a:rPr>
+              <a:t>A REVOIR</a:t>
+            </a:r>
           </a:p>
         </p:txBody>
       </p:sp>
